--- a/tfgPP.pptx
+++ b/tfgPP.pptx
@@ -9,6 +9,10 @@
     <p:sldId id="257" r:id="rId3"/>
     <p:sldId id="258" r:id="rId4"/>
     <p:sldId id="259" r:id="rId5"/>
+    <p:sldId id="260" r:id="rId6"/>
+    <p:sldId id="261" r:id="rId7"/>
+    <p:sldId id="262" r:id="rId8"/>
+    <p:sldId id="263" r:id="rId9"/>
   </p:sldIdLst>
   <p:sldSz cx="12192000" cy="6858000"/>
   <p:notesSz cx="6858000" cy="9144000"/>
@@ -183,10 +187,9 @@
           </a:lstStyle>
           <a:p>
             <a:r>
-              <a:rPr lang="es-ES" smtClean="0"/>
+              <a:rPr lang="es-ES"/>
               <a:t>Haga clic para modificar el estilo de título del patrón</a:t>
             </a:r>
-            <a:endParaRPr lang="es-ES"/>
           </a:p>
         </p:txBody>
       </p:sp>
@@ -248,10 +251,9 @@
           </a:lstStyle>
           <a:p>
             <a:r>
-              <a:rPr lang="es-ES" smtClean="0"/>
+              <a:rPr lang="es-ES"/>
               <a:t>Haga clic para modificar el estilo de subtítulo del patrón</a:t>
             </a:r>
-            <a:endParaRPr lang="es-ES"/>
           </a:p>
         </p:txBody>
       </p:sp>
@@ -272,7 +274,7 @@
           <a:p>
             <a:fld id="{8161FC19-448B-45B3-ABDC-99AC11CB222E}" type="datetimeFigureOut">
               <a:rPr lang="es-ES" smtClean="0"/>
-              <a:t>28/03/2018</a:t>
+              <a:t>25/06/2018</a:t>
             </a:fld>
             <a:endParaRPr lang="es-ES"/>
           </a:p>
@@ -366,10 +368,9 @@
           <a:lstStyle/>
           <a:p>
             <a:r>
-              <a:rPr lang="es-ES" smtClean="0"/>
+              <a:rPr lang="es-ES"/>
               <a:t>Haga clic para modificar el estilo de título del patrón</a:t>
             </a:r>
-            <a:endParaRPr lang="es-ES"/>
           </a:p>
         </p:txBody>
       </p:sp>
@@ -390,38 +391,37 @@
           <a:p>
             <a:pPr lvl="0"/>
             <a:r>
-              <a:rPr lang="es-ES" smtClean="0"/>
+              <a:rPr lang="es-ES"/>
               <a:t>Haga clic para modificar el estilo de texto del patrón</a:t>
             </a:r>
           </a:p>
           <a:p>
             <a:pPr lvl="1"/>
             <a:r>
-              <a:rPr lang="es-ES" smtClean="0"/>
+              <a:rPr lang="es-ES"/>
               <a:t>Segundo nivel</a:t>
             </a:r>
           </a:p>
           <a:p>
             <a:pPr lvl="2"/>
             <a:r>
-              <a:rPr lang="es-ES" smtClean="0"/>
+              <a:rPr lang="es-ES"/>
               <a:t>Tercer nivel</a:t>
             </a:r>
           </a:p>
           <a:p>
             <a:pPr lvl="3"/>
             <a:r>
-              <a:rPr lang="es-ES" smtClean="0"/>
+              <a:rPr lang="es-ES"/>
               <a:t>Cuarto nivel</a:t>
             </a:r>
           </a:p>
           <a:p>
             <a:pPr lvl="4"/>
             <a:r>
-              <a:rPr lang="es-ES" smtClean="0"/>
+              <a:rPr lang="es-ES"/>
               <a:t>Quinto nivel</a:t>
             </a:r>
-            <a:endParaRPr lang="es-ES"/>
           </a:p>
         </p:txBody>
       </p:sp>
@@ -442,7 +442,7 @@
           <a:p>
             <a:fld id="{8161FC19-448B-45B3-ABDC-99AC11CB222E}" type="datetimeFigureOut">
               <a:rPr lang="es-ES" smtClean="0"/>
-              <a:t>28/03/2018</a:t>
+              <a:t>25/06/2018</a:t>
             </a:fld>
             <a:endParaRPr lang="es-ES"/>
           </a:p>
@@ -541,10 +541,9 @@
           <a:lstStyle/>
           <a:p>
             <a:r>
-              <a:rPr lang="es-ES" smtClean="0"/>
+              <a:rPr lang="es-ES"/>
               <a:t>Haga clic para modificar el estilo de título del patrón</a:t>
             </a:r>
-            <a:endParaRPr lang="es-ES"/>
           </a:p>
         </p:txBody>
       </p:sp>
@@ -570,38 +569,37 @@
           <a:p>
             <a:pPr lvl="0"/>
             <a:r>
-              <a:rPr lang="es-ES" smtClean="0"/>
+              <a:rPr lang="es-ES"/>
               <a:t>Haga clic para modificar el estilo de texto del patrón</a:t>
             </a:r>
           </a:p>
           <a:p>
             <a:pPr lvl="1"/>
             <a:r>
-              <a:rPr lang="es-ES" smtClean="0"/>
+              <a:rPr lang="es-ES"/>
               <a:t>Segundo nivel</a:t>
             </a:r>
           </a:p>
           <a:p>
             <a:pPr lvl="2"/>
             <a:r>
-              <a:rPr lang="es-ES" smtClean="0"/>
+              <a:rPr lang="es-ES"/>
               <a:t>Tercer nivel</a:t>
             </a:r>
           </a:p>
           <a:p>
             <a:pPr lvl="3"/>
             <a:r>
-              <a:rPr lang="es-ES" smtClean="0"/>
+              <a:rPr lang="es-ES"/>
               <a:t>Cuarto nivel</a:t>
             </a:r>
           </a:p>
           <a:p>
             <a:pPr lvl="4"/>
             <a:r>
-              <a:rPr lang="es-ES" smtClean="0"/>
+              <a:rPr lang="es-ES"/>
               <a:t>Quinto nivel</a:t>
             </a:r>
-            <a:endParaRPr lang="es-ES"/>
           </a:p>
         </p:txBody>
       </p:sp>
@@ -622,7 +620,7 @@
           <a:p>
             <a:fld id="{8161FC19-448B-45B3-ABDC-99AC11CB222E}" type="datetimeFigureOut">
               <a:rPr lang="es-ES" smtClean="0"/>
-              <a:t>28/03/2018</a:t>
+              <a:t>25/06/2018</a:t>
             </a:fld>
             <a:endParaRPr lang="es-ES"/>
           </a:p>
@@ -716,10 +714,9 @@
           <a:lstStyle/>
           <a:p>
             <a:r>
-              <a:rPr lang="es-ES" smtClean="0"/>
+              <a:rPr lang="es-ES"/>
               <a:t>Haga clic para modificar el estilo de título del patrón</a:t>
             </a:r>
-            <a:endParaRPr lang="es-ES"/>
           </a:p>
         </p:txBody>
       </p:sp>
@@ -740,38 +737,37 @@
           <a:p>
             <a:pPr lvl="0"/>
             <a:r>
-              <a:rPr lang="es-ES" smtClean="0"/>
+              <a:rPr lang="es-ES"/>
               <a:t>Haga clic para modificar el estilo de texto del patrón</a:t>
             </a:r>
           </a:p>
           <a:p>
             <a:pPr lvl="1"/>
             <a:r>
-              <a:rPr lang="es-ES" smtClean="0"/>
+              <a:rPr lang="es-ES"/>
               <a:t>Segundo nivel</a:t>
             </a:r>
           </a:p>
           <a:p>
             <a:pPr lvl="2"/>
             <a:r>
-              <a:rPr lang="es-ES" smtClean="0"/>
+              <a:rPr lang="es-ES"/>
               <a:t>Tercer nivel</a:t>
             </a:r>
           </a:p>
           <a:p>
             <a:pPr lvl="3"/>
             <a:r>
-              <a:rPr lang="es-ES" smtClean="0"/>
+              <a:rPr lang="es-ES"/>
               <a:t>Cuarto nivel</a:t>
             </a:r>
           </a:p>
           <a:p>
             <a:pPr lvl="4"/>
             <a:r>
-              <a:rPr lang="es-ES" smtClean="0"/>
+              <a:rPr lang="es-ES"/>
               <a:t>Quinto nivel</a:t>
             </a:r>
-            <a:endParaRPr lang="es-ES"/>
           </a:p>
         </p:txBody>
       </p:sp>
@@ -792,7 +788,7 @@
           <a:p>
             <a:fld id="{8161FC19-448B-45B3-ABDC-99AC11CB222E}" type="datetimeFigureOut">
               <a:rPr lang="es-ES" smtClean="0"/>
-              <a:t>28/03/2018</a:t>
+              <a:t>25/06/2018</a:t>
             </a:fld>
             <a:endParaRPr lang="es-ES"/>
           </a:p>
@@ -895,10 +891,9 @@
           </a:lstStyle>
           <a:p>
             <a:r>
-              <a:rPr lang="es-ES" smtClean="0"/>
+              <a:rPr lang="es-ES"/>
               <a:t>Haga clic para modificar el estilo de título del patrón</a:t>
             </a:r>
-            <a:endParaRPr lang="es-ES"/>
           </a:p>
         </p:txBody>
       </p:sp>
@@ -1015,7 +1010,7 @@
           <a:p>
             <a:pPr lvl="0"/>
             <a:r>
-              <a:rPr lang="es-ES" smtClean="0"/>
+              <a:rPr lang="es-ES"/>
               <a:t>Haga clic para modificar el estilo de texto del patrón</a:t>
             </a:r>
           </a:p>
@@ -1038,7 +1033,7 @@
           <a:p>
             <a:fld id="{8161FC19-448B-45B3-ABDC-99AC11CB222E}" type="datetimeFigureOut">
               <a:rPr lang="es-ES" smtClean="0"/>
-              <a:t>28/03/2018</a:t>
+              <a:t>25/06/2018</a:t>
             </a:fld>
             <a:endParaRPr lang="es-ES"/>
           </a:p>
@@ -1132,10 +1127,9 @@
           <a:lstStyle/>
           <a:p>
             <a:r>
-              <a:rPr lang="es-ES" smtClean="0"/>
+              <a:rPr lang="es-ES"/>
               <a:t>Haga clic para modificar el estilo de título del patrón</a:t>
             </a:r>
-            <a:endParaRPr lang="es-ES"/>
           </a:p>
         </p:txBody>
       </p:sp>
@@ -1161,38 +1155,37 @@
           <a:p>
             <a:pPr lvl="0"/>
             <a:r>
-              <a:rPr lang="es-ES" smtClean="0"/>
+              <a:rPr lang="es-ES"/>
               <a:t>Haga clic para modificar el estilo de texto del patrón</a:t>
             </a:r>
           </a:p>
           <a:p>
             <a:pPr lvl="1"/>
             <a:r>
-              <a:rPr lang="es-ES" smtClean="0"/>
+              <a:rPr lang="es-ES"/>
               <a:t>Segundo nivel</a:t>
             </a:r>
           </a:p>
           <a:p>
             <a:pPr lvl="2"/>
             <a:r>
-              <a:rPr lang="es-ES" smtClean="0"/>
+              <a:rPr lang="es-ES"/>
               <a:t>Tercer nivel</a:t>
             </a:r>
           </a:p>
           <a:p>
             <a:pPr lvl="3"/>
             <a:r>
-              <a:rPr lang="es-ES" smtClean="0"/>
+              <a:rPr lang="es-ES"/>
               <a:t>Cuarto nivel</a:t>
             </a:r>
           </a:p>
           <a:p>
             <a:pPr lvl="4"/>
             <a:r>
-              <a:rPr lang="es-ES" smtClean="0"/>
+              <a:rPr lang="es-ES"/>
               <a:t>Quinto nivel</a:t>
             </a:r>
-            <a:endParaRPr lang="es-ES"/>
           </a:p>
         </p:txBody>
       </p:sp>
@@ -1218,38 +1211,37 @@
           <a:p>
             <a:pPr lvl="0"/>
             <a:r>
-              <a:rPr lang="es-ES" smtClean="0"/>
+              <a:rPr lang="es-ES"/>
               <a:t>Haga clic para modificar el estilo de texto del patrón</a:t>
             </a:r>
           </a:p>
           <a:p>
             <a:pPr lvl="1"/>
             <a:r>
-              <a:rPr lang="es-ES" smtClean="0"/>
+              <a:rPr lang="es-ES"/>
               <a:t>Segundo nivel</a:t>
             </a:r>
           </a:p>
           <a:p>
             <a:pPr lvl="2"/>
             <a:r>
-              <a:rPr lang="es-ES" smtClean="0"/>
+              <a:rPr lang="es-ES"/>
               <a:t>Tercer nivel</a:t>
             </a:r>
           </a:p>
           <a:p>
             <a:pPr lvl="3"/>
             <a:r>
-              <a:rPr lang="es-ES" smtClean="0"/>
+              <a:rPr lang="es-ES"/>
               <a:t>Cuarto nivel</a:t>
             </a:r>
           </a:p>
           <a:p>
             <a:pPr lvl="4"/>
             <a:r>
-              <a:rPr lang="es-ES" smtClean="0"/>
+              <a:rPr lang="es-ES"/>
               <a:t>Quinto nivel</a:t>
             </a:r>
-            <a:endParaRPr lang="es-ES"/>
           </a:p>
         </p:txBody>
       </p:sp>
@@ -1270,7 +1262,7 @@
           <a:p>
             <a:fld id="{8161FC19-448B-45B3-ABDC-99AC11CB222E}" type="datetimeFigureOut">
               <a:rPr lang="es-ES" smtClean="0"/>
-              <a:t>28/03/2018</a:t>
+              <a:t>25/06/2018</a:t>
             </a:fld>
             <a:endParaRPr lang="es-ES"/>
           </a:p>
@@ -1369,10 +1361,9 @@
           <a:lstStyle/>
           <a:p>
             <a:r>
-              <a:rPr lang="es-ES" smtClean="0"/>
+              <a:rPr lang="es-ES"/>
               <a:t>Haga clic para modificar el estilo de título del patrón</a:t>
             </a:r>
-            <a:endParaRPr lang="es-ES"/>
           </a:p>
         </p:txBody>
       </p:sp>
@@ -1435,7 +1426,7 @@
           <a:p>
             <a:pPr lvl="0"/>
             <a:r>
-              <a:rPr lang="es-ES" smtClean="0"/>
+              <a:rPr lang="es-ES"/>
               <a:t>Haga clic para modificar el estilo de texto del patrón</a:t>
             </a:r>
           </a:p>
@@ -1463,38 +1454,37 @@
           <a:p>
             <a:pPr lvl="0"/>
             <a:r>
-              <a:rPr lang="es-ES" smtClean="0"/>
+              <a:rPr lang="es-ES"/>
               <a:t>Haga clic para modificar el estilo de texto del patrón</a:t>
             </a:r>
           </a:p>
           <a:p>
             <a:pPr lvl="1"/>
             <a:r>
-              <a:rPr lang="es-ES" smtClean="0"/>
+              <a:rPr lang="es-ES"/>
               <a:t>Segundo nivel</a:t>
             </a:r>
           </a:p>
           <a:p>
             <a:pPr lvl="2"/>
             <a:r>
-              <a:rPr lang="es-ES" smtClean="0"/>
+              <a:rPr lang="es-ES"/>
               <a:t>Tercer nivel</a:t>
             </a:r>
           </a:p>
           <a:p>
             <a:pPr lvl="3"/>
             <a:r>
-              <a:rPr lang="es-ES" smtClean="0"/>
+              <a:rPr lang="es-ES"/>
               <a:t>Cuarto nivel</a:t>
             </a:r>
           </a:p>
           <a:p>
             <a:pPr lvl="4"/>
             <a:r>
-              <a:rPr lang="es-ES" smtClean="0"/>
+              <a:rPr lang="es-ES"/>
               <a:t>Quinto nivel</a:t>
             </a:r>
-            <a:endParaRPr lang="es-ES"/>
           </a:p>
         </p:txBody>
       </p:sp>
@@ -1557,7 +1547,7 @@
           <a:p>
             <a:pPr lvl="0"/>
             <a:r>
-              <a:rPr lang="es-ES" smtClean="0"/>
+              <a:rPr lang="es-ES"/>
               <a:t>Haga clic para modificar el estilo de texto del patrón</a:t>
             </a:r>
           </a:p>
@@ -1585,38 +1575,37 @@
           <a:p>
             <a:pPr lvl="0"/>
             <a:r>
-              <a:rPr lang="es-ES" smtClean="0"/>
+              <a:rPr lang="es-ES"/>
               <a:t>Haga clic para modificar el estilo de texto del patrón</a:t>
             </a:r>
           </a:p>
           <a:p>
             <a:pPr lvl="1"/>
             <a:r>
-              <a:rPr lang="es-ES" smtClean="0"/>
+              <a:rPr lang="es-ES"/>
               <a:t>Segundo nivel</a:t>
             </a:r>
           </a:p>
           <a:p>
             <a:pPr lvl="2"/>
             <a:r>
-              <a:rPr lang="es-ES" smtClean="0"/>
+              <a:rPr lang="es-ES"/>
               <a:t>Tercer nivel</a:t>
             </a:r>
           </a:p>
           <a:p>
             <a:pPr lvl="3"/>
             <a:r>
-              <a:rPr lang="es-ES" smtClean="0"/>
+              <a:rPr lang="es-ES"/>
               <a:t>Cuarto nivel</a:t>
             </a:r>
           </a:p>
           <a:p>
             <a:pPr lvl="4"/>
             <a:r>
-              <a:rPr lang="es-ES" smtClean="0"/>
+              <a:rPr lang="es-ES"/>
               <a:t>Quinto nivel</a:t>
             </a:r>
-            <a:endParaRPr lang="es-ES"/>
           </a:p>
         </p:txBody>
       </p:sp>
@@ -1637,7 +1626,7 @@
           <a:p>
             <a:fld id="{8161FC19-448B-45B3-ABDC-99AC11CB222E}" type="datetimeFigureOut">
               <a:rPr lang="es-ES" smtClean="0"/>
-              <a:t>28/03/2018</a:t>
+              <a:t>25/06/2018</a:t>
             </a:fld>
             <a:endParaRPr lang="es-ES"/>
           </a:p>
@@ -1731,10 +1720,9 @@
           <a:lstStyle/>
           <a:p>
             <a:r>
-              <a:rPr lang="es-ES" smtClean="0"/>
+              <a:rPr lang="es-ES"/>
               <a:t>Haga clic para modificar el estilo de título del patrón</a:t>
             </a:r>
-            <a:endParaRPr lang="es-ES"/>
           </a:p>
         </p:txBody>
       </p:sp>
@@ -1755,7 +1743,7 @@
           <a:p>
             <a:fld id="{8161FC19-448B-45B3-ABDC-99AC11CB222E}" type="datetimeFigureOut">
               <a:rPr lang="es-ES" smtClean="0"/>
-              <a:t>28/03/2018</a:t>
+              <a:t>25/06/2018</a:t>
             </a:fld>
             <a:endParaRPr lang="es-ES"/>
           </a:p>
@@ -1850,7 +1838,7 @@
           <a:p>
             <a:fld id="{8161FC19-448B-45B3-ABDC-99AC11CB222E}" type="datetimeFigureOut">
               <a:rPr lang="es-ES" smtClean="0"/>
-              <a:t>28/03/2018</a:t>
+              <a:t>25/06/2018</a:t>
             </a:fld>
             <a:endParaRPr lang="es-ES"/>
           </a:p>
@@ -1953,10 +1941,9 @@
           </a:lstStyle>
           <a:p>
             <a:r>
-              <a:rPr lang="es-ES" smtClean="0"/>
+              <a:rPr lang="es-ES"/>
               <a:t>Haga clic para modificar el estilo de título del patrón</a:t>
             </a:r>
-            <a:endParaRPr lang="es-ES"/>
           </a:p>
         </p:txBody>
       </p:sp>
@@ -2010,38 +1997,37 @@
           <a:p>
             <a:pPr lvl="0"/>
             <a:r>
-              <a:rPr lang="es-ES" smtClean="0"/>
+              <a:rPr lang="es-ES"/>
               <a:t>Haga clic para modificar el estilo de texto del patrón</a:t>
             </a:r>
           </a:p>
           <a:p>
             <a:pPr lvl="1"/>
             <a:r>
-              <a:rPr lang="es-ES" smtClean="0"/>
+              <a:rPr lang="es-ES"/>
               <a:t>Segundo nivel</a:t>
             </a:r>
           </a:p>
           <a:p>
             <a:pPr lvl="2"/>
             <a:r>
-              <a:rPr lang="es-ES" smtClean="0"/>
+              <a:rPr lang="es-ES"/>
               <a:t>Tercer nivel</a:t>
             </a:r>
           </a:p>
           <a:p>
             <a:pPr lvl="3"/>
             <a:r>
-              <a:rPr lang="es-ES" smtClean="0"/>
+              <a:rPr lang="es-ES"/>
               <a:t>Cuarto nivel</a:t>
             </a:r>
           </a:p>
           <a:p>
             <a:pPr lvl="4"/>
             <a:r>
-              <a:rPr lang="es-ES" smtClean="0"/>
+              <a:rPr lang="es-ES"/>
               <a:t>Quinto nivel</a:t>
             </a:r>
-            <a:endParaRPr lang="es-ES"/>
           </a:p>
         </p:txBody>
       </p:sp>
@@ -2104,7 +2090,7 @@
           <a:p>
             <a:pPr lvl="0"/>
             <a:r>
-              <a:rPr lang="es-ES" smtClean="0"/>
+              <a:rPr lang="es-ES"/>
               <a:t>Haga clic para modificar el estilo de texto del patrón</a:t>
             </a:r>
           </a:p>
@@ -2127,7 +2113,7 @@
           <a:p>
             <a:fld id="{8161FC19-448B-45B3-ABDC-99AC11CB222E}" type="datetimeFigureOut">
               <a:rPr lang="es-ES" smtClean="0"/>
-              <a:t>28/03/2018</a:t>
+              <a:t>25/06/2018</a:t>
             </a:fld>
             <a:endParaRPr lang="es-ES"/>
           </a:p>
@@ -2230,10 +2216,9 @@
           </a:lstStyle>
           <a:p>
             <a:r>
-              <a:rPr lang="es-ES" smtClean="0"/>
+              <a:rPr lang="es-ES"/>
               <a:t>Haga clic para modificar el estilo de título del patrón</a:t>
             </a:r>
-            <a:endParaRPr lang="es-ES"/>
           </a:p>
         </p:txBody>
       </p:sp>
@@ -2357,7 +2342,7 @@
           <a:p>
             <a:pPr lvl="0"/>
             <a:r>
-              <a:rPr lang="es-ES" smtClean="0"/>
+              <a:rPr lang="es-ES"/>
               <a:t>Haga clic para modificar el estilo de texto del patrón</a:t>
             </a:r>
           </a:p>
@@ -2380,7 +2365,7 @@
           <a:p>
             <a:fld id="{8161FC19-448B-45B3-ABDC-99AC11CB222E}" type="datetimeFigureOut">
               <a:rPr lang="es-ES" smtClean="0"/>
-              <a:t>28/03/2018</a:t>
+              <a:t>25/06/2018</a:t>
             </a:fld>
             <a:endParaRPr lang="es-ES"/>
           </a:p>
@@ -2489,10 +2474,9 @@
           <a:lstStyle/>
           <a:p>
             <a:r>
-              <a:rPr lang="es-ES" smtClean="0"/>
+              <a:rPr lang="es-ES"/>
               <a:t>Haga clic para modificar el estilo de título del patrón</a:t>
             </a:r>
-            <a:endParaRPr lang="es-ES"/>
           </a:p>
         </p:txBody>
       </p:sp>
@@ -2523,38 +2507,37 @@
           <a:p>
             <a:pPr lvl="0"/>
             <a:r>
-              <a:rPr lang="es-ES" smtClean="0"/>
+              <a:rPr lang="es-ES"/>
               <a:t>Haga clic para modificar el estilo de texto del patrón</a:t>
             </a:r>
           </a:p>
           <a:p>
             <a:pPr lvl="1"/>
             <a:r>
-              <a:rPr lang="es-ES" smtClean="0"/>
+              <a:rPr lang="es-ES"/>
               <a:t>Segundo nivel</a:t>
             </a:r>
           </a:p>
           <a:p>
             <a:pPr lvl="2"/>
             <a:r>
-              <a:rPr lang="es-ES" smtClean="0"/>
+              <a:rPr lang="es-ES"/>
               <a:t>Tercer nivel</a:t>
             </a:r>
           </a:p>
           <a:p>
             <a:pPr lvl="3"/>
             <a:r>
-              <a:rPr lang="es-ES" smtClean="0"/>
+              <a:rPr lang="es-ES"/>
               <a:t>Cuarto nivel</a:t>
             </a:r>
           </a:p>
           <a:p>
             <a:pPr lvl="4"/>
             <a:r>
-              <a:rPr lang="es-ES" smtClean="0"/>
+              <a:rPr lang="es-ES"/>
               <a:t>Quinto nivel</a:t>
             </a:r>
-            <a:endParaRPr lang="es-ES"/>
           </a:p>
         </p:txBody>
       </p:sp>
@@ -2593,7 +2576,7 @@
           <a:p>
             <a:fld id="{8161FC19-448B-45B3-ABDC-99AC11CB222E}" type="datetimeFigureOut">
               <a:rPr lang="es-ES" smtClean="0"/>
-              <a:t>28/03/2018</a:t>
+              <a:t>25/06/2018</a:t>
             </a:fld>
             <a:endParaRPr lang="es-ES"/>
           </a:p>
@@ -3014,10 +2997,9 @@
           <a:lstStyle/>
           <a:p>
             <a:r>
-              <a:rPr lang="es-ES" dirty="0" smtClean="0"/>
+              <a:rPr lang="es-ES" dirty="0"/>
               <a:t>Control de conexión a red de parques eólicos</a:t>
             </a:r>
-            <a:endParaRPr lang="es-ES" dirty="0"/>
           </a:p>
         </p:txBody>
       </p:sp>
@@ -3042,10 +3024,9 @@
           <a:lstStyle/>
           <a:p>
             <a:r>
-              <a:rPr lang="es-ES" dirty="0" smtClean="0"/>
+              <a:rPr lang="es-ES" dirty="0"/>
               <a:t>Autor: Emilio Liaño de la fuente</a:t>
             </a:r>
-            <a:endParaRPr lang="es-ES" dirty="0"/>
           </a:p>
         </p:txBody>
       </p:sp>
@@ -3072,10 +3053,9 @@
           <a:lstStyle/>
           <a:p>
             <a:r>
-              <a:rPr lang="es-ES" dirty="0" smtClean="0"/>
+              <a:rPr lang="es-ES" dirty="0"/>
               <a:t>Cotutor: Manuel García Plaza</a:t>
             </a:r>
-            <a:endParaRPr lang="es-ES" dirty="0"/>
           </a:p>
         </p:txBody>
       </p:sp>
@@ -3102,11 +3082,11 @@
           <a:lstStyle/>
           <a:p>
             <a:r>
-              <a:rPr lang="es-ES" dirty="0" smtClean="0"/>
+              <a:rPr lang="es-ES" dirty="0"/>
               <a:t>Tutor: Ricardo Granizo </a:t>
             </a:r>
             <a:r>
-              <a:rPr lang="es-ES" dirty="0" err="1" smtClean="0"/>
+              <a:rPr lang="es-ES" dirty="0" err="1"/>
               <a:t>Arrabé</a:t>
             </a:r>
             <a:endParaRPr lang="es-ES" dirty="0"/>
@@ -3123,6 +3103,13 @@
   <p:clrMapOvr>
     <a:masterClrMapping/>
   </p:clrMapOvr>
+  <p:timing>
+    <p:tnLst>
+      <p:par>
+        <p:cTn id="1" dur="indefinite" restart="never" nodeType="tmRoot"/>
+      </p:par>
+    </p:tnLst>
+  </p:timing>
 </p:sld>
 </file>
 
@@ -3160,10 +3147,9 @@
           <a:p>
             <a:pPr algn="ctr"/>
             <a:r>
-              <a:rPr lang="es-ES" dirty="0" smtClean="0"/>
+              <a:rPr lang="es-ES" dirty="0"/>
               <a:t>Índice</a:t>
             </a:r>
-            <a:endParaRPr lang="es-ES" dirty="0"/>
           </a:p>
         </p:txBody>
       </p:sp>
@@ -3190,7 +3176,7 @@
               <a:buAutoNum type="romanUcPeriod"/>
             </a:pPr>
             <a:r>
-              <a:rPr lang="es-ES" dirty="0" smtClean="0"/>
+              <a:rPr lang="es-ES" dirty="0"/>
               <a:t>Introducción</a:t>
             </a:r>
           </a:p>
@@ -3203,7 +3189,7 @@
               <a:buAutoNum type="romanUcPeriod"/>
             </a:pPr>
             <a:r>
-              <a:rPr lang="es-ES" dirty="0" smtClean="0"/>
+              <a:rPr lang="es-ES" dirty="0"/>
               <a:t>Objetivos </a:t>
             </a:r>
           </a:p>
@@ -3216,7 +3202,7 @@
               <a:buAutoNum type="romanUcPeriod"/>
             </a:pPr>
             <a:r>
-              <a:rPr lang="es-ES" dirty="0" smtClean="0"/>
+              <a:rPr lang="es-ES" dirty="0"/>
               <a:t>Panorama actual</a:t>
             </a:r>
           </a:p>
@@ -3229,7 +3215,7 @@
               <a:buAutoNum type="romanUcPeriod"/>
             </a:pPr>
             <a:r>
-              <a:rPr lang="es-ES" dirty="0" smtClean="0"/>
+              <a:rPr lang="es-ES" dirty="0"/>
               <a:t>Controlador y simulación</a:t>
             </a:r>
           </a:p>
@@ -3242,7 +3228,7 @@
               <a:buAutoNum type="romanUcPeriod"/>
             </a:pPr>
             <a:r>
-              <a:rPr lang="es-ES" dirty="0" smtClean="0"/>
+              <a:rPr lang="es-ES" dirty="0"/>
               <a:t>Modelo de la Planta</a:t>
             </a:r>
           </a:p>
@@ -3255,7 +3241,7 @@
               <a:buAutoNum type="romanUcPeriod"/>
             </a:pPr>
             <a:r>
-              <a:rPr lang="es-ES" dirty="0" smtClean="0"/>
+              <a:rPr lang="es-ES" dirty="0"/>
               <a:t>Algoritmo de control</a:t>
             </a:r>
           </a:p>
@@ -3268,7 +3254,7 @@
               <a:buAutoNum type="romanUcPeriod"/>
             </a:pPr>
             <a:r>
-              <a:rPr lang="es-ES" dirty="0" smtClean="0"/>
+              <a:rPr lang="es-ES" dirty="0"/>
               <a:t>Conclusiones</a:t>
             </a:r>
           </a:p>
@@ -3291,6 +3277,13 @@
   <p:clrMapOvr>
     <a:masterClrMapping/>
   </p:clrMapOvr>
+  <p:timing>
+    <p:tnLst>
+      <p:par>
+        <p:cTn id="1" dur="indefinite" restart="never" nodeType="tmRoot"/>
+      </p:par>
+    </p:tnLst>
+  </p:timing>
 </p:sld>
 </file>
 
@@ -3328,10 +3321,9 @@
           <a:p>
             <a:pPr algn="ctr"/>
             <a:r>
-              <a:rPr lang="es-ES" dirty="0" smtClean="0"/>
+              <a:rPr lang="es-ES" dirty="0"/>
               <a:t>Introducción</a:t>
             </a:r>
-            <a:endParaRPr lang="es-ES" dirty="0"/>
           </a:p>
         </p:txBody>
       </p:sp>
@@ -3356,18 +3348,14 @@
           <a:lstStyle/>
           <a:p>
             <a:r>
-              <a:rPr lang="es-ES" dirty="0" smtClean="0"/>
+              <a:rPr lang="es-ES" dirty="0"/>
               <a:t>Gran importancia de los parques eólicos en la red española</a:t>
             </a:r>
           </a:p>
           <a:p>
             <a:r>
-              <a:rPr lang="es-ES" dirty="0" smtClean="0"/>
-              <a:t>Exigencias </a:t>
-            </a:r>
-            <a:r>
-              <a:rPr lang="es-ES" dirty="0" smtClean="0"/>
-              <a:t>del código de red:</a:t>
+              <a:rPr lang="es-ES" dirty="0"/>
+              <a:t>Exigencias del código de red:</a:t>
             </a:r>
           </a:p>
           <a:p>
@@ -3377,7 +3365,7 @@
             <a:pPr marL="0" indent="0">
               <a:buNone/>
             </a:pPr>
-            <a:endParaRPr lang="es-ES" dirty="0" smtClean="0"/>
+            <a:endParaRPr lang="es-ES" dirty="0"/>
           </a:p>
         </p:txBody>
       </p:sp>
@@ -3445,6 +3433,13 @@
   <p:clrMapOvr>
     <a:masterClrMapping/>
   </p:clrMapOvr>
+  <p:timing>
+    <p:tnLst>
+      <p:par>
+        <p:cTn id="1" dur="indefinite" restart="never" nodeType="tmRoot"/>
+      </p:par>
+    </p:tnLst>
+  </p:timing>
 </p:sld>
 </file>
 
@@ -3481,32 +3476,51 @@
           <a:lstStyle/>
           <a:p>
             <a:r>
+              <a:rPr lang="es-ES" dirty="0"/>
+              <a:t>objetivos</a:t>
+            </a:r>
+          </a:p>
+        </p:txBody>
+      </p:sp>
+      <p:sp>
+        <p:nvSpPr>
+          <p:cNvPr id="3" name="Marcador de contenido 2"/>
+          <p:cNvSpPr>
+            <a:spLocks noGrp="1"/>
+          </p:cNvSpPr>
+          <p:nvPr>
+            <p:ph idx="1"/>
+          </p:nvPr>
+        </p:nvSpPr>
+        <p:spPr/>
+        <p:txBody>
+          <a:bodyPr/>
+          <a:lstStyle/>
+          <a:p>
+            <a:r>
               <a:rPr lang="es-ES" dirty="0" smtClean="0"/>
-              <a:t>objetivos</a:t>
-            </a:r>
+              <a:t>Modela del circuito de conexión a red en Simulink</a:t>
+            </a:r>
+            <a:endParaRPr lang="es-ES" dirty="0" smtClean="0"/>
+          </a:p>
+          <a:p>
+            <a:r>
+              <a:rPr lang="es-ES" dirty="0" smtClean="0"/>
+              <a:t>Desarrollo </a:t>
+            </a:r>
+            <a:r>
+              <a:rPr lang="es-ES" dirty="0"/>
+              <a:t>del control de tensión–reactiva según del P.O. 7.4</a:t>
+            </a:r>
+          </a:p>
+          <a:p>
+            <a:r>
+              <a:rPr lang="es-ES" dirty="0" smtClean="0"/>
+              <a:t>Encontrar caso de estudio para los que la planta sin control corrige mejor que el control</a:t>
+            </a:r>
+          </a:p>
+          <a:p>
             <a:endParaRPr lang="es-ES" dirty="0"/>
-          </a:p>
-        </p:txBody>
-      </p:sp>
-      <p:sp>
-        <p:nvSpPr>
-          <p:cNvPr id="3" name="Marcador de contenido 2"/>
-          <p:cNvSpPr>
-            <a:spLocks noGrp="1"/>
-          </p:cNvSpPr>
-          <p:nvPr>
-            <p:ph idx="1"/>
-          </p:nvPr>
-        </p:nvSpPr>
-        <p:spPr/>
-        <p:txBody>
-          <a:bodyPr/>
-          <a:lstStyle/>
-          <a:p>
-            <a:r>
-              <a:rPr lang="es-ES" dirty="0" smtClean="0"/>
-              <a:t>Desarrollo del control de tensión–reactiva según del P.O. 7.4</a:t>
-            </a:r>
           </a:p>
           <a:p>
             <a:endParaRPr lang="es-ES" dirty="0"/>
@@ -3523,6 +3537,1433 @@
   <p:clrMapOvr>
     <a:masterClrMapping/>
   </p:clrMapOvr>
+  <p:timing>
+    <p:tnLst>
+      <p:par>
+        <p:cTn id="1" dur="indefinite" restart="never" nodeType="tmRoot"/>
+      </p:par>
+    </p:tnLst>
+  </p:timing>
+</p:sld>
+</file>
+
+<file path=ppt/slides/slide5.xml><?xml version="1.0" encoding="utf-8"?>
+<p:sld xmlns:a="http://schemas.openxmlformats.org/drawingml/2006/main" xmlns:r="http://schemas.openxmlformats.org/officeDocument/2006/relationships" xmlns:p="http://schemas.openxmlformats.org/presentationml/2006/main">
+  <p:cSld>
+    <p:spTree>
+      <p:nvGrpSpPr>
+        <p:cNvPr id="1" name=""/>
+        <p:cNvGrpSpPr/>
+        <p:nvPr/>
+      </p:nvGrpSpPr>
+      <p:grpSpPr>
+        <a:xfrm>
+          <a:off x="0" y="0"/>
+          <a:ext cx="0" cy="0"/>
+          <a:chOff x="0" y="0"/>
+          <a:chExt cx="0" cy="0"/>
+        </a:xfrm>
+      </p:grpSpPr>
+      <p:sp>
+        <p:nvSpPr>
+          <p:cNvPr id="2" name="Título 1">
+            <a:extLst>
+              <a:ext uri="{FF2B5EF4-FFF2-40B4-BE49-F238E27FC236}">
+                <a16:creationId xmlns="" xmlns:a16="http://schemas.microsoft.com/office/drawing/2014/main" id="{E122A83D-3967-4BBC-B0B7-E31CB4FB61D5}"/>
+              </a:ext>
+            </a:extLst>
+          </p:cNvPr>
+          <p:cNvSpPr>
+            <a:spLocks noGrp="1"/>
+          </p:cNvSpPr>
+          <p:nvPr>
+            <p:ph type="title"/>
+          </p:nvPr>
+        </p:nvSpPr>
+        <p:spPr/>
+        <p:txBody>
+          <a:bodyPr/>
+          <a:lstStyle/>
+          <a:p>
+            <a:r>
+              <a:rPr lang="es-ES" dirty="0"/>
+              <a:t>Panorama actual</a:t>
+            </a:r>
+          </a:p>
+        </p:txBody>
+      </p:sp>
+      <p:sp>
+        <p:nvSpPr>
+          <p:cNvPr id="3" name="Marcador de contenido 2">
+            <a:extLst>
+              <a:ext uri="{FF2B5EF4-FFF2-40B4-BE49-F238E27FC236}">
+                <a16:creationId xmlns="" xmlns:a16="http://schemas.microsoft.com/office/drawing/2014/main" id="{A79EC906-CFDB-4506-8B2F-E22EC5418D18}"/>
+              </a:ext>
+            </a:extLst>
+          </p:cNvPr>
+          <p:cNvSpPr>
+            <a:spLocks noGrp="1"/>
+          </p:cNvSpPr>
+          <p:nvPr>
+            <p:ph idx="1"/>
+          </p:nvPr>
+        </p:nvSpPr>
+        <p:spPr/>
+        <p:txBody>
+          <a:bodyPr/>
+          <a:lstStyle/>
+          <a:p>
+            <a:r>
+              <a:rPr lang="es-ES" dirty="0"/>
+              <a:t>Control jerarquizado en tres </a:t>
+            </a:r>
+            <a:r>
+              <a:rPr lang="es-ES" dirty="0" smtClean="0"/>
+              <a:t>niveles</a:t>
+            </a:r>
+          </a:p>
+          <a:p>
+            <a:r>
+              <a:rPr lang="es-ES" dirty="0" smtClean="0"/>
+              <a:t>Controladores PI</a:t>
+            </a:r>
+          </a:p>
+          <a:p>
+            <a:r>
+              <a:rPr lang="es-ES" dirty="0" smtClean="0"/>
+              <a:t>Realimentación de potencia </a:t>
+            </a:r>
+            <a:r>
+              <a:rPr lang="es-ES" dirty="0" smtClean="0"/>
+              <a:t>reactiva, tensión o factor de potencia</a:t>
+            </a:r>
+          </a:p>
+          <a:p>
+            <a:endParaRPr lang="es-ES" dirty="0"/>
+          </a:p>
+        </p:txBody>
+      </p:sp>
+    </p:spTree>
+    <p:extLst>
+      <p:ext uri="{BB962C8B-B14F-4D97-AF65-F5344CB8AC3E}">
+        <p14:creationId xmlns:p14="http://schemas.microsoft.com/office/powerpoint/2010/main" val="1157730380"/>
+      </p:ext>
+    </p:extLst>
+  </p:cSld>
+  <p:clrMapOvr>
+    <a:masterClrMapping/>
+  </p:clrMapOvr>
+  <p:timing>
+    <p:tnLst>
+      <p:par>
+        <p:cTn id="1" dur="indefinite" restart="never" nodeType="tmRoot"/>
+      </p:par>
+    </p:tnLst>
+  </p:timing>
+</p:sld>
+</file>
+
+<file path=ppt/slides/slide6.xml><?xml version="1.0" encoding="utf-8"?>
+<p:sld xmlns:a="http://schemas.openxmlformats.org/drawingml/2006/main" xmlns:r="http://schemas.openxmlformats.org/officeDocument/2006/relationships" xmlns:p="http://schemas.openxmlformats.org/presentationml/2006/main">
+  <p:cSld>
+    <p:spTree>
+      <p:nvGrpSpPr>
+        <p:cNvPr id="1" name=""/>
+        <p:cNvGrpSpPr/>
+        <p:nvPr/>
+      </p:nvGrpSpPr>
+      <p:grpSpPr>
+        <a:xfrm>
+          <a:off x="0" y="0"/>
+          <a:ext cx="0" cy="0"/>
+          <a:chOff x="0" y="0"/>
+          <a:chExt cx="0" cy="0"/>
+        </a:xfrm>
+      </p:grpSpPr>
+      <p:sp>
+        <p:nvSpPr>
+          <p:cNvPr id="2" name="Título 1">
+            <a:extLst>
+              <a:ext uri="{FF2B5EF4-FFF2-40B4-BE49-F238E27FC236}">
+                <a16:creationId xmlns="" xmlns:a16="http://schemas.microsoft.com/office/drawing/2014/main" id="{960643AA-8DEE-49EF-848B-2A646FDDAF27}"/>
+              </a:ext>
+            </a:extLst>
+          </p:cNvPr>
+          <p:cNvSpPr>
+            <a:spLocks noGrp="1"/>
+          </p:cNvSpPr>
+          <p:nvPr>
+            <p:ph type="title"/>
+          </p:nvPr>
+        </p:nvSpPr>
+        <p:spPr/>
+        <p:txBody>
+          <a:bodyPr/>
+          <a:lstStyle/>
+          <a:p>
+            <a:r>
+              <a:rPr lang="es-ES" dirty="0"/>
+              <a:t>Modelo de la Planta</a:t>
+            </a:r>
+          </a:p>
+        </p:txBody>
+      </p:sp>
+      <p:sp>
+        <p:nvSpPr>
+          <p:cNvPr id="3" name="Marcador de contenido 2">
+            <a:extLst>
+              <a:ext uri="{FF2B5EF4-FFF2-40B4-BE49-F238E27FC236}">
+                <a16:creationId xmlns="" xmlns:a16="http://schemas.microsoft.com/office/drawing/2014/main" id="{80A64E0C-CB3C-4B33-9667-CAFFFFAD0B40}"/>
+              </a:ext>
+            </a:extLst>
+          </p:cNvPr>
+          <p:cNvSpPr>
+            <a:spLocks noGrp="1"/>
+          </p:cNvSpPr>
+          <p:nvPr>
+            <p:ph idx="1"/>
+          </p:nvPr>
+        </p:nvSpPr>
+        <p:spPr/>
+        <p:txBody>
+          <a:bodyPr/>
+          <a:lstStyle/>
+          <a:p>
+            <a:r>
+              <a:rPr lang="es-ES" dirty="0" smtClean="0"/>
+              <a:t>Modelo del conjunto</a:t>
+            </a:r>
+            <a:endParaRPr lang="es-ES" dirty="0"/>
+          </a:p>
+        </p:txBody>
+      </p:sp>
+      <p:pic>
+        <p:nvPicPr>
+          <p:cNvPr id="4" name="Imagen 3"/>
+          <p:cNvPicPr>
+            <a:picLocks noChangeAspect="1"/>
+          </p:cNvPicPr>
+          <p:nvPr/>
+        </p:nvPicPr>
+        <p:blipFill>
+          <a:blip r:embed="rId2"/>
+          <a:stretch>
+            <a:fillRect/>
+          </a:stretch>
+        </p:blipFill>
+        <p:spPr>
+          <a:xfrm>
+            <a:off x="0" y="3464146"/>
+            <a:ext cx="12209875" cy="3432412"/>
+          </a:xfrm>
+          <a:prstGeom prst="rect">
+            <a:avLst/>
+          </a:prstGeom>
+        </p:spPr>
+      </p:pic>
+      <p:sp>
+        <p:nvSpPr>
+          <p:cNvPr id="5" name="Elipse 4"/>
+          <p:cNvSpPr/>
+          <p:nvPr/>
+        </p:nvSpPr>
+        <p:spPr>
+          <a:xfrm>
+            <a:off x="3166281" y="3848669"/>
+            <a:ext cx="1419367" cy="1364776"/>
+          </a:xfrm>
+          <a:prstGeom prst="ellipse">
+            <a:avLst/>
+          </a:prstGeom>
+          <a:noFill/>
+          <a:ln w="38100">
+            <a:solidFill>
+              <a:srgbClr val="FF0000"/>
+            </a:solidFill>
+          </a:ln>
+        </p:spPr>
+        <p:style>
+          <a:lnRef idx="2">
+            <a:schemeClr val="accent1">
+              <a:shade val="50000"/>
+            </a:schemeClr>
+          </a:lnRef>
+          <a:fillRef idx="1">
+            <a:schemeClr val="accent1"/>
+          </a:fillRef>
+          <a:effectRef idx="0">
+            <a:schemeClr val="accent1"/>
+          </a:effectRef>
+          <a:fontRef idx="minor">
+            <a:schemeClr val="lt1"/>
+          </a:fontRef>
+        </p:style>
+        <p:txBody>
+          <a:bodyPr rtlCol="0" anchor="ctr"/>
+          <a:lstStyle/>
+          <a:p>
+            <a:pPr algn="ctr"/>
+            <a:endParaRPr lang="es-ES"/>
+          </a:p>
+        </p:txBody>
+      </p:sp>
+      <p:sp>
+        <p:nvSpPr>
+          <p:cNvPr id="6" name="Elipse 5"/>
+          <p:cNvSpPr/>
+          <p:nvPr/>
+        </p:nvSpPr>
+        <p:spPr>
+          <a:xfrm>
+            <a:off x="6087062" y="4001294"/>
+            <a:ext cx="1419367" cy="1364776"/>
+          </a:xfrm>
+          <a:prstGeom prst="ellipse">
+            <a:avLst/>
+          </a:prstGeom>
+          <a:noFill/>
+          <a:ln w="38100">
+            <a:solidFill>
+              <a:srgbClr val="FF0000"/>
+            </a:solidFill>
+          </a:ln>
+        </p:spPr>
+        <p:style>
+          <a:lnRef idx="2">
+            <a:schemeClr val="accent1">
+              <a:shade val="50000"/>
+            </a:schemeClr>
+          </a:lnRef>
+          <a:fillRef idx="1">
+            <a:schemeClr val="accent1"/>
+          </a:fillRef>
+          <a:effectRef idx="0">
+            <a:schemeClr val="accent1"/>
+          </a:effectRef>
+          <a:fontRef idx="minor">
+            <a:schemeClr val="lt1"/>
+          </a:fontRef>
+        </p:style>
+        <p:txBody>
+          <a:bodyPr rtlCol="0" anchor="ctr"/>
+          <a:lstStyle/>
+          <a:p>
+            <a:pPr algn="ctr"/>
+            <a:endParaRPr lang="es-ES"/>
+          </a:p>
+        </p:txBody>
+      </p:sp>
+      <p:cxnSp>
+        <p:nvCxnSpPr>
+          <p:cNvPr id="8" name="Conector recto 7"/>
+          <p:cNvCxnSpPr/>
+          <p:nvPr/>
+        </p:nvCxnSpPr>
+        <p:spPr>
+          <a:xfrm flipV="1">
+            <a:off x="4394579" y="3290651"/>
+            <a:ext cx="764275" cy="710643"/>
+          </a:xfrm>
+          <a:prstGeom prst="line">
+            <a:avLst/>
+          </a:prstGeom>
+          <a:ln w="38100">
+            <a:solidFill>
+              <a:srgbClr val="FF0000"/>
+            </a:solidFill>
+          </a:ln>
+        </p:spPr>
+        <p:style>
+          <a:lnRef idx="1">
+            <a:schemeClr val="accent1"/>
+          </a:lnRef>
+          <a:fillRef idx="0">
+            <a:schemeClr val="accent1"/>
+          </a:fillRef>
+          <a:effectRef idx="0">
+            <a:schemeClr val="accent1"/>
+          </a:effectRef>
+          <a:fontRef idx="minor">
+            <a:schemeClr val="tx1"/>
+          </a:fontRef>
+        </p:style>
+      </p:cxnSp>
+      <p:cxnSp>
+        <p:nvCxnSpPr>
+          <p:cNvPr id="9" name="Conector recto 8"/>
+          <p:cNvCxnSpPr/>
+          <p:nvPr/>
+        </p:nvCxnSpPr>
+        <p:spPr>
+          <a:xfrm flipH="1" flipV="1">
+            <a:off x="6014929" y="3290651"/>
+            <a:ext cx="372223" cy="695841"/>
+          </a:xfrm>
+          <a:prstGeom prst="line">
+            <a:avLst/>
+          </a:prstGeom>
+          <a:ln w="38100">
+            <a:solidFill>
+              <a:srgbClr val="FF0000"/>
+            </a:solidFill>
+          </a:ln>
+        </p:spPr>
+        <p:style>
+          <a:lnRef idx="1">
+            <a:schemeClr val="accent1"/>
+          </a:lnRef>
+          <a:fillRef idx="0">
+            <a:schemeClr val="accent1"/>
+          </a:fillRef>
+          <a:effectRef idx="0">
+            <a:schemeClr val="accent1"/>
+          </a:effectRef>
+          <a:fontRef idx="minor">
+            <a:schemeClr val="tx1"/>
+          </a:fontRef>
+        </p:style>
+      </p:cxnSp>
+      <p:sp>
+        <p:nvSpPr>
+          <p:cNvPr id="12" name="CuadroTexto 11"/>
+          <p:cNvSpPr txBox="1"/>
+          <p:nvPr/>
+        </p:nvSpPr>
+        <p:spPr>
+          <a:xfrm>
+            <a:off x="4517496" y="2795265"/>
+            <a:ext cx="2220544" cy="523220"/>
+          </a:xfrm>
+          <a:prstGeom prst="rect">
+            <a:avLst/>
+          </a:prstGeom>
+          <a:noFill/>
+        </p:spPr>
+        <p:txBody>
+          <a:bodyPr wrap="none" rtlCol="0">
+            <a:spAutoFit/>
+          </a:bodyPr>
+          <a:lstStyle/>
+          <a:p>
+            <a:r>
+              <a:rPr lang="es-ES" sz="2800" dirty="0" smtClean="0"/>
+              <a:t>Líneas aéreas </a:t>
+            </a:r>
+            <a:endParaRPr lang="es-ES" sz="2800" dirty="0"/>
+          </a:p>
+        </p:txBody>
+      </p:sp>
+      <p:sp>
+        <p:nvSpPr>
+          <p:cNvPr id="14" name="Elipse 13"/>
+          <p:cNvSpPr/>
+          <p:nvPr/>
+        </p:nvSpPr>
+        <p:spPr>
+          <a:xfrm>
+            <a:off x="4855545" y="3775456"/>
+            <a:ext cx="982959" cy="1665027"/>
+          </a:xfrm>
+          <a:prstGeom prst="ellipse">
+            <a:avLst/>
+          </a:prstGeom>
+          <a:noFill/>
+          <a:ln w="57150">
+            <a:solidFill>
+              <a:schemeClr val="accent1"/>
+            </a:solidFill>
+          </a:ln>
+        </p:spPr>
+        <p:style>
+          <a:lnRef idx="2">
+            <a:schemeClr val="accent1">
+              <a:shade val="50000"/>
+            </a:schemeClr>
+          </a:lnRef>
+          <a:fillRef idx="1">
+            <a:schemeClr val="accent1"/>
+          </a:fillRef>
+          <a:effectRef idx="0">
+            <a:schemeClr val="accent1"/>
+          </a:effectRef>
+          <a:fontRef idx="minor">
+            <a:schemeClr val="lt1"/>
+          </a:fontRef>
+        </p:style>
+        <p:txBody>
+          <a:bodyPr rtlCol="0" anchor="ctr"/>
+          <a:lstStyle/>
+          <a:p>
+            <a:pPr algn="ctr"/>
+            <a:endParaRPr lang="es-ES"/>
+          </a:p>
+        </p:txBody>
+      </p:sp>
+      <p:sp>
+        <p:nvSpPr>
+          <p:cNvPr id="15" name="Elipse 14"/>
+          <p:cNvSpPr/>
+          <p:nvPr/>
+        </p:nvSpPr>
+        <p:spPr>
+          <a:xfrm>
+            <a:off x="7969644" y="3962695"/>
+            <a:ext cx="982959" cy="1665027"/>
+          </a:xfrm>
+          <a:prstGeom prst="ellipse">
+            <a:avLst/>
+          </a:prstGeom>
+          <a:noFill/>
+          <a:ln w="57150">
+            <a:solidFill>
+              <a:schemeClr val="accent1"/>
+            </a:solidFill>
+          </a:ln>
+        </p:spPr>
+        <p:style>
+          <a:lnRef idx="2">
+            <a:schemeClr val="accent1">
+              <a:shade val="50000"/>
+            </a:schemeClr>
+          </a:lnRef>
+          <a:fillRef idx="1">
+            <a:schemeClr val="accent1"/>
+          </a:fillRef>
+          <a:effectRef idx="0">
+            <a:schemeClr val="accent1"/>
+          </a:effectRef>
+          <a:fontRef idx="minor">
+            <a:schemeClr val="lt1"/>
+          </a:fontRef>
+        </p:style>
+        <p:txBody>
+          <a:bodyPr rtlCol="0" anchor="ctr"/>
+          <a:lstStyle/>
+          <a:p>
+            <a:pPr algn="ctr"/>
+            <a:endParaRPr lang="es-ES"/>
+          </a:p>
+        </p:txBody>
+      </p:sp>
+      <p:cxnSp>
+        <p:nvCxnSpPr>
+          <p:cNvPr id="16" name="Conector recto 15"/>
+          <p:cNvCxnSpPr/>
+          <p:nvPr/>
+        </p:nvCxnSpPr>
+        <p:spPr>
+          <a:xfrm flipV="1">
+            <a:off x="7355899" y="5462805"/>
+            <a:ext cx="764275" cy="710643"/>
+          </a:xfrm>
+          <a:prstGeom prst="line">
+            <a:avLst/>
+          </a:prstGeom>
+          <a:ln w="38100">
+            <a:solidFill>
+              <a:schemeClr val="accent1"/>
+            </a:solidFill>
+          </a:ln>
+        </p:spPr>
+        <p:style>
+          <a:lnRef idx="1">
+            <a:schemeClr val="accent1"/>
+          </a:lnRef>
+          <a:fillRef idx="0">
+            <a:schemeClr val="accent1"/>
+          </a:fillRef>
+          <a:effectRef idx="0">
+            <a:schemeClr val="accent1"/>
+          </a:effectRef>
+          <a:fontRef idx="minor">
+            <a:schemeClr val="tx1"/>
+          </a:fontRef>
+        </p:style>
+      </p:cxnSp>
+      <p:cxnSp>
+        <p:nvCxnSpPr>
+          <p:cNvPr id="17" name="Conector recto 16"/>
+          <p:cNvCxnSpPr/>
+          <p:nvPr/>
+        </p:nvCxnSpPr>
+        <p:spPr>
+          <a:xfrm flipH="1" flipV="1">
+            <a:off x="5653984" y="5343258"/>
+            <a:ext cx="733168" cy="765220"/>
+          </a:xfrm>
+          <a:prstGeom prst="line">
+            <a:avLst/>
+          </a:prstGeom>
+          <a:ln w="38100">
+            <a:solidFill>
+              <a:schemeClr val="accent1"/>
+            </a:solidFill>
+          </a:ln>
+        </p:spPr>
+        <p:style>
+          <a:lnRef idx="1">
+            <a:schemeClr val="accent1"/>
+          </a:lnRef>
+          <a:fillRef idx="0">
+            <a:schemeClr val="accent1"/>
+          </a:fillRef>
+          <a:effectRef idx="0">
+            <a:schemeClr val="accent1"/>
+          </a:effectRef>
+          <a:fontRef idx="minor">
+            <a:schemeClr val="tx1"/>
+          </a:fontRef>
+        </p:style>
+      </p:cxnSp>
+      <p:sp>
+        <p:nvSpPr>
+          <p:cNvPr id="21" name="CuadroTexto 20"/>
+          <p:cNvSpPr txBox="1"/>
+          <p:nvPr/>
+        </p:nvSpPr>
+        <p:spPr>
+          <a:xfrm>
+            <a:off x="5749100" y="6057499"/>
+            <a:ext cx="1758879" cy="523220"/>
+          </a:xfrm>
+          <a:prstGeom prst="rect">
+            <a:avLst/>
+          </a:prstGeom>
+          <a:noFill/>
+        </p:spPr>
+        <p:txBody>
+          <a:bodyPr wrap="none" rtlCol="0">
+            <a:spAutoFit/>
+          </a:bodyPr>
+          <a:lstStyle/>
+          <a:p>
+            <a:r>
+              <a:rPr lang="es-ES" sz="2800" dirty="0" smtClean="0"/>
+              <a:t>Medidores</a:t>
+            </a:r>
+            <a:endParaRPr lang="es-ES" sz="2800" dirty="0"/>
+          </a:p>
+        </p:txBody>
+      </p:sp>
+      <p:sp>
+        <p:nvSpPr>
+          <p:cNvPr id="7" name="Elipse 6"/>
+          <p:cNvSpPr/>
+          <p:nvPr/>
+        </p:nvSpPr>
+        <p:spPr>
+          <a:xfrm>
+            <a:off x="0" y="3986492"/>
+            <a:ext cx="2486631" cy="1226953"/>
+          </a:xfrm>
+          <a:prstGeom prst="ellipse">
+            <a:avLst/>
+          </a:prstGeom>
+          <a:noFill/>
+          <a:ln w="38100">
+            <a:solidFill>
+              <a:srgbClr val="00B050"/>
+            </a:solidFill>
+          </a:ln>
+        </p:spPr>
+        <p:style>
+          <a:lnRef idx="2">
+            <a:schemeClr val="accent1">
+              <a:shade val="50000"/>
+            </a:schemeClr>
+          </a:lnRef>
+          <a:fillRef idx="1">
+            <a:schemeClr val="accent1"/>
+          </a:fillRef>
+          <a:effectRef idx="0">
+            <a:schemeClr val="accent1"/>
+          </a:effectRef>
+          <a:fontRef idx="minor">
+            <a:schemeClr val="lt1"/>
+          </a:fontRef>
+        </p:style>
+        <p:txBody>
+          <a:bodyPr rtlCol="0" anchor="ctr"/>
+          <a:lstStyle/>
+          <a:p>
+            <a:pPr algn="ctr"/>
+            <a:endParaRPr lang="es-ES"/>
+          </a:p>
+        </p:txBody>
+      </p:sp>
+      <p:sp>
+        <p:nvSpPr>
+          <p:cNvPr id="18" name="CuadroTexto 17"/>
+          <p:cNvSpPr txBox="1"/>
+          <p:nvPr/>
+        </p:nvSpPr>
+        <p:spPr>
+          <a:xfrm>
+            <a:off x="34520" y="5178873"/>
+            <a:ext cx="2900153" cy="523220"/>
+          </a:xfrm>
+          <a:prstGeom prst="rect">
+            <a:avLst/>
+          </a:prstGeom>
+          <a:noFill/>
+        </p:spPr>
+        <p:txBody>
+          <a:bodyPr wrap="none" rtlCol="0">
+            <a:spAutoFit/>
+          </a:bodyPr>
+          <a:lstStyle/>
+          <a:p>
+            <a:r>
+              <a:rPr lang="es-ES" sz="2800" dirty="0" smtClean="0"/>
+              <a:t>Equivalente de red</a:t>
+            </a:r>
+            <a:endParaRPr lang="es-ES" sz="2800" dirty="0"/>
+          </a:p>
+        </p:txBody>
+      </p:sp>
+      <p:sp>
+        <p:nvSpPr>
+          <p:cNvPr id="10" name="Elipse 9"/>
+          <p:cNvSpPr/>
+          <p:nvPr/>
+        </p:nvSpPr>
+        <p:spPr>
+          <a:xfrm>
+            <a:off x="9974637" y="3464146"/>
+            <a:ext cx="1992907" cy="2886312"/>
+          </a:xfrm>
+          <a:prstGeom prst="ellipse">
+            <a:avLst/>
+          </a:prstGeom>
+          <a:noFill/>
+          <a:ln w="38100">
+            <a:solidFill>
+              <a:srgbClr val="FFC000"/>
+            </a:solidFill>
+          </a:ln>
+        </p:spPr>
+        <p:style>
+          <a:lnRef idx="2">
+            <a:schemeClr val="accent1">
+              <a:shade val="50000"/>
+            </a:schemeClr>
+          </a:lnRef>
+          <a:fillRef idx="1">
+            <a:schemeClr val="accent1"/>
+          </a:fillRef>
+          <a:effectRef idx="0">
+            <a:schemeClr val="accent1"/>
+          </a:effectRef>
+          <a:fontRef idx="minor">
+            <a:schemeClr val="lt1"/>
+          </a:fontRef>
+        </p:style>
+        <p:txBody>
+          <a:bodyPr rtlCol="0" anchor="ctr"/>
+          <a:lstStyle/>
+          <a:p>
+            <a:pPr algn="ctr"/>
+            <a:endParaRPr lang="es-ES"/>
+          </a:p>
+        </p:txBody>
+      </p:sp>
+      <p:sp>
+        <p:nvSpPr>
+          <p:cNvPr id="19" name="CuadroTexto 18"/>
+          <p:cNvSpPr txBox="1"/>
+          <p:nvPr/>
+        </p:nvSpPr>
+        <p:spPr>
+          <a:xfrm>
+            <a:off x="10482844" y="2767431"/>
+            <a:ext cx="1210781" cy="523220"/>
+          </a:xfrm>
+          <a:prstGeom prst="rect">
+            <a:avLst/>
+          </a:prstGeom>
+          <a:noFill/>
+        </p:spPr>
+        <p:txBody>
+          <a:bodyPr wrap="none" rtlCol="0">
+            <a:spAutoFit/>
+          </a:bodyPr>
+          <a:lstStyle/>
+          <a:p>
+            <a:r>
+              <a:rPr lang="es-ES" sz="2800" dirty="0" smtClean="0"/>
+              <a:t>Parque</a:t>
+            </a:r>
+            <a:endParaRPr lang="es-ES" sz="2800" dirty="0"/>
+          </a:p>
+        </p:txBody>
+      </p:sp>
+    </p:spTree>
+    <p:extLst>
+      <p:ext uri="{BB962C8B-B14F-4D97-AF65-F5344CB8AC3E}">
+        <p14:creationId xmlns:p14="http://schemas.microsoft.com/office/powerpoint/2010/main" val="2865274582"/>
+      </p:ext>
+    </p:extLst>
+  </p:cSld>
+  <p:clrMapOvr>
+    <a:masterClrMapping/>
+  </p:clrMapOvr>
+  <p:timing>
+    <p:tnLst>
+      <p:par>
+        <p:cTn id="1" dur="indefinite" restart="never" nodeType="tmRoot">
+          <p:childTnLst>
+            <p:seq concurrent="1" nextAc="seek">
+              <p:cTn id="2" dur="indefinite" nodeType="mainSeq">
+                <p:childTnLst>
+                  <p:par>
+                    <p:cTn id="3" fill="hold">
+                      <p:stCondLst>
+                        <p:cond delay="indefinite"/>
+                      </p:stCondLst>
+                      <p:childTnLst>
+                        <p:par>
+                          <p:cTn id="4" fill="hold">
+                            <p:stCondLst>
+                              <p:cond delay="0"/>
+                            </p:stCondLst>
+                            <p:childTnLst>
+                              <p:par>
+                                <p:cTn id="5" presetID="1" presetClass="entr" presetSubtype="0" fill="hold" grpId="0" nodeType="clickEffect">
+                                  <p:stCondLst>
+                                    <p:cond delay="0"/>
+                                  </p:stCondLst>
+                                  <p:childTnLst>
+                                    <p:set>
+                                      <p:cBhvr>
+                                        <p:cTn id="6" dur="1" fill="hold">
+                                          <p:stCondLst>
+                                            <p:cond delay="0"/>
+                                          </p:stCondLst>
+                                        </p:cTn>
+                                        <p:tgtEl>
+                                          <p:spTgt spid="5"/>
+                                        </p:tgtEl>
+                                        <p:attrNameLst>
+                                          <p:attrName>style.visibility</p:attrName>
+                                        </p:attrNameLst>
+                                      </p:cBhvr>
+                                      <p:to>
+                                        <p:strVal val="visible"/>
+                                      </p:to>
+                                    </p:set>
+                                  </p:childTnLst>
+                                </p:cTn>
+                              </p:par>
+                              <p:par>
+                                <p:cTn id="7" presetID="1" presetClass="entr" presetSubtype="0" fill="hold" grpId="0" nodeType="withEffect">
+                                  <p:stCondLst>
+                                    <p:cond delay="0"/>
+                                  </p:stCondLst>
+                                  <p:childTnLst>
+                                    <p:set>
+                                      <p:cBhvr>
+                                        <p:cTn id="8" dur="1" fill="hold">
+                                          <p:stCondLst>
+                                            <p:cond delay="0"/>
+                                          </p:stCondLst>
+                                        </p:cTn>
+                                        <p:tgtEl>
+                                          <p:spTgt spid="6"/>
+                                        </p:tgtEl>
+                                        <p:attrNameLst>
+                                          <p:attrName>style.visibility</p:attrName>
+                                        </p:attrNameLst>
+                                      </p:cBhvr>
+                                      <p:to>
+                                        <p:strVal val="visible"/>
+                                      </p:to>
+                                    </p:set>
+                                  </p:childTnLst>
+                                </p:cTn>
+                              </p:par>
+                              <p:par>
+                                <p:cTn id="9" presetID="1" presetClass="entr" presetSubtype="0" fill="hold" nodeType="withEffect">
+                                  <p:stCondLst>
+                                    <p:cond delay="0"/>
+                                  </p:stCondLst>
+                                  <p:childTnLst>
+                                    <p:set>
+                                      <p:cBhvr>
+                                        <p:cTn id="10" dur="1" fill="hold">
+                                          <p:stCondLst>
+                                            <p:cond delay="0"/>
+                                          </p:stCondLst>
+                                        </p:cTn>
+                                        <p:tgtEl>
+                                          <p:spTgt spid="8"/>
+                                        </p:tgtEl>
+                                        <p:attrNameLst>
+                                          <p:attrName>style.visibility</p:attrName>
+                                        </p:attrNameLst>
+                                      </p:cBhvr>
+                                      <p:to>
+                                        <p:strVal val="visible"/>
+                                      </p:to>
+                                    </p:set>
+                                  </p:childTnLst>
+                                </p:cTn>
+                              </p:par>
+                              <p:par>
+                                <p:cTn id="11" presetID="1" presetClass="entr" presetSubtype="0" fill="hold" nodeType="withEffect">
+                                  <p:stCondLst>
+                                    <p:cond delay="0"/>
+                                  </p:stCondLst>
+                                  <p:childTnLst>
+                                    <p:set>
+                                      <p:cBhvr>
+                                        <p:cTn id="12" dur="1" fill="hold">
+                                          <p:stCondLst>
+                                            <p:cond delay="0"/>
+                                          </p:stCondLst>
+                                        </p:cTn>
+                                        <p:tgtEl>
+                                          <p:spTgt spid="9"/>
+                                        </p:tgtEl>
+                                        <p:attrNameLst>
+                                          <p:attrName>style.visibility</p:attrName>
+                                        </p:attrNameLst>
+                                      </p:cBhvr>
+                                      <p:to>
+                                        <p:strVal val="visible"/>
+                                      </p:to>
+                                    </p:set>
+                                  </p:childTnLst>
+                                </p:cTn>
+                              </p:par>
+                              <p:par>
+                                <p:cTn id="13" presetID="1" presetClass="entr" presetSubtype="0" fill="hold" grpId="0" nodeType="withEffect">
+                                  <p:stCondLst>
+                                    <p:cond delay="0"/>
+                                  </p:stCondLst>
+                                  <p:childTnLst>
+                                    <p:set>
+                                      <p:cBhvr>
+                                        <p:cTn id="14" dur="1" fill="hold">
+                                          <p:stCondLst>
+                                            <p:cond delay="0"/>
+                                          </p:stCondLst>
+                                        </p:cTn>
+                                        <p:tgtEl>
+                                          <p:spTgt spid="12"/>
+                                        </p:tgtEl>
+                                        <p:attrNameLst>
+                                          <p:attrName>style.visibility</p:attrName>
+                                        </p:attrNameLst>
+                                      </p:cBhvr>
+                                      <p:to>
+                                        <p:strVal val="visible"/>
+                                      </p:to>
+                                    </p:set>
+                                  </p:childTnLst>
+                                </p:cTn>
+                              </p:par>
+                              <p:par>
+                                <p:cTn id="15" presetID="1" presetClass="entr" presetSubtype="0" fill="hold" grpId="0" nodeType="withEffect">
+                                  <p:stCondLst>
+                                    <p:cond delay="0"/>
+                                  </p:stCondLst>
+                                  <p:childTnLst>
+                                    <p:set>
+                                      <p:cBhvr>
+                                        <p:cTn id="16" dur="1" fill="hold">
+                                          <p:stCondLst>
+                                            <p:cond delay="0"/>
+                                          </p:stCondLst>
+                                        </p:cTn>
+                                        <p:tgtEl>
+                                          <p:spTgt spid="14"/>
+                                        </p:tgtEl>
+                                        <p:attrNameLst>
+                                          <p:attrName>style.visibility</p:attrName>
+                                        </p:attrNameLst>
+                                      </p:cBhvr>
+                                      <p:to>
+                                        <p:strVal val="visible"/>
+                                      </p:to>
+                                    </p:set>
+                                  </p:childTnLst>
+                                </p:cTn>
+                              </p:par>
+                              <p:par>
+                                <p:cTn id="17" presetID="1" presetClass="entr" presetSubtype="0" fill="hold" grpId="0" nodeType="withEffect">
+                                  <p:stCondLst>
+                                    <p:cond delay="0"/>
+                                  </p:stCondLst>
+                                  <p:childTnLst>
+                                    <p:set>
+                                      <p:cBhvr>
+                                        <p:cTn id="18" dur="1" fill="hold">
+                                          <p:stCondLst>
+                                            <p:cond delay="0"/>
+                                          </p:stCondLst>
+                                        </p:cTn>
+                                        <p:tgtEl>
+                                          <p:spTgt spid="15"/>
+                                        </p:tgtEl>
+                                        <p:attrNameLst>
+                                          <p:attrName>style.visibility</p:attrName>
+                                        </p:attrNameLst>
+                                      </p:cBhvr>
+                                      <p:to>
+                                        <p:strVal val="visible"/>
+                                      </p:to>
+                                    </p:set>
+                                  </p:childTnLst>
+                                </p:cTn>
+                              </p:par>
+                              <p:par>
+                                <p:cTn id="19" presetID="1" presetClass="entr" presetSubtype="0" fill="hold" nodeType="withEffect">
+                                  <p:stCondLst>
+                                    <p:cond delay="0"/>
+                                  </p:stCondLst>
+                                  <p:childTnLst>
+                                    <p:set>
+                                      <p:cBhvr>
+                                        <p:cTn id="20" dur="1" fill="hold">
+                                          <p:stCondLst>
+                                            <p:cond delay="0"/>
+                                          </p:stCondLst>
+                                        </p:cTn>
+                                        <p:tgtEl>
+                                          <p:spTgt spid="16"/>
+                                        </p:tgtEl>
+                                        <p:attrNameLst>
+                                          <p:attrName>style.visibility</p:attrName>
+                                        </p:attrNameLst>
+                                      </p:cBhvr>
+                                      <p:to>
+                                        <p:strVal val="visible"/>
+                                      </p:to>
+                                    </p:set>
+                                  </p:childTnLst>
+                                </p:cTn>
+                              </p:par>
+                              <p:par>
+                                <p:cTn id="21" presetID="1" presetClass="entr" presetSubtype="0" fill="hold" nodeType="withEffect">
+                                  <p:stCondLst>
+                                    <p:cond delay="0"/>
+                                  </p:stCondLst>
+                                  <p:childTnLst>
+                                    <p:set>
+                                      <p:cBhvr>
+                                        <p:cTn id="22" dur="1" fill="hold">
+                                          <p:stCondLst>
+                                            <p:cond delay="0"/>
+                                          </p:stCondLst>
+                                        </p:cTn>
+                                        <p:tgtEl>
+                                          <p:spTgt spid="17"/>
+                                        </p:tgtEl>
+                                        <p:attrNameLst>
+                                          <p:attrName>style.visibility</p:attrName>
+                                        </p:attrNameLst>
+                                      </p:cBhvr>
+                                      <p:to>
+                                        <p:strVal val="visible"/>
+                                      </p:to>
+                                    </p:set>
+                                  </p:childTnLst>
+                                </p:cTn>
+                              </p:par>
+                              <p:par>
+                                <p:cTn id="23" presetID="1" presetClass="entr" presetSubtype="0" fill="hold" grpId="0" nodeType="withEffect">
+                                  <p:stCondLst>
+                                    <p:cond delay="0"/>
+                                  </p:stCondLst>
+                                  <p:childTnLst>
+                                    <p:set>
+                                      <p:cBhvr>
+                                        <p:cTn id="24" dur="1" fill="hold">
+                                          <p:stCondLst>
+                                            <p:cond delay="0"/>
+                                          </p:stCondLst>
+                                        </p:cTn>
+                                        <p:tgtEl>
+                                          <p:spTgt spid="21"/>
+                                        </p:tgtEl>
+                                        <p:attrNameLst>
+                                          <p:attrName>style.visibility</p:attrName>
+                                        </p:attrNameLst>
+                                      </p:cBhvr>
+                                      <p:to>
+                                        <p:strVal val="visible"/>
+                                      </p:to>
+                                    </p:set>
+                                  </p:childTnLst>
+                                </p:cTn>
+                              </p:par>
+                              <p:par>
+                                <p:cTn id="25" presetID="1" presetClass="entr" presetSubtype="0" fill="hold" grpId="0" nodeType="withEffect">
+                                  <p:stCondLst>
+                                    <p:cond delay="0"/>
+                                  </p:stCondLst>
+                                  <p:childTnLst>
+                                    <p:set>
+                                      <p:cBhvr>
+                                        <p:cTn id="26" dur="1" fill="hold">
+                                          <p:stCondLst>
+                                            <p:cond delay="0"/>
+                                          </p:stCondLst>
+                                        </p:cTn>
+                                        <p:tgtEl>
+                                          <p:spTgt spid="7"/>
+                                        </p:tgtEl>
+                                        <p:attrNameLst>
+                                          <p:attrName>style.visibility</p:attrName>
+                                        </p:attrNameLst>
+                                      </p:cBhvr>
+                                      <p:to>
+                                        <p:strVal val="visible"/>
+                                      </p:to>
+                                    </p:set>
+                                  </p:childTnLst>
+                                </p:cTn>
+                              </p:par>
+                              <p:par>
+                                <p:cTn id="27" presetID="1" presetClass="entr" presetSubtype="0" fill="hold" grpId="0" nodeType="withEffect">
+                                  <p:stCondLst>
+                                    <p:cond delay="0"/>
+                                  </p:stCondLst>
+                                  <p:childTnLst>
+                                    <p:set>
+                                      <p:cBhvr>
+                                        <p:cTn id="28" dur="1" fill="hold">
+                                          <p:stCondLst>
+                                            <p:cond delay="0"/>
+                                          </p:stCondLst>
+                                        </p:cTn>
+                                        <p:tgtEl>
+                                          <p:spTgt spid="18"/>
+                                        </p:tgtEl>
+                                        <p:attrNameLst>
+                                          <p:attrName>style.visibility</p:attrName>
+                                        </p:attrNameLst>
+                                      </p:cBhvr>
+                                      <p:to>
+                                        <p:strVal val="visible"/>
+                                      </p:to>
+                                    </p:set>
+                                  </p:childTnLst>
+                                </p:cTn>
+                              </p:par>
+                              <p:par>
+                                <p:cTn id="29" presetID="1" presetClass="entr" presetSubtype="0" fill="hold" grpId="0" nodeType="withEffect">
+                                  <p:stCondLst>
+                                    <p:cond delay="0"/>
+                                  </p:stCondLst>
+                                  <p:childTnLst>
+                                    <p:set>
+                                      <p:cBhvr>
+                                        <p:cTn id="30" dur="1" fill="hold">
+                                          <p:stCondLst>
+                                            <p:cond delay="0"/>
+                                          </p:stCondLst>
+                                        </p:cTn>
+                                        <p:tgtEl>
+                                          <p:spTgt spid="10"/>
+                                        </p:tgtEl>
+                                        <p:attrNameLst>
+                                          <p:attrName>style.visibility</p:attrName>
+                                        </p:attrNameLst>
+                                      </p:cBhvr>
+                                      <p:to>
+                                        <p:strVal val="visible"/>
+                                      </p:to>
+                                    </p:set>
+                                  </p:childTnLst>
+                                </p:cTn>
+                              </p:par>
+                              <p:par>
+                                <p:cTn id="31" presetID="1" presetClass="entr" presetSubtype="0" fill="hold" grpId="0" nodeType="withEffect">
+                                  <p:stCondLst>
+                                    <p:cond delay="0"/>
+                                  </p:stCondLst>
+                                  <p:childTnLst>
+                                    <p:set>
+                                      <p:cBhvr>
+                                        <p:cTn id="32" dur="1" fill="hold">
+                                          <p:stCondLst>
+                                            <p:cond delay="0"/>
+                                          </p:stCondLst>
+                                        </p:cTn>
+                                        <p:tgtEl>
+                                          <p:spTgt spid="19"/>
+                                        </p:tgtEl>
+                                        <p:attrNameLst>
+                                          <p:attrName>style.visibility</p:attrName>
+                                        </p:attrNameLst>
+                                      </p:cBhvr>
+                                      <p:to>
+                                        <p:strVal val="visible"/>
+                                      </p:to>
+                                    </p:set>
+                                  </p:childTnLst>
+                                </p:cTn>
+                              </p:par>
+                            </p:childTnLst>
+                          </p:cTn>
+                        </p:par>
+                      </p:childTnLst>
+                    </p:cTn>
+                  </p:par>
+                </p:childTnLst>
+              </p:cTn>
+              <p:prevCondLst>
+                <p:cond evt="onPrev" delay="0">
+                  <p:tgtEl>
+                    <p:sldTgt/>
+                  </p:tgtEl>
+                </p:cond>
+              </p:prevCondLst>
+              <p:nextCondLst>
+                <p:cond evt="onNext" delay="0">
+                  <p:tgtEl>
+                    <p:sldTgt/>
+                  </p:tgtEl>
+                </p:cond>
+              </p:nextCondLst>
+            </p:seq>
+          </p:childTnLst>
+        </p:cTn>
+      </p:par>
+    </p:tnLst>
+    <p:bldLst>
+      <p:bldP spid="5" grpId="0" animBg="1"/>
+      <p:bldP spid="6" grpId="0" animBg="1"/>
+      <p:bldP spid="12" grpId="0"/>
+      <p:bldP spid="14" grpId="0" animBg="1"/>
+      <p:bldP spid="15" grpId="0" animBg="1"/>
+      <p:bldP spid="21" grpId="0"/>
+      <p:bldP spid="7" grpId="0" animBg="1"/>
+      <p:bldP spid="18" grpId="0"/>
+      <p:bldP spid="10" grpId="0" animBg="1"/>
+      <p:bldP spid="19" grpId="0"/>
+    </p:bldLst>
+  </p:timing>
+</p:sld>
+</file>
+
+<file path=ppt/slides/slide7.xml><?xml version="1.0" encoding="utf-8"?>
+<p:sld xmlns:a="http://schemas.openxmlformats.org/drawingml/2006/main" xmlns:r="http://schemas.openxmlformats.org/officeDocument/2006/relationships" xmlns:p="http://schemas.openxmlformats.org/presentationml/2006/main">
+  <p:cSld>
+    <p:spTree>
+      <p:nvGrpSpPr>
+        <p:cNvPr id="1" name=""/>
+        <p:cNvGrpSpPr/>
+        <p:nvPr/>
+      </p:nvGrpSpPr>
+      <p:grpSpPr>
+        <a:xfrm>
+          <a:off x="0" y="0"/>
+          <a:ext cx="0" cy="0"/>
+          <a:chOff x="0" y="0"/>
+          <a:chExt cx="0" cy="0"/>
+        </a:xfrm>
+      </p:grpSpPr>
+      <p:sp>
+        <p:nvSpPr>
+          <p:cNvPr id="2" name="Título 1">
+            <a:extLst>
+              <a:ext uri="{FF2B5EF4-FFF2-40B4-BE49-F238E27FC236}">
+                <a16:creationId xmlns="" xmlns:a16="http://schemas.microsoft.com/office/drawing/2014/main" id="{FEE365C5-F51C-45E4-AE98-9D2F02614E37}"/>
+              </a:ext>
+            </a:extLst>
+          </p:cNvPr>
+          <p:cNvSpPr>
+            <a:spLocks noGrp="1"/>
+          </p:cNvSpPr>
+          <p:nvPr>
+            <p:ph type="title"/>
+          </p:nvPr>
+        </p:nvSpPr>
+        <p:spPr/>
+        <p:txBody>
+          <a:bodyPr/>
+          <a:lstStyle/>
+          <a:p>
+            <a:r>
+              <a:rPr lang="es-ES" dirty="0"/>
+              <a:t>Algoritmo de control</a:t>
+            </a:r>
+          </a:p>
+        </p:txBody>
+      </p:sp>
+      <p:sp>
+        <p:nvSpPr>
+          <p:cNvPr id="3" name="Marcador de contenido 2">
+            <a:extLst>
+              <a:ext uri="{FF2B5EF4-FFF2-40B4-BE49-F238E27FC236}">
+                <a16:creationId xmlns="" xmlns:a16="http://schemas.microsoft.com/office/drawing/2014/main" id="{E2B73A5A-6803-4FB4-BBEF-89D34306EC50}"/>
+              </a:ext>
+            </a:extLst>
+          </p:cNvPr>
+          <p:cNvSpPr>
+            <a:spLocks noGrp="1"/>
+          </p:cNvSpPr>
+          <p:nvPr>
+            <p:ph idx="1"/>
+          </p:nvPr>
+        </p:nvSpPr>
+        <p:spPr/>
+        <p:txBody>
+          <a:bodyPr/>
+          <a:lstStyle/>
+          <a:p>
+            <a:pPr marL="0" indent="0">
+              <a:buNone/>
+            </a:pPr>
+            <a:r>
+              <a:rPr lang="es-ES" dirty="0" smtClean="0"/>
+              <a:t>Partes del control:</a:t>
+            </a:r>
+          </a:p>
+          <a:p>
+            <a:pPr lvl="1"/>
+            <a:r>
+              <a:rPr lang="es-ES" dirty="0" smtClean="0"/>
+              <a:t>Generación </a:t>
+            </a:r>
+            <a:r>
+              <a:rPr lang="es-ES" dirty="0" smtClean="0"/>
+              <a:t>de consigna según el código de </a:t>
+            </a:r>
+            <a:r>
+              <a:rPr lang="es-ES" dirty="0" smtClean="0"/>
+              <a:t>red</a:t>
+            </a:r>
+          </a:p>
+          <a:p>
+            <a:pPr lvl="1"/>
+            <a:r>
+              <a:rPr lang="es-ES" dirty="0" smtClean="0"/>
+              <a:t>Realimentación de las señales</a:t>
+            </a:r>
+          </a:p>
+          <a:p>
+            <a:pPr lvl="1"/>
+            <a:r>
+              <a:rPr lang="es-ES" dirty="0" smtClean="0"/>
+              <a:t>Bloque del controlador PI</a:t>
+            </a:r>
+          </a:p>
+          <a:p>
+            <a:pPr lvl="1"/>
+            <a:endParaRPr lang="es-ES" dirty="0"/>
+          </a:p>
+        </p:txBody>
+      </p:sp>
+    </p:spTree>
+    <p:extLst>
+      <p:ext uri="{BB962C8B-B14F-4D97-AF65-F5344CB8AC3E}">
+        <p14:creationId xmlns:p14="http://schemas.microsoft.com/office/powerpoint/2010/main" val="2308687549"/>
+      </p:ext>
+    </p:extLst>
+  </p:cSld>
+  <p:clrMapOvr>
+    <a:masterClrMapping/>
+  </p:clrMapOvr>
+  <p:timing>
+    <p:tnLst>
+      <p:par>
+        <p:cTn id="1" dur="indefinite" restart="never" nodeType="tmRoot"/>
+      </p:par>
+    </p:tnLst>
+  </p:timing>
+</p:sld>
+</file>
+
+<file path=ppt/slides/slide8.xml><?xml version="1.0" encoding="utf-8"?>
+<p:sld xmlns:a="http://schemas.openxmlformats.org/drawingml/2006/main" xmlns:r="http://schemas.openxmlformats.org/officeDocument/2006/relationships" xmlns:p="http://schemas.openxmlformats.org/presentationml/2006/main">
+  <p:cSld>
+    <p:spTree>
+      <p:nvGrpSpPr>
+        <p:cNvPr id="1" name=""/>
+        <p:cNvGrpSpPr/>
+        <p:nvPr/>
+      </p:nvGrpSpPr>
+      <p:grpSpPr>
+        <a:xfrm>
+          <a:off x="0" y="0"/>
+          <a:ext cx="0" cy="0"/>
+          <a:chOff x="0" y="0"/>
+          <a:chExt cx="0" cy="0"/>
+        </a:xfrm>
+      </p:grpSpPr>
+      <p:sp>
+        <p:nvSpPr>
+          <p:cNvPr id="2" name="Título 1">
+            <a:extLst>
+              <a:ext uri="{FF2B5EF4-FFF2-40B4-BE49-F238E27FC236}">
+                <a16:creationId xmlns="" xmlns:a16="http://schemas.microsoft.com/office/drawing/2014/main" id="{7CE1135B-07BD-441E-96D7-85BD4835A7ED}"/>
+              </a:ext>
+            </a:extLst>
+          </p:cNvPr>
+          <p:cNvSpPr>
+            <a:spLocks noGrp="1"/>
+          </p:cNvSpPr>
+          <p:nvPr>
+            <p:ph type="title"/>
+          </p:nvPr>
+        </p:nvSpPr>
+        <p:spPr/>
+        <p:txBody>
+          <a:bodyPr/>
+          <a:lstStyle/>
+          <a:p>
+            <a:r>
+              <a:rPr lang="es-ES" dirty="0"/>
+              <a:t>Conclusiones</a:t>
+            </a:r>
+          </a:p>
+        </p:txBody>
+      </p:sp>
+      <p:sp>
+        <p:nvSpPr>
+          <p:cNvPr id="3" name="Marcador de contenido 2">
+            <a:extLst>
+              <a:ext uri="{FF2B5EF4-FFF2-40B4-BE49-F238E27FC236}">
+                <a16:creationId xmlns="" xmlns:a16="http://schemas.microsoft.com/office/drawing/2014/main" id="{8494C532-DF3D-48DB-A603-9E1A5F3ADD2D}"/>
+              </a:ext>
+            </a:extLst>
+          </p:cNvPr>
+          <p:cNvSpPr>
+            <a:spLocks noGrp="1"/>
+          </p:cNvSpPr>
+          <p:nvPr>
+            <p:ph idx="1"/>
+          </p:nvPr>
+        </p:nvSpPr>
+        <p:spPr/>
+        <p:txBody>
+          <a:bodyPr/>
+          <a:lstStyle/>
+          <a:p>
+            <a:endParaRPr lang="es-ES"/>
+          </a:p>
+        </p:txBody>
+      </p:sp>
+    </p:spTree>
+    <p:extLst>
+      <p:ext uri="{BB962C8B-B14F-4D97-AF65-F5344CB8AC3E}">
+        <p14:creationId xmlns:p14="http://schemas.microsoft.com/office/powerpoint/2010/main" val="2185818766"/>
+      </p:ext>
+    </p:extLst>
+  </p:cSld>
+  <p:clrMapOvr>
+    <a:masterClrMapping/>
+  </p:clrMapOvr>
+  <p:timing>
+    <p:tnLst>
+      <p:par>
+        <p:cTn id="1" dur="indefinite" restart="never" nodeType="tmRoot"/>
+      </p:par>
+    </p:tnLst>
+  </p:timing>
 </p:sld>
 </file>
 

--- a/tfgPP.pptx
+++ b/tfgPP.pptx
@@ -13,6 +13,8 @@
     <p:sldId id="261" r:id="rId7"/>
     <p:sldId id="262" r:id="rId8"/>
     <p:sldId id="263" r:id="rId9"/>
+    <p:sldId id="264" r:id="rId10"/>
+    <p:sldId id="265" r:id="rId11"/>
   </p:sldIdLst>
   <p:sldSz cx="12192000" cy="6858000"/>
   <p:notesSz cx="6858000" cy="9144000"/>
@@ -274,9 +276,9 @@
           <a:p>
             <a:fld id="{8161FC19-448B-45B3-ABDC-99AC11CB222E}" type="datetimeFigureOut">
               <a:rPr lang="es-ES" smtClean="0"/>
-              <a:t>25/06/2018</a:t>
+              <a:t>26/06/2018</a:t>
             </a:fld>
-            <a:endParaRPr lang="es-ES"/>
+            <a:endParaRPr lang="es-ES" dirty="0"/>
           </a:p>
         </p:txBody>
       </p:sp>
@@ -295,7 +297,7 @@
           <a:bodyPr/>
           <a:lstStyle/>
           <a:p>
-            <a:endParaRPr lang="es-ES"/>
+            <a:endParaRPr lang="es-ES" dirty="0"/>
           </a:p>
         </p:txBody>
       </p:sp>
@@ -318,7 +320,7 @@
               <a:rPr lang="es-ES" smtClean="0"/>
               <a:t>‹Nº›</a:t>
             </a:fld>
-            <a:endParaRPr lang="es-ES"/>
+            <a:endParaRPr lang="es-ES" dirty="0"/>
           </a:p>
         </p:txBody>
       </p:sp>
@@ -442,9 +444,9 @@
           <a:p>
             <a:fld id="{8161FC19-448B-45B3-ABDC-99AC11CB222E}" type="datetimeFigureOut">
               <a:rPr lang="es-ES" smtClean="0"/>
-              <a:t>25/06/2018</a:t>
+              <a:t>26/06/2018</a:t>
             </a:fld>
-            <a:endParaRPr lang="es-ES"/>
+            <a:endParaRPr lang="es-ES" dirty="0"/>
           </a:p>
         </p:txBody>
       </p:sp>
@@ -463,7 +465,7 @@
           <a:bodyPr/>
           <a:lstStyle/>
           <a:p>
-            <a:endParaRPr lang="es-ES"/>
+            <a:endParaRPr lang="es-ES" dirty="0"/>
           </a:p>
         </p:txBody>
       </p:sp>
@@ -486,7 +488,7 @@
               <a:rPr lang="es-ES" smtClean="0"/>
               <a:t>‹Nº›</a:t>
             </a:fld>
-            <a:endParaRPr lang="es-ES"/>
+            <a:endParaRPr lang="es-ES" dirty="0"/>
           </a:p>
         </p:txBody>
       </p:sp>
@@ -620,9 +622,9 @@
           <a:p>
             <a:fld id="{8161FC19-448B-45B3-ABDC-99AC11CB222E}" type="datetimeFigureOut">
               <a:rPr lang="es-ES" smtClean="0"/>
-              <a:t>25/06/2018</a:t>
+              <a:t>26/06/2018</a:t>
             </a:fld>
-            <a:endParaRPr lang="es-ES"/>
+            <a:endParaRPr lang="es-ES" dirty="0"/>
           </a:p>
         </p:txBody>
       </p:sp>
@@ -641,7 +643,7 @@
           <a:bodyPr/>
           <a:lstStyle/>
           <a:p>
-            <a:endParaRPr lang="es-ES"/>
+            <a:endParaRPr lang="es-ES" dirty="0"/>
           </a:p>
         </p:txBody>
       </p:sp>
@@ -664,7 +666,7 @@
               <a:rPr lang="es-ES" smtClean="0"/>
               <a:t>‹Nº›</a:t>
             </a:fld>
-            <a:endParaRPr lang="es-ES"/>
+            <a:endParaRPr lang="es-ES" dirty="0"/>
           </a:p>
         </p:txBody>
       </p:sp>
@@ -788,9 +790,9 @@
           <a:p>
             <a:fld id="{8161FC19-448B-45B3-ABDC-99AC11CB222E}" type="datetimeFigureOut">
               <a:rPr lang="es-ES" smtClean="0"/>
-              <a:t>25/06/2018</a:t>
+              <a:t>26/06/2018</a:t>
             </a:fld>
-            <a:endParaRPr lang="es-ES"/>
+            <a:endParaRPr lang="es-ES" dirty="0"/>
           </a:p>
         </p:txBody>
       </p:sp>
@@ -809,7 +811,7 @@
           <a:bodyPr/>
           <a:lstStyle/>
           <a:p>
-            <a:endParaRPr lang="es-ES"/>
+            <a:endParaRPr lang="es-ES" dirty="0"/>
           </a:p>
         </p:txBody>
       </p:sp>
@@ -832,7 +834,7 @@
               <a:rPr lang="es-ES" smtClean="0"/>
               <a:t>‹Nº›</a:t>
             </a:fld>
-            <a:endParaRPr lang="es-ES"/>
+            <a:endParaRPr lang="es-ES" dirty="0"/>
           </a:p>
         </p:txBody>
       </p:sp>
@@ -1033,9 +1035,9 @@
           <a:p>
             <a:fld id="{8161FC19-448B-45B3-ABDC-99AC11CB222E}" type="datetimeFigureOut">
               <a:rPr lang="es-ES" smtClean="0"/>
-              <a:t>25/06/2018</a:t>
+              <a:t>26/06/2018</a:t>
             </a:fld>
-            <a:endParaRPr lang="es-ES"/>
+            <a:endParaRPr lang="es-ES" dirty="0"/>
           </a:p>
         </p:txBody>
       </p:sp>
@@ -1054,7 +1056,7 @@
           <a:bodyPr/>
           <a:lstStyle/>
           <a:p>
-            <a:endParaRPr lang="es-ES"/>
+            <a:endParaRPr lang="es-ES" dirty="0"/>
           </a:p>
         </p:txBody>
       </p:sp>
@@ -1077,7 +1079,7 @@
               <a:rPr lang="es-ES" smtClean="0"/>
               <a:t>‹Nº›</a:t>
             </a:fld>
-            <a:endParaRPr lang="es-ES"/>
+            <a:endParaRPr lang="es-ES" dirty="0"/>
           </a:p>
         </p:txBody>
       </p:sp>
@@ -1262,9 +1264,9 @@
           <a:p>
             <a:fld id="{8161FC19-448B-45B3-ABDC-99AC11CB222E}" type="datetimeFigureOut">
               <a:rPr lang="es-ES" smtClean="0"/>
-              <a:t>25/06/2018</a:t>
+              <a:t>26/06/2018</a:t>
             </a:fld>
-            <a:endParaRPr lang="es-ES"/>
+            <a:endParaRPr lang="es-ES" dirty="0"/>
           </a:p>
         </p:txBody>
       </p:sp>
@@ -1283,7 +1285,7 @@
           <a:bodyPr/>
           <a:lstStyle/>
           <a:p>
-            <a:endParaRPr lang="es-ES"/>
+            <a:endParaRPr lang="es-ES" dirty="0"/>
           </a:p>
         </p:txBody>
       </p:sp>
@@ -1306,7 +1308,7 @@
               <a:rPr lang="es-ES" smtClean="0"/>
               <a:t>‹Nº›</a:t>
             </a:fld>
-            <a:endParaRPr lang="es-ES"/>
+            <a:endParaRPr lang="es-ES" dirty="0"/>
           </a:p>
         </p:txBody>
       </p:sp>
@@ -1626,9 +1628,9 @@
           <a:p>
             <a:fld id="{8161FC19-448B-45B3-ABDC-99AC11CB222E}" type="datetimeFigureOut">
               <a:rPr lang="es-ES" smtClean="0"/>
-              <a:t>25/06/2018</a:t>
+              <a:t>26/06/2018</a:t>
             </a:fld>
-            <a:endParaRPr lang="es-ES"/>
+            <a:endParaRPr lang="es-ES" dirty="0"/>
           </a:p>
         </p:txBody>
       </p:sp>
@@ -1647,7 +1649,7 @@
           <a:bodyPr/>
           <a:lstStyle/>
           <a:p>
-            <a:endParaRPr lang="es-ES"/>
+            <a:endParaRPr lang="es-ES" dirty="0"/>
           </a:p>
         </p:txBody>
       </p:sp>
@@ -1670,7 +1672,7 @@
               <a:rPr lang="es-ES" smtClean="0"/>
               <a:t>‹Nº›</a:t>
             </a:fld>
-            <a:endParaRPr lang="es-ES"/>
+            <a:endParaRPr lang="es-ES" dirty="0"/>
           </a:p>
         </p:txBody>
       </p:sp>
@@ -1743,9 +1745,9 @@
           <a:p>
             <a:fld id="{8161FC19-448B-45B3-ABDC-99AC11CB222E}" type="datetimeFigureOut">
               <a:rPr lang="es-ES" smtClean="0"/>
-              <a:t>25/06/2018</a:t>
+              <a:t>26/06/2018</a:t>
             </a:fld>
-            <a:endParaRPr lang="es-ES"/>
+            <a:endParaRPr lang="es-ES" dirty="0"/>
           </a:p>
         </p:txBody>
       </p:sp>
@@ -1764,7 +1766,7 @@
           <a:bodyPr/>
           <a:lstStyle/>
           <a:p>
-            <a:endParaRPr lang="es-ES"/>
+            <a:endParaRPr lang="es-ES" dirty="0"/>
           </a:p>
         </p:txBody>
       </p:sp>
@@ -1787,7 +1789,7 @@
               <a:rPr lang="es-ES" smtClean="0"/>
               <a:t>‹Nº›</a:t>
             </a:fld>
-            <a:endParaRPr lang="es-ES"/>
+            <a:endParaRPr lang="es-ES" dirty="0"/>
           </a:p>
         </p:txBody>
       </p:sp>
@@ -1838,9 +1840,9 @@
           <a:p>
             <a:fld id="{8161FC19-448B-45B3-ABDC-99AC11CB222E}" type="datetimeFigureOut">
               <a:rPr lang="es-ES" smtClean="0"/>
-              <a:t>25/06/2018</a:t>
+              <a:t>26/06/2018</a:t>
             </a:fld>
-            <a:endParaRPr lang="es-ES"/>
+            <a:endParaRPr lang="es-ES" dirty="0"/>
           </a:p>
         </p:txBody>
       </p:sp>
@@ -1859,7 +1861,7 @@
           <a:bodyPr/>
           <a:lstStyle/>
           <a:p>
-            <a:endParaRPr lang="es-ES"/>
+            <a:endParaRPr lang="es-ES" dirty="0"/>
           </a:p>
         </p:txBody>
       </p:sp>
@@ -1882,7 +1884,7 @@
               <a:rPr lang="es-ES" smtClean="0"/>
               <a:t>‹Nº›</a:t>
             </a:fld>
-            <a:endParaRPr lang="es-ES"/>
+            <a:endParaRPr lang="es-ES" dirty="0"/>
           </a:p>
         </p:txBody>
       </p:sp>
@@ -2113,9 +2115,9 @@
           <a:p>
             <a:fld id="{8161FC19-448B-45B3-ABDC-99AC11CB222E}" type="datetimeFigureOut">
               <a:rPr lang="es-ES" smtClean="0"/>
-              <a:t>25/06/2018</a:t>
+              <a:t>26/06/2018</a:t>
             </a:fld>
-            <a:endParaRPr lang="es-ES"/>
+            <a:endParaRPr lang="es-ES" dirty="0"/>
           </a:p>
         </p:txBody>
       </p:sp>
@@ -2134,7 +2136,7 @@
           <a:bodyPr/>
           <a:lstStyle/>
           <a:p>
-            <a:endParaRPr lang="es-ES"/>
+            <a:endParaRPr lang="es-ES" dirty="0"/>
           </a:p>
         </p:txBody>
       </p:sp>
@@ -2157,7 +2159,7 @@
               <a:rPr lang="es-ES" smtClean="0"/>
               <a:t>‹Nº›</a:t>
             </a:fld>
-            <a:endParaRPr lang="es-ES"/>
+            <a:endParaRPr lang="es-ES" dirty="0"/>
           </a:p>
         </p:txBody>
       </p:sp>
@@ -2279,7 +2281,7 @@
             </a:lvl9pPr>
           </a:lstStyle>
           <a:p>
-            <a:endParaRPr lang="es-ES"/>
+            <a:endParaRPr lang="es-ES" dirty="0"/>
           </a:p>
         </p:txBody>
       </p:sp>
@@ -2365,9 +2367,9 @@
           <a:p>
             <a:fld id="{8161FC19-448B-45B3-ABDC-99AC11CB222E}" type="datetimeFigureOut">
               <a:rPr lang="es-ES" smtClean="0"/>
-              <a:t>25/06/2018</a:t>
+              <a:t>26/06/2018</a:t>
             </a:fld>
-            <a:endParaRPr lang="es-ES"/>
+            <a:endParaRPr lang="es-ES" dirty="0"/>
           </a:p>
         </p:txBody>
       </p:sp>
@@ -2386,7 +2388,7 @@
           <a:bodyPr/>
           <a:lstStyle/>
           <a:p>
-            <a:endParaRPr lang="es-ES"/>
+            <a:endParaRPr lang="es-ES" dirty="0"/>
           </a:p>
         </p:txBody>
       </p:sp>
@@ -2409,7 +2411,7 @@
               <a:rPr lang="es-ES" smtClean="0"/>
               <a:t>‹Nº›</a:t>
             </a:fld>
-            <a:endParaRPr lang="es-ES"/>
+            <a:endParaRPr lang="es-ES" dirty="0"/>
           </a:p>
         </p:txBody>
       </p:sp>
@@ -2576,9 +2578,9 @@
           <a:p>
             <a:fld id="{8161FC19-448B-45B3-ABDC-99AC11CB222E}" type="datetimeFigureOut">
               <a:rPr lang="es-ES" smtClean="0"/>
-              <a:t>25/06/2018</a:t>
+              <a:t>26/06/2018</a:t>
             </a:fld>
-            <a:endParaRPr lang="es-ES"/>
+            <a:endParaRPr lang="es-ES" dirty="0"/>
           </a:p>
         </p:txBody>
       </p:sp>
@@ -2615,7 +2617,7 @@
             </a:lvl1pPr>
           </a:lstStyle>
           <a:p>
-            <a:endParaRPr lang="es-ES"/>
+            <a:endParaRPr lang="es-ES" dirty="0"/>
           </a:p>
         </p:txBody>
       </p:sp>
@@ -2656,7 +2658,7 @@
               <a:rPr lang="es-ES" smtClean="0"/>
               <a:t>‹Nº›</a:t>
             </a:fld>
-            <a:endParaRPr lang="es-ES"/>
+            <a:endParaRPr lang="es-ES" dirty="0"/>
           </a:p>
         </p:txBody>
       </p:sp>
@@ -3083,13 +3085,8 @@
           <a:p>
             <a:r>
               <a:rPr lang="es-ES" dirty="0"/>
-              <a:t>Tutor: Ricardo Granizo </a:t>
-            </a:r>
-            <a:r>
-              <a:rPr lang="es-ES" dirty="0" err="1"/>
-              <a:t>Arrabé</a:t>
-            </a:r>
-            <a:endParaRPr lang="es-ES" dirty="0"/>
+              <a:t>Tutor: Ricardo Granizo Arrabé</a:t>
+            </a:r>
           </a:p>
         </p:txBody>
       </p:sp>
@@ -3097,6 +3094,97 @@
     <p:extLst>
       <p:ext uri="{BB962C8B-B14F-4D97-AF65-F5344CB8AC3E}">
         <p14:creationId xmlns:p14="http://schemas.microsoft.com/office/powerpoint/2010/main" val="2620331731"/>
+      </p:ext>
+    </p:extLst>
+  </p:cSld>
+  <p:clrMapOvr>
+    <a:masterClrMapping/>
+  </p:clrMapOvr>
+  <p:timing>
+    <p:tnLst>
+      <p:par>
+        <p:cTn id="1" dur="indefinite" restart="never" nodeType="tmRoot"/>
+      </p:par>
+    </p:tnLst>
+  </p:timing>
+</p:sld>
+</file>
+
+<file path=ppt/slides/slide10.xml><?xml version="1.0" encoding="utf-8"?>
+<p:sld xmlns:a="http://schemas.openxmlformats.org/drawingml/2006/main" xmlns:r="http://schemas.openxmlformats.org/officeDocument/2006/relationships" xmlns:p="http://schemas.openxmlformats.org/presentationml/2006/main">
+  <p:cSld>
+    <p:spTree>
+      <p:nvGrpSpPr>
+        <p:cNvPr id="1" name=""/>
+        <p:cNvGrpSpPr/>
+        <p:nvPr/>
+      </p:nvGrpSpPr>
+      <p:grpSpPr>
+        <a:xfrm>
+          <a:off x="0" y="0"/>
+          <a:ext cx="0" cy="0"/>
+          <a:chOff x="0" y="0"/>
+          <a:chExt cx="0" cy="0"/>
+        </a:xfrm>
+      </p:grpSpPr>
+      <p:sp>
+        <p:nvSpPr>
+          <p:cNvPr id="2" name="Título 1">
+            <a:extLst>
+              <a:ext uri="{FF2B5EF4-FFF2-40B4-BE49-F238E27FC236}">
+                <a16:creationId xmlns:a16="http://schemas.microsoft.com/office/drawing/2014/main" xmlns="" id="{7CE1135B-07BD-441E-96D7-85BD4835A7ED}"/>
+              </a:ext>
+            </a:extLst>
+          </p:cNvPr>
+          <p:cNvSpPr>
+            <a:spLocks noGrp="1"/>
+          </p:cNvSpPr>
+          <p:nvPr>
+            <p:ph type="title"/>
+          </p:nvPr>
+        </p:nvSpPr>
+        <p:spPr/>
+        <p:txBody>
+          <a:bodyPr/>
+          <a:lstStyle/>
+          <a:p>
+            <a:r>
+              <a:rPr lang="es-ES" dirty="0" smtClean="0"/>
+              <a:t>Estudios futuros</a:t>
+            </a:r>
+            <a:endParaRPr lang="es-ES" dirty="0"/>
+          </a:p>
+        </p:txBody>
+      </p:sp>
+      <p:sp>
+        <p:nvSpPr>
+          <p:cNvPr id="3" name="Marcador de contenido 2">
+            <a:extLst>
+              <a:ext uri="{FF2B5EF4-FFF2-40B4-BE49-F238E27FC236}">
+                <a16:creationId xmlns:a16="http://schemas.microsoft.com/office/drawing/2014/main" xmlns="" id="{8494C532-DF3D-48DB-A603-9E1A5F3ADD2D}"/>
+              </a:ext>
+            </a:extLst>
+          </p:cNvPr>
+          <p:cNvSpPr>
+            <a:spLocks noGrp="1"/>
+          </p:cNvSpPr>
+          <p:nvPr>
+            <p:ph idx="1"/>
+          </p:nvPr>
+        </p:nvSpPr>
+        <p:spPr/>
+        <p:txBody>
+          <a:bodyPr/>
+          <a:lstStyle/>
+          <a:p>
+            <a:endParaRPr lang="es-ES" dirty="0"/>
+          </a:p>
+        </p:txBody>
+      </p:sp>
+    </p:spTree>
+    <p:extLst>
+      <p:ext uri="{BB962C8B-B14F-4D97-AF65-F5344CB8AC3E}">
+        <p14:creationId xmlns:p14="http://schemas.microsoft.com/office/powerpoint/2010/main" val="3096992739"/>
       </p:ext>
     </p:extLst>
   </p:cSld>
@@ -3499,9 +3587,12 @@
           <a:p>
             <a:r>
               <a:rPr lang="es-ES" dirty="0" smtClean="0"/>
-              <a:t>Modela del circuito de conexión a red en Simulink</a:t>
-            </a:r>
-            <a:endParaRPr lang="es-ES" dirty="0" smtClean="0"/>
+              <a:t>Modelar el </a:t>
+            </a:r>
+            <a:r>
+              <a:rPr lang="es-ES" dirty="0" smtClean="0"/>
+              <a:t>circuito de conexión a red en Simulink</a:t>
+            </a:r>
           </a:p>
           <a:p>
             <a:r>
@@ -3516,8 +3607,13 @@
           <a:p>
             <a:r>
               <a:rPr lang="es-ES" dirty="0" smtClean="0"/>
-              <a:t>Encontrar caso de estudio para los que la planta sin control corrige mejor que el control</a:t>
-            </a:r>
+              <a:t>Encontrar caso de estudio para los que la planta sin control corrige mejor que el </a:t>
+            </a:r>
+            <a:r>
+              <a:rPr lang="es-ES" dirty="0" smtClean="0"/>
+              <a:t>control </a:t>
+            </a:r>
+            <a:endParaRPr lang="es-ES" dirty="0" smtClean="0"/>
           </a:p>
           <a:p>
             <a:endParaRPr lang="es-ES" dirty="0"/>
@@ -3569,7 +3665,7 @@
           <p:cNvPr id="2" name="Título 1">
             <a:extLst>
               <a:ext uri="{FF2B5EF4-FFF2-40B4-BE49-F238E27FC236}">
-                <a16:creationId xmlns="" xmlns:a16="http://schemas.microsoft.com/office/drawing/2014/main" id="{E122A83D-3967-4BBC-B0B7-E31CB4FB61D5}"/>
+                <a16:creationId xmlns:a16="http://schemas.microsoft.com/office/drawing/2014/main" xmlns="" id="{E122A83D-3967-4BBC-B0B7-E31CB4FB61D5}"/>
               </a:ext>
             </a:extLst>
           </p:cNvPr>
@@ -3597,7 +3693,7 @@
           <p:cNvPr id="3" name="Marcador de contenido 2">
             <a:extLst>
               <a:ext uri="{FF2B5EF4-FFF2-40B4-BE49-F238E27FC236}">
-                <a16:creationId xmlns="" xmlns:a16="http://schemas.microsoft.com/office/drawing/2014/main" id="{A79EC906-CFDB-4506-8B2F-E22EC5418D18}"/>
+                <a16:creationId xmlns:a16="http://schemas.microsoft.com/office/drawing/2014/main" xmlns="" id="{A79EC906-CFDB-4506-8B2F-E22EC5418D18}"/>
               </a:ext>
             </a:extLst>
           </p:cNvPr>
@@ -3631,11 +3727,7 @@
           <a:p>
             <a:r>
               <a:rPr lang="es-ES" dirty="0" smtClean="0"/>
-              <a:t>Realimentación de potencia </a:t>
-            </a:r>
-            <a:r>
-              <a:rPr lang="es-ES" dirty="0" smtClean="0"/>
-              <a:t>reactiva, tensión o factor de potencia</a:t>
+              <a:t>Realimentación de potencia reactiva, tensión o factor de potencia</a:t>
             </a:r>
           </a:p>
           <a:p>
@@ -3685,7 +3777,7 @@
           <p:cNvPr id="2" name="Título 1">
             <a:extLst>
               <a:ext uri="{FF2B5EF4-FFF2-40B4-BE49-F238E27FC236}">
-                <a16:creationId xmlns="" xmlns:a16="http://schemas.microsoft.com/office/drawing/2014/main" id="{960643AA-8DEE-49EF-848B-2A646FDDAF27}"/>
+                <a16:creationId xmlns:a16="http://schemas.microsoft.com/office/drawing/2014/main" xmlns="" id="{960643AA-8DEE-49EF-848B-2A646FDDAF27}"/>
               </a:ext>
             </a:extLst>
           </p:cNvPr>
@@ -3713,7 +3805,7 @@
           <p:cNvPr id="3" name="Marcador de contenido 2">
             <a:extLst>
               <a:ext uri="{FF2B5EF4-FFF2-40B4-BE49-F238E27FC236}">
-                <a16:creationId xmlns="" xmlns:a16="http://schemas.microsoft.com/office/drawing/2014/main" id="{80A64E0C-CB3C-4B33-9667-CAFFFFAD0B40}"/>
+                <a16:creationId xmlns:a16="http://schemas.microsoft.com/office/drawing/2014/main" xmlns="" id="{80A64E0C-CB3C-4B33-9667-CAFFFFAD0B40}"/>
               </a:ext>
             </a:extLst>
           </p:cNvPr>
@@ -3803,7 +3895,7 @@
           <a:lstStyle/>
           <a:p>
             <a:pPr algn="ctr"/>
-            <a:endParaRPr lang="es-ES"/>
+            <a:endParaRPr lang="es-ES" dirty="0"/>
           </a:p>
         </p:txBody>
       </p:sp>
@@ -3849,7 +3941,7 @@
           <a:lstStyle/>
           <a:p>
             <a:pPr algn="ctr"/>
-            <a:endParaRPr lang="es-ES"/>
+            <a:endParaRPr lang="es-ES" dirty="0"/>
           </a:p>
         </p:txBody>
       </p:sp>
@@ -3995,7 +4087,7 @@
           <a:lstStyle/>
           <a:p>
             <a:pPr algn="ctr"/>
-            <a:endParaRPr lang="es-ES"/>
+            <a:endParaRPr lang="es-ES" dirty="0"/>
           </a:p>
         </p:txBody>
       </p:sp>
@@ -4041,7 +4133,7 @@
           <a:lstStyle/>
           <a:p>
             <a:pPr algn="ctr"/>
-            <a:endParaRPr lang="es-ES"/>
+            <a:endParaRPr lang="es-ES" dirty="0"/>
           </a:p>
         </p:txBody>
       </p:sp>
@@ -4187,7 +4279,7 @@
           <a:lstStyle/>
           <a:p>
             <a:pPr algn="ctr"/>
-            <a:endParaRPr lang="es-ES"/>
+            <a:endParaRPr lang="es-ES" dirty="0"/>
           </a:p>
         </p:txBody>
       </p:sp>
@@ -4263,7 +4355,7 @@
           <a:lstStyle/>
           <a:p>
             <a:pPr algn="ctr"/>
-            <a:endParaRPr lang="es-ES"/>
+            <a:endParaRPr lang="es-ES" dirty="0"/>
           </a:p>
         </p:txBody>
       </p:sp>
@@ -4770,7 +4862,7 @@
           <p:cNvPr id="2" name="Título 1">
             <a:extLst>
               <a:ext uri="{FF2B5EF4-FFF2-40B4-BE49-F238E27FC236}">
-                <a16:creationId xmlns="" xmlns:a16="http://schemas.microsoft.com/office/drawing/2014/main" id="{FEE365C5-F51C-45E4-AE98-9D2F02614E37}"/>
+                <a16:creationId xmlns:a16="http://schemas.microsoft.com/office/drawing/2014/main" xmlns="" id="{FEE365C5-F51C-45E4-AE98-9D2F02614E37}"/>
               </a:ext>
             </a:extLst>
           </p:cNvPr>
@@ -4798,7 +4890,7 @@
           <p:cNvPr id="3" name="Marcador de contenido 2">
             <a:extLst>
               <a:ext uri="{FF2B5EF4-FFF2-40B4-BE49-F238E27FC236}">
-                <a16:creationId xmlns="" xmlns:a16="http://schemas.microsoft.com/office/drawing/2014/main" id="{E2B73A5A-6803-4FB4-BBEF-89D34306EC50}"/>
+                <a16:creationId xmlns:a16="http://schemas.microsoft.com/office/drawing/2014/main" xmlns="" id="{E2B73A5A-6803-4FB4-BBEF-89D34306EC50}"/>
               </a:ext>
             </a:extLst>
           </p:cNvPr>
@@ -4826,15 +4918,7 @@
             <a:pPr lvl="1"/>
             <a:r>
               <a:rPr lang="es-ES" dirty="0" smtClean="0"/>
-              <a:t>Generación </a:t>
-            </a:r>
-            <a:r>
-              <a:rPr lang="es-ES" dirty="0" smtClean="0"/>
-              <a:t>de consigna según el código de </a:t>
-            </a:r>
-            <a:r>
-              <a:rPr lang="es-ES" dirty="0" smtClean="0"/>
-              <a:t>red</a:t>
+              <a:t>Generación de consigna según el código de red</a:t>
             </a:r>
           </a:p>
           <a:p>
@@ -4899,7 +4983,7 @@
           <p:cNvPr id="2" name="Título 1">
             <a:extLst>
               <a:ext uri="{FF2B5EF4-FFF2-40B4-BE49-F238E27FC236}">
-                <a16:creationId xmlns="" xmlns:a16="http://schemas.microsoft.com/office/drawing/2014/main" id="{7CE1135B-07BD-441E-96D7-85BD4835A7ED}"/>
+                <a16:creationId xmlns:a16="http://schemas.microsoft.com/office/drawing/2014/main" xmlns="" id="{7CE1135B-07BD-441E-96D7-85BD4835A7ED}"/>
               </a:ext>
             </a:extLst>
           </p:cNvPr>
@@ -4916,9 +5000,10 @@
           <a:lstStyle/>
           <a:p>
             <a:r>
-              <a:rPr lang="es-ES" dirty="0"/>
-              <a:t>Conclusiones</a:t>
-            </a:r>
+              <a:rPr lang="es-ES" dirty="0" smtClean="0"/>
+              <a:t>Conclusiones del primer ensayo</a:t>
+            </a:r>
+            <a:endParaRPr lang="es-ES" dirty="0"/>
           </a:p>
         </p:txBody>
       </p:sp>
@@ -4927,7 +5012,7 @@
           <p:cNvPr id="3" name="Marcador de contenido 2">
             <a:extLst>
               <a:ext uri="{FF2B5EF4-FFF2-40B4-BE49-F238E27FC236}">
-                <a16:creationId xmlns="" xmlns:a16="http://schemas.microsoft.com/office/drawing/2014/main" id="{8494C532-DF3D-48DB-A603-9E1A5F3ADD2D}"/>
+                <a16:creationId xmlns:a16="http://schemas.microsoft.com/office/drawing/2014/main" xmlns="" id="{8494C532-DF3D-48DB-A603-9E1A5F3ADD2D}"/>
               </a:ext>
             </a:extLst>
           </p:cNvPr>
@@ -4943,7 +5028,25 @@
           <a:bodyPr/>
           <a:lstStyle/>
           <a:p>
-            <a:endParaRPr lang="es-ES"/>
+            <a:pPr marL="514350" indent="-514350">
+              <a:buFont typeface="+mj-lt"/>
+              <a:buAutoNum type="arabicPeriod"/>
+            </a:pPr>
+            <a:r>
+              <a:rPr lang="es-ES" dirty="0" smtClean="0"/>
+              <a:t>Es imposible seguir el código de red con entrega nula de potencia activa</a:t>
+            </a:r>
+          </a:p>
+          <a:p>
+            <a:pPr marL="514350" indent="-514350">
+              <a:buFont typeface="+mj-lt"/>
+              <a:buAutoNum type="arabicPeriod"/>
+            </a:pPr>
+            <a:r>
+              <a:rPr lang="es-ES" dirty="0" smtClean="0"/>
+              <a:t>A mayor potencia activa generada más fácil es seguir el código de red</a:t>
+            </a:r>
+            <a:endParaRPr lang="es-ES" dirty="0"/>
           </a:p>
         </p:txBody>
       </p:sp>
@@ -4951,6 +5054,97 @@
     <p:extLst>
       <p:ext uri="{BB962C8B-B14F-4D97-AF65-F5344CB8AC3E}">
         <p14:creationId xmlns:p14="http://schemas.microsoft.com/office/powerpoint/2010/main" val="2185818766"/>
+      </p:ext>
+    </p:extLst>
+  </p:cSld>
+  <p:clrMapOvr>
+    <a:masterClrMapping/>
+  </p:clrMapOvr>
+  <p:timing>
+    <p:tnLst>
+      <p:par>
+        <p:cTn id="1" dur="indefinite" restart="never" nodeType="tmRoot"/>
+      </p:par>
+    </p:tnLst>
+  </p:timing>
+</p:sld>
+</file>
+
+<file path=ppt/slides/slide9.xml><?xml version="1.0" encoding="utf-8"?>
+<p:sld xmlns:a="http://schemas.openxmlformats.org/drawingml/2006/main" xmlns:r="http://schemas.openxmlformats.org/officeDocument/2006/relationships" xmlns:p="http://schemas.openxmlformats.org/presentationml/2006/main">
+  <p:cSld>
+    <p:spTree>
+      <p:nvGrpSpPr>
+        <p:cNvPr id="1" name=""/>
+        <p:cNvGrpSpPr/>
+        <p:nvPr/>
+      </p:nvGrpSpPr>
+      <p:grpSpPr>
+        <a:xfrm>
+          <a:off x="0" y="0"/>
+          <a:ext cx="0" cy="0"/>
+          <a:chOff x="0" y="0"/>
+          <a:chExt cx="0" cy="0"/>
+        </a:xfrm>
+      </p:grpSpPr>
+      <p:sp>
+        <p:nvSpPr>
+          <p:cNvPr id="2" name="Título 1">
+            <a:extLst>
+              <a:ext uri="{FF2B5EF4-FFF2-40B4-BE49-F238E27FC236}">
+                <a16:creationId xmlns:a16="http://schemas.microsoft.com/office/drawing/2014/main" xmlns="" id="{7CE1135B-07BD-441E-96D7-85BD4835A7ED}"/>
+              </a:ext>
+            </a:extLst>
+          </p:cNvPr>
+          <p:cNvSpPr>
+            <a:spLocks noGrp="1"/>
+          </p:cNvSpPr>
+          <p:nvPr>
+            <p:ph type="title"/>
+          </p:nvPr>
+        </p:nvSpPr>
+        <p:spPr/>
+        <p:txBody>
+          <a:bodyPr/>
+          <a:lstStyle/>
+          <a:p>
+            <a:r>
+              <a:rPr lang="es-ES" dirty="0" smtClean="0"/>
+              <a:t>Conclusiones del segundo ensayo</a:t>
+            </a:r>
+            <a:endParaRPr lang="es-ES" dirty="0"/>
+          </a:p>
+        </p:txBody>
+      </p:sp>
+      <p:sp>
+        <p:nvSpPr>
+          <p:cNvPr id="3" name="Marcador de contenido 2">
+            <a:extLst>
+              <a:ext uri="{FF2B5EF4-FFF2-40B4-BE49-F238E27FC236}">
+                <a16:creationId xmlns:a16="http://schemas.microsoft.com/office/drawing/2014/main" xmlns="" id="{8494C532-DF3D-48DB-A603-9E1A5F3ADD2D}"/>
+              </a:ext>
+            </a:extLst>
+          </p:cNvPr>
+          <p:cNvSpPr>
+            <a:spLocks noGrp="1"/>
+          </p:cNvSpPr>
+          <p:nvPr>
+            <p:ph idx="1"/>
+          </p:nvPr>
+        </p:nvSpPr>
+        <p:spPr/>
+        <p:txBody>
+          <a:bodyPr/>
+          <a:lstStyle/>
+          <a:p>
+            <a:endParaRPr lang="es-ES" dirty="0"/>
+          </a:p>
+        </p:txBody>
+      </p:sp>
+    </p:spTree>
+    <p:extLst>
+      <p:ext uri="{BB962C8B-B14F-4D97-AF65-F5344CB8AC3E}">
+        <p14:creationId xmlns:p14="http://schemas.microsoft.com/office/powerpoint/2010/main" val="275576193"/>
       </p:ext>
     </p:extLst>
   </p:cSld>

--- a/tfgPP.pptx
+++ b/tfgPP.pptx
@@ -12,9 +12,10 @@
     <p:sldId id="260" r:id="rId6"/>
     <p:sldId id="261" r:id="rId7"/>
     <p:sldId id="262" r:id="rId8"/>
-    <p:sldId id="263" r:id="rId9"/>
-    <p:sldId id="264" r:id="rId10"/>
-    <p:sldId id="265" r:id="rId11"/>
+    <p:sldId id="266" r:id="rId9"/>
+    <p:sldId id="263" r:id="rId10"/>
+    <p:sldId id="264" r:id="rId11"/>
+    <p:sldId id="265" r:id="rId12"/>
   </p:sldIdLst>
   <p:sldSz cx="12192000" cy="6858000"/>
   <p:notesSz cx="6858000" cy="9144000"/>
@@ -115,7 +116,7 @@
   </p:defaultTextStyle>
   <p:extLst>
     <p:ext uri="{EFAFB233-063F-42B5-8137-9DF3F51BA10A}">
-      <p15:sldGuideLst xmlns:p15="http://schemas.microsoft.com/office/powerpoint/2012/main"/>
+      <p15:sldGuideLst xmlns:p15="http://schemas.microsoft.com/office/powerpoint/2012/main" xmlns=""/>
     </p:ext>
   </p:extLst>
 </p:presentation>
@@ -124,11 +125,7 @@
 <file path=ppt/commentAuthors.xml><?xml version="1.0" encoding="utf-8"?>
 <p:cmAuthorLst xmlns:a="http://schemas.openxmlformats.org/drawingml/2006/main" xmlns:r="http://schemas.openxmlformats.org/officeDocument/2006/relationships" xmlns:p="http://schemas.openxmlformats.org/presentationml/2006/main">
   <p:cmAuthor id="1" name="Emilio Liaño de la Fuente" initials="ELdlF" lastIdx="1" clrIdx="0">
-    <p:extLst>
-      <p:ext uri="{19B8F6BF-5375-455C-9EA6-DF929625EA0E}">
-        <p15:presenceInfo xmlns:p15="http://schemas.microsoft.com/office/powerpoint/2012/main" userId="S-1-5-21-3444768410-1361735145-1520336567-29723" providerId="AD"/>
-      </p:ext>
-    </p:extLst>
+    <p:extLst/>
   </p:cmAuthor>
 </p:cmAuthorLst>
 </file>
@@ -276,7 +273,7 @@
           <a:p>
             <a:fld id="{8161FC19-448B-45B3-ABDC-99AC11CB222E}" type="datetimeFigureOut">
               <a:rPr lang="es-ES" smtClean="0"/>
-              <a:t>26/06/2018</a:t>
+              <a:t>30/06/2018</a:t>
             </a:fld>
             <a:endParaRPr lang="es-ES" dirty="0"/>
           </a:p>
@@ -444,7 +441,7 @@
           <a:p>
             <a:fld id="{8161FC19-448B-45B3-ABDC-99AC11CB222E}" type="datetimeFigureOut">
               <a:rPr lang="es-ES" smtClean="0"/>
-              <a:t>26/06/2018</a:t>
+              <a:t>30/06/2018</a:t>
             </a:fld>
             <a:endParaRPr lang="es-ES" dirty="0"/>
           </a:p>
@@ -622,7 +619,7 @@
           <a:p>
             <a:fld id="{8161FC19-448B-45B3-ABDC-99AC11CB222E}" type="datetimeFigureOut">
               <a:rPr lang="es-ES" smtClean="0"/>
-              <a:t>26/06/2018</a:t>
+              <a:t>30/06/2018</a:t>
             </a:fld>
             <a:endParaRPr lang="es-ES" dirty="0"/>
           </a:p>
@@ -790,7 +787,7 @@
           <a:p>
             <a:fld id="{8161FC19-448B-45B3-ABDC-99AC11CB222E}" type="datetimeFigureOut">
               <a:rPr lang="es-ES" smtClean="0"/>
-              <a:t>26/06/2018</a:t>
+              <a:t>30/06/2018</a:t>
             </a:fld>
             <a:endParaRPr lang="es-ES" dirty="0"/>
           </a:p>
@@ -1035,7 +1032,7 @@
           <a:p>
             <a:fld id="{8161FC19-448B-45B3-ABDC-99AC11CB222E}" type="datetimeFigureOut">
               <a:rPr lang="es-ES" smtClean="0"/>
-              <a:t>26/06/2018</a:t>
+              <a:t>30/06/2018</a:t>
             </a:fld>
             <a:endParaRPr lang="es-ES" dirty="0"/>
           </a:p>
@@ -1264,7 +1261,7 @@
           <a:p>
             <a:fld id="{8161FC19-448B-45B3-ABDC-99AC11CB222E}" type="datetimeFigureOut">
               <a:rPr lang="es-ES" smtClean="0"/>
-              <a:t>26/06/2018</a:t>
+              <a:t>30/06/2018</a:t>
             </a:fld>
             <a:endParaRPr lang="es-ES" dirty="0"/>
           </a:p>
@@ -1628,7 +1625,7 @@
           <a:p>
             <a:fld id="{8161FC19-448B-45B3-ABDC-99AC11CB222E}" type="datetimeFigureOut">
               <a:rPr lang="es-ES" smtClean="0"/>
-              <a:t>26/06/2018</a:t>
+              <a:t>30/06/2018</a:t>
             </a:fld>
             <a:endParaRPr lang="es-ES" dirty="0"/>
           </a:p>
@@ -1745,7 +1742,7 @@
           <a:p>
             <a:fld id="{8161FC19-448B-45B3-ABDC-99AC11CB222E}" type="datetimeFigureOut">
               <a:rPr lang="es-ES" smtClean="0"/>
-              <a:t>26/06/2018</a:t>
+              <a:t>30/06/2018</a:t>
             </a:fld>
             <a:endParaRPr lang="es-ES" dirty="0"/>
           </a:p>
@@ -1840,7 +1837,7 @@
           <a:p>
             <a:fld id="{8161FC19-448B-45B3-ABDC-99AC11CB222E}" type="datetimeFigureOut">
               <a:rPr lang="es-ES" smtClean="0"/>
-              <a:t>26/06/2018</a:t>
+              <a:t>30/06/2018</a:t>
             </a:fld>
             <a:endParaRPr lang="es-ES" dirty="0"/>
           </a:p>
@@ -2115,7 +2112,7 @@
           <a:p>
             <a:fld id="{8161FC19-448B-45B3-ABDC-99AC11CB222E}" type="datetimeFigureOut">
               <a:rPr lang="es-ES" smtClean="0"/>
-              <a:t>26/06/2018</a:t>
+              <a:t>30/06/2018</a:t>
             </a:fld>
             <a:endParaRPr lang="es-ES" dirty="0"/>
           </a:p>
@@ -2367,7 +2364,7 @@
           <a:p>
             <a:fld id="{8161FC19-448B-45B3-ABDC-99AC11CB222E}" type="datetimeFigureOut">
               <a:rPr lang="es-ES" smtClean="0"/>
-              <a:t>26/06/2018</a:t>
+              <a:t>30/06/2018</a:t>
             </a:fld>
             <a:endParaRPr lang="es-ES" dirty="0"/>
           </a:p>
@@ -2578,7 +2575,7 @@
           <a:p>
             <a:fld id="{8161FC19-448B-45B3-ABDC-99AC11CB222E}" type="datetimeFigureOut">
               <a:rPr lang="es-ES" smtClean="0"/>
-              <a:t>26/06/2018</a:t>
+              <a:t>30/06/2018</a:t>
             </a:fld>
             <a:endParaRPr lang="es-ES" dirty="0"/>
           </a:p>
@@ -3132,7 +3129,7 @@
           <p:cNvPr id="2" name="Título 1">
             <a:extLst>
               <a:ext uri="{FF2B5EF4-FFF2-40B4-BE49-F238E27FC236}">
-                <a16:creationId xmlns:a16="http://schemas.microsoft.com/office/drawing/2014/main" xmlns="" id="{7CE1135B-07BD-441E-96D7-85BD4835A7ED}"/>
+                <a16:creationId xmlns="" xmlns:a16="http://schemas.microsoft.com/office/drawing/2014/main" id="{7CE1135B-07BD-441E-96D7-85BD4835A7ED}"/>
               </a:ext>
             </a:extLst>
           </p:cNvPr>
@@ -3150,7 +3147,7 @@
           <a:p>
             <a:r>
               <a:rPr lang="es-ES" dirty="0" smtClean="0"/>
-              <a:t>Estudios futuros</a:t>
+              <a:t>Conclusiones del segundo ensayo</a:t>
             </a:r>
             <a:endParaRPr lang="es-ES" dirty="0"/>
           </a:p>
@@ -3161,7 +3158,7 @@
           <p:cNvPr id="3" name="Marcador de contenido 2">
             <a:extLst>
               <a:ext uri="{FF2B5EF4-FFF2-40B4-BE49-F238E27FC236}">
-                <a16:creationId xmlns:a16="http://schemas.microsoft.com/office/drawing/2014/main" xmlns="" id="{8494C532-DF3D-48DB-A603-9E1A5F3ADD2D}"/>
+                <a16:creationId xmlns="" xmlns:a16="http://schemas.microsoft.com/office/drawing/2014/main" id="{8494C532-DF3D-48DB-A603-9E1A5F3ADD2D}"/>
               </a:ext>
             </a:extLst>
           </p:cNvPr>
@@ -3177,6 +3174,141 @@
           <a:bodyPr/>
           <a:lstStyle/>
           <a:p>
+            <a:pPr marL="514350" indent="-514350">
+              <a:buFont typeface="+mj-lt"/>
+              <a:buAutoNum type="arabicPeriod"/>
+            </a:pPr>
+            <a:r>
+              <a:rPr lang="es-ES" dirty="0" smtClean="0"/>
+              <a:t>Aplicar el código de red siempre es mejor que no aplicar compensación alguna</a:t>
+            </a:r>
+          </a:p>
+          <a:p>
+            <a:pPr marL="514350" indent="-514350">
+              <a:buFont typeface="+mj-lt"/>
+              <a:buAutoNum type="arabicPeriod"/>
+            </a:pPr>
+            <a:r>
+              <a:rPr lang="es-ES" dirty="0" smtClean="0"/>
+              <a:t>Permitir a la planta compensar con su reactancia natural empeora la calidad de la red cuando es de carácter inductivo</a:t>
+            </a:r>
+          </a:p>
+          <a:p>
+            <a:pPr marL="514350" indent="-514350">
+              <a:buFont typeface="+mj-lt"/>
+              <a:buAutoNum type="arabicPeriod"/>
+            </a:pPr>
+            <a:r>
+              <a:rPr lang="es-ES" dirty="0" smtClean="0"/>
+              <a:t>Permitir a una planta capacitiva compensar con su capacitancia natural ayuda solo para potencias altas</a:t>
+            </a:r>
+            <a:endParaRPr lang="es-ES" dirty="0"/>
+          </a:p>
+        </p:txBody>
+      </p:sp>
+    </p:spTree>
+    <p:extLst>
+      <p:ext uri="{BB962C8B-B14F-4D97-AF65-F5344CB8AC3E}">
+        <p14:creationId xmlns:p14="http://schemas.microsoft.com/office/powerpoint/2010/main" val="275576193"/>
+      </p:ext>
+    </p:extLst>
+  </p:cSld>
+  <p:clrMapOvr>
+    <a:masterClrMapping/>
+  </p:clrMapOvr>
+  <p:timing>
+    <p:tnLst>
+      <p:par>
+        <p:cTn id="1" dur="indefinite" restart="never" nodeType="tmRoot"/>
+      </p:par>
+    </p:tnLst>
+  </p:timing>
+</p:sld>
+</file>
+
+<file path=ppt/slides/slide11.xml><?xml version="1.0" encoding="utf-8"?>
+<p:sld xmlns:a="http://schemas.openxmlformats.org/drawingml/2006/main" xmlns:r="http://schemas.openxmlformats.org/officeDocument/2006/relationships" xmlns:p="http://schemas.openxmlformats.org/presentationml/2006/main">
+  <p:cSld>
+    <p:spTree>
+      <p:nvGrpSpPr>
+        <p:cNvPr id="1" name=""/>
+        <p:cNvGrpSpPr/>
+        <p:nvPr/>
+      </p:nvGrpSpPr>
+      <p:grpSpPr>
+        <a:xfrm>
+          <a:off x="0" y="0"/>
+          <a:ext cx="0" cy="0"/>
+          <a:chOff x="0" y="0"/>
+          <a:chExt cx="0" cy="0"/>
+        </a:xfrm>
+      </p:grpSpPr>
+      <p:sp>
+        <p:nvSpPr>
+          <p:cNvPr id="2" name="Título 1">
+            <a:extLst>
+              <a:ext uri="{FF2B5EF4-FFF2-40B4-BE49-F238E27FC236}">
+                <a16:creationId xmlns="" xmlns:a16="http://schemas.microsoft.com/office/drawing/2014/main" id="{7CE1135B-07BD-441E-96D7-85BD4835A7ED}"/>
+              </a:ext>
+            </a:extLst>
+          </p:cNvPr>
+          <p:cNvSpPr>
+            <a:spLocks noGrp="1"/>
+          </p:cNvSpPr>
+          <p:nvPr>
+            <p:ph type="title"/>
+          </p:nvPr>
+        </p:nvSpPr>
+        <p:spPr/>
+        <p:txBody>
+          <a:bodyPr/>
+          <a:lstStyle/>
+          <a:p>
+            <a:r>
+              <a:rPr lang="es-ES" dirty="0" smtClean="0"/>
+              <a:t>Estudios futuros</a:t>
+            </a:r>
+            <a:endParaRPr lang="es-ES" dirty="0"/>
+          </a:p>
+        </p:txBody>
+      </p:sp>
+      <p:sp>
+        <p:nvSpPr>
+          <p:cNvPr id="3" name="Marcador de contenido 2">
+            <a:extLst>
+              <a:ext uri="{FF2B5EF4-FFF2-40B4-BE49-F238E27FC236}">
+                <a16:creationId xmlns="" xmlns:a16="http://schemas.microsoft.com/office/drawing/2014/main" id="{8494C532-DF3D-48DB-A603-9E1A5F3ADD2D}"/>
+              </a:ext>
+            </a:extLst>
+          </p:cNvPr>
+          <p:cNvSpPr>
+            <a:spLocks noGrp="1"/>
+          </p:cNvSpPr>
+          <p:nvPr>
+            <p:ph idx="1"/>
+          </p:nvPr>
+        </p:nvSpPr>
+        <p:spPr/>
+        <p:txBody>
+          <a:bodyPr/>
+          <a:lstStyle/>
+          <a:p>
+            <a:r>
+              <a:rPr lang="es-ES" dirty="0" smtClean="0"/>
+              <a:t>Mejorar el modelo de simulación añadiendo una rama con varios aerogeneradores conectados</a:t>
+            </a:r>
+          </a:p>
+          <a:p>
+            <a:r>
+              <a:rPr lang="es-ES" dirty="0" smtClean="0"/>
+              <a:t>Añadir elementos de compensación de reactiva como bancos de condensadores e inductancias o un STATCOM</a:t>
+            </a:r>
+          </a:p>
+          <a:p>
+            <a:r>
+              <a:rPr lang="es-ES" dirty="0" smtClean="0"/>
+              <a:t>Diseñar un control avanzado como un controlador predictivo, robusto, lógica difusa o redes neuronales.</a:t>
+            </a:r>
             <a:endParaRPr lang="es-ES" dirty="0"/>
           </a:p>
         </p:txBody>
@@ -3342,9 +3474,14 @@
               <a:buAutoNum type="romanUcPeriod"/>
             </a:pPr>
             <a:r>
-              <a:rPr lang="es-ES" dirty="0"/>
-              <a:t>Conclusiones</a:t>
-            </a:r>
+              <a:rPr lang="es-ES" dirty="0" smtClean="0"/>
+              <a:t>Resultados y c</a:t>
+            </a:r>
+            <a:r>
+              <a:rPr lang="es-ES" dirty="0" smtClean="0"/>
+              <a:t>onclusiones</a:t>
+            </a:r>
+            <a:endParaRPr lang="es-ES" dirty="0"/>
           </a:p>
           <a:p>
             <a:pPr marL="571500" indent="-571500">
@@ -3587,11 +3724,7 @@
           <a:p>
             <a:r>
               <a:rPr lang="es-ES" dirty="0" smtClean="0"/>
-              <a:t>Modelar el </a:t>
-            </a:r>
-            <a:r>
-              <a:rPr lang="es-ES" dirty="0" smtClean="0"/>
-              <a:t>circuito de conexión a red en Simulink</a:t>
+              <a:t>Modelar el circuito de conexión a red en Simulink</a:t>
             </a:r>
           </a:p>
           <a:p>
@@ -3607,13 +3740,8 @@
           <a:p>
             <a:r>
               <a:rPr lang="es-ES" dirty="0" smtClean="0"/>
-              <a:t>Encontrar caso de estudio para los que la planta sin control corrige mejor que el </a:t>
-            </a:r>
-            <a:r>
-              <a:rPr lang="es-ES" dirty="0" smtClean="0"/>
-              <a:t>control </a:t>
-            </a:r>
-            <a:endParaRPr lang="es-ES" dirty="0" smtClean="0"/>
+              <a:t>Encontrar caso de estudio para los que la planta sin control corrige mejor que el control </a:t>
+            </a:r>
           </a:p>
           <a:p>
             <a:endParaRPr lang="es-ES" dirty="0"/>
@@ -3665,7 +3793,7 @@
           <p:cNvPr id="2" name="Título 1">
             <a:extLst>
               <a:ext uri="{FF2B5EF4-FFF2-40B4-BE49-F238E27FC236}">
-                <a16:creationId xmlns:a16="http://schemas.microsoft.com/office/drawing/2014/main" xmlns="" id="{E122A83D-3967-4BBC-B0B7-E31CB4FB61D5}"/>
+                <a16:creationId xmlns="" xmlns:a16="http://schemas.microsoft.com/office/drawing/2014/main" id="{E122A83D-3967-4BBC-B0B7-E31CB4FB61D5}"/>
               </a:ext>
             </a:extLst>
           </p:cNvPr>
@@ -3693,7 +3821,7 @@
           <p:cNvPr id="3" name="Marcador de contenido 2">
             <a:extLst>
               <a:ext uri="{FF2B5EF4-FFF2-40B4-BE49-F238E27FC236}">
-                <a16:creationId xmlns:a16="http://schemas.microsoft.com/office/drawing/2014/main" xmlns="" id="{A79EC906-CFDB-4506-8B2F-E22EC5418D18}"/>
+                <a16:creationId xmlns="" xmlns:a16="http://schemas.microsoft.com/office/drawing/2014/main" id="{A79EC906-CFDB-4506-8B2F-E22EC5418D18}"/>
               </a:ext>
             </a:extLst>
           </p:cNvPr>
@@ -3777,7 +3905,7 @@
           <p:cNvPr id="2" name="Título 1">
             <a:extLst>
               <a:ext uri="{FF2B5EF4-FFF2-40B4-BE49-F238E27FC236}">
-                <a16:creationId xmlns:a16="http://schemas.microsoft.com/office/drawing/2014/main" xmlns="" id="{960643AA-8DEE-49EF-848B-2A646FDDAF27}"/>
+                <a16:creationId xmlns="" xmlns:a16="http://schemas.microsoft.com/office/drawing/2014/main" id="{960643AA-8DEE-49EF-848B-2A646FDDAF27}"/>
               </a:ext>
             </a:extLst>
           </p:cNvPr>
@@ -3805,7 +3933,7 @@
           <p:cNvPr id="3" name="Marcador de contenido 2">
             <a:extLst>
               <a:ext uri="{FF2B5EF4-FFF2-40B4-BE49-F238E27FC236}">
-                <a16:creationId xmlns:a16="http://schemas.microsoft.com/office/drawing/2014/main" xmlns="" id="{80A64E0C-CB3C-4B33-9667-CAFFFFAD0B40}"/>
+                <a16:creationId xmlns="" xmlns:a16="http://schemas.microsoft.com/office/drawing/2014/main" id="{80A64E0C-CB3C-4B33-9667-CAFFFFAD0B40}"/>
               </a:ext>
             </a:extLst>
           </p:cNvPr>
@@ -4862,7 +4990,7 @@
           <p:cNvPr id="2" name="Título 1">
             <a:extLst>
               <a:ext uri="{FF2B5EF4-FFF2-40B4-BE49-F238E27FC236}">
-                <a16:creationId xmlns:a16="http://schemas.microsoft.com/office/drawing/2014/main" xmlns="" id="{FEE365C5-F51C-45E4-AE98-9D2F02614E37}"/>
+                <a16:creationId xmlns="" xmlns:a16="http://schemas.microsoft.com/office/drawing/2014/main" id="{FEE365C5-F51C-45E4-AE98-9D2F02614E37}"/>
               </a:ext>
             </a:extLst>
           </p:cNvPr>
@@ -4890,7 +5018,7 @@
           <p:cNvPr id="3" name="Marcador de contenido 2">
             <a:extLst>
               <a:ext uri="{FF2B5EF4-FFF2-40B4-BE49-F238E27FC236}">
-                <a16:creationId xmlns:a16="http://schemas.microsoft.com/office/drawing/2014/main" xmlns="" id="{E2B73A5A-6803-4FB4-BBEF-89D34306EC50}"/>
+                <a16:creationId xmlns="" xmlns:a16="http://schemas.microsoft.com/office/drawing/2014/main" id="{E2B73A5A-6803-4FB4-BBEF-89D34306EC50}"/>
               </a:ext>
             </a:extLst>
           </p:cNvPr>
@@ -4980,13 +5108,7 @@
       </p:grpSpPr>
       <p:sp>
         <p:nvSpPr>
-          <p:cNvPr id="2" name="Título 1">
-            <a:extLst>
-              <a:ext uri="{FF2B5EF4-FFF2-40B4-BE49-F238E27FC236}">
-                <a16:creationId xmlns:a16="http://schemas.microsoft.com/office/drawing/2014/main" xmlns="" id="{7CE1135B-07BD-441E-96D7-85BD4835A7ED}"/>
-              </a:ext>
-            </a:extLst>
-          </p:cNvPr>
+          <p:cNvPr id="2" name="1 Título"/>
           <p:cNvSpPr>
             <a:spLocks noGrp="1"/>
           </p:cNvSpPr>
@@ -5001,21 +5123,15 @@
           <a:p>
             <a:r>
               <a:rPr lang="es-ES" dirty="0" smtClean="0"/>
-              <a:t>Conclusiones del primer ensayo</a:t>
-            </a:r>
-            <a:endParaRPr lang="es-ES" dirty="0"/>
-          </a:p>
-        </p:txBody>
-      </p:sp>
-      <p:sp>
-        <p:nvSpPr>
-          <p:cNvPr id="3" name="Marcador de contenido 2">
-            <a:extLst>
-              <a:ext uri="{FF2B5EF4-FFF2-40B4-BE49-F238E27FC236}">
-                <a16:creationId xmlns:a16="http://schemas.microsoft.com/office/drawing/2014/main" xmlns="" id="{8494C532-DF3D-48DB-A603-9E1A5F3ADD2D}"/>
-              </a:ext>
-            </a:extLst>
-          </p:cNvPr>
+              <a:t>Resultados</a:t>
+            </a:r>
+            <a:endParaRPr lang="es-ES" dirty="0"/>
+          </a:p>
+        </p:txBody>
+      </p:sp>
+      <p:sp>
+        <p:nvSpPr>
+          <p:cNvPr id="3" name="2 Marcador de contenido"/>
           <p:cNvSpPr>
             <a:spLocks noGrp="1"/>
           </p:cNvSpPr>
@@ -5028,24 +5144,6 @@
           <a:bodyPr/>
           <a:lstStyle/>
           <a:p>
-            <a:pPr marL="514350" indent="-514350">
-              <a:buFont typeface="+mj-lt"/>
-              <a:buAutoNum type="arabicPeriod"/>
-            </a:pPr>
-            <a:r>
-              <a:rPr lang="es-ES" dirty="0" smtClean="0"/>
-              <a:t>Es imposible seguir el código de red con entrega nula de potencia activa</a:t>
-            </a:r>
-          </a:p>
-          <a:p>
-            <a:pPr marL="514350" indent="-514350">
-              <a:buFont typeface="+mj-lt"/>
-              <a:buAutoNum type="arabicPeriod"/>
-            </a:pPr>
-            <a:r>
-              <a:rPr lang="es-ES" dirty="0" smtClean="0"/>
-              <a:t>A mayor potencia activa generada más fácil es seguir el código de red</a:t>
-            </a:r>
             <a:endParaRPr lang="es-ES" dirty="0"/>
           </a:p>
         </p:txBody>
@@ -5053,20 +5151,13 @@
     </p:spTree>
     <p:extLst>
       <p:ext uri="{BB962C8B-B14F-4D97-AF65-F5344CB8AC3E}">
-        <p14:creationId xmlns:p14="http://schemas.microsoft.com/office/powerpoint/2010/main" val="2185818766"/>
+        <p14:creationId xmlns:p14="http://schemas.microsoft.com/office/powerpoint/2010/main" val="2441978829"/>
       </p:ext>
     </p:extLst>
   </p:cSld>
   <p:clrMapOvr>
     <a:masterClrMapping/>
   </p:clrMapOvr>
-  <p:timing>
-    <p:tnLst>
-      <p:par>
-        <p:cTn id="1" dur="indefinite" restart="never" nodeType="tmRoot"/>
-      </p:par>
-    </p:tnLst>
-  </p:timing>
 </p:sld>
 </file>
 
@@ -5092,7 +5183,7 @@
           <p:cNvPr id="2" name="Título 1">
             <a:extLst>
               <a:ext uri="{FF2B5EF4-FFF2-40B4-BE49-F238E27FC236}">
-                <a16:creationId xmlns:a16="http://schemas.microsoft.com/office/drawing/2014/main" xmlns="" id="{7CE1135B-07BD-441E-96D7-85BD4835A7ED}"/>
+                <a16:creationId xmlns="" xmlns:a16="http://schemas.microsoft.com/office/drawing/2014/main" id="{7CE1135B-07BD-441E-96D7-85BD4835A7ED}"/>
               </a:ext>
             </a:extLst>
           </p:cNvPr>
@@ -5110,7 +5201,7 @@
           <a:p>
             <a:r>
               <a:rPr lang="es-ES" dirty="0" smtClean="0"/>
-              <a:t>Conclusiones del segundo ensayo</a:t>
+              <a:t>Conclusiones del primer ensayo</a:t>
             </a:r>
             <a:endParaRPr lang="es-ES" dirty="0"/>
           </a:p>
@@ -5121,7 +5212,7 @@
           <p:cNvPr id="3" name="Marcador de contenido 2">
             <a:extLst>
               <a:ext uri="{FF2B5EF4-FFF2-40B4-BE49-F238E27FC236}">
-                <a16:creationId xmlns:a16="http://schemas.microsoft.com/office/drawing/2014/main" xmlns="" id="{8494C532-DF3D-48DB-A603-9E1A5F3ADD2D}"/>
+                <a16:creationId xmlns="" xmlns:a16="http://schemas.microsoft.com/office/drawing/2014/main" id="{8494C532-DF3D-48DB-A603-9E1A5F3ADD2D}"/>
               </a:ext>
             </a:extLst>
           </p:cNvPr>
@@ -5137,6 +5228,24 @@
           <a:bodyPr/>
           <a:lstStyle/>
           <a:p>
+            <a:pPr marL="514350" indent="-514350">
+              <a:buFont typeface="+mj-lt"/>
+              <a:buAutoNum type="arabicPeriod"/>
+            </a:pPr>
+            <a:r>
+              <a:rPr lang="es-ES" dirty="0" smtClean="0"/>
+              <a:t>Es imposible seguir el código de red con entrega nula de potencia activa</a:t>
+            </a:r>
+          </a:p>
+          <a:p>
+            <a:pPr marL="514350" indent="-514350">
+              <a:buFont typeface="+mj-lt"/>
+              <a:buAutoNum type="arabicPeriod"/>
+            </a:pPr>
+            <a:r>
+              <a:rPr lang="es-ES" dirty="0" smtClean="0"/>
+              <a:t>A mayor potencia activa generada más fácil es seguir el código de red</a:t>
+            </a:r>
             <a:endParaRPr lang="es-ES" dirty="0"/>
           </a:p>
         </p:txBody>
@@ -5144,7 +5253,7 @@
     </p:spTree>
     <p:extLst>
       <p:ext uri="{BB962C8B-B14F-4D97-AF65-F5344CB8AC3E}">
-        <p14:creationId xmlns:p14="http://schemas.microsoft.com/office/powerpoint/2010/main" val="275576193"/>
+        <p14:creationId xmlns:p14="http://schemas.microsoft.com/office/powerpoint/2010/main" val="2185818766"/>
       </p:ext>
     </p:extLst>
   </p:cSld>
@@ -5416,7 +5525,7 @@
   <a:extraClrSchemeLst/>
   <a:extLst>
     <a:ext uri="{05A4C25C-085E-4340-85A3-A5531E510DB2}">
-      <thm15:themeFamily xmlns:thm15="http://schemas.microsoft.com/office/thememl/2012/main" name="Office Theme" id="{62F939B6-93AF-4DB8-9C6B-D6C7DFDC589F}" vid="{4A3C46E8-61CC-4603-A589-7422A47A8E4A}"/>
+      <thm15:themeFamily xmlns:thm15="http://schemas.microsoft.com/office/thememl/2012/main" xmlns="" name="Office Theme" id="{62F939B6-93AF-4DB8-9C6B-D6C7DFDC589F}" vid="{4A3C46E8-61CC-4603-A589-7422A47A8E4A}"/>
     </a:ext>
   </a:extLst>
 </a:theme>

--- a/tfgPP.pptx
+++ b/tfgPP.pptx
@@ -12,10 +12,11 @@
     <p:sldId id="260" r:id="rId6"/>
     <p:sldId id="261" r:id="rId7"/>
     <p:sldId id="262" r:id="rId8"/>
-    <p:sldId id="266" r:id="rId9"/>
-    <p:sldId id="263" r:id="rId10"/>
-    <p:sldId id="264" r:id="rId11"/>
-    <p:sldId id="265" r:id="rId12"/>
+    <p:sldId id="267" r:id="rId9"/>
+    <p:sldId id="268" r:id="rId10"/>
+    <p:sldId id="263" r:id="rId11"/>
+    <p:sldId id="264" r:id="rId12"/>
+    <p:sldId id="265" r:id="rId13"/>
   </p:sldIdLst>
   <p:sldSz cx="12192000" cy="6858000"/>
   <p:notesSz cx="6858000" cy="9144000"/>
@@ -116,7 +117,7 @@
   </p:defaultTextStyle>
   <p:extLst>
     <p:ext uri="{EFAFB233-063F-42B5-8137-9DF3F51BA10A}">
-      <p15:sldGuideLst xmlns:p15="http://schemas.microsoft.com/office/powerpoint/2012/main" xmlns=""/>
+      <p15:sldGuideLst xmlns="" xmlns:p15="http://schemas.microsoft.com/office/powerpoint/2012/main"/>
     </p:ext>
   </p:extLst>
 </p:presentation>
@@ -273,7 +274,7 @@
           <a:p>
             <a:fld id="{8161FC19-448B-45B3-ABDC-99AC11CB222E}" type="datetimeFigureOut">
               <a:rPr lang="es-ES" smtClean="0"/>
-              <a:t>30/06/2018</a:t>
+              <a:t>01/07/2018</a:t>
             </a:fld>
             <a:endParaRPr lang="es-ES" dirty="0"/>
           </a:p>
@@ -441,7 +442,7 @@
           <a:p>
             <a:fld id="{8161FC19-448B-45B3-ABDC-99AC11CB222E}" type="datetimeFigureOut">
               <a:rPr lang="es-ES" smtClean="0"/>
-              <a:t>30/06/2018</a:t>
+              <a:t>01/07/2018</a:t>
             </a:fld>
             <a:endParaRPr lang="es-ES" dirty="0"/>
           </a:p>
@@ -619,7 +620,7 @@
           <a:p>
             <a:fld id="{8161FC19-448B-45B3-ABDC-99AC11CB222E}" type="datetimeFigureOut">
               <a:rPr lang="es-ES" smtClean="0"/>
-              <a:t>30/06/2018</a:t>
+              <a:t>01/07/2018</a:t>
             </a:fld>
             <a:endParaRPr lang="es-ES" dirty="0"/>
           </a:p>
@@ -787,7 +788,7 @@
           <a:p>
             <a:fld id="{8161FC19-448B-45B3-ABDC-99AC11CB222E}" type="datetimeFigureOut">
               <a:rPr lang="es-ES" smtClean="0"/>
-              <a:t>30/06/2018</a:t>
+              <a:t>01/07/2018</a:t>
             </a:fld>
             <a:endParaRPr lang="es-ES" dirty="0"/>
           </a:p>
@@ -1032,7 +1033,7 @@
           <a:p>
             <a:fld id="{8161FC19-448B-45B3-ABDC-99AC11CB222E}" type="datetimeFigureOut">
               <a:rPr lang="es-ES" smtClean="0"/>
-              <a:t>30/06/2018</a:t>
+              <a:t>01/07/2018</a:t>
             </a:fld>
             <a:endParaRPr lang="es-ES" dirty="0"/>
           </a:p>
@@ -1261,7 +1262,7 @@
           <a:p>
             <a:fld id="{8161FC19-448B-45B3-ABDC-99AC11CB222E}" type="datetimeFigureOut">
               <a:rPr lang="es-ES" smtClean="0"/>
-              <a:t>30/06/2018</a:t>
+              <a:t>01/07/2018</a:t>
             </a:fld>
             <a:endParaRPr lang="es-ES" dirty="0"/>
           </a:p>
@@ -1625,7 +1626,7 @@
           <a:p>
             <a:fld id="{8161FC19-448B-45B3-ABDC-99AC11CB222E}" type="datetimeFigureOut">
               <a:rPr lang="es-ES" smtClean="0"/>
-              <a:t>30/06/2018</a:t>
+              <a:t>01/07/2018</a:t>
             </a:fld>
             <a:endParaRPr lang="es-ES" dirty="0"/>
           </a:p>
@@ -1742,7 +1743,7 @@
           <a:p>
             <a:fld id="{8161FC19-448B-45B3-ABDC-99AC11CB222E}" type="datetimeFigureOut">
               <a:rPr lang="es-ES" smtClean="0"/>
-              <a:t>30/06/2018</a:t>
+              <a:t>01/07/2018</a:t>
             </a:fld>
             <a:endParaRPr lang="es-ES" dirty="0"/>
           </a:p>
@@ -1837,7 +1838,7 @@
           <a:p>
             <a:fld id="{8161FC19-448B-45B3-ABDC-99AC11CB222E}" type="datetimeFigureOut">
               <a:rPr lang="es-ES" smtClean="0"/>
-              <a:t>30/06/2018</a:t>
+              <a:t>01/07/2018</a:t>
             </a:fld>
             <a:endParaRPr lang="es-ES" dirty="0"/>
           </a:p>
@@ -2112,7 +2113,7 @@
           <a:p>
             <a:fld id="{8161FC19-448B-45B3-ABDC-99AC11CB222E}" type="datetimeFigureOut">
               <a:rPr lang="es-ES" smtClean="0"/>
-              <a:t>30/06/2018</a:t>
+              <a:t>01/07/2018</a:t>
             </a:fld>
             <a:endParaRPr lang="es-ES" dirty="0"/>
           </a:p>
@@ -2364,7 +2365,7 @@
           <a:p>
             <a:fld id="{8161FC19-448B-45B3-ABDC-99AC11CB222E}" type="datetimeFigureOut">
               <a:rPr lang="es-ES" smtClean="0"/>
-              <a:t>30/06/2018</a:t>
+              <a:t>01/07/2018</a:t>
             </a:fld>
             <a:endParaRPr lang="es-ES" dirty="0"/>
           </a:p>
@@ -2575,7 +2576,7 @@
           <a:p>
             <a:fld id="{8161FC19-448B-45B3-ABDC-99AC11CB222E}" type="datetimeFigureOut">
               <a:rPr lang="es-ES" smtClean="0"/>
-              <a:t>30/06/2018</a:t>
+              <a:t>01/07/2018</a:t>
             </a:fld>
             <a:endParaRPr lang="es-ES" dirty="0"/>
           </a:p>
@@ -3129,7 +3130,7 @@
           <p:cNvPr id="2" name="Título 1">
             <a:extLst>
               <a:ext uri="{FF2B5EF4-FFF2-40B4-BE49-F238E27FC236}">
-                <a16:creationId xmlns="" xmlns:a16="http://schemas.microsoft.com/office/drawing/2014/main" id="{7CE1135B-07BD-441E-96D7-85BD4835A7ED}"/>
+                <a16:creationId xmlns:a16="http://schemas.microsoft.com/office/drawing/2014/main" xmlns="" id="{7CE1135B-07BD-441E-96D7-85BD4835A7ED}"/>
               </a:ext>
             </a:extLst>
           </p:cNvPr>
@@ -3147,7 +3148,7 @@
           <a:p>
             <a:r>
               <a:rPr lang="es-ES" dirty="0" smtClean="0"/>
-              <a:t>Conclusiones del segundo ensayo</a:t>
+              <a:t>Conclusiones del primer ensayo</a:t>
             </a:r>
             <a:endParaRPr lang="es-ES" dirty="0"/>
           </a:p>
@@ -3158,7 +3159,7 @@
           <p:cNvPr id="3" name="Marcador de contenido 2">
             <a:extLst>
               <a:ext uri="{FF2B5EF4-FFF2-40B4-BE49-F238E27FC236}">
-                <a16:creationId xmlns="" xmlns:a16="http://schemas.microsoft.com/office/drawing/2014/main" id="{8494C532-DF3D-48DB-A603-9E1A5F3ADD2D}"/>
+                <a16:creationId xmlns:a16="http://schemas.microsoft.com/office/drawing/2014/main" xmlns="" id="{8494C532-DF3D-48DB-A603-9E1A5F3ADD2D}"/>
               </a:ext>
             </a:extLst>
           </p:cNvPr>
@@ -3180,7 +3181,7 @@
             </a:pPr>
             <a:r>
               <a:rPr lang="es-ES" dirty="0" smtClean="0"/>
-              <a:t>Aplicar el código de red siempre es mejor que no aplicar compensación alguna</a:t>
+              <a:t>Es imposible seguir el código de red con entrega nula de potencia activa</a:t>
             </a:r>
           </a:p>
           <a:p>
@@ -3190,17 +3191,7 @@
             </a:pPr>
             <a:r>
               <a:rPr lang="es-ES" dirty="0" smtClean="0"/>
-              <a:t>Permitir a la planta compensar con su reactancia natural empeora la calidad de la red cuando es de carácter inductivo</a:t>
-            </a:r>
-          </a:p>
-          <a:p>
-            <a:pPr marL="514350" indent="-514350">
-              <a:buFont typeface="+mj-lt"/>
-              <a:buAutoNum type="arabicPeriod"/>
-            </a:pPr>
-            <a:r>
-              <a:rPr lang="es-ES" dirty="0" smtClean="0"/>
-              <a:t>Permitir a una planta capacitiva compensar con su capacitancia natural ayuda solo para potencias altas</a:t>
+              <a:t>A mayor potencia activa generada más fácil es seguir el código de red</a:t>
             </a:r>
             <a:endParaRPr lang="es-ES" dirty="0"/>
           </a:p>
@@ -3209,7 +3200,7 @@
     </p:spTree>
     <p:extLst>
       <p:ext uri="{BB962C8B-B14F-4D97-AF65-F5344CB8AC3E}">
-        <p14:creationId xmlns:p14="http://schemas.microsoft.com/office/powerpoint/2010/main" val="275576193"/>
+        <p14:creationId xmlns:p14="http://schemas.microsoft.com/office/powerpoint/2010/main" val="2185818766"/>
       </p:ext>
     </p:extLst>
   </p:cSld>
@@ -3248,7 +3239,7 @@
           <p:cNvPr id="2" name="Título 1">
             <a:extLst>
               <a:ext uri="{FF2B5EF4-FFF2-40B4-BE49-F238E27FC236}">
-                <a16:creationId xmlns="" xmlns:a16="http://schemas.microsoft.com/office/drawing/2014/main" id="{7CE1135B-07BD-441E-96D7-85BD4835A7ED}"/>
+                <a16:creationId xmlns:a16="http://schemas.microsoft.com/office/drawing/2014/main" xmlns="" id="{7CE1135B-07BD-441E-96D7-85BD4835A7ED}"/>
               </a:ext>
             </a:extLst>
           </p:cNvPr>
@@ -3266,7 +3257,7 @@
           <a:p>
             <a:r>
               <a:rPr lang="es-ES" dirty="0" smtClean="0"/>
-              <a:t>Estudios futuros</a:t>
+              <a:t>Conclusiones del segundo ensayo</a:t>
             </a:r>
             <a:endParaRPr lang="es-ES" dirty="0"/>
           </a:p>
@@ -3277,7 +3268,126 @@
           <p:cNvPr id="3" name="Marcador de contenido 2">
             <a:extLst>
               <a:ext uri="{FF2B5EF4-FFF2-40B4-BE49-F238E27FC236}">
-                <a16:creationId xmlns="" xmlns:a16="http://schemas.microsoft.com/office/drawing/2014/main" id="{8494C532-DF3D-48DB-A603-9E1A5F3ADD2D}"/>
+                <a16:creationId xmlns:a16="http://schemas.microsoft.com/office/drawing/2014/main" xmlns="" id="{8494C532-DF3D-48DB-A603-9E1A5F3ADD2D}"/>
+              </a:ext>
+            </a:extLst>
+          </p:cNvPr>
+          <p:cNvSpPr>
+            <a:spLocks noGrp="1"/>
+          </p:cNvSpPr>
+          <p:nvPr>
+            <p:ph idx="1"/>
+          </p:nvPr>
+        </p:nvSpPr>
+        <p:spPr/>
+        <p:txBody>
+          <a:bodyPr/>
+          <a:lstStyle/>
+          <a:p>
+            <a:pPr marL="514350" indent="-514350">
+              <a:buFont typeface="+mj-lt"/>
+              <a:buAutoNum type="arabicPeriod"/>
+            </a:pPr>
+            <a:r>
+              <a:rPr lang="es-ES" dirty="0" smtClean="0"/>
+              <a:t>Aplicar el código de red siempre es mejor que no aplicar compensación alguna</a:t>
+            </a:r>
+          </a:p>
+          <a:p>
+            <a:pPr marL="514350" indent="-514350">
+              <a:buFont typeface="+mj-lt"/>
+              <a:buAutoNum type="arabicPeriod"/>
+            </a:pPr>
+            <a:r>
+              <a:rPr lang="es-ES" dirty="0" smtClean="0"/>
+              <a:t>Permitir a la planta compensar con su reactancia natural empeora la calidad de la red cuando es de carácter inductivo</a:t>
+            </a:r>
+          </a:p>
+          <a:p>
+            <a:pPr marL="514350" indent="-514350">
+              <a:buFont typeface="+mj-lt"/>
+              <a:buAutoNum type="arabicPeriod"/>
+            </a:pPr>
+            <a:r>
+              <a:rPr lang="es-ES" dirty="0" smtClean="0"/>
+              <a:t>Permitir a una planta capacitiva compensar con su capacitancia natural ayuda solo para potencias altas</a:t>
+            </a:r>
+            <a:endParaRPr lang="es-ES" dirty="0"/>
+          </a:p>
+        </p:txBody>
+      </p:sp>
+    </p:spTree>
+    <p:extLst>
+      <p:ext uri="{BB962C8B-B14F-4D97-AF65-F5344CB8AC3E}">
+        <p14:creationId xmlns:p14="http://schemas.microsoft.com/office/powerpoint/2010/main" val="275576193"/>
+      </p:ext>
+    </p:extLst>
+  </p:cSld>
+  <p:clrMapOvr>
+    <a:masterClrMapping/>
+  </p:clrMapOvr>
+  <p:timing>
+    <p:tnLst>
+      <p:par>
+        <p:cTn id="1" dur="indefinite" restart="never" nodeType="tmRoot"/>
+      </p:par>
+    </p:tnLst>
+  </p:timing>
+</p:sld>
+</file>
+
+<file path=ppt/slides/slide12.xml><?xml version="1.0" encoding="utf-8"?>
+<p:sld xmlns:a="http://schemas.openxmlformats.org/drawingml/2006/main" xmlns:r="http://schemas.openxmlformats.org/officeDocument/2006/relationships" xmlns:p="http://schemas.openxmlformats.org/presentationml/2006/main">
+  <p:cSld>
+    <p:spTree>
+      <p:nvGrpSpPr>
+        <p:cNvPr id="1" name=""/>
+        <p:cNvGrpSpPr/>
+        <p:nvPr/>
+      </p:nvGrpSpPr>
+      <p:grpSpPr>
+        <a:xfrm>
+          <a:off x="0" y="0"/>
+          <a:ext cx="0" cy="0"/>
+          <a:chOff x="0" y="0"/>
+          <a:chExt cx="0" cy="0"/>
+        </a:xfrm>
+      </p:grpSpPr>
+      <p:sp>
+        <p:nvSpPr>
+          <p:cNvPr id="2" name="Título 1">
+            <a:extLst>
+              <a:ext uri="{FF2B5EF4-FFF2-40B4-BE49-F238E27FC236}">
+                <a16:creationId xmlns:a16="http://schemas.microsoft.com/office/drawing/2014/main" xmlns="" id="{7CE1135B-07BD-441E-96D7-85BD4835A7ED}"/>
+              </a:ext>
+            </a:extLst>
+          </p:cNvPr>
+          <p:cNvSpPr>
+            <a:spLocks noGrp="1"/>
+          </p:cNvSpPr>
+          <p:nvPr>
+            <p:ph type="title"/>
+          </p:nvPr>
+        </p:nvSpPr>
+        <p:spPr/>
+        <p:txBody>
+          <a:bodyPr/>
+          <a:lstStyle/>
+          <a:p>
+            <a:r>
+              <a:rPr lang="es-ES" dirty="0" smtClean="0"/>
+              <a:t>Estudios futuros</a:t>
+            </a:r>
+            <a:endParaRPr lang="es-ES" dirty="0"/>
+          </a:p>
+        </p:txBody>
+      </p:sp>
+      <p:sp>
+        <p:nvSpPr>
+          <p:cNvPr id="3" name="Marcador de contenido 2">
+            <a:extLst>
+              <a:ext uri="{FF2B5EF4-FFF2-40B4-BE49-F238E27FC236}">
+                <a16:creationId xmlns:a16="http://schemas.microsoft.com/office/drawing/2014/main" xmlns="" id="{8494C532-DF3D-48DB-A603-9E1A5F3ADD2D}"/>
               </a:ext>
             </a:extLst>
           </p:cNvPr>
@@ -3475,11 +3585,7 @@
             </a:pPr>
             <a:r>
               <a:rPr lang="es-ES" dirty="0" smtClean="0"/>
-              <a:t>Resultados y c</a:t>
-            </a:r>
-            <a:r>
-              <a:rPr lang="es-ES" dirty="0" smtClean="0"/>
-              <a:t>onclusiones</a:t>
+              <a:t>Resultados y conclusiones</a:t>
             </a:r>
             <a:endParaRPr lang="es-ES" dirty="0"/>
           </a:p>
@@ -3793,7 +3899,7 @@
           <p:cNvPr id="2" name="Título 1">
             <a:extLst>
               <a:ext uri="{FF2B5EF4-FFF2-40B4-BE49-F238E27FC236}">
-                <a16:creationId xmlns="" xmlns:a16="http://schemas.microsoft.com/office/drawing/2014/main" id="{E122A83D-3967-4BBC-B0B7-E31CB4FB61D5}"/>
+                <a16:creationId xmlns:a16="http://schemas.microsoft.com/office/drawing/2014/main" xmlns="" id="{E122A83D-3967-4BBC-B0B7-E31CB4FB61D5}"/>
               </a:ext>
             </a:extLst>
           </p:cNvPr>
@@ -3821,7 +3927,7 @@
           <p:cNvPr id="3" name="Marcador de contenido 2">
             <a:extLst>
               <a:ext uri="{FF2B5EF4-FFF2-40B4-BE49-F238E27FC236}">
-                <a16:creationId xmlns="" xmlns:a16="http://schemas.microsoft.com/office/drawing/2014/main" id="{A79EC906-CFDB-4506-8B2F-E22EC5418D18}"/>
+                <a16:creationId xmlns:a16="http://schemas.microsoft.com/office/drawing/2014/main" xmlns="" id="{A79EC906-CFDB-4506-8B2F-E22EC5418D18}"/>
               </a:ext>
             </a:extLst>
           </p:cNvPr>
@@ -3905,7 +4011,7 @@
           <p:cNvPr id="2" name="Título 1">
             <a:extLst>
               <a:ext uri="{FF2B5EF4-FFF2-40B4-BE49-F238E27FC236}">
-                <a16:creationId xmlns="" xmlns:a16="http://schemas.microsoft.com/office/drawing/2014/main" id="{960643AA-8DEE-49EF-848B-2A646FDDAF27}"/>
+                <a16:creationId xmlns:a16="http://schemas.microsoft.com/office/drawing/2014/main" xmlns="" id="{960643AA-8DEE-49EF-848B-2A646FDDAF27}"/>
               </a:ext>
             </a:extLst>
           </p:cNvPr>
@@ -3933,7 +4039,7 @@
           <p:cNvPr id="3" name="Marcador de contenido 2">
             <a:extLst>
               <a:ext uri="{FF2B5EF4-FFF2-40B4-BE49-F238E27FC236}">
-                <a16:creationId xmlns="" xmlns:a16="http://schemas.microsoft.com/office/drawing/2014/main" id="{80A64E0C-CB3C-4B33-9667-CAFFFFAD0B40}"/>
+                <a16:creationId xmlns:a16="http://schemas.microsoft.com/office/drawing/2014/main" xmlns="" id="{80A64E0C-CB3C-4B33-9667-CAFFFFAD0B40}"/>
               </a:ext>
             </a:extLst>
           </p:cNvPr>
@@ -4990,7 +5096,7 @@
           <p:cNvPr id="2" name="Título 1">
             <a:extLst>
               <a:ext uri="{FF2B5EF4-FFF2-40B4-BE49-F238E27FC236}">
-                <a16:creationId xmlns="" xmlns:a16="http://schemas.microsoft.com/office/drawing/2014/main" id="{FEE365C5-F51C-45E4-AE98-9D2F02614E37}"/>
+                <a16:creationId xmlns:a16="http://schemas.microsoft.com/office/drawing/2014/main" xmlns="" id="{FEE365C5-F51C-45E4-AE98-9D2F02614E37}"/>
               </a:ext>
             </a:extLst>
           </p:cNvPr>
@@ -5018,7 +5124,7 @@
           <p:cNvPr id="3" name="Marcador de contenido 2">
             <a:extLst>
               <a:ext uri="{FF2B5EF4-FFF2-40B4-BE49-F238E27FC236}">
-                <a16:creationId xmlns="" xmlns:a16="http://schemas.microsoft.com/office/drawing/2014/main" id="{E2B73A5A-6803-4FB4-BBEF-89D34306EC50}"/>
+                <a16:creationId xmlns:a16="http://schemas.microsoft.com/office/drawing/2014/main" xmlns="" id="{E2B73A5A-6803-4FB4-BBEF-89D34306EC50}"/>
               </a:ext>
             </a:extLst>
           </p:cNvPr>
@@ -5066,6 +5172,686 @@
           <a:p>
             <a:pPr lvl="1"/>
             <a:endParaRPr lang="es-ES" dirty="0"/>
+          </a:p>
+        </p:txBody>
+      </p:sp>
+      <p:sp>
+        <p:nvSpPr>
+          <p:cNvPr id="4" name="3 Rectángulo"/>
+          <p:cNvSpPr/>
+          <p:nvPr/>
+        </p:nvSpPr>
+        <p:spPr>
+          <a:xfrm>
+            <a:off x="2392485" y="4169507"/>
+            <a:ext cx="1600200" cy="896815"/>
+          </a:xfrm>
+          <a:prstGeom prst="rect">
+            <a:avLst/>
+          </a:prstGeom>
+        </p:spPr>
+        <p:style>
+          <a:lnRef idx="2">
+            <a:schemeClr val="dk1"/>
+          </a:lnRef>
+          <a:fillRef idx="1">
+            <a:schemeClr val="lt1"/>
+          </a:fillRef>
+          <a:effectRef idx="0">
+            <a:schemeClr val="dk1"/>
+          </a:effectRef>
+          <a:fontRef idx="minor">
+            <a:schemeClr val="dk1"/>
+          </a:fontRef>
+        </p:style>
+        <p:txBody>
+          <a:bodyPr rtlCol="0" anchor="ctr"/>
+          <a:lstStyle/>
+          <a:p>
+            <a:pPr algn="ctr"/>
+            <a:r>
+              <a:rPr lang="es-ES" dirty="0" smtClean="0"/>
+              <a:t>Generación de consigna</a:t>
+            </a:r>
+            <a:endParaRPr lang="es-ES" dirty="0"/>
+          </a:p>
+        </p:txBody>
+      </p:sp>
+      <p:sp>
+        <p:nvSpPr>
+          <p:cNvPr id="5" name="4 Rectángulo"/>
+          <p:cNvSpPr/>
+          <p:nvPr/>
+        </p:nvSpPr>
+        <p:spPr>
+          <a:xfrm>
+            <a:off x="4640385" y="4169506"/>
+            <a:ext cx="1600200" cy="896815"/>
+          </a:xfrm>
+          <a:prstGeom prst="rect">
+            <a:avLst/>
+          </a:prstGeom>
+        </p:spPr>
+        <p:style>
+          <a:lnRef idx="2">
+            <a:schemeClr val="dk1"/>
+          </a:lnRef>
+          <a:fillRef idx="1">
+            <a:schemeClr val="lt1"/>
+          </a:fillRef>
+          <a:effectRef idx="0">
+            <a:schemeClr val="dk1"/>
+          </a:effectRef>
+          <a:fontRef idx="minor">
+            <a:schemeClr val="dk1"/>
+          </a:fontRef>
+        </p:style>
+        <p:txBody>
+          <a:bodyPr rtlCol="0" anchor="ctr"/>
+          <a:lstStyle/>
+          <a:p>
+            <a:pPr algn="ctr"/>
+            <a:r>
+              <a:rPr lang="es-ES" dirty="0" smtClean="0"/>
+              <a:t>Control PI</a:t>
+            </a:r>
+            <a:endParaRPr lang="es-ES" dirty="0"/>
+          </a:p>
+        </p:txBody>
+      </p:sp>
+      <p:sp>
+        <p:nvSpPr>
+          <p:cNvPr id="6" name="5 Rectángulo"/>
+          <p:cNvSpPr/>
+          <p:nvPr/>
+        </p:nvSpPr>
+        <p:spPr>
+          <a:xfrm>
+            <a:off x="6888285" y="4169505"/>
+            <a:ext cx="1600200" cy="896815"/>
+          </a:xfrm>
+          <a:prstGeom prst="rect">
+            <a:avLst/>
+          </a:prstGeom>
+        </p:spPr>
+        <p:style>
+          <a:lnRef idx="2">
+            <a:schemeClr val="dk1"/>
+          </a:lnRef>
+          <a:fillRef idx="1">
+            <a:schemeClr val="lt1"/>
+          </a:fillRef>
+          <a:effectRef idx="0">
+            <a:schemeClr val="dk1"/>
+          </a:effectRef>
+          <a:fontRef idx="minor">
+            <a:schemeClr val="dk1"/>
+          </a:fontRef>
+        </p:style>
+        <p:txBody>
+          <a:bodyPr rtlCol="0" anchor="ctr"/>
+          <a:lstStyle/>
+          <a:p>
+            <a:pPr algn="ctr"/>
+            <a:r>
+              <a:rPr lang="es-ES" dirty="0" smtClean="0"/>
+              <a:t>Circuito de conexión</a:t>
+            </a:r>
+            <a:endParaRPr lang="es-ES" dirty="0"/>
+          </a:p>
+        </p:txBody>
+      </p:sp>
+      <p:cxnSp>
+        <p:nvCxnSpPr>
+          <p:cNvPr id="8" name="7 Conector recto de flecha"/>
+          <p:cNvCxnSpPr>
+            <a:stCxn id="6" idx="3"/>
+          </p:cNvCxnSpPr>
+          <p:nvPr/>
+        </p:nvCxnSpPr>
+        <p:spPr>
+          <a:xfrm>
+            <a:off x="8488485" y="4617913"/>
+            <a:ext cx="757115" cy="1"/>
+          </a:xfrm>
+          <a:prstGeom prst="straightConnector1">
+            <a:avLst/>
+          </a:prstGeom>
+          <a:ln>
+            <a:tailEnd type="arrow"/>
+          </a:ln>
+        </p:spPr>
+        <p:style>
+          <a:lnRef idx="2">
+            <a:schemeClr val="dk1"/>
+          </a:lnRef>
+          <a:fillRef idx="0">
+            <a:schemeClr val="dk1"/>
+          </a:fillRef>
+          <a:effectRef idx="1">
+            <a:schemeClr val="dk1"/>
+          </a:effectRef>
+          <a:fontRef idx="minor">
+            <a:schemeClr val="tx1"/>
+          </a:fontRef>
+        </p:style>
+      </p:cxnSp>
+      <p:sp>
+        <p:nvSpPr>
+          <p:cNvPr id="37" name="36 Rectángulo"/>
+          <p:cNvSpPr/>
+          <p:nvPr/>
+        </p:nvSpPr>
+        <p:spPr>
+          <a:xfrm>
+            <a:off x="5745286" y="5600371"/>
+            <a:ext cx="1600200" cy="896815"/>
+          </a:xfrm>
+          <a:prstGeom prst="rect">
+            <a:avLst/>
+          </a:prstGeom>
+        </p:spPr>
+        <p:style>
+          <a:lnRef idx="2">
+            <a:schemeClr val="dk1"/>
+          </a:lnRef>
+          <a:fillRef idx="1">
+            <a:schemeClr val="lt1"/>
+          </a:fillRef>
+          <a:effectRef idx="0">
+            <a:schemeClr val="dk1"/>
+          </a:effectRef>
+          <a:fontRef idx="minor">
+            <a:schemeClr val="dk1"/>
+          </a:fontRef>
+        </p:style>
+        <p:txBody>
+          <a:bodyPr rtlCol="0" anchor="ctr"/>
+          <a:lstStyle/>
+          <a:p>
+            <a:pPr algn="ctr"/>
+            <a:r>
+              <a:rPr lang="es-ES" dirty="0" smtClean="0"/>
+              <a:t>Cálculo de potencias</a:t>
+            </a:r>
+            <a:endParaRPr lang="es-ES" dirty="0"/>
+          </a:p>
+        </p:txBody>
+      </p:sp>
+      <p:cxnSp>
+        <p:nvCxnSpPr>
+          <p:cNvPr id="39" name="38 Conector angular"/>
+          <p:cNvCxnSpPr>
+            <a:endCxn id="37" idx="3"/>
+          </p:cNvCxnSpPr>
+          <p:nvPr/>
+        </p:nvCxnSpPr>
+        <p:spPr>
+          <a:xfrm rot="10800000" flipV="1">
+            <a:off x="7345486" y="4617913"/>
+            <a:ext cx="1521556" cy="1430865"/>
+          </a:xfrm>
+          <a:prstGeom prst="bentConnector3">
+            <a:avLst>
+              <a:gd name="adj1" fmla="val -637"/>
+            </a:avLst>
+          </a:prstGeom>
+          <a:ln>
+            <a:tailEnd type="arrow"/>
+          </a:ln>
+        </p:spPr>
+        <p:style>
+          <a:lnRef idx="2">
+            <a:schemeClr val="dk1"/>
+          </a:lnRef>
+          <a:fillRef idx="0">
+            <a:schemeClr val="dk1"/>
+          </a:fillRef>
+          <a:effectRef idx="1">
+            <a:schemeClr val="dk1"/>
+          </a:effectRef>
+          <a:fontRef idx="minor">
+            <a:schemeClr val="tx1"/>
+          </a:fontRef>
+        </p:style>
+      </p:cxnSp>
+      <p:cxnSp>
+        <p:nvCxnSpPr>
+          <p:cNvPr id="42" name="41 Conector angular"/>
+          <p:cNvCxnSpPr>
+            <a:stCxn id="37" idx="1"/>
+            <a:endCxn id="5" idx="1"/>
+          </p:cNvCxnSpPr>
+          <p:nvPr/>
+        </p:nvCxnSpPr>
+        <p:spPr>
+          <a:xfrm rot="10800000">
+            <a:off x="4640386" y="4617915"/>
+            <a:ext cx="1104901" cy="1430865"/>
+          </a:xfrm>
+          <a:prstGeom prst="bentConnector3">
+            <a:avLst>
+              <a:gd name="adj1" fmla="val 129885"/>
+            </a:avLst>
+          </a:prstGeom>
+          <a:ln>
+            <a:tailEnd type="arrow"/>
+          </a:ln>
+        </p:spPr>
+        <p:style>
+          <a:lnRef idx="2">
+            <a:schemeClr val="dk1"/>
+          </a:lnRef>
+          <a:fillRef idx="0">
+            <a:schemeClr val="dk1"/>
+          </a:fillRef>
+          <a:effectRef idx="1">
+            <a:schemeClr val="dk1"/>
+          </a:effectRef>
+          <a:fontRef idx="minor">
+            <a:schemeClr val="tx1"/>
+          </a:fontRef>
+        </p:style>
+      </p:cxnSp>
+      <p:cxnSp>
+        <p:nvCxnSpPr>
+          <p:cNvPr id="44" name="43 Conector recto"/>
+          <p:cNvCxnSpPr>
+            <a:stCxn id="4" idx="3"/>
+            <a:endCxn id="5" idx="1"/>
+          </p:cNvCxnSpPr>
+          <p:nvPr/>
+        </p:nvCxnSpPr>
+        <p:spPr>
+          <a:xfrm flipV="1">
+            <a:off x="3992685" y="4617914"/>
+            <a:ext cx="647700" cy="1"/>
+          </a:xfrm>
+          <a:prstGeom prst="line">
+            <a:avLst/>
+          </a:prstGeom>
+        </p:spPr>
+        <p:style>
+          <a:lnRef idx="2">
+            <a:schemeClr val="dk1"/>
+          </a:lnRef>
+          <a:fillRef idx="0">
+            <a:schemeClr val="dk1"/>
+          </a:fillRef>
+          <a:effectRef idx="1">
+            <a:schemeClr val="dk1"/>
+          </a:effectRef>
+          <a:fontRef idx="minor">
+            <a:schemeClr val="tx1"/>
+          </a:fontRef>
+        </p:style>
+      </p:cxnSp>
+      <p:sp>
+        <p:nvSpPr>
+          <p:cNvPr id="46" name="45 Elipse"/>
+          <p:cNvSpPr/>
+          <p:nvPr/>
+        </p:nvSpPr>
+        <p:spPr>
+          <a:xfrm>
+            <a:off x="4233863" y="4547251"/>
+            <a:ext cx="151870" cy="160867"/>
+          </a:xfrm>
+          <a:prstGeom prst="ellipse">
+            <a:avLst/>
+          </a:prstGeom>
+        </p:spPr>
+        <p:style>
+          <a:lnRef idx="2">
+            <a:schemeClr val="dk1"/>
+          </a:lnRef>
+          <a:fillRef idx="1">
+            <a:schemeClr val="lt1"/>
+          </a:fillRef>
+          <a:effectRef idx="0">
+            <a:schemeClr val="dk1"/>
+          </a:effectRef>
+          <a:fontRef idx="minor">
+            <a:schemeClr val="dk1"/>
+          </a:fontRef>
+        </p:style>
+        <p:txBody>
+          <a:bodyPr rtlCol="0" anchor="ctr"/>
+          <a:lstStyle/>
+          <a:p>
+            <a:pPr algn="ctr"/>
+            <a:endParaRPr lang="es-ES"/>
+          </a:p>
+        </p:txBody>
+      </p:sp>
+      <p:cxnSp>
+        <p:nvCxnSpPr>
+          <p:cNvPr id="48" name="47 Conector recto de flecha"/>
+          <p:cNvCxnSpPr>
+            <a:stCxn id="5" idx="3"/>
+            <a:endCxn id="6" idx="1"/>
+          </p:cNvCxnSpPr>
+          <p:nvPr/>
+        </p:nvCxnSpPr>
+        <p:spPr>
+          <a:xfrm flipV="1">
+            <a:off x="6240585" y="4617913"/>
+            <a:ext cx="647700" cy="1"/>
+          </a:xfrm>
+          <a:prstGeom prst="straightConnector1">
+            <a:avLst/>
+          </a:prstGeom>
+          <a:ln>
+            <a:tailEnd type="arrow"/>
+          </a:ln>
+        </p:spPr>
+        <p:style>
+          <a:lnRef idx="2">
+            <a:schemeClr val="dk1"/>
+          </a:lnRef>
+          <a:fillRef idx="0">
+            <a:schemeClr val="dk1"/>
+          </a:fillRef>
+          <a:effectRef idx="1">
+            <a:schemeClr val="dk1"/>
+          </a:effectRef>
+          <a:fontRef idx="minor">
+            <a:schemeClr val="tx1"/>
+          </a:fontRef>
+        </p:style>
+      </p:cxnSp>
+      <p:cxnSp>
+        <p:nvCxnSpPr>
+          <p:cNvPr id="55" name="54 Conector angular"/>
+          <p:cNvCxnSpPr/>
+          <p:nvPr/>
+        </p:nvCxnSpPr>
+        <p:spPr>
+          <a:xfrm rot="10800000">
+            <a:off x="2317750" y="3714750"/>
+            <a:ext cx="6561994" cy="903164"/>
+          </a:xfrm>
+          <a:prstGeom prst="bentConnector3">
+            <a:avLst>
+              <a:gd name="adj1" fmla="val 67"/>
+            </a:avLst>
+          </a:prstGeom>
+        </p:spPr>
+        <p:style>
+          <a:lnRef idx="2">
+            <a:schemeClr val="dk1"/>
+          </a:lnRef>
+          <a:fillRef idx="0">
+            <a:schemeClr val="dk1"/>
+          </a:fillRef>
+          <a:effectRef idx="1">
+            <a:schemeClr val="dk1"/>
+          </a:effectRef>
+          <a:fontRef idx="minor">
+            <a:schemeClr val="tx1"/>
+          </a:fontRef>
+        </p:style>
+      </p:cxnSp>
+      <p:cxnSp>
+        <p:nvCxnSpPr>
+          <p:cNvPr id="61" name="60 Conector angular"/>
+          <p:cNvCxnSpPr/>
+          <p:nvPr/>
+        </p:nvCxnSpPr>
+        <p:spPr>
+          <a:xfrm rot="16200000" flipH="1">
+            <a:off x="1916175" y="3917889"/>
+            <a:ext cx="679451" cy="273169"/>
+          </a:xfrm>
+          <a:prstGeom prst="bentConnector3">
+            <a:avLst>
+              <a:gd name="adj1" fmla="val 99844"/>
+            </a:avLst>
+          </a:prstGeom>
+          <a:ln>
+            <a:tailEnd type="arrow"/>
+          </a:ln>
+        </p:spPr>
+        <p:style>
+          <a:lnRef idx="2">
+            <a:schemeClr val="dk1"/>
+          </a:lnRef>
+          <a:fillRef idx="0">
+            <a:schemeClr val="dk1"/>
+          </a:fillRef>
+          <a:effectRef idx="1">
+            <a:schemeClr val="dk1"/>
+          </a:effectRef>
+          <a:fontRef idx="minor">
+            <a:schemeClr val="tx1"/>
+          </a:fontRef>
+        </p:style>
+      </p:cxnSp>
+      <p:cxnSp>
+        <p:nvCxnSpPr>
+          <p:cNvPr id="72" name="71 Conector recto"/>
+          <p:cNvCxnSpPr/>
+          <p:nvPr/>
+        </p:nvCxnSpPr>
+        <p:spPr>
+          <a:xfrm>
+            <a:off x="2119316" y="3714750"/>
+            <a:ext cx="230184" cy="0"/>
+          </a:xfrm>
+          <a:prstGeom prst="line">
+            <a:avLst/>
+          </a:prstGeom>
+        </p:spPr>
+        <p:style>
+          <a:lnRef idx="2">
+            <a:schemeClr val="dk1"/>
+          </a:lnRef>
+          <a:fillRef idx="0">
+            <a:schemeClr val="dk1"/>
+          </a:fillRef>
+          <a:effectRef idx="1">
+            <a:schemeClr val="dk1"/>
+          </a:effectRef>
+          <a:fontRef idx="minor">
+            <a:schemeClr val="tx1"/>
+          </a:fontRef>
+        </p:style>
+      </p:cxnSp>
+      <p:cxnSp>
+        <p:nvCxnSpPr>
+          <p:cNvPr id="75" name="74 Conector angular"/>
+          <p:cNvCxnSpPr/>
+          <p:nvPr/>
+        </p:nvCxnSpPr>
+        <p:spPr>
+          <a:xfrm rot="16200000" flipH="1">
+            <a:off x="4135366" y="3889181"/>
+            <a:ext cx="679450" cy="330587"/>
+          </a:xfrm>
+          <a:prstGeom prst="bentConnector3">
+            <a:avLst>
+              <a:gd name="adj1" fmla="val 100000"/>
+            </a:avLst>
+          </a:prstGeom>
+          <a:ln>
+            <a:tailEnd type="arrow"/>
+          </a:ln>
+        </p:spPr>
+        <p:style>
+          <a:lnRef idx="2">
+            <a:schemeClr val="dk1"/>
+          </a:lnRef>
+          <a:fillRef idx="0">
+            <a:schemeClr val="dk1"/>
+          </a:fillRef>
+          <a:effectRef idx="1">
+            <a:schemeClr val="dk1"/>
+          </a:effectRef>
+          <a:fontRef idx="minor">
+            <a:schemeClr val="tx1"/>
+          </a:fontRef>
+        </p:style>
+      </p:cxnSp>
+      <p:cxnSp>
+        <p:nvCxnSpPr>
+          <p:cNvPr id="83" name="82 Conector angular"/>
+          <p:cNvCxnSpPr/>
+          <p:nvPr/>
+        </p:nvCxnSpPr>
+        <p:spPr>
+          <a:xfrm rot="10800000">
+            <a:off x="2125669" y="4766734"/>
+            <a:ext cx="2197221" cy="1282045"/>
+          </a:xfrm>
+          <a:prstGeom prst="bentConnector3">
+            <a:avLst>
+              <a:gd name="adj1" fmla="val 100094"/>
+            </a:avLst>
+          </a:prstGeom>
+        </p:spPr>
+        <p:style>
+          <a:lnRef idx="2">
+            <a:schemeClr val="dk1"/>
+          </a:lnRef>
+          <a:fillRef idx="0">
+            <a:schemeClr val="dk1"/>
+          </a:fillRef>
+          <a:effectRef idx="1">
+            <a:schemeClr val="dk1"/>
+          </a:effectRef>
+          <a:fontRef idx="minor">
+            <a:schemeClr val="tx1"/>
+          </a:fontRef>
+        </p:style>
+      </p:cxnSp>
+      <p:cxnSp>
+        <p:nvCxnSpPr>
+          <p:cNvPr id="91" name="90 Conector recto de flecha"/>
+          <p:cNvCxnSpPr/>
+          <p:nvPr/>
+        </p:nvCxnSpPr>
+        <p:spPr>
+          <a:xfrm>
+            <a:off x="2119316" y="4766734"/>
+            <a:ext cx="273169" cy="0"/>
+          </a:xfrm>
+          <a:prstGeom prst="straightConnector1">
+            <a:avLst/>
+          </a:prstGeom>
+          <a:ln>
+            <a:tailEnd type="arrow"/>
+          </a:ln>
+        </p:spPr>
+        <p:style>
+          <a:lnRef idx="2">
+            <a:schemeClr val="dk1"/>
+          </a:lnRef>
+          <a:fillRef idx="0">
+            <a:schemeClr val="dk1"/>
+          </a:fillRef>
+          <a:effectRef idx="1">
+            <a:schemeClr val="dk1"/>
+          </a:effectRef>
+          <a:fontRef idx="minor">
+            <a:schemeClr val="tx1"/>
+          </a:fontRef>
+        </p:style>
+      </p:cxnSp>
+      <p:sp>
+        <p:nvSpPr>
+          <p:cNvPr id="92" name="91 CuadroTexto"/>
+          <p:cNvSpPr txBox="1"/>
+          <p:nvPr/>
+        </p:nvSpPr>
+        <p:spPr>
+          <a:xfrm>
+            <a:off x="8879744" y="4310135"/>
+            <a:ext cx="920060" cy="307777"/>
+          </a:xfrm>
+          <a:prstGeom prst="rect">
+            <a:avLst/>
+          </a:prstGeom>
+          <a:noFill/>
+        </p:spPr>
+        <p:txBody>
+          <a:bodyPr wrap="none" rtlCol="0">
+            <a:spAutoFit/>
+          </a:bodyPr>
+          <a:lstStyle/>
+          <a:p>
+            <a:r>
+              <a:rPr lang="es-ES" sz="1400" dirty="0" err="1" smtClean="0"/>
+              <a:t>Iabc</a:t>
+            </a:r>
+            <a:r>
+              <a:rPr lang="es-ES" sz="1400" dirty="0" smtClean="0"/>
+              <a:t>, </a:t>
+            </a:r>
+            <a:r>
+              <a:rPr lang="es-ES" sz="1400" dirty="0" err="1" smtClean="0"/>
+              <a:t>Vabc</a:t>
+            </a:r>
+            <a:endParaRPr lang="es-ES" sz="1400" dirty="0"/>
+          </a:p>
+        </p:txBody>
+      </p:sp>
+      <p:sp>
+        <p:nvSpPr>
+          <p:cNvPr id="93" name="92 CuadroTexto"/>
+          <p:cNvSpPr txBox="1"/>
+          <p:nvPr/>
+        </p:nvSpPr>
+        <p:spPr>
+          <a:xfrm>
+            <a:off x="6292850" y="4319907"/>
+            <a:ext cx="486030" cy="307777"/>
+          </a:xfrm>
+          <a:prstGeom prst="rect">
+            <a:avLst/>
+          </a:prstGeom>
+          <a:noFill/>
+        </p:spPr>
+        <p:txBody>
+          <a:bodyPr wrap="none" rtlCol="0">
+            <a:spAutoFit/>
+          </a:bodyPr>
+          <a:lstStyle/>
+          <a:p>
+            <a:r>
+              <a:rPr lang="es-ES" sz="1400" dirty="0" err="1" smtClean="0"/>
+              <a:t>Iabc</a:t>
+            </a:r>
+            <a:endParaRPr lang="es-ES" sz="1400" dirty="0"/>
+          </a:p>
+        </p:txBody>
+      </p:sp>
+      <p:sp>
+        <p:nvSpPr>
+          <p:cNvPr id="94" name="93 CuadroTexto"/>
+          <p:cNvSpPr txBox="1"/>
+          <p:nvPr/>
+        </p:nvSpPr>
+        <p:spPr>
+          <a:xfrm>
+            <a:off x="5245099" y="5713511"/>
+            <a:ext cx="460575" cy="307777"/>
+          </a:xfrm>
+          <a:prstGeom prst="rect">
+            <a:avLst/>
+          </a:prstGeom>
+          <a:noFill/>
+        </p:spPr>
+        <p:txBody>
+          <a:bodyPr wrap="none" rtlCol="0">
+            <a:spAutoFit/>
+          </a:bodyPr>
+          <a:lstStyle/>
+          <a:p>
+            <a:r>
+              <a:rPr lang="es-ES" sz="1400" dirty="0" smtClean="0"/>
+              <a:t>P, Q</a:t>
+            </a:r>
+            <a:endParaRPr lang="es-ES" sz="1400" dirty="0"/>
           </a:p>
         </p:txBody>
       </p:sp>
@@ -5123,35 +5909,57 @@
           <a:p>
             <a:r>
               <a:rPr lang="es-ES" dirty="0" smtClean="0"/>
-              <a:t>Resultados</a:t>
+              <a:t>Generación de consigna</a:t>
             </a:r>
             <a:endParaRPr lang="es-ES" dirty="0"/>
           </a:p>
         </p:txBody>
       </p:sp>
-      <p:sp>
-        <p:nvSpPr>
-          <p:cNvPr id="3" name="2 Marcador de contenido"/>
-          <p:cNvSpPr>
-            <a:spLocks noGrp="1"/>
-          </p:cNvSpPr>
-          <p:nvPr>
-            <p:ph idx="1"/>
-          </p:nvPr>
-        </p:nvSpPr>
-        <p:spPr/>
-        <p:txBody>
-          <a:bodyPr/>
-          <a:lstStyle/>
-          <a:p>
-            <a:endParaRPr lang="es-ES" dirty="0"/>
-          </a:p>
-        </p:txBody>
-      </p:sp>
+      <p:pic>
+        <p:nvPicPr>
+          <p:cNvPr id="1026" name="Picture 2" descr="C:\Users\Catalina Terrasa\Desktop\SP_Sim.PNG"/>
+          <p:cNvPicPr>
+            <a:picLocks noChangeAspect="1" noChangeArrowheads="1"/>
+          </p:cNvPicPr>
+          <p:nvPr/>
+        </p:nvPicPr>
+        <p:blipFill>
+          <a:blip r:embed="rId2">
+            <a:extLst>
+              <a:ext uri="{28A0092B-C50C-407E-A947-70E740481C1C}">
+                <a14:useLocalDpi xmlns:a14="http://schemas.microsoft.com/office/drawing/2010/main" val="0"/>
+              </a:ext>
+            </a:extLst>
+          </a:blip>
+          <a:srcRect/>
+          <a:stretch>
+            <a:fillRect/>
+          </a:stretch>
+        </p:blipFill>
+        <p:spPr bwMode="auto">
+          <a:xfrm>
+            <a:off x="0" y="1667339"/>
+            <a:ext cx="12196834" cy="4656459"/>
+          </a:xfrm>
+          <a:prstGeom prst="rect">
+            <a:avLst/>
+          </a:prstGeom>
+          <a:noFill/>
+          <a:extLst>
+            <a:ext uri="{909E8E84-426E-40DD-AFC4-6F175D3DCCD1}">
+              <a14:hiddenFill xmlns:a14="http://schemas.microsoft.com/office/drawing/2010/main">
+                <a:solidFill>
+                  <a:srgbClr val="FFFFFF"/>
+                </a:solidFill>
+              </a14:hiddenFill>
+            </a:ext>
+          </a:extLst>
+        </p:spPr>
+      </p:pic>
     </p:spTree>
     <p:extLst>
       <p:ext uri="{BB962C8B-B14F-4D97-AF65-F5344CB8AC3E}">
-        <p14:creationId xmlns:p14="http://schemas.microsoft.com/office/powerpoint/2010/main" val="2441978829"/>
+        <p14:creationId xmlns:p14="http://schemas.microsoft.com/office/powerpoint/2010/main" val="1810900016"/>
       </p:ext>
     </p:extLst>
   </p:cSld>
@@ -5180,93 +5988,78 @@
       </p:grpSpPr>
       <p:sp>
         <p:nvSpPr>
-          <p:cNvPr id="2" name="Título 1">
+          <p:cNvPr id="2" name="1 Título"/>
+          <p:cNvSpPr>
+            <a:spLocks noGrp="1"/>
+          </p:cNvSpPr>
+          <p:nvPr>
+            <p:ph type="title"/>
+          </p:nvPr>
+        </p:nvSpPr>
+        <p:spPr/>
+        <p:txBody>
+          <a:bodyPr/>
+          <a:lstStyle/>
+          <a:p>
+            <a:r>
+              <a:rPr lang="es-ES" dirty="0" smtClean="0"/>
+              <a:t>Controlador</a:t>
+            </a:r>
+            <a:endParaRPr lang="es-ES" dirty="0"/>
+          </a:p>
+        </p:txBody>
+      </p:sp>
+      <p:pic>
+        <p:nvPicPr>
+          <p:cNvPr id="2050" name="Picture 2" descr="C:\Users\Catalina Terrasa\Desktop\DefControl.PNG"/>
+          <p:cNvPicPr>
+            <a:picLocks noChangeAspect="1" noChangeArrowheads="1"/>
+          </p:cNvPicPr>
+          <p:nvPr/>
+        </p:nvPicPr>
+        <p:blipFill>
+          <a:blip r:embed="rId2">
             <a:extLst>
-              <a:ext uri="{FF2B5EF4-FFF2-40B4-BE49-F238E27FC236}">
-                <a16:creationId xmlns="" xmlns:a16="http://schemas.microsoft.com/office/drawing/2014/main" id="{7CE1135B-07BD-441E-96D7-85BD4835A7ED}"/>
+              <a:ext uri="{28A0092B-C50C-407E-A947-70E740481C1C}">
+                <a14:useLocalDpi xmlns:a14="http://schemas.microsoft.com/office/drawing/2010/main" val="0"/>
               </a:ext>
             </a:extLst>
-          </p:cNvPr>
-          <p:cNvSpPr>
-            <a:spLocks noGrp="1"/>
-          </p:cNvSpPr>
-          <p:nvPr>
-            <p:ph type="title"/>
-          </p:nvPr>
-        </p:nvSpPr>
-        <p:spPr/>
-        <p:txBody>
-          <a:bodyPr/>
-          <a:lstStyle/>
-          <a:p>
-            <a:r>
-              <a:rPr lang="es-ES" dirty="0" smtClean="0"/>
-              <a:t>Conclusiones del primer ensayo</a:t>
-            </a:r>
-            <a:endParaRPr lang="es-ES" dirty="0"/>
-          </a:p>
-        </p:txBody>
-      </p:sp>
-      <p:sp>
-        <p:nvSpPr>
-          <p:cNvPr id="3" name="Marcador de contenido 2">
-            <a:extLst>
-              <a:ext uri="{FF2B5EF4-FFF2-40B4-BE49-F238E27FC236}">
-                <a16:creationId xmlns="" xmlns:a16="http://schemas.microsoft.com/office/drawing/2014/main" id="{8494C532-DF3D-48DB-A603-9E1A5F3ADD2D}"/>
-              </a:ext>
-            </a:extLst>
-          </p:cNvPr>
-          <p:cNvSpPr>
-            <a:spLocks noGrp="1"/>
-          </p:cNvSpPr>
-          <p:nvPr>
-            <p:ph idx="1"/>
-          </p:nvPr>
-        </p:nvSpPr>
-        <p:spPr/>
-        <p:txBody>
-          <a:bodyPr/>
-          <a:lstStyle/>
-          <a:p>
-            <a:pPr marL="514350" indent="-514350">
-              <a:buFont typeface="+mj-lt"/>
-              <a:buAutoNum type="arabicPeriod"/>
-            </a:pPr>
-            <a:r>
-              <a:rPr lang="es-ES" dirty="0" smtClean="0"/>
-              <a:t>Es imposible seguir el código de red con entrega nula de potencia activa</a:t>
-            </a:r>
-          </a:p>
-          <a:p>
-            <a:pPr marL="514350" indent="-514350">
-              <a:buFont typeface="+mj-lt"/>
-              <a:buAutoNum type="arabicPeriod"/>
-            </a:pPr>
-            <a:r>
-              <a:rPr lang="es-ES" dirty="0" smtClean="0"/>
-              <a:t>A mayor potencia activa generada más fácil es seguir el código de red</a:t>
-            </a:r>
-            <a:endParaRPr lang="es-ES" dirty="0"/>
-          </a:p>
-        </p:txBody>
-      </p:sp>
+          </a:blip>
+          <a:srcRect/>
+          <a:stretch>
+            <a:fillRect/>
+          </a:stretch>
+        </p:blipFill>
+        <p:spPr bwMode="auto">
+          <a:xfrm>
+            <a:off x="1254869" y="1298956"/>
+            <a:ext cx="9049966" cy="5471495"/>
+          </a:xfrm>
+          <a:prstGeom prst="rect">
+            <a:avLst/>
+          </a:prstGeom>
+          <a:noFill/>
+          <a:extLst>
+            <a:ext uri="{909E8E84-426E-40DD-AFC4-6F175D3DCCD1}">
+              <a14:hiddenFill xmlns:a14="http://schemas.microsoft.com/office/drawing/2010/main">
+                <a:solidFill>
+                  <a:srgbClr val="FFFFFF"/>
+                </a:solidFill>
+              </a14:hiddenFill>
+            </a:ext>
+          </a:extLst>
+        </p:spPr>
+      </p:pic>
     </p:spTree>
     <p:extLst>
       <p:ext uri="{BB962C8B-B14F-4D97-AF65-F5344CB8AC3E}">
-        <p14:creationId xmlns:p14="http://schemas.microsoft.com/office/powerpoint/2010/main" val="2185818766"/>
+        <p14:creationId xmlns:p14="http://schemas.microsoft.com/office/powerpoint/2010/main" val="2750216948"/>
       </p:ext>
     </p:extLst>
   </p:cSld>
   <p:clrMapOvr>
     <a:masterClrMapping/>
   </p:clrMapOvr>
-  <p:timing>
-    <p:tnLst>
-      <p:par>
-        <p:cTn id="1" dur="indefinite" restart="never" nodeType="tmRoot"/>
-      </p:par>
-    </p:tnLst>
-  </p:timing>
 </p:sld>
 </file>
 
@@ -5525,7 +6318,7 @@
   <a:extraClrSchemeLst/>
   <a:extLst>
     <a:ext uri="{05A4C25C-085E-4340-85A3-A5531E510DB2}">
-      <thm15:themeFamily xmlns:thm15="http://schemas.microsoft.com/office/thememl/2012/main" xmlns="" name="Office Theme" id="{62F939B6-93AF-4DB8-9C6B-D6C7DFDC589F}" vid="{4A3C46E8-61CC-4603-A589-7422A47A8E4A}"/>
+      <thm15:themeFamily xmlns="" xmlns:thm15="http://schemas.microsoft.com/office/thememl/2012/main" name="Office Theme" id="{62F939B6-93AF-4DB8-9C6B-D6C7DFDC589F}" vid="{4A3C46E8-61CC-4603-A589-7422A47A8E4A}"/>
     </a:ext>
   </a:extLst>
 </a:theme>

--- a/tfgPP.pptx
+++ b/tfgPP.pptx
@@ -14,9 +14,11 @@
     <p:sldId id="262" r:id="rId8"/>
     <p:sldId id="267" r:id="rId9"/>
     <p:sldId id="268" r:id="rId10"/>
-    <p:sldId id="263" r:id="rId11"/>
-    <p:sldId id="264" r:id="rId12"/>
-    <p:sldId id="265" r:id="rId13"/>
+    <p:sldId id="270" r:id="rId11"/>
+    <p:sldId id="269" r:id="rId12"/>
+    <p:sldId id="263" r:id="rId13"/>
+    <p:sldId id="264" r:id="rId14"/>
+    <p:sldId id="265" r:id="rId15"/>
   </p:sldIdLst>
   <p:sldSz cx="12192000" cy="6858000"/>
   <p:notesSz cx="6858000" cy="9144000"/>
@@ -117,7 +119,7 @@
   </p:defaultTextStyle>
   <p:extLst>
     <p:ext uri="{EFAFB233-063F-42B5-8137-9DF3F51BA10A}">
-      <p15:sldGuideLst xmlns="" xmlns:p15="http://schemas.microsoft.com/office/powerpoint/2012/main"/>
+      <p15:sldGuideLst xmlns:p15="http://schemas.microsoft.com/office/powerpoint/2012/main" xmlns=""/>
     </p:ext>
   </p:extLst>
 </p:presentation>
@@ -3127,10 +3129,137 @@
       </p:grpSpPr>
       <p:sp>
         <p:nvSpPr>
+          <p:cNvPr id="2" name="1 Título"/>
+          <p:cNvSpPr>
+            <a:spLocks noGrp="1"/>
+          </p:cNvSpPr>
+          <p:nvPr>
+            <p:ph type="title"/>
+          </p:nvPr>
+        </p:nvSpPr>
+        <p:spPr/>
+        <p:txBody>
+          <a:bodyPr/>
+          <a:lstStyle/>
+          <a:p>
+            <a:pPr algn="ctr"/>
+            <a:r>
+              <a:rPr lang="es-ES" dirty="0" smtClean="0"/>
+              <a:t>Casos de estudio</a:t>
+            </a:r>
+            <a:endParaRPr lang="es-ES" dirty="0"/>
+          </a:p>
+        </p:txBody>
+      </p:sp>
+      <p:sp>
+        <p:nvSpPr>
+          <p:cNvPr id="3" name="2 Marcador de contenido"/>
+          <p:cNvSpPr>
+            <a:spLocks noGrp="1"/>
+          </p:cNvSpPr>
+          <p:nvPr>
+            <p:ph idx="1"/>
+          </p:nvPr>
+        </p:nvSpPr>
+        <p:spPr/>
+        <p:txBody>
+          <a:bodyPr/>
+          <a:lstStyle/>
+          <a:p>
+            <a:endParaRPr lang="es-ES"/>
+          </a:p>
+        </p:txBody>
+      </p:sp>
+    </p:spTree>
+    <p:extLst>
+      <p:ext uri="{BB962C8B-B14F-4D97-AF65-F5344CB8AC3E}">
+        <p14:creationId xmlns:p14="http://schemas.microsoft.com/office/powerpoint/2010/main" val="129639390"/>
+      </p:ext>
+    </p:extLst>
+  </p:cSld>
+  <p:clrMapOvr>
+    <a:masterClrMapping/>
+  </p:clrMapOvr>
+</p:sld>
+</file>
+
+<file path=ppt/slides/slide11.xml><?xml version="1.0" encoding="utf-8"?>
+<p:sld xmlns:a="http://schemas.openxmlformats.org/drawingml/2006/main" xmlns:r="http://schemas.openxmlformats.org/officeDocument/2006/relationships" xmlns:p="http://schemas.openxmlformats.org/presentationml/2006/main">
+  <p:cSld>
+    <p:spTree>
+      <p:nvGrpSpPr>
+        <p:cNvPr id="1" name=""/>
+        <p:cNvGrpSpPr/>
+        <p:nvPr/>
+      </p:nvGrpSpPr>
+      <p:grpSpPr>
+        <a:xfrm>
+          <a:off x="0" y="0"/>
+          <a:ext cx="0" cy="0"/>
+          <a:chOff x="0" y="0"/>
+          <a:chExt cx="0" cy="0"/>
+        </a:xfrm>
+      </p:grpSpPr>
+      <p:sp>
+        <p:nvSpPr>
+          <p:cNvPr id="2" name="1 Título"/>
+          <p:cNvSpPr>
+            <a:spLocks noGrp="1"/>
+          </p:cNvSpPr>
+          <p:nvPr>
+            <p:ph type="title"/>
+          </p:nvPr>
+        </p:nvSpPr>
+        <p:spPr/>
+        <p:txBody>
+          <a:bodyPr/>
+          <a:lstStyle/>
+          <a:p>
+            <a:pPr algn="ctr"/>
+            <a:r>
+              <a:rPr lang="es-ES" dirty="0" smtClean="0"/>
+              <a:t>Resultados</a:t>
+            </a:r>
+            <a:endParaRPr lang="es-ES" dirty="0"/>
+          </a:p>
+        </p:txBody>
+      </p:sp>
+    </p:spTree>
+    <p:extLst>
+      <p:ext uri="{BB962C8B-B14F-4D97-AF65-F5344CB8AC3E}">
+        <p14:creationId xmlns:p14="http://schemas.microsoft.com/office/powerpoint/2010/main" val="1292907876"/>
+      </p:ext>
+    </p:extLst>
+  </p:cSld>
+  <p:clrMapOvr>
+    <a:masterClrMapping/>
+  </p:clrMapOvr>
+</p:sld>
+</file>
+
+<file path=ppt/slides/slide12.xml><?xml version="1.0" encoding="utf-8"?>
+<p:sld xmlns:a="http://schemas.openxmlformats.org/drawingml/2006/main" xmlns:r="http://schemas.openxmlformats.org/officeDocument/2006/relationships" xmlns:p="http://schemas.openxmlformats.org/presentationml/2006/main">
+  <p:cSld>
+    <p:spTree>
+      <p:nvGrpSpPr>
+        <p:cNvPr id="1" name=""/>
+        <p:cNvGrpSpPr/>
+        <p:nvPr/>
+      </p:nvGrpSpPr>
+      <p:grpSpPr>
+        <a:xfrm>
+          <a:off x="0" y="0"/>
+          <a:ext cx="0" cy="0"/>
+          <a:chOff x="0" y="0"/>
+          <a:chExt cx="0" cy="0"/>
+        </a:xfrm>
+      </p:grpSpPr>
+      <p:sp>
+        <p:nvSpPr>
           <p:cNvPr id="2" name="Título 1">
             <a:extLst>
               <a:ext uri="{FF2B5EF4-FFF2-40B4-BE49-F238E27FC236}">
-                <a16:creationId xmlns:a16="http://schemas.microsoft.com/office/drawing/2014/main" xmlns="" id="{7CE1135B-07BD-441E-96D7-85BD4835A7ED}"/>
+                <a16:creationId xmlns="" xmlns:a16="http://schemas.microsoft.com/office/drawing/2014/main" id="{7CE1135B-07BD-441E-96D7-85BD4835A7ED}"/>
               </a:ext>
             </a:extLst>
           </p:cNvPr>
@@ -3146,6 +3275,7 @@
           <a:bodyPr/>
           <a:lstStyle/>
           <a:p>
+            <a:pPr algn="ctr"/>
             <a:r>
               <a:rPr lang="es-ES" dirty="0" smtClean="0"/>
               <a:t>Conclusiones del primer ensayo</a:t>
@@ -3159,7 +3289,7 @@
           <p:cNvPr id="3" name="Marcador de contenido 2">
             <a:extLst>
               <a:ext uri="{FF2B5EF4-FFF2-40B4-BE49-F238E27FC236}">
-                <a16:creationId xmlns:a16="http://schemas.microsoft.com/office/drawing/2014/main" xmlns="" id="{8494C532-DF3D-48DB-A603-9E1A5F3ADD2D}"/>
+                <a16:creationId xmlns="" xmlns:a16="http://schemas.microsoft.com/office/drawing/2014/main" id="{8494C532-DF3D-48DB-A603-9E1A5F3ADD2D}"/>
               </a:ext>
             </a:extLst>
           </p:cNvPr>
@@ -3217,7 +3347,7 @@
 </p:sld>
 </file>
 
-<file path=ppt/slides/slide11.xml><?xml version="1.0" encoding="utf-8"?>
+<file path=ppt/slides/slide13.xml><?xml version="1.0" encoding="utf-8"?>
 <p:sld xmlns:a="http://schemas.openxmlformats.org/drawingml/2006/main" xmlns:r="http://schemas.openxmlformats.org/officeDocument/2006/relationships" xmlns:p="http://schemas.openxmlformats.org/presentationml/2006/main">
   <p:cSld>
     <p:spTree>
@@ -3239,7 +3369,7 @@
           <p:cNvPr id="2" name="Título 1">
             <a:extLst>
               <a:ext uri="{FF2B5EF4-FFF2-40B4-BE49-F238E27FC236}">
-                <a16:creationId xmlns:a16="http://schemas.microsoft.com/office/drawing/2014/main" xmlns="" id="{7CE1135B-07BD-441E-96D7-85BD4835A7ED}"/>
+                <a16:creationId xmlns="" xmlns:a16="http://schemas.microsoft.com/office/drawing/2014/main" id="{7CE1135B-07BD-441E-96D7-85BD4835A7ED}"/>
               </a:ext>
             </a:extLst>
           </p:cNvPr>
@@ -3255,6 +3385,7 @@
           <a:bodyPr/>
           <a:lstStyle/>
           <a:p>
+            <a:pPr algn="ctr"/>
             <a:r>
               <a:rPr lang="es-ES" dirty="0" smtClean="0"/>
               <a:t>Conclusiones del segundo ensayo</a:t>
@@ -3268,7 +3399,7 @@
           <p:cNvPr id="3" name="Marcador de contenido 2">
             <a:extLst>
               <a:ext uri="{FF2B5EF4-FFF2-40B4-BE49-F238E27FC236}">
-                <a16:creationId xmlns:a16="http://schemas.microsoft.com/office/drawing/2014/main" xmlns="" id="{8494C532-DF3D-48DB-A603-9E1A5F3ADD2D}"/>
+                <a16:creationId xmlns="" xmlns:a16="http://schemas.microsoft.com/office/drawing/2014/main" id="{8494C532-DF3D-48DB-A603-9E1A5F3ADD2D}"/>
               </a:ext>
             </a:extLst>
           </p:cNvPr>
@@ -3336,7 +3467,7 @@
 </p:sld>
 </file>
 
-<file path=ppt/slides/slide12.xml><?xml version="1.0" encoding="utf-8"?>
+<file path=ppt/slides/slide14.xml><?xml version="1.0" encoding="utf-8"?>
 <p:sld xmlns:a="http://schemas.openxmlformats.org/drawingml/2006/main" xmlns:r="http://schemas.openxmlformats.org/officeDocument/2006/relationships" xmlns:p="http://schemas.openxmlformats.org/presentationml/2006/main">
   <p:cSld>
     <p:spTree>
@@ -3358,7 +3489,7 @@
           <p:cNvPr id="2" name="Título 1">
             <a:extLst>
               <a:ext uri="{FF2B5EF4-FFF2-40B4-BE49-F238E27FC236}">
-                <a16:creationId xmlns:a16="http://schemas.microsoft.com/office/drawing/2014/main" xmlns="" id="{7CE1135B-07BD-441E-96D7-85BD4835A7ED}"/>
+                <a16:creationId xmlns="" xmlns:a16="http://schemas.microsoft.com/office/drawing/2014/main" id="{7CE1135B-07BD-441E-96D7-85BD4835A7ED}"/>
               </a:ext>
             </a:extLst>
           </p:cNvPr>
@@ -3374,6 +3505,7 @@
           <a:bodyPr/>
           <a:lstStyle/>
           <a:p>
+            <a:pPr algn="ctr"/>
             <a:r>
               <a:rPr lang="es-ES" dirty="0" smtClean="0"/>
               <a:t>Estudios futuros</a:t>
@@ -3387,7 +3519,7 @@
           <p:cNvPr id="3" name="Marcador de contenido 2">
             <a:extLst>
               <a:ext uri="{FF2B5EF4-FFF2-40B4-BE49-F238E27FC236}">
-                <a16:creationId xmlns:a16="http://schemas.microsoft.com/office/drawing/2014/main" xmlns="" id="{8494C532-DF3D-48DB-A603-9E1A5F3ADD2D}"/>
+                <a16:creationId xmlns="" xmlns:a16="http://schemas.microsoft.com/office/drawing/2014/main" id="{8494C532-DF3D-48DB-A603-9E1A5F3ADD2D}"/>
               </a:ext>
             </a:extLst>
           </p:cNvPr>
@@ -3572,8 +3704,26 @@
             </a:pPr>
             <a:r>
               <a:rPr lang="es-ES" dirty="0"/>
-              <a:t>Algoritmo de control</a:t>
-            </a:r>
+              <a:t>Algoritmo de </a:t>
+            </a:r>
+            <a:r>
+              <a:rPr lang="es-ES" dirty="0" smtClean="0"/>
+              <a:t>control</a:t>
+            </a:r>
+          </a:p>
+          <a:p>
+            <a:pPr marL="1028700" lvl="1" indent="-571500">
+              <a:lnSpc>
+                <a:spcPct val="100000"/>
+              </a:lnSpc>
+              <a:buFont typeface="+mj-lt"/>
+              <a:buAutoNum type="romanUcPeriod"/>
+            </a:pPr>
+            <a:r>
+              <a:rPr lang="es-ES" dirty="0" smtClean="0"/>
+              <a:t>Casos de estudio</a:t>
+            </a:r>
+            <a:endParaRPr lang="es-ES" dirty="0"/>
           </a:p>
           <a:p>
             <a:pPr marL="571500" indent="-571500">
@@ -3806,6 +3956,7 @@
           <a:bodyPr/>
           <a:lstStyle/>
           <a:p>
+            <a:pPr algn="ctr"/>
             <a:r>
               <a:rPr lang="es-ES" dirty="0"/>
               <a:t>objetivos</a:t>
@@ -3899,7 +4050,7 @@
           <p:cNvPr id="2" name="Título 1">
             <a:extLst>
               <a:ext uri="{FF2B5EF4-FFF2-40B4-BE49-F238E27FC236}">
-                <a16:creationId xmlns:a16="http://schemas.microsoft.com/office/drawing/2014/main" xmlns="" id="{E122A83D-3967-4BBC-B0B7-E31CB4FB61D5}"/>
+                <a16:creationId xmlns="" xmlns:a16="http://schemas.microsoft.com/office/drawing/2014/main" id="{E122A83D-3967-4BBC-B0B7-E31CB4FB61D5}"/>
               </a:ext>
             </a:extLst>
           </p:cNvPr>
@@ -3915,6 +4066,7 @@
           <a:bodyPr/>
           <a:lstStyle/>
           <a:p>
+            <a:pPr algn="ctr"/>
             <a:r>
               <a:rPr lang="es-ES" dirty="0"/>
               <a:t>Panorama actual</a:t>
@@ -3927,7 +4079,7 @@
           <p:cNvPr id="3" name="Marcador de contenido 2">
             <a:extLst>
               <a:ext uri="{FF2B5EF4-FFF2-40B4-BE49-F238E27FC236}">
-                <a16:creationId xmlns:a16="http://schemas.microsoft.com/office/drawing/2014/main" xmlns="" id="{A79EC906-CFDB-4506-8B2F-E22EC5418D18}"/>
+                <a16:creationId xmlns="" xmlns:a16="http://schemas.microsoft.com/office/drawing/2014/main" id="{A79EC906-CFDB-4506-8B2F-E22EC5418D18}"/>
               </a:ext>
             </a:extLst>
           </p:cNvPr>
@@ -4011,7 +4163,7 @@
           <p:cNvPr id="2" name="Título 1">
             <a:extLst>
               <a:ext uri="{FF2B5EF4-FFF2-40B4-BE49-F238E27FC236}">
-                <a16:creationId xmlns:a16="http://schemas.microsoft.com/office/drawing/2014/main" xmlns="" id="{960643AA-8DEE-49EF-848B-2A646FDDAF27}"/>
+                <a16:creationId xmlns="" xmlns:a16="http://schemas.microsoft.com/office/drawing/2014/main" id="{960643AA-8DEE-49EF-848B-2A646FDDAF27}"/>
               </a:ext>
             </a:extLst>
           </p:cNvPr>
@@ -4027,6 +4179,7 @@
           <a:bodyPr/>
           <a:lstStyle/>
           <a:p>
+            <a:pPr algn="ctr"/>
             <a:r>
               <a:rPr lang="es-ES" dirty="0"/>
               <a:t>Modelo de la Planta</a:t>
@@ -4039,7 +4192,7 @@
           <p:cNvPr id="3" name="Marcador de contenido 2">
             <a:extLst>
               <a:ext uri="{FF2B5EF4-FFF2-40B4-BE49-F238E27FC236}">
-                <a16:creationId xmlns:a16="http://schemas.microsoft.com/office/drawing/2014/main" xmlns="" id="{80A64E0C-CB3C-4B33-9667-CAFFFFAD0B40}"/>
+                <a16:creationId xmlns="" xmlns:a16="http://schemas.microsoft.com/office/drawing/2014/main" id="{80A64E0C-CB3C-4B33-9667-CAFFFFAD0B40}"/>
               </a:ext>
             </a:extLst>
           </p:cNvPr>
@@ -5096,7 +5249,7 @@
           <p:cNvPr id="2" name="Título 1">
             <a:extLst>
               <a:ext uri="{FF2B5EF4-FFF2-40B4-BE49-F238E27FC236}">
-                <a16:creationId xmlns:a16="http://schemas.microsoft.com/office/drawing/2014/main" xmlns="" id="{FEE365C5-F51C-45E4-AE98-9D2F02614E37}"/>
+                <a16:creationId xmlns="" xmlns:a16="http://schemas.microsoft.com/office/drawing/2014/main" id="{FEE365C5-F51C-45E4-AE98-9D2F02614E37}"/>
               </a:ext>
             </a:extLst>
           </p:cNvPr>
@@ -5112,6 +5265,7 @@
           <a:bodyPr/>
           <a:lstStyle/>
           <a:p>
+            <a:pPr algn="ctr"/>
             <a:r>
               <a:rPr lang="es-ES" dirty="0"/>
               <a:t>Algoritmo de control</a:t>
@@ -5124,7 +5278,7 @@
           <p:cNvPr id="3" name="Marcador de contenido 2">
             <a:extLst>
               <a:ext uri="{FF2B5EF4-FFF2-40B4-BE49-F238E27FC236}">
-                <a16:creationId xmlns:a16="http://schemas.microsoft.com/office/drawing/2014/main" xmlns="" id="{E2B73A5A-6803-4FB4-BBEF-89D34306EC50}"/>
+                <a16:creationId xmlns="" xmlns:a16="http://schemas.microsoft.com/office/drawing/2014/main" id="{E2B73A5A-6803-4FB4-BBEF-89D34306EC50}"/>
               </a:ext>
             </a:extLst>
           </p:cNvPr>
@@ -5907,6 +6061,7 @@
           <a:bodyPr/>
           <a:lstStyle/>
           <a:p>
+            <a:pPr algn="ctr"/>
             <a:r>
               <a:rPr lang="es-ES" dirty="0" smtClean="0"/>
               <a:t>Generación de consigna</a:t>
@@ -6001,6 +6156,7 @@
           <a:bodyPr/>
           <a:lstStyle/>
           <a:p>
+            <a:pPr algn="ctr"/>
             <a:r>
               <a:rPr lang="es-ES" dirty="0" smtClean="0"/>
               <a:t>Controlador</a:t>
@@ -6318,7 +6474,7 @@
   <a:extraClrSchemeLst/>
   <a:extLst>
     <a:ext uri="{05A4C25C-085E-4340-85A3-A5531E510DB2}">
-      <thm15:themeFamily xmlns="" xmlns:thm15="http://schemas.microsoft.com/office/thememl/2012/main" name="Office Theme" id="{62F939B6-93AF-4DB8-9C6B-D6C7DFDC589F}" vid="{4A3C46E8-61CC-4603-A589-7422A47A8E4A}"/>
+      <thm15:themeFamily xmlns:thm15="http://schemas.microsoft.com/office/thememl/2012/main" xmlns="" name="Office Theme" id="{62F939B6-93AF-4DB8-9C6B-D6C7DFDC589F}" vid="{4A3C46E8-61CC-4603-A589-7422A47A8E4A}"/>
     </a:ext>
   </a:extLst>
 </a:theme>

--- a/tfgPP.pptx
+++ b/tfgPP.pptx
@@ -119,7 +119,18 @@
   </p:defaultTextStyle>
   <p:extLst>
     <p:ext uri="{EFAFB233-063F-42B5-8137-9DF3F51BA10A}">
-      <p15:sldGuideLst xmlns:p15="http://schemas.microsoft.com/office/powerpoint/2012/main" xmlns=""/>
+      <p15:sldGuideLst xmlns:p15="http://schemas.microsoft.com/office/powerpoint/2012/main">
+        <p15:guide id="1" orient="horz" pos="2160">
+          <p15:clr>
+            <a:srgbClr val="A4A3A4"/>
+          </p15:clr>
+        </p15:guide>
+        <p15:guide id="2" pos="3840">
+          <p15:clr>
+            <a:srgbClr val="A4A3A4"/>
+          </p15:clr>
+        </p15:guide>
+      </p15:sldGuideLst>
     </p:ext>
   </p:extLst>
 </p:presentation>
@@ -131,20 +142,6 @@
     <p:extLst/>
   </p:cmAuthor>
 </p:cmAuthorLst>
-</file>
-
-<file path=ppt/comments/comment1.xml><?xml version="1.0" encoding="utf-8"?>
-<p:cmLst xmlns:a="http://schemas.openxmlformats.org/drawingml/2006/main" xmlns:r="http://schemas.openxmlformats.org/officeDocument/2006/relationships" xmlns:p="http://schemas.openxmlformats.org/presentationml/2006/main">
-  <p:cm authorId="1" dt="2018-03-26T08:57:52.877" idx="1">
-    <p:pos x="10" y="10"/>
-    <p:text/>
-    <p:extLst>
-      <p:ext uri="{C676402C-5697-4E1C-873F-D02D1690AC5C}">
-        <p15:threadingInfo xmlns:p15="http://schemas.microsoft.com/office/powerpoint/2012/main" timeZoneBias="-120"/>
-      </p:ext>
-    </p:extLst>
-  </p:cm>
-</p:cmLst>
 </file>
 
 <file path=ppt/slideLayouts/slideLayout1.xml><?xml version="1.0" encoding="utf-8"?>
@@ -276,7 +273,7 @@
           <a:p>
             <a:fld id="{8161FC19-448B-45B3-ABDC-99AC11CB222E}" type="datetimeFigureOut">
               <a:rPr lang="es-ES" smtClean="0"/>
-              <a:t>01/07/2018</a:t>
+              <a:t>02/07/2018</a:t>
             </a:fld>
             <a:endParaRPr lang="es-ES" dirty="0"/>
           </a:p>
@@ -444,7 +441,7 @@
           <a:p>
             <a:fld id="{8161FC19-448B-45B3-ABDC-99AC11CB222E}" type="datetimeFigureOut">
               <a:rPr lang="es-ES" smtClean="0"/>
-              <a:t>01/07/2018</a:t>
+              <a:t>02/07/2018</a:t>
             </a:fld>
             <a:endParaRPr lang="es-ES" dirty="0"/>
           </a:p>
@@ -622,7 +619,7 @@
           <a:p>
             <a:fld id="{8161FC19-448B-45B3-ABDC-99AC11CB222E}" type="datetimeFigureOut">
               <a:rPr lang="es-ES" smtClean="0"/>
-              <a:t>01/07/2018</a:t>
+              <a:t>02/07/2018</a:t>
             </a:fld>
             <a:endParaRPr lang="es-ES" dirty="0"/>
           </a:p>
@@ -790,7 +787,7 @@
           <a:p>
             <a:fld id="{8161FC19-448B-45B3-ABDC-99AC11CB222E}" type="datetimeFigureOut">
               <a:rPr lang="es-ES" smtClean="0"/>
-              <a:t>01/07/2018</a:t>
+              <a:t>02/07/2018</a:t>
             </a:fld>
             <a:endParaRPr lang="es-ES" dirty="0"/>
           </a:p>
@@ -1035,7 +1032,7 @@
           <a:p>
             <a:fld id="{8161FC19-448B-45B3-ABDC-99AC11CB222E}" type="datetimeFigureOut">
               <a:rPr lang="es-ES" smtClean="0"/>
-              <a:t>01/07/2018</a:t>
+              <a:t>02/07/2018</a:t>
             </a:fld>
             <a:endParaRPr lang="es-ES" dirty="0"/>
           </a:p>
@@ -1264,7 +1261,7 @@
           <a:p>
             <a:fld id="{8161FC19-448B-45B3-ABDC-99AC11CB222E}" type="datetimeFigureOut">
               <a:rPr lang="es-ES" smtClean="0"/>
-              <a:t>01/07/2018</a:t>
+              <a:t>02/07/2018</a:t>
             </a:fld>
             <a:endParaRPr lang="es-ES" dirty="0"/>
           </a:p>
@@ -1628,7 +1625,7 @@
           <a:p>
             <a:fld id="{8161FC19-448B-45B3-ABDC-99AC11CB222E}" type="datetimeFigureOut">
               <a:rPr lang="es-ES" smtClean="0"/>
-              <a:t>01/07/2018</a:t>
+              <a:t>02/07/2018</a:t>
             </a:fld>
             <a:endParaRPr lang="es-ES" dirty="0"/>
           </a:p>
@@ -1745,7 +1742,7 @@
           <a:p>
             <a:fld id="{8161FC19-448B-45B3-ABDC-99AC11CB222E}" type="datetimeFigureOut">
               <a:rPr lang="es-ES" smtClean="0"/>
-              <a:t>01/07/2018</a:t>
+              <a:t>02/07/2018</a:t>
             </a:fld>
             <a:endParaRPr lang="es-ES" dirty="0"/>
           </a:p>
@@ -1840,7 +1837,7 @@
           <a:p>
             <a:fld id="{8161FC19-448B-45B3-ABDC-99AC11CB222E}" type="datetimeFigureOut">
               <a:rPr lang="es-ES" smtClean="0"/>
-              <a:t>01/07/2018</a:t>
+              <a:t>02/07/2018</a:t>
             </a:fld>
             <a:endParaRPr lang="es-ES" dirty="0"/>
           </a:p>
@@ -2115,7 +2112,7 @@
           <a:p>
             <a:fld id="{8161FC19-448B-45B3-ABDC-99AC11CB222E}" type="datetimeFigureOut">
               <a:rPr lang="es-ES" smtClean="0"/>
-              <a:t>01/07/2018</a:t>
+              <a:t>02/07/2018</a:t>
             </a:fld>
             <a:endParaRPr lang="es-ES" dirty="0"/>
           </a:p>
@@ -2367,7 +2364,7 @@
           <a:p>
             <a:fld id="{8161FC19-448B-45B3-ABDC-99AC11CB222E}" type="datetimeFigureOut">
               <a:rPr lang="es-ES" smtClean="0"/>
-              <a:t>01/07/2018</a:t>
+              <a:t>02/07/2018</a:t>
             </a:fld>
             <a:endParaRPr lang="es-ES" dirty="0"/>
           </a:p>
@@ -2578,7 +2575,7 @@
           <a:p>
             <a:fld id="{8161FC19-448B-45B3-ABDC-99AC11CB222E}" type="datetimeFigureOut">
               <a:rPr lang="es-ES" smtClean="0"/>
-              <a:t>01/07/2018</a:t>
+              <a:t>02/07/2018</a:t>
             </a:fld>
             <a:endParaRPr lang="es-ES" dirty="0"/>
           </a:p>
@@ -3090,6 +3087,134 @@
           </a:p>
         </p:txBody>
       </p:sp>
+      <p:pic>
+        <p:nvPicPr>
+          <p:cNvPr id="7" name="Picture 2" descr="Resultado de imagen de etsidi logo"/>
+          <p:cNvPicPr>
+            <a:picLocks noChangeAspect="1" noChangeArrowheads="1"/>
+          </p:cNvPicPr>
+          <p:nvPr/>
+        </p:nvPicPr>
+        <p:blipFill>
+          <a:blip r:embed="rId2" cstate="print">
+            <a:extLst>
+              <a:ext uri="{28A0092B-C50C-407E-A947-70E740481C1C}">
+                <a14:useLocalDpi xmlns:a14="http://schemas.microsoft.com/office/drawing/2010/main" val="0"/>
+              </a:ext>
+            </a:extLst>
+          </a:blip>
+          <a:srcRect/>
+          <a:stretch>
+            <a:fillRect/>
+          </a:stretch>
+        </p:blipFill>
+        <p:spPr bwMode="auto">
+          <a:xfrm>
+            <a:off x="10269415" y="286460"/>
+            <a:ext cx="1693789" cy="895227"/>
+          </a:xfrm>
+          <a:prstGeom prst="rect">
+            <a:avLst/>
+          </a:prstGeom>
+          <a:noFill/>
+          <a:extLst>
+            <a:ext uri="{909E8E84-426E-40DD-AFC4-6F175D3DCCD1}">
+              <a14:hiddenFill xmlns:a14="http://schemas.microsoft.com/office/drawing/2010/main">
+                <a:solidFill>
+                  <a:srgbClr val="FFFFFF"/>
+                </a:solidFill>
+              </a14:hiddenFill>
+            </a:ext>
+          </a:extLst>
+        </p:spPr>
+      </p:pic>
+      <p:pic>
+        <p:nvPicPr>
+          <p:cNvPr id="8" name="Picture 2" descr="Macintosh HD en Idril:Users:barrientos:DATOS:Modelos:Logos:UPM:EscUpmPolit.jpg"/>
+          <p:cNvPicPr/>
+          <p:nvPr/>
+        </p:nvPicPr>
+        <p:blipFill>
+          <a:blip r:embed="rId3">
+            <a:extLst>
+              <a:ext uri="{28A0092B-C50C-407E-A947-70E740481C1C}">
+                <a14:useLocalDpi xmlns:a14="http://schemas.microsoft.com/office/drawing/2010/main" val="0"/>
+              </a:ext>
+            </a:extLst>
+          </a:blip>
+          <a:srcRect/>
+          <a:stretch>
+            <a:fillRect/>
+          </a:stretch>
+        </p:blipFill>
+        <p:spPr bwMode="auto">
+          <a:xfrm>
+            <a:off x="143705" y="131712"/>
+            <a:ext cx="1417125" cy="1181686"/>
+          </a:xfrm>
+          <a:prstGeom prst="rect">
+            <a:avLst/>
+          </a:prstGeom>
+          <a:noFill/>
+          <a:ln>
+            <a:noFill/>
+          </a:ln>
+        </p:spPr>
+      </p:pic>
+      <p:pic>
+        <p:nvPicPr>
+          <p:cNvPr id="3077" name="Image 6" descr="image011"/>
+          <p:cNvPicPr>
+            <a:picLocks noChangeAspect="1" noChangeArrowheads="1"/>
+          </p:cNvPicPr>
+          <p:nvPr/>
+        </p:nvPicPr>
+        <p:blipFill>
+          <a:blip r:embed="rId4">
+            <a:extLst>
+              <a:ext uri="{28A0092B-C50C-407E-A947-70E740481C1C}">
+                <a14:useLocalDpi xmlns:a14="http://schemas.microsoft.com/office/drawing/2010/main" val="0"/>
+              </a:ext>
+            </a:extLst>
+          </a:blip>
+          <a:srcRect/>
+          <a:stretch>
+            <a:fillRect/>
+          </a:stretch>
+        </p:blipFill>
+        <p:spPr bwMode="auto">
+          <a:xfrm>
+            <a:off x="9845799" y="6062662"/>
+            <a:ext cx="2117405" cy="452437"/>
+          </a:xfrm>
+          <a:prstGeom prst="rect">
+            <a:avLst/>
+          </a:prstGeom>
+          <a:noFill/>
+          <a:ln>
+            <a:noFill/>
+          </a:ln>
+          <a:extLst>
+            <a:ext uri="{909E8E84-426E-40DD-AFC4-6F175D3DCCD1}">
+              <a14:hiddenFill xmlns:a14="http://schemas.microsoft.com/office/drawing/2010/main">
+                <a:solidFill>
+                  <a:srgbClr val="FFFFFF"/>
+                </a:solidFill>
+              </a14:hiddenFill>
+            </a:ext>
+            <a:ext uri="{91240B29-F687-4F45-9708-019B960494DF}">
+              <a14:hiddenLine xmlns:a14="http://schemas.microsoft.com/office/drawing/2010/main" w="9525">
+                <a:solidFill>
+                  <a:srgbClr val="000000"/>
+                </a:solidFill>
+                <a:miter lim="800000"/>
+                <a:headEnd/>
+                <a:tailEnd/>
+              </a14:hiddenLine>
+            </a:ext>
+          </a:extLst>
+        </p:spPr>
+      </p:pic>
     </p:spTree>
     <p:extLst>
       <p:ext uri="{BB962C8B-B14F-4D97-AF65-F5344CB8AC3E}">
@@ -3170,6 +3295,134 @@
           </a:p>
         </p:txBody>
       </p:sp>
+      <p:pic>
+        <p:nvPicPr>
+          <p:cNvPr id="5" name="Picture 2" descr="Resultado de imagen de etsidi logo"/>
+          <p:cNvPicPr>
+            <a:picLocks noChangeAspect="1" noChangeArrowheads="1"/>
+          </p:cNvPicPr>
+          <p:nvPr/>
+        </p:nvPicPr>
+        <p:blipFill>
+          <a:blip r:embed="rId2" cstate="print">
+            <a:extLst>
+              <a:ext uri="{28A0092B-C50C-407E-A947-70E740481C1C}">
+                <a14:useLocalDpi xmlns:a14="http://schemas.microsoft.com/office/drawing/2010/main" val="0"/>
+              </a:ext>
+            </a:extLst>
+          </a:blip>
+          <a:srcRect/>
+          <a:stretch>
+            <a:fillRect/>
+          </a:stretch>
+        </p:blipFill>
+        <p:spPr bwMode="auto">
+          <a:xfrm>
+            <a:off x="10269415" y="286460"/>
+            <a:ext cx="1693789" cy="895227"/>
+          </a:xfrm>
+          <a:prstGeom prst="rect">
+            <a:avLst/>
+          </a:prstGeom>
+          <a:noFill/>
+          <a:extLst>
+            <a:ext uri="{909E8E84-426E-40DD-AFC4-6F175D3DCCD1}">
+              <a14:hiddenFill xmlns:a14="http://schemas.microsoft.com/office/drawing/2010/main">
+                <a:solidFill>
+                  <a:srgbClr val="FFFFFF"/>
+                </a:solidFill>
+              </a14:hiddenFill>
+            </a:ext>
+          </a:extLst>
+        </p:spPr>
+      </p:pic>
+      <p:pic>
+        <p:nvPicPr>
+          <p:cNvPr id="6" name="Picture 2" descr="Macintosh HD en Idril:Users:barrientos:DATOS:Modelos:Logos:UPM:EscUpmPolit.jpg"/>
+          <p:cNvPicPr/>
+          <p:nvPr/>
+        </p:nvPicPr>
+        <p:blipFill>
+          <a:blip r:embed="rId3">
+            <a:extLst>
+              <a:ext uri="{28A0092B-C50C-407E-A947-70E740481C1C}">
+                <a14:useLocalDpi xmlns:a14="http://schemas.microsoft.com/office/drawing/2010/main" val="0"/>
+              </a:ext>
+            </a:extLst>
+          </a:blip>
+          <a:srcRect/>
+          <a:stretch>
+            <a:fillRect/>
+          </a:stretch>
+        </p:blipFill>
+        <p:spPr bwMode="auto">
+          <a:xfrm>
+            <a:off x="143705" y="131712"/>
+            <a:ext cx="1417125" cy="1181686"/>
+          </a:xfrm>
+          <a:prstGeom prst="rect">
+            <a:avLst/>
+          </a:prstGeom>
+          <a:noFill/>
+          <a:ln>
+            <a:noFill/>
+          </a:ln>
+        </p:spPr>
+      </p:pic>
+      <p:pic>
+        <p:nvPicPr>
+          <p:cNvPr id="8" name="Image 6" descr="image011"/>
+          <p:cNvPicPr>
+            <a:picLocks noChangeAspect="1" noChangeArrowheads="1"/>
+          </p:cNvPicPr>
+          <p:nvPr/>
+        </p:nvPicPr>
+        <p:blipFill>
+          <a:blip r:embed="rId4">
+            <a:extLst>
+              <a:ext uri="{28A0092B-C50C-407E-A947-70E740481C1C}">
+                <a14:useLocalDpi xmlns:a14="http://schemas.microsoft.com/office/drawing/2010/main" val="0"/>
+              </a:ext>
+            </a:extLst>
+          </a:blip>
+          <a:srcRect/>
+          <a:stretch>
+            <a:fillRect/>
+          </a:stretch>
+        </p:blipFill>
+        <p:spPr bwMode="auto">
+          <a:xfrm>
+            <a:off x="9845799" y="6062662"/>
+            <a:ext cx="2117405" cy="452437"/>
+          </a:xfrm>
+          <a:prstGeom prst="rect">
+            <a:avLst/>
+          </a:prstGeom>
+          <a:noFill/>
+          <a:ln>
+            <a:noFill/>
+          </a:ln>
+          <a:extLst>
+            <a:ext uri="{909E8E84-426E-40DD-AFC4-6F175D3DCCD1}">
+              <a14:hiddenFill xmlns:a14="http://schemas.microsoft.com/office/drawing/2010/main">
+                <a:solidFill>
+                  <a:srgbClr val="FFFFFF"/>
+                </a:solidFill>
+              </a14:hiddenFill>
+            </a:ext>
+            <a:ext uri="{91240B29-F687-4F45-9708-019B960494DF}">
+              <a14:hiddenLine xmlns:a14="http://schemas.microsoft.com/office/drawing/2010/main" w="9525">
+                <a:solidFill>
+                  <a:srgbClr val="000000"/>
+                </a:solidFill>
+                <a:miter lim="800000"/>
+                <a:headEnd/>
+                <a:tailEnd/>
+              </a14:hiddenLine>
+            </a:ext>
+          </a:extLst>
+        </p:spPr>
+      </p:pic>
     </p:spTree>
     <p:extLst>
       <p:ext uri="{BB962C8B-B14F-4D97-AF65-F5344CB8AC3E}">
@@ -3180,6 +3433,13 @@
   <p:clrMapOvr>
     <a:masterClrMapping/>
   </p:clrMapOvr>
+  <p:timing>
+    <p:tnLst>
+      <p:par>
+        <p:cTn id="1" dur="indefinite" restart="never" nodeType="tmRoot"/>
+      </p:par>
+    </p:tnLst>
+  </p:timing>
 </p:sld>
 </file>
 
@@ -3224,6 +3484,134 @@
           </a:p>
         </p:txBody>
       </p:sp>
+      <p:pic>
+        <p:nvPicPr>
+          <p:cNvPr id="4" name="Picture 2" descr="Resultado de imagen de etsidi logo"/>
+          <p:cNvPicPr>
+            <a:picLocks noChangeAspect="1" noChangeArrowheads="1"/>
+          </p:cNvPicPr>
+          <p:nvPr/>
+        </p:nvPicPr>
+        <p:blipFill>
+          <a:blip r:embed="rId2" cstate="print">
+            <a:extLst>
+              <a:ext uri="{28A0092B-C50C-407E-A947-70E740481C1C}">
+                <a14:useLocalDpi xmlns:a14="http://schemas.microsoft.com/office/drawing/2010/main" val="0"/>
+              </a:ext>
+            </a:extLst>
+          </a:blip>
+          <a:srcRect/>
+          <a:stretch>
+            <a:fillRect/>
+          </a:stretch>
+        </p:blipFill>
+        <p:spPr bwMode="auto">
+          <a:xfrm>
+            <a:off x="10269415" y="286460"/>
+            <a:ext cx="1693789" cy="895227"/>
+          </a:xfrm>
+          <a:prstGeom prst="rect">
+            <a:avLst/>
+          </a:prstGeom>
+          <a:noFill/>
+          <a:extLst>
+            <a:ext uri="{909E8E84-426E-40DD-AFC4-6F175D3DCCD1}">
+              <a14:hiddenFill xmlns:a14="http://schemas.microsoft.com/office/drawing/2010/main">
+                <a:solidFill>
+                  <a:srgbClr val="FFFFFF"/>
+                </a:solidFill>
+              </a14:hiddenFill>
+            </a:ext>
+          </a:extLst>
+        </p:spPr>
+      </p:pic>
+      <p:pic>
+        <p:nvPicPr>
+          <p:cNvPr id="5" name="Picture 2" descr="Macintosh HD en Idril:Users:barrientos:DATOS:Modelos:Logos:UPM:EscUpmPolit.jpg"/>
+          <p:cNvPicPr/>
+          <p:nvPr/>
+        </p:nvPicPr>
+        <p:blipFill>
+          <a:blip r:embed="rId3">
+            <a:extLst>
+              <a:ext uri="{28A0092B-C50C-407E-A947-70E740481C1C}">
+                <a14:useLocalDpi xmlns:a14="http://schemas.microsoft.com/office/drawing/2010/main" val="0"/>
+              </a:ext>
+            </a:extLst>
+          </a:blip>
+          <a:srcRect/>
+          <a:stretch>
+            <a:fillRect/>
+          </a:stretch>
+        </p:blipFill>
+        <p:spPr bwMode="auto">
+          <a:xfrm>
+            <a:off x="143705" y="131712"/>
+            <a:ext cx="1417125" cy="1181686"/>
+          </a:xfrm>
+          <a:prstGeom prst="rect">
+            <a:avLst/>
+          </a:prstGeom>
+          <a:noFill/>
+          <a:ln>
+            <a:noFill/>
+          </a:ln>
+        </p:spPr>
+      </p:pic>
+      <p:pic>
+        <p:nvPicPr>
+          <p:cNvPr id="7" name="Image 6" descr="image011"/>
+          <p:cNvPicPr>
+            <a:picLocks noChangeAspect="1" noChangeArrowheads="1"/>
+          </p:cNvPicPr>
+          <p:nvPr/>
+        </p:nvPicPr>
+        <p:blipFill>
+          <a:blip r:embed="rId4">
+            <a:extLst>
+              <a:ext uri="{28A0092B-C50C-407E-A947-70E740481C1C}">
+                <a14:useLocalDpi xmlns:a14="http://schemas.microsoft.com/office/drawing/2010/main" val="0"/>
+              </a:ext>
+            </a:extLst>
+          </a:blip>
+          <a:srcRect/>
+          <a:stretch>
+            <a:fillRect/>
+          </a:stretch>
+        </p:blipFill>
+        <p:spPr bwMode="auto">
+          <a:xfrm>
+            <a:off x="9845799" y="6062662"/>
+            <a:ext cx="2117405" cy="452437"/>
+          </a:xfrm>
+          <a:prstGeom prst="rect">
+            <a:avLst/>
+          </a:prstGeom>
+          <a:noFill/>
+          <a:ln>
+            <a:noFill/>
+          </a:ln>
+          <a:extLst>
+            <a:ext uri="{909E8E84-426E-40DD-AFC4-6F175D3DCCD1}">
+              <a14:hiddenFill xmlns:a14="http://schemas.microsoft.com/office/drawing/2010/main">
+                <a:solidFill>
+                  <a:srgbClr val="FFFFFF"/>
+                </a:solidFill>
+              </a14:hiddenFill>
+            </a:ext>
+            <a:ext uri="{91240B29-F687-4F45-9708-019B960494DF}">
+              <a14:hiddenLine xmlns:a14="http://schemas.microsoft.com/office/drawing/2010/main" w="9525">
+                <a:solidFill>
+                  <a:srgbClr val="000000"/>
+                </a:solidFill>
+                <a:miter lim="800000"/>
+                <a:headEnd/>
+                <a:tailEnd/>
+              </a14:hiddenLine>
+            </a:ext>
+          </a:extLst>
+        </p:spPr>
+      </p:pic>
     </p:spTree>
     <p:extLst>
       <p:ext uri="{BB962C8B-B14F-4D97-AF65-F5344CB8AC3E}">
@@ -3234,6 +3622,13 @@
   <p:clrMapOvr>
     <a:masterClrMapping/>
   </p:clrMapOvr>
+  <p:timing>
+    <p:tnLst>
+      <p:par>
+        <p:cTn id="1" dur="indefinite" restart="never" nodeType="tmRoot"/>
+      </p:par>
+    </p:tnLst>
+  </p:timing>
 </p:sld>
 </file>
 
@@ -3259,7 +3654,7 @@
           <p:cNvPr id="2" name="Título 1">
             <a:extLst>
               <a:ext uri="{FF2B5EF4-FFF2-40B4-BE49-F238E27FC236}">
-                <a16:creationId xmlns="" xmlns:a16="http://schemas.microsoft.com/office/drawing/2014/main" id="{7CE1135B-07BD-441E-96D7-85BD4835A7ED}"/>
+                <a16:creationId xmlns:a16="http://schemas.microsoft.com/office/drawing/2014/main" xmlns="" id="{7CE1135B-07BD-441E-96D7-85BD4835A7ED}"/>
               </a:ext>
             </a:extLst>
           </p:cNvPr>
@@ -3289,7 +3684,7 @@
           <p:cNvPr id="3" name="Marcador de contenido 2">
             <a:extLst>
               <a:ext uri="{FF2B5EF4-FFF2-40B4-BE49-F238E27FC236}">
-                <a16:creationId xmlns="" xmlns:a16="http://schemas.microsoft.com/office/drawing/2014/main" id="{8494C532-DF3D-48DB-A603-9E1A5F3ADD2D}"/>
+                <a16:creationId xmlns:a16="http://schemas.microsoft.com/office/drawing/2014/main" xmlns="" id="{8494C532-DF3D-48DB-A603-9E1A5F3ADD2D}"/>
               </a:ext>
             </a:extLst>
           </p:cNvPr>
@@ -3327,6 +3722,134 @@
           </a:p>
         </p:txBody>
       </p:sp>
+      <p:pic>
+        <p:nvPicPr>
+          <p:cNvPr id="5" name="Picture 2" descr="Resultado de imagen de etsidi logo"/>
+          <p:cNvPicPr>
+            <a:picLocks noChangeAspect="1" noChangeArrowheads="1"/>
+          </p:cNvPicPr>
+          <p:nvPr/>
+        </p:nvPicPr>
+        <p:blipFill>
+          <a:blip r:embed="rId2" cstate="print">
+            <a:extLst>
+              <a:ext uri="{28A0092B-C50C-407E-A947-70E740481C1C}">
+                <a14:useLocalDpi xmlns:a14="http://schemas.microsoft.com/office/drawing/2010/main" val="0"/>
+              </a:ext>
+            </a:extLst>
+          </a:blip>
+          <a:srcRect/>
+          <a:stretch>
+            <a:fillRect/>
+          </a:stretch>
+        </p:blipFill>
+        <p:spPr bwMode="auto">
+          <a:xfrm>
+            <a:off x="10269415" y="286460"/>
+            <a:ext cx="1693789" cy="895227"/>
+          </a:xfrm>
+          <a:prstGeom prst="rect">
+            <a:avLst/>
+          </a:prstGeom>
+          <a:noFill/>
+          <a:extLst>
+            <a:ext uri="{909E8E84-426E-40DD-AFC4-6F175D3DCCD1}">
+              <a14:hiddenFill xmlns:a14="http://schemas.microsoft.com/office/drawing/2010/main">
+                <a:solidFill>
+                  <a:srgbClr val="FFFFFF"/>
+                </a:solidFill>
+              </a14:hiddenFill>
+            </a:ext>
+          </a:extLst>
+        </p:spPr>
+      </p:pic>
+      <p:pic>
+        <p:nvPicPr>
+          <p:cNvPr id="6" name="Picture 2" descr="Macintosh HD en Idril:Users:barrientos:DATOS:Modelos:Logos:UPM:EscUpmPolit.jpg"/>
+          <p:cNvPicPr/>
+          <p:nvPr/>
+        </p:nvPicPr>
+        <p:blipFill>
+          <a:blip r:embed="rId3">
+            <a:extLst>
+              <a:ext uri="{28A0092B-C50C-407E-A947-70E740481C1C}">
+                <a14:useLocalDpi xmlns:a14="http://schemas.microsoft.com/office/drawing/2010/main" val="0"/>
+              </a:ext>
+            </a:extLst>
+          </a:blip>
+          <a:srcRect/>
+          <a:stretch>
+            <a:fillRect/>
+          </a:stretch>
+        </p:blipFill>
+        <p:spPr bwMode="auto">
+          <a:xfrm>
+            <a:off x="143705" y="131712"/>
+            <a:ext cx="1417125" cy="1181686"/>
+          </a:xfrm>
+          <a:prstGeom prst="rect">
+            <a:avLst/>
+          </a:prstGeom>
+          <a:noFill/>
+          <a:ln>
+            <a:noFill/>
+          </a:ln>
+        </p:spPr>
+      </p:pic>
+      <p:pic>
+        <p:nvPicPr>
+          <p:cNvPr id="8" name="Image 6" descr="image011"/>
+          <p:cNvPicPr>
+            <a:picLocks noChangeAspect="1" noChangeArrowheads="1"/>
+          </p:cNvPicPr>
+          <p:nvPr/>
+        </p:nvPicPr>
+        <p:blipFill>
+          <a:blip r:embed="rId4">
+            <a:extLst>
+              <a:ext uri="{28A0092B-C50C-407E-A947-70E740481C1C}">
+                <a14:useLocalDpi xmlns:a14="http://schemas.microsoft.com/office/drawing/2010/main" val="0"/>
+              </a:ext>
+            </a:extLst>
+          </a:blip>
+          <a:srcRect/>
+          <a:stretch>
+            <a:fillRect/>
+          </a:stretch>
+        </p:blipFill>
+        <p:spPr bwMode="auto">
+          <a:xfrm>
+            <a:off x="9845799" y="6062662"/>
+            <a:ext cx="2117405" cy="452437"/>
+          </a:xfrm>
+          <a:prstGeom prst="rect">
+            <a:avLst/>
+          </a:prstGeom>
+          <a:noFill/>
+          <a:ln>
+            <a:noFill/>
+          </a:ln>
+          <a:extLst>
+            <a:ext uri="{909E8E84-426E-40DD-AFC4-6F175D3DCCD1}">
+              <a14:hiddenFill xmlns:a14="http://schemas.microsoft.com/office/drawing/2010/main">
+                <a:solidFill>
+                  <a:srgbClr val="FFFFFF"/>
+                </a:solidFill>
+              </a14:hiddenFill>
+            </a:ext>
+            <a:ext uri="{91240B29-F687-4F45-9708-019B960494DF}">
+              <a14:hiddenLine xmlns:a14="http://schemas.microsoft.com/office/drawing/2010/main" w="9525">
+                <a:solidFill>
+                  <a:srgbClr val="000000"/>
+                </a:solidFill>
+                <a:miter lim="800000"/>
+                <a:headEnd/>
+                <a:tailEnd/>
+              </a14:hiddenLine>
+            </a:ext>
+          </a:extLst>
+        </p:spPr>
+      </p:pic>
     </p:spTree>
     <p:extLst>
       <p:ext uri="{BB962C8B-B14F-4D97-AF65-F5344CB8AC3E}">
@@ -3369,7 +3892,7 @@
           <p:cNvPr id="2" name="Título 1">
             <a:extLst>
               <a:ext uri="{FF2B5EF4-FFF2-40B4-BE49-F238E27FC236}">
-                <a16:creationId xmlns="" xmlns:a16="http://schemas.microsoft.com/office/drawing/2014/main" id="{7CE1135B-07BD-441E-96D7-85BD4835A7ED}"/>
+                <a16:creationId xmlns:a16="http://schemas.microsoft.com/office/drawing/2014/main" xmlns="" id="{7CE1135B-07BD-441E-96D7-85BD4835A7ED}"/>
               </a:ext>
             </a:extLst>
           </p:cNvPr>
@@ -3399,7 +3922,7 @@
           <p:cNvPr id="3" name="Marcador de contenido 2">
             <a:extLst>
               <a:ext uri="{FF2B5EF4-FFF2-40B4-BE49-F238E27FC236}">
-                <a16:creationId xmlns="" xmlns:a16="http://schemas.microsoft.com/office/drawing/2014/main" id="{8494C532-DF3D-48DB-A603-9E1A5F3ADD2D}"/>
+                <a16:creationId xmlns:a16="http://schemas.microsoft.com/office/drawing/2014/main" xmlns="" id="{8494C532-DF3D-48DB-A603-9E1A5F3ADD2D}"/>
               </a:ext>
             </a:extLst>
           </p:cNvPr>
@@ -3447,6 +3970,134 @@
           </a:p>
         </p:txBody>
       </p:sp>
+      <p:pic>
+        <p:nvPicPr>
+          <p:cNvPr id="4" name="Picture 2" descr="Macintosh HD en Idril:Users:barrientos:DATOS:Modelos:Logos:UPM:EscUpmPolit.jpg"/>
+          <p:cNvPicPr/>
+          <p:nvPr/>
+        </p:nvPicPr>
+        <p:blipFill>
+          <a:blip r:embed="rId2">
+            <a:extLst>
+              <a:ext uri="{28A0092B-C50C-407E-A947-70E740481C1C}">
+                <a14:useLocalDpi xmlns:a14="http://schemas.microsoft.com/office/drawing/2010/main" val="0"/>
+              </a:ext>
+            </a:extLst>
+          </a:blip>
+          <a:srcRect/>
+          <a:stretch>
+            <a:fillRect/>
+          </a:stretch>
+        </p:blipFill>
+        <p:spPr bwMode="auto">
+          <a:xfrm>
+            <a:off x="143705" y="131712"/>
+            <a:ext cx="1417125" cy="1181686"/>
+          </a:xfrm>
+          <a:prstGeom prst="rect">
+            <a:avLst/>
+          </a:prstGeom>
+          <a:noFill/>
+          <a:ln>
+            <a:noFill/>
+          </a:ln>
+        </p:spPr>
+      </p:pic>
+      <p:pic>
+        <p:nvPicPr>
+          <p:cNvPr id="5" name="Picture 2" descr="Resultado de imagen de etsidi logo"/>
+          <p:cNvPicPr>
+            <a:picLocks noChangeAspect="1" noChangeArrowheads="1"/>
+          </p:cNvPicPr>
+          <p:nvPr/>
+        </p:nvPicPr>
+        <p:blipFill>
+          <a:blip r:embed="rId3" cstate="print">
+            <a:extLst>
+              <a:ext uri="{28A0092B-C50C-407E-A947-70E740481C1C}">
+                <a14:useLocalDpi xmlns:a14="http://schemas.microsoft.com/office/drawing/2010/main" val="0"/>
+              </a:ext>
+            </a:extLst>
+          </a:blip>
+          <a:srcRect/>
+          <a:stretch>
+            <a:fillRect/>
+          </a:stretch>
+        </p:blipFill>
+        <p:spPr bwMode="auto">
+          <a:xfrm>
+            <a:off x="10269415" y="286460"/>
+            <a:ext cx="1693789" cy="895227"/>
+          </a:xfrm>
+          <a:prstGeom prst="rect">
+            <a:avLst/>
+          </a:prstGeom>
+          <a:noFill/>
+          <a:extLst>
+            <a:ext uri="{909E8E84-426E-40DD-AFC4-6F175D3DCCD1}">
+              <a14:hiddenFill xmlns:a14="http://schemas.microsoft.com/office/drawing/2010/main">
+                <a:solidFill>
+                  <a:srgbClr val="FFFFFF"/>
+                </a:solidFill>
+              </a14:hiddenFill>
+            </a:ext>
+          </a:extLst>
+        </p:spPr>
+      </p:pic>
+      <p:pic>
+        <p:nvPicPr>
+          <p:cNvPr id="7" name="Image 6" descr="image011"/>
+          <p:cNvPicPr>
+            <a:picLocks noChangeAspect="1" noChangeArrowheads="1"/>
+          </p:cNvPicPr>
+          <p:nvPr/>
+        </p:nvPicPr>
+        <p:blipFill>
+          <a:blip r:embed="rId4">
+            <a:extLst>
+              <a:ext uri="{28A0092B-C50C-407E-A947-70E740481C1C}">
+                <a14:useLocalDpi xmlns:a14="http://schemas.microsoft.com/office/drawing/2010/main" val="0"/>
+              </a:ext>
+            </a:extLst>
+          </a:blip>
+          <a:srcRect/>
+          <a:stretch>
+            <a:fillRect/>
+          </a:stretch>
+        </p:blipFill>
+        <p:spPr bwMode="auto">
+          <a:xfrm>
+            <a:off x="9845799" y="6062662"/>
+            <a:ext cx="2117405" cy="452437"/>
+          </a:xfrm>
+          <a:prstGeom prst="rect">
+            <a:avLst/>
+          </a:prstGeom>
+          <a:noFill/>
+          <a:ln>
+            <a:noFill/>
+          </a:ln>
+          <a:extLst>
+            <a:ext uri="{909E8E84-426E-40DD-AFC4-6F175D3DCCD1}">
+              <a14:hiddenFill xmlns:a14="http://schemas.microsoft.com/office/drawing/2010/main">
+                <a:solidFill>
+                  <a:srgbClr val="FFFFFF"/>
+                </a:solidFill>
+              </a14:hiddenFill>
+            </a:ext>
+            <a:ext uri="{91240B29-F687-4F45-9708-019B960494DF}">
+              <a14:hiddenLine xmlns:a14="http://schemas.microsoft.com/office/drawing/2010/main" w="9525">
+                <a:solidFill>
+                  <a:srgbClr val="000000"/>
+                </a:solidFill>
+                <a:miter lim="800000"/>
+                <a:headEnd/>
+                <a:tailEnd/>
+              </a14:hiddenLine>
+            </a:ext>
+          </a:extLst>
+        </p:spPr>
+      </p:pic>
     </p:spTree>
     <p:extLst>
       <p:ext uri="{BB962C8B-B14F-4D97-AF65-F5344CB8AC3E}">
@@ -3489,7 +4140,7 @@
           <p:cNvPr id="2" name="Título 1">
             <a:extLst>
               <a:ext uri="{FF2B5EF4-FFF2-40B4-BE49-F238E27FC236}">
-                <a16:creationId xmlns="" xmlns:a16="http://schemas.microsoft.com/office/drawing/2014/main" id="{7CE1135B-07BD-441E-96D7-85BD4835A7ED}"/>
+                <a16:creationId xmlns:a16="http://schemas.microsoft.com/office/drawing/2014/main" xmlns="" id="{7CE1135B-07BD-441E-96D7-85BD4835A7ED}"/>
               </a:ext>
             </a:extLst>
           </p:cNvPr>
@@ -3519,7 +4170,7 @@
           <p:cNvPr id="3" name="Marcador de contenido 2">
             <a:extLst>
               <a:ext uri="{FF2B5EF4-FFF2-40B4-BE49-F238E27FC236}">
-                <a16:creationId xmlns="" xmlns:a16="http://schemas.microsoft.com/office/drawing/2014/main" id="{8494C532-DF3D-48DB-A603-9E1A5F3ADD2D}"/>
+                <a16:creationId xmlns:a16="http://schemas.microsoft.com/office/drawing/2014/main" xmlns="" id="{8494C532-DF3D-48DB-A603-9E1A5F3ADD2D}"/>
               </a:ext>
             </a:extLst>
           </p:cNvPr>
@@ -3555,6 +4206,134 @@
           </a:p>
         </p:txBody>
       </p:sp>
+      <p:pic>
+        <p:nvPicPr>
+          <p:cNvPr id="6" name="Picture 2" descr="Resultado de imagen de etsidi logo"/>
+          <p:cNvPicPr>
+            <a:picLocks noChangeAspect="1" noChangeArrowheads="1"/>
+          </p:cNvPicPr>
+          <p:nvPr/>
+        </p:nvPicPr>
+        <p:blipFill>
+          <a:blip r:embed="rId2" cstate="print">
+            <a:extLst>
+              <a:ext uri="{28A0092B-C50C-407E-A947-70E740481C1C}">
+                <a14:useLocalDpi xmlns:a14="http://schemas.microsoft.com/office/drawing/2010/main" val="0"/>
+              </a:ext>
+            </a:extLst>
+          </a:blip>
+          <a:srcRect/>
+          <a:stretch>
+            <a:fillRect/>
+          </a:stretch>
+        </p:blipFill>
+        <p:spPr bwMode="auto">
+          <a:xfrm>
+            <a:off x="10269415" y="286460"/>
+            <a:ext cx="1693789" cy="895227"/>
+          </a:xfrm>
+          <a:prstGeom prst="rect">
+            <a:avLst/>
+          </a:prstGeom>
+          <a:noFill/>
+          <a:extLst>
+            <a:ext uri="{909E8E84-426E-40DD-AFC4-6F175D3DCCD1}">
+              <a14:hiddenFill xmlns:a14="http://schemas.microsoft.com/office/drawing/2010/main">
+                <a:solidFill>
+                  <a:srgbClr val="FFFFFF"/>
+                </a:solidFill>
+              </a14:hiddenFill>
+            </a:ext>
+          </a:extLst>
+        </p:spPr>
+      </p:pic>
+      <p:pic>
+        <p:nvPicPr>
+          <p:cNvPr id="7" name="Picture 2" descr="Macintosh HD en Idril:Users:barrientos:DATOS:Modelos:Logos:UPM:EscUpmPolit.jpg"/>
+          <p:cNvPicPr/>
+          <p:nvPr/>
+        </p:nvPicPr>
+        <p:blipFill>
+          <a:blip r:embed="rId3">
+            <a:extLst>
+              <a:ext uri="{28A0092B-C50C-407E-A947-70E740481C1C}">
+                <a14:useLocalDpi xmlns:a14="http://schemas.microsoft.com/office/drawing/2010/main" val="0"/>
+              </a:ext>
+            </a:extLst>
+          </a:blip>
+          <a:srcRect/>
+          <a:stretch>
+            <a:fillRect/>
+          </a:stretch>
+        </p:blipFill>
+        <p:spPr bwMode="auto">
+          <a:xfrm>
+            <a:off x="143705" y="131712"/>
+            <a:ext cx="1417125" cy="1181686"/>
+          </a:xfrm>
+          <a:prstGeom prst="rect">
+            <a:avLst/>
+          </a:prstGeom>
+          <a:noFill/>
+          <a:ln>
+            <a:noFill/>
+          </a:ln>
+        </p:spPr>
+      </p:pic>
+      <p:pic>
+        <p:nvPicPr>
+          <p:cNvPr id="9" name="Image 6" descr="image011"/>
+          <p:cNvPicPr>
+            <a:picLocks noChangeAspect="1" noChangeArrowheads="1"/>
+          </p:cNvPicPr>
+          <p:nvPr/>
+        </p:nvPicPr>
+        <p:blipFill>
+          <a:blip r:embed="rId4">
+            <a:extLst>
+              <a:ext uri="{28A0092B-C50C-407E-A947-70E740481C1C}">
+                <a14:useLocalDpi xmlns:a14="http://schemas.microsoft.com/office/drawing/2010/main" val="0"/>
+              </a:ext>
+            </a:extLst>
+          </a:blip>
+          <a:srcRect/>
+          <a:stretch>
+            <a:fillRect/>
+          </a:stretch>
+        </p:blipFill>
+        <p:spPr bwMode="auto">
+          <a:xfrm>
+            <a:off x="9845799" y="6062662"/>
+            <a:ext cx="2117405" cy="452437"/>
+          </a:xfrm>
+          <a:prstGeom prst="rect">
+            <a:avLst/>
+          </a:prstGeom>
+          <a:noFill/>
+          <a:ln>
+            <a:noFill/>
+          </a:ln>
+          <a:extLst>
+            <a:ext uri="{909E8E84-426E-40DD-AFC4-6F175D3DCCD1}">
+              <a14:hiddenFill xmlns:a14="http://schemas.microsoft.com/office/drawing/2010/main">
+                <a:solidFill>
+                  <a:srgbClr val="FFFFFF"/>
+                </a:solidFill>
+              </a14:hiddenFill>
+            </a:ext>
+            <a:ext uri="{91240B29-F687-4F45-9708-019B960494DF}">
+              <a14:hiddenLine xmlns:a14="http://schemas.microsoft.com/office/drawing/2010/main" w="9525">
+                <a:solidFill>
+                  <a:srgbClr val="000000"/>
+                </a:solidFill>
+                <a:miter lim="800000"/>
+                <a:headEnd/>
+                <a:tailEnd/>
+              </a14:hiddenLine>
+            </a:ext>
+          </a:extLst>
+        </p:spPr>
+      </p:pic>
     </p:spTree>
     <p:extLst>
       <p:ext uri="{BB962C8B-B14F-4D97-AF65-F5344CB8AC3E}">
@@ -3748,6 +4527,134 @@
           </a:p>
         </p:txBody>
       </p:sp>
+      <p:pic>
+        <p:nvPicPr>
+          <p:cNvPr id="5" name="Picture 2" descr="Resultado de imagen de etsidi logo"/>
+          <p:cNvPicPr>
+            <a:picLocks noChangeAspect="1" noChangeArrowheads="1"/>
+          </p:cNvPicPr>
+          <p:nvPr/>
+        </p:nvPicPr>
+        <p:blipFill>
+          <a:blip r:embed="rId2" cstate="print">
+            <a:extLst>
+              <a:ext uri="{28A0092B-C50C-407E-A947-70E740481C1C}">
+                <a14:useLocalDpi xmlns:a14="http://schemas.microsoft.com/office/drawing/2010/main" val="0"/>
+              </a:ext>
+            </a:extLst>
+          </a:blip>
+          <a:srcRect/>
+          <a:stretch>
+            <a:fillRect/>
+          </a:stretch>
+        </p:blipFill>
+        <p:spPr bwMode="auto">
+          <a:xfrm>
+            <a:off x="10269415" y="286460"/>
+            <a:ext cx="1693789" cy="895227"/>
+          </a:xfrm>
+          <a:prstGeom prst="rect">
+            <a:avLst/>
+          </a:prstGeom>
+          <a:noFill/>
+          <a:extLst>
+            <a:ext uri="{909E8E84-426E-40DD-AFC4-6F175D3DCCD1}">
+              <a14:hiddenFill xmlns:a14="http://schemas.microsoft.com/office/drawing/2010/main">
+                <a:solidFill>
+                  <a:srgbClr val="FFFFFF"/>
+                </a:solidFill>
+              </a14:hiddenFill>
+            </a:ext>
+          </a:extLst>
+        </p:spPr>
+      </p:pic>
+      <p:pic>
+        <p:nvPicPr>
+          <p:cNvPr id="6" name="Picture 2" descr="Macintosh HD en Idril:Users:barrientos:DATOS:Modelos:Logos:UPM:EscUpmPolit.jpg"/>
+          <p:cNvPicPr/>
+          <p:nvPr/>
+        </p:nvPicPr>
+        <p:blipFill>
+          <a:blip r:embed="rId3">
+            <a:extLst>
+              <a:ext uri="{28A0092B-C50C-407E-A947-70E740481C1C}">
+                <a14:useLocalDpi xmlns:a14="http://schemas.microsoft.com/office/drawing/2010/main" val="0"/>
+              </a:ext>
+            </a:extLst>
+          </a:blip>
+          <a:srcRect/>
+          <a:stretch>
+            <a:fillRect/>
+          </a:stretch>
+        </p:blipFill>
+        <p:spPr bwMode="auto">
+          <a:xfrm>
+            <a:off x="143705" y="131712"/>
+            <a:ext cx="1417125" cy="1181686"/>
+          </a:xfrm>
+          <a:prstGeom prst="rect">
+            <a:avLst/>
+          </a:prstGeom>
+          <a:noFill/>
+          <a:ln>
+            <a:noFill/>
+          </a:ln>
+        </p:spPr>
+      </p:pic>
+      <p:pic>
+        <p:nvPicPr>
+          <p:cNvPr id="8" name="Image 6" descr="image011"/>
+          <p:cNvPicPr>
+            <a:picLocks noChangeAspect="1" noChangeArrowheads="1"/>
+          </p:cNvPicPr>
+          <p:nvPr/>
+        </p:nvPicPr>
+        <p:blipFill>
+          <a:blip r:embed="rId4">
+            <a:extLst>
+              <a:ext uri="{28A0092B-C50C-407E-A947-70E740481C1C}">
+                <a14:useLocalDpi xmlns:a14="http://schemas.microsoft.com/office/drawing/2010/main" val="0"/>
+              </a:ext>
+            </a:extLst>
+          </a:blip>
+          <a:srcRect/>
+          <a:stretch>
+            <a:fillRect/>
+          </a:stretch>
+        </p:blipFill>
+        <p:spPr bwMode="auto">
+          <a:xfrm>
+            <a:off x="9845799" y="6062662"/>
+            <a:ext cx="2117405" cy="452437"/>
+          </a:xfrm>
+          <a:prstGeom prst="rect">
+            <a:avLst/>
+          </a:prstGeom>
+          <a:noFill/>
+          <a:ln>
+            <a:noFill/>
+          </a:ln>
+          <a:extLst>
+            <a:ext uri="{909E8E84-426E-40DD-AFC4-6F175D3DCCD1}">
+              <a14:hiddenFill xmlns:a14="http://schemas.microsoft.com/office/drawing/2010/main">
+                <a:solidFill>
+                  <a:srgbClr val="FFFFFF"/>
+                </a:solidFill>
+              </a14:hiddenFill>
+            </a:ext>
+            <a:ext uri="{91240B29-F687-4F45-9708-019B960494DF}">
+              <a14:hiddenLine xmlns:a14="http://schemas.microsoft.com/office/drawing/2010/main" w="9525">
+                <a:solidFill>
+                  <a:srgbClr val="000000"/>
+                </a:solidFill>
+                <a:miter lim="800000"/>
+                <a:headEnd/>
+                <a:tailEnd/>
+              </a14:hiddenLine>
+            </a:ext>
+          </a:extLst>
+        </p:spPr>
+      </p:pic>
     </p:spTree>
     <p:extLst>
       <p:ext uri="{BB962C8B-B14F-4D97-AF65-F5344CB8AC3E}">
@@ -3797,12 +4704,20 @@
         </p:nvSpPr>
         <p:spPr/>
         <p:txBody>
-          <a:bodyPr/>
+          <a:bodyPr>
+            <a:normAutofit/>
+          </a:bodyPr>
           <a:lstStyle/>
           <a:p>
             <a:pPr algn="ctr"/>
             <a:r>
-              <a:rPr lang="es-ES" dirty="0"/>
+              <a:rPr lang="es-ES" b="1" dirty="0">
+                <a:solidFill>
+                  <a:schemeClr val="accent1">
+                    <a:lumMod val="50000"/>
+                  </a:schemeClr>
+                </a:solidFill>
+              </a:rPr>
               <a:t>Introducción</a:t>
             </a:r>
           </a:p>
@@ -3902,6 +4817,134 @@
           <a:prstGeom prst="rect">
             <a:avLst/>
           </a:prstGeom>
+        </p:spPr>
+      </p:pic>
+      <p:pic>
+        <p:nvPicPr>
+          <p:cNvPr id="8" name="Picture 2" descr="Resultado de imagen de etsidi logo"/>
+          <p:cNvPicPr>
+            <a:picLocks noChangeAspect="1" noChangeArrowheads="1"/>
+          </p:cNvPicPr>
+          <p:nvPr/>
+        </p:nvPicPr>
+        <p:blipFill>
+          <a:blip r:embed="rId4" cstate="print">
+            <a:extLst>
+              <a:ext uri="{28A0092B-C50C-407E-A947-70E740481C1C}">
+                <a14:useLocalDpi xmlns:a14="http://schemas.microsoft.com/office/drawing/2010/main" val="0"/>
+              </a:ext>
+            </a:extLst>
+          </a:blip>
+          <a:srcRect/>
+          <a:stretch>
+            <a:fillRect/>
+          </a:stretch>
+        </p:blipFill>
+        <p:spPr bwMode="auto">
+          <a:xfrm>
+            <a:off x="10269415" y="286460"/>
+            <a:ext cx="1693789" cy="895227"/>
+          </a:xfrm>
+          <a:prstGeom prst="rect">
+            <a:avLst/>
+          </a:prstGeom>
+          <a:noFill/>
+          <a:extLst>
+            <a:ext uri="{909E8E84-426E-40DD-AFC4-6F175D3DCCD1}">
+              <a14:hiddenFill xmlns:a14="http://schemas.microsoft.com/office/drawing/2010/main">
+                <a:solidFill>
+                  <a:srgbClr val="FFFFFF"/>
+                </a:solidFill>
+              </a14:hiddenFill>
+            </a:ext>
+          </a:extLst>
+        </p:spPr>
+      </p:pic>
+      <p:pic>
+        <p:nvPicPr>
+          <p:cNvPr id="9" name="Picture 2" descr="Macintosh HD en Idril:Users:barrientos:DATOS:Modelos:Logos:UPM:EscUpmPolit.jpg"/>
+          <p:cNvPicPr/>
+          <p:nvPr/>
+        </p:nvPicPr>
+        <p:blipFill>
+          <a:blip r:embed="rId5">
+            <a:extLst>
+              <a:ext uri="{28A0092B-C50C-407E-A947-70E740481C1C}">
+                <a14:useLocalDpi xmlns:a14="http://schemas.microsoft.com/office/drawing/2010/main" val="0"/>
+              </a:ext>
+            </a:extLst>
+          </a:blip>
+          <a:srcRect/>
+          <a:stretch>
+            <a:fillRect/>
+          </a:stretch>
+        </p:blipFill>
+        <p:spPr bwMode="auto">
+          <a:xfrm>
+            <a:off x="143705" y="131712"/>
+            <a:ext cx="1417125" cy="1181686"/>
+          </a:xfrm>
+          <a:prstGeom prst="rect">
+            <a:avLst/>
+          </a:prstGeom>
+          <a:noFill/>
+          <a:ln>
+            <a:noFill/>
+          </a:ln>
+        </p:spPr>
+      </p:pic>
+      <p:pic>
+        <p:nvPicPr>
+          <p:cNvPr id="11" name="Image 6" descr="image011"/>
+          <p:cNvPicPr>
+            <a:picLocks noChangeAspect="1" noChangeArrowheads="1"/>
+          </p:cNvPicPr>
+          <p:nvPr/>
+        </p:nvPicPr>
+        <p:blipFill>
+          <a:blip r:embed="rId6">
+            <a:extLst>
+              <a:ext uri="{28A0092B-C50C-407E-A947-70E740481C1C}">
+                <a14:useLocalDpi xmlns:a14="http://schemas.microsoft.com/office/drawing/2010/main" val="0"/>
+              </a:ext>
+            </a:extLst>
+          </a:blip>
+          <a:srcRect/>
+          <a:stretch>
+            <a:fillRect/>
+          </a:stretch>
+        </p:blipFill>
+        <p:spPr bwMode="auto">
+          <a:xfrm>
+            <a:off x="9845799" y="6062662"/>
+            <a:ext cx="2117405" cy="452437"/>
+          </a:xfrm>
+          <a:prstGeom prst="rect">
+            <a:avLst/>
+          </a:prstGeom>
+          <a:noFill/>
+          <a:ln>
+            <a:noFill/>
+          </a:ln>
+          <a:extLst>
+            <a:ext uri="{909E8E84-426E-40DD-AFC4-6F175D3DCCD1}">
+              <a14:hiddenFill xmlns:a14="http://schemas.microsoft.com/office/drawing/2010/main">
+                <a:solidFill>
+                  <a:srgbClr val="FFFFFF"/>
+                </a:solidFill>
+              </a14:hiddenFill>
+            </a:ext>
+            <a:ext uri="{91240B29-F687-4F45-9708-019B960494DF}">
+              <a14:hiddenLine xmlns:a14="http://schemas.microsoft.com/office/drawing/2010/main" w="9525">
+                <a:solidFill>
+                  <a:srgbClr val="000000"/>
+                </a:solidFill>
+                <a:miter lim="800000"/>
+                <a:headEnd/>
+                <a:tailEnd/>
+              </a14:hiddenLine>
+            </a:ext>
+          </a:extLst>
         </p:spPr>
       </p:pic>
     </p:spTree>
@@ -3953,12 +4996,20 @@
         </p:nvSpPr>
         <p:spPr/>
         <p:txBody>
-          <a:bodyPr/>
+          <a:bodyPr>
+            <a:normAutofit/>
+          </a:bodyPr>
           <a:lstStyle/>
           <a:p>
             <a:pPr algn="ctr"/>
             <a:r>
-              <a:rPr lang="es-ES" dirty="0"/>
+              <a:rPr lang="es-ES" b="1" dirty="0">
+                <a:solidFill>
+                  <a:schemeClr val="accent1">
+                    <a:lumMod val="50000"/>
+                  </a:schemeClr>
+                </a:solidFill>
+              </a:rPr>
               <a:t>objetivos</a:t>
             </a:r>
           </a:p>
@@ -4008,6 +5059,134 @@
           </a:p>
         </p:txBody>
       </p:sp>
+      <p:pic>
+        <p:nvPicPr>
+          <p:cNvPr id="5" name="Picture 2" descr="Resultado de imagen de etsidi logo"/>
+          <p:cNvPicPr>
+            <a:picLocks noChangeAspect="1" noChangeArrowheads="1"/>
+          </p:cNvPicPr>
+          <p:nvPr/>
+        </p:nvPicPr>
+        <p:blipFill>
+          <a:blip r:embed="rId2" cstate="print">
+            <a:extLst>
+              <a:ext uri="{28A0092B-C50C-407E-A947-70E740481C1C}">
+                <a14:useLocalDpi xmlns:a14="http://schemas.microsoft.com/office/drawing/2010/main" val="0"/>
+              </a:ext>
+            </a:extLst>
+          </a:blip>
+          <a:srcRect/>
+          <a:stretch>
+            <a:fillRect/>
+          </a:stretch>
+        </p:blipFill>
+        <p:spPr bwMode="auto">
+          <a:xfrm>
+            <a:off x="10269415" y="286460"/>
+            <a:ext cx="1693789" cy="895227"/>
+          </a:xfrm>
+          <a:prstGeom prst="rect">
+            <a:avLst/>
+          </a:prstGeom>
+          <a:noFill/>
+          <a:extLst>
+            <a:ext uri="{909E8E84-426E-40DD-AFC4-6F175D3DCCD1}">
+              <a14:hiddenFill xmlns:a14="http://schemas.microsoft.com/office/drawing/2010/main">
+                <a:solidFill>
+                  <a:srgbClr val="FFFFFF"/>
+                </a:solidFill>
+              </a14:hiddenFill>
+            </a:ext>
+          </a:extLst>
+        </p:spPr>
+      </p:pic>
+      <p:pic>
+        <p:nvPicPr>
+          <p:cNvPr id="6" name="Picture 2" descr="Macintosh HD en Idril:Users:barrientos:DATOS:Modelos:Logos:UPM:EscUpmPolit.jpg"/>
+          <p:cNvPicPr/>
+          <p:nvPr/>
+        </p:nvPicPr>
+        <p:blipFill>
+          <a:blip r:embed="rId3">
+            <a:extLst>
+              <a:ext uri="{28A0092B-C50C-407E-A947-70E740481C1C}">
+                <a14:useLocalDpi xmlns:a14="http://schemas.microsoft.com/office/drawing/2010/main" val="0"/>
+              </a:ext>
+            </a:extLst>
+          </a:blip>
+          <a:srcRect/>
+          <a:stretch>
+            <a:fillRect/>
+          </a:stretch>
+        </p:blipFill>
+        <p:spPr bwMode="auto">
+          <a:xfrm>
+            <a:off x="143705" y="131712"/>
+            <a:ext cx="1417125" cy="1181686"/>
+          </a:xfrm>
+          <a:prstGeom prst="rect">
+            <a:avLst/>
+          </a:prstGeom>
+          <a:noFill/>
+          <a:ln>
+            <a:noFill/>
+          </a:ln>
+        </p:spPr>
+      </p:pic>
+      <p:pic>
+        <p:nvPicPr>
+          <p:cNvPr id="8" name="Image 6" descr="image011"/>
+          <p:cNvPicPr>
+            <a:picLocks noChangeAspect="1" noChangeArrowheads="1"/>
+          </p:cNvPicPr>
+          <p:nvPr/>
+        </p:nvPicPr>
+        <p:blipFill>
+          <a:blip r:embed="rId4">
+            <a:extLst>
+              <a:ext uri="{28A0092B-C50C-407E-A947-70E740481C1C}">
+                <a14:useLocalDpi xmlns:a14="http://schemas.microsoft.com/office/drawing/2010/main" val="0"/>
+              </a:ext>
+            </a:extLst>
+          </a:blip>
+          <a:srcRect/>
+          <a:stretch>
+            <a:fillRect/>
+          </a:stretch>
+        </p:blipFill>
+        <p:spPr bwMode="auto">
+          <a:xfrm>
+            <a:off x="9845799" y="6062662"/>
+            <a:ext cx="2117405" cy="452437"/>
+          </a:xfrm>
+          <a:prstGeom prst="rect">
+            <a:avLst/>
+          </a:prstGeom>
+          <a:noFill/>
+          <a:ln>
+            <a:noFill/>
+          </a:ln>
+          <a:extLst>
+            <a:ext uri="{909E8E84-426E-40DD-AFC4-6F175D3DCCD1}">
+              <a14:hiddenFill xmlns:a14="http://schemas.microsoft.com/office/drawing/2010/main">
+                <a:solidFill>
+                  <a:srgbClr val="FFFFFF"/>
+                </a:solidFill>
+              </a14:hiddenFill>
+            </a:ext>
+            <a:ext uri="{91240B29-F687-4F45-9708-019B960494DF}">
+              <a14:hiddenLine xmlns:a14="http://schemas.microsoft.com/office/drawing/2010/main" w="9525">
+                <a:solidFill>
+                  <a:srgbClr val="000000"/>
+                </a:solidFill>
+                <a:miter lim="800000"/>
+                <a:headEnd/>
+                <a:tailEnd/>
+              </a14:hiddenLine>
+            </a:ext>
+          </a:extLst>
+        </p:spPr>
+      </p:pic>
     </p:spTree>
     <p:extLst>
       <p:ext uri="{BB962C8B-B14F-4D97-AF65-F5344CB8AC3E}">
@@ -4021,9 +5200,185 @@
   <p:timing>
     <p:tnLst>
       <p:par>
-        <p:cTn id="1" dur="indefinite" restart="never" nodeType="tmRoot"/>
+        <p:cTn id="1" dur="indefinite" restart="never" nodeType="tmRoot">
+          <p:childTnLst>
+            <p:seq concurrent="1" nextAc="seek">
+              <p:cTn id="2" dur="indefinite" nodeType="mainSeq">
+                <p:childTnLst>
+                  <p:par>
+                    <p:cTn id="3" fill="hold">
+                      <p:stCondLst>
+                        <p:cond delay="indefinite"/>
+                        <p:cond evt="onBegin" delay="0">
+                          <p:tn val="2"/>
+                        </p:cond>
+                      </p:stCondLst>
+                      <p:childTnLst>
+                        <p:par>
+                          <p:cTn id="4" fill="hold">
+                            <p:stCondLst>
+                              <p:cond delay="0"/>
+                            </p:stCondLst>
+                            <p:childTnLst>
+                              <p:par>
+                                <p:cTn id="5" presetID="1" presetClass="entr" presetSubtype="0" fill="hold" grpId="0" nodeType="afterEffect">
+                                  <p:stCondLst>
+                                    <p:cond delay="0"/>
+                                  </p:stCondLst>
+                                  <p:childTnLst>
+                                    <p:set>
+                                      <p:cBhvr>
+                                        <p:cTn id="6" dur="1" fill="hold">
+                                          <p:stCondLst>
+                                            <p:cond delay="0"/>
+                                          </p:stCondLst>
+                                        </p:cTn>
+                                        <p:tgtEl>
+                                          <p:spTgt spid="3">
+                                            <p:txEl>
+                                              <p:pRg st="0" end="0"/>
+                                            </p:txEl>
+                                          </p:spTgt>
+                                        </p:tgtEl>
+                                        <p:attrNameLst>
+                                          <p:attrName>style.visibility</p:attrName>
+                                        </p:attrNameLst>
+                                      </p:cBhvr>
+                                      <p:to>
+                                        <p:strVal val="visible"/>
+                                      </p:to>
+                                    </p:set>
+                                  </p:childTnLst>
+                                </p:cTn>
+                              </p:par>
+                            </p:childTnLst>
+                          </p:cTn>
+                        </p:par>
+                      </p:childTnLst>
+                    </p:cTn>
+                  </p:par>
+                  <p:par>
+                    <p:cTn id="7" fill="hold">
+                      <p:stCondLst>
+                        <p:cond delay="indefinite"/>
+                      </p:stCondLst>
+                      <p:childTnLst>
+                        <p:par>
+                          <p:cTn id="8" fill="hold">
+                            <p:stCondLst>
+                              <p:cond delay="0"/>
+                            </p:stCondLst>
+                            <p:childTnLst>
+                              <p:par>
+                                <p:cTn id="9" presetID="1" presetClass="entr" presetSubtype="0" fill="hold" grpId="0" nodeType="clickEffect">
+                                  <p:stCondLst>
+                                    <p:cond delay="0"/>
+                                  </p:stCondLst>
+                                  <p:childTnLst>
+                                    <p:set>
+                                      <p:cBhvr>
+                                        <p:cTn id="10" dur="1" fill="hold">
+                                          <p:stCondLst>
+                                            <p:cond delay="0"/>
+                                          </p:stCondLst>
+                                        </p:cTn>
+                                        <p:tgtEl>
+                                          <p:spTgt spid="3">
+                                            <p:txEl>
+                                              <p:pRg st="1" end="1"/>
+                                            </p:txEl>
+                                          </p:spTgt>
+                                        </p:tgtEl>
+                                        <p:attrNameLst>
+                                          <p:attrName>style.visibility</p:attrName>
+                                        </p:attrNameLst>
+                                      </p:cBhvr>
+                                      <p:to>
+                                        <p:strVal val="visible"/>
+                                      </p:to>
+                                    </p:set>
+                                  </p:childTnLst>
+                                </p:cTn>
+                              </p:par>
+                            </p:childTnLst>
+                          </p:cTn>
+                        </p:par>
+                      </p:childTnLst>
+                    </p:cTn>
+                  </p:par>
+                  <p:par>
+                    <p:cTn id="11" fill="hold">
+                      <p:stCondLst>
+                        <p:cond delay="indefinite"/>
+                      </p:stCondLst>
+                      <p:childTnLst>
+                        <p:par>
+                          <p:cTn id="12" fill="hold">
+                            <p:stCondLst>
+                              <p:cond delay="0"/>
+                            </p:stCondLst>
+                            <p:childTnLst>
+                              <p:par>
+                                <p:cTn id="13" presetID="1" presetClass="entr" presetSubtype="0" fill="hold" grpId="0" nodeType="clickEffect">
+                                  <p:stCondLst>
+                                    <p:cond delay="0"/>
+                                  </p:stCondLst>
+                                  <p:childTnLst>
+                                    <p:set>
+                                      <p:cBhvr>
+                                        <p:cTn id="14" dur="1" fill="hold">
+                                          <p:stCondLst>
+                                            <p:cond delay="0"/>
+                                          </p:stCondLst>
+                                        </p:cTn>
+                                        <p:tgtEl>
+                                          <p:spTgt spid="3">
+                                            <p:txEl>
+                                              <p:pRg st="2" end="2"/>
+                                            </p:txEl>
+                                          </p:spTgt>
+                                        </p:tgtEl>
+                                        <p:attrNameLst>
+                                          <p:attrName>style.visibility</p:attrName>
+                                        </p:attrNameLst>
+                                      </p:cBhvr>
+                                      <p:to>
+                                        <p:strVal val="visible"/>
+                                      </p:to>
+                                    </p:set>
+                                  </p:childTnLst>
+                                </p:cTn>
+                              </p:par>
+                            </p:childTnLst>
+                          </p:cTn>
+                        </p:par>
+                      </p:childTnLst>
+                    </p:cTn>
+                  </p:par>
+                </p:childTnLst>
+              </p:cTn>
+              <p:prevCondLst>
+                <p:cond evt="onPrev" delay="0">
+                  <p:tgtEl>
+                    <p:sldTgt/>
+                  </p:tgtEl>
+                </p:cond>
+              </p:prevCondLst>
+              <p:nextCondLst>
+                <p:cond evt="onNext" delay="0">
+                  <p:tgtEl>
+                    <p:sldTgt/>
+                  </p:tgtEl>
+                </p:cond>
+              </p:nextCondLst>
+            </p:seq>
+          </p:childTnLst>
+        </p:cTn>
       </p:par>
     </p:tnLst>
+    <p:bldLst>
+      <p:bldP spid="3" grpId="0" uiExpand="1" build="p"/>
+    </p:bldLst>
   </p:timing>
 </p:sld>
 </file>
@@ -4031,6 +5386,11 @@
 <file path=ppt/slides/slide5.xml><?xml version="1.0" encoding="utf-8"?>
 <p:sld xmlns:a="http://schemas.openxmlformats.org/drawingml/2006/main" xmlns:r="http://schemas.openxmlformats.org/officeDocument/2006/relationships" xmlns:p="http://schemas.openxmlformats.org/presentationml/2006/main">
   <p:cSld>
+    <p:bg>
+      <p:bgRef idx="1001">
+        <a:schemeClr val="bg1"/>
+      </p:bgRef>
+    </p:bg>
     <p:spTree>
       <p:nvGrpSpPr>
         <p:cNvPr id="1" name=""/>
@@ -4050,7 +5410,7 @@
           <p:cNvPr id="2" name="Título 1">
             <a:extLst>
               <a:ext uri="{FF2B5EF4-FFF2-40B4-BE49-F238E27FC236}">
-                <a16:creationId xmlns="" xmlns:a16="http://schemas.microsoft.com/office/drawing/2014/main" id="{E122A83D-3967-4BBC-B0B7-E31CB4FB61D5}"/>
+                <a16:creationId xmlns:a16="http://schemas.microsoft.com/office/drawing/2014/main" xmlns="" id="{E122A83D-3967-4BBC-B0B7-E31CB4FB61D5}"/>
               </a:ext>
             </a:extLst>
           </p:cNvPr>
@@ -4063,12 +5423,20 @@
         </p:nvSpPr>
         <p:spPr/>
         <p:txBody>
-          <a:bodyPr/>
+          <a:bodyPr>
+            <a:normAutofit/>
+          </a:bodyPr>
           <a:lstStyle/>
           <a:p>
             <a:pPr algn="ctr"/>
             <a:r>
-              <a:rPr lang="es-ES" dirty="0"/>
+              <a:rPr lang="es-ES" b="1" dirty="0">
+                <a:solidFill>
+                  <a:schemeClr val="accent1">
+                    <a:lumMod val="50000"/>
+                  </a:schemeClr>
+                </a:solidFill>
+              </a:rPr>
               <a:t>Panorama actual</a:t>
             </a:r>
           </a:p>
@@ -4079,7 +5447,7 @@
           <p:cNvPr id="3" name="Marcador de contenido 2">
             <a:extLst>
               <a:ext uri="{FF2B5EF4-FFF2-40B4-BE49-F238E27FC236}">
-                <a16:creationId xmlns="" xmlns:a16="http://schemas.microsoft.com/office/drawing/2014/main" id="{A79EC906-CFDB-4506-8B2F-E22EC5418D18}"/>
+                <a16:creationId xmlns:a16="http://schemas.microsoft.com/office/drawing/2014/main" xmlns="" id="{A79EC906-CFDB-4506-8B2F-E22EC5418D18}"/>
               </a:ext>
             </a:extLst>
           </p:cNvPr>
@@ -4121,6 +5489,134 @@
           </a:p>
         </p:txBody>
       </p:sp>
+      <p:pic>
+        <p:nvPicPr>
+          <p:cNvPr id="5" name="Picture 2" descr="Resultado de imagen de etsidi logo"/>
+          <p:cNvPicPr>
+            <a:picLocks noChangeAspect="1" noChangeArrowheads="1"/>
+          </p:cNvPicPr>
+          <p:nvPr/>
+        </p:nvPicPr>
+        <p:blipFill>
+          <a:blip r:embed="rId3" cstate="print">
+            <a:extLst>
+              <a:ext uri="{28A0092B-C50C-407E-A947-70E740481C1C}">
+                <a14:useLocalDpi xmlns:a14="http://schemas.microsoft.com/office/drawing/2010/main" val="0"/>
+              </a:ext>
+            </a:extLst>
+          </a:blip>
+          <a:srcRect/>
+          <a:stretch>
+            <a:fillRect/>
+          </a:stretch>
+        </p:blipFill>
+        <p:spPr bwMode="auto">
+          <a:xfrm>
+            <a:off x="10269415" y="286460"/>
+            <a:ext cx="1693789" cy="895227"/>
+          </a:xfrm>
+          <a:prstGeom prst="rect">
+            <a:avLst/>
+          </a:prstGeom>
+          <a:noFill/>
+          <a:extLst>
+            <a:ext uri="{909E8E84-426E-40DD-AFC4-6F175D3DCCD1}">
+              <a14:hiddenFill xmlns:a14="http://schemas.microsoft.com/office/drawing/2010/main">
+                <a:solidFill>
+                  <a:srgbClr val="FFFFFF"/>
+                </a:solidFill>
+              </a14:hiddenFill>
+            </a:ext>
+          </a:extLst>
+        </p:spPr>
+      </p:pic>
+      <p:pic>
+        <p:nvPicPr>
+          <p:cNvPr id="6" name="Picture 2" descr="Macintosh HD en Idril:Users:barrientos:DATOS:Modelos:Logos:UPM:EscUpmPolit.jpg"/>
+          <p:cNvPicPr/>
+          <p:nvPr/>
+        </p:nvPicPr>
+        <p:blipFill>
+          <a:blip r:embed="rId4">
+            <a:extLst>
+              <a:ext uri="{28A0092B-C50C-407E-A947-70E740481C1C}">
+                <a14:useLocalDpi xmlns:a14="http://schemas.microsoft.com/office/drawing/2010/main" val="0"/>
+              </a:ext>
+            </a:extLst>
+          </a:blip>
+          <a:srcRect/>
+          <a:stretch>
+            <a:fillRect/>
+          </a:stretch>
+        </p:blipFill>
+        <p:spPr bwMode="auto">
+          <a:xfrm>
+            <a:off x="143705" y="131712"/>
+            <a:ext cx="1417125" cy="1181686"/>
+          </a:xfrm>
+          <a:prstGeom prst="rect">
+            <a:avLst/>
+          </a:prstGeom>
+          <a:noFill/>
+          <a:ln>
+            <a:noFill/>
+          </a:ln>
+        </p:spPr>
+      </p:pic>
+      <p:pic>
+        <p:nvPicPr>
+          <p:cNvPr id="8" name="Image 6" descr="image011"/>
+          <p:cNvPicPr>
+            <a:picLocks noChangeAspect="1" noChangeArrowheads="1"/>
+          </p:cNvPicPr>
+          <p:nvPr/>
+        </p:nvPicPr>
+        <p:blipFill>
+          <a:blip r:embed="rId5">
+            <a:extLst>
+              <a:ext uri="{28A0092B-C50C-407E-A947-70E740481C1C}">
+                <a14:useLocalDpi xmlns:a14="http://schemas.microsoft.com/office/drawing/2010/main" val="0"/>
+              </a:ext>
+            </a:extLst>
+          </a:blip>
+          <a:srcRect/>
+          <a:stretch>
+            <a:fillRect/>
+          </a:stretch>
+        </p:blipFill>
+        <p:spPr bwMode="auto">
+          <a:xfrm>
+            <a:off x="9845799" y="6062662"/>
+            <a:ext cx="2117405" cy="452437"/>
+          </a:xfrm>
+          <a:prstGeom prst="rect">
+            <a:avLst/>
+          </a:prstGeom>
+          <a:noFill/>
+          <a:ln>
+            <a:noFill/>
+          </a:ln>
+          <a:extLst>
+            <a:ext uri="{909E8E84-426E-40DD-AFC4-6F175D3DCCD1}">
+              <a14:hiddenFill xmlns:a14="http://schemas.microsoft.com/office/drawing/2010/main">
+                <a:solidFill>
+                  <a:srgbClr val="FFFFFF"/>
+                </a:solidFill>
+              </a14:hiddenFill>
+            </a:ext>
+            <a:ext uri="{91240B29-F687-4F45-9708-019B960494DF}">
+              <a14:hiddenLine xmlns:a14="http://schemas.microsoft.com/office/drawing/2010/main" w="9525">
+                <a:solidFill>
+                  <a:srgbClr val="000000"/>
+                </a:solidFill>
+                <a:miter lim="800000"/>
+                <a:headEnd/>
+                <a:tailEnd/>
+              </a14:hiddenLine>
+            </a:ext>
+          </a:extLst>
+        </p:spPr>
+      </p:pic>
     </p:spTree>
     <p:extLst>
       <p:ext uri="{BB962C8B-B14F-4D97-AF65-F5344CB8AC3E}">
@@ -4129,7 +5625,7 @@
     </p:extLst>
   </p:cSld>
   <p:clrMapOvr>
-    <a:masterClrMapping/>
+    <a:overrideClrMapping bg1="lt1" tx1="dk1" bg2="lt2" tx2="dk2" accent1="accent1" accent2="accent2" accent3="accent3" accent4="accent4" accent5="accent5" accent6="accent6" hlink="hlink" folHlink="folHlink"/>
   </p:clrMapOvr>
   <p:timing>
     <p:tnLst>
@@ -4163,7 +5659,7 @@
           <p:cNvPr id="2" name="Título 1">
             <a:extLst>
               <a:ext uri="{FF2B5EF4-FFF2-40B4-BE49-F238E27FC236}">
-                <a16:creationId xmlns="" xmlns:a16="http://schemas.microsoft.com/office/drawing/2014/main" id="{960643AA-8DEE-49EF-848B-2A646FDDAF27}"/>
+                <a16:creationId xmlns:a16="http://schemas.microsoft.com/office/drawing/2014/main" xmlns="" id="{960643AA-8DEE-49EF-848B-2A646FDDAF27}"/>
               </a:ext>
             </a:extLst>
           </p:cNvPr>
@@ -4181,7 +5677,13 @@
           <a:p>
             <a:pPr algn="ctr"/>
             <a:r>
-              <a:rPr lang="es-ES" dirty="0"/>
+              <a:rPr lang="es-ES" b="1" dirty="0">
+                <a:solidFill>
+                  <a:schemeClr val="accent1">
+                    <a:lumMod val="50000"/>
+                  </a:schemeClr>
+                </a:solidFill>
+              </a:rPr>
               <a:t>Modelo de la Planta</a:t>
             </a:r>
           </a:p>
@@ -4192,7 +5694,7 @@
           <p:cNvPr id="3" name="Marcador de contenido 2">
             <a:extLst>
               <a:ext uri="{FF2B5EF4-FFF2-40B4-BE49-F238E27FC236}">
-                <a16:creationId xmlns="" xmlns:a16="http://schemas.microsoft.com/office/drawing/2014/main" id="{80A64E0C-CB3C-4B33-9667-CAFFFFAD0B40}"/>
+                <a16:creationId xmlns:a16="http://schemas.microsoft.com/office/drawing/2014/main" xmlns="" id="{80A64E0C-CB3C-4B33-9667-CAFFFFAD0B40}"/>
               </a:ext>
             </a:extLst>
           </p:cNvPr>
@@ -4776,6 +6278,134 @@
           </a:p>
         </p:txBody>
       </p:sp>
+      <p:pic>
+        <p:nvPicPr>
+          <p:cNvPr id="22" name="Picture 2" descr="Macintosh HD en Idril:Users:barrientos:DATOS:Modelos:Logos:UPM:EscUpmPolit.jpg"/>
+          <p:cNvPicPr/>
+          <p:nvPr/>
+        </p:nvPicPr>
+        <p:blipFill>
+          <a:blip r:embed="rId3">
+            <a:extLst>
+              <a:ext uri="{28A0092B-C50C-407E-A947-70E740481C1C}">
+                <a14:useLocalDpi xmlns:a14="http://schemas.microsoft.com/office/drawing/2010/main" val="0"/>
+              </a:ext>
+            </a:extLst>
+          </a:blip>
+          <a:srcRect/>
+          <a:stretch>
+            <a:fillRect/>
+          </a:stretch>
+        </p:blipFill>
+        <p:spPr bwMode="auto">
+          <a:xfrm>
+            <a:off x="143705" y="131712"/>
+            <a:ext cx="1417125" cy="1181686"/>
+          </a:xfrm>
+          <a:prstGeom prst="rect">
+            <a:avLst/>
+          </a:prstGeom>
+          <a:noFill/>
+          <a:ln>
+            <a:noFill/>
+          </a:ln>
+        </p:spPr>
+      </p:pic>
+      <p:pic>
+        <p:nvPicPr>
+          <p:cNvPr id="24" name="Picture 2" descr="Resultado de imagen de etsidi logo"/>
+          <p:cNvPicPr>
+            <a:picLocks noChangeAspect="1" noChangeArrowheads="1"/>
+          </p:cNvPicPr>
+          <p:nvPr/>
+        </p:nvPicPr>
+        <p:blipFill>
+          <a:blip r:embed="rId4" cstate="print">
+            <a:extLst>
+              <a:ext uri="{28A0092B-C50C-407E-A947-70E740481C1C}">
+                <a14:useLocalDpi xmlns:a14="http://schemas.microsoft.com/office/drawing/2010/main" val="0"/>
+              </a:ext>
+            </a:extLst>
+          </a:blip>
+          <a:srcRect/>
+          <a:stretch>
+            <a:fillRect/>
+          </a:stretch>
+        </p:blipFill>
+        <p:spPr bwMode="auto">
+          <a:xfrm>
+            <a:off x="10269415" y="286460"/>
+            <a:ext cx="1693789" cy="895227"/>
+          </a:xfrm>
+          <a:prstGeom prst="rect">
+            <a:avLst/>
+          </a:prstGeom>
+          <a:noFill/>
+          <a:extLst>
+            <a:ext uri="{909E8E84-426E-40DD-AFC4-6F175D3DCCD1}">
+              <a14:hiddenFill xmlns:a14="http://schemas.microsoft.com/office/drawing/2010/main">
+                <a:solidFill>
+                  <a:srgbClr val="FFFFFF"/>
+                </a:solidFill>
+              </a14:hiddenFill>
+            </a:ext>
+          </a:extLst>
+        </p:spPr>
+      </p:pic>
+      <p:pic>
+        <p:nvPicPr>
+          <p:cNvPr id="25" name="Image 6" descr="image011"/>
+          <p:cNvPicPr>
+            <a:picLocks noChangeAspect="1" noChangeArrowheads="1"/>
+          </p:cNvPicPr>
+          <p:nvPr/>
+        </p:nvPicPr>
+        <p:blipFill>
+          <a:blip r:embed="rId5">
+            <a:extLst>
+              <a:ext uri="{28A0092B-C50C-407E-A947-70E740481C1C}">
+                <a14:useLocalDpi xmlns:a14="http://schemas.microsoft.com/office/drawing/2010/main" val="0"/>
+              </a:ext>
+            </a:extLst>
+          </a:blip>
+          <a:srcRect/>
+          <a:stretch>
+            <a:fillRect/>
+          </a:stretch>
+        </p:blipFill>
+        <p:spPr bwMode="auto">
+          <a:xfrm>
+            <a:off x="184612" y="6115771"/>
+            <a:ext cx="2117405" cy="452437"/>
+          </a:xfrm>
+          <a:prstGeom prst="rect">
+            <a:avLst/>
+          </a:prstGeom>
+          <a:noFill/>
+          <a:ln>
+            <a:noFill/>
+          </a:ln>
+          <a:extLst>
+            <a:ext uri="{909E8E84-426E-40DD-AFC4-6F175D3DCCD1}">
+              <a14:hiddenFill xmlns:a14="http://schemas.microsoft.com/office/drawing/2010/main">
+                <a:solidFill>
+                  <a:srgbClr val="FFFFFF"/>
+                </a:solidFill>
+              </a14:hiddenFill>
+            </a:ext>
+            <a:ext uri="{91240B29-F687-4F45-9708-019B960494DF}">
+              <a14:hiddenLine xmlns:a14="http://schemas.microsoft.com/office/drawing/2010/main" w="9525">
+                <a:solidFill>
+                  <a:srgbClr val="000000"/>
+                </a:solidFill>
+                <a:miter lim="800000"/>
+                <a:headEnd/>
+                <a:tailEnd/>
+              </a14:hiddenLine>
+            </a:ext>
+          </a:extLst>
+        </p:spPr>
+      </p:pic>
     </p:spTree>
     <p:extLst>
       <p:ext uri="{BB962C8B-B14F-4D97-AF65-F5344CB8AC3E}">
@@ -4834,7 +6464,7 @@
                                 </p:cTn>
                               </p:par>
                               <p:par>
-                                <p:cTn id="7" presetID="1" presetClass="entr" presetSubtype="0" fill="hold" grpId="0" nodeType="withEffect">
+                                <p:cTn id="7" presetID="1" presetClass="entr" presetSubtype="0" fill="hold" nodeType="withEffect">
                                   <p:stCondLst>
                                     <p:cond delay="0"/>
                                   </p:stCondLst>
@@ -4847,7 +6477,7 @@
                                           </p:stCondLst>
                                         </p:cTn>
                                         <p:tgtEl>
-                                          <p:spTgt spid="6"/>
+                                          <p:spTgt spid="8"/>
                                         </p:tgtEl>
                                         <p:attrNameLst>
                                           <p:attrName>style.visibility</p:attrName>
@@ -4874,7 +6504,7 @@
                                           </p:stCondLst>
                                         </p:cTn>
                                         <p:tgtEl>
-                                          <p:spTgt spid="8"/>
+                                          <p:spTgt spid="9"/>
                                         </p:tgtEl>
                                         <p:attrNameLst>
                                           <p:attrName>style.visibility</p:attrName>
@@ -4888,7 +6518,7 @@
                                 </p:cTn>
                               </p:par>
                               <p:par>
-                                <p:cTn id="11" presetID="1" presetClass="entr" presetSubtype="0" fill="hold" nodeType="withEffect">
+                                <p:cTn id="11" presetID="1" presetClass="entr" presetSubtype="0" fill="hold" grpId="0" nodeType="withEffect">
                                   <p:stCondLst>
                                     <p:cond delay="0"/>
                                   </p:stCondLst>
@@ -4901,7 +6531,7 @@
                                           </p:stCondLst>
                                         </p:cTn>
                                         <p:tgtEl>
-                                          <p:spTgt spid="9"/>
+                                          <p:spTgt spid="12"/>
                                         </p:tgtEl>
                                         <p:attrNameLst>
                                           <p:attrName>style.visibility</p:attrName>
@@ -4928,7 +6558,7 @@
                                           </p:stCondLst>
                                         </p:cTn>
                                         <p:tgtEl>
-                                          <p:spTgt spid="12"/>
+                                          <p:spTgt spid="6"/>
                                         </p:tgtEl>
                                         <p:attrNameLst>
                                           <p:attrName>style.visibility</p:attrName>
@@ -4941,15 +6571,33 @@
                                   </p:childTnLst>
                                 </p:cTn>
                               </p:par>
+                            </p:childTnLst>
+                          </p:cTn>
+                        </p:par>
+                      </p:childTnLst>
+                    </p:cTn>
+                  </p:par>
+                  <p:par>
+                    <p:cTn id="15" fill="hold">
+                      <p:stCondLst>
+                        <p:cond delay="indefinite"/>
+                      </p:stCondLst>
+                      <p:childTnLst>
+                        <p:par>
+                          <p:cTn id="16" fill="hold">
+                            <p:stCondLst>
+                              <p:cond delay="0"/>
+                            </p:stCondLst>
+                            <p:childTnLst>
                               <p:par>
-                                <p:cTn id="15" presetID="1" presetClass="entr" presetSubtype="0" fill="hold" grpId="0" nodeType="withEffect">
+                                <p:cTn id="17" presetID="1" presetClass="entr" presetSubtype="0" fill="hold" grpId="0" nodeType="clickEffect">
                                   <p:stCondLst>
                                     <p:cond delay="0"/>
                                   </p:stCondLst>
                                   <p:childTnLst>
                                     <p:set>
                                       <p:cBhvr>
-                                        <p:cTn id="16" dur="1" fill="hold">
+                                        <p:cTn id="18" dur="1" fill="hold">
                                           <p:stCondLst>
                                             <p:cond delay="0"/>
                                           </p:stCondLst>
@@ -4969,34 +6617,7 @@
                                 </p:cTn>
                               </p:par>
                               <p:par>
-                                <p:cTn id="17" presetID="1" presetClass="entr" presetSubtype="0" fill="hold" grpId="0" nodeType="withEffect">
-                                  <p:stCondLst>
-                                    <p:cond delay="0"/>
-                                  </p:stCondLst>
-                                  <p:childTnLst>
-                                    <p:set>
-                                      <p:cBhvr>
-                                        <p:cTn id="18" dur="1" fill="hold">
-                                          <p:stCondLst>
-                                            <p:cond delay="0"/>
-                                          </p:stCondLst>
-                                        </p:cTn>
-                                        <p:tgtEl>
-                                          <p:spTgt spid="15"/>
-                                        </p:tgtEl>
-                                        <p:attrNameLst>
-                                          <p:attrName>style.visibility</p:attrName>
-                                        </p:attrNameLst>
-                                      </p:cBhvr>
-                                      <p:to>
-                                        <p:strVal val="visible"/>
-                                      </p:to>
-                                    </p:set>
-                                  </p:childTnLst>
-                                </p:cTn>
-                              </p:par>
-                              <p:par>
-                                <p:cTn id="19" presetID="1" presetClass="entr" presetSubtype="0" fill="hold" nodeType="withEffect">
+                                <p:cTn id="19" presetID="1" presetClass="entr" presetSubtype="0" fill="hold" grpId="0" nodeType="withEffect">
                                   <p:stCondLst>
                                     <p:cond delay="0"/>
                                   </p:stCondLst>
@@ -5009,7 +6630,7 @@
                                           </p:stCondLst>
                                         </p:cTn>
                                         <p:tgtEl>
-                                          <p:spTgt spid="16"/>
+                                          <p:spTgt spid="15"/>
                                         </p:tgtEl>
                                         <p:attrNameLst>
                                           <p:attrName>style.visibility</p:attrName>
@@ -5036,7 +6657,7 @@
                                           </p:stCondLst>
                                         </p:cTn>
                                         <p:tgtEl>
-                                          <p:spTgt spid="17"/>
+                                          <p:spTgt spid="16"/>
                                         </p:tgtEl>
                                         <p:attrNameLst>
                                           <p:attrName>style.visibility</p:attrName>
@@ -5050,7 +6671,7 @@
                                 </p:cTn>
                               </p:par>
                               <p:par>
-                                <p:cTn id="23" presetID="1" presetClass="entr" presetSubtype="0" fill="hold" grpId="0" nodeType="withEffect">
+                                <p:cTn id="23" presetID="1" presetClass="entr" presetSubtype="0" fill="hold" nodeType="withEffect">
                                   <p:stCondLst>
                                     <p:cond delay="0"/>
                                   </p:stCondLst>
@@ -5063,7 +6684,7 @@
                                           </p:stCondLst>
                                         </p:cTn>
                                         <p:tgtEl>
-                                          <p:spTgt spid="21"/>
+                                          <p:spTgt spid="17"/>
                                         </p:tgtEl>
                                         <p:attrNameLst>
                                           <p:attrName>style.visibility</p:attrName>
@@ -5090,7 +6711,7 @@
                                           </p:stCondLst>
                                         </p:cTn>
                                         <p:tgtEl>
-                                          <p:spTgt spid="7"/>
+                                          <p:spTgt spid="21"/>
                                         </p:tgtEl>
                                         <p:attrNameLst>
                                           <p:attrName>style.visibility</p:attrName>
@@ -5103,35 +6724,26 @@
                                   </p:childTnLst>
                                 </p:cTn>
                               </p:par>
+                            </p:childTnLst>
+                          </p:cTn>
+                        </p:par>
+                      </p:childTnLst>
+                    </p:cTn>
+                  </p:par>
+                  <p:par>
+                    <p:cTn id="27" fill="hold">
+                      <p:stCondLst>
+                        <p:cond delay="indefinite"/>
+                      </p:stCondLst>
+                      <p:childTnLst>
+                        <p:par>
+                          <p:cTn id="28" fill="hold">
+                            <p:stCondLst>
+                              <p:cond delay="0"/>
+                            </p:stCondLst>
+                            <p:childTnLst>
                               <p:par>
-                                <p:cTn id="27" presetID="1" presetClass="entr" presetSubtype="0" fill="hold" grpId="0" nodeType="withEffect">
-                                  <p:stCondLst>
-                                    <p:cond delay="0"/>
-                                  </p:stCondLst>
-                                  <p:childTnLst>
-                                    <p:set>
-                                      <p:cBhvr>
-                                        <p:cTn id="28" dur="1" fill="hold">
-                                          <p:stCondLst>
-                                            <p:cond delay="0"/>
-                                          </p:stCondLst>
-                                        </p:cTn>
-                                        <p:tgtEl>
-                                          <p:spTgt spid="18"/>
-                                        </p:tgtEl>
-                                        <p:attrNameLst>
-                                          <p:attrName>style.visibility</p:attrName>
-                                        </p:attrNameLst>
-                                      </p:cBhvr>
-                                      <p:to>
-                                        <p:strVal val="visible"/>
-                                      </p:to>
-                                    </p:set>
-                                  </p:childTnLst>
-                                </p:cTn>
-                              </p:par>
-                              <p:par>
-                                <p:cTn id="29" presetID="1" presetClass="entr" presetSubtype="0" fill="hold" grpId="0" nodeType="withEffect">
+                                <p:cTn id="29" presetID="1" presetClass="entr" presetSubtype="0" fill="hold" grpId="0" nodeType="clickEffect">
                                   <p:stCondLst>
                                     <p:cond delay="0"/>
                                   </p:stCondLst>
@@ -5144,7 +6756,7 @@
                                           </p:stCondLst>
                                         </p:cTn>
                                         <p:tgtEl>
-                                          <p:spTgt spid="10"/>
+                                          <p:spTgt spid="7"/>
                                         </p:tgtEl>
                                         <p:attrNameLst>
                                           <p:attrName>style.visibility</p:attrName>
@@ -5166,6 +6778,78 @@
                                     <p:set>
                                       <p:cBhvr>
                                         <p:cTn id="32" dur="1" fill="hold">
+                                          <p:stCondLst>
+                                            <p:cond delay="0"/>
+                                          </p:stCondLst>
+                                        </p:cTn>
+                                        <p:tgtEl>
+                                          <p:spTgt spid="18"/>
+                                        </p:tgtEl>
+                                        <p:attrNameLst>
+                                          <p:attrName>style.visibility</p:attrName>
+                                        </p:attrNameLst>
+                                      </p:cBhvr>
+                                      <p:to>
+                                        <p:strVal val="visible"/>
+                                      </p:to>
+                                    </p:set>
+                                  </p:childTnLst>
+                                </p:cTn>
+                              </p:par>
+                            </p:childTnLst>
+                          </p:cTn>
+                        </p:par>
+                      </p:childTnLst>
+                    </p:cTn>
+                  </p:par>
+                  <p:par>
+                    <p:cTn id="33" fill="hold">
+                      <p:stCondLst>
+                        <p:cond delay="indefinite"/>
+                      </p:stCondLst>
+                      <p:childTnLst>
+                        <p:par>
+                          <p:cTn id="34" fill="hold">
+                            <p:stCondLst>
+                              <p:cond delay="0"/>
+                            </p:stCondLst>
+                            <p:childTnLst>
+                              <p:par>
+                                <p:cTn id="35" presetID="1" presetClass="entr" presetSubtype="0" fill="hold" grpId="0" nodeType="clickEffect">
+                                  <p:stCondLst>
+                                    <p:cond delay="0"/>
+                                  </p:stCondLst>
+                                  <p:childTnLst>
+                                    <p:set>
+                                      <p:cBhvr>
+                                        <p:cTn id="36" dur="1" fill="hold">
+                                          <p:stCondLst>
+                                            <p:cond delay="0"/>
+                                          </p:stCondLst>
+                                        </p:cTn>
+                                        <p:tgtEl>
+                                          <p:spTgt spid="10"/>
+                                        </p:tgtEl>
+                                        <p:attrNameLst>
+                                          <p:attrName>style.visibility</p:attrName>
+                                        </p:attrNameLst>
+                                      </p:cBhvr>
+                                      <p:to>
+                                        <p:strVal val="visible"/>
+                                      </p:to>
+                                    </p:set>
+                                  </p:childTnLst>
+                                </p:cTn>
+                              </p:par>
+                              <p:par>
+                                <p:cTn id="37" presetID="1" presetClass="entr" presetSubtype="0" fill="hold" grpId="0" nodeType="withEffect">
+                                  <p:stCondLst>
+                                    <p:cond delay="0"/>
+                                  </p:stCondLst>
+                                  <p:childTnLst>
+                                    <p:set>
+                                      <p:cBhvr>
+                                        <p:cTn id="38" dur="1" fill="hold">
                                           <p:stCondLst>
                                             <p:cond delay="0"/>
                                           </p:stCondLst>
@@ -5249,7 +6933,7 @@
           <p:cNvPr id="2" name="Título 1">
             <a:extLst>
               <a:ext uri="{FF2B5EF4-FFF2-40B4-BE49-F238E27FC236}">
-                <a16:creationId xmlns="" xmlns:a16="http://schemas.microsoft.com/office/drawing/2014/main" id="{FEE365C5-F51C-45E4-AE98-9D2F02614E37}"/>
+                <a16:creationId xmlns:a16="http://schemas.microsoft.com/office/drawing/2014/main" xmlns="" id="{FEE365C5-F51C-45E4-AE98-9D2F02614E37}"/>
               </a:ext>
             </a:extLst>
           </p:cNvPr>
@@ -5278,7 +6962,7 @@
           <p:cNvPr id="3" name="Marcador de contenido 2">
             <a:extLst>
               <a:ext uri="{FF2B5EF4-FFF2-40B4-BE49-F238E27FC236}">
-                <a16:creationId xmlns="" xmlns:a16="http://schemas.microsoft.com/office/drawing/2014/main" id="{E2B73A5A-6803-4FB4-BBEF-89D34306EC50}"/>
+                <a16:creationId xmlns:a16="http://schemas.microsoft.com/office/drawing/2014/main" xmlns="" id="{E2B73A5A-6803-4FB4-BBEF-89D34306EC50}"/>
               </a:ext>
             </a:extLst>
           </p:cNvPr>
@@ -6009,6 +7693,134 @@
           </a:p>
         </p:txBody>
       </p:sp>
+      <p:pic>
+        <p:nvPicPr>
+          <p:cNvPr id="24" name="Picture 2" descr="Resultado de imagen de etsidi logo"/>
+          <p:cNvPicPr>
+            <a:picLocks noChangeAspect="1" noChangeArrowheads="1"/>
+          </p:cNvPicPr>
+          <p:nvPr/>
+        </p:nvPicPr>
+        <p:blipFill>
+          <a:blip r:embed="rId2" cstate="print">
+            <a:extLst>
+              <a:ext uri="{28A0092B-C50C-407E-A947-70E740481C1C}">
+                <a14:useLocalDpi xmlns:a14="http://schemas.microsoft.com/office/drawing/2010/main" val="0"/>
+              </a:ext>
+            </a:extLst>
+          </a:blip>
+          <a:srcRect/>
+          <a:stretch>
+            <a:fillRect/>
+          </a:stretch>
+        </p:blipFill>
+        <p:spPr bwMode="auto">
+          <a:xfrm>
+            <a:off x="10269415" y="286460"/>
+            <a:ext cx="1693789" cy="895227"/>
+          </a:xfrm>
+          <a:prstGeom prst="rect">
+            <a:avLst/>
+          </a:prstGeom>
+          <a:noFill/>
+          <a:extLst>
+            <a:ext uri="{909E8E84-426E-40DD-AFC4-6F175D3DCCD1}">
+              <a14:hiddenFill xmlns:a14="http://schemas.microsoft.com/office/drawing/2010/main">
+                <a:solidFill>
+                  <a:srgbClr val="FFFFFF"/>
+                </a:solidFill>
+              </a14:hiddenFill>
+            </a:ext>
+          </a:extLst>
+        </p:spPr>
+      </p:pic>
+      <p:pic>
+        <p:nvPicPr>
+          <p:cNvPr id="25" name="Picture 2" descr="Macintosh HD en Idril:Users:barrientos:DATOS:Modelos:Logos:UPM:EscUpmPolit.jpg"/>
+          <p:cNvPicPr/>
+          <p:nvPr/>
+        </p:nvPicPr>
+        <p:blipFill>
+          <a:blip r:embed="rId3">
+            <a:extLst>
+              <a:ext uri="{28A0092B-C50C-407E-A947-70E740481C1C}">
+                <a14:useLocalDpi xmlns:a14="http://schemas.microsoft.com/office/drawing/2010/main" val="0"/>
+              </a:ext>
+            </a:extLst>
+          </a:blip>
+          <a:srcRect/>
+          <a:stretch>
+            <a:fillRect/>
+          </a:stretch>
+        </p:blipFill>
+        <p:spPr bwMode="auto">
+          <a:xfrm>
+            <a:off x="143705" y="131712"/>
+            <a:ext cx="1417125" cy="1181686"/>
+          </a:xfrm>
+          <a:prstGeom prst="rect">
+            <a:avLst/>
+          </a:prstGeom>
+          <a:noFill/>
+          <a:ln>
+            <a:noFill/>
+          </a:ln>
+        </p:spPr>
+      </p:pic>
+      <p:pic>
+        <p:nvPicPr>
+          <p:cNvPr id="27" name="Image 6" descr="image011"/>
+          <p:cNvPicPr>
+            <a:picLocks noChangeAspect="1" noChangeArrowheads="1"/>
+          </p:cNvPicPr>
+          <p:nvPr/>
+        </p:nvPicPr>
+        <p:blipFill>
+          <a:blip r:embed="rId4">
+            <a:extLst>
+              <a:ext uri="{28A0092B-C50C-407E-A947-70E740481C1C}">
+                <a14:useLocalDpi xmlns:a14="http://schemas.microsoft.com/office/drawing/2010/main" val="0"/>
+              </a:ext>
+            </a:extLst>
+          </a:blip>
+          <a:srcRect/>
+          <a:stretch>
+            <a:fillRect/>
+          </a:stretch>
+        </p:blipFill>
+        <p:spPr bwMode="auto">
+          <a:xfrm>
+            <a:off x="9845799" y="6062662"/>
+            <a:ext cx="2117405" cy="452437"/>
+          </a:xfrm>
+          <a:prstGeom prst="rect">
+            <a:avLst/>
+          </a:prstGeom>
+          <a:noFill/>
+          <a:ln>
+            <a:noFill/>
+          </a:ln>
+          <a:extLst>
+            <a:ext uri="{909E8E84-426E-40DD-AFC4-6F175D3DCCD1}">
+              <a14:hiddenFill xmlns:a14="http://schemas.microsoft.com/office/drawing/2010/main">
+                <a:solidFill>
+                  <a:srgbClr val="FFFFFF"/>
+                </a:solidFill>
+              </a14:hiddenFill>
+            </a:ext>
+            <a:ext uri="{91240B29-F687-4F45-9708-019B960494DF}">
+              <a14:hiddenLine xmlns:a14="http://schemas.microsoft.com/office/drawing/2010/main" w="9525">
+                <a:solidFill>
+                  <a:srgbClr val="000000"/>
+                </a:solidFill>
+                <a:miter lim="800000"/>
+                <a:headEnd/>
+                <a:tailEnd/>
+              </a14:hiddenLine>
+            </a:ext>
+          </a:extLst>
+        </p:spPr>
+      </p:pic>
     </p:spTree>
     <p:extLst>
       <p:ext uri="{BB962C8B-B14F-4D97-AF65-F5344CB8AC3E}">
@@ -6111,6 +7923,175 @@
           </a:extLst>
         </p:spPr>
       </p:pic>
+      <p:pic>
+        <p:nvPicPr>
+          <p:cNvPr id="5" name="Picture 2" descr="Resultado de imagen de etsidi logo"/>
+          <p:cNvPicPr>
+            <a:picLocks noChangeAspect="1" noChangeArrowheads="1"/>
+          </p:cNvPicPr>
+          <p:nvPr/>
+        </p:nvPicPr>
+        <p:blipFill>
+          <a:blip r:embed="rId3" cstate="print">
+            <a:extLst>
+              <a:ext uri="{28A0092B-C50C-407E-A947-70E740481C1C}">
+                <a14:useLocalDpi xmlns:a14="http://schemas.microsoft.com/office/drawing/2010/main" val="0"/>
+              </a:ext>
+            </a:extLst>
+          </a:blip>
+          <a:srcRect/>
+          <a:stretch>
+            <a:fillRect/>
+          </a:stretch>
+        </p:blipFill>
+        <p:spPr bwMode="auto">
+          <a:xfrm>
+            <a:off x="10269415" y="286460"/>
+            <a:ext cx="1693789" cy="895227"/>
+          </a:xfrm>
+          <a:prstGeom prst="rect">
+            <a:avLst/>
+          </a:prstGeom>
+          <a:noFill/>
+          <a:extLst>
+            <a:ext uri="{909E8E84-426E-40DD-AFC4-6F175D3DCCD1}">
+              <a14:hiddenFill xmlns:a14="http://schemas.microsoft.com/office/drawing/2010/main">
+                <a:solidFill>
+                  <a:srgbClr val="FFFFFF"/>
+                </a:solidFill>
+              </a14:hiddenFill>
+            </a:ext>
+          </a:extLst>
+        </p:spPr>
+      </p:pic>
+      <p:pic>
+        <p:nvPicPr>
+          <p:cNvPr id="6" name="Picture 2" descr="Resultado de imagen de etsidi logo"/>
+          <p:cNvPicPr>
+            <a:picLocks noChangeAspect="1" noChangeArrowheads="1"/>
+          </p:cNvPicPr>
+          <p:nvPr/>
+        </p:nvPicPr>
+        <p:blipFill>
+          <a:blip r:embed="rId3" cstate="print">
+            <a:extLst>
+              <a:ext uri="{28A0092B-C50C-407E-A947-70E740481C1C}">
+                <a14:useLocalDpi xmlns:a14="http://schemas.microsoft.com/office/drawing/2010/main" val="0"/>
+              </a:ext>
+            </a:extLst>
+          </a:blip>
+          <a:srcRect/>
+          <a:stretch>
+            <a:fillRect/>
+          </a:stretch>
+        </p:blipFill>
+        <p:spPr bwMode="auto">
+          <a:xfrm>
+            <a:off x="10421815" y="438860"/>
+            <a:ext cx="1693789" cy="895227"/>
+          </a:xfrm>
+          <a:prstGeom prst="rect">
+            <a:avLst/>
+          </a:prstGeom>
+          <a:noFill/>
+          <a:extLst>
+            <a:ext uri="{909E8E84-426E-40DD-AFC4-6F175D3DCCD1}">
+              <a14:hiddenFill xmlns:a14="http://schemas.microsoft.com/office/drawing/2010/main">
+                <a:solidFill>
+                  <a:srgbClr val="FFFFFF"/>
+                </a:solidFill>
+              </a14:hiddenFill>
+            </a:ext>
+          </a:extLst>
+        </p:spPr>
+      </p:pic>
+      <p:pic>
+        <p:nvPicPr>
+          <p:cNvPr id="7" name="Picture 2" descr="Macintosh HD en Idril:Users:barrientos:DATOS:Modelos:Logos:UPM:EscUpmPolit.jpg"/>
+          <p:cNvPicPr/>
+          <p:nvPr/>
+        </p:nvPicPr>
+        <p:blipFill>
+          <a:blip r:embed="rId4">
+            <a:extLst>
+              <a:ext uri="{28A0092B-C50C-407E-A947-70E740481C1C}">
+                <a14:useLocalDpi xmlns:a14="http://schemas.microsoft.com/office/drawing/2010/main" val="0"/>
+              </a:ext>
+            </a:extLst>
+          </a:blip>
+          <a:srcRect/>
+          <a:stretch>
+            <a:fillRect/>
+          </a:stretch>
+        </p:blipFill>
+        <p:spPr bwMode="auto">
+          <a:xfrm>
+            <a:off x="143705" y="131712"/>
+            <a:ext cx="1417125" cy="1181686"/>
+          </a:xfrm>
+          <a:prstGeom prst="rect">
+            <a:avLst/>
+          </a:prstGeom>
+          <a:noFill/>
+          <a:ln>
+            <a:noFill/>
+          </a:ln>
+        </p:spPr>
+      </p:pic>
+      <p:pic>
+        <p:nvPicPr>
+          <p:cNvPr id="9" name="Image 6" descr="image011"/>
+          <p:cNvPicPr>
+            <a:picLocks noChangeAspect="1" noChangeArrowheads="1"/>
+          </p:cNvPicPr>
+          <p:nvPr/>
+        </p:nvPicPr>
+        <p:blipFill>
+          <a:blip r:embed="rId5">
+            <a:extLst>
+              <a:ext uri="{28A0092B-C50C-407E-A947-70E740481C1C}">
+                <a14:useLocalDpi xmlns:a14="http://schemas.microsoft.com/office/drawing/2010/main" val="0"/>
+              </a:ext>
+            </a:extLst>
+          </a:blip>
+          <a:srcRect/>
+          <a:stretch>
+            <a:fillRect/>
+          </a:stretch>
+        </p:blipFill>
+        <p:spPr bwMode="auto">
+          <a:xfrm>
+            <a:off x="9845799" y="6062662"/>
+            <a:ext cx="2117405" cy="452437"/>
+          </a:xfrm>
+          <a:prstGeom prst="rect">
+            <a:avLst/>
+          </a:prstGeom>
+          <a:noFill/>
+          <a:ln>
+            <a:noFill/>
+          </a:ln>
+          <a:extLst>
+            <a:ext uri="{909E8E84-426E-40DD-AFC4-6F175D3DCCD1}">
+              <a14:hiddenFill xmlns:a14="http://schemas.microsoft.com/office/drawing/2010/main">
+                <a:solidFill>
+                  <a:srgbClr val="FFFFFF"/>
+                </a:solidFill>
+              </a14:hiddenFill>
+            </a:ext>
+            <a:ext uri="{91240B29-F687-4F45-9708-019B960494DF}">
+              <a14:hiddenLine xmlns:a14="http://schemas.microsoft.com/office/drawing/2010/main" w="9525">
+                <a:solidFill>
+                  <a:srgbClr val="000000"/>
+                </a:solidFill>
+                <a:miter lim="800000"/>
+                <a:headEnd/>
+                <a:tailEnd/>
+              </a14:hiddenLine>
+            </a:ext>
+          </a:extLst>
+        </p:spPr>
+      </p:pic>
     </p:spTree>
     <p:extLst>
       <p:ext uri="{BB962C8B-B14F-4D97-AF65-F5344CB8AC3E}">
@@ -6121,6 +8102,13 @@
   <p:clrMapOvr>
     <a:masterClrMapping/>
   </p:clrMapOvr>
+  <p:timing>
+    <p:tnLst>
+      <p:par>
+        <p:cTn id="1" dur="indefinite" restart="never" nodeType="tmRoot"/>
+      </p:par>
+    </p:tnLst>
+  </p:timing>
 </p:sld>
 </file>
 
@@ -6188,8 +8176,8 @@
         </p:blipFill>
         <p:spPr bwMode="auto">
           <a:xfrm>
-            <a:off x="1254869" y="1298956"/>
-            <a:ext cx="9049966" cy="5471495"/>
+            <a:off x="2076998" y="1690688"/>
+            <a:ext cx="8262424" cy="4995357"/>
           </a:xfrm>
           <a:prstGeom prst="rect">
             <a:avLst/>
@@ -6202,6 +8190,134 @@
                   <a:srgbClr val="FFFFFF"/>
                 </a:solidFill>
               </a14:hiddenFill>
+            </a:ext>
+          </a:extLst>
+        </p:spPr>
+      </p:pic>
+      <p:pic>
+        <p:nvPicPr>
+          <p:cNvPr id="5" name="Picture 2" descr="Resultado de imagen de etsidi logo"/>
+          <p:cNvPicPr>
+            <a:picLocks noChangeAspect="1" noChangeArrowheads="1"/>
+          </p:cNvPicPr>
+          <p:nvPr/>
+        </p:nvPicPr>
+        <p:blipFill>
+          <a:blip r:embed="rId3" cstate="print">
+            <a:extLst>
+              <a:ext uri="{28A0092B-C50C-407E-A947-70E740481C1C}">
+                <a14:useLocalDpi xmlns:a14="http://schemas.microsoft.com/office/drawing/2010/main" val="0"/>
+              </a:ext>
+            </a:extLst>
+          </a:blip>
+          <a:srcRect/>
+          <a:stretch>
+            <a:fillRect/>
+          </a:stretch>
+        </p:blipFill>
+        <p:spPr bwMode="auto">
+          <a:xfrm>
+            <a:off x="10269415" y="286460"/>
+            <a:ext cx="1693789" cy="895227"/>
+          </a:xfrm>
+          <a:prstGeom prst="rect">
+            <a:avLst/>
+          </a:prstGeom>
+          <a:noFill/>
+          <a:extLst>
+            <a:ext uri="{909E8E84-426E-40DD-AFC4-6F175D3DCCD1}">
+              <a14:hiddenFill xmlns:a14="http://schemas.microsoft.com/office/drawing/2010/main">
+                <a:solidFill>
+                  <a:srgbClr val="FFFFFF"/>
+                </a:solidFill>
+              </a14:hiddenFill>
+            </a:ext>
+          </a:extLst>
+        </p:spPr>
+      </p:pic>
+      <p:pic>
+        <p:nvPicPr>
+          <p:cNvPr id="6" name="Picture 2" descr="Macintosh HD en Idril:Users:barrientos:DATOS:Modelos:Logos:UPM:EscUpmPolit.jpg"/>
+          <p:cNvPicPr/>
+          <p:nvPr/>
+        </p:nvPicPr>
+        <p:blipFill>
+          <a:blip r:embed="rId4">
+            <a:extLst>
+              <a:ext uri="{28A0092B-C50C-407E-A947-70E740481C1C}">
+                <a14:useLocalDpi xmlns:a14="http://schemas.microsoft.com/office/drawing/2010/main" val="0"/>
+              </a:ext>
+            </a:extLst>
+          </a:blip>
+          <a:srcRect/>
+          <a:stretch>
+            <a:fillRect/>
+          </a:stretch>
+        </p:blipFill>
+        <p:spPr bwMode="auto">
+          <a:xfrm>
+            <a:off x="143705" y="131712"/>
+            <a:ext cx="1417125" cy="1181686"/>
+          </a:xfrm>
+          <a:prstGeom prst="rect">
+            <a:avLst/>
+          </a:prstGeom>
+          <a:noFill/>
+          <a:ln>
+            <a:noFill/>
+          </a:ln>
+        </p:spPr>
+      </p:pic>
+      <p:pic>
+        <p:nvPicPr>
+          <p:cNvPr id="8" name="Image 6" descr="image011"/>
+          <p:cNvPicPr>
+            <a:picLocks noChangeAspect="1" noChangeArrowheads="1"/>
+          </p:cNvPicPr>
+          <p:nvPr/>
+        </p:nvPicPr>
+        <p:blipFill>
+          <a:blip r:embed="rId5">
+            <a:extLst>
+              <a:ext uri="{28A0092B-C50C-407E-A947-70E740481C1C}">
+                <a14:useLocalDpi xmlns:a14="http://schemas.microsoft.com/office/drawing/2010/main" val="0"/>
+              </a:ext>
+            </a:extLst>
+          </a:blip>
+          <a:srcRect/>
+          <a:stretch>
+            <a:fillRect/>
+          </a:stretch>
+        </p:blipFill>
+        <p:spPr bwMode="auto">
+          <a:xfrm>
+            <a:off x="9845799" y="6062662"/>
+            <a:ext cx="2117405" cy="452437"/>
+          </a:xfrm>
+          <a:prstGeom prst="rect">
+            <a:avLst/>
+          </a:prstGeom>
+          <a:noFill/>
+          <a:ln>
+            <a:noFill/>
+          </a:ln>
+          <a:extLst>
+            <a:ext uri="{909E8E84-426E-40DD-AFC4-6F175D3DCCD1}">
+              <a14:hiddenFill xmlns:a14="http://schemas.microsoft.com/office/drawing/2010/main">
+                <a:solidFill>
+                  <a:srgbClr val="FFFFFF"/>
+                </a:solidFill>
+              </a14:hiddenFill>
+            </a:ext>
+            <a:ext uri="{91240B29-F687-4F45-9708-019B960494DF}">
+              <a14:hiddenLine xmlns:a14="http://schemas.microsoft.com/office/drawing/2010/main" w="9525">
+                <a:solidFill>
+                  <a:srgbClr val="000000"/>
+                </a:solidFill>
+                <a:miter lim="800000"/>
+                <a:headEnd/>
+                <a:tailEnd/>
+              </a14:hiddenLine>
             </a:ext>
           </a:extLst>
         </p:spPr>
@@ -6216,6 +8332,13 @@
   <p:clrMapOvr>
     <a:masterClrMapping/>
   </p:clrMapOvr>
+  <p:timing>
+    <p:tnLst>
+      <p:par>
+        <p:cTn id="1" dur="indefinite" restart="never" nodeType="tmRoot"/>
+      </p:par>
+    </p:tnLst>
+  </p:timing>
 </p:sld>
 </file>
 
@@ -6474,8 +8597,51 @@
   <a:extraClrSchemeLst/>
   <a:extLst>
     <a:ext uri="{05A4C25C-085E-4340-85A3-A5531E510DB2}">
-      <thm15:themeFamily xmlns:thm15="http://schemas.microsoft.com/office/thememl/2012/main" xmlns="" name="Office Theme" id="{62F939B6-93AF-4DB8-9C6B-D6C7DFDC589F}" vid="{4A3C46E8-61CC-4603-A589-7422A47A8E4A}"/>
+      <thm15:themeFamily xmlns:thm15="http://schemas.microsoft.com/office/thememl/2012/main" name="Office Theme" id="{62F939B6-93AF-4DB8-9C6B-D6C7DFDC589F}" vid="{4A3C46E8-61CC-4603-A589-7422A47A8E4A}"/>
     </a:ext>
   </a:extLst>
 </a:theme>
+</file>
+
+<file path=ppt/theme/themeOverride1.xml><?xml version="1.0" encoding="utf-8"?>
+<a:themeOverride xmlns:a="http://schemas.openxmlformats.org/drawingml/2006/main">
+  <a:clrScheme name="Office">
+    <a:dk1>
+      <a:sysClr val="windowText" lastClr="000000"/>
+    </a:dk1>
+    <a:lt1>
+      <a:sysClr val="window" lastClr="FFFFFF"/>
+    </a:lt1>
+    <a:dk2>
+      <a:srgbClr val="44546A"/>
+    </a:dk2>
+    <a:lt2>
+      <a:srgbClr val="E7E6E6"/>
+    </a:lt2>
+    <a:accent1>
+      <a:srgbClr val="5B9BD5"/>
+    </a:accent1>
+    <a:accent2>
+      <a:srgbClr val="ED7D31"/>
+    </a:accent2>
+    <a:accent3>
+      <a:srgbClr val="A5A5A5"/>
+    </a:accent3>
+    <a:accent4>
+      <a:srgbClr val="FFC000"/>
+    </a:accent4>
+    <a:accent5>
+      <a:srgbClr val="4472C4"/>
+    </a:accent5>
+    <a:accent6>
+      <a:srgbClr val="70AD47"/>
+    </a:accent6>
+    <a:hlink>
+      <a:srgbClr val="0563C1"/>
+    </a:hlink>
+    <a:folHlink>
+      <a:srgbClr val="954F72"/>
+    </a:folHlink>
+  </a:clrScheme>
+</a:themeOverride>
 </file>
--- a/tfgPP.pptx
+++ b/tfgPP.pptx
@@ -8,17 +8,23 @@
     <p:sldId id="256" r:id="rId2"/>
     <p:sldId id="257" r:id="rId3"/>
     <p:sldId id="258" r:id="rId4"/>
-    <p:sldId id="259" r:id="rId5"/>
-    <p:sldId id="260" r:id="rId6"/>
-    <p:sldId id="261" r:id="rId7"/>
-    <p:sldId id="262" r:id="rId8"/>
-    <p:sldId id="267" r:id="rId9"/>
-    <p:sldId id="268" r:id="rId10"/>
-    <p:sldId id="270" r:id="rId11"/>
-    <p:sldId id="269" r:id="rId12"/>
-    <p:sldId id="263" r:id="rId13"/>
-    <p:sldId id="264" r:id="rId14"/>
-    <p:sldId id="265" r:id="rId15"/>
+    <p:sldId id="271" r:id="rId5"/>
+    <p:sldId id="259" r:id="rId6"/>
+    <p:sldId id="272" r:id="rId7"/>
+    <p:sldId id="260" r:id="rId8"/>
+    <p:sldId id="273" r:id="rId9"/>
+    <p:sldId id="261" r:id="rId10"/>
+    <p:sldId id="274" r:id="rId11"/>
+    <p:sldId id="262" r:id="rId12"/>
+    <p:sldId id="267" r:id="rId13"/>
+    <p:sldId id="268" r:id="rId14"/>
+    <p:sldId id="275" r:id="rId15"/>
+    <p:sldId id="270" r:id="rId16"/>
+    <p:sldId id="276" r:id="rId17"/>
+    <p:sldId id="269" r:id="rId18"/>
+    <p:sldId id="263" r:id="rId19"/>
+    <p:sldId id="264" r:id="rId20"/>
+    <p:sldId id="265" r:id="rId21"/>
   </p:sldIdLst>
   <p:sldSz cx="12192000" cy="6858000"/>
   <p:notesSz cx="6858000" cy="9144000"/>
@@ -119,7 +125,7 @@
   </p:defaultTextStyle>
   <p:extLst>
     <p:ext uri="{EFAFB233-063F-42B5-8137-9DF3F51BA10A}">
-      <p15:sldGuideLst xmlns:p15="http://schemas.microsoft.com/office/powerpoint/2012/main">
+      <p15:sldGuideLst xmlns:p15="http://schemas.microsoft.com/office/powerpoint/2012/main" xmlns="">
         <p15:guide id="1" orient="horz" pos="2160">
           <p15:clr>
             <a:srgbClr val="A4A3A4"/>
@@ -273,7 +279,7 @@
           <a:p>
             <a:fld id="{8161FC19-448B-45B3-ABDC-99AC11CB222E}" type="datetimeFigureOut">
               <a:rPr lang="es-ES" smtClean="0"/>
-              <a:t>02/07/2018</a:t>
+              <a:t>03/07/2018</a:t>
             </a:fld>
             <a:endParaRPr lang="es-ES" dirty="0"/>
           </a:p>
@@ -441,7 +447,7 @@
           <a:p>
             <a:fld id="{8161FC19-448B-45B3-ABDC-99AC11CB222E}" type="datetimeFigureOut">
               <a:rPr lang="es-ES" smtClean="0"/>
-              <a:t>02/07/2018</a:t>
+              <a:t>03/07/2018</a:t>
             </a:fld>
             <a:endParaRPr lang="es-ES" dirty="0"/>
           </a:p>
@@ -619,7 +625,7 @@
           <a:p>
             <a:fld id="{8161FC19-448B-45B3-ABDC-99AC11CB222E}" type="datetimeFigureOut">
               <a:rPr lang="es-ES" smtClean="0"/>
-              <a:t>02/07/2018</a:t>
+              <a:t>03/07/2018</a:t>
             </a:fld>
             <a:endParaRPr lang="es-ES" dirty="0"/>
           </a:p>
@@ -787,7 +793,7 @@
           <a:p>
             <a:fld id="{8161FC19-448B-45B3-ABDC-99AC11CB222E}" type="datetimeFigureOut">
               <a:rPr lang="es-ES" smtClean="0"/>
-              <a:t>02/07/2018</a:t>
+              <a:t>03/07/2018</a:t>
             </a:fld>
             <a:endParaRPr lang="es-ES" dirty="0"/>
           </a:p>
@@ -1032,7 +1038,7 @@
           <a:p>
             <a:fld id="{8161FC19-448B-45B3-ABDC-99AC11CB222E}" type="datetimeFigureOut">
               <a:rPr lang="es-ES" smtClean="0"/>
-              <a:t>02/07/2018</a:t>
+              <a:t>03/07/2018</a:t>
             </a:fld>
             <a:endParaRPr lang="es-ES" dirty="0"/>
           </a:p>
@@ -1261,7 +1267,7 @@
           <a:p>
             <a:fld id="{8161FC19-448B-45B3-ABDC-99AC11CB222E}" type="datetimeFigureOut">
               <a:rPr lang="es-ES" smtClean="0"/>
-              <a:t>02/07/2018</a:t>
+              <a:t>03/07/2018</a:t>
             </a:fld>
             <a:endParaRPr lang="es-ES" dirty="0"/>
           </a:p>
@@ -1625,7 +1631,7 @@
           <a:p>
             <a:fld id="{8161FC19-448B-45B3-ABDC-99AC11CB222E}" type="datetimeFigureOut">
               <a:rPr lang="es-ES" smtClean="0"/>
-              <a:t>02/07/2018</a:t>
+              <a:t>03/07/2018</a:t>
             </a:fld>
             <a:endParaRPr lang="es-ES" dirty="0"/>
           </a:p>
@@ -1742,7 +1748,7 @@
           <a:p>
             <a:fld id="{8161FC19-448B-45B3-ABDC-99AC11CB222E}" type="datetimeFigureOut">
               <a:rPr lang="es-ES" smtClean="0"/>
-              <a:t>02/07/2018</a:t>
+              <a:t>03/07/2018</a:t>
             </a:fld>
             <a:endParaRPr lang="es-ES" dirty="0"/>
           </a:p>
@@ -1837,7 +1843,7 @@
           <a:p>
             <a:fld id="{8161FC19-448B-45B3-ABDC-99AC11CB222E}" type="datetimeFigureOut">
               <a:rPr lang="es-ES" smtClean="0"/>
-              <a:t>02/07/2018</a:t>
+              <a:t>03/07/2018</a:t>
             </a:fld>
             <a:endParaRPr lang="es-ES" dirty="0"/>
           </a:p>
@@ -2112,7 +2118,7 @@
           <a:p>
             <a:fld id="{8161FC19-448B-45B3-ABDC-99AC11CB222E}" type="datetimeFigureOut">
               <a:rPr lang="es-ES" smtClean="0"/>
-              <a:t>02/07/2018</a:t>
+              <a:t>03/07/2018</a:t>
             </a:fld>
             <a:endParaRPr lang="es-ES" dirty="0"/>
           </a:p>
@@ -2364,7 +2370,7 @@
           <a:p>
             <a:fld id="{8161FC19-448B-45B3-ABDC-99AC11CB222E}" type="datetimeFigureOut">
               <a:rPr lang="es-ES" smtClean="0"/>
-              <a:t>02/07/2018</a:t>
+              <a:t>03/07/2018</a:t>
             </a:fld>
             <a:endParaRPr lang="es-ES" dirty="0"/>
           </a:p>
@@ -2575,7 +2581,7 @@
           <a:p>
             <a:fld id="{8161FC19-448B-45B3-ABDC-99AC11CB222E}" type="datetimeFigureOut">
               <a:rPr lang="es-ES" smtClean="0"/>
-              <a:t>02/07/2018</a:t>
+              <a:t>03/07/2018</a:t>
             </a:fld>
             <a:endParaRPr lang="es-ES" dirty="0"/>
           </a:p>
@@ -3254,7 +3260,7 @@
       </p:grpSpPr>
       <p:sp>
         <p:nvSpPr>
-          <p:cNvPr id="2" name="1 Título"/>
+          <p:cNvPr id="2" name="Título 1"/>
           <p:cNvSpPr>
             <a:spLocks noGrp="1"/>
           </p:cNvSpPr>
@@ -3264,21 +3270,28 @@
         </p:nvSpPr>
         <p:spPr/>
         <p:txBody>
-          <a:bodyPr/>
+          <a:bodyPr>
+            <a:normAutofit/>
+          </a:bodyPr>
           <a:lstStyle/>
           <a:p>
             <a:pPr algn="ctr"/>
             <a:r>
-              <a:rPr lang="es-ES" dirty="0" smtClean="0"/>
-              <a:t>Casos de estudio</a:t>
-            </a:r>
-            <a:endParaRPr lang="es-ES" dirty="0"/>
+              <a:rPr lang="es-ES" b="1" dirty="0">
+                <a:solidFill>
+                  <a:schemeClr val="accent1">
+                    <a:lumMod val="50000"/>
+                  </a:schemeClr>
+                </a:solidFill>
+              </a:rPr>
+              <a:t>Índice</a:t>
+            </a:r>
           </a:p>
         </p:txBody>
       </p:sp>
       <p:sp>
         <p:nvSpPr>
-          <p:cNvPr id="3" name="2 Marcador de contenido"/>
+          <p:cNvPr id="3" name="Marcador de contenido 2"/>
           <p:cNvSpPr>
             <a:spLocks noGrp="1"/>
           </p:cNvSpPr>
@@ -3291,7 +3304,175 @@
           <a:bodyPr/>
           <a:lstStyle/>
           <a:p>
-            <a:endParaRPr lang="es-ES"/>
+            <a:pPr marL="571500" indent="-571500">
+              <a:lnSpc>
+                <a:spcPct val="100000"/>
+              </a:lnSpc>
+              <a:buFont typeface="+mj-lt"/>
+              <a:buAutoNum type="romanUcPeriod"/>
+            </a:pPr>
+            <a:r>
+              <a:rPr lang="es-ES" dirty="0">
+                <a:solidFill>
+                  <a:schemeClr val="bg2">
+                    <a:lumMod val="50000"/>
+                  </a:schemeClr>
+                </a:solidFill>
+              </a:rPr>
+              <a:t>Introducción</a:t>
+            </a:r>
+          </a:p>
+          <a:p>
+            <a:pPr marL="1028700" lvl="1" indent="-571500">
+              <a:lnSpc>
+                <a:spcPct val="100000"/>
+              </a:lnSpc>
+              <a:buFont typeface="+mj-lt"/>
+              <a:buAutoNum type="romanUcPeriod"/>
+            </a:pPr>
+            <a:r>
+              <a:rPr lang="es-ES" dirty="0">
+                <a:solidFill>
+                  <a:schemeClr val="bg2">
+                    <a:lumMod val="50000"/>
+                  </a:schemeClr>
+                </a:solidFill>
+              </a:rPr>
+              <a:t>Objetivos </a:t>
+            </a:r>
+          </a:p>
+          <a:p>
+            <a:pPr marL="1028700" lvl="1" indent="-571500">
+              <a:lnSpc>
+                <a:spcPct val="100000"/>
+              </a:lnSpc>
+              <a:buFont typeface="+mj-lt"/>
+              <a:buAutoNum type="romanUcPeriod"/>
+            </a:pPr>
+            <a:r>
+              <a:rPr lang="es-ES" dirty="0">
+                <a:solidFill>
+                  <a:schemeClr val="bg2">
+                    <a:lumMod val="50000"/>
+                  </a:schemeClr>
+                </a:solidFill>
+              </a:rPr>
+              <a:t>Panorama actual</a:t>
+            </a:r>
+          </a:p>
+          <a:p>
+            <a:pPr marL="571500" indent="-571500">
+              <a:lnSpc>
+                <a:spcPct val="150000"/>
+              </a:lnSpc>
+              <a:buFont typeface="+mj-lt"/>
+              <a:buAutoNum type="romanUcPeriod"/>
+            </a:pPr>
+            <a:r>
+              <a:rPr lang="es-ES" dirty="0">
+                <a:solidFill>
+                  <a:schemeClr val="bg2">
+                    <a:lumMod val="50000"/>
+                  </a:schemeClr>
+                </a:solidFill>
+              </a:rPr>
+              <a:t>Controlador y simulación</a:t>
+            </a:r>
+          </a:p>
+          <a:p>
+            <a:pPr marL="1028700" lvl="1" indent="-571500">
+              <a:lnSpc>
+                <a:spcPct val="100000"/>
+              </a:lnSpc>
+              <a:buFont typeface="+mj-lt"/>
+              <a:buAutoNum type="romanUcPeriod"/>
+            </a:pPr>
+            <a:r>
+              <a:rPr lang="es-ES" dirty="0">
+                <a:solidFill>
+                  <a:schemeClr val="bg2">
+                    <a:lumMod val="50000"/>
+                  </a:schemeClr>
+                </a:solidFill>
+              </a:rPr>
+              <a:t>Modelo de la Planta</a:t>
+            </a:r>
+          </a:p>
+          <a:p>
+            <a:pPr marL="1028700" lvl="1" indent="-571500">
+              <a:lnSpc>
+                <a:spcPct val="100000"/>
+              </a:lnSpc>
+              <a:buFont typeface="+mj-lt"/>
+              <a:buAutoNum type="romanUcPeriod"/>
+            </a:pPr>
+            <a:r>
+              <a:rPr lang="es-ES" dirty="0"/>
+              <a:t>Algoritmo de </a:t>
+            </a:r>
+            <a:r>
+              <a:rPr lang="es-ES" dirty="0" smtClean="0"/>
+              <a:t>control</a:t>
+            </a:r>
+          </a:p>
+          <a:p>
+            <a:pPr marL="1028700" lvl="1" indent="-571500">
+              <a:lnSpc>
+                <a:spcPct val="100000"/>
+              </a:lnSpc>
+              <a:buFont typeface="+mj-lt"/>
+              <a:buAutoNum type="romanUcPeriod"/>
+            </a:pPr>
+            <a:r>
+              <a:rPr lang="es-ES" dirty="0" smtClean="0">
+                <a:solidFill>
+                  <a:schemeClr val="bg2">
+                    <a:lumMod val="50000"/>
+                  </a:schemeClr>
+                </a:solidFill>
+              </a:rPr>
+              <a:t>Casos de estudio</a:t>
+            </a:r>
+            <a:endParaRPr lang="es-ES" dirty="0">
+              <a:solidFill>
+                <a:schemeClr val="bg2">
+                  <a:lumMod val="50000"/>
+                </a:schemeClr>
+              </a:solidFill>
+            </a:endParaRPr>
+          </a:p>
+          <a:p>
+            <a:pPr marL="571500" indent="-571500">
+              <a:lnSpc>
+                <a:spcPct val="150000"/>
+              </a:lnSpc>
+              <a:buFont typeface="+mj-lt"/>
+              <a:buAutoNum type="romanUcPeriod"/>
+            </a:pPr>
+            <a:r>
+              <a:rPr lang="es-ES" dirty="0" smtClean="0">
+                <a:solidFill>
+                  <a:schemeClr val="bg2">
+                    <a:lumMod val="50000"/>
+                  </a:schemeClr>
+                </a:solidFill>
+              </a:rPr>
+              <a:t>Resultados y conclusiones</a:t>
+            </a:r>
+            <a:endParaRPr lang="es-ES" dirty="0">
+              <a:solidFill>
+                <a:schemeClr val="bg2">
+                  <a:lumMod val="50000"/>
+                </a:schemeClr>
+              </a:solidFill>
+            </a:endParaRPr>
+          </a:p>
+          <a:p>
+            <a:pPr marL="571500" indent="-571500">
+              <a:buFont typeface="+mj-lt"/>
+              <a:buAutoNum type="romanUcPeriod"/>
+            </a:pPr>
+            <a:endParaRPr lang="es-ES" dirty="0"/>
           </a:p>
         </p:txBody>
       </p:sp>
@@ -3426,7 +3607,7 @@
     </p:spTree>
     <p:extLst>
       <p:ext uri="{BB962C8B-B14F-4D97-AF65-F5344CB8AC3E}">
-        <p14:creationId xmlns:p14="http://schemas.microsoft.com/office/powerpoint/2010/main" val="129639390"/>
+        <p14:creationId xmlns:p14="http://schemas.microsoft.com/office/powerpoint/2010/main" val="3446403980"/>
       </p:ext>
     </p:extLst>
   </p:cSld>
@@ -3444,6 +3625,1713 @@
 </file>
 
 <file path=ppt/slides/slide11.xml><?xml version="1.0" encoding="utf-8"?>
+<p:sld xmlns:a="http://schemas.openxmlformats.org/drawingml/2006/main" xmlns:r="http://schemas.openxmlformats.org/officeDocument/2006/relationships" xmlns:p="http://schemas.openxmlformats.org/presentationml/2006/main">
+  <p:cSld>
+    <p:bg>
+      <p:bgRef idx="1001">
+        <a:schemeClr val="bg1"/>
+      </p:bgRef>
+    </p:bg>
+    <p:spTree>
+      <p:nvGrpSpPr>
+        <p:cNvPr id="1" name=""/>
+        <p:cNvGrpSpPr/>
+        <p:nvPr/>
+      </p:nvGrpSpPr>
+      <p:grpSpPr>
+        <a:xfrm>
+          <a:off x="0" y="0"/>
+          <a:ext cx="0" cy="0"/>
+          <a:chOff x="0" y="0"/>
+          <a:chExt cx="0" cy="0"/>
+        </a:xfrm>
+      </p:grpSpPr>
+      <p:sp>
+        <p:nvSpPr>
+          <p:cNvPr id="2" name="Título 1">
+            <a:extLst>
+              <a:ext uri="{FF2B5EF4-FFF2-40B4-BE49-F238E27FC236}">
+                <a16:creationId xmlns="" xmlns:a16="http://schemas.microsoft.com/office/drawing/2014/main" id="{FEE365C5-F51C-45E4-AE98-9D2F02614E37}"/>
+              </a:ext>
+            </a:extLst>
+          </p:cNvPr>
+          <p:cNvSpPr>
+            <a:spLocks noGrp="1"/>
+          </p:cNvSpPr>
+          <p:nvPr>
+            <p:ph type="title"/>
+          </p:nvPr>
+        </p:nvSpPr>
+        <p:spPr/>
+        <p:txBody>
+          <a:bodyPr>
+            <a:normAutofit/>
+          </a:bodyPr>
+          <a:lstStyle/>
+          <a:p>
+            <a:pPr algn="ctr"/>
+            <a:r>
+              <a:rPr lang="es-ES" b="1" dirty="0">
+                <a:solidFill>
+                  <a:schemeClr val="accent1">
+                    <a:lumMod val="50000"/>
+                  </a:schemeClr>
+                </a:solidFill>
+              </a:rPr>
+              <a:t>Algoritmo de control</a:t>
+            </a:r>
+          </a:p>
+        </p:txBody>
+      </p:sp>
+      <p:sp>
+        <p:nvSpPr>
+          <p:cNvPr id="3" name="Marcador de contenido 2">
+            <a:extLst>
+              <a:ext uri="{FF2B5EF4-FFF2-40B4-BE49-F238E27FC236}">
+                <a16:creationId xmlns="" xmlns:a16="http://schemas.microsoft.com/office/drawing/2014/main" id="{E2B73A5A-6803-4FB4-BBEF-89D34306EC50}"/>
+              </a:ext>
+            </a:extLst>
+          </p:cNvPr>
+          <p:cNvSpPr>
+            <a:spLocks noGrp="1"/>
+          </p:cNvSpPr>
+          <p:nvPr>
+            <p:ph idx="1"/>
+          </p:nvPr>
+        </p:nvSpPr>
+        <p:spPr/>
+        <p:txBody>
+          <a:bodyPr/>
+          <a:lstStyle/>
+          <a:p>
+            <a:pPr marL="0" indent="0">
+              <a:buNone/>
+            </a:pPr>
+            <a:r>
+              <a:rPr lang="es-ES" dirty="0" smtClean="0"/>
+              <a:t>Partes del control:</a:t>
+            </a:r>
+          </a:p>
+          <a:p>
+            <a:pPr lvl="1"/>
+            <a:r>
+              <a:rPr lang="es-ES" dirty="0" smtClean="0"/>
+              <a:t>Generación de consigna según el código de red</a:t>
+            </a:r>
+          </a:p>
+          <a:p>
+            <a:pPr lvl="1"/>
+            <a:r>
+              <a:rPr lang="es-ES" dirty="0" smtClean="0"/>
+              <a:t>Realimentación de las señales</a:t>
+            </a:r>
+          </a:p>
+          <a:p>
+            <a:pPr lvl="1"/>
+            <a:r>
+              <a:rPr lang="es-ES" dirty="0" smtClean="0"/>
+              <a:t>Bloque del controlador PI</a:t>
+            </a:r>
+          </a:p>
+          <a:p>
+            <a:pPr lvl="1"/>
+            <a:endParaRPr lang="es-ES" dirty="0"/>
+          </a:p>
+        </p:txBody>
+      </p:sp>
+      <p:sp>
+        <p:nvSpPr>
+          <p:cNvPr id="4" name="3 Rectángulo"/>
+          <p:cNvSpPr/>
+          <p:nvPr/>
+        </p:nvSpPr>
+        <p:spPr>
+          <a:xfrm>
+            <a:off x="2392485" y="4169507"/>
+            <a:ext cx="1600200" cy="896815"/>
+          </a:xfrm>
+          <a:prstGeom prst="rect">
+            <a:avLst/>
+          </a:prstGeom>
+        </p:spPr>
+        <p:style>
+          <a:lnRef idx="2">
+            <a:schemeClr val="dk1"/>
+          </a:lnRef>
+          <a:fillRef idx="1">
+            <a:schemeClr val="lt1"/>
+          </a:fillRef>
+          <a:effectRef idx="0">
+            <a:schemeClr val="dk1"/>
+          </a:effectRef>
+          <a:fontRef idx="minor">
+            <a:schemeClr val="dk1"/>
+          </a:fontRef>
+        </p:style>
+        <p:txBody>
+          <a:bodyPr rtlCol="0" anchor="ctr"/>
+          <a:lstStyle/>
+          <a:p>
+            <a:pPr algn="ctr"/>
+            <a:r>
+              <a:rPr lang="es-ES" dirty="0" smtClean="0"/>
+              <a:t>Generación de consigna</a:t>
+            </a:r>
+            <a:endParaRPr lang="es-ES" dirty="0"/>
+          </a:p>
+        </p:txBody>
+      </p:sp>
+      <p:sp>
+        <p:nvSpPr>
+          <p:cNvPr id="5" name="4 Rectángulo"/>
+          <p:cNvSpPr/>
+          <p:nvPr/>
+        </p:nvSpPr>
+        <p:spPr>
+          <a:xfrm>
+            <a:off x="4640385" y="4169506"/>
+            <a:ext cx="1600200" cy="896815"/>
+          </a:xfrm>
+          <a:prstGeom prst="rect">
+            <a:avLst/>
+          </a:prstGeom>
+        </p:spPr>
+        <p:style>
+          <a:lnRef idx="2">
+            <a:schemeClr val="dk1"/>
+          </a:lnRef>
+          <a:fillRef idx="1">
+            <a:schemeClr val="lt1"/>
+          </a:fillRef>
+          <a:effectRef idx="0">
+            <a:schemeClr val="dk1"/>
+          </a:effectRef>
+          <a:fontRef idx="minor">
+            <a:schemeClr val="dk1"/>
+          </a:fontRef>
+        </p:style>
+        <p:txBody>
+          <a:bodyPr rtlCol="0" anchor="ctr"/>
+          <a:lstStyle/>
+          <a:p>
+            <a:pPr algn="ctr"/>
+            <a:r>
+              <a:rPr lang="es-ES" dirty="0" smtClean="0"/>
+              <a:t>Control PI</a:t>
+            </a:r>
+            <a:endParaRPr lang="es-ES" dirty="0"/>
+          </a:p>
+        </p:txBody>
+      </p:sp>
+      <p:sp>
+        <p:nvSpPr>
+          <p:cNvPr id="6" name="5 Rectángulo"/>
+          <p:cNvSpPr/>
+          <p:nvPr/>
+        </p:nvSpPr>
+        <p:spPr>
+          <a:xfrm>
+            <a:off x="6888285" y="4169505"/>
+            <a:ext cx="1600200" cy="896815"/>
+          </a:xfrm>
+          <a:prstGeom prst="rect">
+            <a:avLst/>
+          </a:prstGeom>
+        </p:spPr>
+        <p:style>
+          <a:lnRef idx="2">
+            <a:schemeClr val="dk1"/>
+          </a:lnRef>
+          <a:fillRef idx="1">
+            <a:schemeClr val="lt1"/>
+          </a:fillRef>
+          <a:effectRef idx="0">
+            <a:schemeClr val="dk1"/>
+          </a:effectRef>
+          <a:fontRef idx="minor">
+            <a:schemeClr val="dk1"/>
+          </a:fontRef>
+        </p:style>
+        <p:txBody>
+          <a:bodyPr rtlCol="0" anchor="ctr"/>
+          <a:lstStyle/>
+          <a:p>
+            <a:pPr algn="ctr"/>
+            <a:r>
+              <a:rPr lang="es-ES" dirty="0" smtClean="0"/>
+              <a:t>Circuito de conexión</a:t>
+            </a:r>
+            <a:endParaRPr lang="es-ES" dirty="0"/>
+          </a:p>
+        </p:txBody>
+      </p:sp>
+      <p:cxnSp>
+        <p:nvCxnSpPr>
+          <p:cNvPr id="8" name="7 Conector recto de flecha"/>
+          <p:cNvCxnSpPr>
+            <a:stCxn id="6" idx="3"/>
+          </p:cNvCxnSpPr>
+          <p:nvPr/>
+        </p:nvCxnSpPr>
+        <p:spPr>
+          <a:xfrm>
+            <a:off x="8488485" y="4617913"/>
+            <a:ext cx="757115" cy="1"/>
+          </a:xfrm>
+          <a:prstGeom prst="straightConnector1">
+            <a:avLst/>
+          </a:prstGeom>
+          <a:ln>
+            <a:tailEnd type="arrow"/>
+          </a:ln>
+        </p:spPr>
+        <p:style>
+          <a:lnRef idx="2">
+            <a:schemeClr val="dk1"/>
+          </a:lnRef>
+          <a:fillRef idx="0">
+            <a:schemeClr val="dk1"/>
+          </a:fillRef>
+          <a:effectRef idx="1">
+            <a:schemeClr val="dk1"/>
+          </a:effectRef>
+          <a:fontRef idx="minor">
+            <a:schemeClr val="tx1"/>
+          </a:fontRef>
+        </p:style>
+      </p:cxnSp>
+      <p:sp>
+        <p:nvSpPr>
+          <p:cNvPr id="37" name="36 Rectángulo"/>
+          <p:cNvSpPr/>
+          <p:nvPr/>
+        </p:nvSpPr>
+        <p:spPr>
+          <a:xfrm>
+            <a:off x="5745286" y="5600371"/>
+            <a:ext cx="1600200" cy="896815"/>
+          </a:xfrm>
+          <a:prstGeom prst="rect">
+            <a:avLst/>
+          </a:prstGeom>
+        </p:spPr>
+        <p:style>
+          <a:lnRef idx="2">
+            <a:schemeClr val="dk1"/>
+          </a:lnRef>
+          <a:fillRef idx="1">
+            <a:schemeClr val="lt1"/>
+          </a:fillRef>
+          <a:effectRef idx="0">
+            <a:schemeClr val="dk1"/>
+          </a:effectRef>
+          <a:fontRef idx="minor">
+            <a:schemeClr val="dk1"/>
+          </a:fontRef>
+        </p:style>
+        <p:txBody>
+          <a:bodyPr rtlCol="0" anchor="ctr"/>
+          <a:lstStyle/>
+          <a:p>
+            <a:pPr algn="ctr"/>
+            <a:r>
+              <a:rPr lang="es-ES" dirty="0" smtClean="0"/>
+              <a:t>Cálculo de potencias</a:t>
+            </a:r>
+            <a:endParaRPr lang="es-ES" dirty="0"/>
+          </a:p>
+        </p:txBody>
+      </p:sp>
+      <p:cxnSp>
+        <p:nvCxnSpPr>
+          <p:cNvPr id="39" name="38 Conector angular"/>
+          <p:cNvCxnSpPr>
+            <a:endCxn id="37" idx="3"/>
+          </p:cNvCxnSpPr>
+          <p:nvPr/>
+        </p:nvCxnSpPr>
+        <p:spPr>
+          <a:xfrm rot="10800000" flipV="1">
+            <a:off x="7345486" y="4617913"/>
+            <a:ext cx="1521556" cy="1430865"/>
+          </a:xfrm>
+          <a:prstGeom prst="bentConnector3">
+            <a:avLst>
+              <a:gd name="adj1" fmla="val -637"/>
+            </a:avLst>
+          </a:prstGeom>
+          <a:ln>
+            <a:tailEnd type="arrow"/>
+          </a:ln>
+        </p:spPr>
+        <p:style>
+          <a:lnRef idx="2">
+            <a:schemeClr val="dk1"/>
+          </a:lnRef>
+          <a:fillRef idx="0">
+            <a:schemeClr val="dk1"/>
+          </a:fillRef>
+          <a:effectRef idx="1">
+            <a:schemeClr val="dk1"/>
+          </a:effectRef>
+          <a:fontRef idx="minor">
+            <a:schemeClr val="tx1"/>
+          </a:fontRef>
+        </p:style>
+      </p:cxnSp>
+      <p:cxnSp>
+        <p:nvCxnSpPr>
+          <p:cNvPr id="42" name="41 Conector angular"/>
+          <p:cNvCxnSpPr>
+            <a:stCxn id="37" idx="1"/>
+            <a:endCxn id="5" idx="1"/>
+          </p:cNvCxnSpPr>
+          <p:nvPr/>
+        </p:nvCxnSpPr>
+        <p:spPr>
+          <a:xfrm rot="10800000">
+            <a:off x="4640386" y="4617915"/>
+            <a:ext cx="1104901" cy="1430865"/>
+          </a:xfrm>
+          <a:prstGeom prst="bentConnector3">
+            <a:avLst>
+              <a:gd name="adj1" fmla="val 129885"/>
+            </a:avLst>
+          </a:prstGeom>
+          <a:ln>
+            <a:tailEnd type="arrow"/>
+          </a:ln>
+        </p:spPr>
+        <p:style>
+          <a:lnRef idx="2">
+            <a:schemeClr val="dk1"/>
+          </a:lnRef>
+          <a:fillRef idx="0">
+            <a:schemeClr val="dk1"/>
+          </a:fillRef>
+          <a:effectRef idx="1">
+            <a:schemeClr val="dk1"/>
+          </a:effectRef>
+          <a:fontRef idx="minor">
+            <a:schemeClr val="tx1"/>
+          </a:fontRef>
+        </p:style>
+      </p:cxnSp>
+      <p:cxnSp>
+        <p:nvCxnSpPr>
+          <p:cNvPr id="44" name="43 Conector recto"/>
+          <p:cNvCxnSpPr>
+            <a:stCxn id="4" idx="3"/>
+            <a:endCxn id="5" idx="1"/>
+          </p:cNvCxnSpPr>
+          <p:nvPr/>
+        </p:nvCxnSpPr>
+        <p:spPr>
+          <a:xfrm flipV="1">
+            <a:off x="3992685" y="4617914"/>
+            <a:ext cx="647700" cy="1"/>
+          </a:xfrm>
+          <a:prstGeom prst="line">
+            <a:avLst/>
+          </a:prstGeom>
+        </p:spPr>
+        <p:style>
+          <a:lnRef idx="2">
+            <a:schemeClr val="dk1"/>
+          </a:lnRef>
+          <a:fillRef idx="0">
+            <a:schemeClr val="dk1"/>
+          </a:fillRef>
+          <a:effectRef idx="1">
+            <a:schemeClr val="dk1"/>
+          </a:effectRef>
+          <a:fontRef idx="minor">
+            <a:schemeClr val="tx1"/>
+          </a:fontRef>
+        </p:style>
+      </p:cxnSp>
+      <p:sp>
+        <p:nvSpPr>
+          <p:cNvPr id="46" name="45 Elipse"/>
+          <p:cNvSpPr/>
+          <p:nvPr/>
+        </p:nvSpPr>
+        <p:spPr>
+          <a:xfrm>
+            <a:off x="4233863" y="4547251"/>
+            <a:ext cx="151870" cy="160867"/>
+          </a:xfrm>
+          <a:prstGeom prst="ellipse">
+            <a:avLst/>
+          </a:prstGeom>
+        </p:spPr>
+        <p:style>
+          <a:lnRef idx="2">
+            <a:schemeClr val="dk1"/>
+          </a:lnRef>
+          <a:fillRef idx="1">
+            <a:schemeClr val="lt1"/>
+          </a:fillRef>
+          <a:effectRef idx="0">
+            <a:schemeClr val="dk1"/>
+          </a:effectRef>
+          <a:fontRef idx="minor">
+            <a:schemeClr val="dk1"/>
+          </a:fontRef>
+        </p:style>
+        <p:txBody>
+          <a:bodyPr rtlCol="0" anchor="ctr"/>
+          <a:lstStyle/>
+          <a:p>
+            <a:pPr algn="ctr"/>
+            <a:endParaRPr lang="es-ES"/>
+          </a:p>
+        </p:txBody>
+      </p:sp>
+      <p:cxnSp>
+        <p:nvCxnSpPr>
+          <p:cNvPr id="48" name="47 Conector recto de flecha"/>
+          <p:cNvCxnSpPr>
+            <a:stCxn id="5" idx="3"/>
+            <a:endCxn id="6" idx="1"/>
+          </p:cNvCxnSpPr>
+          <p:nvPr/>
+        </p:nvCxnSpPr>
+        <p:spPr>
+          <a:xfrm flipV="1">
+            <a:off x="6240585" y="4617913"/>
+            <a:ext cx="647700" cy="1"/>
+          </a:xfrm>
+          <a:prstGeom prst="straightConnector1">
+            <a:avLst/>
+          </a:prstGeom>
+          <a:ln>
+            <a:tailEnd type="arrow"/>
+          </a:ln>
+        </p:spPr>
+        <p:style>
+          <a:lnRef idx="2">
+            <a:schemeClr val="dk1"/>
+          </a:lnRef>
+          <a:fillRef idx="0">
+            <a:schemeClr val="dk1"/>
+          </a:fillRef>
+          <a:effectRef idx="1">
+            <a:schemeClr val="dk1"/>
+          </a:effectRef>
+          <a:fontRef idx="minor">
+            <a:schemeClr val="tx1"/>
+          </a:fontRef>
+        </p:style>
+      </p:cxnSp>
+      <p:cxnSp>
+        <p:nvCxnSpPr>
+          <p:cNvPr id="55" name="54 Conector angular"/>
+          <p:cNvCxnSpPr/>
+          <p:nvPr/>
+        </p:nvCxnSpPr>
+        <p:spPr>
+          <a:xfrm rot="10800000">
+            <a:off x="2317750" y="3714750"/>
+            <a:ext cx="6561994" cy="903164"/>
+          </a:xfrm>
+          <a:prstGeom prst="bentConnector3">
+            <a:avLst>
+              <a:gd name="adj1" fmla="val 67"/>
+            </a:avLst>
+          </a:prstGeom>
+        </p:spPr>
+        <p:style>
+          <a:lnRef idx="2">
+            <a:schemeClr val="dk1"/>
+          </a:lnRef>
+          <a:fillRef idx="0">
+            <a:schemeClr val="dk1"/>
+          </a:fillRef>
+          <a:effectRef idx="1">
+            <a:schemeClr val="dk1"/>
+          </a:effectRef>
+          <a:fontRef idx="minor">
+            <a:schemeClr val="tx1"/>
+          </a:fontRef>
+        </p:style>
+      </p:cxnSp>
+      <p:cxnSp>
+        <p:nvCxnSpPr>
+          <p:cNvPr id="61" name="60 Conector angular"/>
+          <p:cNvCxnSpPr/>
+          <p:nvPr/>
+        </p:nvCxnSpPr>
+        <p:spPr>
+          <a:xfrm rot="16200000" flipH="1">
+            <a:off x="1916175" y="3917889"/>
+            <a:ext cx="679451" cy="273169"/>
+          </a:xfrm>
+          <a:prstGeom prst="bentConnector3">
+            <a:avLst>
+              <a:gd name="adj1" fmla="val 99844"/>
+            </a:avLst>
+          </a:prstGeom>
+          <a:ln>
+            <a:tailEnd type="arrow"/>
+          </a:ln>
+        </p:spPr>
+        <p:style>
+          <a:lnRef idx="2">
+            <a:schemeClr val="dk1"/>
+          </a:lnRef>
+          <a:fillRef idx="0">
+            <a:schemeClr val="dk1"/>
+          </a:fillRef>
+          <a:effectRef idx="1">
+            <a:schemeClr val="dk1"/>
+          </a:effectRef>
+          <a:fontRef idx="minor">
+            <a:schemeClr val="tx1"/>
+          </a:fontRef>
+        </p:style>
+      </p:cxnSp>
+      <p:cxnSp>
+        <p:nvCxnSpPr>
+          <p:cNvPr id="72" name="71 Conector recto"/>
+          <p:cNvCxnSpPr/>
+          <p:nvPr/>
+        </p:nvCxnSpPr>
+        <p:spPr>
+          <a:xfrm>
+            <a:off x="2119316" y="3714750"/>
+            <a:ext cx="230184" cy="0"/>
+          </a:xfrm>
+          <a:prstGeom prst="line">
+            <a:avLst/>
+          </a:prstGeom>
+        </p:spPr>
+        <p:style>
+          <a:lnRef idx="2">
+            <a:schemeClr val="dk1"/>
+          </a:lnRef>
+          <a:fillRef idx="0">
+            <a:schemeClr val="dk1"/>
+          </a:fillRef>
+          <a:effectRef idx="1">
+            <a:schemeClr val="dk1"/>
+          </a:effectRef>
+          <a:fontRef idx="minor">
+            <a:schemeClr val="tx1"/>
+          </a:fontRef>
+        </p:style>
+      </p:cxnSp>
+      <p:cxnSp>
+        <p:nvCxnSpPr>
+          <p:cNvPr id="75" name="74 Conector angular"/>
+          <p:cNvCxnSpPr/>
+          <p:nvPr/>
+        </p:nvCxnSpPr>
+        <p:spPr>
+          <a:xfrm rot="16200000" flipH="1">
+            <a:off x="4135366" y="3889181"/>
+            <a:ext cx="679450" cy="330587"/>
+          </a:xfrm>
+          <a:prstGeom prst="bentConnector3">
+            <a:avLst>
+              <a:gd name="adj1" fmla="val 100000"/>
+            </a:avLst>
+          </a:prstGeom>
+          <a:ln>
+            <a:tailEnd type="arrow"/>
+          </a:ln>
+        </p:spPr>
+        <p:style>
+          <a:lnRef idx="2">
+            <a:schemeClr val="dk1"/>
+          </a:lnRef>
+          <a:fillRef idx="0">
+            <a:schemeClr val="dk1"/>
+          </a:fillRef>
+          <a:effectRef idx="1">
+            <a:schemeClr val="dk1"/>
+          </a:effectRef>
+          <a:fontRef idx="minor">
+            <a:schemeClr val="tx1"/>
+          </a:fontRef>
+        </p:style>
+      </p:cxnSp>
+      <p:cxnSp>
+        <p:nvCxnSpPr>
+          <p:cNvPr id="83" name="82 Conector angular"/>
+          <p:cNvCxnSpPr/>
+          <p:nvPr/>
+        </p:nvCxnSpPr>
+        <p:spPr>
+          <a:xfrm rot="10800000">
+            <a:off x="2125669" y="4766734"/>
+            <a:ext cx="2197221" cy="1282045"/>
+          </a:xfrm>
+          <a:prstGeom prst="bentConnector3">
+            <a:avLst>
+              <a:gd name="adj1" fmla="val 100094"/>
+            </a:avLst>
+          </a:prstGeom>
+        </p:spPr>
+        <p:style>
+          <a:lnRef idx="2">
+            <a:schemeClr val="dk1"/>
+          </a:lnRef>
+          <a:fillRef idx="0">
+            <a:schemeClr val="dk1"/>
+          </a:fillRef>
+          <a:effectRef idx="1">
+            <a:schemeClr val="dk1"/>
+          </a:effectRef>
+          <a:fontRef idx="minor">
+            <a:schemeClr val="tx1"/>
+          </a:fontRef>
+        </p:style>
+      </p:cxnSp>
+      <p:cxnSp>
+        <p:nvCxnSpPr>
+          <p:cNvPr id="91" name="90 Conector recto de flecha"/>
+          <p:cNvCxnSpPr/>
+          <p:nvPr/>
+        </p:nvCxnSpPr>
+        <p:spPr>
+          <a:xfrm>
+            <a:off x="2119316" y="4766734"/>
+            <a:ext cx="273169" cy="0"/>
+          </a:xfrm>
+          <a:prstGeom prst="straightConnector1">
+            <a:avLst/>
+          </a:prstGeom>
+          <a:ln>
+            <a:tailEnd type="arrow"/>
+          </a:ln>
+        </p:spPr>
+        <p:style>
+          <a:lnRef idx="2">
+            <a:schemeClr val="dk1"/>
+          </a:lnRef>
+          <a:fillRef idx="0">
+            <a:schemeClr val="dk1"/>
+          </a:fillRef>
+          <a:effectRef idx="1">
+            <a:schemeClr val="dk1"/>
+          </a:effectRef>
+          <a:fontRef idx="minor">
+            <a:schemeClr val="tx1"/>
+          </a:fontRef>
+        </p:style>
+      </p:cxnSp>
+      <p:sp>
+        <p:nvSpPr>
+          <p:cNvPr id="92" name="91 CuadroTexto"/>
+          <p:cNvSpPr txBox="1"/>
+          <p:nvPr/>
+        </p:nvSpPr>
+        <p:spPr>
+          <a:xfrm>
+            <a:off x="8879744" y="4310135"/>
+            <a:ext cx="920060" cy="307777"/>
+          </a:xfrm>
+          <a:prstGeom prst="rect">
+            <a:avLst/>
+          </a:prstGeom>
+          <a:noFill/>
+        </p:spPr>
+        <p:txBody>
+          <a:bodyPr wrap="none" rtlCol="0">
+            <a:spAutoFit/>
+          </a:bodyPr>
+          <a:lstStyle/>
+          <a:p>
+            <a:r>
+              <a:rPr lang="es-ES" sz="1400" dirty="0" err="1" smtClean="0"/>
+              <a:t>Iabc</a:t>
+            </a:r>
+            <a:r>
+              <a:rPr lang="es-ES" sz="1400" dirty="0" smtClean="0"/>
+              <a:t>, </a:t>
+            </a:r>
+            <a:r>
+              <a:rPr lang="es-ES" sz="1400" dirty="0" err="1" smtClean="0"/>
+              <a:t>Vabc</a:t>
+            </a:r>
+            <a:endParaRPr lang="es-ES" sz="1400" dirty="0"/>
+          </a:p>
+        </p:txBody>
+      </p:sp>
+      <p:sp>
+        <p:nvSpPr>
+          <p:cNvPr id="93" name="92 CuadroTexto"/>
+          <p:cNvSpPr txBox="1"/>
+          <p:nvPr/>
+        </p:nvSpPr>
+        <p:spPr>
+          <a:xfrm>
+            <a:off x="6292850" y="4319907"/>
+            <a:ext cx="486030" cy="307777"/>
+          </a:xfrm>
+          <a:prstGeom prst="rect">
+            <a:avLst/>
+          </a:prstGeom>
+          <a:noFill/>
+        </p:spPr>
+        <p:txBody>
+          <a:bodyPr wrap="none" rtlCol="0">
+            <a:spAutoFit/>
+          </a:bodyPr>
+          <a:lstStyle/>
+          <a:p>
+            <a:r>
+              <a:rPr lang="es-ES" sz="1400" dirty="0" err="1" smtClean="0"/>
+              <a:t>Iabc</a:t>
+            </a:r>
+            <a:endParaRPr lang="es-ES" sz="1400" dirty="0"/>
+          </a:p>
+        </p:txBody>
+      </p:sp>
+      <p:sp>
+        <p:nvSpPr>
+          <p:cNvPr id="94" name="93 CuadroTexto"/>
+          <p:cNvSpPr txBox="1"/>
+          <p:nvPr/>
+        </p:nvSpPr>
+        <p:spPr>
+          <a:xfrm>
+            <a:off x="5245099" y="5713511"/>
+            <a:ext cx="460575" cy="307777"/>
+          </a:xfrm>
+          <a:prstGeom prst="rect">
+            <a:avLst/>
+          </a:prstGeom>
+          <a:noFill/>
+        </p:spPr>
+        <p:txBody>
+          <a:bodyPr wrap="none" rtlCol="0">
+            <a:spAutoFit/>
+          </a:bodyPr>
+          <a:lstStyle/>
+          <a:p>
+            <a:r>
+              <a:rPr lang="es-ES" sz="1400" dirty="0" smtClean="0"/>
+              <a:t>P, Q</a:t>
+            </a:r>
+            <a:endParaRPr lang="es-ES" sz="1400" dirty="0"/>
+          </a:p>
+        </p:txBody>
+      </p:sp>
+      <p:pic>
+        <p:nvPicPr>
+          <p:cNvPr id="24" name="Picture 2" descr="Resultado de imagen de etsidi logo"/>
+          <p:cNvPicPr>
+            <a:picLocks noChangeAspect="1" noChangeArrowheads="1"/>
+          </p:cNvPicPr>
+          <p:nvPr/>
+        </p:nvPicPr>
+        <p:blipFill>
+          <a:blip r:embed="rId3" cstate="print">
+            <a:extLst>
+              <a:ext uri="{28A0092B-C50C-407E-A947-70E740481C1C}">
+                <a14:useLocalDpi xmlns:a14="http://schemas.microsoft.com/office/drawing/2010/main" val="0"/>
+              </a:ext>
+            </a:extLst>
+          </a:blip>
+          <a:srcRect/>
+          <a:stretch>
+            <a:fillRect/>
+          </a:stretch>
+        </p:blipFill>
+        <p:spPr bwMode="auto">
+          <a:xfrm>
+            <a:off x="10269415" y="286460"/>
+            <a:ext cx="1693789" cy="895227"/>
+          </a:xfrm>
+          <a:prstGeom prst="rect">
+            <a:avLst/>
+          </a:prstGeom>
+          <a:noFill/>
+          <a:extLst>
+            <a:ext uri="{909E8E84-426E-40DD-AFC4-6F175D3DCCD1}">
+              <a14:hiddenFill xmlns:a14="http://schemas.microsoft.com/office/drawing/2010/main">
+                <a:solidFill>
+                  <a:srgbClr val="FFFFFF"/>
+                </a:solidFill>
+              </a14:hiddenFill>
+            </a:ext>
+          </a:extLst>
+        </p:spPr>
+      </p:pic>
+      <p:pic>
+        <p:nvPicPr>
+          <p:cNvPr id="25" name="Picture 2" descr="Macintosh HD en Idril:Users:barrientos:DATOS:Modelos:Logos:UPM:EscUpmPolit.jpg"/>
+          <p:cNvPicPr/>
+          <p:nvPr/>
+        </p:nvPicPr>
+        <p:blipFill>
+          <a:blip r:embed="rId4">
+            <a:extLst>
+              <a:ext uri="{28A0092B-C50C-407E-A947-70E740481C1C}">
+                <a14:useLocalDpi xmlns:a14="http://schemas.microsoft.com/office/drawing/2010/main" val="0"/>
+              </a:ext>
+            </a:extLst>
+          </a:blip>
+          <a:srcRect/>
+          <a:stretch>
+            <a:fillRect/>
+          </a:stretch>
+        </p:blipFill>
+        <p:spPr bwMode="auto">
+          <a:xfrm>
+            <a:off x="143705" y="131712"/>
+            <a:ext cx="1417125" cy="1181686"/>
+          </a:xfrm>
+          <a:prstGeom prst="rect">
+            <a:avLst/>
+          </a:prstGeom>
+          <a:noFill/>
+          <a:ln>
+            <a:noFill/>
+          </a:ln>
+        </p:spPr>
+      </p:pic>
+      <p:pic>
+        <p:nvPicPr>
+          <p:cNvPr id="27" name="Image 6" descr="image011"/>
+          <p:cNvPicPr>
+            <a:picLocks noChangeAspect="1" noChangeArrowheads="1"/>
+          </p:cNvPicPr>
+          <p:nvPr/>
+        </p:nvPicPr>
+        <p:blipFill>
+          <a:blip r:embed="rId5">
+            <a:extLst>
+              <a:ext uri="{28A0092B-C50C-407E-A947-70E740481C1C}">
+                <a14:useLocalDpi xmlns:a14="http://schemas.microsoft.com/office/drawing/2010/main" val="0"/>
+              </a:ext>
+            </a:extLst>
+          </a:blip>
+          <a:srcRect/>
+          <a:stretch>
+            <a:fillRect/>
+          </a:stretch>
+        </p:blipFill>
+        <p:spPr bwMode="auto">
+          <a:xfrm>
+            <a:off x="9845799" y="6062662"/>
+            <a:ext cx="2117405" cy="452437"/>
+          </a:xfrm>
+          <a:prstGeom prst="rect">
+            <a:avLst/>
+          </a:prstGeom>
+          <a:noFill/>
+          <a:ln>
+            <a:noFill/>
+          </a:ln>
+          <a:extLst>
+            <a:ext uri="{909E8E84-426E-40DD-AFC4-6F175D3DCCD1}">
+              <a14:hiddenFill xmlns:a14="http://schemas.microsoft.com/office/drawing/2010/main">
+                <a:solidFill>
+                  <a:srgbClr val="FFFFFF"/>
+                </a:solidFill>
+              </a14:hiddenFill>
+            </a:ext>
+            <a:ext uri="{91240B29-F687-4F45-9708-019B960494DF}">
+              <a14:hiddenLine xmlns:a14="http://schemas.microsoft.com/office/drawing/2010/main" w="9525">
+                <a:solidFill>
+                  <a:srgbClr val="000000"/>
+                </a:solidFill>
+                <a:miter lim="800000"/>
+                <a:headEnd/>
+                <a:tailEnd/>
+              </a14:hiddenLine>
+            </a:ext>
+          </a:extLst>
+        </p:spPr>
+      </p:pic>
+    </p:spTree>
+    <p:extLst>
+      <p:ext uri="{BB962C8B-B14F-4D97-AF65-F5344CB8AC3E}">
+        <p14:creationId xmlns:p14="http://schemas.microsoft.com/office/powerpoint/2010/main" val="2308687549"/>
+      </p:ext>
+    </p:extLst>
+  </p:cSld>
+  <p:clrMapOvr>
+    <a:overrideClrMapping bg1="lt1" tx1="dk1" bg2="lt2" tx2="dk2" accent1="accent1" accent2="accent2" accent3="accent3" accent4="accent4" accent5="accent5" accent6="accent6" hlink="hlink" folHlink="folHlink"/>
+  </p:clrMapOvr>
+  <p:timing>
+    <p:tnLst>
+      <p:par>
+        <p:cTn id="1" dur="indefinite" restart="never" nodeType="tmRoot">
+          <p:childTnLst>
+            <p:seq concurrent="1" nextAc="seek">
+              <p:cTn id="2" dur="indefinite" nodeType="mainSeq">
+                <p:childTnLst>
+                  <p:par>
+                    <p:cTn id="3" fill="hold">
+                      <p:stCondLst>
+                        <p:cond delay="indefinite"/>
+                        <p:cond evt="onBegin" delay="0">
+                          <p:tn val="2"/>
+                        </p:cond>
+                      </p:stCondLst>
+                      <p:childTnLst>
+                        <p:par>
+                          <p:cTn id="4" fill="hold">
+                            <p:stCondLst>
+                              <p:cond delay="0"/>
+                            </p:stCondLst>
+                            <p:childTnLst>
+                              <p:par>
+                                <p:cTn id="5" presetID="1" presetClass="entr" presetSubtype="0" fill="hold" grpId="0" nodeType="withEffect">
+                                  <p:stCondLst>
+                                    <p:cond delay="0"/>
+                                  </p:stCondLst>
+                                  <p:childTnLst>
+                                    <p:set>
+                                      <p:cBhvr>
+                                        <p:cTn id="6" dur="1" fill="hold">
+                                          <p:stCondLst>
+                                            <p:cond delay="0"/>
+                                          </p:stCondLst>
+                                        </p:cTn>
+                                        <p:tgtEl>
+                                          <p:spTgt spid="3">
+                                            <p:txEl>
+                                              <p:pRg st="0" end="0"/>
+                                            </p:txEl>
+                                          </p:spTgt>
+                                        </p:tgtEl>
+                                        <p:attrNameLst>
+                                          <p:attrName>style.visibility</p:attrName>
+                                        </p:attrNameLst>
+                                      </p:cBhvr>
+                                      <p:to>
+                                        <p:strVal val="visible"/>
+                                      </p:to>
+                                    </p:set>
+                                  </p:childTnLst>
+                                </p:cTn>
+                              </p:par>
+                            </p:childTnLst>
+                          </p:cTn>
+                        </p:par>
+                      </p:childTnLst>
+                    </p:cTn>
+                  </p:par>
+                  <p:par>
+                    <p:cTn id="7" fill="hold">
+                      <p:stCondLst>
+                        <p:cond delay="indefinite"/>
+                      </p:stCondLst>
+                      <p:childTnLst>
+                        <p:par>
+                          <p:cTn id="8" fill="hold">
+                            <p:stCondLst>
+                              <p:cond delay="0"/>
+                            </p:stCondLst>
+                            <p:childTnLst>
+                              <p:par>
+                                <p:cTn id="9" presetID="1" presetClass="entr" presetSubtype="0" fill="hold" grpId="0" nodeType="clickEffect">
+                                  <p:stCondLst>
+                                    <p:cond delay="0"/>
+                                  </p:stCondLst>
+                                  <p:childTnLst>
+                                    <p:set>
+                                      <p:cBhvr>
+                                        <p:cTn id="10" dur="1" fill="hold">
+                                          <p:stCondLst>
+                                            <p:cond delay="0"/>
+                                          </p:stCondLst>
+                                        </p:cTn>
+                                        <p:tgtEl>
+                                          <p:spTgt spid="3">
+                                            <p:txEl>
+                                              <p:pRg st="1" end="1"/>
+                                            </p:txEl>
+                                          </p:spTgt>
+                                        </p:tgtEl>
+                                        <p:attrNameLst>
+                                          <p:attrName>style.visibility</p:attrName>
+                                        </p:attrNameLst>
+                                      </p:cBhvr>
+                                      <p:to>
+                                        <p:strVal val="visible"/>
+                                      </p:to>
+                                    </p:set>
+                                  </p:childTnLst>
+                                </p:cTn>
+                              </p:par>
+                            </p:childTnLst>
+                          </p:cTn>
+                        </p:par>
+                      </p:childTnLst>
+                    </p:cTn>
+                  </p:par>
+                  <p:par>
+                    <p:cTn id="11" fill="hold">
+                      <p:stCondLst>
+                        <p:cond delay="indefinite"/>
+                      </p:stCondLst>
+                      <p:childTnLst>
+                        <p:par>
+                          <p:cTn id="12" fill="hold">
+                            <p:stCondLst>
+                              <p:cond delay="0"/>
+                            </p:stCondLst>
+                            <p:childTnLst>
+                              <p:par>
+                                <p:cTn id="13" presetID="1" presetClass="entr" presetSubtype="0" fill="hold" grpId="0" nodeType="clickEffect">
+                                  <p:stCondLst>
+                                    <p:cond delay="0"/>
+                                  </p:stCondLst>
+                                  <p:childTnLst>
+                                    <p:set>
+                                      <p:cBhvr>
+                                        <p:cTn id="14" dur="1" fill="hold">
+                                          <p:stCondLst>
+                                            <p:cond delay="0"/>
+                                          </p:stCondLst>
+                                        </p:cTn>
+                                        <p:tgtEl>
+                                          <p:spTgt spid="3">
+                                            <p:txEl>
+                                              <p:pRg st="2" end="2"/>
+                                            </p:txEl>
+                                          </p:spTgt>
+                                        </p:tgtEl>
+                                        <p:attrNameLst>
+                                          <p:attrName>style.visibility</p:attrName>
+                                        </p:attrNameLst>
+                                      </p:cBhvr>
+                                      <p:to>
+                                        <p:strVal val="visible"/>
+                                      </p:to>
+                                    </p:set>
+                                  </p:childTnLst>
+                                </p:cTn>
+                              </p:par>
+                            </p:childTnLst>
+                          </p:cTn>
+                        </p:par>
+                      </p:childTnLst>
+                    </p:cTn>
+                  </p:par>
+                  <p:par>
+                    <p:cTn id="15" fill="hold">
+                      <p:stCondLst>
+                        <p:cond delay="indefinite"/>
+                      </p:stCondLst>
+                      <p:childTnLst>
+                        <p:par>
+                          <p:cTn id="16" fill="hold">
+                            <p:stCondLst>
+                              <p:cond delay="0"/>
+                            </p:stCondLst>
+                            <p:childTnLst>
+                              <p:par>
+                                <p:cTn id="17" presetID="1" presetClass="entr" presetSubtype="0" fill="hold" grpId="0" nodeType="clickEffect">
+                                  <p:stCondLst>
+                                    <p:cond delay="0"/>
+                                  </p:stCondLst>
+                                  <p:childTnLst>
+                                    <p:set>
+                                      <p:cBhvr>
+                                        <p:cTn id="18" dur="1" fill="hold">
+                                          <p:stCondLst>
+                                            <p:cond delay="0"/>
+                                          </p:stCondLst>
+                                        </p:cTn>
+                                        <p:tgtEl>
+                                          <p:spTgt spid="3">
+                                            <p:txEl>
+                                              <p:pRg st="3" end="3"/>
+                                            </p:txEl>
+                                          </p:spTgt>
+                                        </p:tgtEl>
+                                        <p:attrNameLst>
+                                          <p:attrName>style.visibility</p:attrName>
+                                        </p:attrNameLst>
+                                      </p:cBhvr>
+                                      <p:to>
+                                        <p:strVal val="visible"/>
+                                      </p:to>
+                                    </p:set>
+                                  </p:childTnLst>
+                                </p:cTn>
+                              </p:par>
+                            </p:childTnLst>
+                          </p:cTn>
+                        </p:par>
+                      </p:childTnLst>
+                    </p:cTn>
+                  </p:par>
+                  <p:par>
+                    <p:cTn id="19" fill="hold">
+                      <p:stCondLst>
+                        <p:cond delay="indefinite"/>
+                      </p:stCondLst>
+                      <p:childTnLst>
+                        <p:par>
+                          <p:cTn id="20" fill="hold">
+                            <p:stCondLst>
+                              <p:cond delay="0"/>
+                            </p:stCondLst>
+                            <p:childTnLst>
+                              <p:par>
+                                <p:cTn id="21" presetID="1" presetClass="entr" presetSubtype="0" fill="hold" grpId="0" nodeType="clickEffect">
+                                  <p:stCondLst>
+                                    <p:cond delay="0"/>
+                                  </p:stCondLst>
+                                  <p:childTnLst>
+                                    <p:set>
+                                      <p:cBhvr>
+                                        <p:cTn id="22" dur="1" fill="hold">
+                                          <p:stCondLst>
+                                            <p:cond delay="0"/>
+                                          </p:stCondLst>
+                                        </p:cTn>
+                                        <p:tgtEl>
+                                          <p:spTgt spid="4"/>
+                                        </p:tgtEl>
+                                        <p:attrNameLst>
+                                          <p:attrName>style.visibility</p:attrName>
+                                        </p:attrNameLst>
+                                      </p:cBhvr>
+                                      <p:to>
+                                        <p:strVal val="visible"/>
+                                      </p:to>
+                                    </p:set>
+                                  </p:childTnLst>
+                                </p:cTn>
+                              </p:par>
+                              <p:par>
+                                <p:cTn id="23" presetID="1" presetClass="entr" presetSubtype="0" fill="hold" grpId="0" nodeType="withEffect">
+                                  <p:stCondLst>
+                                    <p:cond delay="0"/>
+                                  </p:stCondLst>
+                                  <p:childTnLst>
+                                    <p:set>
+                                      <p:cBhvr>
+                                        <p:cTn id="24" dur="1" fill="hold">
+                                          <p:stCondLst>
+                                            <p:cond delay="0"/>
+                                          </p:stCondLst>
+                                        </p:cTn>
+                                        <p:tgtEl>
+                                          <p:spTgt spid="5"/>
+                                        </p:tgtEl>
+                                        <p:attrNameLst>
+                                          <p:attrName>style.visibility</p:attrName>
+                                        </p:attrNameLst>
+                                      </p:cBhvr>
+                                      <p:to>
+                                        <p:strVal val="visible"/>
+                                      </p:to>
+                                    </p:set>
+                                  </p:childTnLst>
+                                </p:cTn>
+                              </p:par>
+                              <p:par>
+                                <p:cTn id="25" presetID="1" presetClass="entr" presetSubtype="0" fill="hold" grpId="0" nodeType="withEffect">
+                                  <p:stCondLst>
+                                    <p:cond delay="0"/>
+                                  </p:stCondLst>
+                                  <p:childTnLst>
+                                    <p:set>
+                                      <p:cBhvr>
+                                        <p:cTn id="26" dur="1" fill="hold">
+                                          <p:stCondLst>
+                                            <p:cond delay="0"/>
+                                          </p:stCondLst>
+                                        </p:cTn>
+                                        <p:tgtEl>
+                                          <p:spTgt spid="6"/>
+                                        </p:tgtEl>
+                                        <p:attrNameLst>
+                                          <p:attrName>style.visibility</p:attrName>
+                                        </p:attrNameLst>
+                                      </p:cBhvr>
+                                      <p:to>
+                                        <p:strVal val="visible"/>
+                                      </p:to>
+                                    </p:set>
+                                  </p:childTnLst>
+                                </p:cTn>
+                              </p:par>
+                              <p:par>
+                                <p:cTn id="27" presetID="1" presetClass="entr" presetSubtype="0" fill="hold" nodeType="withEffect">
+                                  <p:stCondLst>
+                                    <p:cond delay="0"/>
+                                  </p:stCondLst>
+                                  <p:childTnLst>
+                                    <p:set>
+                                      <p:cBhvr>
+                                        <p:cTn id="28" dur="1" fill="hold">
+                                          <p:stCondLst>
+                                            <p:cond delay="0"/>
+                                          </p:stCondLst>
+                                        </p:cTn>
+                                        <p:tgtEl>
+                                          <p:spTgt spid="8"/>
+                                        </p:tgtEl>
+                                        <p:attrNameLst>
+                                          <p:attrName>style.visibility</p:attrName>
+                                        </p:attrNameLst>
+                                      </p:cBhvr>
+                                      <p:to>
+                                        <p:strVal val="visible"/>
+                                      </p:to>
+                                    </p:set>
+                                  </p:childTnLst>
+                                </p:cTn>
+                              </p:par>
+                              <p:par>
+                                <p:cTn id="29" presetID="1" presetClass="entr" presetSubtype="0" fill="hold" grpId="0" nodeType="withEffect">
+                                  <p:stCondLst>
+                                    <p:cond delay="0"/>
+                                  </p:stCondLst>
+                                  <p:childTnLst>
+                                    <p:set>
+                                      <p:cBhvr>
+                                        <p:cTn id="30" dur="1" fill="hold">
+                                          <p:stCondLst>
+                                            <p:cond delay="0"/>
+                                          </p:stCondLst>
+                                        </p:cTn>
+                                        <p:tgtEl>
+                                          <p:spTgt spid="37"/>
+                                        </p:tgtEl>
+                                        <p:attrNameLst>
+                                          <p:attrName>style.visibility</p:attrName>
+                                        </p:attrNameLst>
+                                      </p:cBhvr>
+                                      <p:to>
+                                        <p:strVal val="visible"/>
+                                      </p:to>
+                                    </p:set>
+                                  </p:childTnLst>
+                                </p:cTn>
+                              </p:par>
+                              <p:par>
+                                <p:cTn id="31" presetID="1" presetClass="entr" presetSubtype="0" fill="hold" nodeType="withEffect">
+                                  <p:stCondLst>
+                                    <p:cond delay="0"/>
+                                  </p:stCondLst>
+                                  <p:childTnLst>
+                                    <p:set>
+                                      <p:cBhvr>
+                                        <p:cTn id="32" dur="1" fill="hold">
+                                          <p:stCondLst>
+                                            <p:cond delay="0"/>
+                                          </p:stCondLst>
+                                        </p:cTn>
+                                        <p:tgtEl>
+                                          <p:spTgt spid="39"/>
+                                        </p:tgtEl>
+                                        <p:attrNameLst>
+                                          <p:attrName>style.visibility</p:attrName>
+                                        </p:attrNameLst>
+                                      </p:cBhvr>
+                                      <p:to>
+                                        <p:strVal val="visible"/>
+                                      </p:to>
+                                    </p:set>
+                                  </p:childTnLst>
+                                </p:cTn>
+                              </p:par>
+                              <p:par>
+                                <p:cTn id="33" presetID="1" presetClass="entr" presetSubtype="0" fill="hold" nodeType="withEffect">
+                                  <p:stCondLst>
+                                    <p:cond delay="0"/>
+                                  </p:stCondLst>
+                                  <p:childTnLst>
+                                    <p:set>
+                                      <p:cBhvr>
+                                        <p:cTn id="34" dur="1" fill="hold">
+                                          <p:stCondLst>
+                                            <p:cond delay="0"/>
+                                          </p:stCondLst>
+                                        </p:cTn>
+                                        <p:tgtEl>
+                                          <p:spTgt spid="42"/>
+                                        </p:tgtEl>
+                                        <p:attrNameLst>
+                                          <p:attrName>style.visibility</p:attrName>
+                                        </p:attrNameLst>
+                                      </p:cBhvr>
+                                      <p:to>
+                                        <p:strVal val="visible"/>
+                                      </p:to>
+                                    </p:set>
+                                  </p:childTnLst>
+                                </p:cTn>
+                              </p:par>
+                              <p:par>
+                                <p:cTn id="35" presetID="1" presetClass="entr" presetSubtype="0" fill="hold" nodeType="withEffect">
+                                  <p:stCondLst>
+                                    <p:cond delay="0"/>
+                                  </p:stCondLst>
+                                  <p:childTnLst>
+                                    <p:set>
+                                      <p:cBhvr>
+                                        <p:cTn id="36" dur="1" fill="hold">
+                                          <p:stCondLst>
+                                            <p:cond delay="0"/>
+                                          </p:stCondLst>
+                                        </p:cTn>
+                                        <p:tgtEl>
+                                          <p:spTgt spid="44"/>
+                                        </p:tgtEl>
+                                        <p:attrNameLst>
+                                          <p:attrName>style.visibility</p:attrName>
+                                        </p:attrNameLst>
+                                      </p:cBhvr>
+                                      <p:to>
+                                        <p:strVal val="visible"/>
+                                      </p:to>
+                                    </p:set>
+                                  </p:childTnLst>
+                                </p:cTn>
+                              </p:par>
+                              <p:par>
+                                <p:cTn id="37" presetID="1" presetClass="entr" presetSubtype="0" fill="hold" grpId="0" nodeType="withEffect">
+                                  <p:stCondLst>
+                                    <p:cond delay="0"/>
+                                  </p:stCondLst>
+                                  <p:childTnLst>
+                                    <p:set>
+                                      <p:cBhvr>
+                                        <p:cTn id="38" dur="1" fill="hold">
+                                          <p:stCondLst>
+                                            <p:cond delay="0"/>
+                                          </p:stCondLst>
+                                        </p:cTn>
+                                        <p:tgtEl>
+                                          <p:spTgt spid="46"/>
+                                        </p:tgtEl>
+                                        <p:attrNameLst>
+                                          <p:attrName>style.visibility</p:attrName>
+                                        </p:attrNameLst>
+                                      </p:cBhvr>
+                                      <p:to>
+                                        <p:strVal val="visible"/>
+                                      </p:to>
+                                    </p:set>
+                                  </p:childTnLst>
+                                </p:cTn>
+                              </p:par>
+                              <p:par>
+                                <p:cTn id="39" presetID="1" presetClass="entr" presetSubtype="0" fill="hold" nodeType="withEffect">
+                                  <p:stCondLst>
+                                    <p:cond delay="0"/>
+                                  </p:stCondLst>
+                                  <p:childTnLst>
+                                    <p:set>
+                                      <p:cBhvr>
+                                        <p:cTn id="40" dur="1" fill="hold">
+                                          <p:stCondLst>
+                                            <p:cond delay="0"/>
+                                          </p:stCondLst>
+                                        </p:cTn>
+                                        <p:tgtEl>
+                                          <p:spTgt spid="48"/>
+                                        </p:tgtEl>
+                                        <p:attrNameLst>
+                                          <p:attrName>style.visibility</p:attrName>
+                                        </p:attrNameLst>
+                                      </p:cBhvr>
+                                      <p:to>
+                                        <p:strVal val="visible"/>
+                                      </p:to>
+                                    </p:set>
+                                  </p:childTnLst>
+                                </p:cTn>
+                              </p:par>
+                              <p:par>
+                                <p:cTn id="41" presetID="1" presetClass="entr" presetSubtype="0" fill="hold" nodeType="withEffect">
+                                  <p:stCondLst>
+                                    <p:cond delay="0"/>
+                                  </p:stCondLst>
+                                  <p:childTnLst>
+                                    <p:set>
+                                      <p:cBhvr>
+                                        <p:cTn id="42" dur="1" fill="hold">
+                                          <p:stCondLst>
+                                            <p:cond delay="0"/>
+                                          </p:stCondLst>
+                                        </p:cTn>
+                                        <p:tgtEl>
+                                          <p:spTgt spid="55"/>
+                                        </p:tgtEl>
+                                        <p:attrNameLst>
+                                          <p:attrName>style.visibility</p:attrName>
+                                        </p:attrNameLst>
+                                      </p:cBhvr>
+                                      <p:to>
+                                        <p:strVal val="visible"/>
+                                      </p:to>
+                                    </p:set>
+                                  </p:childTnLst>
+                                </p:cTn>
+                              </p:par>
+                              <p:par>
+                                <p:cTn id="43" presetID="1" presetClass="entr" presetSubtype="0" fill="hold" nodeType="withEffect">
+                                  <p:stCondLst>
+                                    <p:cond delay="0"/>
+                                  </p:stCondLst>
+                                  <p:childTnLst>
+                                    <p:set>
+                                      <p:cBhvr>
+                                        <p:cTn id="44" dur="1" fill="hold">
+                                          <p:stCondLst>
+                                            <p:cond delay="0"/>
+                                          </p:stCondLst>
+                                        </p:cTn>
+                                        <p:tgtEl>
+                                          <p:spTgt spid="61"/>
+                                        </p:tgtEl>
+                                        <p:attrNameLst>
+                                          <p:attrName>style.visibility</p:attrName>
+                                        </p:attrNameLst>
+                                      </p:cBhvr>
+                                      <p:to>
+                                        <p:strVal val="visible"/>
+                                      </p:to>
+                                    </p:set>
+                                  </p:childTnLst>
+                                </p:cTn>
+                              </p:par>
+                              <p:par>
+                                <p:cTn id="45" presetID="1" presetClass="entr" presetSubtype="0" fill="hold" nodeType="withEffect">
+                                  <p:stCondLst>
+                                    <p:cond delay="0"/>
+                                  </p:stCondLst>
+                                  <p:childTnLst>
+                                    <p:set>
+                                      <p:cBhvr>
+                                        <p:cTn id="46" dur="1" fill="hold">
+                                          <p:stCondLst>
+                                            <p:cond delay="0"/>
+                                          </p:stCondLst>
+                                        </p:cTn>
+                                        <p:tgtEl>
+                                          <p:spTgt spid="72"/>
+                                        </p:tgtEl>
+                                        <p:attrNameLst>
+                                          <p:attrName>style.visibility</p:attrName>
+                                        </p:attrNameLst>
+                                      </p:cBhvr>
+                                      <p:to>
+                                        <p:strVal val="visible"/>
+                                      </p:to>
+                                    </p:set>
+                                  </p:childTnLst>
+                                </p:cTn>
+                              </p:par>
+                              <p:par>
+                                <p:cTn id="47" presetID="1" presetClass="entr" presetSubtype="0" fill="hold" nodeType="withEffect">
+                                  <p:stCondLst>
+                                    <p:cond delay="0"/>
+                                  </p:stCondLst>
+                                  <p:childTnLst>
+                                    <p:set>
+                                      <p:cBhvr>
+                                        <p:cTn id="48" dur="1" fill="hold">
+                                          <p:stCondLst>
+                                            <p:cond delay="0"/>
+                                          </p:stCondLst>
+                                        </p:cTn>
+                                        <p:tgtEl>
+                                          <p:spTgt spid="75"/>
+                                        </p:tgtEl>
+                                        <p:attrNameLst>
+                                          <p:attrName>style.visibility</p:attrName>
+                                        </p:attrNameLst>
+                                      </p:cBhvr>
+                                      <p:to>
+                                        <p:strVal val="visible"/>
+                                      </p:to>
+                                    </p:set>
+                                  </p:childTnLst>
+                                </p:cTn>
+                              </p:par>
+                              <p:par>
+                                <p:cTn id="49" presetID="1" presetClass="entr" presetSubtype="0" fill="hold" nodeType="withEffect">
+                                  <p:stCondLst>
+                                    <p:cond delay="0"/>
+                                  </p:stCondLst>
+                                  <p:childTnLst>
+                                    <p:set>
+                                      <p:cBhvr>
+                                        <p:cTn id="50" dur="1" fill="hold">
+                                          <p:stCondLst>
+                                            <p:cond delay="0"/>
+                                          </p:stCondLst>
+                                        </p:cTn>
+                                        <p:tgtEl>
+                                          <p:spTgt spid="83"/>
+                                        </p:tgtEl>
+                                        <p:attrNameLst>
+                                          <p:attrName>style.visibility</p:attrName>
+                                        </p:attrNameLst>
+                                      </p:cBhvr>
+                                      <p:to>
+                                        <p:strVal val="visible"/>
+                                      </p:to>
+                                    </p:set>
+                                  </p:childTnLst>
+                                </p:cTn>
+                              </p:par>
+                              <p:par>
+                                <p:cTn id="51" presetID="1" presetClass="entr" presetSubtype="0" fill="hold" nodeType="withEffect">
+                                  <p:stCondLst>
+                                    <p:cond delay="0"/>
+                                  </p:stCondLst>
+                                  <p:childTnLst>
+                                    <p:set>
+                                      <p:cBhvr>
+                                        <p:cTn id="52" dur="1" fill="hold">
+                                          <p:stCondLst>
+                                            <p:cond delay="0"/>
+                                          </p:stCondLst>
+                                        </p:cTn>
+                                        <p:tgtEl>
+                                          <p:spTgt spid="91"/>
+                                        </p:tgtEl>
+                                        <p:attrNameLst>
+                                          <p:attrName>style.visibility</p:attrName>
+                                        </p:attrNameLst>
+                                      </p:cBhvr>
+                                      <p:to>
+                                        <p:strVal val="visible"/>
+                                      </p:to>
+                                    </p:set>
+                                  </p:childTnLst>
+                                </p:cTn>
+                              </p:par>
+                              <p:par>
+                                <p:cTn id="53" presetID="1" presetClass="entr" presetSubtype="0" fill="hold" grpId="0" nodeType="withEffect">
+                                  <p:stCondLst>
+                                    <p:cond delay="0"/>
+                                  </p:stCondLst>
+                                  <p:childTnLst>
+                                    <p:set>
+                                      <p:cBhvr>
+                                        <p:cTn id="54" dur="1" fill="hold">
+                                          <p:stCondLst>
+                                            <p:cond delay="0"/>
+                                          </p:stCondLst>
+                                        </p:cTn>
+                                        <p:tgtEl>
+                                          <p:spTgt spid="93"/>
+                                        </p:tgtEl>
+                                        <p:attrNameLst>
+                                          <p:attrName>style.visibility</p:attrName>
+                                        </p:attrNameLst>
+                                      </p:cBhvr>
+                                      <p:to>
+                                        <p:strVal val="visible"/>
+                                      </p:to>
+                                    </p:set>
+                                  </p:childTnLst>
+                                </p:cTn>
+                              </p:par>
+                              <p:par>
+                                <p:cTn id="55" presetID="1" presetClass="entr" presetSubtype="0" fill="hold" grpId="0" nodeType="withEffect">
+                                  <p:stCondLst>
+                                    <p:cond delay="0"/>
+                                  </p:stCondLst>
+                                  <p:childTnLst>
+                                    <p:set>
+                                      <p:cBhvr>
+                                        <p:cTn id="56" dur="1" fill="hold">
+                                          <p:stCondLst>
+                                            <p:cond delay="0"/>
+                                          </p:stCondLst>
+                                        </p:cTn>
+                                        <p:tgtEl>
+                                          <p:spTgt spid="94"/>
+                                        </p:tgtEl>
+                                        <p:attrNameLst>
+                                          <p:attrName>style.visibility</p:attrName>
+                                        </p:attrNameLst>
+                                      </p:cBhvr>
+                                      <p:to>
+                                        <p:strVal val="visible"/>
+                                      </p:to>
+                                    </p:set>
+                                  </p:childTnLst>
+                                </p:cTn>
+                              </p:par>
+                              <p:par>
+                                <p:cTn id="57" presetID="1" presetClass="entr" presetSubtype="0" fill="hold" grpId="0" nodeType="withEffect">
+                                  <p:stCondLst>
+                                    <p:cond delay="0"/>
+                                  </p:stCondLst>
+                                  <p:childTnLst>
+                                    <p:set>
+                                      <p:cBhvr>
+                                        <p:cTn id="58" dur="1" fill="hold">
+                                          <p:stCondLst>
+                                            <p:cond delay="0"/>
+                                          </p:stCondLst>
+                                        </p:cTn>
+                                        <p:tgtEl>
+                                          <p:spTgt spid="92"/>
+                                        </p:tgtEl>
+                                        <p:attrNameLst>
+                                          <p:attrName>style.visibility</p:attrName>
+                                        </p:attrNameLst>
+                                      </p:cBhvr>
+                                      <p:to>
+                                        <p:strVal val="visible"/>
+                                      </p:to>
+                                    </p:set>
+                                  </p:childTnLst>
+                                </p:cTn>
+                              </p:par>
+                            </p:childTnLst>
+                          </p:cTn>
+                        </p:par>
+                      </p:childTnLst>
+                    </p:cTn>
+                  </p:par>
+                </p:childTnLst>
+              </p:cTn>
+              <p:prevCondLst>
+                <p:cond evt="onPrev" delay="0">
+                  <p:tgtEl>
+                    <p:sldTgt/>
+                  </p:tgtEl>
+                </p:cond>
+              </p:prevCondLst>
+              <p:nextCondLst>
+                <p:cond evt="onNext" delay="0">
+                  <p:tgtEl>
+                    <p:sldTgt/>
+                  </p:tgtEl>
+                </p:cond>
+              </p:nextCondLst>
+            </p:seq>
+          </p:childTnLst>
+        </p:cTn>
+      </p:par>
+    </p:tnLst>
+    <p:bldLst>
+      <p:bldP spid="3" grpId="0" uiExpand="1" build="p"/>
+      <p:bldP spid="4" grpId="0" animBg="1"/>
+      <p:bldP spid="5" grpId="0" animBg="1"/>
+      <p:bldP spid="6" grpId="0" animBg="1"/>
+      <p:bldP spid="37" grpId="0" animBg="1"/>
+      <p:bldP spid="46" grpId="0" animBg="1"/>
+      <p:bldP spid="92" grpId="0"/>
+      <p:bldP spid="93" grpId="0"/>
+      <p:bldP spid="94" grpId="0"/>
+    </p:bldLst>
+  </p:timing>
+</p:sld>
+</file>
+
+<file path=ppt/slides/slide12.xml><?xml version="1.0" encoding="utf-8"?>
 <p:sld xmlns:a="http://schemas.openxmlformats.org/drawingml/2006/main" xmlns:r="http://schemas.openxmlformats.org/officeDocument/2006/relationships" xmlns:p="http://schemas.openxmlformats.org/presentationml/2006/main">
   <p:cSld>
     <p:spTree>
@@ -3472,508 +5360,38 @@
         </p:nvSpPr>
         <p:spPr/>
         <p:txBody>
-          <a:bodyPr/>
+          <a:bodyPr>
+            <a:normAutofit/>
+          </a:bodyPr>
           <a:lstStyle/>
           <a:p>
             <a:pPr algn="ctr"/>
             <a:r>
-              <a:rPr lang="es-ES" dirty="0" smtClean="0"/>
-              <a:t>Resultados</a:t>
-            </a:r>
-            <a:endParaRPr lang="es-ES" dirty="0"/>
+              <a:rPr lang="es-ES" b="1" dirty="0">
+                <a:solidFill>
+                  <a:schemeClr val="accent1">
+                    <a:lumMod val="50000"/>
+                  </a:schemeClr>
+                </a:solidFill>
+              </a:rPr>
+              <a:t>Generación de consigna</a:t>
+            </a:r>
+            <a:endParaRPr lang="es-ES" b="1" dirty="0">
+              <a:solidFill>
+                <a:schemeClr val="accent1">
+                  <a:lumMod val="50000"/>
+                </a:schemeClr>
+              </a:solidFill>
+            </a:endParaRPr>
           </a:p>
         </p:txBody>
       </p:sp>
       <p:pic>
         <p:nvPicPr>
-          <p:cNvPr id="4" name="Picture 2" descr="Resultado de imagen de etsidi logo"/>
+          <p:cNvPr id="1026" name="Picture 2" descr="C:\Users\Catalina Terrasa\Desktop\SP_Sim.PNG"/>
           <p:cNvPicPr>
             <a:picLocks noChangeAspect="1" noChangeArrowheads="1"/>
           </p:cNvPicPr>
-          <p:nvPr/>
-        </p:nvPicPr>
-        <p:blipFill>
-          <a:blip r:embed="rId2" cstate="print">
-            <a:extLst>
-              <a:ext uri="{28A0092B-C50C-407E-A947-70E740481C1C}">
-                <a14:useLocalDpi xmlns:a14="http://schemas.microsoft.com/office/drawing/2010/main" val="0"/>
-              </a:ext>
-            </a:extLst>
-          </a:blip>
-          <a:srcRect/>
-          <a:stretch>
-            <a:fillRect/>
-          </a:stretch>
-        </p:blipFill>
-        <p:spPr bwMode="auto">
-          <a:xfrm>
-            <a:off x="10269415" y="286460"/>
-            <a:ext cx="1693789" cy="895227"/>
-          </a:xfrm>
-          <a:prstGeom prst="rect">
-            <a:avLst/>
-          </a:prstGeom>
-          <a:noFill/>
-          <a:extLst>
-            <a:ext uri="{909E8E84-426E-40DD-AFC4-6F175D3DCCD1}">
-              <a14:hiddenFill xmlns:a14="http://schemas.microsoft.com/office/drawing/2010/main">
-                <a:solidFill>
-                  <a:srgbClr val="FFFFFF"/>
-                </a:solidFill>
-              </a14:hiddenFill>
-            </a:ext>
-          </a:extLst>
-        </p:spPr>
-      </p:pic>
-      <p:pic>
-        <p:nvPicPr>
-          <p:cNvPr id="5" name="Picture 2" descr="Macintosh HD en Idril:Users:barrientos:DATOS:Modelos:Logos:UPM:EscUpmPolit.jpg"/>
-          <p:cNvPicPr/>
-          <p:nvPr/>
-        </p:nvPicPr>
-        <p:blipFill>
-          <a:blip r:embed="rId3">
-            <a:extLst>
-              <a:ext uri="{28A0092B-C50C-407E-A947-70E740481C1C}">
-                <a14:useLocalDpi xmlns:a14="http://schemas.microsoft.com/office/drawing/2010/main" val="0"/>
-              </a:ext>
-            </a:extLst>
-          </a:blip>
-          <a:srcRect/>
-          <a:stretch>
-            <a:fillRect/>
-          </a:stretch>
-        </p:blipFill>
-        <p:spPr bwMode="auto">
-          <a:xfrm>
-            <a:off x="143705" y="131712"/>
-            <a:ext cx="1417125" cy="1181686"/>
-          </a:xfrm>
-          <a:prstGeom prst="rect">
-            <a:avLst/>
-          </a:prstGeom>
-          <a:noFill/>
-          <a:ln>
-            <a:noFill/>
-          </a:ln>
-        </p:spPr>
-      </p:pic>
-      <p:pic>
-        <p:nvPicPr>
-          <p:cNvPr id="7" name="Image 6" descr="image011"/>
-          <p:cNvPicPr>
-            <a:picLocks noChangeAspect="1" noChangeArrowheads="1"/>
-          </p:cNvPicPr>
-          <p:nvPr/>
-        </p:nvPicPr>
-        <p:blipFill>
-          <a:blip r:embed="rId4">
-            <a:extLst>
-              <a:ext uri="{28A0092B-C50C-407E-A947-70E740481C1C}">
-                <a14:useLocalDpi xmlns:a14="http://schemas.microsoft.com/office/drawing/2010/main" val="0"/>
-              </a:ext>
-            </a:extLst>
-          </a:blip>
-          <a:srcRect/>
-          <a:stretch>
-            <a:fillRect/>
-          </a:stretch>
-        </p:blipFill>
-        <p:spPr bwMode="auto">
-          <a:xfrm>
-            <a:off x="9845799" y="6062662"/>
-            <a:ext cx="2117405" cy="452437"/>
-          </a:xfrm>
-          <a:prstGeom prst="rect">
-            <a:avLst/>
-          </a:prstGeom>
-          <a:noFill/>
-          <a:ln>
-            <a:noFill/>
-          </a:ln>
-          <a:extLst>
-            <a:ext uri="{909E8E84-426E-40DD-AFC4-6F175D3DCCD1}">
-              <a14:hiddenFill xmlns:a14="http://schemas.microsoft.com/office/drawing/2010/main">
-                <a:solidFill>
-                  <a:srgbClr val="FFFFFF"/>
-                </a:solidFill>
-              </a14:hiddenFill>
-            </a:ext>
-            <a:ext uri="{91240B29-F687-4F45-9708-019B960494DF}">
-              <a14:hiddenLine xmlns:a14="http://schemas.microsoft.com/office/drawing/2010/main" w="9525">
-                <a:solidFill>
-                  <a:srgbClr val="000000"/>
-                </a:solidFill>
-                <a:miter lim="800000"/>
-                <a:headEnd/>
-                <a:tailEnd/>
-              </a14:hiddenLine>
-            </a:ext>
-          </a:extLst>
-        </p:spPr>
-      </p:pic>
-    </p:spTree>
-    <p:extLst>
-      <p:ext uri="{BB962C8B-B14F-4D97-AF65-F5344CB8AC3E}">
-        <p14:creationId xmlns:p14="http://schemas.microsoft.com/office/powerpoint/2010/main" val="1292907876"/>
-      </p:ext>
-    </p:extLst>
-  </p:cSld>
-  <p:clrMapOvr>
-    <a:masterClrMapping/>
-  </p:clrMapOvr>
-  <p:timing>
-    <p:tnLst>
-      <p:par>
-        <p:cTn id="1" dur="indefinite" restart="never" nodeType="tmRoot"/>
-      </p:par>
-    </p:tnLst>
-  </p:timing>
-</p:sld>
-</file>
-
-<file path=ppt/slides/slide12.xml><?xml version="1.0" encoding="utf-8"?>
-<p:sld xmlns:a="http://schemas.openxmlformats.org/drawingml/2006/main" xmlns:r="http://schemas.openxmlformats.org/officeDocument/2006/relationships" xmlns:p="http://schemas.openxmlformats.org/presentationml/2006/main">
-  <p:cSld>
-    <p:spTree>
-      <p:nvGrpSpPr>
-        <p:cNvPr id="1" name=""/>
-        <p:cNvGrpSpPr/>
-        <p:nvPr/>
-      </p:nvGrpSpPr>
-      <p:grpSpPr>
-        <a:xfrm>
-          <a:off x="0" y="0"/>
-          <a:ext cx="0" cy="0"/>
-          <a:chOff x="0" y="0"/>
-          <a:chExt cx="0" cy="0"/>
-        </a:xfrm>
-      </p:grpSpPr>
-      <p:sp>
-        <p:nvSpPr>
-          <p:cNvPr id="2" name="Título 1">
-            <a:extLst>
-              <a:ext uri="{FF2B5EF4-FFF2-40B4-BE49-F238E27FC236}">
-                <a16:creationId xmlns:a16="http://schemas.microsoft.com/office/drawing/2014/main" xmlns="" id="{7CE1135B-07BD-441E-96D7-85BD4835A7ED}"/>
-              </a:ext>
-            </a:extLst>
-          </p:cNvPr>
-          <p:cNvSpPr>
-            <a:spLocks noGrp="1"/>
-          </p:cNvSpPr>
-          <p:nvPr>
-            <p:ph type="title"/>
-          </p:nvPr>
-        </p:nvSpPr>
-        <p:spPr/>
-        <p:txBody>
-          <a:bodyPr/>
-          <a:lstStyle/>
-          <a:p>
-            <a:pPr algn="ctr"/>
-            <a:r>
-              <a:rPr lang="es-ES" dirty="0" smtClean="0"/>
-              <a:t>Conclusiones del primer ensayo</a:t>
-            </a:r>
-            <a:endParaRPr lang="es-ES" dirty="0"/>
-          </a:p>
-        </p:txBody>
-      </p:sp>
-      <p:sp>
-        <p:nvSpPr>
-          <p:cNvPr id="3" name="Marcador de contenido 2">
-            <a:extLst>
-              <a:ext uri="{FF2B5EF4-FFF2-40B4-BE49-F238E27FC236}">
-                <a16:creationId xmlns:a16="http://schemas.microsoft.com/office/drawing/2014/main" xmlns="" id="{8494C532-DF3D-48DB-A603-9E1A5F3ADD2D}"/>
-              </a:ext>
-            </a:extLst>
-          </p:cNvPr>
-          <p:cNvSpPr>
-            <a:spLocks noGrp="1"/>
-          </p:cNvSpPr>
-          <p:nvPr>
-            <p:ph idx="1"/>
-          </p:nvPr>
-        </p:nvSpPr>
-        <p:spPr/>
-        <p:txBody>
-          <a:bodyPr/>
-          <a:lstStyle/>
-          <a:p>
-            <a:pPr marL="514350" indent="-514350">
-              <a:buFont typeface="+mj-lt"/>
-              <a:buAutoNum type="arabicPeriod"/>
-            </a:pPr>
-            <a:r>
-              <a:rPr lang="es-ES" dirty="0" smtClean="0"/>
-              <a:t>Es imposible seguir el código de red con entrega nula de potencia activa</a:t>
-            </a:r>
-          </a:p>
-          <a:p>
-            <a:pPr marL="514350" indent="-514350">
-              <a:buFont typeface="+mj-lt"/>
-              <a:buAutoNum type="arabicPeriod"/>
-            </a:pPr>
-            <a:r>
-              <a:rPr lang="es-ES" dirty="0" smtClean="0"/>
-              <a:t>A mayor potencia activa generada más fácil es seguir el código de red</a:t>
-            </a:r>
-            <a:endParaRPr lang="es-ES" dirty="0"/>
-          </a:p>
-        </p:txBody>
-      </p:sp>
-      <p:pic>
-        <p:nvPicPr>
-          <p:cNvPr id="5" name="Picture 2" descr="Resultado de imagen de etsidi logo"/>
-          <p:cNvPicPr>
-            <a:picLocks noChangeAspect="1" noChangeArrowheads="1"/>
-          </p:cNvPicPr>
-          <p:nvPr/>
-        </p:nvPicPr>
-        <p:blipFill>
-          <a:blip r:embed="rId2" cstate="print">
-            <a:extLst>
-              <a:ext uri="{28A0092B-C50C-407E-A947-70E740481C1C}">
-                <a14:useLocalDpi xmlns:a14="http://schemas.microsoft.com/office/drawing/2010/main" val="0"/>
-              </a:ext>
-            </a:extLst>
-          </a:blip>
-          <a:srcRect/>
-          <a:stretch>
-            <a:fillRect/>
-          </a:stretch>
-        </p:blipFill>
-        <p:spPr bwMode="auto">
-          <a:xfrm>
-            <a:off x="10269415" y="286460"/>
-            <a:ext cx="1693789" cy="895227"/>
-          </a:xfrm>
-          <a:prstGeom prst="rect">
-            <a:avLst/>
-          </a:prstGeom>
-          <a:noFill/>
-          <a:extLst>
-            <a:ext uri="{909E8E84-426E-40DD-AFC4-6F175D3DCCD1}">
-              <a14:hiddenFill xmlns:a14="http://schemas.microsoft.com/office/drawing/2010/main">
-                <a:solidFill>
-                  <a:srgbClr val="FFFFFF"/>
-                </a:solidFill>
-              </a14:hiddenFill>
-            </a:ext>
-          </a:extLst>
-        </p:spPr>
-      </p:pic>
-      <p:pic>
-        <p:nvPicPr>
-          <p:cNvPr id="6" name="Picture 2" descr="Macintosh HD en Idril:Users:barrientos:DATOS:Modelos:Logos:UPM:EscUpmPolit.jpg"/>
-          <p:cNvPicPr/>
-          <p:nvPr/>
-        </p:nvPicPr>
-        <p:blipFill>
-          <a:blip r:embed="rId3">
-            <a:extLst>
-              <a:ext uri="{28A0092B-C50C-407E-A947-70E740481C1C}">
-                <a14:useLocalDpi xmlns:a14="http://schemas.microsoft.com/office/drawing/2010/main" val="0"/>
-              </a:ext>
-            </a:extLst>
-          </a:blip>
-          <a:srcRect/>
-          <a:stretch>
-            <a:fillRect/>
-          </a:stretch>
-        </p:blipFill>
-        <p:spPr bwMode="auto">
-          <a:xfrm>
-            <a:off x="143705" y="131712"/>
-            <a:ext cx="1417125" cy="1181686"/>
-          </a:xfrm>
-          <a:prstGeom prst="rect">
-            <a:avLst/>
-          </a:prstGeom>
-          <a:noFill/>
-          <a:ln>
-            <a:noFill/>
-          </a:ln>
-        </p:spPr>
-      </p:pic>
-      <p:pic>
-        <p:nvPicPr>
-          <p:cNvPr id="8" name="Image 6" descr="image011"/>
-          <p:cNvPicPr>
-            <a:picLocks noChangeAspect="1" noChangeArrowheads="1"/>
-          </p:cNvPicPr>
-          <p:nvPr/>
-        </p:nvPicPr>
-        <p:blipFill>
-          <a:blip r:embed="rId4">
-            <a:extLst>
-              <a:ext uri="{28A0092B-C50C-407E-A947-70E740481C1C}">
-                <a14:useLocalDpi xmlns:a14="http://schemas.microsoft.com/office/drawing/2010/main" val="0"/>
-              </a:ext>
-            </a:extLst>
-          </a:blip>
-          <a:srcRect/>
-          <a:stretch>
-            <a:fillRect/>
-          </a:stretch>
-        </p:blipFill>
-        <p:spPr bwMode="auto">
-          <a:xfrm>
-            <a:off x="9845799" y="6062662"/>
-            <a:ext cx="2117405" cy="452437"/>
-          </a:xfrm>
-          <a:prstGeom prst="rect">
-            <a:avLst/>
-          </a:prstGeom>
-          <a:noFill/>
-          <a:ln>
-            <a:noFill/>
-          </a:ln>
-          <a:extLst>
-            <a:ext uri="{909E8E84-426E-40DD-AFC4-6F175D3DCCD1}">
-              <a14:hiddenFill xmlns:a14="http://schemas.microsoft.com/office/drawing/2010/main">
-                <a:solidFill>
-                  <a:srgbClr val="FFFFFF"/>
-                </a:solidFill>
-              </a14:hiddenFill>
-            </a:ext>
-            <a:ext uri="{91240B29-F687-4F45-9708-019B960494DF}">
-              <a14:hiddenLine xmlns:a14="http://schemas.microsoft.com/office/drawing/2010/main" w="9525">
-                <a:solidFill>
-                  <a:srgbClr val="000000"/>
-                </a:solidFill>
-                <a:miter lim="800000"/>
-                <a:headEnd/>
-                <a:tailEnd/>
-              </a14:hiddenLine>
-            </a:ext>
-          </a:extLst>
-        </p:spPr>
-      </p:pic>
-    </p:spTree>
-    <p:extLst>
-      <p:ext uri="{BB962C8B-B14F-4D97-AF65-F5344CB8AC3E}">
-        <p14:creationId xmlns:p14="http://schemas.microsoft.com/office/powerpoint/2010/main" val="2185818766"/>
-      </p:ext>
-    </p:extLst>
-  </p:cSld>
-  <p:clrMapOvr>
-    <a:masterClrMapping/>
-  </p:clrMapOvr>
-  <p:timing>
-    <p:tnLst>
-      <p:par>
-        <p:cTn id="1" dur="indefinite" restart="never" nodeType="tmRoot"/>
-      </p:par>
-    </p:tnLst>
-  </p:timing>
-</p:sld>
-</file>
-
-<file path=ppt/slides/slide13.xml><?xml version="1.0" encoding="utf-8"?>
-<p:sld xmlns:a="http://schemas.openxmlformats.org/drawingml/2006/main" xmlns:r="http://schemas.openxmlformats.org/officeDocument/2006/relationships" xmlns:p="http://schemas.openxmlformats.org/presentationml/2006/main">
-  <p:cSld>
-    <p:spTree>
-      <p:nvGrpSpPr>
-        <p:cNvPr id="1" name=""/>
-        <p:cNvGrpSpPr/>
-        <p:nvPr/>
-      </p:nvGrpSpPr>
-      <p:grpSpPr>
-        <a:xfrm>
-          <a:off x="0" y="0"/>
-          <a:ext cx="0" cy="0"/>
-          <a:chOff x="0" y="0"/>
-          <a:chExt cx="0" cy="0"/>
-        </a:xfrm>
-      </p:grpSpPr>
-      <p:sp>
-        <p:nvSpPr>
-          <p:cNvPr id="2" name="Título 1">
-            <a:extLst>
-              <a:ext uri="{FF2B5EF4-FFF2-40B4-BE49-F238E27FC236}">
-                <a16:creationId xmlns:a16="http://schemas.microsoft.com/office/drawing/2014/main" xmlns="" id="{7CE1135B-07BD-441E-96D7-85BD4835A7ED}"/>
-              </a:ext>
-            </a:extLst>
-          </p:cNvPr>
-          <p:cNvSpPr>
-            <a:spLocks noGrp="1"/>
-          </p:cNvSpPr>
-          <p:nvPr>
-            <p:ph type="title"/>
-          </p:nvPr>
-        </p:nvSpPr>
-        <p:spPr/>
-        <p:txBody>
-          <a:bodyPr/>
-          <a:lstStyle/>
-          <a:p>
-            <a:pPr algn="ctr"/>
-            <a:r>
-              <a:rPr lang="es-ES" dirty="0" smtClean="0"/>
-              <a:t>Conclusiones del segundo ensayo</a:t>
-            </a:r>
-            <a:endParaRPr lang="es-ES" dirty="0"/>
-          </a:p>
-        </p:txBody>
-      </p:sp>
-      <p:sp>
-        <p:nvSpPr>
-          <p:cNvPr id="3" name="Marcador de contenido 2">
-            <a:extLst>
-              <a:ext uri="{FF2B5EF4-FFF2-40B4-BE49-F238E27FC236}">
-                <a16:creationId xmlns:a16="http://schemas.microsoft.com/office/drawing/2014/main" xmlns="" id="{8494C532-DF3D-48DB-A603-9E1A5F3ADD2D}"/>
-              </a:ext>
-            </a:extLst>
-          </p:cNvPr>
-          <p:cNvSpPr>
-            <a:spLocks noGrp="1"/>
-          </p:cNvSpPr>
-          <p:nvPr>
-            <p:ph idx="1"/>
-          </p:nvPr>
-        </p:nvSpPr>
-        <p:spPr/>
-        <p:txBody>
-          <a:bodyPr/>
-          <a:lstStyle/>
-          <a:p>
-            <a:pPr marL="514350" indent="-514350">
-              <a:buFont typeface="+mj-lt"/>
-              <a:buAutoNum type="arabicPeriod"/>
-            </a:pPr>
-            <a:r>
-              <a:rPr lang="es-ES" dirty="0" smtClean="0"/>
-              <a:t>Aplicar el código de red siempre es mejor que no aplicar compensación alguna</a:t>
-            </a:r>
-          </a:p>
-          <a:p>
-            <a:pPr marL="514350" indent="-514350">
-              <a:buFont typeface="+mj-lt"/>
-              <a:buAutoNum type="arabicPeriod"/>
-            </a:pPr>
-            <a:r>
-              <a:rPr lang="es-ES" dirty="0" smtClean="0"/>
-              <a:t>Permitir a la planta compensar con su reactancia natural empeora la calidad de la red cuando es de carácter inductivo</a:t>
-            </a:r>
-          </a:p>
-          <a:p>
-            <a:pPr marL="514350" indent="-514350">
-              <a:buFont typeface="+mj-lt"/>
-              <a:buAutoNum type="arabicPeriod"/>
-            </a:pPr>
-            <a:r>
-              <a:rPr lang="es-ES" dirty="0" smtClean="0"/>
-              <a:t>Permitir a una planta capacitiva compensar con su capacitancia natural ayuda solo para potencias altas</a:t>
-            </a:r>
-            <a:endParaRPr lang="es-ES" dirty="0"/>
-          </a:p>
-        </p:txBody>
-      </p:sp>
-      <p:pic>
-        <p:nvPicPr>
-          <p:cNvPr id="4" name="Picture 2" descr="Macintosh HD en Idril:Users:barrientos:DATOS:Modelos:Logos:UPM:EscUpmPolit.jpg"/>
-          <p:cNvPicPr/>
           <p:nvPr/>
         </p:nvPicPr>
         <p:blipFill>
@@ -3991,16 +5409,22 @@
         </p:blipFill>
         <p:spPr bwMode="auto">
           <a:xfrm>
-            <a:off x="143705" y="131712"/>
-            <a:ext cx="1417125" cy="1181686"/>
+            <a:off x="0" y="1667339"/>
+            <a:ext cx="12196834" cy="4656459"/>
           </a:xfrm>
           <a:prstGeom prst="rect">
             <a:avLst/>
           </a:prstGeom>
           <a:noFill/>
-          <a:ln>
-            <a:noFill/>
-          </a:ln>
+          <a:extLst>
+            <a:ext uri="{909E8E84-426E-40DD-AFC4-6F175D3DCCD1}">
+              <a14:hiddenFill xmlns:a14="http://schemas.microsoft.com/office/drawing/2010/main">
+                <a:solidFill>
+                  <a:srgbClr val="FFFFFF"/>
+                </a:solidFill>
+              </a14:hiddenFill>
+            </a:ext>
+          </a:extLst>
         </p:spPr>
       </p:pic>
       <p:pic>
@@ -4046,10 +5470,49 @@
       </p:pic>
       <p:pic>
         <p:nvPicPr>
-          <p:cNvPr id="7" name="Image 6" descr="image011"/>
+          <p:cNvPr id="6" name="Picture 2" descr="Resultado de imagen de etsidi logo"/>
           <p:cNvPicPr>
             <a:picLocks noChangeAspect="1" noChangeArrowheads="1"/>
           </p:cNvPicPr>
+          <p:nvPr/>
+        </p:nvPicPr>
+        <p:blipFill>
+          <a:blip r:embed="rId3" cstate="print">
+            <a:extLst>
+              <a:ext uri="{28A0092B-C50C-407E-A947-70E740481C1C}">
+                <a14:useLocalDpi xmlns:a14="http://schemas.microsoft.com/office/drawing/2010/main" val="0"/>
+              </a:ext>
+            </a:extLst>
+          </a:blip>
+          <a:srcRect/>
+          <a:stretch>
+            <a:fillRect/>
+          </a:stretch>
+        </p:blipFill>
+        <p:spPr bwMode="auto">
+          <a:xfrm>
+            <a:off x="10269414" y="274941"/>
+            <a:ext cx="1693789" cy="895227"/>
+          </a:xfrm>
+          <a:prstGeom prst="rect">
+            <a:avLst/>
+          </a:prstGeom>
+          <a:noFill/>
+          <a:extLst>
+            <a:ext uri="{909E8E84-426E-40DD-AFC4-6F175D3DCCD1}">
+              <a14:hiddenFill xmlns:a14="http://schemas.microsoft.com/office/drawing/2010/main">
+                <a:solidFill>
+                  <a:srgbClr val="FFFFFF"/>
+                </a:solidFill>
+              </a14:hiddenFill>
+            </a:ext>
+          </a:extLst>
+        </p:spPr>
+      </p:pic>
+      <p:pic>
+        <p:nvPicPr>
+          <p:cNvPr id="7" name="Picture 2" descr="Macintosh HD en Idril:Users:barrientos:DATOS:Modelos:Logos:UPM:EscUpmPolit.jpg"/>
+          <p:cNvPicPr/>
           <p:nvPr/>
         </p:nvPicPr>
         <p:blipFill>
@@ -4067,6 +5530,41 @@
         </p:blipFill>
         <p:spPr bwMode="auto">
           <a:xfrm>
+            <a:off x="143705" y="131712"/>
+            <a:ext cx="1417125" cy="1181686"/>
+          </a:xfrm>
+          <a:prstGeom prst="rect">
+            <a:avLst/>
+          </a:prstGeom>
+          <a:noFill/>
+          <a:ln>
+            <a:noFill/>
+          </a:ln>
+        </p:spPr>
+      </p:pic>
+      <p:pic>
+        <p:nvPicPr>
+          <p:cNvPr id="9" name="Image 6" descr="image011"/>
+          <p:cNvPicPr>
+            <a:picLocks noChangeAspect="1" noChangeArrowheads="1"/>
+          </p:cNvPicPr>
+          <p:nvPr/>
+        </p:nvPicPr>
+        <p:blipFill>
+          <a:blip r:embed="rId5">
+            <a:extLst>
+              <a:ext uri="{28A0092B-C50C-407E-A947-70E740481C1C}">
+                <a14:useLocalDpi xmlns:a14="http://schemas.microsoft.com/office/drawing/2010/main" val="0"/>
+              </a:ext>
+            </a:extLst>
+          </a:blip>
+          <a:srcRect/>
+          <a:stretch>
+            <a:fillRect/>
+          </a:stretch>
+        </p:blipFill>
+        <p:spPr bwMode="auto">
+          <a:xfrm>
             <a:off x="9845799" y="6062662"/>
             <a:ext cx="2117405" cy="452437"/>
           </a:xfrm>
@@ -4098,10 +5596,906 @@
           </a:extLst>
         </p:spPr>
       </p:pic>
+      <p:sp>
+        <p:nvSpPr>
+          <p:cNvPr id="3" name="2 Rectángulo"/>
+          <p:cNvSpPr/>
+          <p:nvPr/>
+        </p:nvSpPr>
+        <p:spPr>
+          <a:xfrm>
+            <a:off x="143705" y="1667339"/>
+            <a:ext cx="1138995" cy="872661"/>
+          </a:xfrm>
+          <a:prstGeom prst="rect">
+            <a:avLst/>
+          </a:prstGeom>
+          <a:noFill/>
+          <a:ln>
+            <a:solidFill>
+              <a:schemeClr val="accent1">
+                <a:lumMod val="40000"/>
+                <a:lumOff val="60000"/>
+              </a:schemeClr>
+            </a:solidFill>
+          </a:ln>
+          <a:effectLst>
+            <a:glow rad="139700">
+              <a:schemeClr val="accent1">
+                <a:satMod val="175000"/>
+                <a:alpha val="40000"/>
+              </a:schemeClr>
+            </a:glow>
+          </a:effectLst>
+        </p:spPr>
+        <p:style>
+          <a:lnRef idx="2">
+            <a:schemeClr val="accent1">
+              <a:shade val="50000"/>
+            </a:schemeClr>
+          </a:lnRef>
+          <a:fillRef idx="1">
+            <a:schemeClr val="accent1"/>
+          </a:fillRef>
+          <a:effectRef idx="0">
+            <a:schemeClr val="accent1"/>
+          </a:effectRef>
+          <a:fontRef idx="minor">
+            <a:schemeClr val="lt1"/>
+          </a:fontRef>
+        </p:style>
+        <p:txBody>
+          <a:bodyPr rtlCol="0" anchor="ctr"/>
+          <a:lstStyle/>
+          <a:p>
+            <a:pPr algn="ctr"/>
+            <a:endParaRPr lang="es-ES"/>
+          </a:p>
+        </p:txBody>
+      </p:sp>
+      <p:sp>
+        <p:nvSpPr>
+          <p:cNvPr id="10" name="9 Rectángulo"/>
+          <p:cNvSpPr/>
+          <p:nvPr/>
+        </p:nvSpPr>
+        <p:spPr>
+          <a:xfrm>
+            <a:off x="2959101" y="4406900"/>
+            <a:ext cx="1485900" cy="990600"/>
+          </a:xfrm>
+          <a:prstGeom prst="rect">
+            <a:avLst/>
+          </a:prstGeom>
+          <a:noFill/>
+          <a:ln>
+            <a:solidFill>
+              <a:schemeClr val="accent1">
+                <a:lumMod val="40000"/>
+                <a:lumOff val="60000"/>
+              </a:schemeClr>
+            </a:solidFill>
+          </a:ln>
+          <a:effectLst>
+            <a:glow rad="139700">
+              <a:schemeClr val="accent1">
+                <a:satMod val="175000"/>
+                <a:alpha val="40000"/>
+              </a:schemeClr>
+            </a:glow>
+          </a:effectLst>
+        </p:spPr>
+        <p:style>
+          <a:lnRef idx="2">
+            <a:schemeClr val="accent1">
+              <a:shade val="50000"/>
+            </a:schemeClr>
+          </a:lnRef>
+          <a:fillRef idx="1">
+            <a:schemeClr val="accent1"/>
+          </a:fillRef>
+          <a:effectRef idx="0">
+            <a:schemeClr val="accent1"/>
+          </a:effectRef>
+          <a:fontRef idx="minor">
+            <a:schemeClr val="lt1"/>
+          </a:fontRef>
+        </p:style>
+        <p:txBody>
+          <a:bodyPr rtlCol="0" anchor="ctr"/>
+          <a:lstStyle/>
+          <a:p>
+            <a:pPr algn="ctr"/>
+            <a:endParaRPr lang="es-ES"/>
+          </a:p>
+        </p:txBody>
+      </p:sp>
+      <p:sp>
+        <p:nvSpPr>
+          <p:cNvPr id="11" name="10 Rectángulo"/>
+          <p:cNvSpPr/>
+          <p:nvPr/>
+        </p:nvSpPr>
+        <p:spPr>
+          <a:xfrm>
+            <a:off x="4800600" y="4406900"/>
+            <a:ext cx="2019299" cy="1655762"/>
+          </a:xfrm>
+          <a:prstGeom prst="rect">
+            <a:avLst/>
+          </a:prstGeom>
+          <a:noFill/>
+          <a:ln>
+            <a:solidFill>
+              <a:schemeClr val="accent1">
+                <a:lumMod val="40000"/>
+                <a:lumOff val="60000"/>
+              </a:schemeClr>
+            </a:solidFill>
+          </a:ln>
+          <a:effectLst>
+            <a:glow rad="139700">
+              <a:schemeClr val="accent1">
+                <a:satMod val="175000"/>
+                <a:alpha val="40000"/>
+              </a:schemeClr>
+            </a:glow>
+          </a:effectLst>
+        </p:spPr>
+        <p:style>
+          <a:lnRef idx="2">
+            <a:schemeClr val="accent1">
+              <a:shade val="50000"/>
+            </a:schemeClr>
+          </a:lnRef>
+          <a:fillRef idx="1">
+            <a:schemeClr val="accent1"/>
+          </a:fillRef>
+          <a:effectRef idx="0">
+            <a:schemeClr val="accent1"/>
+          </a:effectRef>
+          <a:fontRef idx="minor">
+            <a:schemeClr val="lt1"/>
+          </a:fontRef>
+        </p:style>
+        <p:txBody>
+          <a:bodyPr rtlCol="0" anchor="ctr"/>
+          <a:lstStyle/>
+          <a:p>
+            <a:pPr algn="ctr"/>
+            <a:endParaRPr lang="es-ES"/>
+          </a:p>
+        </p:txBody>
+      </p:sp>
+      <p:sp>
+        <p:nvSpPr>
+          <p:cNvPr id="12" name="11 Rectángulo"/>
+          <p:cNvSpPr/>
+          <p:nvPr/>
+        </p:nvSpPr>
+        <p:spPr>
+          <a:xfrm>
+            <a:off x="6908799" y="4394200"/>
+            <a:ext cx="1701801" cy="990600"/>
+          </a:xfrm>
+          <a:prstGeom prst="rect">
+            <a:avLst/>
+          </a:prstGeom>
+          <a:noFill/>
+          <a:ln>
+            <a:solidFill>
+              <a:schemeClr val="accent1">
+                <a:lumMod val="40000"/>
+                <a:lumOff val="60000"/>
+              </a:schemeClr>
+            </a:solidFill>
+          </a:ln>
+          <a:effectLst>
+            <a:glow rad="139700">
+              <a:schemeClr val="accent1">
+                <a:satMod val="175000"/>
+                <a:alpha val="40000"/>
+              </a:schemeClr>
+            </a:glow>
+          </a:effectLst>
+        </p:spPr>
+        <p:style>
+          <a:lnRef idx="2">
+            <a:schemeClr val="accent1">
+              <a:shade val="50000"/>
+            </a:schemeClr>
+          </a:lnRef>
+          <a:fillRef idx="1">
+            <a:schemeClr val="accent1"/>
+          </a:fillRef>
+          <a:effectRef idx="0">
+            <a:schemeClr val="accent1"/>
+          </a:effectRef>
+          <a:fontRef idx="minor">
+            <a:schemeClr val="lt1"/>
+          </a:fontRef>
+        </p:style>
+        <p:txBody>
+          <a:bodyPr rtlCol="0" anchor="ctr"/>
+          <a:lstStyle/>
+          <a:p>
+            <a:pPr algn="ctr"/>
+            <a:endParaRPr lang="es-ES"/>
+          </a:p>
+        </p:txBody>
+      </p:sp>
+      <p:sp>
+        <p:nvSpPr>
+          <p:cNvPr id="13" name="12 Rectángulo"/>
+          <p:cNvSpPr/>
+          <p:nvPr/>
+        </p:nvSpPr>
+        <p:spPr>
+          <a:xfrm>
+            <a:off x="8940800" y="4244180"/>
+            <a:ext cx="2327909" cy="1140619"/>
+          </a:xfrm>
+          <a:prstGeom prst="rect">
+            <a:avLst/>
+          </a:prstGeom>
+          <a:noFill/>
+          <a:ln>
+            <a:solidFill>
+              <a:schemeClr val="accent1">
+                <a:lumMod val="40000"/>
+                <a:lumOff val="60000"/>
+              </a:schemeClr>
+            </a:solidFill>
+          </a:ln>
+          <a:effectLst>
+            <a:glow rad="139700">
+              <a:schemeClr val="accent1">
+                <a:satMod val="175000"/>
+                <a:alpha val="40000"/>
+              </a:schemeClr>
+            </a:glow>
+          </a:effectLst>
+        </p:spPr>
+        <p:style>
+          <a:lnRef idx="2">
+            <a:schemeClr val="accent1">
+              <a:shade val="50000"/>
+            </a:schemeClr>
+          </a:lnRef>
+          <a:fillRef idx="1">
+            <a:schemeClr val="accent1"/>
+          </a:fillRef>
+          <a:effectRef idx="0">
+            <a:schemeClr val="accent1"/>
+          </a:effectRef>
+          <a:fontRef idx="minor">
+            <a:schemeClr val="lt1"/>
+          </a:fontRef>
+        </p:style>
+        <p:txBody>
+          <a:bodyPr rtlCol="0" anchor="ctr"/>
+          <a:lstStyle/>
+          <a:p>
+            <a:pPr algn="ctr"/>
+            <a:endParaRPr lang="es-ES"/>
+          </a:p>
+        </p:txBody>
+      </p:sp>
     </p:spTree>
     <p:extLst>
       <p:ext uri="{BB962C8B-B14F-4D97-AF65-F5344CB8AC3E}">
-        <p14:creationId xmlns:p14="http://schemas.microsoft.com/office/powerpoint/2010/main" val="275576193"/>
+        <p14:creationId xmlns:p14="http://schemas.microsoft.com/office/powerpoint/2010/main" val="1810900016"/>
+      </p:ext>
+    </p:extLst>
+  </p:cSld>
+  <p:clrMapOvr>
+    <a:masterClrMapping/>
+  </p:clrMapOvr>
+  <p:timing>
+    <p:tnLst>
+      <p:par>
+        <p:cTn id="1" dur="indefinite" restart="never" nodeType="tmRoot">
+          <p:childTnLst>
+            <p:seq concurrent="1" nextAc="seek">
+              <p:cTn id="2" dur="indefinite" nodeType="mainSeq">
+                <p:childTnLst>
+                  <p:par>
+                    <p:cTn id="3" fill="hold">
+                      <p:stCondLst>
+                        <p:cond delay="indefinite"/>
+                      </p:stCondLst>
+                      <p:childTnLst>
+                        <p:par>
+                          <p:cTn id="4" fill="hold">
+                            <p:stCondLst>
+                              <p:cond delay="0"/>
+                            </p:stCondLst>
+                            <p:childTnLst>
+                              <p:par>
+                                <p:cTn id="5" presetID="1" presetClass="entr" presetSubtype="0" fill="hold" grpId="0" nodeType="clickEffect">
+                                  <p:stCondLst>
+                                    <p:cond delay="0"/>
+                                  </p:stCondLst>
+                                  <p:childTnLst>
+                                    <p:set>
+                                      <p:cBhvr>
+                                        <p:cTn id="6" dur="1" fill="hold">
+                                          <p:stCondLst>
+                                            <p:cond delay="0"/>
+                                          </p:stCondLst>
+                                        </p:cTn>
+                                        <p:tgtEl>
+                                          <p:spTgt spid="3"/>
+                                        </p:tgtEl>
+                                        <p:attrNameLst>
+                                          <p:attrName>style.visibility</p:attrName>
+                                        </p:attrNameLst>
+                                      </p:cBhvr>
+                                      <p:to>
+                                        <p:strVal val="visible"/>
+                                      </p:to>
+                                    </p:set>
+                                  </p:childTnLst>
+                                </p:cTn>
+                              </p:par>
+                            </p:childTnLst>
+                          </p:cTn>
+                        </p:par>
+                      </p:childTnLst>
+                    </p:cTn>
+                  </p:par>
+                  <p:par>
+                    <p:cTn id="7" fill="hold">
+                      <p:stCondLst>
+                        <p:cond delay="indefinite"/>
+                      </p:stCondLst>
+                      <p:childTnLst>
+                        <p:par>
+                          <p:cTn id="8" fill="hold">
+                            <p:stCondLst>
+                              <p:cond delay="0"/>
+                            </p:stCondLst>
+                            <p:childTnLst>
+                              <p:par>
+                                <p:cTn id="9" presetID="1" presetClass="entr" presetSubtype="0" fill="hold" grpId="0" nodeType="clickEffect">
+                                  <p:stCondLst>
+                                    <p:cond delay="0"/>
+                                  </p:stCondLst>
+                                  <p:childTnLst>
+                                    <p:set>
+                                      <p:cBhvr>
+                                        <p:cTn id="10" dur="1" fill="hold">
+                                          <p:stCondLst>
+                                            <p:cond delay="0"/>
+                                          </p:stCondLst>
+                                        </p:cTn>
+                                        <p:tgtEl>
+                                          <p:spTgt spid="10"/>
+                                        </p:tgtEl>
+                                        <p:attrNameLst>
+                                          <p:attrName>style.visibility</p:attrName>
+                                        </p:attrNameLst>
+                                      </p:cBhvr>
+                                      <p:to>
+                                        <p:strVal val="visible"/>
+                                      </p:to>
+                                    </p:set>
+                                  </p:childTnLst>
+                                </p:cTn>
+                              </p:par>
+                              <p:par>
+                                <p:cTn id="11" presetID="1" presetClass="exit" presetSubtype="0" fill="hold" grpId="1" nodeType="withEffect">
+                                  <p:stCondLst>
+                                    <p:cond delay="0"/>
+                                  </p:stCondLst>
+                                  <p:childTnLst>
+                                    <p:set>
+                                      <p:cBhvr>
+                                        <p:cTn id="12" dur="1" fill="hold">
+                                          <p:stCondLst>
+                                            <p:cond delay="0"/>
+                                          </p:stCondLst>
+                                        </p:cTn>
+                                        <p:tgtEl>
+                                          <p:spTgt spid="3"/>
+                                        </p:tgtEl>
+                                        <p:attrNameLst>
+                                          <p:attrName>style.visibility</p:attrName>
+                                        </p:attrNameLst>
+                                      </p:cBhvr>
+                                      <p:to>
+                                        <p:strVal val="hidden"/>
+                                      </p:to>
+                                    </p:set>
+                                  </p:childTnLst>
+                                </p:cTn>
+                              </p:par>
+                            </p:childTnLst>
+                          </p:cTn>
+                        </p:par>
+                      </p:childTnLst>
+                    </p:cTn>
+                  </p:par>
+                  <p:par>
+                    <p:cTn id="13" fill="hold">
+                      <p:stCondLst>
+                        <p:cond delay="indefinite"/>
+                      </p:stCondLst>
+                      <p:childTnLst>
+                        <p:par>
+                          <p:cTn id="14" fill="hold">
+                            <p:stCondLst>
+                              <p:cond delay="0"/>
+                            </p:stCondLst>
+                            <p:childTnLst>
+                              <p:par>
+                                <p:cTn id="15" presetID="1" presetClass="entr" presetSubtype="0" fill="hold" grpId="0" nodeType="clickEffect">
+                                  <p:stCondLst>
+                                    <p:cond delay="0"/>
+                                  </p:stCondLst>
+                                  <p:childTnLst>
+                                    <p:set>
+                                      <p:cBhvr>
+                                        <p:cTn id="16" dur="1" fill="hold">
+                                          <p:stCondLst>
+                                            <p:cond delay="0"/>
+                                          </p:stCondLst>
+                                        </p:cTn>
+                                        <p:tgtEl>
+                                          <p:spTgt spid="11"/>
+                                        </p:tgtEl>
+                                        <p:attrNameLst>
+                                          <p:attrName>style.visibility</p:attrName>
+                                        </p:attrNameLst>
+                                      </p:cBhvr>
+                                      <p:to>
+                                        <p:strVal val="visible"/>
+                                      </p:to>
+                                    </p:set>
+                                  </p:childTnLst>
+                                </p:cTn>
+                              </p:par>
+                              <p:par>
+                                <p:cTn id="17" presetID="1" presetClass="exit" presetSubtype="0" fill="hold" grpId="1" nodeType="withEffect">
+                                  <p:stCondLst>
+                                    <p:cond delay="0"/>
+                                  </p:stCondLst>
+                                  <p:childTnLst>
+                                    <p:set>
+                                      <p:cBhvr>
+                                        <p:cTn id="18" dur="1" fill="hold">
+                                          <p:stCondLst>
+                                            <p:cond delay="0"/>
+                                          </p:stCondLst>
+                                        </p:cTn>
+                                        <p:tgtEl>
+                                          <p:spTgt spid="10"/>
+                                        </p:tgtEl>
+                                        <p:attrNameLst>
+                                          <p:attrName>style.visibility</p:attrName>
+                                        </p:attrNameLst>
+                                      </p:cBhvr>
+                                      <p:to>
+                                        <p:strVal val="hidden"/>
+                                      </p:to>
+                                    </p:set>
+                                  </p:childTnLst>
+                                </p:cTn>
+                              </p:par>
+                            </p:childTnLst>
+                          </p:cTn>
+                        </p:par>
+                      </p:childTnLst>
+                    </p:cTn>
+                  </p:par>
+                  <p:par>
+                    <p:cTn id="19" fill="hold">
+                      <p:stCondLst>
+                        <p:cond delay="indefinite"/>
+                      </p:stCondLst>
+                      <p:childTnLst>
+                        <p:par>
+                          <p:cTn id="20" fill="hold">
+                            <p:stCondLst>
+                              <p:cond delay="0"/>
+                            </p:stCondLst>
+                            <p:childTnLst>
+                              <p:par>
+                                <p:cTn id="21" presetID="1" presetClass="entr" presetSubtype="0" fill="hold" grpId="0" nodeType="clickEffect">
+                                  <p:stCondLst>
+                                    <p:cond delay="0"/>
+                                  </p:stCondLst>
+                                  <p:childTnLst>
+                                    <p:set>
+                                      <p:cBhvr>
+                                        <p:cTn id="22" dur="1" fill="hold">
+                                          <p:stCondLst>
+                                            <p:cond delay="0"/>
+                                          </p:stCondLst>
+                                        </p:cTn>
+                                        <p:tgtEl>
+                                          <p:spTgt spid="12"/>
+                                        </p:tgtEl>
+                                        <p:attrNameLst>
+                                          <p:attrName>style.visibility</p:attrName>
+                                        </p:attrNameLst>
+                                      </p:cBhvr>
+                                      <p:to>
+                                        <p:strVal val="visible"/>
+                                      </p:to>
+                                    </p:set>
+                                  </p:childTnLst>
+                                </p:cTn>
+                              </p:par>
+                              <p:par>
+                                <p:cTn id="23" presetID="1" presetClass="exit" presetSubtype="0" fill="hold" grpId="1" nodeType="withEffect">
+                                  <p:stCondLst>
+                                    <p:cond delay="0"/>
+                                  </p:stCondLst>
+                                  <p:childTnLst>
+                                    <p:set>
+                                      <p:cBhvr>
+                                        <p:cTn id="24" dur="1" fill="hold">
+                                          <p:stCondLst>
+                                            <p:cond delay="0"/>
+                                          </p:stCondLst>
+                                        </p:cTn>
+                                        <p:tgtEl>
+                                          <p:spTgt spid="11"/>
+                                        </p:tgtEl>
+                                        <p:attrNameLst>
+                                          <p:attrName>style.visibility</p:attrName>
+                                        </p:attrNameLst>
+                                      </p:cBhvr>
+                                      <p:to>
+                                        <p:strVal val="hidden"/>
+                                      </p:to>
+                                    </p:set>
+                                  </p:childTnLst>
+                                </p:cTn>
+                              </p:par>
+                            </p:childTnLst>
+                          </p:cTn>
+                        </p:par>
+                      </p:childTnLst>
+                    </p:cTn>
+                  </p:par>
+                  <p:par>
+                    <p:cTn id="25" fill="hold">
+                      <p:stCondLst>
+                        <p:cond delay="indefinite"/>
+                      </p:stCondLst>
+                      <p:childTnLst>
+                        <p:par>
+                          <p:cTn id="26" fill="hold">
+                            <p:stCondLst>
+                              <p:cond delay="0"/>
+                            </p:stCondLst>
+                            <p:childTnLst>
+                              <p:par>
+                                <p:cTn id="27" presetID="1" presetClass="entr" presetSubtype="0" fill="hold" grpId="0" nodeType="clickEffect">
+                                  <p:stCondLst>
+                                    <p:cond delay="0"/>
+                                  </p:stCondLst>
+                                  <p:childTnLst>
+                                    <p:set>
+                                      <p:cBhvr>
+                                        <p:cTn id="28" dur="1" fill="hold">
+                                          <p:stCondLst>
+                                            <p:cond delay="0"/>
+                                          </p:stCondLst>
+                                        </p:cTn>
+                                        <p:tgtEl>
+                                          <p:spTgt spid="13"/>
+                                        </p:tgtEl>
+                                        <p:attrNameLst>
+                                          <p:attrName>style.visibility</p:attrName>
+                                        </p:attrNameLst>
+                                      </p:cBhvr>
+                                      <p:to>
+                                        <p:strVal val="visible"/>
+                                      </p:to>
+                                    </p:set>
+                                  </p:childTnLst>
+                                </p:cTn>
+                              </p:par>
+                              <p:par>
+                                <p:cTn id="29" presetID="1" presetClass="exit" presetSubtype="0" fill="hold" grpId="1" nodeType="withEffect">
+                                  <p:stCondLst>
+                                    <p:cond delay="0"/>
+                                  </p:stCondLst>
+                                  <p:childTnLst>
+                                    <p:set>
+                                      <p:cBhvr>
+                                        <p:cTn id="30" dur="1" fill="hold">
+                                          <p:stCondLst>
+                                            <p:cond delay="0"/>
+                                          </p:stCondLst>
+                                        </p:cTn>
+                                        <p:tgtEl>
+                                          <p:spTgt spid="12"/>
+                                        </p:tgtEl>
+                                        <p:attrNameLst>
+                                          <p:attrName>style.visibility</p:attrName>
+                                        </p:attrNameLst>
+                                      </p:cBhvr>
+                                      <p:to>
+                                        <p:strVal val="hidden"/>
+                                      </p:to>
+                                    </p:set>
+                                  </p:childTnLst>
+                                </p:cTn>
+                              </p:par>
+                            </p:childTnLst>
+                          </p:cTn>
+                        </p:par>
+                      </p:childTnLst>
+                    </p:cTn>
+                  </p:par>
+                </p:childTnLst>
+              </p:cTn>
+              <p:prevCondLst>
+                <p:cond evt="onPrev" delay="0">
+                  <p:tgtEl>
+                    <p:sldTgt/>
+                  </p:tgtEl>
+                </p:cond>
+              </p:prevCondLst>
+              <p:nextCondLst>
+                <p:cond evt="onNext" delay="0">
+                  <p:tgtEl>
+                    <p:sldTgt/>
+                  </p:tgtEl>
+                </p:cond>
+              </p:nextCondLst>
+            </p:seq>
+          </p:childTnLst>
+        </p:cTn>
+      </p:par>
+    </p:tnLst>
+    <p:bldLst>
+      <p:bldP spid="3" grpId="0" animBg="1"/>
+      <p:bldP spid="3" grpId="1" animBg="1"/>
+      <p:bldP spid="10" grpId="0" animBg="1"/>
+      <p:bldP spid="10" grpId="1" animBg="1"/>
+      <p:bldP spid="11" grpId="0" animBg="1"/>
+      <p:bldP spid="11" grpId="1" animBg="1"/>
+      <p:bldP spid="12" grpId="0" animBg="1"/>
+      <p:bldP spid="12" grpId="1" animBg="1"/>
+      <p:bldP spid="13" grpId="0" animBg="1"/>
+    </p:bldLst>
+  </p:timing>
+</p:sld>
+</file>
+
+<file path=ppt/slides/slide13.xml><?xml version="1.0" encoding="utf-8"?>
+<p:sld xmlns:a="http://schemas.openxmlformats.org/drawingml/2006/main" xmlns:r="http://schemas.openxmlformats.org/officeDocument/2006/relationships" xmlns:p="http://schemas.openxmlformats.org/presentationml/2006/main">
+  <p:cSld>
+    <p:spTree>
+      <p:nvGrpSpPr>
+        <p:cNvPr id="1" name=""/>
+        <p:cNvGrpSpPr/>
+        <p:nvPr/>
+      </p:nvGrpSpPr>
+      <p:grpSpPr>
+        <a:xfrm>
+          <a:off x="0" y="0"/>
+          <a:ext cx="0" cy="0"/>
+          <a:chOff x="0" y="0"/>
+          <a:chExt cx="0" cy="0"/>
+        </a:xfrm>
+      </p:grpSpPr>
+      <p:sp>
+        <p:nvSpPr>
+          <p:cNvPr id="2" name="1 Título"/>
+          <p:cNvSpPr>
+            <a:spLocks noGrp="1"/>
+          </p:cNvSpPr>
+          <p:nvPr>
+            <p:ph type="title"/>
+          </p:nvPr>
+        </p:nvSpPr>
+        <p:spPr/>
+        <p:txBody>
+          <a:bodyPr>
+            <a:normAutofit/>
+          </a:bodyPr>
+          <a:lstStyle/>
+          <a:p>
+            <a:pPr algn="ctr"/>
+            <a:r>
+              <a:rPr lang="es-ES" b="1" dirty="0">
+                <a:solidFill>
+                  <a:schemeClr val="accent1">
+                    <a:lumMod val="50000"/>
+                  </a:schemeClr>
+                </a:solidFill>
+              </a:rPr>
+              <a:t>Controlador</a:t>
+            </a:r>
+            <a:endParaRPr lang="es-ES" b="1" dirty="0">
+              <a:solidFill>
+                <a:schemeClr val="accent1">
+                  <a:lumMod val="50000"/>
+                </a:schemeClr>
+              </a:solidFill>
+            </a:endParaRPr>
+          </a:p>
+        </p:txBody>
+      </p:sp>
+      <p:pic>
+        <p:nvPicPr>
+          <p:cNvPr id="2050" name="Picture 2" descr="C:\Users\Catalina Terrasa\Desktop\DefControl.PNG"/>
+          <p:cNvPicPr>
+            <a:picLocks noChangeAspect="1" noChangeArrowheads="1"/>
+          </p:cNvPicPr>
+          <p:nvPr/>
+        </p:nvPicPr>
+        <p:blipFill>
+          <a:blip r:embed="rId2">
+            <a:extLst>
+              <a:ext uri="{28A0092B-C50C-407E-A947-70E740481C1C}">
+                <a14:useLocalDpi xmlns:a14="http://schemas.microsoft.com/office/drawing/2010/main" val="0"/>
+              </a:ext>
+            </a:extLst>
+          </a:blip>
+          <a:srcRect/>
+          <a:stretch>
+            <a:fillRect/>
+          </a:stretch>
+        </p:blipFill>
+        <p:spPr bwMode="auto">
+          <a:xfrm>
+            <a:off x="2076998" y="1690688"/>
+            <a:ext cx="8262424" cy="4995357"/>
+          </a:xfrm>
+          <a:prstGeom prst="rect">
+            <a:avLst/>
+          </a:prstGeom>
+          <a:noFill/>
+          <a:extLst>
+            <a:ext uri="{909E8E84-426E-40DD-AFC4-6F175D3DCCD1}">
+              <a14:hiddenFill xmlns:a14="http://schemas.microsoft.com/office/drawing/2010/main">
+                <a:solidFill>
+                  <a:srgbClr val="FFFFFF"/>
+                </a:solidFill>
+              </a14:hiddenFill>
+            </a:ext>
+          </a:extLst>
+        </p:spPr>
+      </p:pic>
+      <p:pic>
+        <p:nvPicPr>
+          <p:cNvPr id="5" name="Picture 2" descr="Resultado de imagen de etsidi logo"/>
+          <p:cNvPicPr>
+            <a:picLocks noChangeAspect="1" noChangeArrowheads="1"/>
+          </p:cNvPicPr>
+          <p:nvPr/>
+        </p:nvPicPr>
+        <p:blipFill>
+          <a:blip r:embed="rId3" cstate="print">
+            <a:extLst>
+              <a:ext uri="{28A0092B-C50C-407E-A947-70E740481C1C}">
+                <a14:useLocalDpi xmlns:a14="http://schemas.microsoft.com/office/drawing/2010/main" val="0"/>
+              </a:ext>
+            </a:extLst>
+          </a:blip>
+          <a:srcRect/>
+          <a:stretch>
+            <a:fillRect/>
+          </a:stretch>
+        </p:blipFill>
+        <p:spPr bwMode="auto">
+          <a:xfrm>
+            <a:off x="10269415" y="286460"/>
+            <a:ext cx="1693789" cy="895227"/>
+          </a:xfrm>
+          <a:prstGeom prst="rect">
+            <a:avLst/>
+          </a:prstGeom>
+          <a:noFill/>
+          <a:extLst>
+            <a:ext uri="{909E8E84-426E-40DD-AFC4-6F175D3DCCD1}">
+              <a14:hiddenFill xmlns:a14="http://schemas.microsoft.com/office/drawing/2010/main">
+                <a:solidFill>
+                  <a:srgbClr val="FFFFFF"/>
+                </a:solidFill>
+              </a14:hiddenFill>
+            </a:ext>
+          </a:extLst>
+        </p:spPr>
+      </p:pic>
+      <p:pic>
+        <p:nvPicPr>
+          <p:cNvPr id="6" name="Picture 2" descr="Macintosh HD en Idril:Users:barrientos:DATOS:Modelos:Logos:UPM:EscUpmPolit.jpg"/>
+          <p:cNvPicPr/>
+          <p:nvPr/>
+        </p:nvPicPr>
+        <p:blipFill>
+          <a:blip r:embed="rId4">
+            <a:extLst>
+              <a:ext uri="{28A0092B-C50C-407E-A947-70E740481C1C}">
+                <a14:useLocalDpi xmlns:a14="http://schemas.microsoft.com/office/drawing/2010/main" val="0"/>
+              </a:ext>
+            </a:extLst>
+          </a:blip>
+          <a:srcRect/>
+          <a:stretch>
+            <a:fillRect/>
+          </a:stretch>
+        </p:blipFill>
+        <p:spPr bwMode="auto">
+          <a:xfrm>
+            <a:off x="143705" y="131712"/>
+            <a:ext cx="1417125" cy="1181686"/>
+          </a:xfrm>
+          <a:prstGeom prst="rect">
+            <a:avLst/>
+          </a:prstGeom>
+          <a:noFill/>
+          <a:ln>
+            <a:noFill/>
+          </a:ln>
+        </p:spPr>
+      </p:pic>
+      <p:pic>
+        <p:nvPicPr>
+          <p:cNvPr id="8" name="Image 6" descr="image011"/>
+          <p:cNvPicPr>
+            <a:picLocks noChangeAspect="1" noChangeArrowheads="1"/>
+          </p:cNvPicPr>
+          <p:nvPr/>
+        </p:nvPicPr>
+        <p:blipFill>
+          <a:blip r:embed="rId5">
+            <a:extLst>
+              <a:ext uri="{28A0092B-C50C-407E-A947-70E740481C1C}">
+                <a14:useLocalDpi xmlns:a14="http://schemas.microsoft.com/office/drawing/2010/main" val="0"/>
+              </a:ext>
+            </a:extLst>
+          </a:blip>
+          <a:srcRect/>
+          <a:stretch>
+            <a:fillRect/>
+          </a:stretch>
+        </p:blipFill>
+        <p:spPr bwMode="auto">
+          <a:xfrm>
+            <a:off x="9845799" y="6062662"/>
+            <a:ext cx="2117405" cy="452437"/>
+          </a:xfrm>
+          <a:prstGeom prst="rect">
+            <a:avLst/>
+          </a:prstGeom>
+          <a:noFill/>
+          <a:ln>
+            <a:noFill/>
+          </a:ln>
+          <a:extLst>
+            <a:ext uri="{909E8E84-426E-40DD-AFC4-6F175D3DCCD1}">
+              <a14:hiddenFill xmlns:a14="http://schemas.microsoft.com/office/drawing/2010/main">
+                <a:solidFill>
+                  <a:srgbClr val="FFFFFF"/>
+                </a:solidFill>
+              </a14:hiddenFill>
+            </a:ext>
+            <a:ext uri="{91240B29-F687-4F45-9708-019B960494DF}">
+              <a14:hiddenLine xmlns:a14="http://schemas.microsoft.com/office/drawing/2010/main" w="9525">
+                <a:solidFill>
+                  <a:srgbClr val="000000"/>
+                </a:solidFill>
+                <a:miter lim="800000"/>
+                <a:headEnd/>
+                <a:tailEnd/>
+              </a14:hiddenLine>
+            </a:ext>
+          </a:extLst>
+        </p:spPr>
+      </p:pic>
+    </p:spTree>
+    <p:extLst>
+      <p:ext uri="{BB962C8B-B14F-4D97-AF65-F5344CB8AC3E}">
+        <p14:creationId xmlns:p14="http://schemas.microsoft.com/office/powerpoint/2010/main" val="2750216948"/>
       </p:ext>
     </p:extLst>
   </p:cSld>
@@ -4137,13 +6531,7 @@
       </p:grpSpPr>
       <p:sp>
         <p:nvSpPr>
-          <p:cNvPr id="2" name="Título 1">
-            <a:extLst>
-              <a:ext uri="{FF2B5EF4-FFF2-40B4-BE49-F238E27FC236}">
-                <a16:creationId xmlns:a16="http://schemas.microsoft.com/office/drawing/2014/main" xmlns="" id="{7CE1135B-07BD-441E-96D7-85BD4835A7ED}"/>
-              </a:ext>
-            </a:extLst>
-          </p:cNvPr>
+          <p:cNvPr id="2" name="Título 1"/>
           <p:cNvSpPr>
             <a:spLocks noGrp="1"/>
           </p:cNvSpPr>
@@ -4153,27 +6541,28 @@
         </p:nvSpPr>
         <p:spPr/>
         <p:txBody>
-          <a:bodyPr/>
+          <a:bodyPr>
+            <a:normAutofit/>
+          </a:bodyPr>
           <a:lstStyle/>
           <a:p>
             <a:pPr algn="ctr"/>
             <a:r>
-              <a:rPr lang="es-ES" dirty="0" smtClean="0"/>
-              <a:t>Estudios futuros</a:t>
-            </a:r>
-            <a:endParaRPr lang="es-ES" dirty="0"/>
+              <a:rPr lang="es-ES" b="1" dirty="0">
+                <a:solidFill>
+                  <a:schemeClr val="accent1">
+                    <a:lumMod val="50000"/>
+                  </a:schemeClr>
+                </a:solidFill>
+              </a:rPr>
+              <a:t>Índice</a:t>
+            </a:r>
           </a:p>
         </p:txBody>
       </p:sp>
       <p:sp>
         <p:nvSpPr>
-          <p:cNvPr id="3" name="Marcador de contenido 2">
-            <a:extLst>
-              <a:ext uri="{FF2B5EF4-FFF2-40B4-BE49-F238E27FC236}">
-                <a16:creationId xmlns:a16="http://schemas.microsoft.com/office/drawing/2014/main" xmlns="" id="{8494C532-DF3D-48DB-A603-9E1A5F3ADD2D}"/>
-              </a:ext>
-            </a:extLst>
-          </p:cNvPr>
+          <p:cNvPr id="3" name="Marcador de contenido 2"/>
           <p:cNvSpPr>
             <a:spLocks noGrp="1"/>
           </p:cNvSpPr>
@@ -4186,29 +6575,181 @@
           <a:bodyPr/>
           <a:lstStyle/>
           <a:p>
+            <a:pPr marL="571500" indent="-571500">
+              <a:lnSpc>
+                <a:spcPct val="100000"/>
+              </a:lnSpc>
+              <a:buFont typeface="+mj-lt"/>
+              <a:buAutoNum type="romanUcPeriod"/>
+            </a:pPr>
+            <a:r>
+              <a:rPr lang="es-ES" dirty="0">
+                <a:solidFill>
+                  <a:schemeClr val="bg2">
+                    <a:lumMod val="50000"/>
+                  </a:schemeClr>
+                </a:solidFill>
+              </a:rPr>
+              <a:t>Introducción</a:t>
+            </a:r>
+          </a:p>
+          <a:p>
+            <a:pPr marL="1028700" lvl="1" indent="-571500">
+              <a:lnSpc>
+                <a:spcPct val="100000"/>
+              </a:lnSpc>
+              <a:buFont typeface="+mj-lt"/>
+              <a:buAutoNum type="romanUcPeriod"/>
+            </a:pPr>
+            <a:r>
+              <a:rPr lang="es-ES" dirty="0">
+                <a:solidFill>
+                  <a:schemeClr val="bg2">
+                    <a:lumMod val="50000"/>
+                  </a:schemeClr>
+                </a:solidFill>
+              </a:rPr>
+              <a:t>Objetivos </a:t>
+            </a:r>
+          </a:p>
+          <a:p>
+            <a:pPr marL="1028700" lvl="1" indent="-571500">
+              <a:lnSpc>
+                <a:spcPct val="100000"/>
+              </a:lnSpc>
+              <a:buFont typeface="+mj-lt"/>
+              <a:buAutoNum type="romanUcPeriod"/>
+            </a:pPr>
+            <a:r>
+              <a:rPr lang="es-ES" dirty="0">
+                <a:solidFill>
+                  <a:schemeClr val="bg2">
+                    <a:lumMod val="50000"/>
+                  </a:schemeClr>
+                </a:solidFill>
+              </a:rPr>
+              <a:t>Panorama actual</a:t>
+            </a:r>
+          </a:p>
+          <a:p>
+            <a:pPr marL="571500" indent="-571500">
+              <a:lnSpc>
+                <a:spcPct val="150000"/>
+              </a:lnSpc>
+              <a:buFont typeface="+mj-lt"/>
+              <a:buAutoNum type="romanUcPeriod"/>
+            </a:pPr>
+            <a:r>
+              <a:rPr lang="es-ES" dirty="0">
+                <a:solidFill>
+                  <a:schemeClr val="bg2">
+                    <a:lumMod val="50000"/>
+                  </a:schemeClr>
+                </a:solidFill>
+              </a:rPr>
+              <a:t>Controlador y simulación</a:t>
+            </a:r>
+          </a:p>
+          <a:p>
+            <a:pPr marL="1028700" lvl="1" indent="-571500">
+              <a:lnSpc>
+                <a:spcPct val="100000"/>
+              </a:lnSpc>
+              <a:buFont typeface="+mj-lt"/>
+              <a:buAutoNum type="romanUcPeriod"/>
+            </a:pPr>
+            <a:r>
+              <a:rPr lang="es-ES" dirty="0">
+                <a:solidFill>
+                  <a:schemeClr val="bg2">
+                    <a:lumMod val="50000"/>
+                  </a:schemeClr>
+                </a:solidFill>
+              </a:rPr>
+              <a:t>Modelo de la Planta</a:t>
+            </a:r>
+          </a:p>
+          <a:p>
+            <a:pPr marL="1028700" lvl="1" indent="-571500">
+              <a:lnSpc>
+                <a:spcPct val="100000"/>
+              </a:lnSpc>
+              <a:buFont typeface="+mj-lt"/>
+              <a:buAutoNum type="romanUcPeriod"/>
+            </a:pPr>
+            <a:r>
+              <a:rPr lang="es-ES" dirty="0">
+                <a:solidFill>
+                  <a:schemeClr val="bg2">
+                    <a:lumMod val="50000"/>
+                  </a:schemeClr>
+                </a:solidFill>
+              </a:rPr>
+              <a:t>Algoritmo de </a:t>
+            </a:r>
+            <a:r>
+              <a:rPr lang="es-ES" dirty="0" smtClean="0">
+                <a:solidFill>
+                  <a:schemeClr val="bg2">
+                    <a:lumMod val="50000"/>
+                  </a:schemeClr>
+                </a:solidFill>
+              </a:rPr>
+              <a:t>control</a:t>
+            </a:r>
+          </a:p>
+          <a:p>
+            <a:pPr marL="1028700" lvl="1" indent="-571500">
+              <a:lnSpc>
+                <a:spcPct val="100000"/>
+              </a:lnSpc>
+              <a:buFont typeface="+mj-lt"/>
+              <a:buAutoNum type="romanUcPeriod"/>
+            </a:pPr>
             <a:r>
               <a:rPr lang="es-ES" dirty="0" smtClean="0"/>
-              <a:t>Mejorar el modelo de simulación añadiendo una rama con varios aerogeneradores conectados</a:t>
-            </a:r>
-          </a:p>
-          <a:p>
-            <a:r>
-              <a:rPr lang="es-ES" dirty="0" smtClean="0"/>
-              <a:t>Añadir elementos de compensación de reactiva como bancos de condensadores e inductancias o un STATCOM</a:t>
-            </a:r>
-          </a:p>
-          <a:p>
-            <a:r>
-              <a:rPr lang="es-ES" dirty="0" smtClean="0"/>
-              <a:t>Diseñar un control avanzado como un controlador predictivo, robusto, lógica difusa o redes neuronales.</a:t>
-            </a:r>
+              <a:t>Casos de estudio</a:t>
+            </a:r>
+            <a:endParaRPr lang="es-ES" dirty="0"/>
+          </a:p>
+          <a:p>
+            <a:pPr marL="571500" indent="-571500">
+              <a:lnSpc>
+                <a:spcPct val="150000"/>
+              </a:lnSpc>
+              <a:buFont typeface="+mj-lt"/>
+              <a:buAutoNum type="romanUcPeriod"/>
+            </a:pPr>
+            <a:r>
+              <a:rPr lang="es-ES" dirty="0" smtClean="0">
+                <a:solidFill>
+                  <a:schemeClr val="bg2">
+                    <a:lumMod val="50000"/>
+                  </a:schemeClr>
+                </a:solidFill>
+              </a:rPr>
+              <a:t>Resultados y conclusiones</a:t>
+            </a:r>
+            <a:endParaRPr lang="es-ES" dirty="0">
+              <a:solidFill>
+                <a:schemeClr val="bg2">
+                  <a:lumMod val="50000"/>
+                </a:schemeClr>
+              </a:solidFill>
+            </a:endParaRPr>
+          </a:p>
+          <a:p>
+            <a:pPr marL="571500" indent="-571500">
+              <a:buFont typeface="+mj-lt"/>
+              <a:buAutoNum type="romanUcPeriod"/>
+            </a:pPr>
             <a:endParaRPr lang="es-ES" dirty="0"/>
           </a:p>
         </p:txBody>
       </p:sp>
       <p:pic>
         <p:nvPicPr>
-          <p:cNvPr id="6" name="Picture 2" descr="Resultado de imagen de etsidi logo"/>
+          <p:cNvPr id="5" name="Picture 2" descr="Resultado de imagen de etsidi logo"/>
           <p:cNvPicPr>
             <a:picLocks noChangeAspect="1" noChangeArrowheads="1"/>
           </p:cNvPicPr>
@@ -4249,7 +6790,7 @@
       </p:pic>
       <p:pic>
         <p:nvPicPr>
-          <p:cNvPr id="7" name="Picture 2" descr="Macintosh HD en Idril:Users:barrientos:DATOS:Modelos:Logos:UPM:EscUpmPolit.jpg"/>
+          <p:cNvPr id="6" name="Picture 2" descr="Macintosh HD en Idril:Users:barrientos:DATOS:Modelos:Logos:UPM:EscUpmPolit.jpg"/>
           <p:cNvPicPr/>
           <p:nvPr/>
         </p:nvPicPr>
@@ -4282,7 +6823,7 @@
       </p:pic>
       <p:pic>
         <p:nvPicPr>
-          <p:cNvPr id="9" name="Image 6" descr="image011"/>
+          <p:cNvPr id="8" name="Image 6" descr="image011"/>
           <p:cNvPicPr>
             <a:picLocks noChangeAspect="1" noChangeArrowheads="1"/>
           </p:cNvPicPr>
@@ -4337,7 +6878,1329 @@
     </p:spTree>
     <p:extLst>
       <p:ext uri="{BB962C8B-B14F-4D97-AF65-F5344CB8AC3E}">
-        <p14:creationId xmlns:p14="http://schemas.microsoft.com/office/powerpoint/2010/main" val="3096992739"/>
+        <p14:creationId xmlns:p14="http://schemas.microsoft.com/office/powerpoint/2010/main" val="3446403980"/>
+      </p:ext>
+    </p:extLst>
+  </p:cSld>
+  <p:clrMapOvr>
+    <a:masterClrMapping/>
+  </p:clrMapOvr>
+  <p:timing>
+    <p:tnLst>
+      <p:par>
+        <p:cTn id="1" dur="indefinite" restart="never" nodeType="tmRoot"/>
+      </p:par>
+    </p:tnLst>
+  </p:timing>
+</p:sld>
+</file>
+
+<file path=ppt/slides/slide15.xml><?xml version="1.0" encoding="utf-8"?>
+<p:sld xmlns:a="http://schemas.openxmlformats.org/drawingml/2006/main" xmlns:r="http://schemas.openxmlformats.org/officeDocument/2006/relationships" xmlns:p="http://schemas.openxmlformats.org/presentationml/2006/main">
+  <p:cSld>
+    <p:spTree>
+      <p:nvGrpSpPr>
+        <p:cNvPr id="1" name=""/>
+        <p:cNvGrpSpPr/>
+        <p:nvPr/>
+      </p:nvGrpSpPr>
+      <p:grpSpPr>
+        <a:xfrm>
+          <a:off x="0" y="0"/>
+          <a:ext cx="0" cy="0"/>
+          <a:chOff x="0" y="0"/>
+          <a:chExt cx="0" cy="0"/>
+        </a:xfrm>
+      </p:grpSpPr>
+      <p:sp>
+        <p:nvSpPr>
+          <p:cNvPr id="2" name="1 Título"/>
+          <p:cNvSpPr>
+            <a:spLocks noGrp="1"/>
+          </p:cNvSpPr>
+          <p:nvPr>
+            <p:ph type="title"/>
+          </p:nvPr>
+        </p:nvSpPr>
+        <p:spPr/>
+        <p:txBody>
+          <a:bodyPr>
+            <a:normAutofit/>
+          </a:bodyPr>
+          <a:lstStyle/>
+          <a:p>
+            <a:pPr algn="ctr"/>
+            <a:r>
+              <a:rPr lang="es-ES" b="1" dirty="0">
+                <a:solidFill>
+                  <a:schemeClr val="accent1">
+                    <a:lumMod val="50000"/>
+                  </a:schemeClr>
+                </a:solidFill>
+              </a:rPr>
+              <a:t>Casos de estudio</a:t>
+            </a:r>
+            <a:endParaRPr lang="es-ES" b="1" dirty="0">
+              <a:solidFill>
+                <a:schemeClr val="accent1">
+                  <a:lumMod val="50000"/>
+                </a:schemeClr>
+              </a:solidFill>
+            </a:endParaRPr>
+          </a:p>
+        </p:txBody>
+      </p:sp>
+      <p:sp>
+        <p:nvSpPr>
+          <p:cNvPr id="3" name="2 Marcador de contenido"/>
+          <p:cNvSpPr>
+            <a:spLocks noGrp="1"/>
+          </p:cNvSpPr>
+          <p:nvPr>
+            <p:ph idx="1"/>
+          </p:nvPr>
+        </p:nvSpPr>
+        <p:spPr/>
+        <p:txBody>
+          <a:bodyPr/>
+          <a:lstStyle/>
+          <a:p>
+            <a:endParaRPr lang="es-ES"/>
+          </a:p>
+        </p:txBody>
+      </p:sp>
+      <p:pic>
+        <p:nvPicPr>
+          <p:cNvPr id="5" name="Picture 2" descr="Resultado de imagen de etsidi logo"/>
+          <p:cNvPicPr>
+            <a:picLocks noChangeAspect="1" noChangeArrowheads="1"/>
+          </p:cNvPicPr>
+          <p:nvPr/>
+        </p:nvPicPr>
+        <p:blipFill>
+          <a:blip r:embed="rId2" cstate="print">
+            <a:extLst>
+              <a:ext uri="{28A0092B-C50C-407E-A947-70E740481C1C}">
+                <a14:useLocalDpi xmlns:a14="http://schemas.microsoft.com/office/drawing/2010/main" val="0"/>
+              </a:ext>
+            </a:extLst>
+          </a:blip>
+          <a:srcRect/>
+          <a:stretch>
+            <a:fillRect/>
+          </a:stretch>
+        </p:blipFill>
+        <p:spPr bwMode="auto">
+          <a:xfrm>
+            <a:off x="10269415" y="286460"/>
+            <a:ext cx="1693789" cy="895227"/>
+          </a:xfrm>
+          <a:prstGeom prst="rect">
+            <a:avLst/>
+          </a:prstGeom>
+          <a:noFill/>
+          <a:extLst>
+            <a:ext uri="{909E8E84-426E-40DD-AFC4-6F175D3DCCD1}">
+              <a14:hiddenFill xmlns:a14="http://schemas.microsoft.com/office/drawing/2010/main">
+                <a:solidFill>
+                  <a:srgbClr val="FFFFFF"/>
+                </a:solidFill>
+              </a14:hiddenFill>
+            </a:ext>
+          </a:extLst>
+        </p:spPr>
+      </p:pic>
+      <p:pic>
+        <p:nvPicPr>
+          <p:cNvPr id="6" name="Picture 2" descr="Macintosh HD en Idril:Users:barrientos:DATOS:Modelos:Logos:UPM:EscUpmPolit.jpg"/>
+          <p:cNvPicPr/>
+          <p:nvPr/>
+        </p:nvPicPr>
+        <p:blipFill>
+          <a:blip r:embed="rId3">
+            <a:extLst>
+              <a:ext uri="{28A0092B-C50C-407E-A947-70E740481C1C}">
+                <a14:useLocalDpi xmlns:a14="http://schemas.microsoft.com/office/drawing/2010/main" val="0"/>
+              </a:ext>
+            </a:extLst>
+          </a:blip>
+          <a:srcRect/>
+          <a:stretch>
+            <a:fillRect/>
+          </a:stretch>
+        </p:blipFill>
+        <p:spPr bwMode="auto">
+          <a:xfrm>
+            <a:off x="143705" y="131712"/>
+            <a:ext cx="1417125" cy="1181686"/>
+          </a:xfrm>
+          <a:prstGeom prst="rect">
+            <a:avLst/>
+          </a:prstGeom>
+          <a:noFill/>
+          <a:ln>
+            <a:noFill/>
+          </a:ln>
+        </p:spPr>
+      </p:pic>
+      <p:pic>
+        <p:nvPicPr>
+          <p:cNvPr id="8" name="Image 6" descr="image011"/>
+          <p:cNvPicPr>
+            <a:picLocks noChangeAspect="1" noChangeArrowheads="1"/>
+          </p:cNvPicPr>
+          <p:nvPr/>
+        </p:nvPicPr>
+        <p:blipFill>
+          <a:blip r:embed="rId4">
+            <a:extLst>
+              <a:ext uri="{28A0092B-C50C-407E-A947-70E740481C1C}">
+                <a14:useLocalDpi xmlns:a14="http://schemas.microsoft.com/office/drawing/2010/main" val="0"/>
+              </a:ext>
+            </a:extLst>
+          </a:blip>
+          <a:srcRect/>
+          <a:stretch>
+            <a:fillRect/>
+          </a:stretch>
+        </p:blipFill>
+        <p:spPr bwMode="auto">
+          <a:xfrm>
+            <a:off x="9845799" y="6062662"/>
+            <a:ext cx="2117405" cy="452437"/>
+          </a:xfrm>
+          <a:prstGeom prst="rect">
+            <a:avLst/>
+          </a:prstGeom>
+          <a:noFill/>
+          <a:ln>
+            <a:noFill/>
+          </a:ln>
+          <a:extLst>
+            <a:ext uri="{909E8E84-426E-40DD-AFC4-6F175D3DCCD1}">
+              <a14:hiddenFill xmlns:a14="http://schemas.microsoft.com/office/drawing/2010/main">
+                <a:solidFill>
+                  <a:srgbClr val="FFFFFF"/>
+                </a:solidFill>
+              </a14:hiddenFill>
+            </a:ext>
+            <a:ext uri="{91240B29-F687-4F45-9708-019B960494DF}">
+              <a14:hiddenLine xmlns:a14="http://schemas.microsoft.com/office/drawing/2010/main" w="9525">
+                <a:solidFill>
+                  <a:srgbClr val="000000"/>
+                </a:solidFill>
+                <a:miter lim="800000"/>
+                <a:headEnd/>
+                <a:tailEnd/>
+              </a14:hiddenLine>
+            </a:ext>
+          </a:extLst>
+        </p:spPr>
+      </p:pic>
+    </p:spTree>
+    <p:extLst>
+      <p:ext uri="{BB962C8B-B14F-4D97-AF65-F5344CB8AC3E}">
+        <p14:creationId xmlns:p14="http://schemas.microsoft.com/office/powerpoint/2010/main" val="129639390"/>
+      </p:ext>
+    </p:extLst>
+  </p:cSld>
+  <p:clrMapOvr>
+    <a:masterClrMapping/>
+  </p:clrMapOvr>
+  <p:timing>
+    <p:tnLst>
+      <p:par>
+        <p:cTn id="1" dur="indefinite" restart="never" nodeType="tmRoot"/>
+      </p:par>
+    </p:tnLst>
+  </p:timing>
+</p:sld>
+</file>
+
+<file path=ppt/slides/slide16.xml><?xml version="1.0" encoding="utf-8"?>
+<p:sld xmlns:a="http://schemas.openxmlformats.org/drawingml/2006/main" xmlns:r="http://schemas.openxmlformats.org/officeDocument/2006/relationships" xmlns:p="http://schemas.openxmlformats.org/presentationml/2006/main">
+  <p:cSld>
+    <p:spTree>
+      <p:nvGrpSpPr>
+        <p:cNvPr id="1" name=""/>
+        <p:cNvGrpSpPr/>
+        <p:nvPr/>
+      </p:nvGrpSpPr>
+      <p:grpSpPr>
+        <a:xfrm>
+          <a:off x="0" y="0"/>
+          <a:ext cx="0" cy="0"/>
+          <a:chOff x="0" y="0"/>
+          <a:chExt cx="0" cy="0"/>
+        </a:xfrm>
+      </p:grpSpPr>
+      <p:sp>
+        <p:nvSpPr>
+          <p:cNvPr id="2" name="Título 1"/>
+          <p:cNvSpPr>
+            <a:spLocks noGrp="1"/>
+          </p:cNvSpPr>
+          <p:nvPr>
+            <p:ph type="title"/>
+          </p:nvPr>
+        </p:nvSpPr>
+        <p:spPr/>
+        <p:txBody>
+          <a:bodyPr>
+            <a:normAutofit/>
+          </a:bodyPr>
+          <a:lstStyle/>
+          <a:p>
+            <a:pPr algn="ctr"/>
+            <a:r>
+              <a:rPr lang="es-ES" b="1" dirty="0">
+                <a:solidFill>
+                  <a:schemeClr val="accent1">
+                    <a:lumMod val="50000"/>
+                  </a:schemeClr>
+                </a:solidFill>
+              </a:rPr>
+              <a:t>Índice</a:t>
+            </a:r>
+          </a:p>
+        </p:txBody>
+      </p:sp>
+      <p:sp>
+        <p:nvSpPr>
+          <p:cNvPr id="3" name="Marcador de contenido 2"/>
+          <p:cNvSpPr>
+            <a:spLocks noGrp="1"/>
+          </p:cNvSpPr>
+          <p:nvPr>
+            <p:ph idx="1"/>
+          </p:nvPr>
+        </p:nvSpPr>
+        <p:spPr/>
+        <p:txBody>
+          <a:bodyPr/>
+          <a:lstStyle/>
+          <a:p>
+            <a:pPr marL="571500" indent="-571500">
+              <a:lnSpc>
+                <a:spcPct val="100000"/>
+              </a:lnSpc>
+              <a:buFont typeface="+mj-lt"/>
+              <a:buAutoNum type="romanUcPeriod"/>
+            </a:pPr>
+            <a:r>
+              <a:rPr lang="es-ES" dirty="0">
+                <a:solidFill>
+                  <a:schemeClr val="bg2">
+                    <a:lumMod val="50000"/>
+                  </a:schemeClr>
+                </a:solidFill>
+              </a:rPr>
+              <a:t>Introducción</a:t>
+            </a:r>
+          </a:p>
+          <a:p>
+            <a:pPr marL="1028700" lvl="1" indent="-571500">
+              <a:lnSpc>
+                <a:spcPct val="100000"/>
+              </a:lnSpc>
+              <a:buFont typeface="+mj-lt"/>
+              <a:buAutoNum type="romanUcPeriod"/>
+            </a:pPr>
+            <a:r>
+              <a:rPr lang="es-ES" dirty="0">
+                <a:solidFill>
+                  <a:schemeClr val="bg2">
+                    <a:lumMod val="50000"/>
+                  </a:schemeClr>
+                </a:solidFill>
+              </a:rPr>
+              <a:t>Objetivos </a:t>
+            </a:r>
+          </a:p>
+          <a:p>
+            <a:pPr marL="1028700" lvl="1" indent="-571500">
+              <a:lnSpc>
+                <a:spcPct val="100000"/>
+              </a:lnSpc>
+              <a:buFont typeface="+mj-lt"/>
+              <a:buAutoNum type="romanUcPeriod"/>
+            </a:pPr>
+            <a:r>
+              <a:rPr lang="es-ES" dirty="0">
+                <a:solidFill>
+                  <a:schemeClr val="bg2">
+                    <a:lumMod val="50000"/>
+                  </a:schemeClr>
+                </a:solidFill>
+              </a:rPr>
+              <a:t>Panorama actual</a:t>
+            </a:r>
+          </a:p>
+          <a:p>
+            <a:pPr marL="571500" indent="-571500">
+              <a:lnSpc>
+                <a:spcPct val="150000"/>
+              </a:lnSpc>
+              <a:buFont typeface="+mj-lt"/>
+              <a:buAutoNum type="romanUcPeriod"/>
+            </a:pPr>
+            <a:r>
+              <a:rPr lang="es-ES" dirty="0">
+                <a:solidFill>
+                  <a:schemeClr val="bg2">
+                    <a:lumMod val="50000"/>
+                  </a:schemeClr>
+                </a:solidFill>
+              </a:rPr>
+              <a:t>Controlador y simulación</a:t>
+            </a:r>
+          </a:p>
+          <a:p>
+            <a:pPr marL="1028700" lvl="1" indent="-571500">
+              <a:lnSpc>
+                <a:spcPct val="100000"/>
+              </a:lnSpc>
+              <a:buFont typeface="+mj-lt"/>
+              <a:buAutoNum type="romanUcPeriod"/>
+            </a:pPr>
+            <a:r>
+              <a:rPr lang="es-ES" dirty="0">
+                <a:solidFill>
+                  <a:schemeClr val="bg2">
+                    <a:lumMod val="50000"/>
+                  </a:schemeClr>
+                </a:solidFill>
+              </a:rPr>
+              <a:t>Modelo de la Planta</a:t>
+            </a:r>
+          </a:p>
+          <a:p>
+            <a:pPr marL="1028700" lvl="1" indent="-571500">
+              <a:lnSpc>
+                <a:spcPct val="100000"/>
+              </a:lnSpc>
+              <a:buFont typeface="+mj-lt"/>
+              <a:buAutoNum type="romanUcPeriod"/>
+            </a:pPr>
+            <a:r>
+              <a:rPr lang="es-ES" dirty="0">
+                <a:solidFill>
+                  <a:schemeClr val="bg2">
+                    <a:lumMod val="50000"/>
+                  </a:schemeClr>
+                </a:solidFill>
+              </a:rPr>
+              <a:t>Algoritmo de </a:t>
+            </a:r>
+            <a:r>
+              <a:rPr lang="es-ES" dirty="0" smtClean="0">
+                <a:solidFill>
+                  <a:schemeClr val="bg2">
+                    <a:lumMod val="50000"/>
+                  </a:schemeClr>
+                </a:solidFill>
+              </a:rPr>
+              <a:t>control</a:t>
+            </a:r>
+          </a:p>
+          <a:p>
+            <a:pPr marL="1028700" lvl="1" indent="-571500">
+              <a:lnSpc>
+                <a:spcPct val="100000"/>
+              </a:lnSpc>
+              <a:buFont typeface="+mj-lt"/>
+              <a:buAutoNum type="romanUcPeriod"/>
+            </a:pPr>
+            <a:r>
+              <a:rPr lang="es-ES" dirty="0" smtClean="0">
+                <a:solidFill>
+                  <a:schemeClr val="bg2">
+                    <a:lumMod val="50000"/>
+                  </a:schemeClr>
+                </a:solidFill>
+              </a:rPr>
+              <a:t>Casos de estudio</a:t>
+            </a:r>
+            <a:endParaRPr lang="es-ES" dirty="0">
+              <a:solidFill>
+                <a:schemeClr val="bg2">
+                  <a:lumMod val="50000"/>
+                </a:schemeClr>
+              </a:solidFill>
+            </a:endParaRPr>
+          </a:p>
+          <a:p>
+            <a:pPr marL="571500" indent="-571500">
+              <a:lnSpc>
+                <a:spcPct val="150000"/>
+              </a:lnSpc>
+              <a:buFont typeface="+mj-lt"/>
+              <a:buAutoNum type="romanUcPeriod"/>
+            </a:pPr>
+            <a:r>
+              <a:rPr lang="es-ES" dirty="0" smtClean="0"/>
+              <a:t>Resultados y conclusiones</a:t>
+            </a:r>
+            <a:endParaRPr lang="es-ES" dirty="0"/>
+          </a:p>
+          <a:p>
+            <a:pPr marL="571500" indent="-571500">
+              <a:buFont typeface="+mj-lt"/>
+              <a:buAutoNum type="romanUcPeriod"/>
+            </a:pPr>
+            <a:endParaRPr lang="es-ES" dirty="0"/>
+          </a:p>
+        </p:txBody>
+      </p:sp>
+      <p:pic>
+        <p:nvPicPr>
+          <p:cNvPr id="5" name="Picture 2" descr="Resultado de imagen de etsidi logo"/>
+          <p:cNvPicPr>
+            <a:picLocks noChangeAspect="1" noChangeArrowheads="1"/>
+          </p:cNvPicPr>
+          <p:nvPr/>
+        </p:nvPicPr>
+        <p:blipFill>
+          <a:blip r:embed="rId2" cstate="print">
+            <a:extLst>
+              <a:ext uri="{28A0092B-C50C-407E-A947-70E740481C1C}">
+                <a14:useLocalDpi xmlns:a14="http://schemas.microsoft.com/office/drawing/2010/main" val="0"/>
+              </a:ext>
+            </a:extLst>
+          </a:blip>
+          <a:srcRect/>
+          <a:stretch>
+            <a:fillRect/>
+          </a:stretch>
+        </p:blipFill>
+        <p:spPr bwMode="auto">
+          <a:xfrm>
+            <a:off x="10269415" y="286460"/>
+            <a:ext cx="1693789" cy="895227"/>
+          </a:xfrm>
+          <a:prstGeom prst="rect">
+            <a:avLst/>
+          </a:prstGeom>
+          <a:noFill/>
+          <a:extLst>
+            <a:ext uri="{909E8E84-426E-40DD-AFC4-6F175D3DCCD1}">
+              <a14:hiddenFill xmlns:a14="http://schemas.microsoft.com/office/drawing/2010/main">
+                <a:solidFill>
+                  <a:srgbClr val="FFFFFF"/>
+                </a:solidFill>
+              </a14:hiddenFill>
+            </a:ext>
+          </a:extLst>
+        </p:spPr>
+      </p:pic>
+      <p:pic>
+        <p:nvPicPr>
+          <p:cNvPr id="6" name="Picture 2" descr="Macintosh HD en Idril:Users:barrientos:DATOS:Modelos:Logos:UPM:EscUpmPolit.jpg"/>
+          <p:cNvPicPr/>
+          <p:nvPr/>
+        </p:nvPicPr>
+        <p:blipFill>
+          <a:blip r:embed="rId3">
+            <a:extLst>
+              <a:ext uri="{28A0092B-C50C-407E-A947-70E740481C1C}">
+                <a14:useLocalDpi xmlns:a14="http://schemas.microsoft.com/office/drawing/2010/main" val="0"/>
+              </a:ext>
+            </a:extLst>
+          </a:blip>
+          <a:srcRect/>
+          <a:stretch>
+            <a:fillRect/>
+          </a:stretch>
+        </p:blipFill>
+        <p:spPr bwMode="auto">
+          <a:xfrm>
+            <a:off x="143705" y="131712"/>
+            <a:ext cx="1417125" cy="1181686"/>
+          </a:xfrm>
+          <a:prstGeom prst="rect">
+            <a:avLst/>
+          </a:prstGeom>
+          <a:noFill/>
+          <a:ln>
+            <a:noFill/>
+          </a:ln>
+        </p:spPr>
+      </p:pic>
+      <p:pic>
+        <p:nvPicPr>
+          <p:cNvPr id="8" name="Image 6" descr="image011"/>
+          <p:cNvPicPr>
+            <a:picLocks noChangeAspect="1" noChangeArrowheads="1"/>
+          </p:cNvPicPr>
+          <p:nvPr/>
+        </p:nvPicPr>
+        <p:blipFill>
+          <a:blip r:embed="rId4">
+            <a:extLst>
+              <a:ext uri="{28A0092B-C50C-407E-A947-70E740481C1C}">
+                <a14:useLocalDpi xmlns:a14="http://schemas.microsoft.com/office/drawing/2010/main" val="0"/>
+              </a:ext>
+            </a:extLst>
+          </a:blip>
+          <a:srcRect/>
+          <a:stretch>
+            <a:fillRect/>
+          </a:stretch>
+        </p:blipFill>
+        <p:spPr bwMode="auto">
+          <a:xfrm>
+            <a:off x="9845799" y="6062662"/>
+            <a:ext cx="2117405" cy="452437"/>
+          </a:xfrm>
+          <a:prstGeom prst="rect">
+            <a:avLst/>
+          </a:prstGeom>
+          <a:noFill/>
+          <a:ln>
+            <a:noFill/>
+          </a:ln>
+          <a:extLst>
+            <a:ext uri="{909E8E84-426E-40DD-AFC4-6F175D3DCCD1}">
+              <a14:hiddenFill xmlns:a14="http://schemas.microsoft.com/office/drawing/2010/main">
+                <a:solidFill>
+                  <a:srgbClr val="FFFFFF"/>
+                </a:solidFill>
+              </a14:hiddenFill>
+            </a:ext>
+            <a:ext uri="{91240B29-F687-4F45-9708-019B960494DF}">
+              <a14:hiddenLine xmlns:a14="http://schemas.microsoft.com/office/drawing/2010/main" w="9525">
+                <a:solidFill>
+                  <a:srgbClr val="000000"/>
+                </a:solidFill>
+                <a:miter lim="800000"/>
+                <a:headEnd/>
+                <a:tailEnd/>
+              </a14:hiddenLine>
+            </a:ext>
+          </a:extLst>
+        </p:spPr>
+      </p:pic>
+    </p:spTree>
+    <p:extLst>
+      <p:ext uri="{BB962C8B-B14F-4D97-AF65-F5344CB8AC3E}">
+        <p14:creationId xmlns:p14="http://schemas.microsoft.com/office/powerpoint/2010/main" val="3446403980"/>
+      </p:ext>
+    </p:extLst>
+  </p:cSld>
+  <p:clrMapOvr>
+    <a:masterClrMapping/>
+  </p:clrMapOvr>
+  <p:timing>
+    <p:tnLst>
+      <p:par>
+        <p:cTn id="1" dur="indefinite" restart="never" nodeType="tmRoot"/>
+      </p:par>
+    </p:tnLst>
+  </p:timing>
+</p:sld>
+</file>
+
+<file path=ppt/slides/slide17.xml><?xml version="1.0" encoding="utf-8"?>
+<p:sld xmlns:a="http://schemas.openxmlformats.org/drawingml/2006/main" xmlns:r="http://schemas.openxmlformats.org/officeDocument/2006/relationships" xmlns:p="http://schemas.openxmlformats.org/presentationml/2006/main">
+  <p:cSld>
+    <p:spTree>
+      <p:nvGrpSpPr>
+        <p:cNvPr id="1" name=""/>
+        <p:cNvGrpSpPr/>
+        <p:nvPr/>
+      </p:nvGrpSpPr>
+      <p:grpSpPr>
+        <a:xfrm>
+          <a:off x="0" y="0"/>
+          <a:ext cx="0" cy="0"/>
+          <a:chOff x="0" y="0"/>
+          <a:chExt cx="0" cy="0"/>
+        </a:xfrm>
+      </p:grpSpPr>
+      <p:sp>
+        <p:nvSpPr>
+          <p:cNvPr id="2" name="1 Título"/>
+          <p:cNvSpPr>
+            <a:spLocks noGrp="1"/>
+          </p:cNvSpPr>
+          <p:nvPr>
+            <p:ph type="title"/>
+          </p:nvPr>
+        </p:nvSpPr>
+        <p:spPr/>
+        <p:txBody>
+          <a:bodyPr>
+            <a:normAutofit/>
+          </a:bodyPr>
+          <a:lstStyle/>
+          <a:p>
+            <a:pPr algn="ctr"/>
+            <a:r>
+              <a:rPr lang="es-ES" b="1" dirty="0">
+                <a:solidFill>
+                  <a:schemeClr val="accent1">
+                    <a:lumMod val="50000"/>
+                  </a:schemeClr>
+                </a:solidFill>
+              </a:rPr>
+              <a:t>Resultados</a:t>
+            </a:r>
+            <a:endParaRPr lang="es-ES" b="1" dirty="0">
+              <a:solidFill>
+                <a:schemeClr val="accent1">
+                  <a:lumMod val="50000"/>
+                </a:schemeClr>
+              </a:solidFill>
+            </a:endParaRPr>
+          </a:p>
+        </p:txBody>
+      </p:sp>
+      <p:pic>
+        <p:nvPicPr>
+          <p:cNvPr id="4" name="Picture 2" descr="Resultado de imagen de etsidi logo"/>
+          <p:cNvPicPr>
+            <a:picLocks noChangeAspect="1" noChangeArrowheads="1"/>
+          </p:cNvPicPr>
+          <p:nvPr/>
+        </p:nvPicPr>
+        <p:blipFill>
+          <a:blip r:embed="rId2" cstate="print">
+            <a:extLst>
+              <a:ext uri="{28A0092B-C50C-407E-A947-70E740481C1C}">
+                <a14:useLocalDpi xmlns:a14="http://schemas.microsoft.com/office/drawing/2010/main" val="0"/>
+              </a:ext>
+            </a:extLst>
+          </a:blip>
+          <a:srcRect/>
+          <a:stretch>
+            <a:fillRect/>
+          </a:stretch>
+        </p:blipFill>
+        <p:spPr bwMode="auto">
+          <a:xfrm>
+            <a:off x="10269415" y="286460"/>
+            <a:ext cx="1693789" cy="895227"/>
+          </a:xfrm>
+          <a:prstGeom prst="rect">
+            <a:avLst/>
+          </a:prstGeom>
+          <a:noFill/>
+          <a:extLst>
+            <a:ext uri="{909E8E84-426E-40DD-AFC4-6F175D3DCCD1}">
+              <a14:hiddenFill xmlns:a14="http://schemas.microsoft.com/office/drawing/2010/main">
+                <a:solidFill>
+                  <a:srgbClr val="FFFFFF"/>
+                </a:solidFill>
+              </a14:hiddenFill>
+            </a:ext>
+          </a:extLst>
+        </p:spPr>
+      </p:pic>
+      <p:pic>
+        <p:nvPicPr>
+          <p:cNvPr id="5" name="Picture 2" descr="Macintosh HD en Idril:Users:barrientos:DATOS:Modelos:Logos:UPM:EscUpmPolit.jpg"/>
+          <p:cNvPicPr/>
+          <p:nvPr/>
+        </p:nvPicPr>
+        <p:blipFill>
+          <a:blip r:embed="rId3">
+            <a:extLst>
+              <a:ext uri="{28A0092B-C50C-407E-A947-70E740481C1C}">
+                <a14:useLocalDpi xmlns:a14="http://schemas.microsoft.com/office/drawing/2010/main" val="0"/>
+              </a:ext>
+            </a:extLst>
+          </a:blip>
+          <a:srcRect/>
+          <a:stretch>
+            <a:fillRect/>
+          </a:stretch>
+        </p:blipFill>
+        <p:spPr bwMode="auto">
+          <a:xfrm>
+            <a:off x="143705" y="131712"/>
+            <a:ext cx="1417125" cy="1181686"/>
+          </a:xfrm>
+          <a:prstGeom prst="rect">
+            <a:avLst/>
+          </a:prstGeom>
+          <a:noFill/>
+          <a:ln>
+            <a:noFill/>
+          </a:ln>
+        </p:spPr>
+      </p:pic>
+      <p:pic>
+        <p:nvPicPr>
+          <p:cNvPr id="7" name="Image 6" descr="image011"/>
+          <p:cNvPicPr>
+            <a:picLocks noChangeAspect="1" noChangeArrowheads="1"/>
+          </p:cNvPicPr>
+          <p:nvPr/>
+        </p:nvPicPr>
+        <p:blipFill>
+          <a:blip r:embed="rId4">
+            <a:extLst>
+              <a:ext uri="{28A0092B-C50C-407E-A947-70E740481C1C}">
+                <a14:useLocalDpi xmlns:a14="http://schemas.microsoft.com/office/drawing/2010/main" val="0"/>
+              </a:ext>
+            </a:extLst>
+          </a:blip>
+          <a:srcRect/>
+          <a:stretch>
+            <a:fillRect/>
+          </a:stretch>
+        </p:blipFill>
+        <p:spPr bwMode="auto">
+          <a:xfrm>
+            <a:off x="9845799" y="6062662"/>
+            <a:ext cx="2117405" cy="452437"/>
+          </a:xfrm>
+          <a:prstGeom prst="rect">
+            <a:avLst/>
+          </a:prstGeom>
+          <a:noFill/>
+          <a:ln>
+            <a:noFill/>
+          </a:ln>
+          <a:extLst>
+            <a:ext uri="{909E8E84-426E-40DD-AFC4-6F175D3DCCD1}">
+              <a14:hiddenFill xmlns:a14="http://schemas.microsoft.com/office/drawing/2010/main">
+                <a:solidFill>
+                  <a:srgbClr val="FFFFFF"/>
+                </a:solidFill>
+              </a14:hiddenFill>
+            </a:ext>
+            <a:ext uri="{91240B29-F687-4F45-9708-019B960494DF}">
+              <a14:hiddenLine xmlns:a14="http://schemas.microsoft.com/office/drawing/2010/main" w="9525">
+                <a:solidFill>
+                  <a:srgbClr val="000000"/>
+                </a:solidFill>
+                <a:miter lim="800000"/>
+                <a:headEnd/>
+                <a:tailEnd/>
+              </a14:hiddenLine>
+            </a:ext>
+          </a:extLst>
+        </p:spPr>
+      </p:pic>
+    </p:spTree>
+    <p:extLst>
+      <p:ext uri="{BB962C8B-B14F-4D97-AF65-F5344CB8AC3E}">
+        <p14:creationId xmlns:p14="http://schemas.microsoft.com/office/powerpoint/2010/main" val="1292907876"/>
+      </p:ext>
+    </p:extLst>
+  </p:cSld>
+  <p:clrMapOvr>
+    <a:masterClrMapping/>
+  </p:clrMapOvr>
+  <p:timing>
+    <p:tnLst>
+      <p:par>
+        <p:cTn id="1" dur="indefinite" restart="never" nodeType="tmRoot"/>
+      </p:par>
+    </p:tnLst>
+  </p:timing>
+</p:sld>
+</file>
+
+<file path=ppt/slides/slide18.xml><?xml version="1.0" encoding="utf-8"?>
+<p:sld xmlns:a="http://schemas.openxmlformats.org/drawingml/2006/main" xmlns:r="http://schemas.openxmlformats.org/officeDocument/2006/relationships" xmlns:p="http://schemas.openxmlformats.org/presentationml/2006/main">
+  <p:cSld>
+    <p:spTree>
+      <p:nvGrpSpPr>
+        <p:cNvPr id="1" name=""/>
+        <p:cNvGrpSpPr/>
+        <p:nvPr/>
+      </p:nvGrpSpPr>
+      <p:grpSpPr>
+        <a:xfrm>
+          <a:off x="0" y="0"/>
+          <a:ext cx="0" cy="0"/>
+          <a:chOff x="0" y="0"/>
+          <a:chExt cx="0" cy="0"/>
+        </a:xfrm>
+      </p:grpSpPr>
+      <p:sp>
+        <p:nvSpPr>
+          <p:cNvPr id="2" name="Título 1">
+            <a:extLst>
+              <a:ext uri="{FF2B5EF4-FFF2-40B4-BE49-F238E27FC236}">
+                <a16:creationId xmlns="" xmlns:a16="http://schemas.microsoft.com/office/drawing/2014/main" id="{7CE1135B-07BD-441E-96D7-85BD4835A7ED}"/>
+              </a:ext>
+            </a:extLst>
+          </p:cNvPr>
+          <p:cNvSpPr>
+            <a:spLocks noGrp="1"/>
+          </p:cNvSpPr>
+          <p:nvPr>
+            <p:ph type="title"/>
+          </p:nvPr>
+        </p:nvSpPr>
+        <p:spPr/>
+        <p:txBody>
+          <a:bodyPr>
+            <a:normAutofit/>
+          </a:bodyPr>
+          <a:lstStyle/>
+          <a:p>
+            <a:pPr algn="ctr"/>
+            <a:r>
+              <a:rPr lang="es-ES" b="1" dirty="0">
+                <a:solidFill>
+                  <a:schemeClr val="accent1">
+                    <a:lumMod val="50000"/>
+                  </a:schemeClr>
+                </a:solidFill>
+              </a:rPr>
+              <a:t>Conclusiones del primer ensayo</a:t>
+            </a:r>
+            <a:endParaRPr lang="es-ES" b="1" dirty="0">
+              <a:solidFill>
+                <a:schemeClr val="accent1">
+                  <a:lumMod val="50000"/>
+                </a:schemeClr>
+              </a:solidFill>
+            </a:endParaRPr>
+          </a:p>
+        </p:txBody>
+      </p:sp>
+      <p:sp>
+        <p:nvSpPr>
+          <p:cNvPr id="3" name="Marcador de contenido 2">
+            <a:extLst>
+              <a:ext uri="{FF2B5EF4-FFF2-40B4-BE49-F238E27FC236}">
+                <a16:creationId xmlns="" xmlns:a16="http://schemas.microsoft.com/office/drawing/2014/main" id="{8494C532-DF3D-48DB-A603-9E1A5F3ADD2D}"/>
+              </a:ext>
+            </a:extLst>
+          </p:cNvPr>
+          <p:cNvSpPr>
+            <a:spLocks noGrp="1"/>
+          </p:cNvSpPr>
+          <p:nvPr>
+            <p:ph idx="1"/>
+          </p:nvPr>
+        </p:nvSpPr>
+        <p:spPr/>
+        <p:txBody>
+          <a:bodyPr/>
+          <a:lstStyle/>
+          <a:p>
+            <a:pPr marL="514350" indent="-514350">
+              <a:buFont typeface="+mj-lt"/>
+              <a:buAutoNum type="arabicPeriod"/>
+            </a:pPr>
+            <a:r>
+              <a:rPr lang="es-ES" dirty="0" smtClean="0"/>
+              <a:t>Es imposible seguir el código de red con entrega nula de potencia activa</a:t>
+            </a:r>
+          </a:p>
+          <a:p>
+            <a:pPr marL="514350" indent="-514350">
+              <a:buFont typeface="+mj-lt"/>
+              <a:buAutoNum type="arabicPeriod"/>
+            </a:pPr>
+            <a:r>
+              <a:rPr lang="es-ES" dirty="0" smtClean="0"/>
+              <a:t>A mayor potencia activa generada más fácil es seguir el código de red</a:t>
+            </a:r>
+            <a:endParaRPr lang="es-ES" dirty="0"/>
+          </a:p>
+        </p:txBody>
+      </p:sp>
+      <p:pic>
+        <p:nvPicPr>
+          <p:cNvPr id="5" name="Picture 2" descr="Resultado de imagen de etsidi logo"/>
+          <p:cNvPicPr>
+            <a:picLocks noChangeAspect="1" noChangeArrowheads="1"/>
+          </p:cNvPicPr>
+          <p:nvPr/>
+        </p:nvPicPr>
+        <p:blipFill>
+          <a:blip r:embed="rId2" cstate="print">
+            <a:extLst>
+              <a:ext uri="{28A0092B-C50C-407E-A947-70E740481C1C}">
+                <a14:useLocalDpi xmlns:a14="http://schemas.microsoft.com/office/drawing/2010/main" val="0"/>
+              </a:ext>
+            </a:extLst>
+          </a:blip>
+          <a:srcRect/>
+          <a:stretch>
+            <a:fillRect/>
+          </a:stretch>
+        </p:blipFill>
+        <p:spPr bwMode="auto">
+          <a:xfrm>
+            <a:off x="10269415" y="286460"/>
+            <a:ext cx="1693789" cy="895227"/>
+          </a:xfrm>
+          <a:prstGeom prst="rect">
+            <a:avLst/>
+          </a:prstGeom>
+          <a:noFill/>
+          <a:extLst>
+            <a:ext uri="{909E8E84-426E-40DD-AFC4-6F175D3DCCD1}">
+              <a14:hiddenFill xmlns:a14="http://schemas.microsoft.com/office/drawing/2010/main">
+                <a:solidFill>
+                  <a:srgbClr val="FFFFFF"/>
+                </a:solidFill>
+              </a14:hiddenFill>
+            </a:ext>
+          </a:extLst>
+        </p:spPr>
+      </p:pic>
+      <p:pic>
+        <p:nvPicPr>
+          <p:cNvPr id="6" name="Picture 2" descr="Macintosh HD en Idril:Users:barrientos:DATOS:Modelos:Logos:UPM:EscUpmPolit.jpg"/>
+          <p:cNvPicPr/>
+          <p:nvPr/>
+        </p:nvPicPr>
+        <p:blipFill>
+          <a:blip r:embed="rId3">
+            <a:extLst>
+              <a:ext uri="{28A0092B-C50C-407E-A947-70E740481C1C}">
+                <a14:useLocalDpi xmlns:a14="http://schemas.microsoft.com/office/drawing/2010/main" val="0"/>
+              </a:ext>
+            </a:extLst>
+          </a:blip>
+          <a:srcRect/>
+          <a:stretch>
+            <a:fillRect/>
+          </a:stretch>
+        </p:blipFill>
+        <p:spPr bwMode="auto">
+          <a:xfrm>
+            <a:off x="143705" y="131712"/>
+            <a:ext cx="1417125" cy="1181686"/>
+          </a:xfrm>
+          <a:prstGeom prst="rect">
+            <a:avLst/>
+          </a:prstGeom>
+          <a:noFill/>
+          <a:ln>
+            <a:noFill/>
+          </a:ln>
+        </p:spPr>
+      </p:pic>
+      <p:pic>
+        <p:nvPicPr>
+          <p:cNvPr id="8" name="Image 6" descr="image011"/>
+          <p:cNvPicPr>
+            <a:picLocks noChangeAspect="1" noChangeArrowheads="1"/>
+          </p:cNvPicPr>
+          <p:nvPr/>
+        </p:nvPicPr>
+        <p:blipFill>
+          <a:blip r:embed="rId4">
+            <a:extLst>
+              <a:ext uri="{28A0092B-C50C-407E-A947-70E740481C1C}">
+                <a14:useLocalDpi xmlns:a14="http://schemas.microsoft.com/office/drawing/2010/main" val="0"/>
+              </a:ext>
+            </a:extLst>
+          </a:blip>
+          <a:srcRect/>
+          <a:stretch>
+            <a:fillRect/>
+          </a:stretch>
+        </p:blipFill>
+        <p:spPr bwMode="auto">
+          <a:xfrm>
+            <a:off x="9845799" y="6062662"/>
+            <a:ext cx="2117405" cy="452437"/>
+          </a:xfrm>
+          <a:prstGeom prst="rect">
+            <a:avLst/>
+          </a:prstGeom>
+          <a:noFill/>
+          <a:ln>
+            <a:noFill/>
+          </a:ln>
+          <a:extLst>
+            <a:ext uri="{909E8E84-426E-40DD-AFC4-6F175D3DCCD1}">
+              <a14:hiddenFill xmlns:a14="http://schemas.microsoft.com/office/drawing/2010/main">
+                <a:solidFill>
+                  <a:srgbClr val="FFFFFF"/>
+                </a:solidFill>
+              </a14:hiddenFill>
+            </a:ext>
+            <a:ext uri="{91240B29-F687-4F45-9708-019B960494DF}">
+              <a14:hiddenLine xmlns:a14="http://schemas.microsoft.com/office/drawing/2010/main" w="9525">
+                <a:solidFill>
+                  <a:srgbClr val="000000"/>
+                </a:solidFill>
+                <a:miter lim="800000"/>
+                <a:headEnd/>
+                <a:tailEnd/>
+              </a14:hiddenLine>
+            </a:ext>
+          </a:extLst>
+        </p:spPr>
+      </p:pic>
+    </p:spTree>
+    <p:extLst>
+      <p:ext uri="{BB962C8B-B14F-4D97-AF65-F5344CB8AC3E}">
+        <p14:creationId xmlns:p14="http://schemas.microsoft.com/office/powerpoint/2010/main" val="2185818766"/>
+      </p:ext>
+    </p:extLst>
+  </p:cSld>
+  <p:clrMapOvr>
+    <a:masterClrMapping/>
+  </p:clrMapOvr>
+  <p:timing>
+    <p:tnLst>
+      <p:par>
+        <p:cTn id="1" dur="indefinite" restart="never" nodeType="tmRoot"/>
+      </p:par>
+    </p:tnLst>
+  </p:timing>
+</p:sld>
+</file>
+
+<file path=ppt/slides/slide19.xml><?xml version="1.0" encoding="utf-8"?>
+<p:sld xmlns:a="http://schemas.openxmlformats.org/drawingml/2006/main" xmlns:r="http://schemas.openxmlformats.org/officeDocument/2006/relationships" xmlns:p="http://schemas.openxmlformats.org/presentationml/2006/main">
+  <p:cSld>
+    <p:spTree>
+      <p:nvGrpSpPr>
+        <p:cNvPr id="1" name=""/>
+        <p:cNvGrpSpPr/>
+        <p:nvPr/>
+      </p:nvGrpSpPr>
+      <p:grpSpPr>
+        <a:xfrm>
+          <a:off x="0" y="0"/>
+          <a:ext cx="0" cy="0"/>
+          <a:chOff x="0" y="0"/>
+          <a:chExt cx="0" cy="0"/>
+        </a:xfrm>
+      </p:grpSpPr>
+      <p:sp>
+        <p:nvSpPr>
+          <p:cNvPr id="2" name="Título 1">
+            <a:extLst>
+              <a:ext uri="{FF2B5EF4-FFF2-40B4-BE49-F238E27FC236}">
+                <a16:creationId xmlns="" xmlns:a16="http://schemas.microsoft.com/office/drawing/2014/main" id="{7CE1135B-07BD-441E-96D7-85BD4835A7ED}"/>
+              </a:ext>
+            </a:extLst>
+          </p:cNvPr>
+          <p:cNvSpPr>
+            <a:spLocks noGrp="1"/>
+          </p:cNvSpPr>
+          <p:nvPr>
+            <p:ph type="title"/>
+          </p:nvPr>
+        </p:nvSpPr>
+        <p:spPr/>
+        <p:txBody>
+          <a:bodyPr>
+            <a:normAutofit/>
+          </a:bodyPr>
+          <a:lstStyle/>
+          <a:p>
+            <a:pPr algn="ctr"/>
+            <a:r>
+              <a:rPr lang="es-ES" b="1" dirty="0">
+                <a:solidFill>
+                  <a:schemeClr val="accent1">
+                    <a:lumMod val="50000"/>
+                  </a:schemeClr>
+                </a:solidFill>
+              </a:rPr>
+              <a:t>Conclusiones del segundo ensayo</a:t>
+            </a:r>
+            <a:endParaRPr lang="es-ES" b="1" dirty="0">
+              <a:solidFill>
+                <a:schemeClr val="accent1">
+                  <a:lumMod val="50000"/>
+                </a:schemeClr>
+              </a:solidFill>
+            </a:endParaRPr>
+          </a:p>
+        </p:txBody>
+      </p:sp>
+      <p:sp>
+        <p:nvSpPr>
+          <p:cNvPr id="3" name="Marcador de contenido 2">
+            <a:extLst>
+              <a:ext uri="{FF2B5EF4-FFF2-40B4-BE49-F238E27FC236}">
+                <a16:creationId xmlns="" xmlns:a16="http://schemas.microsoft.com/office/drawing/2014/main" id="{8494C532-DF3D-48DB-A603-9E1A5F3ADD2D}"/>
+              </a:ext>
+            </a:extLst>
+          </p:cNvPr>
+          <p:cNvSpPr>
+            <a:spLocks noGrp="1"/>
+          </p:cNvSpPr>
+          <p:nvPr>
+            <p:ph idx="1"/>
+          </p:nvPr>
+        </p:nvSpPr>
+        <p:spPr/>
+        <p:txBody>
+          <a:bodyPr/>
+          <a:lstStyle/>
+          <a:p>
+            <a:pPr marL="514350" indent="-514350">
+              <a:buFont typeface="+mj-lt"/>
+              <a:buAutoNum type="arabicPeriod"/>
+            </a:pPr>
+            <a:r>
+              <a:rPr lang="es-ES" dirty="0" smtClean="0"/>
+              <a:t>Aplicar el código de red siempre es mejor que no aplicar compensación alguna</a:t>
+            </a:r>
+          </a:p>
+          <a:p>
+            <a:pPr marL="514350" indent="-514350">
+              <a:buFont typeface="+mj-lt"/>
+              <a:buAutoNum type="arabicPeriod"/>
+            </a:pPr>
+            <a:r>
+              <a:rPr lang="es-ES" dirty="0" smtClean="0"/>
+              <a:t>Permitir a la planta compensar con su reactancia natural empeora la calidad de la red cuando es de carácter inductivo</a:t>
+            </a:r>
+          </a:p>
+          <a:p>
+            <a:pPr marL="514350" indent="-514350">
+              <a:buFont typeface="+mj-lt"/>
+              <a:buAutoNum type="arabicPeriod"/>
+            </a:pPr>
+            <a:r>
+              <a:rPr lang="es-ES" dirty="0" smtClean="0"/>
+              <a:t>Permitir a una planta capacitiva compensar con su capacitancia natural ayuda solo para potencias altas</a:t>
+            </a:r>
+            <a:endParaRPr lang="es-ES" dirty="0"/>
+          </a:p>
+        </p:txBody>
+      </p:sp>
+      <p:pic>
+        <p:nvPicPr>
+          <p:cNvPr id="4" name="Picture 2" descr="Macintosh HD en Idril:Users:barrientos:DATOS:Modelos:Logos:UPM:EscUpmPolit.jpg"/>
+          <p:cNvPicPr/>
+          <p:nvPr/>
+        </p:nvPicPr>
+        <p:blipFill>
+          <a:blip r:embed="rId2">
+            <a:extLst>
+              <a:ext uri="{28A0092B-C50C-407E-A947-70E740481C1C}">
+                <a14:useLocalDpi xmlns:a14="http://schemas.microsoft.com/office/drawing/2010/main" val="0"/>
+              </a:ext>
+            </a:extLst>
+          </a:blip>
+          <a:srcRect/>
+          <a:stretch>
+            <a:fillRect/>
+          </a:stretch>
+        </p:blipFill>
+        <p:spPr bwMode="auto">
+          <a:xfrm>
+            <a:off x="143705" y="131712"/>
+            <a:ext cx="1417125" cy="1181686"/>
+          </a:xfrm>
+          <a:prstGeom prst="rect">
+            <a:avLst/>
+          </a:prstGeom>
+          <a:noFill/>
+          <a:ln>
+            <a:noFill/>
+          </a:ln>
+        </p:spPr>
+      </p:pic>
+      <p:pic>
+        <p:nvPicPr>
+          <p:cNvPr id="5" name="Picture 2" descr="Resultado de imagen de etsidi logo"/>
+          <p:cNvPicPr>
+            <a:picLocks noChangeAspect="1" noChangeArrowheads="1"/>
+          </p:cNvPicPr>
+          <p:nvPr/>
+        </p:nvPicPr>
+        <p:blipFill>
+          <a:blip r:embed="rId3" cstate="print">
+            <a:extLst>
+              <a:ext uri="{28A0092B-C50C-407E-A947-70E740481C1C}">
+                <a14:useLocalDpi xmlns:a14="http://schemas.microsoft.com/office/drawing/2010/main" val="0"/>
+              </a:ext>
+            </a:extLst>
+          </a:blip>
+          <a:srcRect/>
+          <a:stretch>
+            <a:fillRect/>
+          </a:stretch>
+        </p:blipFill>
+        <p:spPr bwMode="auto">
+          <a:xfrm>
+            <a:off x="10269415" y="286460"/>
+            <a:ext cx="1693789" cy="895227"/>
+          </a:xfrm>
+          <a:prstGeom prst="rect">
+            <a:avLst/>
+          </a:prstGeom>
+          <a:noFill/>
+          <a:extLst>
+            <a:ext uri="{909E8E84-426E-40DD-AFC4-6F175D3DCCD1}">
+              <a14:hiddenFill xmlns:a14="http://schemas.microsoft.com/office/drawing/2010/main">
+                <a:solidFill>
+                  <a:srgbClr val="FFFFFF"/>
+                </a:solidFill>
+              </a14:hiddenFill>
+            </a:ext>
+          </a:extLst>
+        </p:spPr>
+      </p:pic>
+      <p:pic>
+        <p:nvPicPr>
+          <p:cNvPr id="7" name="Image 6" descr="image011"/>
+          <p:cNvPicPr>
+            <a:picLocks noChangeAspect="1" noChangeArrowheads="1"/>
+          </p:cNvPicPr>
+          <p:nvPr/>
+        </p:nvPicPr>
+        <p:blipFill>
+          <a:blip r:embed="rId4">
+            <a:extLst>
+              <a:ext uri="{28A0092B-C50C-407E-A947-70E740481C1C}">
+                <a14:useLocalDpi xmlns:a14="http://schemas.microsoft.com/office/drawing/2010/main" val="0"/>
+              </a:ext>
+            </a:extLst>
+          </a:blip>
+          <a:srcRect/>
+          <a:stretch>
+            <a:fillRect/>
+          </a:stretch>
+        </p:blipFill>
+        <p:spPr bwMode="auto">
+          <a:xfrm>
+            <a:off x="9845799" y="6062662"/>
+            <a:ext cx="2117405" cy="452437"/>
+          </a:xfrm>
+          <a:prstGeom prst="rect">
+            <a:avLst/>
+          </a:prstGeom>
+          <a:noFill/>
+          <a:ln>
+            <a:noFill/>
+          </a:ln>
+          <a:extLst>
+            <a:ext uri="{909E8E84-426E-40DD-AFC4-6F175D3DCCD1}">
+              <a14:hiddenFill xmlns:a14="http://schemas.microsoft.com/office/drawing/2010/main">
+                <a:solidFill>
+                  <a:srgbClr val="FFFFFF"/>
+                </a:solidFill>
+              </a14:hiddenFill>
+            </a:ext>
+            <a:ext uri="{91240B29-F687-4F45-9708-019B960494DF}">
+              <a14:hiddenLine xmlns:a14="http://schemas.microsoft.com/office/drawing/2010/main" w="9525">
+                <a:solidFill>
+                  <a:srgbClr val="000000"/>
+                </a:solidFill>
+                <a:miter lim="800000"/>
+                <a:headEnd/>
+                <a:tailEnd/>
+              </a14:hiddenLine>
+            </a:ext>
+          </a:extLst>
+        </p:spPr>
+      </p:pic>
+    </p:spTree>
+    <p:extLst>
+      <p:ext uri="{BB962C8B-B14F-4D97-AF65-F5344CB8AC3E}">
+        <p14:creationId xmlns:p14="http://schemas.microsoft.com/office/powerpoint/2010/main" val="275576193"/>
       </p:ext>
     </p:extLst>
   </p:cSld>
@@ -4383,12 +8246,20 @@
         </p:nvSpPr>
         <p:spPr/>
         <p:txBody>
-          <a:bodyPr/>
+          <a:bodyPr>
+            <a:normAutofit/>
+          </a:bodyPr>
           <a:lstStyle/>
           <a:p>
             <a:pPr algn="ctr"/>
             <a:r>
-              <a:rPr lang="es-ES" dirty="0"/>
+              <a:rPr lang="es-ES" b="1" dirty="0">
+                <a:solidFill>
+                  <a:schemeClr val="accent1">
+                    <a:lumMod val="50000"/>
+                  </a:schemeClr>
+                </a:solidFill>
+              </a:rPr>
               <a:t>Índice</a:t>
             </a:r>
           </a:p>
@@ -4659,6 +8530,256 @@
     <p:extLst>
       <p:ext uri="{BB962C8B-B14F-4D97-AF65-F5344CB8AC3E}">
         <p14:creationId xmlns:p14="http://schemas.microsoft.com/office/powerpoint/2010/main" val="3155412389"/>
+      </p:ext>
+    </p:extLst>
+  </p:cSld>
+  <p:clrMapOvr>
+    <a:masterClrMapping/>
+  </p:clrMapOvr>
+  <p:timing>
+    <p:tnLst>
+      <p:par>
+        <p:cTn id="1" dur="indefinite" restart="never" nodeType="tmRoot"/>
+      </p:par>
+    </p:tnLst>
+  </p:timing>
+</p:sld>
+</file>
+
+<file path=ppt/slides/slide20.xml><?xml version="1.0" encoding="utf-8"?>
+<p:sld xmlns:a="http://schemas.openxmlformats.org/drawingml/2006/main" xmlns:r="http://schemas.openxmlformats.org/officeDocument/2006/relationships" xmlns:p="http://schemas.openxmlformats.org/presentationml/2006/main">
+  <p:cSld>
+    <p:spTree>
+      <p:nvGrpSpPr>
+        <p:cNvPr id="1" name=""/>
+        <p:cNvGrpSpPr/>
+        <p:nvPr/>
+      </p:nvGrpSpPr>
+      <p:grpSpPr>
+        <a:xfrm>
+          <a:off x="0" y="0"/>
+          <a:ext cx="0" cy="0"/>
+          <a:chOff x="0" y="0"/>
+          <a:chExt cx="0" cy="0"/>
+        </a:xfrm>
+      </p:grpSpPr>
+      <p:sp>
+        <p:nvSpPr>
+          <p:cNvPr id="2" name="Título 1">
+            <a:extLst>
+              <a:ext uri="{FF2B5EF4-FFF2-40B4-BE49-F238E27FC236}">
+                <a16:creationId xmlns="" xmlns:a16="http://schemas.microsoft.com/office/drawing/2014/main" id="{7CE1135B-07BD-441E-96D7-85BD4835A7ED}"/>
+              </a:ext>
+            </a:extLst>
+          </p:cNvPr>
+          <p:cNvSpPr>
+            <a:spLocks noGrp="1"/>
+          </p:cNvSpPr>
+          <p:nvPr>
+            <p:ph type="title"/>
+          </p:nvPr>
+        </p:nvSpPr>
+        <p:spPr/>
+        <p:txBody>
+          <a:bodyPr>
+            <a:normAutofit/>
+          </a:bodyPr>
+          <a:lstStyle/>
+          <a:p>
+            <a:pPr algn="ctr"/>
+            <a:r>
+              <a:rPr lang="es-ES" b="1" dirty="0">
+                <a:solidFill>
+                  <a:schemeClr val="accent1">
+                    <a:lumMod val="50000"/>
+                  </a:schemeClr>
+                </a:solidFill>
+              </a:rPr>
+              <a:t>Estudios futuros</a:t>
+            </a:r>
+            <a:endParaRPr lang="es-ES" b="1" dirty="0">
+              <a:solidFill>
+                <a:schemeClr val="accent1">
+                  <a:lumMod val="50000"/>
+                </a:schemeClr>
+              </a:solidFill>
+            </a:endParaRPr>
+          </a:p>
+        </p:txBody>
+      </p:sp>
+      <p:sp>
+        <p:nvSpPr>
+          <p:cNvPr id="3" name="Marcador de contenido 2">
+            <a:extLst>
+              <a:ext uri="{FF2B5EF4-FFF2-40B4-BE49-F238E27FC236}">
+                <a16:creationId xmlns="" xmlns:a16="http://schemas.microsoft.com/office/drawing/2014/main" id="{8494C532-DF3D-48DB-A603-9E1A5F3ADD2D}"/>
+              </a:ext>
+            </a:extLst>
+          </p:cNvPr>
+          <p:cNvSpPr>
+            <a:spLocks noGrp="1"/>
+          </p:cNvSpPr>
+          <p:nvPr>
+            <p:ph idx="1"/>
+          </p:nvPr>
+        </p:nvSpPr>
+        <p:spPr/>
+        <p:txBody>
+          <a:bodyPr/>
+          <a:lstStyle/>
+          <a:p>
+            <a:r>
+              <a:rPr lang="es-ES" dirty="0" smtClean="0"/>
+              <a:t>Mejorar el modelo de simulación añadiendo una rama con varios aerogeneradores conectados</a:t>
+            </a:r>
+          </a:p>
+          <a:p>
+            <a:r>
+              <a:rPr lang="es-ES" dirty="0" smtClean="0"/>
+              <a:t>Añadir elementos de compensación de reactiva como bancos de condensadores e inductancias o un STATCOM</a:t>
+            </a:r>
+          </a:p>
+          <a:p>
+            <a:r>
+              <a:rPr lang="es-ES" dirty="0" smtClean="0"/>
+              <a:t>Diseñar un control avanzado como un controlador predictivo, robusto, lógica difusa o redes neuronales.</a:t>
+            </a:r>
+            <a:endParaRPr lang="es-ES" dirty="0"/>
+          </a:p>
+        </p:txBody>
+      </p:sp>
+      <p:pic>
+        <p:nvPicPr>
+          <p:cNvPr id="6" name="Picture 2" descr="Resultado de imagen de etsidi logo"/>
+          <p:cNvPicPr>
+            <a:picLocks noChangeAspect="1" noChangeArrowheads="1"/>
+          </p:cNvPicPr>
+          <p:nvPr/>
+        </p:nvPicPr>
+        <p:blipFill>
+          <a:blip r:embed="rId2" cstate="print">
+            <a:extLst>
+              <a:ext uri="{28A0092B-C50C-407E-A947-70E740481C1C}">
+                <a14:useLocalDpi xmlns:a14="http://schemas.microsoft.com/office/drawing/2010/main" val="0"/>
+              </a:ext>
+            </a:extLst>
+          </a:blip>
+          <a:srcRect/>
+          <a:stretch>
+            <a:fillRect/>
+          </a:stretch>
+        </p:blipFill>
+        <p:spPr bwMode="auto">
+          <a:xfrm>
+            <a:off x="10269415" y="286460"/>
+            <a:ext cx="1693789" cy="895227"/>
+          </a:xfrm>
+          <a:prstGeom prst="rect">
+            <a:avLst/>
+          </a:prstGeom>
+          <a:noFill/>
+          <a:extLst>
+            <a:ext uri="{909E8E84-426E-40DD-AFC4-6F175D3DCCD1}">
+              <a14:hiddenFill xmlns:a14="http://schemas.microsoft.com/office/drawing/2010/main">
+                <a:solidFill>
+                  <a:srgbClr val="FFFFFF"/>
+                </a:solidFill>
+              </a14:hiddenFill>
+            </a:ext>
+          </a:extLst>
+        </p:spPr>
+      </p:pic>
+      <p:pic>
+        <p:nvPicPr>
+          <p:cNvPr id="7" name="Picture 2" descr="Macintosh HD en Idril:Users:barrientos:DATOS:Modelos:Logos:UPM:EscUpmPolit.jpg"/>
+          <p:cNvPicPr/>
+          <p:nvPr/>
+        </p:nvPicPr>
+        <p:blipFill>
+          <a:blip r:embed="rId3">
+            <a:extLst>
+              <a:ext uri="{28A0092B-C50C-407E-A947-70E740481C1C}">
+                <a14:useLocalDpi xmlns:a14="http://schemas.microsoft.com/office/drawing/2010/main" val="0"/>
+              </a:ext>
+            </a:extLst>
+          </a:blip>
+          <a:srcRect/>
+          <a:stretch>
+            <a:fillRect/>
+          </a:stretch>
+        </p:blipFill>
+        <p:spPr bwMode="auto">
+          <a:xfrm>
+            <a:off x="143705" y="131712"/>
+            <a:ext cx="1417125" cy="1181686"/>
+          </a:xfrm>
+          <a:prstGeom prst="rect">
+            <a:avLst/>
+          </a:prstGeom>
+          <a:noFill/>
+          <a:ln>
+            <a:noFill/>
+          </a:ln>
+        </p:spPr>
+      </p:pic>
+      <p:pic>
+        <p:nvPicPr>
+          <p:cNvPr id="9" name="Image 6" descr="image011"/>
+          <p:cNvPicPr>
+            <a:picLocks noChangeAspect="1" noChangeArrowheads="1"/>
+          </p:cNvPicPr>
+          <p:nvPr/>
+        </p:nvPicPr>
+        <p:blipFill>
+          <a:blip r:embed="rId4">
+            <a:extLst>
+              <a:ext uri="{28A0092B-C50C-407E-A947-70E740481C1C}">
+                <a14:useLocalDpi xmlns:a14="http://schemas.microsoft.com/office/drawing/2010/main" val="0"/>
+              </a:ext>
+            </a:extLst>
+          </a:blip>
+          <a:srcRect/>
+          <a:stretch>
+            <a:fillRect/>
+          </a:stretch>
+        </p:blipFill>
+        <p:spPr bwMode="auto">
+          <a:xfrm>
+            <a:off x="9845799" y="6062662"/>
+            <a:ext cx="2117405" cy="452437"/>
+          </a:xfrm>
+          <a:prstGeom prst="rect">
+            <a:avLst/>
+          </a:prstGeom>
+          <a:noFill/>
+          <a:ln>
+            <a:noFill/>
+          </a:ln>
+          <a:extLst>
+            <a:ext uri="{909E8E84-426E-40DD-AFC4-6F175D3DCCD1}">
+              <a14:hiddenFill xmlns:a14="http://schemas.microsoft.com/office/drawing/2010/main">
+                <a:solidFill>
+                  <a:srgbClr val="FFFFFF"/>
+                </a:solidFill>
+              </a14:hiddenFill>
+            </a:ext>
+            <a:ext uri="{91240B29-F687-4F45-9708-019B960494DF}">
+              <a14:hiddenLine xmlns:a14="http://schemas.microsoft.com/office/drawing/2010/main" w="9525">
+                <a:solidFill>
+                  <a:srgbClr val="000000"/>
+                </a:solidFill>
+                <a:miter lim="800000"/>
+                <a:headEnd/>
+                <a:tailEnd/>
+              </a14:hiddenLine>
+            </a:ext>
+          </a:extLst>
+        </p:spPr>
+      </p:pic>
+    </p:spTree>
+    <p:extLst>
+      <p:ext uri="{BB962C8B-B14F-4D97-AF65-F5344CB8AC3E}">
+        <p14:creationId xmlns:p14="http://schemas.microsoft.com/office/powerpoint/2010/main" val="3096992739"/>
       </p:ext>
     </p:extLst>
   </p:cSld>
@@ -4960,6 +9081,612 @@
   <p:timing>
     <p:tnLst>
       <p:par>
+        <p:cTn id="1" dur="indefinite" restart="never" nodeType="tmRoot">
+          <p:childTnLst>
+            <p:seq concurrent="1" nextAc="seek">
+              <p:cTn id="2" dur="indefinite" nodeType="mainSeq">
+                <p:childTnLst>
+                  <p:par>
+                    <p:cTn id="3" fill="hold">
+                      <p:stCondLst>
+                        <p:cond delay="indefinite"/>
+                        <p:cond evt="onBegin" delay="0">
+                          <p:tn val="2"/>
+                        </p:cond>
+                      </p:stCondLst>
+                      <p:childTnLst>
+                        <p:par>
+                          <p:cTn id="4" fill="hold">
+                            <p:stCondLst>
+                              <p:cond delay="0"/>
+                            </p:stCondLst>
+                            <p:childTnLst>
+                              <p:par>
+                                <p:cTn id="5" presetID="1" presetClass="entr" presetSubtype="0" fill="hold" grpId="0" nodeType="withEffect">
+                                  <p:stCondLst>
+                                    <p:cond delay="0"/>
+                                  </p:stCondLst>
+                                  <p:childTnLst>
+                                    <p:set>
+                                      <p:cBhvr>
+                                        <p:cTn id="6" dur="1" fill="hold">
+                                          <p:stCondLst>
+                                            <p:cond delay="0"/>
+                                          </p:stCondLst>
+                                        </p:cTn>
+                                        <p:tgtEl>
+                                          <p:spTgt spid="3">
+                                            <p:txEl>
+                                              <p:pRg st="0" end="0"/>
+                                            </p:txEl>
+                                          </p:spTgt>
+                                        </p:tgtEl>
+                                        <p:attrNameLst>
+                                          <p:attrName>style.visibility</p:attrName>
+                                        </p:attrNameLst>
+                                      </p:cBhvr>
+                                      <p:to>
+                                        <p:strVal val="visible"/>
+                                      </p:to>
+                                    </p:set>
+                                  </p:childTnLst>
+                                </p:cTn>
+                              </p:par>
+                            </p:childTnLst>
+                          </p:cTn>
+                        </p:par>
+                      </p:childTnLst>
+                    </p:cTn>
+                  </p:par>
+                  <p:par>
+                    <p:cTn id="7" fill="hold">
+                      <p:stCondLst>
+                        <p:cond delay="indefinite"/>
+                      </p:stCondLst>
+                      <p:childTnLst>
+                        <p:par>
+                          <p:cTn id="8" fill="hold">
+                            <p:stCondLst>
+                              <p:cond delay="0"/>
+                            </p:stCondLst>
+                            <p:childTnLst>
+                              <p:par>
+                                <p:cTn id="9" presetID="1" presetClass="entr" presetSubtype="0" fill="hold" grpId="0" nodeType="clickEffect">
+                                  <p:stCondLst>
+                                    <p:cond delay="0"/>
+                                  </p:stCondLst>
+                                  <p:childTnLst>
+                                    <p:set>
+                                      <p:cBhvr>
+                                        <p:cTn id="10" dur="1" fill="hold">
+                                          <p:stCondLst>
+                                            <p:cond delay="0"/>
+                                          </p:stCondLst>
+                                        </p:cTn>
+                                        <p:tgtEl>
+                                          <p:spTgt spid="3">
+                                            <p:txEl>
+                                              <p:pRg st="1" end="1"/>
+                                            </p:txEl>
+                                          </p:spTgt>
+                                        </p:tgtEl>
+                                        <p:attrNameLst>
+                                          <p:attrName>style.visibility</p:attrName>
+                                        </p:attrNameLst>
+                                      </p:cBhvr>
+                                      <p:to>
+                                        <p:strVal val="visible"/>
+                                      </p:to>
+                                    </p:set>
+                                  </p:childTnLst>
+                                </p:cTn>
+                              </p:par>
+                            </p:childTnLst>
+                          </p:cTn>
+                        </p:par>
+                      </p:childTnLst>
+                    </p:cTn>
+                  </p:par>
+                  <p:par>
+                    <p:cTn id="11" fill="hold">
+                      <p:stCondLst>
+                        <p:cond delay="indefinite"/>
+                      </p:stCondLst>
+                      <p:childTnLst>
+                        <p:par>
+                          <p:cTn id="12" fill="hold">
+                            <p:stCondLst>
+                              <p:cond delay="0"/>
+                            </p:stCondLst>
+                            <p:childTnLst>
+                              <p:par>
+                                <p:cTn id="13" presetID="1" presetClass="entr" presetSubtype="0" fill="hold" nodeType="clickEffect">
+                                  <p:stCondLst>
+                                    <p:cond delay="0"/>
+                                  </p:stCondLst>
+                                  <p:childTnLst>
+                                    <p:set>
+                                      <p:cBhvr>
+                                        <p:cTn id="14" dur="1" fill="hold">
+                                          <p:stCondLst>
+                                            <p:cond delay="0"/>
+                                          </p:stCondLst>
+                                        </p:cTn>
+                                        <p:tgtEl>
+                                          <p:spTgt spid="4"/>
+                                        </p:tgtEl>
+                                        <p:attrNameLst>
+                                          <p:attrName>style.visibility</p:attrName>
+                                        </p:attrNameLst>
+                                      </p:cBhvr>
+                                      <p:to>
+                                        <p:strVal val="visible"/>
+                                      </p:to>
+                                    </p:set>
+                                  </p:childTnLst>
+                                </p:cTn>
+                              </p:par>
+                            </p:childTnLst>
+                          </p:cTn>
+                        </p:par>
+                      </p:childTnLst>
+                    </p:cTn>
+                  </p:par>
+                  <p:par>
+                    <p:cTn id="15" fill="hold">
+                      <p:stCondLst>
+                        <p:cond delay="indefinite"/>
+                      </p:stCondLst>
+                      <p:childTnLst>
+                        <p:par>
+                          <p:cTn id="16" fill="hold">
+                            <p:stCondLst>
+                              <p:cond delay="0"/>
+                            </p:stCondLst>
+                            <p:childTnLst>
+                              <p:par>
+                                <p:cTn id="17" presetID="1" presetClass="entr" presetSubtype="0" fill="hold" nodeType="clickEffect">
+                                  <p:stCondLst>
+                                    <p:cond delay="0"/>
+                                  </p:stCondLst>
+                                  <p:childTnLst>
+                                    <p:set>
+                                      <p:cBhvr>
+                                        <p:cTn id="18" dur="1" fill="hold">
+                                          <p:stCondLst>
+                                            <p:cond delay="0"/>
+                                          </p:stCondLst>
+                                        </p:cTn>
+                                        <p:tgtEl>
+                                          <p:spTgt spid="7"/>
+                                        </p:tgtEl>
+                                        <p:attrNameLst>
+                                          <p:attrName>style.visibility</p:attrName>
+                                        </p:attrNameLst>
+                                      </p:cBhvr>
+                                      <p:to>
+                                        <p:strVal val="visible"/>
+                                      </p:to>
+                                    </p:set>
+                                  </p:childTnLst>
+                                </p:cTn>
+                              </p:par>
+                            </p:childTnLst>
+                          </p:cTn>
+                        </p:par>
+                      </p:childTnLst>
+                    </p:cTn>
+                  </p:par>
+                </p:childTnLst>
+              </p:cTn>
+              <p:prevCondLst>
+                <p:cond evt="onPrev" delay="0">
+                  <p:tgtEl>
+                    <p:sldTgt/>
+                  </p:tgtEl>
+                </p:cond>
+              </p:prevCondLst>
+              <p:nextCondLst>
+                <p:cond evt="onNext" delay="0">
+                  <p:tgtEl>
+                    <p:sldTgt/>
+                  </p:tgtEl>
+                </p:cond>
+              </p:nextCondLst>
+            </p:seq>
+          </p:childTnLst>
+        </p:cTn>
+      </p:par>
+    </p:tnLst>
+    <p:bldLst>
+      <p:bldP spid="3" grpId="0" uiExpand="1" build="p"/>
+    </p:bldLst>
+  </p:timing>
+</p:sld>
+</file>
+
+<file path=ppt/slides/slide4.xml><?xml version="1.0" encoding="utf-8"?>
+<p:sld xmlns:a="http://schemas.openxmlformats.org/drawingml/2006/main" xmlns:r="http://schemas.openxmlformats.org/officeDocument/2006/relationships" xmlns:p="http://schemas.openxmlformats.org/presentationml/2006/main">
+  <p:cSld>
+    <p:spTree>
+      <p:nvGrpSpPr>
+        <p:cNvPr id="1" name=""/>
+        <p:cNvGrpSpPr/>
+        <p:nvPr/>
+      </p:nvGrpSpPr>
+      <p:grpSpPr>
+        <a:xfrm>
+          <a:off x="0" y="0"/>
+          <a:ext cx="0" cy="0"/>
+          <a:chOff x="0" y="0"/>
+          <a:chExt cx="0" cy="0"/>
+        </a:xfrm>
+      </p:grpSpPr>
+      <p:sp>
+        <p:nvSpPr>
+          <p:cNvPr id="2" name="Título 1"/>
+          <p:cNvSpPr>
+            <a:spLocks noGrp="1"/>
+          </p:cNvSpPr>
+          <p:nvPr>
+            <p:ph type="title"/>
+          </p:nvPr>
+        </p:nvSpPr>
+        <p:spPr/>
+        <p:txBody>
+          <a:bodyPr>
+            <a:normAutofit/>
+          </a:bodyPr>
+          <a:lstStyle/>
+          <a:p>
+            <a:pPr algn="ctr"/>
+            <a:r>
+              <a:rPr lang="es-ES" b="1" dirty="0">
+                <a:solidFill>
+                  <a:schemeClr val="accent1">
+                    <a:lumMod val="50000"/>
+                  </a:schemeClr>
+                </a:solidFill>
+              </a:rPr>
+              <a:t>Índice</a:t>
+            </a:r>
+          </a:p>
+        </p:txBody>
+      </p:sp>
+      <p:sp>
+        <p:nvSpPr>
+          <p:cNvPr id="3" name="Marcador de contenido 2"/>
+          <p:cNvSpPr>
+            <a:spLocks noGrp="1"/>
+          </p:cNvSpPr>
+          <p:nvPr>
+            <p:ph idx="1"/>
+          </p:nvPr>
+        </p:nvSpPr>
+        <p:spPr/>
+        <p:txBody>
+          <a:bodyPr/>
+          <a:lstStyle/>
+          <a:p>
+            <a:pPr marL="571500" indent="-571500">
+              <a:lnSpc>
+                <a:spcPct val="100000"/>
+              </a:lnSpc>
+              <a:buFont typeface="+mj-lt"/>
+              <a:buAutoNum type="romanUcPeriod"/>
+            </a:pPr>
+            <a:r>
+              <a:rPr lang="es-ES" dirty="0">
+                <a:solidFill>
+                  <a:schemeClr val="bg2">
+                    <a:lumMod val="50000"/>
+                  </a:schemeClr>
+                </a:solidFill>
+              </a:rPr>
+              <a:t>Introducción</a:t>
+            </a:r>
+          </a:p>
+          <a:p>
+            <a:pPr marL="1028700" lvl="1" indent="-571500">
+              <a:lnSpc>
+                <a:spcPct val="100000"/>
+              </a:lnSpc>
+              <a:buFont typeface="+mj-lt"/>
+              <a:buAutoNum type="romanUcPeriod"/>
+            </a:pPr>
+            <a:r>
+              <a:rPr lang="es-ES" dirty="0"/>
+              <a:t>Objetivos </a:t>
+            </a:r>
+          </a:p>
+          <a:p>
+            <a:pPr marL="1028700" lvl="1" indent="-571500">
+              <a:lnSpc>
+                <a:spcPct val="100000"/>
+              </a:lnSpc>
+              <a:buFont typeface="+mj-lt"/>
+              <a:buAutoNum type="romanUcPeriod"/>
+            </a:pPr>
+            <a:r>
+              <a:rPr lang="es-ES" dirty="0">
+                <a:solidFill>
+                  <a:schemeClr val="bg2">
+                    <a:lumMod val="50000"/>
+                  </a:schemeClr>
+                </a:solidFill>
+              </a:rPr>
+              <a:t>Panorama actual</a:t>
+            </a:r>
+          </a:p>
+          <a:p>
+            <a:pPr marL="571500" indent="-571500">
+              <a:lnSpc>
+                <a:spcPct val="150000"/>
+              </a:lnSpc>
+              <a:buFont typeface="+mj-lt"/>
+              <a:buAutoNum type="romanUcPeriod"/>
+            </a:pPr>
+            <a:r>
+              <a:rPr lang="es-ES" dirty="0">
+                <a:solidFill>
+                  <a:schemeClr val="bg2">
+                    <a:lumMod val="50000"/>
+                  </a:schemeClr>
+                </a:solidFill>
+              </a:rPr>
+              <a:t>Controlador y simulación</a:t>
+            </a:r>
+          </a:p>
+          <a:p>
+            <a:pPr marL="1028700" lvl="1" indent="-571500">
+              <a:lnSpc>
+                <a:spcPct val="100000"/>
+              </a:lnSpc>
+              <a:buFont typeface="+mj-lt"/>
+              <a:buAutoNum type="romanUcPeriod"/>
+            </a:pPr>
+            <a:r>
+              <a:rPr lang="es-ES" dirty="0">
+                <a:solidFill>
+                  <a:schemeClr val="bg2">
+                    <a:lumMod val="50000"/>
+                  </a:schemeClr>
+                </a:solidFill>
+              </a:rPr>
+              <a:t>Modelo de la Planta</a:t>
+            </a:r>
+          </a:p>
+          <a:p>
+            <a:pPr marL="1028700" lvl="1" indent="-571500">
+              <a:lnSpc>
+                <a:spcPct val="100000"/>
+              </a:lnSpc>
+              <a:buFont typeface="+mj-lt"/>
+              <a:buAutoNum type="romanUcPeriod"/>
+            </a:pPr>
+            <a:r>
+              <a:rPr lang="es-ES" dirty="0">
+                <a:solidFill>
+                  <a:schemeClr val="bg2">
+                    <a:lumMod val="50000"/>
+                  </a:schemeClr>
+                </a:solidFill>
+              </a:rPr>
+              <a:t>Algoritmo de </a:t>
+            </a:r>
+            <a:r>
+              <a:rPr lang="es-ES" dirty="0" smtClean="0">
+                <a:solidFill>
+                  <a:schemeClr val="bg2">
+                    <a:lumMod val="50000"/>
+                  </a:schemeClr>
+                </a:solidFill>
+              </a:rPr>
+              <a:t>control</a:t>
+            </a:r>
+          </a:p>
+          <a:p>
+            <a:pPr marL="1028700" lvl="1" indent="-571500">
+              <a:lnSpc>
+                <a:spcPct val="100000"/>
+              </a:lnSpc>
+              <a:buFont typeface="+mj-lt"/>
+              <a:buAutoNum type="romanUcPeriod"/>
+            </a:pPr>
+            <a:r>
+              <a:rPr lang="es-ES" dirty="0" smtClean="0">
+                <a:solidFill>
+                  <a:schemeClr val="bg2">
+                    <a:lumMod val="50000"/>
+                  </a:schemeClr>
+                </a:solidFill>
+              </a:rPr>
+              <a:t>Casos de estudio</a:t>
+            </a:r>
+            <a:endParaRPr lang="es-ES" dirty="0">
+              <a:solidFill>
+                <a:schemeClr val="bg2">
+                  <a:lumMod val="50000"/>
+                </a:schemeClr>
+              </a:solidFill>
+            </a:endParaRPr>
+          </a:p>
+          <a:p>
+            <a:pPr marL="571500" indent="-571500">
+              <a:lnSpc>
+                <a:spcPct val="150000"/>
+              </a:lnSpc>
+              <a:buFont typeface="+mj-lt"/>
+              <a:buAutoNum type="romanUcPeriod"/>
+            </a:pPr>
+            <a:r>
+              <a:rPr lang="es-ES" dirty="0" smtClean="0">
+                <a:solidFill>
+                  <a:schemeClr val="bg2">
+                    <a:lumMod val="50000"/>
+                  </a:schemeClr>
+                </a:solidFill>
+              </a:rPr>
+              <a:t>Resultados y conclusiones</a:t>
+            </a:r>
+            <a:endParaRPr lang="es-ES" dirty="0">
+              <a:solidFill>
+                <a:schemeClr val="bg2">
+                  <a:lumMod val="50000"/>
+                </a:schemeClr>
+              </a:solidFill>
+            </a:endParaRPr>
+          </a:p>
+          <a:p>
+            <a:pPr marL="571500" indent="-571500">
+              <a:buFont typeface="+mj-lt"/>
+              <a:buAutoNum type="romanUcPeriod"/>
+            </a:pPr>
+            <a:endParaRPr lang="es-ES" dirty="0"/>
+          </a:p>
+        </p:txBody>
+      </p:sp>
+      <p:pic>
+        <p:nvPicPr>
+          <p:cNvPr id="5" name="Picture 2" descr="Resultado de imagen de etsidi logo"/>
+          <p:cNvPicPr>
+            <a:picLocks noChangeAspect="1" noChangeArrowheads="1"/>
+          </p:cNvPicPr>
+          <p:nvPr/>
+        </p:nvPicPr>
+        <p:blipFill>
+          <a:blip r:embed="rId2" cstate="print">
+            <a:extLst>
+              <a:ext uri="{28A0092B-C50C-407E-A947-70E740481C1C}">
+                <a14:useLocalDpi xmlns:a14="http://schemas.microsoft.com/office/drawing/2010/main" val="0"/>
+              </a:ext>
+            </a:extLst>
+          </a:blip>
+          <a:srcRect/>
+          <a:stretch>
+            <a:fillRect/>
+          </a:stretch>
+        </p:blipFill>
+        <p:spPr bwMode="auto">
+          <a:xfrm>
+            <a:off x="10269415" y="286460"/>
+            <a:ext cx="1693789" cy="895227"/>
+          </a:xfrm>
+          <a:prstGeom prst="rect">
+            <a:avLst/>
+          </a:prstGeom>
+          <a:noFill/>
+          <a:extLst>
+            <a:ext uri="{909E8E84-426E-40DD-AFC4-6F175D3DCCD1}">
+              <a14:hiddenFill xmlns:a14="http://schemas.microsoft.com/office/drawing/2010/main">
+                <a:solidFill>
+                  <a:srgbClr val="FFFFFF"/>
+                </a:solidFill>
+              </a14:hiddenFill>
+            </a:ext>
+          </a:extLst>
+        </p:spPr>
+      </p:pic>
+      <p:pic>
+        <p:nvPicPr>
+          <p:cNvPr id="6" name="Picture 2" descr="Macintosh HD en Idril:Users:barrientos:DATOS:Modelos:Logos:UPM:EscUpmPolit.jpg"/>
+          <p:cNvPicPr/>
+          <p:nvPr/>
+        </p:nvPicPr>
+        <p:blipFill>
+          <a:blip r:embed="rId3">
+            <a:extLst>
+              <a:ext uri="{28A0092B-C50C-407E-A947-70E740481C1C}">
+                <a14:useLocalDpi xmlns:a14="http://schemas.microsoft.com/office/drawing/2010/main" val="0"/>
+              </a:ext>
+            </a:extLst>
+          </a:blip>
+          <a:srcRect/>
+          <a:stretch>
+            <a:fillRect/>
+          </a:stretch>
+        </p:blipFill>
+        <p:spPr bwMode="auto">
+          <a:xfrm>
+            <a:off x="143705" y="131712"/>
+            <a:ext cx="1417125" cy="1181686"/>
+          </a:xfrm>
+          <a:prstGeom prst="rect">
+            <a:avLst/>
+          </a:prstGeom>
+          <a:noFill/>
+          <a:ln>
+            <a:noFill/>
+          </a:ln>
+        </p:spPr>
+      </p:pic>
+      <p:pic>
+        <p:nvPicPr>
+          <p:cNvPr id="8" name="Image 6" descr="image011"/>
+          <p:cNvPicPr>
+            <a:picLocks noChangeAspect="1" noChangeArrowheads="1"/>
+          </p:cNvPicPr>
+          <p:nvPr/>
+        </p:nvPicPr>
+        <p:blipFill>
+          <a:blip r:embed="rId4">
+            <a:extLst>
+              <a:ext uri="{28A0092B-C50C-407E-A947-70E740481C1C}">
+                <a14:useLocalDpi xmlns:a14="http://schemas.microsoft.com/office/drawing/2010/main" val="0"/>
+              </a:ext>
+            </a:extLst>
+          </a:blip>
+          <a:srcRect/>
+          <a:stretch>
+            <a:fillRect/>
+          </a:stretch>
+        </p:blipFill>
+        <p:spPr bwMode="auto">
+          <a:xfrm>
+            <a:off x="9845799" y="6062662"/>
+            <a:ext cx="2117405" cy="452437"/>
+          </a:xfrm>
+          <a:prstGeom prst="rect">
+            <a:avLst/>
+          </a:prstGeom>
+          <a:noFill/>
+          <a:ln>
+            <a:noFill/>
+          </a:ln>
+          <a:extLst>
+            <a:ext uri="{909E8E84-426E-40DD-AFC4-6F175D3DCCD1}">
+              <a14:hiddenFill xmlns:a14="http://schemas.microsoft.com/office/drawing/2010/main">
+                <a:solidFill>
+                  <a:srgbClr val="FFFFFF"/>
+                </a:solidFill>
+              </a14:hiddenFill>
+            </a:ext>
+            <a:ext uri="{91240B29-F687-4F45-9708-019B960494DF}">
+              <a14:hiddenLine xmlns:a14="http://schemas.microsoft.com/office/drawing/2010/main" w="9525">
+                <a:solidFill>
+                  <a:srgbClr val="000000"/>
+                </a:solidFill>
+                <a:miter lim="800000"/>
+                <a:headEnd/>
+                <a:tailEnd/>
+              </a14:hiddenLine>
+            </a:ext>
+          </a:extLst>
+        </p:spPr>
+      </p:pic>
+    </p:spTree>
+    <p:extLst>
+      <p:ext uri="{BB962C8B-B14F-4D97-AF65-F5344CB8AC3E}">
+        <p14:creationId xmlns:p14="http://schemas.microsoft.com/office/powerpoint/2010/main" val="3446403980"/>
+      </p:ext>
+    </p:extLst>
+  </p:cSld>
+  <p:clrMapOvr>
+    <a:masterClrMapping/>
+  </p:clrMapOvr>
+  <p:timing>
+    <p:tnLst>
+      <p:par>
         <p:cTn id="1" dur="indefinite" restart="never" nodeType="tmRoot"/>
       </p:par>
     </p:tnLst>
@@ -4967,7 +9694,7 @@
 </p:sld>
 </file>
 
-<file path=ppt/slides/slide4.xml><?xml version="1.0" encoding="utf-8"?>
+<file path=ppt/slides/slide5.xml><?xml version="1.0" encoding="utf-8"?>
 <p:sld xmlns:a="http://schemas.openxmlformats.org/drawingml/2006/main" xmlns:r="http://schemas.openxmlformats.org/officeDocument/2006/relationships" xmlns:p="http://schemas.openxmlformats.org/presentationml/2006/main">
   <p:cSld>
     <p:spTree>
@@ -5383,7 +10110,396 @@
 </p:sld>
 </file>
 
-<file path=ppt/slides/slide5.xml><?xml version="1.0" encoding="utf-8"?>
+<file path=ppt/slides/slide6.xml><?xml version="1.0" encoding="utf-8"?>
+<p:sld xmlns:a="http://schemas.openxmlformats.org/drawingml/2006/main" xmlns:r="http://schemas.openxmlformats.org/officeDocument/2006/relationships" xmlns:p="http://schemas.openxmlformats.org/presentationml/2006/main">
+  <p:cSld>
+    <p:spTree>
+      <p:nvGrpSpPr>
+        <p:cNvPr id="1" name=""/>
+        <p:cNvGrpSpPr/>
+        <p:nvPr/>
+      </p:nvGrpSpPr>
+      <p:grpSpPr>
+        <a:xfrm>
+          <a:off x="0" y="0"/>
+          <a:ext cx="0" cy="0"/>
+          <a:chOff x="0" y="0"/>
+          <a:chExt cx="0" cy="0"/>
+        </a:xfrm>
+      </p:grpSpPr>
+      <p:sp>
+        <p:nvSpPr>
+          <p:cNvPr id="2" name="Título 1"/>
+          <p:cNvSpPr>
+            <a:spLocks noGrp="1"/>
+          </p:cNvSpPr>
+          <p:nvPr>
+            <p:ph type="title"/>
+          </p:nvPr>
+        </p:nvSpPr>
+        <p:spPr/>
+        <p:txBody>
+          <a:bodyPr>
+            <a:normAutofit/>
+          </a:bodyPr>
+          <a:lstStyle/>
+          <a:p>
+            <a:pPr algn="ctr"/>
+            <a:r>
+              <a:rPr lang="es-ES" b="1" dirty="0">
+                <a:solidFill>
+                  <a:schemeClr val="accent1">
+                    <a:lumMod val="50000"/>
+                  </a:schemeClr>
+                </a:solidFill>
+              </a:rPr>
+              <a:t>Índice</a:t>
+            </a:r>
+          </a:p>
+        </p:txBody>
+      </p:sp>
+      <p:sp>
+        <p:nvSpPr>
+          <p:cNvPr id="3" name="Marcador de contenido 2"/>
+          <p:cNvSpPr>
+            <a:spLocks noGrp="1"/>
+          </p:cNvSpPr>
+          <p:nvPr>
+            <p:ph idx="1"/>
+          </p:nvPr>
+        </p:nvSpPr>
+        <p:spPr/>
+        <p:txBody>
+          <a:bodyPr/>
+          <a:lstStyle/>
+          <a:p>
+            <a:pPr marL="571500" indent="-571500">
+              <a:lnSpc>
+                <a:spcPct val="100000"/>
+              </a:lnSpc>
+              <a:buFont typeface="+mj-lt"/>
+              <a:buAutoNum type="romanUcPeriod"/>
+            </a:pPr>
+            <a:r>
+              <a:rPr lang="es-ES" dirty="0">
+                <a:solidFill>
+                  <a:schemeClr val="bg2">
+                    <a:lumMod val="50000"/>
+                  </a:schemeClr>
+                </a:solidFill>
+              </a:rPr>
+              <a:t>Introducción</a:t>
+            </a:r>
+          </a:p>
+          <a:p>
+            <a:pPr marL="1028700" lvl="1" indent="-571500">
+              <a:lnSpc>
+                <a:spcPct val="100000"/>
+              </a:lnSpc>
+              <a:buFont typeface="+mj-lt"/>
+              <a:buAutoNum type="romanUcPeriod"/>
+            </a:pPr>
+            <a:r>
+              <a:rPr lang="es-ES" dirty="0">
+                <a:solidFill>
+                  <a:schemeClr val="bg2">
+                    <a:lumMod val="50000"/>
+                  </a:schemeClr>
+                </a:solidFill>
+              </a:rPr>
+              <a:t>Objetivos </a:t>
+            </a:r>
+          </a:p>
+          <a:p>
+            <a:pPr marL="1028700" lvl="1" indent="-571500">
+              <a:lnSpc>
+                <a:spcPct val="100000"/>
+              </a:lnSpc>
+              <a:buFont typeface="+mj-lt"/>
+              <a:buAutoNum type="romanUcPeriod"/>
+            </a:pPr>
+            <a:r>
+              <a:rPr lang="es-ES" dirty="0"/>
+              <a:t>Panorama actual</a:t>
+            </a:r>
+          </a:p>
+          <a:p>
+            <a:pPr marL="571500" indent="-571500">
+              <a:lnSpc>
+                <a:spcPct val="150000"/>
+              </a:lnSpc>
+              <a:buFont typeface="+mj-lt"/>
+              <a:buAutoNum type="romanUcPeriod"/>
+            </a:pPr>
+            <a:r>
+              <a:rPr lang="es-ES" dirty="0">
+                <a:solidFill>
+                  <a:schemeClr val="bg2">
+                    <a:lumMod val="50000"/>
+                  </a:schemeClr>
+                </a:solidFill>
+              </a:rPr>
+              <a:t>Controlador y simulación</a:t>
+            </a:r>
+          </a:p>
+          <a:p>
+            <a:pPr marL="1028700" lvl="1" indent="-571500">
+              <a:lnSpc>
+                <a:spcPct val="100000"/>
+              </a:lnSpc>
+              <a:buFont typeface="+mj-lt"/>
+              <a:buAutoNum type="romanUcPeriod"/>
+            </a:pPr>
+            <a:r>
+              <a:rPr lang="es-ES" dirty="0">
+                <a:solidFill>
+                  <a:schemeClr val="bg2">
+                    <a:lumMod val="50000"/>
+                  </a:schemeClr>
+                </a:solidFill>
+              </a:rPr>
+              <a:t>Modelo de la Planta</a:t>
+            </a:r>
+          </a:p>
+          <a:p>
+            <a:pPr marL="1028700" lvl="1" indent="-571500">
+              <a:lnSpc>
+                <a:spcPct val="100000"/>
+              </a:lnSpc>
+              <a:buFont typeface="+mj-lt"/>
+              <a:buAutoNum type="romanUcPeriod"/>
+            </a:pPr>
+            <a:r>
+              <a:rPr lang="es-ES" dirty="0">
+                <a:solidFill>
+                  <a:schemeClr val="bg2">
+                    <a:lumMod val="50000"/>
+                  </a:schemeClr>
+                </a:solidFill>
+              </a:rPr>
+              <a:t>Algoritmo de </a:t>
+            </a:r>
+            <a:r>
+              <a:rPr lang="es-ES" dirty="0" smtClean="0">
+                <a:solidFill>
+                  <a:schemeClr val="bg2">
+                    <a:lumMod val="50000"/>
+                  </a:schemeClr>
+                </a:solidFill>
+              </a:rPr>
+              <a:t>control</a:t>
+            </a:r>
+          </a:p>
+          <a:p>
+            <a:pPr marL="1028700" lvl="1" indent="-571500">
+              <a:lnSpc>
+                <a:spcPct val="100000"/>
+              </a:lnSpc>
+              <a:buFont typeface="+mj-lt"/>
+              <a:buAutoNum type="romanUcPeriod"/>
+            </a:pPr>
+            <a:r>
+              <a:rPr lang="es-ES" dirty="0" smtClean="0">
+                <a:solidFill>
+                  <a:schemeClr val="bg2">
+                    <a:lumMod val="50000"/>
+                  </a:schemeClr>
+                </a:solidFill>
+              </a:rPr>
+              <a:t>Casos de estudio</a:t>
+            </a:r>
+            <a:endParaRPr lang="es-ES" dirty="0">
+              <a:solidFill>
+                <a:schemeClr val="bg2">
+                  <a:lumMod val="50000"/>
+                </a:schemeClr>
+              </a:solidFill>
+            </a:endParaRPr>
+          </a:p>
+          <a:p>
+            <a:pPr marL="571500" indent="-571500">
+              <a:lnSpc>
+                <a:spcPct val="150000"/>
+              </a:lnSpc>
+              <a:buFont typeface="+mj-lt"/>
+              <a:buAutoNum type="romanUcPeriod"/>
+            </a:pPr>
+            <a:r>
+              <a:rPr lang="es-ES" dirty="0" smtClean="0">
+                <a:solidFill>
+                  <a:schemeClr val="bg2">
+                    <a:lumMod val="50000"/>
+                  </a:schemeClr>
+                </a:solidFill>
+              </a:rPr>
+              <a:t>Resultados y conclusiones</a:t>
+            </a:r>
+            <a:endParaRPr lang="es-ES" dirty="0">
+              <a:solidFill>
+                <a:schemeClr val="bg2">
+                  <a:lumMod val="50000"/>
+                </a:schemeClr>
+              </a:solidFill>
+            </a:endParaRPr>
+          </a:p>
+          <a:p>
+            <a:pPr marL="571500" indent="-571500">
+              <a:buFont typeface="+mj-lt"/>
+              <a:buAutoNum type="romanUcPeriod"/>
+            </a:pPr>
+            <a:endParaRPr lang="es-ES" dirty="0"/>
+          </a:p>
+        </p:txBody>
+      </p:sp>
+      <p:pic>
+        <p:nvPicPr>
+          <p:cNvPr id="5" name="Picture 2" descr="Resultado de imagen de etsidi logo"/>
+          <p:cNvPicPr>
+            <a:picLocks noChangeAspect="1" noChangeArrowheads="1"/>
+          </p:cNvPicPr>
+          <p:nvPr/>
+        </p:nvPicPr>
+        <p:blipFill>
+          <a:blip r:embed="rId2" cstate="print">
+            <a:extLst>
+              <a:ext uri="{28A0092B-C50C-407E-A947-70E740481C1C}">
+                <a14:useLocalDpi xmlns:a14="http://schemas.microsoft.com/office/drawing/2010/main" val="0"/>
+              </a:ext>
+            </a:extLst>
+          </a:blip>
+          <a:srcRect/>
+          <a:stretch>
+            <a:fillRect/>
+          </a:stretch>
+        </p:blipFill>
+        <p:spPr bwMode="auto">
+          <a:xfrm>
+            <a:off x="10269415" y="286460"/>
+            <a:ext cx="1693789" cy="895227"/>
+          </a:xfrm>
+          <a:prstGeom prst="rect">
+            <a:avLst/>
+          </a:prstGeom>
+          <a:noFill/>
+          <a:extLst>
+            <a:ext uri="{909E8E84-426E-40DD-AFC4-6F175D3DCCD1}">
+              <a14:hiddenFill xmlns:a14="http://schemas.microsoft.com/office/drawing/2010/main">
+                <a:solidFill>
+                  <a:srgbClr val="FFFFFF"/>
+                </a:solidFill>
+              </a14:hiddenFill>
+            </a:ext>
+          </a:extLst>
+        </p:spPr>
+      </p:pic>
+      <p:pic>
+        <p:nvPicPr>
+          <p:cNvPr id="6" name="Picture 2" descr="Macintosh HD en Idril:Users:barrientos:DATOS:Modelos:Logos:UPM:EscUpmPolit.jpg"/>
+          <p:cNvPicPr/>
+          <p:nvPr/>
+        </p:nvPicPr>
+        <p:blipFill>
+          <a:blip r:embed="rId3">
+            <a:extLst>
+              <a:ext uri="{28A0092B-C50C-407E-A947-70E740481C1C}">
+                <a14:useLocalDpi xmlns:a14="http://schemas.microsoft.com/office/drawing/2010/main" val="0"/>
+              </a:ext>
+            </a:extLst>
+          </a:blip>
+          <a:srcRect/>
+          <a:stretch>
+            <a:fillRect/>
+          </a:stretch>
+        </p:blipFill>
+        <p:spPr bwMode="auto">
+          <a:xfrm>
+            <a:off x="143705" y="131712"/>
+            <a:ext cx="1417125" cy="1181686"/>
+          </a:xfrm>
+          <a:prstGeom prst="rect">
+            <a:avLst/>
+          </a:prstGeom>
+          <a:noFill/>
+          <a:ln>
+            <a:noFill/>
+          </a:ln>
+        </p:spPr>
+      </p:pic>
+      <p:pic>
+        <p:nvPicPr>
+          <p:cNvPr id="8" name="Image 6" descr="image011"/>
+          <p:cNvPicPr>
+            <a:picLocks noChangeAspect="1" noChangeArrowheads="1"/>
+          </p:cNvPicPr>
+          <p:nvPr/>
+        </p:nvPicPr>
+        <p:blipFill>
+          <a:blip r:embed="rId4">
+            <a:extLst>
+              <a:ext uri="{28A0092B-C50C-407E-A947-70E740481C1C}">
+                <a14:useLocalDpi xmlns:a14="http://schemas.microsoft.com/office/drawing/2010/main" val="0"/>
+              </a:ext>
+            </a:extLst>
+          </a:blip>
+          <a:srcRect/>
+          <a:stretch>
+            <a:fillRect/>
+          </a:stretch>
+        </p:blipFill>
+        <p:spPr bwMode="auto">
+          <a:xfrm>
+            <a:off x="9845799" y="6062662"/>
+            <a:ext cx="2117405" cy="452437"/>
+          </a:xfrm>
+          <a:prstGeom prst="rect">
+            <a:avLst/>
+          </a:prstGeom>
+          <a:noFill/>
+          <a:ln>
+            <a:noFill/>
+          </a:ln>
+          <a:extLst>
+            <a:ext uri="{909E8E84-426E-40DD-AFC4-6F175D3DCCD1}">
+              <a14:hiddenFill xmlns:a14="http://schemas.microsoft.com/office/drawing/2010/main">
+                <a:solidFill>
+                  <a:srgbClr val="FFFFFF"/>
+                </a:solidFill>
+              </a14:hiddenFill>
+            </a:ext>
+            <a:ext uri="{91240B29-F687-4F45-9708-019B960494DF}">
+              <a14:hiddenLine xmlns:a14="http://schemas.microsoft.com/office/drawing/2010/main" w="9525">
+                <a:solidFill>
+                  <a:srgbClr val="000000"/>
+                </a:solidFill>
+                <a:miter lim="800000"/>
+                <a:headEnd/>
+                <a:tailEnd/>
+              </a14:hiddenLine>
+            </a:ext>
+          </a:extLst>
+        </p:spPr>
+      </p:pic>
+    </p:spTree>
+    <p:extLst>
+      <p:ext uri="{BB962C8B-B14F-4D97-AF65-F5344CB8AC3E}">
+        <p14:creationId xmlns:p14="http://schemas.microsoft.com/office/powerpoint/2010/main" val="3446403980"/>
+      </p:ext>
+    </p:extLst>
+  </p:cSld>
+  <p:clrMapOvr>
+    <a:masterClrMapping/>
+  </p:clrMapOvr>
+  <p:timing>
+    <p:tnLst>
+      <p:par>
+        <p:cTn id="1" dur="indefinite" restart="never" nodeType="tmRoot"/>
+      </p:par>
+    </p:tnLst>
+  </p:timing>
+</p:sld>
+</file>
+
+<file path=ppt/slides/slide7.xml><?xml version="1.0" encoding="utf-8"?>
 <p:sld xmlns:a="http://schemas.openxmlformats.org/drawingml/2006/main" xmlns:r="http://schemas.openxmlformats.org/officeDocument/2006/relationships" xmlns:p="http://schemas.openxmlformats.org/presentationml/2006/main">
   <p:cSld>
     <p:bg>
@@ -5410,7 +10526,7 @@
           <p:cNvPr id="2" name="Título 1">
             <a:extLst>
               <a:ext uri="{FF2B5EF4-FFF2-40B4-BE49-F238E27FC236}">
-                <a16:creationId xmlns:a16="http://schemas.microsoft.com/office/drawing/2014/main" xmlns="" id="{E122A83D-3967-4BBC-B0B7-E31CB4FB61D5}"/>
+                <a16:creationId xmlns="" xmlns:a16="http://schemas.microsoft.com/office/drawing/2014/main" id="{E122A83D-3967-4BBC-B0B7-E31CB4FB61D5}"/>
               </a:ext>
             </a:extLst>
           </p:cNvPr>
@@ -5447,7 +10563,7 @@
           <p:cNvPr id="3" name="Marcador de contenido 2">
             <a:extLst>
               <a:ext uri="{FF2B5EF4-FFF2-40B4-BE49-F238E27FC236}">
-                <a16:creationId xmlns:a16="http://schemas.microsoft.com/office/drawing/2014/main" xmlns="" id="{A79EC906-CFDB-4506-8B2F-E22EC5418D18}"/>
+                <a16:creationId xmlns="" xmlns:a16="http://schemas.microsoft.com/office/drawing/2014/main" id="{A79EC906-CFDB-4506-8B2F-E22EC5418D18}"/>
               </a:ext>
             </a:extLst>
           </p:cNvPr>
@@ -5630,6 +10746,571 @@
   <p:timing>
     <p:tnLst>
       <p:par>
+        <p:cTn id="1" dur="indefinite" restart="never" nodeType="tmRoot">
+          <p:childTnLst>
+            <p:seq concurrent="1" nextAc="seek">
+              <p:cTn id="2" dur="indefinite" nodeType="mainSeq">
+                <p:childTnLst>
+                  <p:par>
+                    <p:cTn id="3" fill="hold">
+                      <p:stCondLst>
+                        <p:cond delay="indefinite"/>
+                        <p:cond evt="onBegin" delay="0">
+                          <p:tn val="2"/>
+                        </p:cond>
+                      </p:stCondLst>
+                      <p:childTnLst>
+                        <p:par>
+                          <p:cTn id="4" fill="hold">
+                            <p:stCondLst>
+                              <p:cond delay="0"/>
+                            </p:stCondLst>
+                            <p:childTnLst>
+                              <p:par>
+                                <p:cTn id="5" presetID="1" presetClass="entr" presetSubtype="0" fill="hold" grpId="0" nodeType="withEffect">
+                                  <p:stCondLst>
+                                    <p:cond delay="0"/>
+                                  </p:stCondLst>
+                                  <p:childTnLst>
+                                    <p:set>
+                                      <p:cBhvr>
+                                        <p:cTn id="6" dur="1" fill="hold">
+                                          <p:stCondLst>
+                                            <p:cond delay="0"/>
+                                          </p:stCondLst>
+                                        </p:cTn>
+                                        <p:tgtEl>
+                                          <p:spTgt spid="3">
+                                            <p:txEl>
+                                              <p:pRg st="0" end="0"/>
+                                            </p:txEl>
+                                          </p:spTgt>
+                                        </p:tgtEl>
+                                        <p:attrNameLst>
+                                          <p:attrName>style.visibility</p:attrName>
+                                        </p:attrNameLst>
+                                      </p:cBhvr>
+                                      <p:to>
+                                        <p:strVal val="visible"/>
+                                      </p:to>
+                                    </p:set>
+                                  </p:childTnLst>
+                                </p:cTn>
+                              </p:par>
+                            </p:childTnLst>
+                          </p:cTn>
+                        </p:par>
+                      </p:childTnLst>
+                    </p:cTn>
+                  </p:par>
+                  <p:par>
+                    <p:cTn id="7" fill="hold">
+                      <p:stCondLst>
+                        <p:cond delay="indefinite"/>
+                      </p:stCondLst>
+                      <p:childTnLst>
+                        <p:par>
+                          <p:cTn id="8" fill="hold">
+                            <p:stCondLst>
+                              <p:cond delay="0"/>
+                            </p:stCondLst>
+                            <p:childTnLst>
+                              <p:par>
+                                <p:cTn id="9" presetID="1" presetClass="entr" presetSubtype="0" fill="hold" grpId="0" nodeType="clickEffect">
+                                  <p:stCondLst>
+                                    <p:cond delay="0"/>
+                                  </p:stCondLst>
+                                  <p:childTnLst>
+                                    <p:set>
+                                      <p:cBhvr>
+                                        <p:cTn id="10" dur="1" fill="hold">
+                                          <p:stCondLst>
+                                            <p:cond delay="0"/>
+                                          </p:stCondLst>
+                                        </p:cTn>
+                                        <p:tgtEl>
+                                          <p:spTgt spid="3">
+                                            <p:txEl>
+                                              <p:pRg st="1" end="1"/>
+                                            </p:txEl>
+                                          </p:spTgt>
+                                        </p:tgtEl>
+                                        <p:attrNameLst>
+                                          <p:attrName>style.visibility</p:attrName>
+                                        </p:attrNameLst>
+                                      </p:cBhvr>
+                                      <p:to>
+                                        <p:strVal val="visible"/>
+                                      </p:to>
+                                    </p:set>
+                                  </p:childTnLst>
+                                </p:cTn>
+                              </p:par>
+                            </p:childTnLst>
+                          </p:cTn>
+                        </p:par>
+                      </p:childTnLst>
+                    </p:cTn>
+                  </p:par>
+                  <p:par>
+                    <p:cTn id="11" fill="hold">
+                      <p:stCondLst>
+                        <p:cond delay="indefinite"/>
+                      </p:stCondLst>
+                      <p:childTnLst>
+                        <p:par>
+                          <p:cTn id="12" fill="hold">
+                            <p:stCondLst>
+                              <p:cond delay="0"/>
+                            </p:stCondLst>
+                            <p:childTnLst>
+                              <p:par>
+                                <p:cTn id="13" presetID="1" presetClass="entr" presetSubtype="0" fill="hold" grpId="0" nodeType="clickEffect">
+                                  <p:stCondLst>
+                                    <p:cond delay="0"/>
+                                  </p:stCondLst>
+                                  <p:childTnLst>
+                                    <p:set>
+                                      <p:cBhvr>
+                                        <p:cTn id="14" dur="1" fill="hold">
+                                          <p:stCondLst>
+                                            <p:cond delay="0"/>
+                                          </p:stCondLst>
+                                        </p:cTn>
+                                        <p:tgtEl>
+                                          <p:spTgt spid="3">
+                                            <p:txEl>
+                                              <p:pRg st="2" end="2"/>
+                                            </p:txEl>
+                                          </p:spTgt>
+                                        </p:tgtEl>
+                                        <p:attrNameLst>
+                                          <p:attrName>style.visibility</p:attrName>
+                                        </p:attrNameLst>
+                                      </p:cBhvr>
+                                      <p:to>
+                                        <p:strVal val="visible"/>
+                                      </p:to>
+                                    </p:set>
+                                  </p:childTnLst>
+                                </p:cTn>
+                              </p:par>
+                            </p:childTnLst>
+                          </p:cTn>
+                        </p:par>
+                      </p:childTnLst>
+                    </p:cTn>
+                  </p:par>
+                </p:childTnLst>
+              </p:cTn>
+              <p:prevCondLst>
+                <p:cond evt="onPrev" delay="0">
+                  <p:tgtEl>
+                    <p:sldTgt/>
+                  </p:tgtEl>
+                </p:cond>
+              </p:prevCondLst>
+              <p:nextCondLst>
+                <p:cond evt="onNext" delay="0">
+                  <p:tgtEl>
+                    <p:sldTgt/>
+                  </p:tgtEl>
+                </p:cond>
+              </p:nextCondLst>
+            </p:seq>
+          </p:childTnLst>
+        </p:cTn>
+      </p:par>
+    </p:tnLst>
+    <p:bldLst>
+      <p:bldP spid="3" grpId="0" uiExpand="1" build="p"/>
+    </p:bldLst>
+  </p:timing>
+</p:sld>
+</file>
+
+<file path=ppt/slides/slide8.xml><?xml version="1.0" encoding="utf-8"?>
+<p:sld xmlns:a="http://schemas.openxmlformats.org/drawingml/2006/main" xmlns:r="http://schemas.openxmlformats.org/officeDocument/2006/relationships" xmlns:p="http://schemas.openxmlformats.org/presentationml/2006/main">
+  <p:cSld>
+    <p:spTree>
+      <p:nvGrpSpPr>
+        <p:cNvPr id="1" name=""/>
+        <p:cNvGrpSpPr/>
+        <p:nvPr/>
+      </p:nvGrpSpPr>
+      <p:grpSpPr>
+        <a:xfrm>
+          <a:off x="0" y="0"/>
+          <a:ext cx="0" cy="0"/>
+          <a:chOff x="0" y="0"/>
+          <a:chExt cx="0" cy="0"/>
+        </a:xfrm>
+      </p:grpSpPr>
+      <p:sp>
+        <p:nvSpPr>
+          <p:cNvPr id="2" name="Título 1"/>
+          <p:cNvSpPr>
+            <a:spLocks noGrp="1"/>
+          </p:cNvSpPr>
+          <p:nvPr>
+            <p:ph type="title"/>
+          </p:nvPr>
+        </p:nvSpPr>
+        <p:spPr/>
+        <p:txBody>
+          <a:bodyPr>
+            <a:normAutofit/>
+          </a:bodyPr>
+          <a:lstStyle/>
+          <a:p>
+            <a:pPr algn="ctr"/>
+            <a:r>
+              <a:rPr lang="es-ES" b="1" dirty="0">
+                <a:solidFill>
+                  <a:schemeClr val="accent1">
+                    <a:lumMod val="50000"/>
+                  </a:schemeClr>
+                </a:solidFill>
+              </a:rPr>
+              <a:t>Índice</a:t>
+            </a:r>
+          </a:p>
+        </p:txBody>
+      </p:sp>
+      <p:sp>
+        <p:nvSpPr>
+          <p:cNvPr id="3" name="Marcador de contenido 2"/>
+          <p:cNvSpPr>
+            <a:spLocks noGrp="1"/>
+          </p:cNvSpPr>
+          <p:nvPr>
+            <p:ph idx="1"/>
+          </p:nvPr>
+        </p:nvSpPr>
+        <p:spPr/>
+        <p:txBody>
+          <a:bodyPr/>
+          <a:lstStyle/>
+          <a:p>
+            <a:pPr marL="571500" indent="-571500">
+              <a:lnSpc>
+                <a:spcPct val="100000"/>
+              </a:lnSpc>
+              <a:buFont typeface="+mj-lt"/>
+              <a:buAutoNum type="romanUcPeriod"/>
+            </a:pPr>
+            <a:r>
+              <a:rPr lang="es-ES" dirty="0">
+                <a:solidFill>
+                  <a:schemeClr val="bg2">
+                    <a:lumMod val="50000"/>
+                  </a:schemeClr>
+                </a:solidFill>
+              </a:rPr>
+              <a:t>Introducción</a:t>
+            </a:r>
+          </a:p>
+          <a:p>
+            <a:pPr marL="1028700" lvl="1" indent="-571500">
+              <a:lnSpc>
+                <a:spcPct val="100000"/>
+              </a:lnSpc>
+              <a:buFont typeface="+mj-lt"/>
+              <a:buAutoNum type="romanUcPeriod"/>
+            </a:pPr>
+            <a:r>
+              <a:rPr lang="es-ES" dirty="0">
+                <a:solidFill>
+                  <a:schemeClr val="bg2">
+                    <a:lumMod val="50000"/>
+                  </a:schemeClr>
+                </a:solidFill>
+              </a:rPr>
+              <a:t>Objetivos </a:t>
+            </a:r>
+          </a:p>
+          <a:p>
+            <a:pPr marL="1028700" lvl="1" indent="-571500">
+              <a:lnSpc>
+                <a:spcPct val="100000"/>
+              </a:lnSpc>
+              <a:buFont typeface="+mj-lt"/>
+              <a:buAutoNum type="romanUcPeriod"/>
+            </a:pPr>
+            <a:r>
+              <a:rPr lang="es-ES" dirty="0">
+                <a:solidFill>
+                  <a:schemeClr val="bg2">
+                    <a:lumMod val="50000"/>
+                  </a:schemeClr>
+                </a:solidFill>
+              </a:rPr>
+              <a:t>Panorama actual</a:t>
+            </a:r>
+          </a:p>
+          <a:p>
+            <a:pPr marL="571500" indent="-571500">
+              <a:lnSpc>
+                <a:spcPct val="150000"/>
+              </a:lnSpc>
+              <a:buFont typeface="+mj-lt"/>
+              <a:buAutoNum type="romanUcPeriod"/>
+            </a:pPr>
+            <a:r>
+              <a:rPr lang="es-ES" dirty="0">
+                <a:solidFill>
+                  <a:schemeClr val="bg2">
+                    <a:lumMod val="50000"/>
+                  </a:schemeClr>
+                </a:solidFill>
+              </a:rPr>
+              <a:t>Controlador y simulación</a:t>
+            </a:r>
+          </a:p>
+          <a:p>
+            <a:pPr marL="1028700" lvl="1" indent="-571500">
+              <a:lnSpc>
+                <a:spcPct val="100000"/>
+              </a:lnSpc>
+              <a:buFont typeface="+mj-lt"/>
+              <a:buAutoNum type="romanUcPeriod"/>
+            </a:pPr>
+            <a:r>
+              <a:rPr lang="es-ES" dirty="0"/>
+              <a:t>Modelo de la Planta</a:t>
+            </a:r>
+          </a:p>
+          <a:p>
+            <a:pPr marL="1028700" lvl="1" indent="-571500">
+              <a:lnSpc>
+                <a:spcPct val="100000"/>
+              </a:lnSpc>
+              <a:buFont typeface="+mj-lt"/>
+              <a:buAutoNum type="romanUcPeriod"/>
+            </a:pPr>
+            <a:r>
+              <a:rPr lang="es-ES" dirty="0">
+                <a:solidFill>
+                  <a:schemeClr val="bg2">
+                    <a:lumMod val="50000"/>
+                  </a:schemeClr>
+                </a:solidFill>
+              </a:rPr>
+              <a:t>Algoritmo de </a:t>
+            </a:r>
+            <a:r>
+              <a:rPr lang="es-ES" dirty="0" smtClean="0">
+                <a:solidFill>
+                  <a:schemeClr val="bg2">
+                    <a:lumMod val="50000"/>
+                  </a:schemeClr>
+                </a:solidFill>
+              </a:rPr>
+              <a:t>control</a:t>
+            </a:r>
+          </a:p>
+          <a:p>
+            <a:pPr marL="1028700" lvl="1" indent="-571500">
+              <a:lnSpc>
+                <a:spcPct val="100000"/>
+              </a:lnSpc>
+              <a:buFont typeface="+mj-lt"/>
+              <a:buAutoNum type="romanUcPeriod"/>
+            </a:pPr>
+            <a:r>
+              <a:rPr lang="es-ES" dirty="0" smtClean="0">
+                <a:solidFill>
+                  <a:schemeClr val="bg2">
+                    <a:lumMod val="50000"/>
+                  </a:schemeClr>
+                </a:solidFill>
+              </a:rPr>
+              <a:t>Casos de estudio</a:t>
+            </a:r>
+            <a:endParaRPr lang="es-ES" dirty="0">
+              <a:solidFill>
+                <a:schemeClr val="bg2">
+                  <a:lumMod val="50000"/>
+                </a:schemeClr>
+              </a:solidFill>
+            </a:endParaRPr>
+          </a:p>
+          <a:p>
+            <a:pPr marL="571500" indent="-571500">
+              <a:lnSpc>
+                <a:spcPct val="150000"/>
+              </a:lnSpc>
+              <a:buFont typeface="+mj-lt"/>
+              <a:buAutoNum type="romanUcPeriod"/>
+            </a:pPr>
+            <a:r>
+              <a:rPr lang="es-ES" dirty="0" smtClean="0">
+                <a:solidFill>
+                  <a:schemeClr val="bg2">
+                    <a:lumMod val="50000"/>
+                  </a:schemeClr>
+                </a:solidFill>
+              </a:rPr>
+              <a:t>Resultados y conclusiones</a:t>
+            </a:r>
+            <a:endParaRPr lang="es-ES" dirty="0">
+              <a:solidFill>
+                <a:schemeClr val="bg2">
+                  <a:lumMod val="50000"/>
+                </a:schemeClr>
+              </a:solidFill>
+            </a:endParaRPr>
+          </a:p>
+          <a:p>
+            <a:pPr marL="571500" indent="-571500">
+              <a:buFont typeface="+mj-lt"/>
+              <a:buAutoNum type="romanUcPeriod"/>
+            </a:pPr>
+            <a:endParaRPr lang="es-ES" dirty="0"/>
+          </a:p>
+        </p:txBody>
+      </p:sp>
+      <p:pic>
+        <p:nvPicPr>
+          <p:cNvPr id="5" name="Picture 2" descr="Resultado de imagen de etsidi logo"/>
+          <p:cNvPicPr>
+            <a:picLocks noChangeAspect="1" noChangeArrowheads="1"/>
+          </p:cNvPicPr>
+          <p:nvPr/>
+        </p:nvPicPr>
+        <p:blipFill>
+          <a:blip r:embed="rId2" cstate="print">
+            <a:extLst>
+              <a:ext uri="{28A0092B-C50C-407E-A947-70E740481C1C}">
+                <a14:useLocalDpi xmlns:a14="http://schemas.microsoft.com/office/drawing/2010/main" val="0"/>
+              </a:ext>
+            </a:extLst>
+          </a:blip>
+          <a:srcRect/>
+          <a:stretch>
+            <a:fillRect/>
+          </a:stretch>
+        </p:blipFill>
+        <p:spPr bwMode="auto">
+          <a:xfrm>
+            <a:off x="10269415" y="286460"/>
+            <a:ext cx="1693789" cy="895227"/>
+          </a:xfrm>
+          <a:prstGeom prst="rect">
+            <a:avLst/>
+          </a:prstGeom>
+          <a:noFill/>
+          <a:extLst>
+            <a:ext uri="{909E8E84-426E-40DD-AFC4-6F175D3DCCD1}">
+              <a14:hiddenFill xmlns:a14="http://schemas.microsoft.com/office/drawing/2010/main">
+                <a:solidFill>
+                  <a:srgbClr val="FFFFFF"/>
+                </a:solidFill>
+              </a14:hiddenFill>
+            </a:ext>
+          </a:extLst>
+        </p:spPr>
+      </p:pic>
+      <p:pic>
+        <p:nvPicPr>
+          <p:cNvPr id="6" name="Picture 2" descr="Macintosh HD en Idril:Users:barrientos:DATOS:Modelos:Logos:UPM:EscUpmPolit.jpg"/>
+          <p:cNvPicPr/>
+          <p:nvPr/>
+        </p:nvPicPr>
+        <p:blipFill>
+          <a:blip r:embed="rId3">
+            <a:extLst>
+              <a:ext uri="{28A0092B-C50C-407E-A947-70E740481C1C}">
+                <a14:useLocalDpi xmlns:a14="http://schemas.microsoft.com/office/drawing/2010/main" val="0"/>
+              </a:ext>
+            </a:extLst>
+          </a:blip>
+          <a:srcRect/>
+          <a:stretch>
+            <a:fillRect/>
+          </a:stretch>
+        </p:blipFill>
+        <p:spPr bwMode="auto">
+          <a:xfrm>
+            <a:off x="143705" y="131712"/>
+            <a:ext cx="1417125" cy="1181686"/>
+          </a:xfrm>
+          <a:prstGeom prst="rect">
+            <a:avLst/>
+          </a:prstGeom>
+          <a:noFill/>
+          <a:ln>
+            <a:noFill/>
+          </a:ln>
+        </p:spPr>
+      </p:pic>
+      <p:pic>
+        <p:nvPicPr>
+          <p:cNvPr id="8" name="Image 6" descr="image011"/>
+          <p:cNvPicPr>
+            <a:picLocks noChangeAspect="1" noChangeArrowheads="1"/>
+          </p:cNvPicPr>
+          <p:nvPr/>
+        </p:nvPicPr>
+        <p:blipFill>
+          <a:blip r:embed="rId4">
+            <a:extLst>
+              <a:ext uri="{28A0092B-C50C-407E-A947-70E740481C1C}">
+                <a14:useLocalDpi xmlns:a14="http://schemas.microsoft.com/office/drawing/2010/main" val="0"/>
+              </a:ext>
+            </a:extLst>
+          </a:blip>
+          <a:srcRect/>
+          <a:stretch>
+            <a:fillRect/>
+          </a:stretch>
+        </p:blipFill>
+        <p:spPr bwMode="auto">
+          <a:xfrm>
+            <a:off x="9845799" y="6062662"/>
+            <a:ext cx="2117405" cy="452437"/>
+          </a:xfrm>
+          <a:prstGeom prst="rect">
+            <a:avLst/>
+          </a:prstGeom>
+          <a:noFill/>
+          <a:ln>
+            <a:noFill/>
+          </a:ln>
+          <a:extLst>
+            <a:ext uri="{909E8E84-426E-40DD-AFC4-6F175D3DCCD1}">
+              <a14:hiddenFill xmlns:a14="http://schemas.microsoft.com/office/drawing/2010/main">
+                <a:solidFill>
+                  <a:srgbClr val="FFFFFF"/>
+                </a:solidFill>
+              </a14:hiddenFill>
+            </a:ext>
+            <a:ext uri="{91240B29-F687-4F45-9708-019B960494DF}">
+              <a14:hiddenLine xmlns:a14="http://schemas.microsoft.com/office/drawing/2010/main" w="9525">
+                <a:solidFill>
+                  <a:srgbClr val="000000"/>
+                </a:solidFill>
+                <a:miter lim="800000"/>
+                <a:headEnd/>
+                <a:tailEnd/>
+              </a14:hiddenLine>
+            </a:ext>
+          </a:extLst>
+        </p:spPr>
+      </p:pic>
+    </p:spTree>
+    <p:extLst>
+      <p:ext uri="{BB962C8B-B14F-4D97-AF65-F5344CB8AC3E}">
+        <p14:creationId xmlns:p14="http://schemas.microsoft.com/office/powerpoint/2010/main" val="3446403980"/>
+      </p:ext>
+    </p:extLst>
+  </p:cSld>
+  <p:clrMapOvr>
+    <a:masterClrMapping/>
+  </p:clrMapOvr>
+  <p:timing>
+    <p:tnLst>
+      <p:par>
         <p:cTn id="1" dur="indefinite" restart="never" nodeType="tmRoot"/>
       </p:par>
     </p:tnLst>
@@ -5637,7 +11318,7 @@
 </p:sld>
 </file>
 
-<file path=ppt/slides/slide6.xml><?xml version="1.0" encoding="utf-8"?>
+<file path=ppt/slides/slide9.xml><?xml version="1.0" encoding="utf-8"?>
 <p:sld xmlns:a="http://schemas.openxmlformats.org/drawingml/2006/main" xmlns:r="http://schemas.openxmlformats.org/officeDocument/2006/relationships" xmlns:p="http://schemas.openxmlformats.org/presentationml/2006/main">
   <p:cSld>
     <p:spTree>
@@ -5659,7 +11340,7 @@
           <p:cNvPr id="2" name="Título 1">
             <a:extLst>
               <a:ext uri="{FF2B5EF4-FFF2-40B4-BE49-F238E27FC236}">
-                <a16:creationId xmlns:a16="http://schemas.microsoft.com/office/drawing/2014/main" xmlns="" id="{960643AA-8DEE-49EF-848B-2A646FDDAF27}"/>
+                <a16:creationId xmlns="" xmlns:a16="http://schemas.microsoft.com/office/drawing/2014/main" id="{960643AA-8DEE-49EF-848B-2A646FDDAF27}"/>
               </a:ext>
             </a:extLst>
           </p:cNvPr>
@@ -5694,7 +11375,7 @@
           <p:cNvPr id="3" name="Marcador de contenido 2">
             <a:extLst>
               <a:ext uri="{FF2B5EF4-FFF2-40B4-BE49-F238E27FC236}">
-                <a16:creationId xmlns:a16="http://schemas.microsoft.com/office/drawing/2014/main" xmlns="" id="{80A64E0C-CB3C-4B33-9667-CAFFFFAD0B40}"/>
+                <a16:creationId xmlns="" xmlns:a16="http://schemas.microsoft.com/office/drawing/2014/main" id="{80A64E0C-CB3C-4B33-9667-CAFFFFAD0B40}"/>
               </a:ext>
             </a:extLst>
           </p:cNvPr>
@@ -6911,1437 +12592,6 @@
 </p:sld>
 </file>
 
-<file path=ppt/slides/slide7.xml><?xml version="1.0" encoding="utf-8"?>
-<p:sld xmlns:a="http://schemas.openxmlformats.org/drawingml/2006/main" xmlns:r="http://schemas.openxmlformats.org/officeDocument/2006/relationships" xmlns:p="http://schemas.openxmlformats.org/presentationml/2006/main">
-  <p:cSld>
-    <p:spTree>
-      <p:nvGrpSpPr>
-        <p:cNvPr id="1" name=""/>
-        <p:cNvGrpSpPr/>
-        <p:nvPr/>
-      </p:nvGrpSpPr>
-      <p:grpSpPr>
-        <a:xfrm>
-          <a:off x="0" y="0"/>
-          <a:ext cx="0" cy="0"/>
-          <a:chOff x="0" y="0"/>
-          <a:chExt cx="0" cy="0"/>
-        </a:xfrm>
-      </p:grpSpPr>
-      <p:sp>
-        <p:nvSpPr>
-          <p:cNvPr id="2" name="Título 1">
-            <a:extLst>
-              <a:ext uri="{FF2B5EF4-FFF2-40B4-BE49-F238E27FC236}">
-                <a16:creationId xmlns:a16="http://schemas.microsoft.com/office/drawing/2014/main" xmlns="" id="{FEE365C5-F51C-45E4-AE98-9D2F02614E37}"/>
-              </a:ext>
-            </a:extLst>
-          </p:cNvPr>
-          <p:cNvSpPr>
-            <a:spLocks noGrp="1"/>
-          </p:cNvSpPr>
-          <p:nvPr>
-            <p:ph type="title"/>
-          </p:nvPr>
-        </p:nvSpPr>
-        <p:spPr/>
-        <p:txBody>
-          <a:bodyPr/>
-          <a:lstStyle/>
-          <a:p>
-            <a:pPr algn="ctr"/>
-            <a:r>
-              <a:rPr lang="es-ES" dirty="0"/>
-              <a:t>Algoritmo de control</a:t>
-            </a:r>
-          </a:p>
-        </p:txBody>
-      </p:sp>
-      <p:sp>
-        <p:nvSpPr>
-          <p:cNvPr id="3" name="Marcador de contenido 2">
-            <a:extLst>
-              <a:ext uri="{FF2B5EF4-FFF2-40B4-BE49-F238E27FC236}">
-                <a16:creationId xmlns:a16="http://schemas.microsoft.com/office/drawing/2014/main" xmlns="" id="{E2B73A5A-6803-4FB4-BBEF-89D34306EC50}"/>
-              </a:ext>
-            </a:extLst>
-          </p:cNvPr>
-          <p:cNvSpPr>
-            <a:spLocks noGrp="1"/>
-          </p:cNvSpPr>
-          <p:nvPr>
-            <p:ph idx="1"/>
-          </p:nvPr>
-        </p:nvSpPr>
-        <p:spPr/>
-        <p:txBody>
-          <a:bodyPr/>
-          <a:lstStyle/>
-          <a:p>
-            <a:pPr marL="0" indent="0">
-              <a:buNone/>
-            </a:pPr>
-            <a:r>
-              <a:rPr lang="es-ES" dirty="0" smtClean="0"/>
-              <a:t>Partes del control:</a:t>
-            </a:r>
-          </a:p>
-          <a:p>
-            <a:pPr lvl="1"/>
-            <a:r>
-              <a:rPr lang="es-ES" dirty="0" smtClean="0"/>
-              <a:t>Generación de consigna según el código de red</a:t>
-            </a:r>
-          </a:p>
-          <a:p>
-            <a:pPr lvl="1"/>
-            <a:r>
-              <a:rPr lang="es-ES" dirty="0" smtClean="0"/>
-              <a:t>Realimentación de las señales</a:t>
-            </a:r>
-          </a:p>
-          <a:p>
-            <a:pPr lvl="1"/>
-            <a:r>
-              <a:rPr lang="es-ES" dirty="0" smtClean="0"/>
-              <a:t>Bloque del controlador PI</a:t>
-            </a:r>
-          </a:p>
-          <a:p>
-            <a:pPr lvl="1"/>
-            <a:endParaRPr lang="es-ES" dirty="0"/>
-          </a:p>
-        </p:txBody>
-      </p:sp>
-      <p:sp>
-        <p:nvSpPr>
-          <p:cNvPr id="4" name="3 Rectángulo"/>
-          <p:cNvSpPr/>
-          <p:nvPr/>
-        </p:nvSpPr>
-        <p:spPr>
-          <a:xfrm>
-            <a:off x="2392485" y="4169507"/>
-            <a:ext cx="1600200" cy="896815"/>
-          </a:xfrm>
-          <a:prstGeom prst="rect">
-            <a:avLst/>
-          </a:prstGeom>
-        </p:spPr>
-        <p:style>
-          <a:lnRef idx="2">
-            <a:schemeClr val="dk1"/>
-          </a:lnRef>
-          <a:fillRef idx="1">
-            <a:schemeClr val="lt1"/>
-          </a:fillRef>
-          <a:effectRef idx="0">
-            <a:schemeClr val="dk1"/>
-          </a:effectRef>
-          <a:fontRef idx="minor">
-            <a:schemeClr val="dk1"/>
-          </a:fontRef>
-        </p:style>
-        <p:txBody>
-          <a:bodyPr rtlCol="0" anchor="ctr"/>
-          <a:lstStyle/>
-          <a:p>
-            <a:pPr algn="ctr"/>
-            <a:r>
-              <a:rPr lang="es-ES" dirty="0" smtClean="0"/>
-              <a:t>Generación de consigna</a:t>
-            </a:r>
-            <a:endParaRPr lang="es-ES" dirty="0"/>
-          </a:p>
-        </p:txBody>
-      </p:sp>
-      <p:sp>
-        <p:nvSpPr>
-          <p:cNvPr id="5" name="4 Rectángulo"/>
-          <p:cNvSpPr/>
-          <p:nvPr/>
-        </p:nvSpPr>
-        <p:spPr>
-          <a:xfrm>
-            <a:off x="4640385" y="4169506"/>
-            <a:ext cx="1600200" cy="896815"/>
-          </a:xfrm>
-          <a:prstGeom prst="rect">
-            <a:avLst/>
-          </a:prstGeom>
-        </p:spPr>
-        <p:style>
-          <a:lnRef idx="2">
-            <a:schemeClr val="dk1"/>
-          </a:lnRef>
-          <a:fillRef idx="1">
-            <a:schemeClr val="lt1"/>
-          </a:fillRef>
-          <a:effectRef idx="0">
-            <a:schemeClr val="dk1"/>
-          </a:effectRef>
-          <a:fontRef idx="minor">
-            <a:schemeClr val="dk1"/>
-          </a:fontRef>
-        </p:style>
-        <p:txBody>
-          <a:bodyPr rtlCol="0" anchor="ctr"/>
-          <a:lstStyle/>
-          <a:p>
-            <a:pPr algn="ctr"/>
-            <a:r>
-              <a:rPr lang="es-ES" dirty="0" smtClean="0"/>
-              <a:t>Control PI</a:t>
-            </a:r>
-            <a:endParaRPr lang="es-ES" dirty="0"/>
-          </a:p>
-        </p:txBody>
-      </p:sp>
-      <p:sp>
-        <p:nvSpPr>
-          <p:cNvPr id="6" name="5 Rectángulo"/>
-          <p:cNvSpPr/>
-          <p:nvPr/>
-        </p:nvSpPr>
-        <p:spPr>
-          <a:xfrm>
-            <a:off x="6888285" y="4169505"/>
-            <a:ext cx="1600200" cy="896815"/>
-          </a:xfrm>
-          <a:prstGeom prst="rect">
-            <a:avLst/>
-          </a:prstGeom>
-        </p:spPr>
-        <p:style>
-          <a:lnRef idx="2">
-            <a:schemeClr val="dk1"/>
-          </a:lnRef>
-          <a:fillRef idx="1">
-            <a:schemeClr val="lt1"/>
-          </a:fillRef>
-          <a:effectRef idx="0">
-            <a:schemeClr val="dk1"/>
-          </a:effectRef>
-          <a:fontRef idx="minor">
-            <a:schemeClr val="dk1"/>
-          </a:fontRef>
-        </p:style>
-        <p:txBody>
-          <a:bodyPr rtlCol="0" anchor="ctr"/>
-          <a:lstStyle/>
-          <a:p>
-            <a:pPr algn="ctr"/>
-            <a:r>
-              <a:rPr lang="es-ES" dirty="0" smtClean="0"/>
-              <a:t>Circuito de conexión</a:t>
-            </a:r>
-            <a:endParaRPr lang="es-ES" dirty="0"/>
-          </a:p>
-        </p:txBody>
-      </p:sp>
-      <p:cxnSp>
-        <p:nvCxnSpPr>
-          <p:cNvPr id="8" name="7 Conector recto de flecha"/>
-          <p:cNvCxnSpPr>
-            <a:stCxn id="6" idx="3"/>
-          </p:cNvCxnSpPr>
-          <p:nvPr/>
-        </p:nvCxnSpPr>
-        <p:spPr>
-          <a:xfrm>
-            <a:off x="8488485" y="4617913"/>
-            <a:ext cx="757115" cy="1"/>
-          </a:xfrm>
-          <a:prstGeom prst="straightConnector1">
-            <a:avLst/>
-          </a:prstGeom>
-          <a:ln>
-            <a:tailEnd type="arrow"/>
-          </a:ln>
-        </p:spPr>
-        <p:style>
-          <a:lnRef idx="2">
-            <a:schemeClr val="dk1"/>
-          </a:lnRef>
-          <a:fillRef idx="0">
-            <a:schemeClr val="dk1"/>
-          </a:fillRef>
-          <a:effectRef idx="1">
-            <a:schemeClr val="dk1"/>
-          </a:effectRef>
-          <a:fontRef idx="minor">
-            <a:schemeClr val="tx1"/>
-          </a:fontRef>
-        </p:style>
-      </p:cxnSp>
-      <p:sp>
-        <p:nvSpPr>
-          <p:cNvPr id="37" name="36 Rectángulo"/>
-          <p:cNvSpPr/>
-          <p:nvPr/>
-        </p:nvSpPr>
-        <p:spPr>
-          <a:xfrm>
-            <a:off x="5745286" y="5600371"/>
-            <a:ext cx="1600200" cy="896815"/>
-          </a:xfrm>
-          <a:prstGeom prst="rect">
-            <a:avLst/>
-          </a:prstGeom>
-        </p:spPr>
-        <p:style>
-          <a:lnRef idx="2">
-            <a:schemeClr val="dk1"/>
-          </a:lnRef>
-          <a:fillRef idx="1">
-            <a:schemeClr val="lt1"/>
-          </a:fillRef>
-          <a:effectRef idx="0">
-            <a:schemeClr val="dk1"/>
-          </a:effectRef>
-          <a:fontRef idx="minor">
-            <a:schemeClr val="dk1"/>
-          </a:fontRef>
-        </p:style>
-        <p:txBody>
-          <a:bodyPr rtlCol="0" anchor="ctr"/>
-          <a:lstStyle/>
-          <a:p>
-            <a:pPr algn="ctr"/>
-            <a:r>
-              <a:rPr lang="es-ES" dirty="0" smtClean="0"/>
-              <a:t>Cálculo de potencias</a:t>
-            </a:r>
-            <a:endParaRPr lang="es-ES" dirty="0"/>
-          </a:p>
-        </p:txBody>
-      </p:sp>
-      <p:cxnSp>
-        <p:nvCxnSpPr>
-          <p:cNvPr id="39" name="38 Conector angular"/>
-          <p:cNvCxnSpPr>
-            <a:endCxn id="37" idx="3"/>
-          </p:cNvCxnSpPr>
-          <p:nvPr/>
-        </p:nvCxnSpPr>
-        <p:spPr>
-          <a:xfrm rot="10800000" flipV="1">
-            <a:off x="7345486" y="4617913"/>
-            <a:ext cx="1521556" cy="1430865"/>
-          </a:xfrm>
-          <a:prstGeom prst="bentConnector3">
-            <a:avLst>
-              <a:gd name="adj1" fmla="val -637"/>
-            </a:avLst>
-          </a:prstGeom>
-          <a:ln>
-            <a:tailEnd type="arrow"/>
-          </a:ln>
-        </p:spPr>
-        <p:style>
-          <a:lnRef idx="2">
-            <a:schemeClr val="dk1"/>
-          </a:lnRef>
-          <a:fillRef idx="0">
-            <a:schemeClr val="dk1"/>
-          </a:fillRef>
-          <a:effectRef idx="1">
-            <a:schemeClr val="dk1"/>
-          </a:effectRef>
-          <a:fontRef idx="minor">
-            <a:schemeClr val="tx1"/>
-          </a:fontRef>
-        </p:style>
-      </p:cxnSp>
-      <p:cxnSp>
-        <p:nvCxnSpPr>
-          <p:cNvPr id="42" name="41 Conector angular"/>
-          <p:cNvCxnSpPr>
-            <a:stCxn id="37" idx="1"/>
-            <a:endCxn id="5" idx="1"/>
-          </p:cNvCxnSpPr>
-          <p:nvPr/>
-        </p:nvCxnSpPr>
-        <p:spPr>
-          <a:xfrm rot="10800000">
-            <a:off x="4640386" y="4617915"/>
-            <a:ext cx="1104901" cy="1430865"/>
-          </a:xfrm>
-          <a:prstGeom prst="bentConnector3">
-            <a:avLst>
-              <a:gd name="adj1" fmla="val 129885"/>
-            </a:avLst>
-          </a:prstGeom>
-          <a:ln>
-            <a:tailEnd type="arrow"/>
-          </a:ln>
-        </p:spPr>
-        <p:style>
-          <a:lnRef idx="2">
-            <a:schemeClr val="dk1"/>
-          </a:lnRef>
-          <a:fillRef idx="0">
-            <a:schemeClr val="dk1"/>
-          </a:fillRef>
-          <a:effectRef idx="1">
-            <a:schemeClr val="dk1"/>
-          </a:effectRef>
-          <a:fontRef idx="minor">
-            <a:schemeClr val="tx1"/>
-          </a:fontRef>
-        </p:style>
-      </p:cxnSp>
-      <p:cxnSp>
-        <p:nvCxnSpPr>
-          <p:cNvPr id="44" name="43 Conector recto"/>
-          <p:cNvCxnSpPr>
-            <a:stCxn id="4" idx="3"/>
-            <a:endCxn id="5" idx="1"/>
-          </p:cNvCxnSpPr>
-          <p:nvPr/>
-        </p:nvCxnSpPr>
-        <p:spPr>
-          <a:xfrm flipV="1">
-            <a:off x="3992685" y="4617914"/>
-            <a:ext cx="647700" cy="1"/>
-          </a:xfrm>
-          <a:prstGeom prst="line">
-            <a:avLst/>
-          </a:prstGeom>
-        </p:spPr>
-        <p:style>
-          <a:lnRef idx="2">
-            <a:schemeClr val="dk1"/>
-          </a:lnRef>
-          <a:fillRef idx="0">
-            <a:schemeClr val="dk1"/>
-          </a:fillRef>
-          <a:effectRef idx="1">
-            <a:schemeClr val="dk1"/>
-          </a:effectRef>
-          <a:fontRef idx="minor">
-            <a:schemeClr val="tx1"/>
-          </a:fontRef>
-        </p:style>
-      </p:cxnSp>
-      <p:sp>
-        <p:nvSpPr>
-          <p:cNvPr id="46" name="45 Elipse"/>
-          <p:cNvSpPr/>
-          <p:nvPr/>
-        </p:nvSpPr>
-        <p:spPr>
-          <a:xfrm>
-            <a:off x="4233863" y="4547251"/>
-            <a:ext cx="151870" cy="160867"/>
-          </a:xfrm>
-          <a:prstGeom prst="ellipse">
-            <a:avLst/>
-          </a:prstGeom>
-        </p:spPr>
-        <p:style>
-          <a:lnRef idx="2">
-            <a:schemeClr val="dk1"/>
-          </a:lnRef>
-          <a:fillRef idx="1">
-            <a:schemeClr val="lt1"/>
-          </a:fillRef>
-          <a:effectRef idx="0">
-            <a:schemeClr val="dk1"/>
-          </a:effectRef>
-          <a:fontRef idx="minor">
-            <a:schemeClr val="dk1"/>
-          </a:fontRef>
-        </p:style>
-        <p:txBody>
-          <a:bodyPr rtlCol="0" anchor="ctr"/>
-          <a:lstStyle/>
-          <a:p>
-            <a:pPr algn="ctr"/>
-            <a:endParaRPr lang="es-ES"/>
-          </a:p>
-        </p:txBody>
-      </p:sp>
-      <p:cxnSp>
-        <p:nvCxnSpPr>
-          <p:cNvPr id="48" name="47 Conector recto de flecha"/>
-          <p:cNvCxnSpPr>
-            <a:stCxn id="5" idx="3"/>
-            <a:endCxn id="6" idx="1"/>
-          </p:cNvCxnSpPr>
-          <p:nvPr/>
-        </p:nvCxnSpPr>
-        <p:spPr>
-          <a:xfrm flipV="1">
-            <a:off x="6240585" y="4617913"/>
-            <a:ext cx="647700" cy="1"/>
-          </a:xfrm>
-          <a:prstGeom prst="straightConnector1">
-            <a:avLst/>
-          </a:prstGeom>
-          <a:ln>
-            <a:tailEnd type="arrow"/>
-          </a:ln>
-        </p:spPr>
-        <p:style>
-          <a:lnRef idx="2">
-            <a:schemeClr val="dk1"/>
-          </a:lnRef>
-          <a:fillRef idx="0">
-            <a:schemeClr val="dk1"/>
-          </a:fillRef>
-          <a:effectRef idx="1">
-            <a:schemeClr val="dk1"/>
-          </a:effectRef>
-          <a:fontRef idx="minor">
-            <a:schemeClr val="tx1"/>
-          </a:fontRef>
-        </p:style>
-      </p:cxnSp>
-      <p:cxnSp>
-        <p:nvCxnSpPr>
-          <p:cNvPr id="55" name="54 Conector angular"/>
-          <p:cNvCxnSpPr/>
-          <p:nvPr/>
-        </p:nvCxnSpPr>
-        <p:spPr>
-          <a:xfrm rot="10800000">
-            <a:off x="2317750" y="3714750"/>
-            <a:ext cx="6561994" cy="903164"/>
-          </a:xfrm>
-          <a:prstGeom prst="bentConnector3">
-            <a:avLst>
-              <a:gd name="adj1" fmla="val 67"/>
-            </a:avLst>
-          </a:prstGeom>
-        </p:spPr>
-        <p:style>
-          <a:lnRef idx="2">
-            <a:schemeClr val="dk1"/>
-          </a:lnRef>
-          <a:fillRef idx="0">
-            <a:schemeClr val="dk1"/>
-          </a:fillRef>
-          <a:effectRef idx="1">
-            <a:schemeClr val="dk1"/>
-          </a:effectRef>
-          <a:fontRef idx="minor">
-            <a:schemeClr val="tx1"/>
-          </a:fontRef>
-        </p:style>
-      </p:cxnSp>
-      <p:cxnSp>
-        <p:nvCxnSpPr>
-          <p:cNvPr id="61" name="60 Conector angular"/>
-          <p:cNvCxnSpPr/>
-          <p:nvPr/>
-        </p:nvCxnSpPr>
-        <p:spPr>
-          <a:xfrm rot="16200000" flipH="1">
-            <a:off x="1916175" y="3917889"/>
-            <a:ext cx="679451" cy="273169"/>
-          </a:xfrm>
-          <a:prstGeom prst="bentConnector3">
-            <a:avLst>
-              <a:gd name="adj1" fmla="val 99844"/>
-            </a:avLst>
-          </a:prstGeom>
-          <a:ln>
-            <a:tailEnd type="arrow"/>
-          </a:ln>
-        </p:spPr>
-        <p:style>
-          <a:lnRef idx="2">
-            <a:schemeClr val="dk1"/>
-          </a:lnRef>
-          <a:fillRef idx="0">
-            <a:schemeClr val="dk1"/>
-          </a:fillRef>
-          <a:effectRef idx="1">
-            <a:schemeClr val="dk1"/>
-          </a:effectRef>
-          <a:fontRef idx="minor">
-            <a:schemeClr val="tx1"/>
-          </a:fontRef>
-        </p:style>
-      </p:cxnSp>
-      <p:cxnSp>
-        <p:nvCxnSpPr>
-          <p:cNvPr id="72" name="71 Conector recto"/>
-          <p:cNvCxnSpPr/>
-          <p:nvPr/>
-        </p:nvCxnSpPr>
-        <p:spPr>
-          <a:xfrm>
-            <a:off x="2119316" y="3714750"/>
-            <a:ext cx="230184" cy="0"/>
-          </a:xfrm>
-          <a:prstGeom prst="line">
-            <a:avLst/>
-          </a:prstGeom>
-        </p:spPr>
-        <p:style>
-          <a:lnRef idx="2">
-            <a:schemeClr val="dk1"/>
-          </a:lnRef>
-          <a:fillRef idx="0">
-            <a:schemeClr val="dk1"/>
-          </a:fillRef>
-          <a:effectRef idx="1">
-            <a:schemeClr val="dk1"/>
-          </a:effectRef>
-          <a:fontRef idx="minor">
-            <a:schemeClr val="tx1"/>
-          </a:fontRef>
-        </p:style>
-      </p:cxnSp>
-      <p:cxnSp>
-        <p:nvCxnSpPr>
-          <p:cNvPr id="75" name="74 Conector angular"/>
-          <p:cNvCxnSpPr/>
-          <p:nvPr/>
-        </p:nvCxnSpPr>
-        <p:spPr>
-          <a:xfrm rot="16200000" flipH="1">
-            <a:off x="4135366" y="3889181"/>
-            <a:ext cx="679450" cy="330587"/>
-          </a:xfrm>
-          <a:prstGeom prst="bentConnector3">
-            <a:avLst>
-              <a:gd name="adj1" fmla="val 100000"/>
-            </a:avLst>
-          </a:prstGeom>
-          <a:ln>
-            <a:tailEnd type="arrow"/>
-          </a:ln>
-        </p:spPr>
-        <p:style>
-          <a:lnRef idx="2">
-            <a:schemeClr val="dk1"/>
-          </a:lnRef>
-          <a:fillRef idx="0">
-            <a:schemeClr val="dk1"/>
-          </a:fillRef>
-          <a:effectRef idx="1">
-            <a:schemeClr val="dk1"/>
-          </a:effectRef>
-          <a:fontRef idx="minor">
-            <a:schemeClr val="tx1"/>
-          </a:fontRef>
-        </p:style>
-      </p:cxnSp>
-      <p:cxnSp>
-        <p:nvCxnSpPr>
-          <p:cNvPr id="83" name="82 Conector angular"/>
-          <p:cNvCxnSpPr/>
-          <p:nvPr/>
-        </p:nvCxnSpPr>
-        <p:spPr>
-          <a:xfrm rot="10800000">
-            <a:off x="2125669" y="4766734"/>
-            <a:ext cx="2197221" cy="1282045"/>
-          </a:xfrm>
-          <a:prstGeom prst="bentConnector3">
-            <a:avLst>
-              <a:gd name="adj1" fmla="val 100094"/>
-            </a:avLst>
-          </a:prstGeom>
-        </p:spPr>
-        <p:style>
-          <a:lnRef idx="2">
-            <a:schemeClr val="dk1"/>
-          </a:lnRef>
-          <a:fillRef idx="0">
-            <a:schemeClr val="dk1"/>
-          </a:fillRef>
-          <a:effectRef idx="1">
-            <a:schemeClr val="dk1"/>
-          </a:effectRef>
-          <a:fontRef idx="minor">
-            <a:schemeClr val="tx1"/>
-          </a:fontRef>
-        </p:style>
-      </p:cxnSp>
-      <p:cxnSp>
-        <p:nvCxnSpPr>
-          <p:cNvPr id="91" name="90 Conector recto de flecha"/>
-          <p:cNvCxnSpPr/>
-          <p:nvPr/>
-        </p:nvCxnSpPr>
-        <p:spPr>
-          <a:xfrm>
-            <a:off x="2119316" y="4766734"/>
-            <a:ext cx="273169" cy="0"/>
-          </a:xfrm>
-          <a:prstGeom prst="straightConnector1">
-            <a:avLst/>
-          </a:prstGeom>
-          <a:ln>
-            <a:tailEnd type="arrow"/>
-          </a:ln>
-        </p:spPr>
-        <p:style>
-          <a:lnRef idx="2">
-            <a:schemeClr val="dk1"/>
-          </a:lnRef>
-          <a:fillRef idx="0">
-            <a:schemeClr val="dk1"/>
-          </a:fillRef>
-          <a:effectRef idx="1">
-            <a:schemeClr val="dk1"/>
-          </a:effectRef>
-          <a:fontRef idx="minor">
-            <a:schemeClr val="tx1"/>
-          </a:fontRef>
-        </p:style>
-      </p:cxnSp>
-      <p:sp>
-        <p:nvSpPr>
-          <p:cNvPr id="92" name="91 CuadroTexto"/>
-          <p:cNvSpPr txBox="1"/>
-          <p:nvPr/>
-        </p:nvSpPr>
-        <p:spPr>
-          <a:xfrm>
-            <a:off x="8879744" y="4310135"/>
-            <a:ext cx="920060" cy="307777"/>
-          </a:xfrm>
-          <a:prstGeom prst="rect">
-            <a:avLst/>
-          </a:prstGeom>
-          <a:noFill/>
-        </p:spPr>
-        <p:txBody>
-          <a:bodyPr wrap="none" rtlCol="0">
-            <a:spAutoFit/>
-          </a:bodyPr>
-          <a:lstStyle/>
-          <a:p>
-            <a:r>
-              <a:rPr lang="es-ES" sz="1400" dirty="0" err="1" smtClean="0"/>
-              <a:t>Iabc</a:t>
-            </a:r>
-            <a:r>
-              <a:rPr lang="es-ES" sz="1400" dirty="0" smtClean="0"/>
-              <a:t>, </a:t>
-            </a:r>
-            <a:r>
-              <a:rPr lang="es-ES" sz="1400" dirty="0" err="1" smtClean="0"/>
-              <a:t>Vabc</a:t>
-            </a:r>
-            <a:endParaRPr lang="es-ES" sz="1400" dirty="0"/>
-          </a:p>
-        </p:txBody>
-      </p:sp>
-      <p:sp>
-        <p:nvSpPr>
-          <p:cNvPr id="93" name="92 CuadroTexto"/>
-          <p:cNvSpPr txBox="1"/>
-          <p:nvPr/>
-        </p:nvSpPr>
-        <p:spPr>
-          <a:xfrm>
-            <a:off x="6292850" y="4319907"/>
-            <a:ext cx="486030" cy="307777"/>
-          </a:xfrm>
-          <a:prstGeom prst="rect">
-            <a:avLst/>
-          </a:prstGeom>
-          <a:noFill/>
-        </p:spPr>
-        <p:txBody>
-          <a:bodyPr wrap="none" rtlCol="0">
-            <a:spAutoFit/>
-          </a:bodyPr>
-          <a:lstStyle/>
-          <a:p>
-            <a:r>
-              <a:rPr lang="es-ES" sz="1400" dirty="0" err="1" smtClean="0"/>
-              <a:t>Iabc</a:t>
-            </a:r>
-            <a:endParaRPr lang="es-ES" sz="1400" dirty="0"/>
-          </a:p>
-        </p:txBody>
-      </p:sp>
-      <p:sp>
-        <p:nvSpPr>
-          <p:cNvPr id="94" name="93 CuadroTexto"/>
-          <p:cNvSpPr txBox="1"/>
-          <p:nvPr/>
-        </p:nvSpPr>
-        <p:spPr>
-          <a:xfrm>
-            <a:off x="5245099" y="5713511"/>
-            <a:ext cx="460575" cy="307777"/>
-          </a:xfrm>
-          <a:prstGeom prst="rect">
-            <a:avLst/>
-          </a:prstGeom>
-          <a:noFill/>
-        </p:spPr>
-        <p:txBody>
-          <a:bodyPr wrap="none" rtlCol="0">
-            <a:spAutoFit/>
-          </a:bodyPr>
-          <a:lstStyle/>
-          <a:p>
-            <a:r>
-              <a:rPr lang="es-ES" sz="1400" dirty="0" smtClean="0"/>
-              <a:t>P, Q</a:t>
-            </a:r>
-            <a:endParaRPr lang="es-ES" sz="1400" dirty="0"/>
-          </a:p>
-        </p:txBody>
-      </p:sp>
-      <p:pic>
-        <p:nvPicPr>
-          <p:cNvPr id="24" name="Picture 2" descr="Resultado de imagen de etsidi logo"/>
-          <p:cNvPicPr>
-            <a:picLocks noChangeAspect="1" noChangeArrowheads="1"/>
-          </p:cNvPicPr>
-          <p:nvPr/>
-        </p:nvPicPr>
-        <p:blipFill>
-          <a:blip r:embed="rId2" cstate="print">
-            <a:extLst>
-              <a:ext uri="{28A0092B-C50C-407E-A947-70E740481C1C}">
-                <a14:useLocalDpi xmlns:a14="http://schemas.microsoft.com/office/drawing/2010/main" val="0"/>
-              </a:ext>
-            </a:extLst>
-          </a:blip>
-          <a:srcRect/>
-          <a:stretch>
-            <a:fillRect/>
-          </a:stretch>
-        </p:blipFill>
-        <p:spPr bwMode="auto">
-          <a:xfrm>
-            <a:off x="10269415" y="286460"/>
-            <a:ext cx="1693789" cy="895227"/>
-          </a:xfrm>
-          <a:prstGeom prst="rect">
-            <a:avLst/>
-          </a:prstGeom>
-          <a:noFill/>
-          <a:extLst>
-            <a:ext uri="{909E8E84-426E-40DD-AFC4-6F175D3DCCD1}">
-              <a14:hiddenFill xmlns:a14="http://schemas.microsoft.com/office/drawing/2010/main">
-                <a:solidFill>
-                  <a:srgbClr val="FFFFFF"/>
-                </a:solidFill>
-              </a14:hiddenFill>
-            </a:ext>
-          </a:extLst>
-        </p:spPr>
-      </p:pic>
-      <p:pic>
-        <p:nvPicPr>
-          <p:cNvPr id="25" name="Picture 2" descr="Macintosh HD en Idril:Users:barrientos:DATOS:Modelos:Logos:UPM:EscUpmPolit.jpg"/>
-          <p:cNvPicPr/>
-          <p:nvPr/>
-        </p:nvPicPr>
-        <p:blipFill>
-          <a:blip r:embed="rId3">
-            <a:extLst>
-              <a:ext uri="{28A0092B-C50C-407E-A947-70E740481C1C}">
-                <a14:useLocalDpi xmlns:a14="http://schemas.microsoft.com/office/drawing/2010/main" val="0"/>
-              </a:ext>
-            </a:extLst>
-          </a:blip>
-          <a:srcRect/>
-          <a:stretch>
-            <a:fillRect/>
-          </a:stretch>
-        </p:blipFill>
-        <p:spPr bwMode="auto">
-          <a:xfrm>
-            <a:off x="143705" y="131712"/>
-            <a:ext cx="1417125" cy="1181686"/>
-          </a:xfrm>
-          <a:prstGeom prst="rect">
-            <a:avLst/>
-          </a:prstGeom>
-          <a:noFill/>
-          <a:ln>
-            <a:noFill/>
-          </a:ln>
-        </p:spPr>
-      </p:pic>
-      <p:pic>
-        <p:nvPicPr>
-          <p:cNvPr id="27" name="Image 6" descr="image011"/>
-          <p:cNvPicPr>
-            <a:picLocks noChangeAspect="1" noChangeArrowheads="1"/>
-          </p:cNvPicPr>
-          <p:nvPr/>
-        </p:nvPicPr>
-        <p:blipFill>
-          <a:blip r:embed="rId4">
-            <a:extLst>
-              <a:ext uri="{28A0092B-C50C-407E-A947-70E740481C1C}">
-                <a14:useLocalDpi xmlns:a14="http://schemas.microsoft.com/office/drawing/2010/main" val="0"/>
-              </a:ext>
-            </a:extLst>
-          </a:blip>
-          <a:srcRect/>
-          <a:stretch>
-            <a:fillRect/>
-          </a:stretch>
-        </p:blipFill>
-        <p:spPr bwMode="auto">
-          <a:xfrm>
-            <a:off x="9845799" y="6062662"/>
-            <a:ext cx="2117405" cy="452437"/>
-          </a:xfrm>
-          <a:prstGeom prst="rect">
-            <a:avLst/>
-          </a:prstGeom>
-          <a:noFill/>
-          <a:ln>
-            <a:noFill/>
-          </a:ln>
-          <a:extLst>
-            <a:ext uri="{909E8E84-426E-40DD-AFC4-6F175D3DCCD1}">
-              <a14:hiddenFill xmlns:a14="http://schemas.microsoft.com/office/drawing/2010/main">
-                <a:solidFill>
-                  <a:srgbClr val="FFFFFF"/>
-                </a:solidFill>
-              </a14:hiddenFill>
-            </a:ext>
-            <a:ext uri="{91240B29-F687-4F45-9708-019B960494DF}">
-              <a14:hiddenLine xmlns:a14="http://schemas.microsoft.com/office/drawing/2010/main" w="9525">
-                <a:solidFill>
-                  <a:srgbClr val="000000"/>
-                </a:solidFill>
-                <a:miter lim="800000"/>
-                <a:headEnd/>
-                <a:tailEnd/>
-              </a14:hiddenLine>
-            </a:ext>
-          </a:extLst>
-        </p:spPr>
-      </p:pic>
-    </p:spTree>
-    <p:extLst>
-      <p:ext uri="{BB962C8B-B14F-4D97-AF65-F5344CB8AC3E}">
-        <p14:creationId xmlns:p14="http://schemas.microsoft.com/office/powerpoint/2010/main" val="2308687549"/>
-      </p:ext>
-    </p:extLst>
-  </p:cSld>
-  <p:clrMapOvr>
-    <a:masterClrMapping/>
-  </p:clrMapOvr>
-  <p:timing>
-    <p:tnLst>
-      <p:par>
-        <p:cTn id="1" dur="indefinite" restart="never" nodeType="tmRoot"/>
-      </p:par>
-    </p:tnLst>
-  </p:timing>
-</p:sld>
-</file>
-
-<file path=ppt/slides/slide8.xml><?xml version="1.0" encoding="utf-8"?>
-<p:sld xmlns:a="http://schemas.openxmlformats.org/drawingml/2006/main" xmlns:r="http://schemas.openxmlformats.org/officeDocument/2006/relationships" xmlns:p="http://schemas.openxmlformats.org/presentationml/2006/main">
-  <p:cSld>
-    <p:spTree>
-      <p:nvGrpSpPr>
-        <p:cNvPr id="1" name=""/>
-        <p:cNvGrpSpPr/>
-        <p:nvPr/>
-      </p:nvGrpSpPr>
-      <p:grpSpPr>
-        <a:xfrm>
-          <a:off x="0" y="0"/>
-          <a:ext cx="0" cy="0"/>
-          <a:chOff x="0" y="0"/>
-          <a:chExt cx="0" cy="0"/>
-        </a:xfrm>
-      </p:grpSpPr>
-      <p:sp>
-        <p:nvSpPr>
-          <p:cNvPr id="2" name="1 Título"/>
-          <p:cNvSpPr>
-            <a:spLocks noGrp="1"/>
-          </p:cNvSpPr>
-          <p:nvPr>
-            <p:ph type="title"/>
-          </p:nvPr>
-        </p:nvSpPr>
-        <p:spPr/>
-        <p:txBody>
-          <a:bodyPr/>
-          <a:lstStyle/>
-          <a:p>
-            <a:pPr algn="ctr"/>
-            <a:r>
-              <a:rPr lang="es-ES" dirty="0" smtClean="0"/>
-              <a:t>Generación de consigna</a:t>
-            </a:r>
-            <a:endParaRPr lang="es-ES" dirty="0"/>
-          </a:p>
-        </p:txBody>
-      </p:sp>
-      <p:pic>
-        <p:nvPicPr>
-          <p:cNvPr id="1026" name="Picture 2" descr="C:\Users\Catalina Terrasa\Desktop\SP_Sim.PNG"/>
-          <p:cNvPicPr>
-            <a:picLocks noChangeAspect="1" noChangeArrowheads="1"/>
-          </p:cNvPicPr>
-          <p:nvPr/>
-        </p:nvPicPr>
-        <p:blipFill>
-          <a:blip r:embed="rId2">
-            <a:extLst>
-              <a:ext uri="{28A0092B-C50C-407E-A947-70E740481C1C}">
-                <a14:useLocalDpi xmlns:a14="http://schemas.microsoft.com/office/drawing/2010/main" val="0"/>
-              </a:ext>
-            </a:extLst>
-          </a:blip>
-          <a:srcRect/>
-          <a:stretch>
-            <a:fillRect/>
-          </a:stretch>
-        </p:blipFill>
-        <p:spPr bwMode="auto">
-          <a:xfrm>
-            <a:off x="0" y="1667339"/>
-            <a:ext cx="12196834" cy="4656459"/>
-          </a:xfrm>
-          <a:prstGeom prst="rect">
-            <a:avLst/>
-          </a:prstGeom>
-          <a:noFill/>
-          <a:extLst>
-            <a:ext uri="{909E8E84-426E-40DD-AFC4-6F175D3DCCD1}">
-              <a14:hiddenFill xmlns:a14="http://schemas.microsoft.com/office/drawing/2010/main">
-                <a:solidFill>
-                  <a:srgbClr val="FFFFFF"/>
-                </a:solidFill>
-              </a14:hiddenFill>
-            </a:ext>
-          </a:extLst>
-        </p:spPr>
-      </p:pic>
-      <p:pic>
-        <p:nvPicPr>
-          <p:cNvPr id="5" name="Picture 2" descr="Resultado de imagen de etsidi logo"/>
-          <p:cNvPicPr>
-            <a:picLocks noChangeAspect="1" noChangeArrowheads="1"/>
-          </p:cNvPicPr>
-          <p:nvPr/>
-        </p:nvPicPr>
-        <p:blipFill>
-          <a:blip r:embed="rId3" cstate="print">
-            <a:extLst>
-              <a:ext uri="{28A0092B-C50C-407E-A947-70E740481C1C}">
-                <a14:useLocalDpi xmlns:a14="http://schemas.microsoft.com/office/drawing/2010/main" val="0"/>
-              </a:ext>
-            </a:extLst>
-          </a:blip>
-          <a:srcRect/>
-          <a:stretch>
-            <a:fillRect/>
-          </a:stretch>
-        </p:blipFill>
-        <p:spPr bwMode="auto">
-          <a:xfrm>
-            <a:off x="10269415" y="286460"/>
-            <a:ext cx="1693789" cy="895227"/>
-          </a:xfrm>
-          <a:prstGeom prst="rect">
-            <a:avLst/>
-          </a:prstGeom>
-          <a:noFill/>
-          <a:extLst>
-            <a:ext uri="{909E8E84-426E-40DD-AFC4-6F175D3DCCD1}">
-              <a14:hiddenFill xmlns:a14="http://schemas.microsoft.com/office/drawing/2010/main">
-                <a:solidFill>
-                  <a:srgbClr val="FFFFFF"/>
-                </a:solidFill>
-              </a14:hiddenFill>
-            </a:ext>
-          </a:extLst>
-        </p:spPr>
-      </p:pic>
-      <p:pic>
-        <p:nvPicPr>
-          <p:cNvPr id="6" name="Picture 2" descr="Resultado de imagen de etsidi logo"/>
-          <p:cNvPicPr>
-            <a:picLocks noChangeAspect="1" noChangeArrowheads="1"/>
-          </p:cNvPicPr>
-          <p:nvPr/>
-        </p:nvPicPr>
-        <p:blipFill>
-          <a:blip r:embed="rId3" cstate="print">
-            <a:extLst>
-              <a:ext uri="{28A0092B-C50C-407E-A947-70E740481C1C}">
-                <a14:useLocalDpi xmlns:a14="http://schemas.microsoft.com/office/drawing/2010/main" val="0"/>
-              </a:ext>
-            </a:extLst>
-          </a:blip>
-          <a:srcRect/>
-          <a:stretch>
-            <a:fillRect/>
-          </a:stretch>
-        </p:blipFill>
-        <p:spPr bwMode="auto">
-          <a:xfrm>
-            <a:off x="10421815" y="438860"/>
-            <a:ext cx="1693789" cy="895227"/>
-          </a:xfrm>
-          <a:prstGeom prst="rect">
-            <a:avLst/>
-          </a:prstGeom>
-          <a:noFill/>
-          <a:extLst>
-            <a:ext uri="{909E8E84-426E-40DD-AFC4-6F175D3DCCD1}">
-              <a14:hiddenFill xmlns:a14="http://schemas.microsoft.com/office/drawing/2010/main">
-                <a:solidFill>
-                  <a:srgbClr val="FFFFFF"/>
-                </a:solidFill>
-              </a14:hiddenFill>
-            </a:ext>
-          </a:extLst>
-        </p:spPr>
-      </p:pic>
-      <p:pic>
-        <p:nvPicPr>
-          <p:cNvPr id="7" name="Picture 2" descr="Macintosh HD en Idril:Users:barrientos:DATOS:Modelos:Logos:UPM:EscUpmPolit.jpg"/>
-          <p:cNvPicPr/>
-          <p:nvPr/>
-        </p:nvPicPr>
-        <p:blipFill>
-          <a:blip r:embed="rId4">
-            <a:extLst>
-              <a:ext uri="{28A0092B-C50C-407E-A947-70E740481C1C}">
-                <a14:useLocalDpi xmlns:a14="http://schemas.microsoft.com/office/drawing/2010/main" val="0"/>
-              </a:ext>
-            </a:extLst>
-          </a:blip>
-          <a:srcRect/>
-          <a:stretch>
-            <a:fillRect/>
-          </a:stretch>
-        </p:blipFill>
-        <p:spPr bwMode="auto">
-          <a:xfrm>
-            <a:off x="143705" y="131712"/>
-            <a:ext cx="1417125" cy="1181686"/>
-          </a:xfrm>
-          <a:prstGeom prst="rect">
-            <a:avLst/>
-          </a:prstGeom>
-          <a:noFill/>
-          <a:ln>
-            <a:noFill/>
-          </a:ln>
-        </p:spPr>
-      </p:pic>
-      <p:pic>
-        <p:nvPicPr>
-          <p:cNvPr id="9" name="Image 6" descr="image011"/>
-          <p:cNvPicPr>
-            <a:picLocks noChangeAspect="1" noChangeArrowheads="1"/>
-          </p:cNvPicPr>
-          <p:nvPr/>
-        </p:nvPicPr>
-        <p:blipFill>
-          <a:blip r:embed="rId5">
-            <a:extLst>
-              <a:ext uri="{28A0092B-C50C-407E-A947-70E740481C1C}">
-                <a14:useLocalDpi xmlns:a14="http://schemas.microsoft.com/office/drawing/2010/main" val="0"/>
-              </a:ext>
-            </a:extLst>
-          </a:blip>
-          <a:srcRect/>
-          <a:stretch>
-            <a:fillRect/>
-          </a:stretch>
-        </p:blipFill>
-        <p:spPr bwMode="auto">
-          <a:xfrm>
-            <a:off x="9845799" y="6062662"/>
-            <a:ext cx="2117405" cy="452437"/>
-          </a:xfrm>
-          <a:prstGeom prst="rect">
-            <a:avLst/>
-          </a:prstGeom>
-          <a:noFill/>
-          <a:ln>
-            <a:noFill/>
-          </a:ln>
-          <a:extLst>
-            <a:ext uri="{909E8E84-426E-40DD-AFC4-6F175D3DCCD1}">
-              <a14:hiddenFill xmlns:a14="http://schemas.microsoft.com/office/drawing/2010/main">
-                <a:solidFill>
-                  <a:srgbClr val="FFFFFF"/>
-                </a:solidFill>
-              </a14:hiddenFill>
-            </a:ext>
-            <a:ext uri="{91240B29-F687-4F45-9708-019B960494DF}">
-              <a14:hiddenLine xmlns:a14="http://schemas.microsoft.com/office/drawing/2010/main" w="9525">
-                <a:solidFill>
-                  <a:srgbClr val="000000"/>
-                </a:solidFill>
-                <a:miter lim="800000"/>
-                <a:headEnd/>
-                <a:tailEnd/>
-              </a14:hiddenLine>
-            </a:ext>
-          </a:extLst>
-        </p:spPr>
-      </p:pic>
-    </p:spTree>
-    <p:extLst>
-      <p:ext uri="{BB962C8B-B14F-4D97-AF65-F5344CB8AC3E}">
-        <p14:creationId xmlns:p14="http://schemas.microsoft.com/office/powerpoint/2010/main" val="1810900016"/>
-      </p:ext>
-    </p:extLst>
-  </p:cSld>
-  <p:clrMapOvr>
-    <a:masterClrMapping/>
-  </p:clrMapOvr>
-  <p:timing>
-    <p:tnLst>
-      <p:par>
-        <p:cTn id="1" dur="indefinite" restart="never" nodeType="tmRoot"/>
-      </p:par>
-    </p:tnLst>
-  </p:timing>
-</p:sld>
-</file>
-
-<file path=ppt/slides/slide9.xml><?xml version="1.0" encoding="utf-8"?>
-<p:sld xmlns:a="http://schemas.openxmlformats.org/drawingml/2006/main" xmlns:r="http://schemas.openxmlformats.org/officeDocument/2006/relationships" xmlns:p="http://schemas.openxmlformats.org/presentationml/2006/main">
-  <p:cSld>
-    <p:spTree>
-      <p:nvGrpSpPr>
-        <p:cNvPr id="1" name=""/>
-        <p:cNvGrpSpPr/>
-        <p:nvPr/>
-      </p:nvGrpSpPr>
-      <p:grpSpPr>
-        <a:xfrm>
-          <a:off x="0" y="0"/>
-          <a:ext cx="0" cy="0"/>
-          <a:chOff x="0" y="0"/>
-          <a:chExt cx="0" cy="0"/>
-        </a:xfrm>
-      </p:grpSpPr>
-      <p:sp>
-        <p:nvSpPr>
-          <p:cNvPr id="2" name="1 Título"/>
-          <p:cNvSpPr>
-            <a:spLocks noGrp="1"/>
-          </p:cNvSpPr>
-          <p:nvPr>
-            <p:ph type="title"/>
-          </p:nvPr>
-        </p:nvSpPr>
-        <p:spPr/>
-        <p:txBody>
-          <a:bodyPr/>
-          <a:lstStyle/>
-          <a:p>
-            <a:pPr algn="ctr"/>
-            <a:r>
-              <a:rPr lang="es-ES" dirty="0" smtClean="0"/>
-              <a:t>Controlador</a:t>
-            </a:r>
-            <a:endParaRPr lang="es-ES" dirty="0"/>
-          </a:p>
-        </p:txBody>
-      </p:sp>
-      <p:pic>
-        <p:nvPicPr>
-          <p:cNvPr id="2050" name="Picture 2" descr="C:\Users\Catalina Terrasa\Desktop\DefControl.PNG"/>
-          <p:cNvPicPr>
-            <a:picLocks noChangeAspect="1" noChangeArrowheads="1"/>
-          </p:cNvPicPr>
-          <p:nvPr/>
-        </p:nvPicPr>
-        <p:blipFill>
-          <a:blip r:embed="rId2">
-            <a:extLst>
-              <a:ext uri="{28A0092B-C50C-407E-A947-70E740481C1C}">
-                <a14:useLocalDpi xmlns:a14="http://schemas.microsoft.com/office/drawing/2010/main" val="0"/>
-              </a:ext>
-            </a:extLst>
-          </a:blip>
-          <a:srcRect/>
-          <a:stretch>
-            <a:fillRect/>
-          </a:stretch>
-        </p:blipFill>
-        <p:spPr bwMode="auto">
-          <a:xfrm>
-            <a:off x="2076998" y="1690688"/>
-            <a:ext cx="8262424" cy="4995357"/>
-          </a:xfrm>
-          <a:prstGeom prst="rect">
-            <a:avLst/>
-          </a:prstGeom>
-          <a:noFill/>
-          <a:extLst>
-            <a:ext uri="{909E8E84-426E-40DD-AFC4-6F175D3DCCD1}">
-              <a14:hiddenFill xmlns:a14="http://schemas.microsoft.com/office/drawing/2010/main">
-                <a:solidFill>
-                  <a:srgbClr val="FFFFFF"/>
-                </a:solidFill>
-              </a14:hiddenFill>
-            </a:ext>
-          </a:extLst>
-        </p:spPr>
-      </p:pic>
-      <p:pic>
-        <p:nvPicPr>
-          <p:cNvPr id="5" name="Picture 2" descr="Resultado de imagen de etsidi logo"/>
-          <p:cNvPicPr>
-            <a:picLocks noChangeAspect="1" noChangeArrowheads="1"/>
-          </p:cNvPicPr>
-          <p:nvPr/>
-        </p:nvPicPr>
-        <p:blipFill>
-          <a:blip r:embed="rId3" cstate="print">
-            <a:extLst>
-              <a:ext uri="{28A0092B-C50C-407E-A947-70E740481C1C}">
-                <a14:useLocalDpi xmlns:a14="http://schemas.microsoft.com/office/drawing/2010/main" val="0"/>
-              </a:ext>
-            </a:extLst>
-          </a:blip>
-          <a:srcRect/>
-          <a:stretch>
-            <a:fillRect/>
-          </a:stretch>
-        </p:blipFill>
-        <p:spPr bwMode="auto">
-          <a:xfrm>
-            <a:off x="10269415" y="286460"/>
-            <a:ext cx="1693789" cy="895227"/>
-          </a:xfrm>
-          <a:prstGeom prst="rect">
-            <a:avLst/>
-          </a:prstGeom>
-          <a:noFill/>
-          <a:extLst>
-            <a:ext uri="{909E8E84-426E-40DD-AFC4-6F175D3DCCD1}">
-              <a14:hiddenFill xmlns:a14="http://schemas.microsoft.com/office/drawing/2010/main">
-                <a:solidFill>
-                  <a:srgbClr val="FFFFFF"/>
-                </a:solidFill>
-              </a14:hiddenFill>
-            </a:ext>
-          </a:extLst>
-        </p:spPr>
-      </p:pic>
-      <p:pic>
-        <p:nvPicPr>
-          <p:cNvPr id="6" name="Picture 2" descr="Macintosh HD en Idril:Users:barrientos:DATOS:Modelos:Logos:UPM:EscUpmPolit.jpg"/>
-          <p:cNvPicPr/>
-          <p:nvPr/>
-        </p:nvPicPr>
-        <p:blipFill>
-          <a:blip r:embed="rId4">
-            <a:extLst>
-              <a:ext uri="{28A0092B-C50C-407E-A947-70E740481C1C}">
-                <a14:useLocalDpi xmlns:a14="http://schemas.microsoft.com/office/drawing/2010/main" val="0"/>
-              </a:ext>
-            </a:extLst>
-          </a:blip>
-          <a:srcRect/>
-          <a:stretch>
-            <a:fillRect/>
-          </a:stretch>
-        </p:blipFill>
-        <p:spPr bwMode="auto">
-          <a:xfrm>
-            <a:off x="143705" y="131712"/>
-            <a:ext cx="1417125" cy="1181686"/>
-          </a:xfrm>
-          <a:prstGeom prst="rect">
-            <a:avLst/>
-          </a:prstGeom>
-          <a:noFill/>
-          <a:ln>
-            <a:noFill/>
-          </a:ln>
-        </p:spPr>
-      </p:pic>
-      <p:pic>
-        <p:nvPicPr>
-          <p:cNvPr id="8" name="Image 6" descr="image011"/>
-          <p:cNvPicPr>
-            <a:picLocks noChangeAspect="1" noChangeArrowheads="1"/>
-          </p:cNvPicPr>
-          <p:nvPr/>
-        </p:nvPicPr>
-        <p:blipFill>
-          <a:blip r:embed="rId5">
-            <a:extLst>
-              <a:ext uri="{28A0092B-C50C-407E-A947-70E740481C1C}">
-                <a14:useLocalDpi xmlns:a14="http://schemas.microsoft.com/office/drawing/2010/main" val="0"/>
-              </a:ext>
-            </a:extLst>
-          </a:blip>
-          <a:srcRect/>
-          <a:stretch>
-            <a:fillRect/>
-          </a:stretch>
-        </p:blipFill>
-        <p:spPr bwMode="auto">
-          <a:xfrm>
-            <a:off x="9845799" y="6062662"/>
-            <a:ext cx="2117405" cy="452437"/>
-          </a:xfrm>
-          <a:prstGeom prst="rect">
-            <a:avLst/>
-          </a:prstGeom>
-          <a:noFill/>
-          <a:ln>
-            <a:noFill/>
-          </a:ln>
-          <a:extLst>
-            <a:ext uri="{909E8E84-426E-40DD-AFC4-6F175D3DCCD1}">
-              <a14:hiddenFill xmlns:a14="http://schemas.microsoft.com/office/drawing/2010/main">
-                <a:solidFill>
-                  <a:srgbClr val="FFFFFF"/>
-                </a:solidFill>
-              </a14:hiddenFill>
-            </a:ext>
-            <a:ext uri="{91240B29-F687-4F45-9708-019B960494DF}">
-              <a14:hiddenLine xmlns:a14="http://schemas.microsoft.com/office/drawing/2010/main" w="9525">
-                <a:solidFill>
-                  <a:srgbClr val="000000"/>
-                </a:solidFill>
-                <a:miter lim="800000"/>
-                <a:headEnd/>
-                <a:tailEnd/>
-              </a14:hiddenLine>
-            </a:ext>
-          </a:extLst>
-        </p:spPr>
-      </p:pic>
-    </p:spTree>
-    <p:extLst>
-      <p:ext uri="{BB962C8B-B14F-4D97-AF65-F5344CB8AC3E}">
-        <p14:creationId xmlns:p14="http://schemas.microsoft.com/office/powerpoint/2010/main" val="2750216948"/>
-      </p:ext>
-    </p:extLst>
-  </p:cSld>
-  <p:clrMapOvr>
-    <a:masterClrMapping/>
-  </p:clrMapOvr>
-  <p:timing>
-    <p:tnLst>
-      <p:par>
-        <p:cTn id="1" dur="indefinite" restart="never" nodeType="tmRoot"/>
-      </p:par>
-    </p:tnLst>
-  </p:timing>
-</p:sld>
-</file>
-
 <file path=ppt/theme/theme1.xml><?xml version="1.0" encoding="utf-8"?>
 <a:theme xmlns:a="http://schemas.openxmlformats.org/drawingml/2006/main" name="Tema de Office">
   <a:themeElements>
@@ -8597,7 +12847,7 @@
   <a:extraClrSchemeLst/>
   <a:extLst>
     <a:ext uri="{05A4C25C-085E-4340-85A3-A5531E510DB2}">
-      <thm15:themeFamily xmlns:thm15="http://schemas.microsoft.com/office/thememl/2012/main" name="Office Theme" id="{62F939B6-93AF-4DB8-9C6B-D6C7DFDC589F}" vid="{4A3C46E8-61CC-4603-A589-7422A47A8E4A}"/>
+      <thm15:themeFamily xmlns:thm15="http://schemas.microsoft.com/office/thememl/2012/main" xmlns="" name="Office Theme" id="{62F939B6-93AF-4DB8-9C6B-D6C7DFDC589F}" vid="{4A3C46E8-61CC-4603-A589-7422A47A8E4A}"/>
     </a:ext>
   </a:extLst>
 </a:theme>
@@ -8644,4 +12894,47 @@
     </a:folHlink>
   </a:clrScheme>
 </a:themeOverride>
+</file>
+
+<file path=ppt/theme/themeOverride2.xml><?xml version="1.0" encoding="utf-8"?>
+<a:themeOverride xmlns:a="http://schemas.openxmlformats.org/drawingml/2006/main">
+  <a:clrScheme name="Office">
+    <a:dk1>
+      <a:sysClr val="windowText" lastClr="000000"/>
+    </a:dk1>
+    <a:lt1>
+      <a:sysClr val="window" lastClr="FFFFFF"/>
+    </a:lt1>
+    <a:dk2>
+      <a:srgbClr val="44546A"/>
+    </a:dk2>
+    <a:lt2>
+      <a:srgbClr val="E7E6E6"/>
+    </a:lt2>
+    <a:accent1>
+      <a:srgbClr val="5B9BD5"/>
+    </a:accent1>
+    <a:accent2>
+      <a:srgbClr val="ED7D31"/>
+    </a:accent2>
+    <a:accent3>
+      <a:srgbClr val="A5A5A5"/>
+    </a:accent3>
+    <a:accent4>
+      <a:srgbClr val="FFC000"/>
+    </a:accent4>
+    <a:accent5>
+      <a:srgbClr val="4472C4"/>
+    </a:accent5>
+    <a:accent6>
+      <a:srgbClr val="70AD47"/>
+    </a:accent6>
+    <a:hlink>
+      <a:srgbClr val="0563C1"/>
+    </a:hlink>
+    <a:folHlink>
+      <a:srgbClr val="954F72"/>
+    </a:folHlink>
+  </a:clrScheme>
+</a:themeOverride>
 </file>
--- a/tfgPP.pptx
+++ b/tfgPP.pptx
@@ -125,7 +125,7 @@
   </p:defaultTextStyle>
   <p:extLst>
     <p:ext uri="{EFAFB233-063F-42B5-8137-9DF3F51BA10A}">
-      <p15:sldGuideLst xmlns:p15="http://schemas.microsoft.com/office/powerpoint/2012/main" xmlns="">
+      <p15:sldGuideLst xmlns:p15="http://schemas.microsoft.com/office/powerpoint/2012/main">
         <p15:guide id="1" orient="horz" pos="2160">
           <p15:clr>
             <a:srgbClr val="A4A3A4"/>
@@ -279,7 +279,7 @@
           <a:p>
             <a:fld id="{8161FC19-448B-45B3-ABDC-99AC11CB222E}" type="datetimeFigureOut">
               <a:rPr lang="es-ES" smtClean="0"/>
-              <a:t>03/07/2018</a:t>
+              <a:t>05/07/2018</a:t>
             </a:fld>
             <a:endParaRPr lang="es-ES" dirty="0"/>
           </a:p>
@@ -447,7 +447,7 @@
           <a:p>
             <a:fld id="{8161FC19-448B-45B3-ABDC-99AC11CB222E}" type="datetimeFigureOut">
               <a:rPr lang="es-ES" smtClean="0"/>
-              <a:t>03/07/2018</a:t>
+              <a:t>05/07/2018</a:t>
             </a:fld>
             <a:endParaRPr lang="es-ES" dirty="0"/>
           </a:p>
@@ -625,7 +625,7 @@
           <a:p>
             <a:fld id="{8161FC19-448B-45B3-ABDC-99AC11CB222E}" type="datetimeFigureOut">
               <a:rPr lang="es-ES" smtClean="0"/>
-              <a:t>03/07/2018</a:t>
+              <a:t>05/07/2018</a:t>
             </a:fld>
             <a:endParaRPr lang="es-ES" dirty="0"/>
           </a:p>
@@ -793,7 +793,7 @@
           <a:p>
             <a:fld id="{8161FC19-448B-45B3-ABDC-99AC11CB222E}" type="datetimeFigureOut">
               <a:rPr lang="es-ES" smtClean="0"/>
-              <a:t>03/07/2018</a:t>
+              <a:t>05/07/2018</a:t>
             </a:fld>
             <a:endParaRPr lang="es-ES" dirty="0"/>
           </a:p>
@@ -1038,7 +1038,7 @@
           <a:p>
             <a:fld id="{8161FC19-448B-45B3-ABDC-99AC11CB222E}" type="datetimeFigureOut">
               <a:rPr lang="es-ES" smtClean="0"/>
-              <a:t>03/07/2018</a:t>
+              <a:t>05/07/2018</a:t>
             </a:fld>
             <a:endParaRPr lang="es-ES" dirty="0"/>
           </a:p>
@@ -1267,7 +1267,7 @@
           <a:p>
             <a:fld id="{8161FC19-448B-45B3-ABDC-99AC11CB222E}" type="datetimeFigureOut">
               <a:rPr lang="es-ES" smtClean="0"/>
-              <a:t>03/07/2018</a:t>
+              <a:t>05/07/2018</a:t>
             </a:fld>
             <a:endParaRPr lang="es-ES" dirty="0"/>
           </a:p>
@@ -1631,7 +1631,7 @@
           <a:p>
             <a:fld id="{8161FC19-448B-45B3-ABDC-99AC11CB222E}" type="datetimeFigureOut">
               <a:rPr lang="es-ES" smtClean="0"/>
-              <a:t>03/07/2018</a:t>
+              <a:t>05/07/2018</a:t>
             </a:fld>
             <a:endParaRPr lang="es-ES" dirty="0"/>
           </a:p>
@@ -1748,7 +1748,7 @@
           <a:p>
             <a:fld id="{8161FC19-448B-45B3-ABDC-99AC11CB222E}" type="datetimeFigureOut">
               <a:rPr lang="es-ES" smtClean="0"/>
-              <a:t>03/07/2018</a:t>
+              <a:t>05/07/2018</a:t>
             </a:fld>
             <a:endParaRPr lang="es-ES" dirty="0"/>
           </a:p>
@@ -1843,7 +1843,7 @@
           <a:p>
             <a:fld id="{8161FC19-448B-45B3-ABDC-99AC11CB222E}" type="datetimeFigureOut">
               <a:rPr lang="es-ES" smtClean="0"/>
-              <a:t>03/07/2018</a:t>
+              <a:t>05/07/2018</a:t>
             </a:fld>
             <a:endParaRPr lang="es-ES" dirty="0"/>
           </a:p>
@@ -2118,7 +2118,7 @@
           <a:p>
             <a:fld id="{8161FC19-448B-45B3-ABDC-99AC11CB222E}" type="datetimeFigureOut">
               <a:rPr lang="es-ES" smtClean="0"/>
-              <a:t>03/07/2018</a:t>
+              <a:t>05/07/2018</a:t>
             </a:fld>
             <a:endParaRPr lang="es-ES" dirty="0"/>
           </a:p>
@@ -2370,7 +2370,7 @@
           <a:p>
             <a:fld id="{8161FC19-448B-45B3-ABDC-99AC11CB222E}" type="datetimeFigureOut">
               <a:rPr lang="es-ES" smtClean="0"/>
-              <a:t>03/07/2018</a:t>
+              <a:t>05/07/2018</a:t>
             </a:fld>
             <a:endParaRPr lang="es-ES" dirty="0"/>
           </a:p>
@@ -2581,7 +2581,7 @@
           <a:p>
             <a:fld id="{8161FC19-448B-45B3-ABDC-99AC11CB222E}" type="datetimeFigureOut">
               <a:rPr lang="es-ES" smtClean="0"/>
-              <a:t>03/07/2018</a:t>
+              <a:t>05/07/2018</a:t>
             </a:fld>
             <a:endParaRPr lang="es-ES" dirty="0"/>
           </a:p>
@@ -3651,7 +3651,7 @@
           <p:cNvPr id="2" name="Título 1">
             <a:extLst>
               <a:ext uri="{FF2B5EF4-FFF2-40B4-BE49-F238E27FC236}">
-                <a16:creationId xmlns="" xmlns:a16="http://schemas.microsoft.com/office/drawing/2014/main" id="{FEE365C5-F51C-45E4-AE98-9D2F02614E37}"/>
+                <a16:creationId xmlns:a16="http://schemas.microsoft.com/office/drawing/2014/main" xmlns="" id="{FEE365C5-F51C-45E4-AE98-9D2F02614E37}"/>
               </a:ext>
             </a:extLst>
           </p:cNvPr>
@@ -3688,7 +3688,7 @@
           <p:cNvPr id="3" name="Marcador de contenido 2">
             <a:extLst>
               <a:ext uri="{FF2B5EF4-FFF2-40B4-BE49-F238E27FC236}">
-                <a16:creationId xmlns="" xmlns:a16="http://schemas.microsoft.com/office/drawing/2014/main" id="{E2B73A5A-6803-4FB4-BBEF-89D34306EC50}"/>
+                <a16:creationId xmlns:a16="http://schemas.microsoft.com/office/drawing/2014/main" xmlns="" id="{E2B73A5A-6803-4FB4-BBEF-89D34306EC50}"/>
               </a:ext>
             </a:extLst>
           </p:cNvPr>
@@ -5376,13 +5376,6 @@
               </a:rPr>
               <a:t>Generación de consigna</a:t>
             </a:r>
-            <a:endParaRPr lang="es-ES" b="1" dirty="0">
-              <a:solidFill>
-                <a:schemeClr val="accent1">
-                  <a:lumMod val="50000"/>
-                </a:schemeClr>
-              </a:solidFill>
-            </a:endParaRPr>
           </a:p>
         </p:txBody>
       </p:sp>
@@ -6313,13 +6306,6 @@
               </a:rPr>
               <a:t>Controlador</a:t>
             </a:r>
-            <a:endParaRPr lang="es-ES" b="1" dirty="0">
-              <a:solidFill>
-                <a:schemeClr val="accent1">
-                  <a:lumMod val="50000"/>
-                </a:schemeClr>
-              </a:solidFill>
-            </a:endParaRPr>
           </a:p>
         </p:txBody>
       </p:sp>
@@ -6492,6 +6478,120 @@
           </a:extLst>
         </p:spPr>
       </p:pic>
+      <p:sp>
+        <p:nvSpPr>
+          <p:cNvPr id="7" name="10 Rectángulo"/>
+          <p:cNvSpPr/>
+          <p:nvPr/>
+        </p:nvSpPr>
+        <p:spPr>
+          <a:xfrm>
+            <a:off x="3429000" y="1690688"/>
+            <a:ext cx="2374900" cy="3554412"/>
+          </a:xfrm>
+          <a:prstGeom prst="rect">
+            <a:avLst/>
+          </a:prstGeom>
+          <a:noFill/>
+          <a:ln>
+            <a:solidFill>
+              <a:schemeClr val="accent1">
+                <a:lumMod val="40000"/>
+                <a:lumOff val="60000"/>
+              </a:schemeClr>
+            </a:solidFill>
+          </a:ln>
+          <a:effectLst>
+            <a:glow rad="139700">
+              <a:schemeClr val="accent1">
+                <a:satMod val="175000"/>
+                <a:alpha val="40000"/>
+              </a:schemeClr>
+            </a:glow>
+          </a:effectLst>
+        </p:spPr>
+        <p:style>
+          <a:lnRef idx="2">
+            <a:schemeClr val="accent1">
+              <a:shade val="50000"/>
+            </a:schemeClr>
+          </a:lnRef>
+          <a:fillRef idx="1">
+            <a:schemeClr val="accent1"/>
+          </a:fillRef>
+          <a:effectRef idx="0">
+            <a:schemeClr val="accent1"/>
+          </a:effectRef>
+          <a:fontRef idx="minor">
+            <a:schemeClr val="lt1"/>
+          </a:fontRef>
+        </p:style>
+        <p:txBody>
+          <a:bodyPr rtlCol="0" anchor="ctr"/>
+          <a:lstStyle/>
+          <a:p>
+            <a:pPr algn="ctr"/>
+            <a:endParaRPr lang="es-ES"/>
+          </a:p>
+        </p:txBody>
+      </p:sp>
+      <p:sp>
+        <p:nvSpPr>
+          <p:cNvPr id="9" name="10 Rectángulo"/>
+          <p:cNvSpPr/>
+          <p:nvPr/>
+        </p:nvSpPr>
+        <p:spPr>
+          <a:xfrm>
+            <a:off x="6208210" y="3360484"/>
+            <a:ext cx="2961190" cy="1732215"/>
+          </a:xfrm>
+          <a:prstGeom prst="rect">
+            <a:avLst/>
+          </a:prstGeom>
+          <a:noFill/>
+          <a:ln>
+            <a:solidFill>
+              <a:schemeClr val="accent1">
+                <a:lumMod val="40000"/>
+                <a:lumOff val="60000"/>
+              </a:schemeClr>
+            </a:solidFill>
+          </a:ln>
+          <a:effectLst>
+            <a:glow rad="139700">
+              <a:schemeClr val="accent1">
+                <a:satMod val="175000"/>
+                <a:alpha val="40000"/>
+              </a:schemeClr>
+            </a:glow>
+          </a:effectLst>
+        </p:spPr>
+        <p:style>
+          <a:lnRef idx="2">
+            <a:schemeClr val="accent1">
+              <a:shade val="50000"/>
+            </a:schemeClr>
+          </a:lnRef>
+          <a:fillRef idx="1">
+            <a:schemeClr val="accent1"/>
+          </a:fillRef>
+          <a:effectRef idx="0">
+            <a:schemeClr val="accent1"/>
+          </a:effectRef>
+          <a:fontRef idx="minor">
+            <a:schemeClr val="lt1"/>
+          </a:fontRef>
+        </p:style>
+        <p:txBody>
+          <a:bodyPr rtlCol="0" anchor="ctr"/>
+          <a:lstStyle/>
+          <a:p>
+            <a:pPr algn="ctr"/>
+            <a:endParaRPr lang="es-ES"/>
+          </a:p>
+        </p:txBody>
+      </p:sp>
     </p:spTree>
     <p:extLst>
       <p:ext uri="{BB962C8B-B14F-4D97-AF65-F5344CB8AC3E}">
@@ -6505,9 +6605,154 @@
   <p:timing>
     <p:tnLst>
       <p:par>
-        <p:cTn id="1" dur="indefinite" restart="never" nodeType="tmRoot"/>
+        <p:cTn id="1" dur="indefinite" restart="never" nodeType="tmRoot">
+          <p:childTnLst>
+            <p:seq concurrent="1" nextAc="seek">
+              <p:cTn id="2" dur="indefinite" nodeType="mainSeq">
+                <p:childTnLst>
+                  <p:par>
+                    <p:cTn id="3" fill="hold">
+                      <p:stCondLst>
+                        <p:cond delay="indefinite"/>
+                      </p:stCondLst>
+                      <p:childTnLst>
+                        <p:par>
+                          <p:cTn id="4" fill="hold">
+                            <p:stCondLst>
+                              <p:cond delay="0"/>
+                            </p:stCondLst>
+                            <p:childTnLst>
+                              <p:par>
+                                <p:cTn id="5" presetID="1" presetClass="entr" presetSubtype="0" fill="hold" grpId="0" nodeType="clickEffect">
+                                  <p:stCondLst>
+                                    <p:cond delay="0"/>
+                                  </p:stCondLst>
+                                  <p:childTnLst>
+                                    <p:set>
+                                      <p:cBhvr>
+                                        <p:cTn id="6" dur="1" fill="hold">
+                                          <p:stCondLst>
+                                            <p:cond delay="0"/>
+                                          </p:stCondLst>
+                                        </p:cTn>
+                                        <p:tgtEl>
+                                          <p:spTgt spid="7"/>
+                                        </p:tgtEl>
+                                        <p:attrNameLst>
+                                          <p:attrName>style.visibility</p:attrName>
+                                        </p:attrNameLst>
+                                      </p:cBhvr>
+                                      <p:to>
+                                        <p:strVal val="visible"/>
+                                      </p:to>
+                                    </p:set>
+                                  </p:childTnLst>
+                                </p:cTn>
+                              </p:par>
+                            </p:childTnLst>
+                          </p:cTn>
+                        </p:par>
+                      </p:childTnLst>
+                    </p:cTn>
+                  </p:par>
+                  <p:par>
+                    <p:cTn id="7" fill="hold">
+                      <p:stCondLst>
+                        <p:cond delay="indefinite"/>
+                      </p:stCondLst>
+                      <p:childTnLst>
+                        <p:par>
+                          <p:cTn id="8" fill="hold">
+                            <p:stCondLst>
+                              <p:cond delay="0"/>
+                            </p:stCondLst>
+                            <p:childTnLst>
+                              <p:par>
+                                <p:cTn id="9" presetID="1" presetClass="entr" presetSubtype="0" fill="hold" grpId="0" nodeType="clickEffect">
+                                  <p:stCondLst>
+                                    <p:cond delay="0"/>
+                                  </p:stCondLst>
+                                  <p:childTnLst>
+                                    <p:set>
+                                      <p:cBhvr>
+                                        <p:cTn id="10" dur="1" fill="hold">
+                                          <p:stCondLst>
+                                            <p:cond delay="0"/>
+                                          </p:stCondLst>
+                                        </p:cTn>
+                                        <p:tgtEl>
+                                          <p:spTgt spid="9"/>
+                                        </p:tgtEl>
+                                        <p:attrNameLst>
+                                          <p:attrName>style.visibility</p:attrName>
+                                        </p:attrNameLst>
+                                      </p:cBhvr>
+                                      <p:to>
+                                        <p:strVal val="visible"/>
+                                      </p:to>
+                                    </p:set>
+                                  </p:childTnLst>
+                                </p:cTn>
+                              </p:par>
+                              <p:par>
+                                <p:cTn id="11" presetID="1" presetClass="exit" presetSubtype="0" fill="hold" grpId="1" nodeType="withEffect">
+                                  <p:stCondLst>
+                                    <p:cond delay="0"/>
+                                  </p:stCondLst>
+                                  <p:childTnLst>
+                                    <p:set>
+                                      <p:cBhvr>
+                                        <p:cTn id="12" dur="1" fill="hold">
+                                          <p:stCondLst>
+                                            <p:cond delay="0"/>
+                                          </p:stCondLst>
+                                        </p:cTn>
+                                        <p:tgtEl>
+                                          <p:spTgt spid="7"/>
+                                        </p:tgtEl>
+                                        <p:attrNameLst>
+                                          <p:attrName>style.visibility</p:attrName>
+                                        </p:attrNameLst>
+                                      </p:cBhvr>
+                                      <p:to>
+                                        <p:strVal val="hidden"/>
+                                      </p:to>
+                                    </p:set>
+                                  </p:childTnLst>
+                                </p:cTn>
+                              </p:par>
+                            </p:childTnLst>
+                          </p:cTn>
+                        </p:par>
+                      </p:childTnLst>
+                    </p:cTn>
+                  </p:par>
+                </p:childTnLst>
+              </p:cTn>
+              <p:prevCondLst>
+                <p:cond evt="onPrev" delay="0">
+                  <p:tgtEl>
+                    <p:sldTgt/>
+                  </p:tgtEl>
+                </p:cond>
+              </p:prevCondLst>
+              <p:nextCondLst>
+                <p:cond evt="onNext" delay="0">
+                  <p:tgtEl>
+                    <p:sldTgt/>
+                  </p:tgtEl>
+                </p:cond>
+              </p:nextCondLst>
+            </p:seq>
+          </p:childTnLst>
+        </p:cTn>
       </p:par>
     </p:tnLst>
+    <p:bldLst>
+      <p:bldP spid="7" grpId="0" animBg="1"/>
+      <p:bldP spid="7" grpId="1" animBg="1"/>
+      <p:bldP spid="9" grpId="0" animBg="1"/>
+    </p:bldLst>
   </p:timing>
 </p:sld>
 </file>
@@ -6940,32 +7185,6 @@
               </a:rPr>
               <a:t>Casos de estudio</a:t>
             </a:r>
-            <a:endParaRPr lang="es-ES" b="1" dirty="0">
-              <a:solidFill>
-                <a:schemeClr val="accent1">
-                  <a:lumMod val="50000"/>
-                </a:schemeClr>
-              </a:solidFill>
-            </a:endParaRPr>
-          </a:p>
-        </p:txBody>
-      </p:sp>
-      <p:sp>
-        <p:nvSpPr>
-          <p:cNvPr id="3" name="2 Marcador de contenido"/>
-          <p:cNvSpPr>
-            <a:spLocks noGrp="1"/>
-          </p:cNvSpPr>
-          <p:nvPr>
-            <p:ph idx="1"/>
-          </p:nvPr>
-        </p:nvSpPr>
-        <p:spPr/>
-        <p:txBody>
-          <a:bodyPr/>
-          <a:lstStyle/>
-          <a:p>
-            <a:endParaRPr lang="es-ES"/>
           </a:p>
         </p:txBody>
       </p:sp>
@@ -7097,6 +7316,264 @@
           </a:extLst>
         </p:spPr>
       </p:pic>
+      <p:graphicFrame>
+        <p:nvGraphicFramePr>
+          <p:cNvPr id="4" name="Tabla 3"/>
+          <p:cNvGraphicFramePr>
+            <a:graphicFrameLocks noGrp="1"/>
+          </p:cNvGraphicFramePr>
+          <p:nvPr>
+            <p:extLst>
+              <p:ext uri="{D42A27DB-BD31-4B8C-83A1-F6EECF244321}">
+                <p14:modId xmlns:p14="http://schemas.microsoft.com/office/powerpoint/2010/main" val="3565933156"/>
+              </p:ext>
+            </p:extLst>
+          </p:nvPr>
+        </p:nvGraphicFramePr>
+        <p:xfrm>
+          <a:off x="1104901" y="1924099"/>
+          <a:ext cx="6692901" cy="2067484"/>
+        </p:xfrm>
+        <a:graphic>
+          <a:graphicData uri="http://schemas.openxmlformats.org/drawingml/2006/table">
+            <a:tbl>
+              <a:tblPr firstRow="1" bandRow="1">
+                <a:tableStyleId>{5C22544A-7EE6-4342-B048-85BDC9FD1C3A}</a:tableStyleId>
+              </a:tblPr>
+              <a:tblGrid>
+                <a:gridCol w="2230967"/>
+                <a:gridCol w="2230967"/>
+                <a:gridCol w="2230967"/>
+              </a:tblGrid>
+              <a:tr h="488976">
+                <a:tc>
+                  <a:txBody>
+                    <a:bodyPr/>
+                    <a:lstStyle/>
+                    <a:p>
+                      <a:endParaRPr lang="es-ES" dirty="0"/>
+                    </a:p>
+                  </a:txBody>
+                  <a:tcPr>
+                    <a:solidFill>
+                      <a:schemeClr val="bg1"/>
+                    </a:solidFill>
+                  </a:tcPr>
+                </a:tc>
+                <a:tc>
+                  <a:txBody>
+                    <a:bodyPr/>
+                    <a:lstStyle/>
+                    <a:p>
+                      <a:pPr algn="ctr"/>
+                      <a:r>
+                        <a:rPr lang="es-ES" sz="2800" dirty="0" smtClean="0"/>
+                        <a:t>C</a:t>
+                      </a:r>
+                      <a:endParaRPr lang="es-ES" sz="2800" dirty="0"/>
+                    </a:p>
+                  </a:txBody>
+                  <a:tcPr/>
+                </a:tc>
+                <a:tc>
+                  <a:txBody>
+                    <a:bodyPr/>
+                    <a:lstStyle/>
+                    <a:p>
+                      <a:pPr algn="ctr"/>
+                      <a:r>
+                        <a:rPr lang="es-ES" sz="2800" dirty="0" smtClean="0"/>
+                        <a:t>L</a:t>
+                      </a:r>
+                      <a:endParaRPr lang="es-ES" sz="2800" dirty="0"/>
+                    </a:p>
+                  </a:txBody>
+                  <a:tcPr/>
+                </a:tc>
+              </a:tr>
+              <a:tr h="559640">
+                <a:tc>
+                  <a:txBody>
+                    <a:bodyPr/>
+                    <a:lstStyle/>
+                    <a:p>
+                      <a:pPr algn="ctr"/>
+                      <a:r>
+                        <a:rPr lang="es-ES" dirty="0" smtClean="0"/>
+                        <a:t>0W</a:t>
+                      </a:r>
+                      <a:endParaRPr lang="es-ES" dirty="0"/>
+                    </a:p>
+                  </a:txBody>
+                  <a:tcPr/>
+                </a:tc>
+                <a:tc>
+                  <a:txBody>
+                    <a:bodyPr/>
+                    <a:lstStyle/>
+                    <a:p>
+                      <a:pPr algn="ctr"/>
+                      <a:r>
+                        <a:rPr lang="es-ES" dirty="0" smtClean="0"/>
+                        <a:t>1</a:t>
+                      </a:r>
+                      <a:endParaRPr lang="es-ES" dirty="0"/>
+                    </a:p>
+                  </a:txBody>
+                  <a:tcPr/>
+                </a:tc>
+                <a:tc>
+                  <a:txBody>
+                    <a:bodyPr/>
+                    <a:lstStyle/>
+                    <a:p>
+                      <a:pPr algn="ctr"/>
+                      <a:r>
+                        <a:rPr lang="es-ES" dirty="0" smtClean="0"/>
+                        <a:t>2</a:t>
+                      </a:r>
+                      <a:endParaRPr lang="es-ES" dirty="0"/>
+                    </a:p>
+                  </a:txBody>
+                  <a:tcPr/>
+                </a:tc>
+              </a:tr>
+              <a:tr h="482461">
+                <a:tc>
+                  <a:txBody>
+                    <a:bodyPr/>
+                    <a:lstStyle/>
+                    <a:p>
+                      <a:pPr algn="ctr"/>
+                      <a:r>
+                        <a:rPr lang="es-ES" dirty="0" smtClean="0"/>
+                        <a:t>1MW</a:t>
+                      </a:r>
+                      <a:endParaRPr lang="es-ES" dirty="0"/>
+                    </a:p>
+                  </a:txBody>
+                  <a:tcPr/>
+                </a:tc>
+                <a:tc>
+                  <a:txBody>
+                    <a:bodyPr/>
+                    <a:lstStyle/>
+                    <a:p>
+                      <a:pPr algn="ctr"/>
+                      <a:r>
+                        <a:rPr lang="es-ES" dirty="0" smtClean="0"/>
+                        <a:t>3</a:t>
+                      </a:r>
+                      <a:endParaRPr lang="es-ES" dirty="0"/>
+                    </a:p>
+                  </a:txBody>
+                  <a:tcPr/>
+                </a:tc>
+                <a:tc>
+                  <a:txBody>
+                    <a:bodyPr/>
+                    <a:lstStyle/>
+                    <a:p>
+                      <a:pPr algn="ctr"/>
+                      <a:r>
+                        <a:rPr lang="es-ES" dirty="0" smtClean="0"/>
+                        <a:t>4</a:t>
+                      </a:r>
+                      <a:endParaRPr lang="es-ES" dirty="0"/>
+                    </a:p>
+                  </a:txBody>
+                  <a:tcPr/>
+                </a:tc>
+              </a:tr>
+              <a:tr h="507223">
+                <a:tc>
+                  <a:txBody>
+                    <a:bodyPr/>
+                    <a:lstStyle/>
+                    <a:p>
+                      <a:pPr algn="ctr"/>
+                      <a:r>
+                        <a:rPr lang="es-ES" dirty="0" smtClean="0"/>
+                        <a:t>7,5GW</a:t>
+                      </a:r>
+                      <a:endParaRPr lang="es-ES" dirty="0"/>
+                    </a:p>
+                  </a:txBody>
+                  <a:tcPr/>
+                </a:tc>
+                <a:tc>
+                  <a:txBody>
+                    <a:bodyPr/>
+                    <a:lstStyle/>
+                    <a:p>
+                      <a:pPr algn="ctr"/>
+                      <a:r>
+                        <a:rPr lang="es-ES" dirty="0" smtClean="0"/>
+                        <a:t>5</a:t>
+                      </a:r>
+                      <a:endParaRPr lang="es-ES" dirty="0"/>
+                    </a:p>
+                  </a:txBody>
+                  <a:tcPr/>
+                </a:tc>
+                <a:tc>
+                  <a:txBody>
+                    <a:bodyPr/>
+                    <a:lstStyle/>
+                    <a:p>
+                      <a:pPr algn="ctr"/>
+                      <a:r>
+                        <a:rPr lang="es-ES" dirty="0" smtClean="0"/>
+                        <a:t>6</a:t>
+                      </a:r>
+                      <a:endParaRPr lang="es-ES" dirty="0"/>
+                    </a:p>
+                  </a:txBody>
+                  <a:tcPr/>
+                </a:tc>
+              </a:tr>
+            </a:tbl>
+          </a:graphicData>
+        </a:graphic>
+      </p:graphicFrame>
+      <p:sp>
+        <p:nvSpPr>
+          <p:cNvPr id="7" name="CuadroTexto 6"/>
+          <p:cNvSpPr txBox="1"/>
+          <p:nvPr/>
+        </p:nvSpPr>
+        <p:spPr>
+          <a:xfrm>
+            <a:off x="1104901" y="4406900"/>
+            <a:ext cx="7759699" cy="923330"/>
+          </a:xfrm>
+          <a:prstGeom prst="rect">
+            <a:avLst/>
+          </a:prstGeom>
+          <a:noFill/>
+        </p:spPr>
+        <p:txBody>
+          <a:bodyPr wrap="square" rtlCol="0">
+            <a:spAutoFit/>
+          </a:bodyPr>
+          <a:lstStyle/>
+          <a:p>
+            <a:pPr algn="just"/>
+            <a:r>
+              <a:rPr lang="es-ES" dirty="0" smtClean="0"/>
+              <a:t>Ensayo 1: Cumplir el código de red ante diferentes variaciones de tensión</a:t>
+            </a:r>
+          </a:p>
+          <a:p>
+            <a:pPr algn="just"/>
+            <a:r>
+              <a:rPr lang="es-ES" dirty="0" smtClean="0"/>
+              <a:t>Ensayo 2: Comparar los resultados entre no aplicar ningún tipo de compensación, aplicar la del código de red y compensar con la reactancia de la planta</a:t>
+            </a:r>
+            <a:endParaRPr lang="es-ES" dirty="0"/>
+          </a:p>
+        </p:txBody>
+      </p:sp>
     </p:spTree>
     <p:extLst>
       <p:ext uri="{BB962C8B-B14F-4D97-AF65-F5344CB8AC3E}">
@@ -7545,13 +8022,6 @@
               </a:rPr>
               <a:t>Resultados</a:t>
             </a:r>
-            <a:endParaRPr lang="es-ES" b="1" dirty="0">
-              <a:solidFill>
-                <a:schemeClr val="accent1">
-                  <a:lumMod val="50000"/>
-                </a:schemeClr>
-              </a:solidFill>
-            </a:endParaRPr>
           </a:p>
         </p:txBody>
       </p:sp>
@@ -7725,7 +8195,7 @@
           <p:cNvPr id="2" name="Título 1">
             <a:extLst>
               <a:ext uri="{FF2B5EF4-FFF2-40B4-BE49-F238E27FC236}">
-                <a16:creationId xmlns="" xmlns:a16="http://schemas.microsoft.com/office/drawing/2014/main" id="{7CE1135B-07BD-441E-96D7-85BD4835A7ED}"/>
+                <a16:creationId xmlns:a16="http://schemas.microsoft.com/office/drawing/2014/main" xmlns="" id="{7CE1135B-07BD-441E-96D7-85BD4835A7ED}"/>
               </a:ext>
             </a:extLst>
           </p:cNvPr>
@@ -7754,13 +8224,6 @@
               </a:rPr>
               <a:t>Conclusiones del primer ensayo</a:t>
             </a:r>
-            <a:endParaRPr lang="es-ES" b="1" dirty="0">
-              <a:solidFill>
-                <a:schemeClr val="accent1">
-                  <a:lumMod val="50000"/>
-                </a:schemeClr>
-              </a:solidFill>
-            </a:endParaRPr>
           </a:p>
         </p:txBody>
       </p:sp>
@@ -7769,7 +8232,7 @@
           <p:cNvPr id="3" name="Marcador de contenido 2">
             <a:extLst>
               <a:ext uri="{FF2B5EF4-FFF2-40B4-BE49-F238E27FC236}">
-                <a16:creationId xmlns="" xmlns:a16="http://schemas.microsoft.com/office/drawing/2014/main" id="{8494C532-DF3D-48DB-A603-9E1A5F3ADD2D}"/>
+                <a16:creationId xmlns:a16="http://schemas.microsoft.com/office/drawing/2014/main" xmlns="" id="{8494C532-DF3D-48DB-A603-9E1A5F3ADD2D}"/>
               </a:ext>
             </a:extLst>
           </p:cNvPr>
@@ -7977,7 +8440,7 @@
           <p:cNvPr id="2" name="Título 1">
             <a:extLst>
               <a:ext uri="{FF2B5EF4-FFF2-40B4-BE49-F238E27FC236}">
-                <a16:creationId xmlns="" xmlns:a16="http://schemas.microsoft.com/office/drawing/2014/main" id="{7CE1135B-07BD-441E-96D7-85BD4835A7ED}"/>
+                <a16:creationId xmlns:a16="http://schemas.microsoft.com/office/drawing/2014/main" xmlns="" id="{7CE1135B-07BD-441E-96D7-85BD4835A7ED}"/>
               </a:ext>
             </a:extLst>
           </p:cNvPr>
@@ -8006,13 +8469,6 @@
               </a:rPr>
               <a:t>Conclusiones del segundo ensayo</a:t>
             </a:r>
-            <a:endParaRPr lang="es-ES" b="1" dirty="0">
-              <a:solidFill>
-                <a:schemeClr val="accent1">
-                  <a:lumMod val="50000"/>
-                </a:schemeClr>
-              </a:solidFill>
-            </a:endParaRPr>
           </a:p>
         </p:txBody>
       </p:sp>
@@ -8021,7 +8477,7 @@
           <p:cNvPr id="3" name="Marcador de contenido 2">
             <a:extLst>
               <a:ext uri="{FF2B5EF4-FFF2-40B4-BE49-F238E27FC236}">
-                <a16:creationId xmlns="" xmlns:a16="http://schemas.microsoft.com/office/drawing/2014/main" id="{8494C532-DF3D-48DB-A603-9E1A5F3ADD2D}"/>
+                <a16:creationId xmlns:a16="http://schemas.microsoft.com/office/drawing/2014/main" xmlns="" id="{8494C532-DF3D-48DB-A603-9E1A5F3ADD2D}"/>
               </a:ext>
             </a:extLst>
           </p:cNvPr>
@@ -8568,7 +9024,7 @@
           <p:cNvPr id="2" name="Título 1">
             <a:extLst>
               <a:ext uri="{FF2B5EF4-FFF2-40B4-BE49-F238E27FC236}">
-                <a16:creationId xmlns="" xmlns:a16="http://schemas.microsoft.com/office/drawing/2014/main" id="{7CE1135B-07BD-441E-96D7-85BD4835A7ED}"/>
+                <a16:creationId xmlns:a16="http://schemas.microsoft.com/office/drawing/2014/main" xmlns="" id="{7CE1135B-07BD-441E-96D7-85BD4835A7ED}"/>
               </a:ext>
             </a:extLst>
           </p:cNvPr>
@@ -8597,13 +9053,6 @@
               </a:rPr>
               <a:t>Estudios futuros</a:t>
             </a:r>
-            <a:endParaRPr lang="es-ES" b="1" dirty="0">
-              <a:solidFill>
-                <a:schemeClr val="accent1">
-                  <a:lumMod val="50000"/>
-                </a:schemeClr>
-              </a:solidFill>
-            </a:endParaRPr>
           </a:p>
         </p:txBody>
       </p:sp>
@@ -8612,7 +9061,7 @@
           <p:cNvPr id="3" name="Marcador de contenido 2">
             <a:extLst>
               <a:ext uri="{FF2B5EF4-FFF2-40B4-BE49-F238E27FC236}">
-                <a16:creationId xmlns="" xmlns:a16="http://schemas.microsoft.com/office/drawing/2014/main" id="{8494C532-DF3D-48DB-A603-9E1A5F3ADD2D}"/>
+                <a16:creationId xmlns:a16="http://schemas.microsoft.com/office/drawing/2014/main" xmlns="" id="{8494C532-DF3D-48DB-A603-9E1A5F3ADD2D}"/>
               </a:ext>
             </a:extLst>
           </p:cNvPr>
@@ -10526,7 +10975,7 @@
           <p:cNvPr id="2" name="Título 1">
             <a:extLst>
               <a:ext uri="{FF2B5EF4-FFF2-40B4-BE49-F238E27FC236}">
-                <a16:creationId xmlns="" xmlns:a16="http://schemas.microsoft.com/office/drawing/2014/main" id="{E122A83D-3967-4BBC-B0B7-E31CB4FB61D5}"/>
+                <a16:creationId xmlns:a16="http://schemas.microsoft.com/office/drawing/2014/main" xmlns="" id="{E122A83D-3967-4BBC-B0B7-E31CB4FB61D5}"/>
               </a:ext>
             </a:extLst>
           </p:cNvPr>
@@ -10563,7 +11012,7 @@
           <p:cNvPr id="3" name="Marcador de contenido 2">
             <a:extLst>
               <a:ext uri="{FF2B5EF4-FFF2-40B4-BE49-F238E27FC236}">
-                <a16:creationId xmlns="" xmlns:a16="http://schemas.microsoft.com/office/drawing/2014/main" id="{A79EC906-CFDB-4506-8B2F-E22EC5418D18}"/>
+                <a16:creationId xmlns:a16="http://schemas.microsoft.com/office/drawing/2014/main" xmlns="" id="{A79EC906-CFDB-4506-8B2F-E22EC5418D18}"/>
               </a:ext>
             </a:extLst>
           </p:cNvPr>
@@ -11340,7 +11789,7 @@
           <p:cNvPr id="2" name="Título 1">
             <a:extLst>
               <a:ext uri="{FF2B5EF4-FFF2-40B4-BE49-F238E27FC236}">
-                <a16:creationId xmlns="" xmlns:a16="http://schemas.microsoft.com/office/drawing/2014/main" id="{960643AA-8DEE-49EF-848B-2A646FDDAF27}"/>
+                <a16:creationId xmlns:a16="http://schemas.microsoft.com/office/drawing/2014/main" xmlns="" id="{960643AA-8DEE-49EF-848B-2A646FDDAF27}"/>
               </a:ext>
             </a:extLst>
           </p:cNvPr>
@@ -11375,7 +11824,7 @@
           <p:cNvPr id="3" name="Marcador de contenido 2">
             <a:extLst>
               <a:ext uri="{FF2B5EF4-FFF2-40B4-BE49-F238E27FC236}">
-                <a16:creationId xmlns="" xmlns:a16="http://schemas.microsoft.com/office/drawing/2014/main" id="{80A64E0C-CB3C-4B33-9667-CAFFFFAD0B40}"/>
+                <a16:creationId xmlns:a16="http://schemas.microsoft.com/office/drawing/2014/main" xmlns="" id="{80A64E0C-CB3C-4B33-9667-CAFFFFAD0B40}"/>
               </a:ext>
             </a:extLst>
           </p:cNvPr>
@@ -12847,7 +13296,7 @@
   <a:extraClrSchemeLst/>
   <a:extLst>
     <a:ext uri="{05A4C25C-085E-4340-85A3-A5531E510DB2}">
-      <thm15:themeFamily xmlns:thm15="http://schemas.microsoft.com/office/thememl/2012/main" xmlns="" name="Office Theme" id="{62F939B6-93AF-4DB8-9C6B-D6C7DFDC589F}" vid="{4A3C46E8-61CC-4603-A589-7422A47A8E4A}"/>
+      <thm15:themeFamily xmlns:thm15="http://schemas.microsoft.com/office/thememl/2012/main" name="Office Theme" id="{62F939B6-93AF-4DB8-9C6B-D6C7DFDC589F}" vid="{4A3C46E8-61CC-4603-A589-7422A47A8E4A}"/>
     </a:ext>
   </a:extLst>
 </a:theme>

--- a/tfgPP.pptx
+++ b/tfgPP.pptx
@@ -12,19 +12,24 @@
     <p:sldId id="259" r:id="rId6"/>
     <p:sldId id="272" r:id="rId7"/>
     <p:sldId id="260" r:id="rId8"/>
-    <p:sldId id="273" r:id="rId9"/>
-    <p:sldId id="261" r:id="rId10"/>
-    <p:sldId id="274" r:id="rId11"/>
-    <p:sldId id="262" r:id="rId12"/>
-    <p:sldId id="267" r:id="rId13"/>
-    <p:sldId id="268" r:id="rId14"/>
-    <p:sldId id="275" r:id="rId15"/>
-    <p:sldId id="270" r:id="rId16"/>
-    <p:sldId id="276" r:id="rId17"/>
-    <p:sldId id="269" r:id="rId18"/>
-    <p:sldId id="263" r:id="rId19"/>
-    <p:sldId id="264" r:id="rId20"/>
-    <p:sldId id="265" r:id="rId21"/>
+    <p:sldId id="281" r:id="rId9"/>
+    <p:sldId id="273" r:id="rId10"/>
+    <p:sldId id="261" r:id="rId11"/>
+    <p:sldId id="274" r:id="rId12"/>
+    <p:sldId id="262" r:id="rId13"/>
+    <p:sldId id="267" r:id="rId14"/>
+    <p:sldId id="268" r:id="rId15"/>
+    <p:sldId id="275" r:id="rId16"/>
+    <p:sldId id="270" r:id="rId17"/>
+    <p:sldId id="276" r:id="rId18"/>
+    <p:sldId id="269" r:id="rId19"/>
+    <p:sldId id="277" r:id="rId20"/>
+    <p:sldId id="279" r:id="rId21"/>
+    <p:sldId id="280" r:id="rId22"/>
+    <p:sldId id="263" r:id="rId23"/>
+    <p:sldId id="264" r:id="rId24"/>
+    <p:sldId id="265" r:id="rId25"/>
+    <p:sldId id="282" r:id="rId26"/>
   </p:sldIdLst>
   <p:sldSz cx="12192000" cy="6858000"/>
   <p:notesSz cx="6858000" cy="9144000"/>
@@ -279,7 +284,7 @@
           <a:p>
             <a:fld id="{8161FC19-448B-45B3-ABDC-99AC11CB222E}" type="datetimeFigureOut">
               <a:rPr lang="es-ES" smtClean="0"/>
-              <a:t>05/07/2018</a:t>
+              <a:t>07/07/2018</a:t>
             </a:fld>
             <a:endParaRPr lang="es-ES" dirty="0"/>
           </a:p>
@@ -447,7 +452,7 @@
           <a:p>
             <a:fld id="{8161FC19-448B-45B3-ABDC-99AC11CB222E}" type="datetimeFigureOut">
               <a:rPr lang="es-ES" smtClean="0"/>
-              <a:t>05/07/2018</a:t>
+              <a:t>07/07/2018</a:t>
             </a:fld>
             <a:endParaRPr lang="es-ES" dirty="0"/>
           </a:p>
@@ -625,7 +630,7 @@
           <a:p>
             <a:fld id="{8161FC19-448B-45B3-ABDC-99AC11CB222E}" type="datetimeFigureOut">
               <a:rPr lang="es-ES" smtClean="0"/>
-              <a:t>05/07/2018</a:t>
+              <a:t>07/07/2018</a:t>
             </a:fld>
             <a:endParaRPr lang="es-ES" dirty="0"/>
           </a:p>
@@ -793,7 +798,7 @@
           <a:p>
             <a:fld id="{8161FC19-448B-45B3-ABDC-99AC11CB222E}" type="datetimeFigureOut">
               <a:rPr lang="es-ES" smtClean="0"/>
-              <a:t>05/07/2018</a:t>
+              <a:t>07/07/2018</a:t>
             </a:fld>
             <a:endParaRPr lang="es-ES" dirty="0"/>
           </a:p>
@@ -1038,7 +1043,7 @@
           <a:p>
             <a:fld id="{8161FC19-448B-45B3-ABDC-99AC11CB222E}" type="datetimeFigureOut">
               <a:rPr lang="es-ES" smtClean="0"/>
-              <a:t>05/07/2018</a:t>
+              <a:t>07/07/2018</a:t>
             </a:fld>
             <a:endParaRPr lang="es-ES" dirty="0"/>
           </a:p>
@@ -1267,7 +1272,7 @@
           <a:p>
             <a:fld id="{8161FC19-448B-45B3-ABDC-99AC11CB222E}" type="datetimeFigureOut">
               <a:rPr lang="es-ES" smtClean="0"/>
-              <a:t>05/07/2018</a:t>
+              <a:t>07/07/2018</a:t>
             </a:fld>
             <a:endParaRPr lang="es-ES" dirty="0"/>
           </a:p>
@@ -1631,7 +1636,7 @@
           <a:p>
             <a:fld id="{8161FC19-448B-45B3-ABDC-99AC11CB222E}" type="datetimeFigureOut">
               <a:rPr lang="es-ES" smtClean="0"/>
-              <a:t>05/07/2018</a:t>
+              <a:t>07/07/2018</a:t>
             </a:fld>
             <a:endParaRPr lang="es-ES" dirty="0"/>
           </a:p>
@@ -1748,7 +1753,7 @@
           <a:p>
             <a:fld id="{8161FC19-448B-45B3-ABDC-99AC11CB222E}" type="datetimeFigureOut">
               <a:rPr lang="es-ES" smtClean="0"/>
-              <a:t>05/07/2018</a:t>
+              <a:t>07/07/2018</a:t>
             </a:fld>
             <a:endParaRPr lang="es-ES" dirty="0"/>
           </a:p>
@@ -1843,7 +1848,7 @@
           <a:p>
             <a:fld id="{8161FC19-448B-45B3-ABDC-99AC11CB222E}" type="datetimeFigureOut">
               <a:rPr lang="es-ES" smtClean="0"/>
-              <a:t>05/07/2018</a:t>
+              <a:t>07/07/2018</a:t>
             </a:fld>
             <a:endParaRPr lang="es-ES" dirty="0"/>
           </a:p>
@@ -2118,7 +2123,7 @@
           <a:p>
             <a:fld id="{8161FC19-448B-45B3-ABDC-99AC11CB222E}" type="datetimeFigureOut">
               <a:rPr lang="es-ES" smtClean="0"/>
-              <a:t>05/07/2018</a:t>
+              <a:t>07/07/2018</a:t>
             </a:fld>
             <a:endParaRPr lang="es-ES" dirty="0"/>
           </a:p>
@@ -2370,7 +2375,7 @@
           <a:p>
             <a:fld id="{8161FC19-448B-45B3-ABDC-99AC11CB222E}" type="datetimeFigureOut">
               <a:rPr lang="es-ES" smtClean="0"/>
-              <a:t>05/07/2018</a:t>
+              <a:t>07/07/2018</a:t>
             </a:fld>
             <a:endParaRPr lang="es-ES" dirty="0"/>
           </a:p>
@@ -2581,7 +2586,7 @@
           <a:p>
             <a:fld id="{8161FC19-448B-45B3-ABDC-99AC11CB222E}" type="datetimeFigureOut">
               <a:rPr lang="es-ES" smtClean="0"/>
-              <a:t>05/07/2018</a:t>
+              <a:t>07/07/2018</a:t>
             </a:fld>
             <a:endParaRPr lang="es-ES" dirty="0"/>
           </a:p>
@@ -3260,6 +3265,1280 @@
       </p:grpSpPr>
       <p:sp>
         <p:nvSpPr>
+          <p:cNvPr id="2" name="Título 1">
+            <a:extLst>
+              <a:ext uri="{FF2B5EF4-FFF2-40B4-BE49-F238E27FC236}">
+                <a16:creationId xmlns="" xmlns:a16="http://schemas.microsoft.com/office/drawing/2014/main" id="{960643AA-8DEE-49EF-848B-2A646FDDAF27}"/>
+              </a:ext>
+            </a:extLst>
+          </p:cNvPr>
+          <p:cNvSpPr>
+            <a:spLocks noGrp="1"/>
+          </p:cNvSpPr>
+          <p:nvPr>
+            <p:ph type="title"/>
+          </p:nvPr>
+        </p:nvSpPr>
+        <p:spPr/>
+        <p:txBody>
+          <a:bodyPr/>
+          <a:lstStyle/>
+          <a:p>
+            <a:pPr algn="ctr"/>
+            <a:r>
+              <a:rPr lang="es-ES" b="1" dirty="0">
+                <a:solidFill>
+                  <a:schemeClr val="accent1">
+                    <a:lumMod val="50000"/>
+                  </a:schemeClr>
+                </a:solidFill>
+              </a:rPr>
+              <a:t>Modelo de la Planta</a:t>
+            </a:r>
+          </a:p>
+        </p:txBody>
+      </p:sp>
+      <p:sp>
+        <p:nvSpPr>
+          <p:cNvPr id="3" name="Marcador de contenido 2">
+            <a:extLst>
+              <a:ext uri="{FF2B5EF4-FFF2-40B4-BE49-F238E27FC236}">
+                <a16:creationId xmlns="" xmlns:a16="http://schemas.microsoft.com/office/drawing/2014/main" id="{80A64E0C-CB3C-4B33-9667-CAFFFFAD0B40}"/>
+              </a:ext>
+            </a:extLst>
+          </p:cNvPr>
+          <p:cNvSpPr>
+            <a:spLocks noGrp="1"/>
+          </p:cNvSpPr>
+          <p:nvPr>
+            <p:ph idx="1"/>
+          </p:nvPr>
+        </p:nvSpPr>
+        <p:spPr/>
+        <p:txBody>
+          <a:bodyPr/>
+          <a:lstStyle/>
+          <a:p>
+            <a:r>
+              <a:rPr lang="es-ES" dirty="0" smtClean="0"/>
+              <a:t>Modelo del conjunto</a:t>
+            </a:r>
+            <a:endParaRPr lang="es-ES" dirty="0"/>
+          </a:p>
+        </p:txBody>
+      </p:sp>
+      <p:pic>
+        <p:nvPicPr>
+          <p:cNvPr id="4" name="Imagen 3"/>
+          <p:cNvPicPr>
+            <a:picLocks noChangeAspect="1"/>
+          </p:cNvPicPr>
+          <p:nvPr/>
+        </p:nvPicPr>
+        <p:blipFill>
+          <a:blip r:embed="rId2"/>
+          <a:stretch>
+            <a:fillRect/>
+          </a:stretch>
+        </p:blipFill>
+        <p:spPr>
+          <a:xfrm>
+            <a:off x="0" y="3464146"/>
+            <a:ext cx="12209875" cy="3432412"/>
+          </a:xfrm>
+          <a:prstGeom prst="rect">
+            <a:avLst/>
+          </a:prstGeom>
+        </p:spPr>
+      </p:pic>
+      <p:sp>
+        <p:nvSpPr>
+          <p:cNvPr id="5" name="Elipse 4"/>
+          <p:cNvSpPr/>
+          <p:nvPr/>
+        </p:nvSpPr>
+        <p:spPr>
+          <a:xfrm>
+            <a:off x="3166281" y="3848669"/>
+            <a:ext cx="1419367" cy="1364776"/>
+          </a:xfrm>
+          <a:prstGeom prst="ellipse">
+            <a:avLst/>
+          </a:prstGeom>
+          <a:noFill/>
+          <a:ln w="38100">
+            <a:solidFill>
+              <a:srgbClr val="FF0000"/>
+            </a:solidFill>
+          </a:ln>
+        </p:spPr>
+        <p:style>
+          <a:lnRef idx="2">
+            <a:schemeClr val="accent1">
+              <a:shade val="50000"/>
+            </a:schemeClr>
+          </a:lnRef>
+          <a:fillRef idx="1">
+            <a:schemeClr val="accent1"/>
+          </a:fillRef>
+          <a:effectRef idx="0">
+            <a:schemeClr val="accent1"/>
+          </a:effectRef>
+          <a:fontRef idx="minor">
+            <a:schemeClr val="lt1"/>
+          </a:fontRef>
+        </p:style>
+        <p:txBody>
+          <a:bodyPr rtlCol="0" anchor="ctr"/>
+          <a:lstStyle/>
+          <a:p>
+            <a:pPr algn="ctr"/>
+            <a:endParaRPr lang="es-ES" dirty="0"/>
+          </a:p>
+        </p:txBody>
+      </p:sp>
+      <p:sp>
+        <p:nvSpPr>
+          <p:cNvPr id="6" name="Elipse 5"/>
+          <p:cNvSpPr/>
+          <p:nvPr/>
+        </p:nvSpPr>
+        <p:spPr>
+          <a:xfrm>
+            <a:off x="6087062" y="4001294"/>
+            <a:ext cx="1419367" cy="1364776"/>
+          </a:xfrm>
+          <a:prstGeom prst="ellipse">
+            <a:avLst/>
+          </a:prstGeom>
+          <a:noFill/>
+          <a:ln w="38100">
+            <a:solidFill>
+              <a:srgbClr val="FF0000"/>
+            </a:solidFill>
+          </a:ln>
+        </p:spPr>
+        <p:style>
+          <a:lnRef idx="2">
+            <a:schemeClr val="accent1">
+              <a:shade val="50000"/>
+            </a:schemeClr>
+          </a:lnRef>
+          <a:fillRef idx="1">
+            <a:schemeClr val="accent1"/>
+          </a:fillRef>
+          <a:effectRef idx="0">
+            <a:schemeClr val="accent1"/>
+          </a:effectRef>
+          <a:fontRef idx="minor">
+            <a:schemeClr val="lt1"/>
+          </a:fontRef>
+        </p:style>
+        <p:txBody>
+          <a:bodyPr rtlCol="0" anchor="ctr"/>
+          <a:lstStyle/>
+          <a:p>
+            <a:pPr algn="ctr"/>
+            <a:endParaRPr lang="es-ES" dirty="0"/>
+          </a:p>
+        </p:txBody>
+      </p:sp>
+      <p:cxnSp>
+        <p:nvCxnSpPr>
+          <p:cNvPr id="8" name="Conector recto 7"/>
+          <p:cNvCxnSpPr/>
+          <p:nvPr/>
+        </p:nvCxnSpPr>
+        <p:spPr>
+          <a:xfrm flipV="1">
+            <a:off x="4394579" y="3290651"/>
+            <a:ext cx="764275" cy="710643"/>
+          </a:xfrm>
+          <a:prstGeom prst="line">
+            <a:avLst/>
+          </a:prstGeom>
+          <a:ln w="38100">
+            <a:solidFill>
+              <a:srgbClr val="FF0000"/>
+            </a:solidFill>
+          </a:ln>
+        </p:spPr>
+        <p:style>
+          <a:lnRef idx="1">
+            <a:schemeClr val="accent1"/>
+          </a:lnRef>
+          <a:fillRef idx="0">
+            <a:schemeClr val="accent1"/>
+          </a:fillRef>
+          <a:effectRef idx="0">
+            <a:schemeClr val="accent1"/>
+          </a:effectRef>
+          <a:fontRef idx="minor">
+            <a:schemeClr val="tx1"/>
+          </a:fontRef>
+        </p:style>
+      </p:cxnSp>
+      <p:cxnSp>
+        <p:nvCxnSpPr>
+          <p:cNvPr id="9" name="Conector recto 8"/>
+          <p:cNvCxnSpPr/>
+          <p:nvPr/>
+        </p:nvCxnSpPr>
+        <p:spPr>
+          <a:xfrm flipH="1" flipV="1">
+            <a:off x="6014929" y="3290651"/>
+            <a:ext cx="372223" cy="695841"/>
+          </a:xfrm>
+          <a:prstGeom prst="line">
+            <a:avLst/>
+          </a:prstGeom>
+          <a:ln w="38100">
+            <a:solidFill>
+              <a:srgbClr val="FF0000"/>
+            </a:solidFill>
+          </a:ln>
+        </p:spPr>
+        <p:style>
+          <a:lnRef idx="1">
+            <a:schemeClr val="accent1"/>
+          </a:lnRef>
+          <a:fillRef idx="0">
+            <a:schemeClr val="accent1"/>
+          </a:fillRef>
+          <a:effectRef idx="0">
+            <a:schemeClr val="accent1"/>
+          </a:effectRef>
+          <a:fontRef idx="minor">
+            <a:schemeClr val="tx1"/>
+          </a:fontRef>
+        </p:style>
+      </p:cxnSp>
+      <p:sp>
+        <p:nvSpPr>
+          <p:cNvPr id="12" name="CuadroTexto 11"/>
+          <p:cNvSpPr txBox="1"/>
+          <p:nvPr/>
+        </p:nvSpPr>
+        <p:spPr>
+          <a:xfrm>
+            <a:off x="4517496" y="2795265"/>
+            <a:ext cx="2220544" cy="523220"/>
+          </a:xfrm>
+          <a:prstGeom prst="rect">
+            <a:avLst/>
+          </a:prstGeom>
+          <a:noFill/>
+        </p:spPr>
+        <p:txBody>
+          <a:bodyPr wrap="none" rtlCol="0">
+            <a:spAutoFit/>
+          </a:bodyPr>
+          <a:lstStyle/>
+          <a:p>
+            <a:r>
+              <a:rPr lang="es-ES" sz="2800" dirty="0" smtClean="0"/>
+              <a:t>Líneas aéreas </a:t>
+            </a:r>
+            <a:endParaRPr lang="es-ES" sz="2800" dirty="0"/>
+          </a:p>
+        </p:txBody>
+      </p:sp>
+      <p:sp>
+        <p:nvSpPr>
+          <p:cNvPr id="14" name="Elipse 13"/>
+          <p:cNvSpPr/>
+          <p:nvPr/>
+        </p:nvSpPr>
+        <p:spPr>
+          <a:xfrm>
+            <a:off x="4855545" y="3775456"/>
+            <a:ext cx="982959" cy="1665027"/>
+          </a:xfrm>
+          <a:prstGeom prst="ellipse">
+            <a:avLst/>
+          </a:prstGeom>
+          <a:noFill/>
+          <a:ln w="57150">
+            <a:solidFill>
+              <a:schemeClr val="accent1"/>
+            </a:solidFill>
+          </a:ln>
+        </p:spPr>
+        <p:style>
+          <a:lnRef idx="2">
+            <a:schemeClr val="accent1">
+              <a:shade val="50000"/>
+            </a:schemeClr>
+          </a:lnRef>
+          <a:fillRef idx="1">
+            <a:schemeClr val="accent1"/>
+          </a:fillRef>
+          <a:effectRef idx="0">
+            <a:schemeClr val="accent1"/>
+          </a:effectRef>
+          <a:fontRef idx="minor">
+            <a:schemeClr val="lt1"/>
+          </a:fontRef>
+        </p:style>
+        <p:txBody>
+          <a:bodyPr rtlCol="0" anchor="ctr"/>
+          <a:lstStyle/>
+          <a:p>
+            <a:pPr algn="ctr"/>
+            <a:endParaRPr lang="es-ES" dirty="0"/>
+          </a:p>
+        </p:txBody>
+      </p:sp>
+      <p:sp>
+        <p:nvSpPr>
+          <p:cNvPr id="15" name="Elipse 14"/>
+          <p:cNvSpPr/>
+          <p:nvPr/>
+        </p:nvSpPr>
+        <p:spPr>
+          <a:xfrm>
+            <a:off x="7969644" y="3962695"/>
+            <a:ext cx="982959" cy="1665027"/>
+          </a:xfrm>
+          <a:prstGeom prst="ellipse">
+            <a:avLst/>
+          </a:prstGeom>
+          <a:noFill/>
+          <a:ln w="57150">
+            <a:solidFill>
+              <a:schemeClr val="accent1"/>
+            </a:solidFill>
+          </a:ln>
+        </p:spPr>
+        <p:style>
+          <a:lnRef idx="2">
+            <a:schemeClr val="accent1">
+              <a:shade val="50000"/>
+            </a:schemeClr>
+          </a:lnRef>
+          <a:fillRef idx="1">
+            <a:schemeClr val="accent1"/>
+          </a:fillRef>
+          <a:effectRef idx="0">
+            <a:schemeClr val="accent1"/>
+          </a:effectRef>
+          <a:fontRef idx="minor">
+            <a:schemeClr val="lt1"/>
+          </a:fontRef>
+        </p:style>
+        <p:txBody>
+          <a:bodyPr rtlCol="0" anchor="ctr"/>
+          <a:lstStyle/>
+          <a:p>
+            <a:pPr algn="ctr"/>
+            <a:endParaRPr lang="es-ES" dirty="0"/>
+          </a:p>
+        </p:txBody>
+      </p:sp>
+      <p:cxnSp>
+        <p:nvCxnSpPr>
+          <p:cNvPr id="16" name="Conector recto 15"/>
+          <p:cNvCxnSpPr/>
+          <p:nvPr/>
+        </p:nvCxnSpPr>
+        <p:spPr>
+          <a:xfrm flipV="1">
+            <a:off x="7355899" y="5462805"/>
+            <a:ext cx="764275" cy="710643"/>
+          </a:xfrm>
+          <a:prstGeom prst="line">
+            <a:avLst/>
+          </a:prstGeom>
+          <a:ln w="38100">
+            <a:solidFill>
+              <a:schemeClr val="accent1"/>
+            </a:solidFill>
+          </a:ln>
+        </p:spPr>
+        <p:style>
+          <a:lnRef idx="1">
+            <a:schemeClr val="accent1"/>
+          </a:lnRef>
+          <a:fillRef idx="0">
+            <a:schemeClr val="accent1"/>
+          </a:fillRef>
+          <a:effectRef idx="0">
+            <a:schemeClr val="accent1"/>
+          </a:effectRef>
+          <a:fontRef idx="minor">
+            <a:schemeClr val="tx1"/>
+          </a:fontRef>
+        </p:style>
+      </p:cxnSp>
+      <p:cxnSp>
+        <p:nvCxnSpPr>
+          <p:cNvPr id="17" name="Conector recto 16"/>
+          <p:cNvCxnSpPr/>
+          <p:nvPr/>
+        </p:nvCxnSpPr>
+        <p:spPr>
+          <a:xfrm flipH="1" flipV="1">
+            <a:off x="5653984" y="5343258"/>
+            <a:ext cx="733168" cy="765220"/>
+          </a:xfrm>
+          <a:prstGeom prst="line">
+            <a:avLst/>
+          </a:prstGeom>
+          <a:ln w="38100">
+            <a:solidFill>
+              <a:schemeClr val="accent1"/>
+            </a:solidFill>
+          </a:ln>
+        </p:spPr>
+        <p:style>
+          <a:lnRef idx="1">
+            <a:schemeClr val="accent1"/>
+          </a:lnRef>
+          <a:fillRef idx="0">
+            <a:schemeClr val="accent1"/>
+          </a:fillRef>
+          <a:effectRef idx="0">
+            <a:schemeClr val="accent1"/>
+          </a:effectRef>
+          <a:fontRef idx="minor">
+            <a:schemeClr val="tx1"/>
+          </a:fontRef>
+        </p:style>
+      </p:cxnSp>
+      <p:sp>
+        <p:nvSpPr>
+          <p:cNvPr id="21" name="CuadroTexto 20"/>
+          <p:cNvSpPr txBox="1"/>
+          <p:nvPr/>
+        </p:nvSpPr>
+        <p:spPr>
+          <a:xfrm>
+            <a:off x="5749100" y="6057499"/>
+            <a:ext cx="1758879" cy="523220"/>
+          </a:xfrm>
+          <a:prstGeom prst="rect">
+            <a:avLst/>
+          </a:prstGeom>
+          <a:noFill/>
+        </p:spPr>
+        <p:txBody>
+          <a:bodyPr wrap="none" rtlCol="0">
+            <a:spAutoFit/>
+          </a:bodyPr>
+          <a:lstStyle/>
+          <a:p>
+            <a:r>
+              <a:rPr lang="es-ES" sz="2800" dirty="0" smtClean="0"/>
+              <a:t>Medidores</a:t>
+            </a:r>
+            <a:endParaRPr lang="es-ES" sz="2800" dirty="0"/>
+          </a:p>
+        </p:txBody>
+      </p:sp>
+      <p:sp>
+        <p:nvSpPr>
+          <p:cNvPr id="7" name="Elipse 6"/>
+          <p:cNvSpPr/>
+          <p:nvPr/>
+        </p:nvSpPr>
+        <p:spPr>
+          <a:xfrm>
+            <a:off x="0" y="3986492"/>
+            <a:ext cx="2486631" cy="1226953"/>
+          </a:xfrm>
+          <a:prstGeom prst="ellipse">
+            <a:avLst/>
+          </a:prstGeom>
+          <a:noFill/>
+          <a:ln w="38100">
+            <a:solidFill>
+              <a:srgbClr val="00B050"/>
+            </a:solidFill>
+          </a:ln>
+        </p:spPr>
+        <p:style>
+          <a:lnRef idx="2">
+            <a:schemeClr val="accent1">
+              <a:shade val="50000"/>
+            </a:schemeClr>
+          </a:lnRef>
+          <a:fillRef idx="1">
+            <a:schemeClr val="accent1"/>
+          </a:fillRef>
+          <a:effectRef idx="0">
+            <a:schemeClr val="accent1"/>
+          </a:effectRef>
+          <a:fontRef idx="minor">
+            <a:schemeClr val="lt1"/>
+          </a:fontRef>
+        </p:style>
+        <p:txBody>
+          <a:bodyPr rtlCol="0" anchor="ctr"/>
+          <a:lstStyle/>
+          <a:p>
+            <a:pPr algn="ctr"/>
+            <a:endParaRPr lang="es-ES" dirty="0"/>
+          </a:p>
+        </p:txBody>
+      </p:sp>
+      <p:sp>
+        <p:nvSpPr>
+          <p:cNvPr id="18" name="CuadroTexto 17"/>
+          <p:cNvSpPr txBox="1"/>
+          <p:nvPr/>
+        </p:nvSpPr>
+        <p:spPr>
+          <a:xfrm>
+            <a:off x="34520" y="5178873"/>
+            <a:ext cx="2900153" cy="523220"/>
+          </a:xfrm>
+          <a:prstGeom prst="rect">
+            <a:avLst/>
+          </a:prstGeom>
+          <a:noFill/>
+        </p:spPr>
+        <p:txBody>
+          <a:bodyPr wrap="none" rtlCol="0">
+            <a:spAutoFit/>
+          </a:bodyPr>
+          <a:lstStyle/>
+          <a:p>
+            <a:r>
+              <a:rPr lang="es-ES" sz="2800" dirty="0" smtClean="0"/>
+              <a:t>Equivalente de red</a:t>
+            </a:r>
+            <a:endParaRPr lang="es-ES" sz="2800" dirty="0"/>
+          </a:p>
+        </p:txBody>
+      </p:sp>
+      <p:sp>
+        <p:nvSpPr>
+          <p:cNvPr id="10" name="Elipse 9"/>
+          <p:cNvSpPr/>
+          <p:nvPr/>
+        </p:nvSpPr>
+        <p:spPr>
+          <a:xfrm>
+            <a:off x="9974637" y="3464146"/>
+            <a:ext cx="1992907" cy="2886312"/>
+          </a:xfrm>
+          <a:prstGeom prst="ellipse">
+            <a:avLst/>
+          </a:prstGeom>
+          <a:noFill/>
+          <a:ln w="38100">
+            <a:solidFill>
+              <a:srgbClr val="FFC000"/>
+            </a:solidFill>
+          </a:ln>
+        </p:spPr>
+        <p:style>
+          <a:lnRef idx="2">
+            <a:schemeClr val="accent1">
+              <a:shade val="50000"/>
+            </a:schemeClr>
+          </a:lnRef>
+          <a:fillRef idx="1">
+            <a:schemeClr val="accent1"/>
+          </a:fillRef>
+          <a:effectRef idx="0">
+            <a:schemeClr val="accent1"/>
+          </a:effectRef>
+          <a:fontRef idx="minor">
+            <a:schemeClr val="lt1"/>
+          </a:fontRef>
+        </p:style>
+        <p:txBody>
+          <a:bodyPr rtlCol="0" anchor="ctr"/>
+          <a:lstStyle/>
+          <a:p>
+            <a:pPr algn="ctr"/>
+            <a:endParaRPr lang="es-ES" dirty="0"/>
+          </a:p>
+        </p:txBody>
+      </p:sp>
+      <p:sp>
+        <p:nvSpPr>
+          <p:cNvPr id="19" name="CuadroTexto 18"/>
+          <p:cNvSpPr txBox="1"/>
+          <p:nvPr/>
+        </p:nvSpPr>
+        <p:spPr>
+          <a:xfrm>
+            <a:off x="10482844" y="2767431"/>
+            <a:ext cx="1210781" cy="523220"/>
+          </a:xfrm>
+          <a:prstGeom prst="rect">
+            <a:avLst/>
+          </a:prstGeom>
+          <a:noFill/>
+        </p:spPr>
+        <p:txBody>
+          <a:bodyPr wrap="none" rtlCol="0">
+            <a:spAutoFit/>
+          </a:bodyPr>
+          <a:lstStyle/>
+          <a:p>
+            <a:r>
+              <a:rPr lang="es-ES" sz="2800" dirty="0" smtClean="0"/>
+              <a:t>Parque</a:t>
+            </a:r>
+            <a:endParaRPr lang="es-ES" sz="2800" dirty="0"/>
+          </a:p>
+        </p:txBody>
+      </p:sp>
+      <p:pic>
+        <p:nvPicPr>
+          <p:cNvPr id="22" name="Picture 2" descr="Macintosh HD en Idril:Users:barrientos:DATOS:Modelos:Logos:UPM:EscUpmPolit.jpg"/>
+          <p:cNvPicPr/>
+          <p:nvPr/>
+        </p:nvPicPr>
+        <p:blipFill>
+          <a:blip r:embed="rId3">
+            <a:extLst>
+              <a:ext uri="{28A0092B-C50C-407E-A947-70E740481C1C}">
+                <a14:useLocalDpi xmlns:a14="http://schemas.microsoft.com/office/drawing/2010/main" val="0"/>
+              </a:ext>
+            </a:extLst>
+          </a:blip>
+          <a:srcRect/>
+          <a:stretch>
+            <a:fillRect/>
+          </a:stretch>
+        </p:blipFill>
+        <p:spPr bwMode="auto">
+          <a:xfrm>
+            <a:off x="143705" y="131712"/>
+            <a:ext cx="1417125" cy="1181686"/>
+          </a:xfrm>
+          <a:prstGeom prst="rect">
+            <a:avLst/>
+          </a:prstGeom>
+          <a:noFill/>
+          <a:ln>
+            <a:noFill/>
+          </a:ln>
+        </p:spPr>
+      </p:pic>
+      <p:pic>
+        <p:nvPicPr>
+          <p:cNvPr id="24" name="Picture 2" descr="Resultado de imagen de etsidi logo"/>
+          <p:cNvPicPr>
+            <a:picLocks noChangeAspect="1" noChangeArrowheads="1"/>
+          </p:cNvPicPr>
+          <p:nvPr/>
+        </p:nvPicPr>
+        <p:blipFill>
+          <a:blip r:embed="rId4" cstate="print">
+            <a:extLst>
+              <a:ext uri="{28A0092B-C50C-407E-A947-70E740481C1C}">
+                <a14:useLocalDpi xmlns:a14="http://schemas.microsoft.com/office/drawing/2010/main" val="0"/>
+              </a:ext>
+            </a:extLst>
+          </a:blip>
+          <a:srcRect/>
+          <a:stretch>
+            <a:fillRect/>
+          </a:stretch>
+        </p:blipFill>
+        <p:spPr bwMode="auto">
+          <a:xfrm>
+            <a:off x="10269415" y="286460"/>
+            <a:ext cx="1693789" cy="895227"/>
+          </a:xfrm>
+          <a:prstGeom prst="rect">
+            <a:avLst/>
+          </a:prstGeom>
+          <a:noFill/>
+          <a:extLst>
+            <a:ext uri="{909E8E84-426E-40DD-AFC4-6F175D3DCCD1}">
+              <a14:hiddenFill xmlns:a14="http://schemas.microsoft.com/office/drawing/2010/main">
+                <a:solidFill>
+                  <a:srgbClr val="FFFFFF"/>
+                </a:solidFill>
+              </a14:hiddenFill>
+            </a:ext>
+          </a:extLst>
+        </p:spPr>
+      </p:pic>
+      <p:pic>
+        <p:nvPicPr>
+          <p:cNvPr id="25" name="Image 6" descr="image011"/>
+          <p:cNvPicPr>
+            <a:picLocks noChangeAspect="1" noChangeArrowheads="1"/>
+          </p:cNvPicPr>
+          <p:nvPr/>
+        </p:nvPicPr>
+        <p:blipFill>
+          <a:blip r:embed="rId5">
+            <a:extLst>
+              <a:ext uri="{28A0092B-C50C-407E-A947-70E740481C1C}">
+                <a14:useLocalDpi xmlns:a14="http://schemas.microsoft.com/office/drawing/2010/main" val="0"/>
+              </a:ext>
+            </a:extLst>
+          </a:blip>
+          <a:srcRect/>
+          <a:stretch>
+            <a:fillRect/>
+          </a:stretch>
+        </p:blipFill>
+        <p:spPr bwMode="auto">
+          <a:xfrm>
+            <a:off x="184612" y="6115771"/>
+            <a:ext cx="2117405" cy="452437"/>
+          </a:xfrm>
+          <a:prstGeom prst="rect">
+            <a:avLst/>
+          </a:prstGeom>
+          <a:noFill/>
+          <a:ln>
+            <a:noFill/>
+          </a:ln>
+          <a:extLst>
+            <a:ext uri="{909E8E84-426E-40DD-AFC4-6F175D3DCCD1}">
+              <a14:hiddenFill xmlns:a14="http://schemas.microsoft.com/office/drawing/2010/main">
+                <a:solidFill>
+                  <a:srgbClr val="FFFFFF"/>
+                </a:solidFill>
+              </a14:hiddenFill>
+            </a:ext>
+            <a:ext uri="{91240B29-F687-4F45-9708-019B960494DF}">
+              <a14:hiddenLine xmlns:a14="http://schemas.microsoft.com/office/drawing/2010/main" w="9525">
+                <a:solidFill>
+                  <a:srgbClr val="000000"/>
+                </a:solidFill>
+                <a:miter lim="800000"/>
+                <a:headEnd/>
+                <a:tailEnd/>
+              </a14:hiddenLine>
+            </a:ext>
+          </a:extLst>
+        </p:spPr>
+      </p:pic>
+    </p:spTree>
+    <p:extLst>
+      <p:ext uri="{BB962C8B-B14F-4D97-AF65-F5344CB8AC3E}">
+        <p14:creationId xmlns:p14="http://schemas.microsoft.com/office/powerpoint/2010/main" val="2865274582"/>
+      </p:ext>
+    </p:extLst>
+  </p:cSld>
+  <p:clrMapOvr>
+    <a:masterClrMapping/>
+  </p:clrMapOvr>
+  <p:timing>
+    <p:tnLst>
+      <p:par>
+        <p:cTn id="1" dur="indefinite" restart="never" nodeType="tmRoot">
+          <p:childTnLst>
+            <p:seq concurrent="1" nextAc="seek">
+              <p:cTn id="2" dur="indefinite" nodeType="mainSeq">
+                <p:childTnLst>
+                  <p:par>
+                    <p:cTn id="3" fill="hold">
+                      <p:stCondLst>
+                        <p:cond delay="indefinite"/>
+                      </p:stCondLst>
+                      <p:childTnLst>
+                        <p:par>
+                          <p:cTn id="4" fill="hold">
+                            <p:stCondLst>
+                              <p:cond delay="0"/>
+                            </p:stCondLst>
+                            <p:childTnLst>
+                              <p:par>
+                                <p:cTn id="5" presetID="1" presetClass="entr" presetSubtype="0" fill="hold" grpId="0" nodeType="clickEffect">
+                                  <p:stCondLst>
+                                    <p:cond delay="0"/>
+                                  </p:stCondLst>
+                                  <p:childTnLst>
+                                    <p:set>
+                                      <p:cBhvr>
+                                        <p:cTn id="6" dur="1" fill="hold">
+                                          <p:stCondLst>
+                                            <p:cond delay="0"/>
+                                          </p:stCondLst>
+                                        </p:cTn>
+                                        <p:tgtEl>
+                                          <p:spTgt spid="5"/>
+                                        </p:tgtEl>
+                                        <p:attrNameLst>
+                                          <p:attrName>style.visibility</p:attrName>
+                                        </p:attrNameLst>
+                                      </p:cBhvr>
+                                      <p:to>
+                                        <p:strVal val="visible"/>
+                                      </p:to>
+                                    </p:set>
+                                  </p:childTnLst>
+                                </p:cTn>
+                              </p:par>
+                              <p:par>
+                                <p:cTn id="7" presetID="1" presetClass="entr" presetSubtype="0" fill="hold" nodeType="withEffect">
+                                  <p:stCondLst>
+                                    <p:cond delay="0"/>
+                                  </p:stCondLst>
+                                  <p:childTnLst>
+                                    <p:set>
+                                      <p:cBhvr>
+                                        <p:cTn id="8" dur="1" fill="hold">
+                                          <p:stCondLst>
+                                            <p:cond delay="0"/>
+                                          </p:stCondLst>
+                                        </p:cTn>
+                                        <p:tgtEl>
+                                          <p:spTgt spid="8"/>
+                                        </p:tgtEl>
+                                        <p:attrNameLst>
+                                          <p:attrName>style.visibility</p:attrName>
+                                        </p:attrNameLst>
+                                      </p:cBhvr>
+                                      <p:to>
+                                        <p:strVal val="visible"/>
+                                      </p:to>
+                                    </p:set>
+                                  </p:childTnLst>
+                                </p:cTn>
+                              </p:par>
+                              <p:par>
+                                <p:cTn id="9" presetID="1" presetClass="entr" presetSubtype="0" fill="hold" nodeType="withEffect">
+                                  <p:stCondLst>
+                                    <p:cond delay="0"/>
+                                  </p:stCondLst>
+                                  <p:childTnLst>
+                                    <p:set>
+                                      <p:cBhvr>
+                                        <p:cTn id="10" dur="1" fill="hold">
+                                          <p:stCondLst>
+                                            <p:cond delay="0"/>
+                                          </p:stCondLst>
+                                        </p:cTn>
+                                        <p:tgtEl>
+                                          <p:spTgt spid="9"/>
+                                        </p:tgtEl>
+                                        <p:attrNameLst>
+                                          <p:attrName>style.visibility</p:attrName>
+                                        </p:attrNameLst>
+                                      </p:cBhvr>
+                                      <p:to>
+                                        <p:strVal val="visible"/>
+                                      </p:to>
+                                    </p:set>
+                                  </p:childTnLst>
+                                </p:cTn>
+                              </p:par>
+                              <p:par>
+                                <p:cTn id="11" presetID="1" presetClass="entr" presetSubtype="0" fill="hold" grpId="0" nodeType="withEffect">
+                                  <p:stCondLst>
+                                    <p:cond delay="0"/>
+                                  </p:stCondLst>
+                                  <p:childTnLst>
+                                    <p:set>
+                                      <p:cBhvr>
+                                        <p:cTn id="12" dur="1" fill="hold">
+                                          <p:stCondLst>
+                                            <p:cond delay="0"/>
+                                          </p:stCondLst>
+                                        </p:cTn>
+                                        <p:tgtEl>
+                                          <p:spTgt spid="12"/>
+                                        </p:tgtEl>
+                                        <p:attrNameLst>
+                                          <p:attrName>style.visibility</p:attrName>
+                                        </p:attrNameLst>
+                                      </p:cBhvr>
+                                      <p:to>
+                                        <p:strVal val="visible"/>
+                                      </p:to>
+                                    </p:set>
+                                  </p:childTnLst>
+                                </p:cTn>
+                              </p:par>
+                              <p:par>
+                                <p:cTn id="13" presetID="1" presetClass="entr" presetSubtype="0" fill="hold" grpId="0" nodeType="withEffect">
+                                  <p:stCondLst>
+                                    <p:cond delay="0"/>
+                                  </p:stCondLst>
+                                  <p:childTnLst>
+                                    <p:set>
+                                      <p:cBhvr>
+                                        <p:cTn id="14" dur="1" fill="hold">
+                                          <p:stCondLst>
+                                            <p:cond delay="0"/>
+                                          </p:stCondLst>
+                                        </p:cTn>
+                                        <p:tgtEl>
+                                          <p:spTgt spid="6"/>
+                                        </p:tgtEl>
+                                        <p:attrNameLst>
+                                          <p:attrName>style.visibility</p:attrName>
+                                        </p:attrNameLst>
+                                      </p:cBhvr>
+                                      <p:to>
+                                        <p:strVal val="visible"/>
+                                      </p:to>
+                                    </p:set>
+                                  </p:childTnLst>
+                                </p:cTn>
+                              </p:par>
+                            </p:childTnLst>
+                          </p:cTn>
+                        </p:par>
+                      </p:childTnLst>
+                    </p:cTn>
+                  </p:par>
+                  <p:par>
+                    <p:cTn id="15" fill="hold">
+                      <p:stCondLst>
+                        <p:cond delay="indefinite"/>
+                      </p:stCondLst>
+                      <p:childTnLst>
+                        <p:par>
+                          <p:cTn id="16" fill="hold">
+                            <p:stCondLst>
+                              <p:cond delay="0"/>
+                            </p:stCondLst>
+                            <p:childTnLst>
+                              <p:par>
+                                <p:cTn id="17" presetID="1" presetClass="entr" presetSubtype="0" fill="hold" grpId="0" nodeType="clickEffect">
+                                  <p:stCondLst>
+                                    <p:cond delay="0"/>
+                                  </p:stCondLst>
+                                  <p:childTnLst>
+                                    <p:set>
+                                      <p:cBhvr>
+                                        <p:cTn id="18" dur="1" fill="hold">
+                                          <p:stCondLst>
+                                            <p:cond delay="0"/>
+                                          </p:stCondLst>
+                                        </p:cTn>
+                                        <p:tgtEl>
+                                          <p:spTgt spid="14"/>
+                                        </p:tgtEl>
+                                        <p:attrNameLst>
+                                          <p:attrName>style.visibility</p:attrName>
+                                        </p:attrNameLst>
+                                      </p:cBhvr>
+                                      <p:to>
+                                        <p:strVal val="visible"/>
+                                      </p:to>
+                                    </p:set>
+                                  </p:childTnLst>
+                                </p:cTn>
+                              </p:par>
+                              <p:par>
+                                <p:cTn id="19" presetID="1" presetClass="entr" presetSubtype="0" fill="hold" grpId="0" nodeType="withEffect">
+                                  <p:stCondLst>
+                                    <p:cond delay="0"/>
+                                  </p:stCondLst>
+                                  <p:childTnLst>
+                                    <p:set>
+                                      <p:cBhvr>
+                                        <p:cTn id="20" dur="1" fill="hold">
+                                          <p:stCondLst>
+                                            <p:cond delay="0"/>
+                                          </p:stCondLst>
+                                        </p:cTn>
+                                        <p:tgtEl>
+                                          <p:spTgt spid="15"/>
+                                        </p:tgtEl>
+                                        <p:attrNameLst>
+                                          <p:attrName>style.visibility</p:attrName>
+                                        </p:attrNameLst>
+                                      </p:cBhvr>
+                                      <p:to>
+                                        <p:strVal val="visible"/>
+                                      </p:to>
+                                    </p:set>
+                                  </p:childTnLst>
+                                </p:cTn>
+                              </p:par>
+                              <p:par>
+                                <p:cTn id="21" presetID="1" presetClass="entr" presetSubtype="0" fill="hold" nodeType="withEffect">
+                                  <p:stCondLst>
+                                    <p:cond delay="0"/>
+                                  </p:stCondLst>
+                                  <p:childTnLst>
+                                    <p:set>
+                                      <p:cBhvr>
+                                        <p:cTn id="22" dur="1" fill="hold">
+                                          <p:stCondLst>
+                                            <p:cond delay="0"/>
+                                          </p:stCondLst>
+                                        </p:cTn>
+                                        <p:tgtEl>
+                                          <p:spTgt spid="16"/>
+                                        </p:tgtEl>
+                                        <p:attrNameLst>
+                                          <p:attrName>style.visibility</p:attrName>
+                                        </p:attrNameLst>
+                                      </p:cBhvr>
+                                      <p:to>
+                                        <p:strVal val="visible"/>
+                                      </p:to>
+                                    </p:set>
+                                  </p:childTnLst>
+                                </p:cTn>
+                              </p:par>
+                              <p:par>
+                                <p:cTn id="23" presetID="1" presetClass="entr" presetSubtype="0" fill="hold" nodeType="withEffect">
+                                  <p:stCondLst>
+                                    <p:cond delay="0"/>
+                                  </p:stCondLst>
+                                  <p:childTnLst>
+                                    <p:set>
+                                      <p:cBhvr>
+                                        <p:cTn id="24" dur="1" fill="hold">
+                                          <p:stCondLst>
+                                            <p:cond delay="0"/>
+                                          </p:stCondLst>
+                                        </p:cTn>
+                                        <p:tgtEl>
+                                          <p:spTgt spid="17"/>
+                                        </p:tgtEl>
+                                        <p:attrNameLst>
+                                          <p:attrName>style.visibility</p:attrName>
+                                        </p:attrNameLst>
+                                      </p:cBhvr>
+                                      <p:to>
+                                        <p:strVal val="visible"/>
+                                      </p:to>
+                                    </p:set>
+                                  </p:childTnLst>
+                                </p:cTn>
+                              </p:par>
+                              <p:par>
+                                <p:cTn id="25" presetID="1" presetClass="entr" presetSubtype="0" fill="hold" grpId="0" nodeType="withEffect">
+                                  <p:stCondLst>
+                                    <p:cond delay="0"/>
+                                  </p:stCondLst>
+                                  <p:childTnLst>
+                                    <p:set>
+                                      <p:cBhvr>
+                                        <p:cTn id="26" dur="1" fill="hold">
+                                          <p:stCondLst>
+                                            <p:cond delay="0"/>
+                                          </p:stCondLst>
+                                        </p:cTn>
+                                        <p:tgtEl>
+                                          <p:spTgt spid="21"/>
+                                        </p:tgtEl>
+                                        <p:attrNameLst>
+                                          <p:attrName>style.visibility</p:attrName>
+                                        </p:attrNameLst>
+                                      </p:cBhvr>
+                                      <p:to>
+                                        <p:strVal val="visible"/>
+                                      </p:to>
+                                    </p:set>
+                                  </p:childTnLst>
+                                </p:cTn>
+                              </p:par>
+                            </p:childTnLst>
+                          </p:cTn>
+                        </p:par>
+                      </p:childTnLst>
+                    </p:cTn>
+                  </p:par>
+                  <p:par>
+                    <p:cTn id="27" fill="hold">
+                      <p:stCondLst>
+                        <p:cond delay="indefinite"/>
+                      </p:stCondLst>
+                      <p:childTnLst>
+                        <p:par>
+                          <p:cTn id="28" fill="hold">
+                            <p:stCondLst>
+                              <p:cond delay="0"/>
+                            </p:stCondLst>
+                            <p:childTnLst>
+                              <p:par>
+                                <p:cTn id="29" presetID="1" presetClass="entr" presetSubtype="0" fill="hold" grpId="0" nodeType="clickEffect">
+                                  <p:stCondLst>
+                                    <p:cond delay="0"/>
+                                  </p:stCondLst>
+                                  <p:childTnLst>
+                                    <p:set>
+                                      <p:cBhvr>
+                                        <p:cTn id="30" dur="1" fill="hold">
+                                          <p:stCondLst>
+                                            <p:cond delay="0"/>
+                                          </p:stCondLst>
+                                        </p:cTn>
+                                        <p:tgtEl>
+                                          <p:spTgt spid="7"/>
+                                        </p:tgtEl>
+                                        <p:attrNameLst>
+                                          <p:attrName>style.visibility</p:attrName>
+                                        </p:attrNameLst>
+                                      </p:cBhvr>
+                                      <p:to>
+                                        <p:strVal val="visible"/>
+                                      </p:to>
+                                    </p:set>
+                                  </p:childTnLst>
+                                </p:cTn>
+                              </p:par>
+                              <p:par>
+                                <p:cTn id="31" presetID="1" presetClass="entr" presetSubtype="0" fill="hold" grpId="0" nodeType="withEffect">
+                                  <p:stCondLst>
+                                    <p:cond delay="0"/>
+                                  </p:stCondLst>
+                                  <p:childTnLst>
+                                    <p:set>
+                                      <p:cBhvr>
+                                        <p:cTn id="32" dur="1" fill="hold">
+                                          <p:stCondLst>
+                                            <p:cond delay="0"/>
+                                          </p:stCondLst>
+                                        </p:cTn>
+                                        <p:tgtEl>
+                                          <p:spTgt spid="18"/>
+                                        </p:tgtEl>
+                                        <p:attrNameLst>
+                                          <p:attrName>style.visibility</p:attrName>
+                                        </p:attrNameLst>
+                                      </p:cBhvr>
+                                      <p:to>
+                                        <p:strVal val="visible"/>
+                                      </p:to>
+                                    </p:set>
+                                  </p:childTnLst>
+                                </p:cTn>
+                              </p:par>
+                            </p:childTnLst>
+                          </p:cTn>
+                        </p:par>
+                      </p:childTnLst>
+                    </p:cTn>
+                  </p:par>
+                  <p:par>
+                    <p:cTn id="33" fill="hold">
+                      <p:stCondLst>
+                        <p:cond delay="indefinite"/>
+                      </p:stCondLst>
+                      <p:childTnLst>
+                        <p:par>
+                          <p:cTn id="34" fill="hold">
+                            <p:stCondLst>
+                              <p:cond delay="0"/>
+                            </p:stCondLst>
+                            <p:childTnLst>
+                              <p:par>
+                                <p:cTn id="35" presetID="1" presetClass="entr" presetSubtype="0" fill="hold" grpId="0" nodeType="clickEffect">
+                                  <p:stCondLst>
+                                    <p:cond delay="0"/>
+                                  </p:stCondLst>
+                                  <p:childTnLst>
+                                    <p:set>
+                                      <p:cBhvr>
+                                        <p:cTn id="36" dur="1" fill="hold">
+                                          <p:stCondLst>
+                                            <p:cond delay="0"/>
+                                          </p:stCondLst>
+                                        </p:cTn>
+                                        <p:tgtEl>
+                                          <p:spTgt spid="10"/>
+                                        </p:tgtEl>
+                                        <p:attrNameLst>
+                                          <p:attrName>style.visibility</p:attrName>
+                                        </p:attrNameLst>
+                                      </p:cBhvr>
+                                      <p:to>
+                                        <p:strVal val="visible"/>
+                                      </p:to>
+                                    </p:set>
+                                  </p:childTnLst>
+                                </p:cTn>
+                              </p:par>
+                              <p:par>
+                                <p:cTn id="37" presetID="1" presetClass="entr" presetSubtype="0" fill="hold" grpId="0" nodeType="withEffect">
+                                  <p:stCondLst>
+                                    <p:cond delay="0"/>
+                                  </p:stCondLst>
+                                  <p:childTnLst>
+                                    <p:set>
+                                      <p:cBhvr>
+                                        <p:cTn id="38" dur="1" fill="hold">
+                                          <p:stCondLst>
+                                            <p:cond delay="0"/>
+                                          </p:stCondLst>
+                                        </p:cTn>
+                                        <p:tgtEl>
+                                          <p:spTgt spid="19"/>
+                                        </p:tgtEl>
+                                        <p:attrNameLst>
+                                          <p:attrName>style.visibility</p:attrName>
+                                        </p:attrNameLst>
+                                      </p:cBhvr>
+                                      <p:to>
+                                        <p:strVal val="visible"/>
+                                      </p:to>
+                                    </p:set>
+                                  </p:childTnLst>
+                                </p:cTn>
+                              </p:par>
+                            </p:childTnLst>
+                          </p:cTn>
+                        </p:par>
+                      </p:childTnLst>
+                    </p:cTn>
+                  </p:par>
+                </p:childTnLst>
+              </p:cTn>
+              <p:prevCondLst>
+                <p:cond evt="onPrev" delay="0">
+                  <p:tgtEl>
+                    <p:sldTgt/>
+                  </p:tgtEl>
+                </p:cond>
+              </p:prevCondLst>
+              <p:nextCondLst>
+                <p:cond evt="onNext" delay="0">
+                  <p:tgtEl>
+                    <p:sldTgt/>
+                  </p:tgtEl>
+                </p:cond>
+              </p:nextCondLst>
+            </p:seq>
+          </p:childTnLst>
+        </p:cTn>
+      </p:par>
+    </p:tnLst>
+    <p:bldLst>
+      <p:bldP spid="5" grpId="0" animBg="1"/>
+      <p:bldP spid="6" grpId="0" animBg="1"/>
+      <p:bldP spid="12" grpId="0"/>
+      <p:bldP spid="14" grpId="0" animBg="1"/>
+      <p:bldP spid="15" grpId="0" animBg="1"/>
+      <p:bldP spid="21" grpId="0"/>
+      <p:bldP spid="7" grpId="0" animBg="1"/>
+      <p:bldP spid="18" grpId="0"/>
+      <p:bldP spid="10" grpId="0" animBg="1"/>
+      <p:bldP spid="19" grpId="0"/>
+    </p:bldLst>
+  </p:timing>
+</p:sld>
+</file>
+
+<file path=ppt/slides/slide11.xml><?xml version="1.0" encoding="utf-8"?>
+<p:sld xmlns:a="http://schemas.openxmlformats.org/drawingml/2006/main" xmlns:r="http://schemas.openxmlformats.org/officeDocument/2006/relationships" xmlns:p="http://schemas.openxmlformats.org/presentationml/2006/main">
+  <p:cSld>
+    <p:spTree>
+      <p:nvGrpSpPr>
+        <p:cNvPr id="1" name=""/>
+        <p:cNvGrpSpPr/>
+        <p:nvPr/>
+      </p:nvGrpSpPr>
+      <p:grpSpPr>
+        <a:xfrm>
+          <a:off x="0" y="0"/>
+          <a:ext cx="0" cy="0"/>
+          <a:chOff x="0" y="0"/>
+          <a:chExt cx="0" cy="0"/>
+        </a:xfrm>
+      </p:grpSpPr>
+      <p:sp>
+        <p:nvSpPr>
           <p:cNvPr id="2" name="Título 1"/>
           <p:cNvSpPr>
             <a:spLocks noGrp="1"/>
@@ -3407,11 +4686,19 @@
               <a:buAutoNum type="romanUcPeriod"/>
             </a:pPr>
             <a:r>
-              <a:rPr lang="es-ES" dirty="0"/>
+              <a:rPr lang="es-ES" dirty="0">
+                <a:solidFill>
+                  <a:srgbClr val="002060"/>
+                </a:solidFill>
+              </a:rPr>
               <a:t>Algoritmo de </a:t>
             </a:r>
             <a:r>
-              <a:rPr lang="es-ES" dirty="0" smtClean="0"/>
+              <a:rPr lang="es-ES" dirty="0" smtClean="0">
+                <a:solidFill>
+                  <a:srgbClr val="002060"/>
+                </a:solidFill>
+              </a:rPr>
               <a:t>control</a:t>
             </a:r>
           </a:p>
@@ -3624,7 +4911,7 @@
 </p:sld>
 </file>
 
-<file path=ppt/slides/slide11.xml><?xml version="1.0" encoding="utf-8"?>
+<file path=ppt/slides/slide12.xml><?xml version="1.0" encoding="utf-8"?>
 <p:sld xmlns:a="http://schemas.openxmlformats.org/drawingml/2006/main" xmlns:r="http://schemas.openxmlformats.org/officeDocument/2006/relationships" xmlns:p="http://schemas.openxmlformats.org/presentationml/2006/main">
   <p:cSld>
     <p:bg>
@@ -3651,7 +4938,7 @@
           <p:cNvPr id="2" name="Título 1">
             <a:extLst>
               <a:ext uri="{FF2B5EF4-FFF2-40B4-BE49-F238E27FC236}">
-                <a16:creationId xmlns:a16="http://schemas.microsoft.com/office/drawing/2014/main" xmlns="" id="{FEE365C5-F51C-45E4-AE98-9D2F02614E37}"/>
+                <a16:creationId xmlns="" xmlns:a16="http://schemas.microsoft.com/office/drawing/2014/main" id="{FEE365C5-F51C-45E4-AE98-9D2F02614E37}"/>
               </a:ext>
             </a:extLst>
           </p:cNvPr>
@@ -3688,7 +4975,7 @@
           <p:cNvPr id="3" name="Marcador de contenido 2">
             <a:extLst>
               <a:ext uri="{FF2B5EF4-FFF2-40B4-BE49-F238E27FC236}">
-                <a16:creationId xmlns:a16="http://schemas.microsoft.com/office/drawing/2014/main" xmlns="" id="{E2B73A5A-6803-4FB4-BBEF-89D34306EC50}"/>
+                <a16:creationId xmlns="" xmlns:a16="http://schemas.microsoft.com/office/drawing/2014/main" id="{E2B73A5A-6803-4FB4-BBEF-89D34306EC50}"/>
               </a:ext>
             </a:extLst>
           </p:cNvPr>
@@ -5331,7 +6618,7 @@
 </p:sld>
 </file>
 
-<file path=ppt/slides/slide12.xml><?xml version="1.0" encoding="utf-8"?>
+<file path=ppt/slides/slide13.xml><?xml version="1.0" encoding="utf-8"?>
 <p:sld xmlns:a="http://schemas.openxmlformats.org/drawingml/2006/main" xmlns:r="http://schemas.openxmlformats.org/officeDocument/2006/relationships" xmlns:p="http://schemas.openxmlformats.org/presentationml/2006/main">
   <p:cSld>
     <p:spTree>
@@ -6261,7 +7548,7 @@
 </p:sld>
 </file>
 
-<file path=ppt/slides/slide13.xml><?xml version="1.0" encoding="utf-8"?>
+<file path=ppt/slides/slide14.xml><?xml version="1.0" encoding="utf-8"?>
 <p:sld xmlns:a="http://schemas.openxmlformats.org/drawingml/2006/main" xmlns:r="http://schemas.openxmlformats.org/officeDocument/2006/relationships" xmlns:p="http://schemas.openxmlformats.org/presentationml/2006/main">
   <p:cSld>
     <p:spTree>
@@ -6757,7 +8044,7 @@
 </p:sld>
 </file>
 
-<file path=ppt/slides/slide14.xml><?xml version="1.0" encoding="utf-8"?>
+<file path=ppt/slides/slide15.xml><?xml version="1.0" encoding="utf-8"?>
 <p:sld xmlns:a="http://schemas.openxmlformats.org/drawingml/2006/main" xmlns:r="http://schemas.openxmlformats.org/officeDocument/2006/relationships" xmlns:p="http://schemas.openxmlformats.org/presentationml/2006/main">
   <p:cSld>
     <p:spTree>
@@ -6952,10 +8239,18 @@
               <a:buAutoNum type="romanUcPeriod"/>
             </a:pPr>
             <a:r>
-              <a:rPr lang="es-ES" dirty="0" smtClean="0"/>
+              <a:rPr lang="es-ES" dirty="0" smtClean="0">
+                <a:solidFill>
+                  <a:srgbClr val="002060"/>
+                </a:solidFill>
+              </a:rPr>
               <a:t>Casos de estudio</a:t>
             </a:r>
-            <a:endParaRPr lang="es-ES" dirty="0"/>
+            <a:endParaRPr lang="es-ES" dirty="0">
+              <a:solidFill>
+                <a:srgbClr val="002060"/>
+              </a:solidFill>
+            </a:endParaRPr>
           </a:p>
           <a:p>
             <a:pPr marL="571500" indent="-571500">
@@ -7140,7 +8435,7 @@
 </p:sld>
 </file>
 
-<file path=ppt/slides/slide15.xml><?xml version="1.0" encoding="utf-8"?>
+<file path=ppt/slides/slide16.xml><?xml version="1.0" encoding="utf-8"?>
 <p:sld xmlns:a="http://schemas.openxmlformats.org/drawingml/2006/main" xmlns:r="http://schemas.openxmlformats.org/officeDocument/2006/relationships" xmlns:p="http://schemas.openxmlformats.org/presentationml/2006/main">
   <p:cSld>
     <p:spTree>
@@ -7587,14 +8882,138 @@
   <p:timing>
     <p:tnLst>
       <p:par>
-        <p:cTn id="1" dur="indefinite" restart="never" nodeType="tmRoot"/>
+        <p:cTn id="1" dur="indefinite" restart="never" nodeType="tmRoot">
+          <p:childTnLst>
+            <p:seq concurrent="1" nextAc="seek">
+              <p:cTn id="2" dur="indefinite" nodeType="mainSeq">
+                <p:childTnLst>
+                  <p:par>
+                    <p:cTn id="3" fill="hold">
+                      <p:stCondLst>
+                        <p:cond delay="indefinite"/>
+                      </p:stCondLst>
+                      <p:childTnLst>
+                        <p:par>
+                          <p:cTn id="4" fill="hold">
+                            <p:stCondLst>
+                              <p:cond delay="0"/>
+                            </p:stCondLst>
+                            <p:childTnLst>
+                              <p:par>
+                                <p:cTn id="5" presetID="1" presetClass="entr" presetSubtype="0" fill="hold" grpId="0" nodeType="clickEffect">
+                                  <p:stCondLst>
+                                    <p:cond delay="0"/>
+                                  </p:stCondLst>
+                                  <p:childTnLst>
+                                    <p:set>
+                                      <p:cBhvr>
+                                        <p:cTn id="6" dur="1" fill="hold">
+                                          <p:stCondLst>
+                                            <p:cond delay="0"/>
+                                          </p:stCondLst>
+                                        </p:cTn>
+                                        <p:tgtEl>
+                                          <p:spTgt spid="7">
+                                            <p:txEl>
+                                              <p:pRg st="0" end="0"/>
+                                            </p:txEl>
+                                          </p:spTgt>
+                                        </p:tgtEl>
+                                        <p:attrNameLst>
+                                          <p:attrName>style.visibility</p:attrName>
+                                        </p:attrNameLst>
+                                      </p:cBhvr>
+                                      <p:to>
+                                        <p:strVal val="visible"/>
+                                      </p:to>
+                                    </p:set>
+                                  </p:childTnLst>
+                                </p:cTn>
+                              </p:par>
+                            </p:childTnLst>
+                          </p:cTn>
+                        </p:par>
+                      </p:childTnLst>
+                    </p:cTn>
+                  </p:par>
+                  <p:par>
+                    <p:cTn id="7" fill="hold">
+                      <p:stCondLst>
+                        <p:cond delay="indefinite"/>
+                      </p:stCondLst>
+                      <p:childTnLst>
+                        <p:par>
+                          <p:cTn id="8" fill="hold">
+                            <p:stCondLst>
+                              <p:cond delay="0"/>
+                            </p:stCondLst>
+                            <p:childTnLst>
+                              <p:par>
+                                <p:cTn id="9" presetID="1" presetClass="entr" presetSubtype="0" fill="hold" grpId="0" nodeType="clickEffect">
+                                  <p:stCondLst>
+                                    <p:cond delay="0"/>
+                                  </p:stCondLst>
+                                  <p:childTnLst>
+                                    <p:set>
+                                      <p:cBhvr>
+                                        <p:cTn id="10" dur="1" fill="hold">
+                                          <p:stCondLst>
+                                            <p:cond delay="0"/>
+                                          </p:stCondLst>
+                                        </p:cTn>
+                                        <p:tgtEl>
+                                          <p:spTgt spid="7">
+                                            <p:txEl>
+                                              <p:pRg st="1" end="1"/>
+                                            </p:txEl>
+                                          </p:spTgt>
+                                        </p:tgtEl>
+                                        <p:attrNameLst>
+                                          <p:attrName>style.visibility</p:attrName>
+                                        </p:attrNameLst>
+                                      </p:cBhvr>
+                                      <p:to>
+                                        <p:strVal val="visible"/>
+                                      </p:to>
+                                    </p:set>
+                                  </p:childTnLst>
+                                </p:cTn>
+                              </p:par>
+                            </p:childTnLst>
+                          </p:cTn>
+                        </p:par>
+                      </p:childTnLst>
+                    </p:cTn>
+                  </p:par>
+                </p:childTnLst>
+              </p:cTn>
+              <p:prevCondLst>
+                <p:cond evt="onPrev" delay="0">
+                  <p:tgtEl>
+                    <p:sldTgt/>
+                  </p:tgtEl>
+                </p:cond>
+              </p:prevCondLst>
+              <p:nextCondLst>
+                <p:cond evt="onNext" delay="0">
+                  <p:tgtEl>
+                    <p:sldTgt/>
+                  </p:tgtEl>
+                </p:cond>
+              </p:nextCondLst>
+            </p:seq>
+          </p:childTnLst>
+        </p:cTn>
       </p:par>
     </p:tnLst>
+    <p:bldLst>
+      <p:bldP spid="7" grpId="0" build="p"/>
+    </p:bldLst>
   </p:timing>
 </p:sld>
 </file>
 
-<file path=ppt/slides/slide16.xml><?xml version="1.0" encoding="utf-8"?>
+<file path=ppt/slides/slide17.xml><?xml version="1.0" encoding="utf-8"?>
 <p:sld xmlns:a="http://schemas.openxmlformats.org/drawingml/2006/main" xmlns:r="http://schemas.openxmlformats.org/officeDocument/2006/relationships" xmlns:p="http://schemas.openxmlformats.org/presentationml/2006/main">
   <p:cSld>
     <p:spTree>
@@ -7815,10 +9234,18 @@
               <a:buAutoNum type="romanUcPeriod"/>
             </a:pPr>
             <a:r>
-              <a:rPr lang="es-ES" dirty="0" smtClean="0"/>
+              <a:rPr lang="es-ES" dirty="0" smtClean="0">
+                <a:solidFill>
+                  <a:srgbClr val="002060"/>
+                </a:solidFill>
+              </a:rPr>
               <a:t>Resultados y conclusiones</a:t>
             </a:r>
-            <a:endParaRPr lang="es-ES" dirty="0"/>
+            <a:endParaRPr lang="es-ES" dirty="0">
+              <a:solidFill>
+                <a:srgbClr val="002060"/>
+              </a:solidFill>
+            </a:endParaRPr>
           </a:p>
           <a:p>
             <a:pPr marL="571500" indent="-571500">
@@ -7961,202 +9388,6 @@
     <p:extLst>
       <p:ext uri="{BB962C8B-B14F-4D97-AF65-F5344CB8AC3E}">
         <p14:creationId xmlns:p14="http://schemas.microsoft.com/office/powerpoint/2010/main" val="3446403980"/>
-      </p:ext>
-    </p:extLst>
-  </p:cSld>
-  <p:clrMapOvr>
-    <a:masterClrMapping/>
-  </p:clrMapOvr>
-  <p:timing>
-    <p:tnLst>
-      <p:par>
-        <p:cTn id="1" dur="indefinite" restart="never" nodeType="tmRoot"/>
-      </p:par>
-    </p:tnLst>
-  </p:timing>
-</p:sld>
-</file>
-
-<file path=ppt/slides/slide17.xml><?xml version="1.0" encoding="utf-8"?>
-<p:sld xmlns:a="http://schemas.openxmlformats.org/drawingml/2006/main" xmlns:r="http://schemas.openxmlformats.org/officeDocument/2006/relationships" xmlns:p="http://schemas.openxmlformats.org/presentationml/2006/main">
-  <p:cSld>
-    <p:spTree>
-      <p:nvGrpSpPr>
-        <p:cNvPr id="1" name=""/>
-        <p:cNvGrpSpPr/>
-        <p:nvPr/>
-      </p:nvGrpSpPr>
-      <p:grpSpPr>
-        <a:xfrm>
-          <a:off x="0" y="0"/>
-          <a:ext cx="0" cy="0"/>
-          <a:chOff x="0" y="0"/>
-          <a:chExt cx="0" cy="0"/>
-        </a:xfrm>
-      </p:grpSpPr>
-      <p:sp>
-        <p:nvSpPr>
-          <p:cNvPr id="2" name="1 Título"/>
-          <p:cNvSpPr>
-            <a:spLocks noGrp="1"/>
-          </p:cNvSpPr>
-          <p:nvPr>
-            <p:ph type="title"/>
-          </p:nvPr>
-        </p:nvSpPr>
-        <p:spPr/>
-        <p:txBody>
-          <a:bodyPr>
-            <a:normAutofit/>
-          </a:bodyPr>
-          <a:lstStyle/>
-          <a:p>
-            <a:pPr algn="ctr"/>
-            <a:r>
-              <a:rPr lang="es-ES" b="1" dirty="0">
-                <a:solidFill>
-                  <a:schemeClr val="accent1">
-                    <a:lumMod val="50000"/>
-                  </a:schemeClr>
-                </a:solidFill>
-              </a:rPr>
-              <a:t>Resultados</a:t>
-            </a:r>
-          </a:p>
-        </p:txBody>
-      </p:sp>
-      <p:pic>
-        <p:nvPicPr>
-          <p:cNvPr id="4" name="Picture 2" descr="Resultado de imagen de etsidi logo"/>
-          <p:cNvPicPr>
-            <a:picLocks noChangeAspect="1" noChangeArrowheads="1"/>
-          </p:cNvPicPr>
-          <p:nvPr/>
-        </p:nvPicPr>
-        <p:blipFill>
-          <a:blip r:embed="rId2" cstate="print">
-            <a:extLst>
-              <a:ext uri="{28A0092B-C50C-407E-A947-70E740481C1C}">
-                <a14:useLocalDpi xmlns:a14="http://schemas.microsoft.com/office/drawing/2010/main" val="0"/>
-              </a:ext>
-            </a:extLst>
-          </a:blip>
-          <a:srcRect/>
-          <a:stretch>
-            <a:fillRect/>
-          </a:stretch>
-        </p:blipFill>
-        <p:spPr bwMode="auto">
-          <a:xfrm>
-            <a:off x="10269415" y="286460"/>
-            <a:ext cx="1693789" cy="895227"/>
-          </a:xfrm>
-          <a:prstGeom prst="rect">
-            <a:avLst/>
-          </a:prstGeom>
-          <a:noFill/>
-          <a:extLst>
-            <a:ext uri="{909E8E84-426E-40DD-AFC4-6F175D3DCCD1}">
-              <a14:hiddenFill xmlns:a14="http://schemas.microsoft.com/office/drawing/2010/main">
-                <a:solidFill>
-                  <a:srgbClr val="FFFFFF"/>
-                </a:solidFill>
-              </a14:hiddenFill>
-            </a:ext>
-          </a:extLst>
-        </p:spPr>
-      </p:pic>
-      <p:pic>
-        <p:nvPicPr>
-          <p:cNvPr id="5" name="Picture 2" descr="Macintosh HD en Idril:Users:barrientos:DATOS:Modelos:Logos:UPM:EscUpmPolit.jpg"/>
-          <p:cNvPicPr/>
-          <p:nvPr/>
-        </p:nvPicPr>
-        <p:blipFill>
-          <a:blip r:embed="rId3">
-            <a:extLst>
-              <a:ext uri="{28A0092B-C50C-407E-A947-70E740481C1C}">
-                <a14:useLocalDpi xmlns:a14="http://schemas.microsoft.com/office/drawing/2010/main" val="0"/>
-              </a:ext>
-            </a:extLst>
-          </a:blip>
-          <a:srcRect/>
-          <a:stretch>
-            <a:fillRect/>
-          </a:stretch>
-        </p:blipFill>
-        <p:spPr bwMode="auto">
-          <a:xfrm>
-            <a:off x="143705" y="131712"/>
-            <a:ext cx="1417125" cy="1181686"/>
-          </a:xfrm>
-          <a:prstGeom prst="rect">
-            <a:avLst/>
-          </a:prstGeom>
-          <a:noFill/>
-          <a:ln>
-            <a:noFill/>
-          </a:ln>
-        </p:spPr>
-      </p:pic>
-      <p:pic>
-        <p:nvPicPr>
-          <p:cNvPr id="7" name="Image 6" descr="image011"/>
-          <p:cNvPicPr>
-            <a:picLocks noChangeAspect="1" noChangeArrowheads="1"/>
-          </p:cNvPicPr>
-          <p:nvPr/>
-        </p:nvPicPr>
-        <p:blipFill>
-          <a:blip r:embed="rId4">
-            <a:extLst>
-              <a:ext uri="{28A0092B-C50C-407E-A947-70E740481C1C}">
-                <a14:useLocalDpi xmlns:a14="http://schemas.microsoft.com/office/drawing/2010/main" val="0"/>
-              </a:ext>
-            </a:extLst>
-          </a:blip>
-          <a:srcRect/>
-          <a:stretch>
-            <a:fillRect/>
-          </a:stretch>
-        </p:blipFill>
-        <p:spPr bwMode="auto">
-          <a:xfrm>
-            <a:off x="9845799" y="6062662"/>
-            <a:ext cx="2117405" cy="452437"/>
-          </a:xfrm>
-          <a:prstGeom prst="rect">
-            <a:avLst/>
-          </a:prstGeom>
-          <a:noFill/>
-          <a:ln>
-            <a:noFill/>
-          </a:ln>
-          <a:extLst>
-            <a:ext uri="{909E8E84-426E-40DD-AFC4-6F175D3DCCD1}">
-              <a14:hiddenFill xmlns:a14="http://schemas.microsoft.com/office/drawing/2010/main">
-                <a:solidFill>
-                  <a:srgbClr val="FFFFFF"/>
-                </a:solidFill>
-              </a14:hiddenFill>
-            </a:ext>
-            <a:ext uri="{91240B29-F687-4F45-9708-019B960494DF}">
-              <a14:hiddenLine xmlns:a14="http://schemas.microsoft.com/office/drawing/2010/main" w="9525">
-                <a:solidFill>
-                  <a:srgbClr val="000000"/>
-                </a:solidFill>
-                <a:miter lim="800000"/>
-                <a:headEnd/>
-                <a:tailEnd/>
-              </a14:hiddenLine>
-            </a:ext>
-          </a:extLst>
-        </p:spPr>
-      </p:pic>
-    </p:spTree>
-    <p:extLst>
-      <p:ext uri="{BB962C8B-B14F-4D97-AF65-F5344CB8AC3E}">
-        <p14:creationId xmlns:p14="http://schemas.microsoft.com/office/powerpoint/2010/main" val="1292907876"/>
       </p:ext>
     </p:extLst>
   </p:cSld>
@@ -8192,13 +9423,7 @@
       </p:grpSpPr>
       <p:sp>
         <p:nvSpPr>
-          <p:cNvPr id="2" name="Título 1">
-            <a:extLst>
-              <a:ext uri="{FF2B5EF4-FFF2-40B4-BE49-F238E27FC236}">
-                <a16:creationId xmlns:a16="http://schemas.microsoft.com/office/drawing/2014/main" xmlns="" id="{7CE1135B-07BD-441E-96D7-85BD4835A7ED}"/>
-              </a:ext>
-            </a:extLst>
-          </p:cNvPr>
+          <p:cNvPr id="2" name="1 Título"/>
           <p:cNvSpPr>
             <a:spLocks noGrp="1"/>
           </p:cNvSpPr>
@@ -8215,64 +9440,28 @@
           <a:p>
             <a:pPr algn="ctr"/>
             <a:r>
-              <a:rPr lang="es-ES" b="1" dirty="0">
+              <a:rPr lang="es-ES" b="1" dirty="0" smtClean="0">
                 <a:solidFill>
                   <a:schemeClr val="accent1">
                     <a:lumMod val="50000"/>
                   </a:schemeClr>
                 </a:solidFill>
               </a:rPr>
-              <a:t>Conclusiones del primer ensayo</a:t>
-            </a:r>
-          </a:p>
-        </p:txBody>
-      </p:sp>
-      <p:sp>
-        <p:nvSpPr>
-          <p:cNvPr id="3" name="Marcador de contenido 2">
-            <a:extLst>
-              <a:ext uri="{FF2B5EF4-FFF2-40B4-BE49-F238E27FC236}">
-                <a16:creationId xmlns:a16="http://schemas.microsoft.com/office/drawing/2014/main" xmlns="" id="{8494C532-DF3D-48DB-A603-9E1A5F3ADD2D}"/>
-              </a:ext>
-            </a:extLst>
-          </p:cNvPr>
-          <p:cNvSpPr>
-            <a:spLocks noGrp="1"/>
-          </p:cNvSpPr>
-          <p:nvPr>
-            <p:ph idx="1"/>
-          </p:nvPr>
-        </p:nvSpPr>
-        <p:spPr/>
-        <p:txBody>
-          <a:bodyPr/>
-          <a:lstStyle/>
-          <a:p>
-            <a:pPr marL="514350" indent="-514350">
-              <a:buFont typeface="+mj-lt"/>
-              <a:buAutoNum type="arabicPeriod"/>
-            </a:pPr>
-            <a:r>
-              <a:rPr lang="es-ES" dirty="0" smtClean="0"/>
-              <a:t>Es imposible seguir el código de red con entrega nula de potencia activa</a:t>
-            </a:r>
-          </a:p>
-          <a:p>
-            <a:pPr marL="514350" indent="-514350">
-              <a:buFont typeface="+mj-lt"/>
-              <a:buAutoNum type="arabicPeriod"/>
-            </a:pPr>
-            <a:r>
-              <a:rPr lang="es-ES" dirty="0" smtClean="0"/>
-              <a:t>A mayor potencia activa generada más fácil es seguir el código de red</a:t>
-            </a:r>
-            <a:endParaRPr lang="es-ES" dirty="0"/>
+              <a:t>Resultados primer ensayo</a:t>
+            </a:r>
+            <a:endParaRPr lang="es-ES" b="1" dirty="0">
+              <a:solidFill>
+                <a:schemeClr val="accent1">
+                  <a:lumMod val="50000"/>
+                </a:schemeClr>
+              </a:solidFill>
+            </a:endParaRPr>
           </a:p>
         </p:txBody>
       </p:sp>
       <p:pic>
         <p:nvPicPr>
-          <p:cNvPr id="5" name="Picture 2" descr="Resultado de imagen de etsidi logo"/>
+          <p:cNvPr id="4" name="Picture 2" descr="Resultado de imagen de etsidi logo"/>
           <p:cNvPicPr>
             <a:picLocks noChangeAspect="1" noChangeArrowheads="1"/>
           </p:cNvPicPr>
@@ -8313,7 +9502,7 @@
       </p:pic>
       <p:pic>
         <p:nvPicPr>
-          <p:cNvPr id="6" name="Picture 2" descr="Macintosh HD en Idril:Users:barrientos:DATOS:Modelos:Logos:UPM:EscUpmPolit.jpg"/>
+          <p:cNvPr id="5" name="Picture 2" descr="Macintosh HD en Idril:Users:barrientos:DATOS:Modelos:Logos:UPM:EscUpmPolit.jpg"/>
           <p:cNvPicPr/>
           <p:nvPr/>
         </p:nvPicPr>
@@ -8342,261 +9531,6 @@
           <a:ln>
             <a:noFill/>
           </a:ln>
-        </p:spPr>
-      </p:pic>
-      <p:pic>
-        <p:nvPicPr>
-          <p:cNvPr id="8" name="Image 6" descr="image011"/>
-          <p:cNvPicPr>
-            <a:picLocks noChangeAspect="1" noChangeArrowheads="1"/>
-          </p:cNvPicPr>
-          <p:nvPr/>
-        </p:nvPicPr>
-        <p:blipFill>
-          <a:blip r:embed="rId4">
-            <a:extLst>
-              <a:ext uri="{28A0092B-C50C-407E-A947-70E740481C1C}">
-                <a14:useLocalDpi xmlns:a14="http://schemas.microsoft.com/office/drawing/2010/main" val="0"/>
-              </a:ext>
-            </a:extLst>
-          </a:blip>
-          <a:srcRect/>
-          <a:stretch>
-            <a:fillRect/>
-          </a:stretch>
-        </p:blipFill>
-        <p:spPr bwMode="auto">
-          <a:xfrm>
-            <a:off x="9845799" y="6062662"/>
-            <a:ext cx="2117405" cy="452437"/>
-          </a:xfrm>
-          <a:prstGeom prst="rect">
-            <a:avLst/>
-          </a:prstGeom>
-          <a:noFill/>
-          <a:ln>
-            <a:noFill/>
-          </a:ln>
-          <a:extLst>
-            <a:ext uri="{909E8E84-426E-40DD-AFC4-6F175D3DCCD1}">
-              <a14:hiddenFill xmlns:a14="http://schemas.microsoft.com/office/drawing/2010/main">
-                <a:solidFill>
-                  <a:srgbClr val="FFFFFF"/>
-                </a:solidFill>
-              </a14:hiddenFill>
-            </a:ext>
-            <a:ext uri="{91240B29-F687-4F45-9708-019B960494DF}">
-              <a14:hiddenLine xmlns:a14="http://schemas.microsoft.com/office/drawing/2010/main" w="9525">
-                <a:solidFill>
-                  <a:srgbClr val="000000"/>
-                </a:solidFill>
-                <a:miter lim="800000"/>
-                <a:headEnd/>
-                <a:tailEnd/>
-              </a14:hiddenLine>
-            </a:ext>
-          </a:extLst>
-        </p:spPr>
-      </p:pic>
-    </p:spTree>
-    <p:extLst>
-      <p:ext uri="{BB962C8B-B14F-4D97-AF65-F5344CB8AC3E}">
-        <p14:creationId xmlns:p14="http://schemas.microsoft.com/office/powerpoint/2010/main" val="2185818766"/>
-      </p:ext>
-    </p:extLst>
-  </p:cSld>
-  <p:clrMapOvr>
-    <a:masterClrMapping/>
-  </p:clrMapOvr>
-  <p:timing>
-    <p:tnLst>
-      <p:par>
-        <p:cTn id="1" dur="indefinite" restart="never" nodeType="tmRoot"/>
-      </p:par>
-    </p:tnLst>
-  </p:timing>
-</p:sld>
-</file>
-
-<file path=ppt/slides/slide19.xml><?xml version="1.0" encoding="utf-8"?>
-<p:sld xmlns:a="http://schemas.openxmlformats.org/drawingml/2006/main" xmlns:r="http://schemas.openxmlformats.org/officeDocument/2006/relationships" xmlns:p="http://schemas.openxmlformats.org/presentationml/2006/main">
-  <p:cSld>
-    <p:spTree>
-      <p:nvGrpSpPr>
-        <p:cNvPr id="1" name=""/>
-        <p:cNvGrpSpPr/>
-        <p:nvPr/>
-      </p:nvGrpSpPr>
-      <p:grpSpPr>
-        <a:xfrm>
-          <a:off x="0" y="0"/>
-          <a:ext cx="0" cy="0"/>
-          <a:chOff x="0" y="0"/>
-          <a:chExt cx="0" cy="0"/>
-        </a:xfrm>
-      </p:grpSpPr>
-      <p:sp>
-        <p:nvSpPr>
-          <p:cNvPr id="2" name="Título 1">
-            <a:extLst>
-              <a:ext uri="{FF2B5EF4-FFF2-40B4-BE49-F238E27FC236}">
-                <a16:creationId xmlns:a16="http://schemas.microsoft.com/office/drawing/2014/main" xmlns="" id="{7CE1135B-07BD-441E-96D7-85BD4835A7ED}"/>
-              </a:ext>
-            </a:extLst>
-          </p:cNvPr>
-          <p:cNvSpPr>
-            <a:spLocks noGrp="1"/>
-          </p:cNvSpPr>
-          <p:nvPr>
-            <p:ph type="title"/>
-          </p:nvPr>
-        </p:nvSpPr>
-        <p:spPr/>
-        <p:txBody>
-          <a:bodyPr>
-            <a:normAutofit/>
-          </a:bodyPr>
-          <a:lstStyle/>
-          <a:p>
-            <a:pPr algn="ctr"/>
-            <a:r>
-              <a:rPr lang="es-ES" b="1" dirty="0">
-                <a:solidFill>
-                  <a:schemeClr val="accent1">
-                    <a:lumMod val="50000"/>
-                  </a:schemeClr>
-                </a:solidFill>
-              </a:rPr>
-              <a:t>Conclusiones del segundo ensayo</a:t>
-            </a:r>
-          </a:p>
-        </p:txBody>
-      </p:sp>
-      <p:sp>
-        <p:nvSpPr>
-          <p:cNvPr id="3" name="Marcador de contenido 2">
-            <a:extLst>
-              <a:ext uri="{FF2B5EF4-FFF2-40B4-BE49-F238E27FC236}">
-                <a16:creationId xmlns:a16="http://schemas.microsoft.com/office/drawing/2014/main" xmlns="" id="{8494C532-DF3D-48DB-A603-9E1A5F3ADD2D}"/>
-              </a:ext>
-            </a:extLst>
-          </p:cNvPr>
-          <p:cNvSpPr>
-            <a:spLocks noGrp="1"/>
-          </p:cNvSpPr>
-          <p:nvPr>
-            <p:ph idx="1"/>
-          </p:nvPr>
-        </p:nvSpPr>
-        <p:spPr/>
-        <p:txBody>
-          <a:bodyPr/>
-          <a:lstStyle/>
-          <a:p>
-            <a:pPr marL="514350" indent="-514350">
-              <a:buFont typeface="+mj-lt"/>
-              <a:buAutoNum type="arabicPeriod"/>
-            </a:pPr>
-            <a:r>
-              <a:rPr lang="es-ES" dirty="0" smtClean="0"/>
-              <a:t>Aplicar el código de red siempre es mejor que no aplicar compensación alguna</a:t>
-            </a:r>
-          </a:p>
-          <a:p>
-            <a:pPr marL="514350" indent="-514350">
-              <a:buFont typeface="+mj-lt"/>
-              <a:buAutoNum type="arabicPeriod"/>
-            </a:pPr>
-            <a:r>
-              <a:rPr lang="es-ES" dirty="0" smtClean="0"/>
-              <a:t>Permitir a la planta compensar con su reactancia natural empeora la calidad de la red cuando es de carácter inductivo</a:t>
-            </a:r>
-          </a:p>
-          <a:p>
-            <a:pPr marL="514350" indent="-514350">
-              <a:buFont typeface="+mj-lt"/>
-              <a:buAutoNum type="arabicPeriod"/>
-            </a:pPr>
-            <a:r>
-              <a:rPr lang="es-ES" dirty="0" smtClean="0"/>
-              <a:t>Permitir a una planta capacitiva compensar con su capacitancia natural ayuda solo para potencias altas</a:t>
-            </a:r>
-            <a:endParaRPr lang="es-ES" dirty="0"/>
-          </a:p>
-        </p:txBody>
-      </p:sp>
-      <p:pic>
-        <p:nvPicPr>
-          <p:cNvPr id="4" name="Picture 2" descr="Macintosh HD en Idril:Users:barrientos:DATOS:Modelos:Logos:UPM:EscUpmPolit.jpg"/>
-          <p:cNvPicPr/>
-          <p:nvPr/>
-        </p:nvPicPr>
-        <p:blipFill>
-          <a:blip r:embed="rId2">
-            <a:extLst>
-              <a:ext uri="{28A0092B-C50C-407E-A947-70E740481C1C}">
-                <a14:useLocalDpi xmlns:a14="http://schemas.microsoft.com/office/drawing/2010/main" val="0"/>
-              </a:ext>
-            </a:extLst>
-          </a:blip>
-          <a:srcRect/>
-          <a:stretch>
-            <a:fillRect/>
-          </a:stretch>
-        </p:blipFill>
-        <p:spPr bwMode="auto">
-          <a:xfrm>
-            <a:off x="143705" y="131712"/>
-            <a:ext cx="1417125" cy="1181686"/>
-          </a:xfrm>
-          <a:prstGeom prst="rect">
-            <a:avLst/>
-          </a:prstGeom>
-          <a:noFill/>
-          <a:ln>
-            <a:noFill/>
-          </a:ln>
-        </p:spPr>
-      </p:pic>
-      <p:pic>
-        <p:nvPicPr>
-          <p:cNvPr id="5" name="Picture 2" descr="Resultado de imagen de etsidi logo"/>
-          <p:cNvPicPr>
-            <a:picLocks noChangeAspect="1" noChangeArrowheads="1"/>
-          </p:cNvPicPr>
-          <p:nvPr/>
-        </p:nvPicPr>
-        <p:blipFill>
-          <a:blip r:embed="rId3" cstate="print">
-            <a:extLst>
-              <a:ext uri="{28A0092B-C50C-407E-A947-70E740481C1C}">
-                <a14:useLocalDpi xmlns:a14="http://schemas.microsoft.com/office/drawing/2010/main" val="0"/>
-              </a:ext>
-            </a:extLst>
-          </a:blip>
-          <a:srcRect/>
-          <a:stretch>
-            <a:fillRect/>
-          </a:stretch>
-        </p:blipFill>
-        <p:spPr bwMode="auto">
-          <a:xfrm>
-            <a:off x="10269415" y="286460"/>
-            <a:ext cx="1693789" cy="895227"/>
-          </a:xfrm>
-          <a:prstGeom prst="rect">
-            <a:avLst/>
-          </a:prstGeom>
-          <a:noFill/>
-          <a:extLst>
-            <a:ext uri="{909E8E84-426E-40DD-AFC4-6F175D3DCCD1}">
-              <a14:hiddenFill xmlns:a14="http://schemas.microsoft.com/office/drawing/2010/main">
-                <a:solidFill>
-                  <a:srgbClr val="FFFFFF"/>
-                </a:solidFill>
-              </a14:hiddenFill>
-            </a:ext>
-          </a:extLst>
         </p:spPr>
       </p:pic>
       <p:pic>
@@ -8653,10 +9587,318 @@
           </a:extLst>
         </p:spPr>
       </p:pic>
+      <p:pic>
+        <p:nvPicPr>
+          <p:cNvPr id="3" name="Imagen 2"/>
+          <p:cNvPicPr>
+            <a:picLocks noChangeAspect="1"/>
+          </p:cNvPicPr>
+          <p:nvPr/>
+        </p:nvPicPr>
+        <p:blipFill>
+          <a:blip r:embed="rId5">
+            <a:extLst>
+              <a:ext uri="{28A0092B-C50C-407E-A947-70E740481C1C}">
+                <a14:useLocalDpi xmlns:a14="http://schemas.microsoft.com/office/drawing/2010/main" val="0"/>
+              </a:ext>
+            </a:extLst>
+          </a:blip>
+          <a:stretch>
+            <a:fillRect/>
+          </a:stretch>
+        </p:blipFill>
+        <p:spPr>
+          <a:xfrm>
+            <a:off x="852267" y="1484810"/>
+            <a:ext cx="7984578" cy="2662948"/>
+          </a:xfrm>
+          <a:prstGeom prst="rect">
+            <a:avLst/>
+          </a:prstGeom>
+        </p:spPr>
+      </p:pic>
+      <p:pic>
+        <p:nvPicPr>
+          <p:cNvPr id="6" name="Imagen 5"/>
+          <p:cNvPicPr>
+            <a:picLocks noChangeAspect="1"/>
+          </p:cNvPicPr>
+          <p:nvPr/>
+        </p:nvPicPr>
+        <p:blipFill>
+          <a:blip r:embed="rId6">
+            <a:extLst>
+              <a:ext uri="{28A0092B-C50C-407E-A947-70E740481C1C}">
+                <a14:useLocalDpi xmlns:a14="http://schemas.microsoft.com/office/drawing/2010/main" val="0"/>
+              </a:ext>
+            </a:extLst>
+          </a:blip>
+          <a:stretch>
+            <a:fillRect/>
+          </a:stretch>
+        </p:blipFill>
+        <p:spPr>
+          <a:xfrm>
+            <a:off x="852267" y="4147758"/>
+            <a:ext cx="7984578" cy="2662948"/>
+          </a:xfrm>
+          <a:prstGeom prst="rect">
+            <a:avLst/>
+          </a:prstGeom>
+        </p:spPr>
+      </p:pic>
+      <p:sp>
+        <p:nvSpPr>
+          <p:cNvPr id="8" name="CuadroTexto 7"/>
+          <p:cNvSpPr txBox="1"/>
+          <p:nvPr/>
+        </p:nvSpPr>
+        <p:spPr>
+          <a:xfrm>
+            <a:off x="9103057" y="2631618"/>
+            <a:ext cx="372218" cy="369332"/>
+          </a:xfrm>
+          <a:prstGeom prst="rect">
+            <a:avLst/>
+          </a:prstGeom>
+          <a:noFill/>
+        </p:spPr>
+        <p:txBody>
+          <a:bodyPr wrap="none" rtlCol="0">
+            <a:spAutoFit/>
+          </a:bodyPr>
+          <a:lstStyle/>
+          <a:p>
+            <a:r>
+              <a:rPr lang="es-ES" dirty="0" smtClean="0"/>
+              <a:t>1)</a:t>
+            </a:r>
+            <a:endParaRPr lang="es-ES" dirty="0"/>
+          </a:p>
+        </p:txBody>
+      </p:sp>
+      <p:sp>
+        <p:nvSpPr>
+          <p:cNvPr id="9" name="CuadroTexto 8"/>
+          <p:cNvSpPr txBox="1"/>
+          <p:nvPr/>
+        </p:nvSpPr>
+        <p:spPr>
+          <a:xfrm>
+            <a:off x="9103057" y="5294566"/>
+            <a:ext cx="372218" cy="369332"/>
+          </a:xfrm>
+          <a:prstGeom prst="rect">
+            <a:avLst/>
+          </a:prstGeom>
+          <a:noFill/>
+        </p:spPr>
+        <p:txBody>
+          <a:bodyPr wrap="none" rtlCol="0">
+            <a:spAutoFit/>
+          </a:bodyPr>
+          <a:lstStyle/>
+          <a:p>
+            <a:r>
+              <a:rPr lang="es-ES" dirty="0"/>
+              <a:t>2</a:t>
+            </a:r>
+            <a:r>
+              <a:rPr lang="es-ES" dirty="0" smtClean="0"/>
+              <a:t>)</a:t>
+            </a:r>
+            <a:endParaRPr lang="es-ES" dirty="0"/>
+          </a:p>
+        </p:txBody>
+      </p:sp>
+      <p:sp>
+        <p:nvSpPr>
+          <p:cNvPr id="15" name="Elipse 14"/>
+          <p:cNvSpPr/>
+          <p:nvPr/>
+        </p:nvSpPr>
+        <p:spPr>
+          <a:xfrm>
+            <a:off x="3822700" y="3479800"/>
+            <a:ext cx="1981200" cy="234950"/>
+          </a:xfrm>
+          <a:prstGeom prst="ellipse">
+            <a:avLst/>
+          </a:prstGeom>
+          <a:noFill/>
+          <a:ln>
+            <a:solidFill>
+              <a:schemeClr val="accent6"/>
+            </a:solidFill>
+          </a:ln>
+        </p:spPr>
+        <p:style>
+          <a:lnRef idx="2">
+            <a:schemeClr val="accent1">
+              <a:shade val="50000"/>
+            </a:schemeClr>
+          </a:lnRef>
+          <a:fillRef idx="1">
+            <a:schemeClr val="accent1"/>
+          </a:fillRef>
+          <a:effectRef idx="0">
+            <a:schemeClr val="accent1"/>
+          </a:effectRef>
+          <a:fontRef idx="minor">
+            <a:schemeClr val="lt1"/>
+          </a:fontRef>
+        </p:style>
+        <p:txBody>
+          <a:bodyPr rtlCol="0" anchor="ctr"/>
+          <a:lstStyle/>
+          <a:p>
+            <a:pPr algn="ctr"/>
+            <a:endParaRPr lang="es-ES"/>
+          </a:p>
+        </p:txBody>
+      </p:sp>
+      <p:sp>
+        <p:nvSpPr>
+          <p:cNvPr id="16" name="Elipse 15"/>
+          <p:cNvSpPr/>
+          <p:nvPr/>
+        </p:nvSpPr>
+        <p:spPr>
+          <a:xfrm>
+            <a:off x="6400800" y="2467769"/>
+            <a:ext cx="1981200" cy="234950"/>
+          </a:xfrm>
+          <a:prstGeom prst="ellipse">
+            <a:avLst/>
+          </a:prstGeom>
+          <a:noFill/>
+          <a:ln>
+            <a:solidFill>
+              <a:schemeClr val="accent6"/>
+            </a:solidFill>
+          </a:ln>
+        </p:spPr>
+        <p:style>
+          <a:lnRef idx="2">
+            <a:schemeClr val="accent1">
+              <a:shade val="50000"/>
+            </a:schemeClr>
+          </a:lnRef>
+          <a:fillRef idx="1">
+            <a:schemeClr val="accent1"/>
+          </a:fillRef>
+          <a:effectRef idx="0">
+            <a:schemeClr val="accent1"/>
+          </a:effectRef>
+          <a:fontRef idx="minor">
+            <a:schemeClr val="lt1"/>
+          </a:fontRef>
+        </p:style>
+        <p:txBody>
+          <a:bodyPr rtlCol="0" anchor="ctr"/>
+          <a:lstStyle/>
+          <a:p>
+            <a:pPr algn="ctr"/>
+            <a:endParaRPr lang="es-ES"/>
+          </a:p>
+        </p:txBody>
+      </p:sp>
+      <p:sp>
+        <p:nvSpPr>
+          <p:cNvPr id="17" name="Elipse 16"/>
+          <p:cNvSpPr/>
+          <p:nvPr/>
+        </p:nvSpPr>
+        <p:spPr>
+          <a:xfrm>
+            <a:off x="3853956" y="6053930"/>
+            <a:ext cx="1981200" cy="234950"/>
+          </a:xfrm>
+          <a:prstGeom prst="ellipse">
+            <a:avLst/>
+          </a:prstGeom>
+          <a:noFill/>
+          <a:ln>
+            <a:solidFill>
+              <a:schemeClr val="accent6"/>
+            </a:solidFill>
+          </a:ln>
+        </p:spPr>
+        <p:style>
+          <a:lnRef idx="2">
+            <a:schemeClr val="accent1">
+              <a:shade val="50000"/>
+            </a:schemeClr>
+          </a:lnRef>
+          <a:fillRef idx="1">
+            <a:schemeClr val="accent1"/>
+          </a:fillRef>
+          <a:effectRef idx="0">
+            <a:schemeClr val="accent1"/>
+          </a:effectRef>
+          <a:fontRef idx="minor">
+            <a:schemeClr val="lt1"/>
+          </a:fontRef>
+        </p:style>
+        <p:txBody>
+          <a:bodyPr rtlCol="0" anchor="ctr"/>
+          <a:lstStyle/>
+          <a:p>
+            <a:pPr algn="ctr"/>
+            <a:endParaRPr lang="es-ES"/>
+          </a:p>
+        </p:txBody>
+      </p:sp>
+      <p:sp>
+        <p:nvSpPr>
+          <p:cNvPr id="18" name="Elipse 17"/>
+          <p:cNvSpPr/>
+          <p:nvPr/>
+        </p:nvSpPr>
+        <p:spPr>
+          <a:xfrm>
+            <a:off x="6369521" y="5159789"/>
+            <a:ext cx="2310021" cy="310936"/>
+          </a:xfrm>
+          <a:prstGeom prst="ellipse">
+            <a:avLst/>
+          </a:prstGeom>
+          <a:noFill/>
+          <a:ln>
+            <a:solidFill>
+              <a:schemeClr val="accent6"/>
+            </a:solidFill>
+          </a:ln>
+        </p:spPr>
+        <p:style>
+          <a:lnRef idx="2">
+            <a:schemeClr val="accent1">
+              <a:shade val="50000"/>
+            </a:schemeClr>
+          </a:lnRef>
+          <a:fillRef idx="1">
+            <a:schemeClr val="accent1"/>
+          </a:fillRef>
+          <a:effectRef idx="0">
+            <a:schemeClr val="accent1"/>
+          </a:effectRef>
+          <a:fontRef idx="minor">
+            <a:schemeClr val="lt1"/>
+          </a:fontRef>
+        </p:style>
+        <p:txBody>
+          <a:bodyPr rtlCol="0" anchor="ctr"/>
+          <a:lstStyle/>
+          <a:p>
+            <a:pPr algn="ctr"/>
+            <a:endParaRPr lang="es-ES"/>
+          </a:p>
+        </p:txBody>
+      </p:sp>
     </p:spTree>
     <p:extLst>
       <p:ext uri="{BB962C8B-B14F-4D97-AF65-F5344CB8AC3E}">
-        <p14:creationId xmlns:p14="http://schemas.microsoft.com/office/powerpoint/2010/main" val="275576193"/>
+        <p14:creationId xmlns:p14="http://schemas.microsoft.com/office/powerpoint/2010/main" val="1292907876"/>
       </p:ext>
     </p:extLst>
   </p:cSld>
@@ -8666,7 +9908,580 @@
   <p:timing>
     <p:tnLst>
       <p:par>
-        <p:cTn id="1" dur="indefinite" restart="never" nodeType="tmRoot"/>
+        <p:cTn id="1" dur="indefinite" restart="never" nodeType="tmRoot">
+          <p:childTnLst>
+            <p:seq concurrent="1" nextAc="seek">
+              <p:cTn id="2" dur="indefinite" nodeType="mainSeq">
+                <p:childTnLst>
+                  <p:par>
+                    <p:cTn id="3" fill="hold">
+                      <p:stCondLst>
+                        <p:cond delay="indefinite"/>
+                      </p:stCondLst>
+                      <p:childTnLst>
+                        <p:par>
+                          <p:cTn id="4" fill="hold">
+                            <p:stCondLst>
+                              <p:cond delay="0"/>
+                            </p:stCondLst>
+                            <p:childTnLst>
+                              <p:par>
+                                <p:cTn id="5" presetID="1" presetClass="entr" presetSubtype="0" fill="hold" grpId="0" nodeType="clickEffect">
+                                  <p:stCondLst>
+                                    <p:cond delay="0"/>
+                                  </p:stCondLst>
+                                  <p:childTnLst>
+                                    <p:set>
+                                      <p:cBhvr>
+                                        <p:cTn id="6" dur="1" fill="hold">
+                                          <p:stCondLst>
+                                            <p:cond delay="0"/>
+                                          </p:stCondLst>
+                                        </p:cTn>
+                                        <p:tgtEl>
+                                          <p:spTgt spid="15"/>
+                                        </p:tgtEl>
+                                        <p:attrNameLst>
+                                          <p:attrName>style.visibility</p:attrName>
+                                        </p:attrNameLst>
+                                      </p:cBhvr>
+                                      <p:to>
+                                        <p:strVal val="visible"/>
+                                      </p:to>
+                                    </p:set>
+                                  </p:childTnLst>
+                                </p:cTn>
+                              </p:par>
+                              <p:par>
+                                <p:cTn id="7" presetID="1" presetClass="entr" presetSubtype="0" fill="hold" grpId="0" nodeType="withEffect">
+                                  <p:stCondLst>
+                                    <p:cond delay="0"/>
+                                  </p:stCondLst>
+                                  <p:childTnLst>
+                                    <p:set>
+                                      <p:cBhvr>
+                                        <p:cTn id="8" dur="1" fill="hold">
+                                          <p:stCondLst>
+                                            <p:cond delay="0"/>
+                                          </p:stCondLst>
+                                        </p:cTn>
+                                        <p:tgtEl>
+                                          <p:spTgt spid="16"/>
+                                        </p:tgtEl>
+                                        <p:attrNameLst>
+                                          <p:attrName>style.visibility</p:attrName>
+                                        </p:attrNameLst>
+                                      </p:cBhvr>
+                                      <p:to>
+                                        <p:strVal val="visible"/>
+                                      </p:to>
+                                    </p:set>
+                                  </p:childTnLst>
+                                </p:cTn>
+                              </p:par>
+                              <p:par>
+                                <p:cTn id="9" presetID="1" presetClass="entr" presetSubtype="0" fill="hold" grpId="0" nodeType="withEffect">
+                                  <p:stCondLst>
+                                    <p:cond delay="0"/>
+                                  </p:stCondLst>
+                                  <p:childTnLst>
+                                    <p:set>
+                                      <p:cBhvr>
+                                        <p:cTn id="10" dur="1" fill="hold">
+                                          <p:stCondLst>
+                                            <p:cond delay="0"/>
+                                          </p:stCondLst>
+                                        </p:cTn>
+                                        <p:tgtEl>
+                                          <p:spTgt spid="18"/>
+                                        </p:tgtEl>
+                                        <p:attrNameLst>
+                                          <p:attrName>style.visibility</p:attrName>
+                                        </p:attrNameLst>
+                                      </p:cBhvr>
+                                      <p:to>
+                                        <p:strVal val="visible"/>
+                                      </p:to>
+                                    </p:set>
+                                  </p:childTnLst>
+                                </p:cTn>
+                              </p:par>
+                              <p:par>
+                                <p:cTn id="11" presetID="1" presetClass="entr" presetSubtype="0" fill="hold" grpId="0" nodeType="withEffect">
+                                  <p:stCondLst>
+                                    <p:cond delay="0"/>
+                                  </p:stCondLst>
+                                  <p:childTnLst>
+                                    <p:set>
+                                      <p:cBhvr>
+                                        <p:cTn id="12" dur="1" fill="hold">
+                                          <p:stCondLst>
+                                            <p:cond delay="0"/>
+                                          </p:stCondLst>
+                                        </p:cTn>
+                                        <p:tgtEl>
+                                          <p:spTgt spid="17"/>
+                                        </p:tgtEl>
+                                        <p:attrNameLst>
+                                          <p:attrName>style.visibility</p:attrName>
+                                        </p:attrNameLst>
+                                      </p:cBhvr>
+                                      <p:to>
+                                        <p:strVal val="visible"/>
+                                      </p:to>
+                                    </p:set>
+                                  </p:childTnLst>
+                                </p:cTn>
+                              </p:par>
+                            </p:childTnLst>
+                          </p:cTn>
+                        </p:par>
+                      </p:childTnLst>
+                    </p:cTn>
+                  </p:par>
+                </p:childTnLst>
+              </p:cTn>
+              <p:prevCondLst>
+                <p:cond evt="onPrev" delay="0">
+                  <p:tgtEl>
+                    <p:sldTgt/>
+                  </p:tgtEl>
+                </p:cond>
+              </p:prevCondLst>
+              <p:nextCondLst>
+                <p:cond evt="onNext" delay="0">
+                  <p:tgtEl>
+                    <p:sldTgt/>
+                  </p:tgtEl>
+                </p:cond>
+              </p:nextCondLst>
+            </p:seq>
+          </p:childTnLst>
+        </p:cTn>
+      </p:par>
+    </p:tnLst>
+    <p:bldLst>
+      <p:bldP spid="15" grpId="0" animBg="1"/>
+      <p:bldP spid="16" grpId="0" animBg="1"/>
+      <p:bldP spid="17" grpId="0" animBg="1"/>
+      <p:bldP spid="18" grpId="0" animBg="1"/>
+    </p:bldLst>
+  </p:timing>
+</p:sld>
+</file>
+
+<file path=ppt/slides/slide19.xml><?xml version="1.0" encoding="utf-8"?>
+<p:sld xmlns:a="http://schemas.openxmlformats.org/drawingml/2006/main" xmlns:r="http://schemas.openxmlformats.org/officeDocument/2006/relationships" xmlns:p="http://schemas.openxmlformats.org/presentationml/2006/main">
+  <p:cSld>
+    <p:spTree>
+      <p:nvGrpSpPr>
+        <p:cNvPr id="1" name=""/>
+        <p:cNvGrpSpPr/>
+        <p:nvPr/>
+      </p:nvGrpSpPr>
+      <p:grpSpPr>
+        <a:xfrm>
+          <a:off x="0" y="0"/>
+          <a:ext cx="0" cy="0"/>
+          <a:chOff x="0" y="0"/>
+          <a:chExt cx="0" cy="0"/>
+        </a:xfrm>
+      </p:grpSpPr>
+      <p:sp>
+        <p:nvSpPr>
+          <p:cNvPr id="2" name="1 Título"/>
+          <p:cNvSpPr>
+            <a:spLocks noGrp="1"/>
+          </p:cNvSpPr>
+          <p:nvPr>
+            <p:ph type="title"/>
+          </p:nvPr>
+        </p:nvSpPr>
+        <p:spPr/>
+        <p:txBody>
+          <a:bodyPr>
+            <a:normAutofit/>
+          </a:bodyPr>
+          <a:lstStyle/>
+          <a:p>
+            <a:pPr algn="ctr"/>
+            <a:r>
+              <a:rPr lang="es-ES" b="1" dirty="0" smtClean="0">
+                <a:solidFill>
+                  <a:schemeClr val="accent1">
+                    <a:lumMod val="50000"/>
+                  </a:schemeClr>
+                </a:solidFill>
+              </a:rPr>
+              <a:t>Resultados primer ensayo</a:t>
+            </a:r>
+            <a:endParaRPr lang="es-ES" b="1" dirty="0">
+              <a:solidFill>
+                <a:schemeClr val="accent1">
+                  <a:lumMod val="50000"/>
+                </a:schemeClr>
+              </a:solidFill>
+            </a:endParaRPr>
+          </a:p>
+        </p:txBody>
+      </p:sp>
+      <p:pic>
+        <p:nvPicPr>
+          <p:cNvPr id="4" name="Picture 2" descr="Resultado de imagen de etsidi logo"/>
+          <p:cNvPicPr>
+            <a:picLocks noChangeAspect="1" noChangeArrowheads="1"/>
+          </p:cNvPicPr>
+          <p:nvPr/>
+        </p:nvPicPr>
+        <p:blipFill>
+          <a:blip r:embed="rId2" cstate="print">
+            <a:extLst>
+              <a:ext uri="{28A0092B-C50C-407E-A947-70E740481C1C}">
+                <a14:useLocalDpi xmlns:a14="http://schemas.microsoft.com/office/drawing/2010/main" val="0"/>
+              </a:ext>
+            </a:extLst>
+          </a:blip>
+          <a:srcRect/>
+          <a:stretch>
+            <a:fillRect/>
+          </a:stretch>
+        </p:blipFill>
+        <p:spPr bwMode="auto">
+          <a:xfrm>
+            <a:off x="10269415" y="286460"/>
+            <a:ext cx="1693789" cy="895227"/>
+          </a:xfrm>
+          <a:prstGeom prst="rect">
+            <a:avLst/>
+          </a:prstGeom>
+          <a:noFill/>
+          <a:extLst>
+            <a:ext uri="{909E8E84-426E-40DD-AFC4-6F175D3DCCD1}">
+              <a14:hiddenFill xmlns:a14="http://schemas.microsoft.com/office/drawing/2010/main">
+                <a:solidFill>
+                  <a:srgbClr val="FFFFFF"/>
+                </a:solidFill>
+              </a14:hiddenFill>
+            </a:ext>
+          </a:extLst>
+        </p:spPr>
+      </p:pic>
+      <p:pic>
+        <p:nvPicPr>
+          <p:cNvPr id="5" name="Picture 2" descr="Macintosh HD en Idril:Users:barrientos:DATOS:Modelos:Logos:UPM:EscUpmPolit.jpg"/>
+          <p:cNvPicPr/>
+          <p:nvPr/>
+        </p:nvPicPr>
+        <p:blipFill>
+          <a:blip r:embed="rId3">
+            <a:extLst>
+              <a:ext uri="{28A0092B-C50C-407E-A947-70E740481C1C}">
+                <a14:useLocalDpi xmlns:a14="http://schemas.microsoft.com/office/drawing/2010/main" val="0"/>
+              </a:ext>
+            </a:extLst>
+          </a:blip>
+          <a:srcRect/>
+          <a:stretch>
+            <a:fillRect/>
+          </a:stretch>
+        </p:blipFill>
+        <p:spPr bwMode="auto">
+          <a:xfrm>
+            <a:off x="143705" y="131712"/>
+            <a:ext cx="1417125" cy="1181686"/>
+          </a:xfrm>
+          <a:prstGeom prst="rect">
+            <a:avLst/>
+          </a:prstGeom>
+          <a:noFill/>
+          <a:ln>
+            <a:noFill/>
+          </a:ln>
+        </p:spPr>
+      </p:pic>
+      <p:pic>
+        <p:nvPicPr>
+          <p:cNvPr id="7" name="Image 6" descr="image011"/>
+          <p:cNvPicPr>
+            <a:picLocks noChangeAspect="1" noChangeArrowheads="1"/>
+          </p:cNvPicPr>
+          <p:nvPr/>
+        </p:nvPicPr>
+        <p:blipFill>
+          <a:blip r:embed="rId4">
+            <a:extLst>
+              <a:ext uri="{28A0092B-C50C-407E-A947-70E740481C1C}">
+                <a14:useLocalDpi xmlns:a14="http://schemas.microsoft.com/office/drawing/2010/main" val="0"/>
+              </a:ext>
+            </a:extLst>
+          </a:blip>
+          <a:srcRect/>
+          <a:stretch>
+            <a:fillRect/>
+          </a:stretch>
+        </p:blipFill>
+        <p:spPr bwMode="auto">
+          <a:xfrm>
+            <a:off x="9845799" y="6062662"/>
+            <a:ext cx="2117405" cy="452437"/>
+          </a:xfrm>
+          <a:prstGeom prst="rect">
+            <a:avLst/>
+          </a:prstGeom>
+          <a:noFill/>
+          <a:ln>
+            <a:noFill/>
+          </a:ln>
+          <a:extLst>
+            <a:ext uri="{909E8E84-426E-40DD-AFC4-6F175D3DCCD1}">
+              <a14:hiddenFill xmlns:a14="http://schemas.microsoft.com/office/drawing/2010/main">
+                <a:solidFill>
+                  <a:srgbClr val="FFFFFF"/>
+                </a:solidFill>
+              </a14:hiddenFill>
+            </a:ext>
+            <a:ext uri="{91240B29-F687-4F45-9708-019B960494DF}">
+              <a14:hiddenLine xmlns:a14="http://schemas.microsoft.com/office/drawing/2010/main" w="9525">
+                <a:solidFill>
+                  <a:srgbClr val="000000"/>
+                </a:solidFill>
+                <a:miter lim="800000"/>
+                <a:headEnd/>
+                <a:tailEnd/>
+              </a14:hiddenLine>
+            </a:ext>
+          </a:extLst>
+        </p:spPr>
+      </p:pic>
+      <p:pic>
+        <p:nvPicPr>
+          <p:cNvPr id="10" name="Imagen 9"/>
+          <p:cNvPicPr>
+            <a:picLocks noChangeAspect="1"/>
+          </p:cNvPicPr>
+          <p:nvPr/>
+        </p:nvPicPr>
+        <p:blipFill>
+          <a:blip r:embed="rId5">
+            <a:extLst>
+              <a:ext uri="{28A0092B-C50C-407E-A947-70E740481C1C}">
+                <a14:useLocalDpi xmlns:a14="http://schemas.microsoft.com/office/drawing/2010/main" val="0"/>
+              </a:ext>
+            </a:extLst>
+          </a:blip>
+          <a:stretch>
+            <a:fillRect/>
+          </a:stretch>
+        </p:blipFill>
+        <p:spPr>
+          <a:xfrm>
+            <a:off x="140174" y="1392063"/>
+            <a:ext cx="8539076" cy="2847880"/>
+          </a:xfrm>
+          <a:prstGeom prst="rect">
+            <a:avLst/>
+          </a:prstGeom>
+        </p:spPr>
+      </p:pic>
+      <p:pic>
+        <p:nvPicPr>
+          <p:cNvPr id="11" name="Imagen 10"/>
+          <p:cNvPicPr>
+            <a:picLocks noChangeAspect="1"/>
+          </p:cNvPicPr>
+          <p:nvPr/>
+        </p:nvPicPr>
+        <p:blipFill>
+          <a:blip r:embed="rId6">
+            <a:extLst>
+              <a:ext uri="{28A0092B-C50C-407E-A947-70E740481C1C}">
+                <a14:useLocalDpi xmlns:a14="http://schemas.microsoft.com/office/drawing/2010/main" val="0"/>
+              </a:ext>
+            </a:extLst>
+          </a:blip>
+          <a:stretch>
+            <a:fillRect/>
+          </a:stretch>
+        </p:blipFill>
+        <p:spPr>
+          <a:xfrm>
+            <a:off x="140174" y="3836556"/>
+            <a:ext cx="8577364" cy="2860649"/>
+          </a:xfrm>
+          <a:prstGeom prst="rect">
+            <a:avLst/>
+          </a:prstGeom>
+        </p:spPr>
+      </p:pic>
+      <p:pic>
+        <p:nvPicPr>
+          <p:cNvPr id="13" name="Imagen 12"/>
+          <p:cNvPicPr>
+            <a:picLocks noChangeAspect="1"/>
+          </p:cNvPicPr>
+          <p:nvPr/>
+        </p:nvPicPr>
+        <p:blipFill>
+          <a:blip r:embed="rId7">
+            <a:extLst>
+              <a:ext uri="{28A0092B-C50C-407E-A947-70E740481C1C}">
+                <a14:useLocalDpi xmlns:a14="http://schemas.microsoft.com/office/drawing/2010/main" val="0"/>
+              </a:ext>
+            </a:extLst>
+          </a:blip>
+          <a:stretch>
+            <a:fillRect/>
+          </a:stretch>
+        </p:blipFill>
+        <p:spPr>
+          <a:xfrm>
+            <a:off x="8736182" y="1344158"/>
+            <a:ext cx="3003507" cy="2761794"/>
+          </a:xfrm>
+          <a:prstGeom prst="rect">
+            <a:avLst/>
+          </a:prstGeom>
+        </p:spPr>
+      </p:pic>
+      <p:pic>
+        <p:nvPicPr>
+          <p:cNvPr id="12" name="Imagen 11"/>
+          <p:cNvPicPr>
+            <a:picLocks noChangeAspect="1"/>
+          </p:cNvPicPr>
+          <p:nvPr/>
+        </p:nvPicPr>
+        <p:blipFill>
+          <a:blip r:embed="rId8">
+            <a:extLst>
+              <a:ext uri="{28A0092B-C50C-407E-A947-70E740481C1C}">
+                <a14:useLocalDpi xmlns:a14="http://schemas.microsoft.com/office/drawing/2010/main" val="0"/>
+              </a:ext>
+            </a:extLst>
+          </a:blip>
+          <a:stretch>
+            <a:fillRect/>
+          </a:stretch>
+        </p:blipFill>
+        <p:spPr>
+          <a:xfrm>
+            <a:off x="8736183" y="3818865"/>
+            <a:ext cx="3003507" cy="2243797"/>
+          </a:xfrm>
+          <a:prstGeom prst="rect">
+            <a:avLst/>
+          </a:prstGeom>
+        </p:spPr>
+      </p:pic>
+    </p:spTree>
+    <p:extLst>
+      <p:ext uri="{BB962C8B-B14F-4D97-AF65-F5344CB8AC3E}">
+        <p14:creationId xmlns:p14="http://schemas.microsoft.com/office/powerpoint/2010/main" val="2095381131"/>
+      </p:ext>
+    </p:extLst>
+  </p:cSld>
+  <p:clrMapOvr>
+    <a:masterClrMapping/>
+  </p:clrMapOvr>
+  <p:timing>
+    <p:tnLst>
+      <p:par>
+        <p:cTn id="1" dur="indefinite" restart="never" nodeType="tmRoot">
+          <p:childTnLst>
+            <p:seq concurrent="1" nextAc="seek">
+              <p:cTn id="2" dur="indefinite" nodeType="mainSeq">
+                <p:childTnLst>
+                  <p:par>
+                    <p:cTn id="3" fill="hold">
+                      <p:stCondLst>
+                        <p:cond delay="indefinite"/>
+                      </p:stCondLst>
+                      <p:childTnLst>
+                        <p:par>
+                          <p:cTn id="4" fill="hold">
+                            <p:stCondLst>
+                              <p:cond delay="0"/>
+                            </p:stCondLst>
+                            <p:childTnLst>
+                              <p:par>
+                                <p:cTn id="5" presetID="1" presetClass="entr" presetSubtype="0" fill="hold" nodeType="clickEffect">
+                                  <p:stCondLst>
+                                    <p:cond delay="0"/>
+                                  </p:stCondLst>
+                                  <p:childTnLst>
+                                    <p:set>
+                                      <p:cBhvr>
+                                        <p:cTn id="6" dur="1" fill="hold">
+                                          <p:stCondLst>
+                                            <p:cond delay="0"/>
+                                          </p:stCondLst>
+                                        </p:cTn>
+                                        <p:tgtEl>
+                                          <p:spTgt spid="13"/>
+                                        </p:tgtEl>
+                                        <p:attrNameLst>
+                                          <p:attrName>style.visibility</p:attrName>
+                                        </p:attrNameLst>
+                                      </p:cBhvr>
+                                      <p:to>
+                                        <p:strVal val="visible"/>
+                                      </p:to>
+                                    </p:set>
+                                  </p:childTnLst>
+                                </p:cTn>
+                              </p:par>
+                              <p:par>
+                                <p:cTn id="7" presetID="1" presetClass="entr" presetSubtype="0" fill="hold" nodeType="withEffect">
+                                  <p:stCondLst>
+                                    <p:cond delay="0"/>
+                                  </p:stCondLst>
+                                  <p:childTnLst>
+                                    <p:set>
+                                      <p:cBhvr>
+                                        <p:cTn id="8" dur="1" fill="hold">
+                                          <p:stCondLst>
+                                            <p:cond delay="0"/>
+                                          </p:stCondLst>
+                                        </p:cTn>
+                                        <p:tgtEl>
+                                          <p:spTgt spid="12"/>
+                                        </p:tgtEl>
+                                        <p:attrNameLst>
+                                          <p:attrName>style.visibility</p:attrName>
+                                        </p:attrNameLst>
+                                      </p:cBhvr>
+                                      <p:to>
+                                        <p:strVal val="visible"/>
+                                      </p:to>
+                                    </p:set>
+                                  </p:childTnLst>
+                                </p:cTn>
+                              </p:par>
+                            </p:childTnLst>
+                          </p:cTn>
+                        </p:par>
+                      </p:childTnLst>
+                    </p:cTn>
+                  </p:par>
+                </p:childTnLst>
+              </p:cTn>
+              <p:prevCondLst>
+                <p:cond evt="onPrev" delay="0">
+                  <p:tgtEl>
+                    <p:sldTgt/>
+                  </p:tgtEl>
+                </p:cond>
+              </p:prevCondLst>
+              <p:nextCondLst>
+                <p:cond evt="onNext" delay="0">
+                  <p:tgtEl>
+                    <p:sldTgt/>
+                  </p:tgtEl>
+                </p:cond>
+              </p:nextCondLst>
+            </p:seq>
+          </p:childTnLst>
+        </p:cTn>
       </p:par>
     </p:tnLst>
   </p:timing>
@@ -9021,10 +10836,416 @@
       </p:grpSpPr>
       <p:sp>
         <p:nvSpPr>
+          <p:cNvPr id="2" name="1 Título"/>
+          <p:cNvSpPr>
+            <a:spLocks noGrp="1"/>
+          </p:cNvSpPr>
+          <p:nvPr>
+            <p:ph type="title"/>
+          </p:nvPr>
+        </p:nvSpPr>
+        <p:spPr/>
+        <p:txBody>
+          <a:bodyPr>
+            <a:normAutofit/>
+          </a:bodyPr>
+          <a:lstStyle/>
+          <a:p>
+            <a:pPr algn="ctr"/>
+            <a:r>
+              <a:rPr lang="es-ES" b="1" dirty="0" smtClean="0">
+                <a:solidFill>
+                  <a:schemeClr val="accent1">
+                    <a:lumMod val="50000"/>
+                  </a:schemeClr>
+                </a:solidFill>
+              </a:rPr>
+              <a:t>Resultados primer ensayo</a:t>
+            </a:r>
+            <a:endParaRPr lang="es-ES" b="1" dirty="0">
+              <a:solidFill>
+                <a:schemeClr val="accent1">
+                  <a:lumMod val="50000"/>
+                </a:schemeClr>
+              </a:solidFill>
+            </a:endParaRPr>
+          </a:p>
+        </p:txBody>
+      </p:sp>
+      <p:pic>
+        <p:nvPicPr>
+          <p:cNvPr id="4" name="Picture 2" descr="Resultado de imagen de etsidi logo"/>
+          <p:cNvPicPr>
+            <a:picLocks noChangeAspect="1" noChangeArrowheads="1"/>
+          </p:cNvPicPr>
+          <p:nvPr/>
+        </p:nvPicPr>
+        <p:blipFill>
+          <a:blip r:embed="rId2" cstate="print">
+            <a:extLst>
+              <a:ext uri="{28A0092B-C50C-407E-A947-70E740481C1C}">
+                <a14:useLocalDpi xmlns:a14="http://schemas.microsoft.com/office/drawing/2010/main" val="0"/>
+              </a:ext>
+            </a:extLst>
+          </a:blip>
+          <a:srcRect/>
+          <a:stretch>
+            <a:fillRect/>
+          </a:stretch>
+        </p:blipFill>
+        <p:spPr bwMode="auto">
+          <a:xfrm>
+            <a:off x="10269415" y="286460"/>
+            <a:ext cx="1693789" cy="895227"/>
+          </a:xfrm>
+          <a:prstGeom prst="rect">
+            <a:avLst/>
+          </a:prstGeom>
+          <a:noFill/>
+          <a:extLst>
+            <a:ext uri="{909E8E84-426E-40DD-AFC4-6F175D3DCCD1}">
+              <a14:hiddenFill xmlns:a14="http://schemas.microsoft.com/office/drawing/2010/main">
+                <a:solidFill>
+                  <a:srgbClr val="FFFFFF"/>
+                </a:solidFill>
+              </a14:hiddenFill>
+            </a:ext>
+          </a:extLst>
+        </p:spPr>
+      </p:pic>
+      <p:pic>
+        <p:nvPicPr>
+          <p:cNvPr id="5" name="Picture 2" descr="Macintosh HD en Idril:Users:barrientos:DATOS:Modelos:Logos:UPM:EscUpmPolit.jpg"/>
+          <p:cNvPicPr/>
+          <p:nvPr/>
+        </p:nvPicPr>
+        <p:blipFill>
+          <a:blip r:embed="rId3">
+            <a:extLst>
+              <a:ext uri="{28A0092B-C50C-407E-A947-70E740481C1C}">
+                <a14:useLocalDpi xmlns:a14="http://schemas.microsoft.com/office/drawing/2010/main" val="0"/>
+              </a:ext>
+            </a:extLst>
+          </a:blip>
+          <a:srcRect/>
+          <a:stretch>
+            <a:fillRect/>
+          </a:stretch>
+        </p:blipFill>
+        <p:spPr bwMode="auto">
+          <a:xfrm>
+            <a:off x="143705" y="131712"/>
+            <a:ext cx="1417125" cy="1181686"/>
+          </a:xfrm>
+          <a:prstGeom prst="rect">
+            <a:avLst/>
+          </a:prstGeom>
+          <a:noFill/>
+          <a:ln>
+            <a:noFill/>
+          </a:ln>
+        </p:spPr>
+      </p:pic>
+      <p:pic>
+        <p:nvPicPr>
+          <p:cNvPr id="7" name="Image 6" descr="image011"/>
+          <p:cNvPicPr>
+            <a:picLocks noChangeAspect="1" noChangeArrowheads="1"/>
+          </p:cNvPicPr>
+          <p:nvPr/>
+        </p:nvPicPr>
+        <p:blipFill>
+          <a:blip r:embed="rId4">
+            <a:extLst>
+              <a:ext uri="{28A0092B-C50C-407E-A947-70E740481C1C}">
+                <a14:useLocalDpi xmlns:a14="http://schemas.microsoft.com/office/drawing/2010/main" val="0"/>
+              </a:ext>
+            </a:extLst>
+          </a:blip>
+          <a:srcRect/>
+          <a:stretch>
+            <a:fillRect/>
+          </a:stretch>
+        </p:blipFill>
+        <p:spPr bwMode="auto">
+          <a:xfrm>
+            <a:off x="9845799" y="6062662"/>
+            <a:ext cx="2117405" cy="452437"/>
+          </a:xfrm>
+          <a:prstGeom prst="rect">
+            <a:avLst/>
+          </a:prstGeom>
+          <a:noFill/>
+          <a:ln>
+            <a:noFill/>
+          </a:ln>
+          <a:extLst>
+            <a:ext uri="{909E8E84-426E-40DD-AFC4-6F175D3DCCD1}">
+              <a14:hiddenFill xmlns:a14="http://schemas.microsoft.com/office/drawing/2010/main">
+                <a:solidFill>
+                  <a:srgbClr val="FFFFFF"/>
+                </a:solidFill>
+              </a14:hiddenFill>
+            </a:ext>
+            <a:ext uri="{91240B29-F687-4F45-9708-019B960494DF}">
+              <a14:hiddenLine xmlns:a14="http://schemas.microsoft.com/office/drawing/2010/main" w="9525">
+                <a:solidFill>
+                  <a:srgbClr val="000000"/>
+                </a:solidFill>
+                <a:miter lim="800000"/>
+                <a:headEnd/>
+                <a:tailEnd/>
+              </a14:hiddenLine>
+            </a:ext>
+          </a:extLst>
+        </p:spPr>
+      </p:pic>
+    </p:spTree>
+    <p:extLst>
+      <p:ext uri="{BB962C8B-B14F-4D97-AF65-F5344CB8AC3E}">
+        <p14:creationId xmlns:p14="http://schemas.microsoft.com/office/powerpoint/2010/main" val="3525511416"/>
+      </p:ext>
+    </p:extLst>
+  </p:cSld>
+  <p:clrMapOvr>
+    <a:masterClrMapping/>
+  </p:clrMapOvr>
+  <p:timing>
+    <p:tnLst>
+      <p:par>
+        <p:cTn id="1" dur="indefinite" restart="never" nodeType="tmRoot"/>
+      </p:par>
+    </p:tnLst>
+  </p:timing>
+</p:sld>
+</file>
+
+<file path=ppt/slides/slide21.xml><?xml version="1.0" encoding="utf-8"?>
+<p:sld xmlns:a="http://schemas.openxmlformats.org/drawingml/2006/main" xmlns:r="http://schemas.openxmlformats.org/officeDocument/2006/relationships" xmlns:p="http://schemas.openxmlformats.org/presentationml/2006/main">
+  <p:cSld>
+    <p:spTree>
+      <p:nvGrpSpPr>
+        <p:cNvPr id="1" name=""/>
+        <p:cNvGrpSpPr/>
+        <p:nvPr/>
+      </p:nvGrpSpPr>
+      <p:grpSpPr>
+        <a:xfrm>
+          <a:off x="0" y="0"/>
+          <a:ext cx="0" cy="0"/>
+          <a:chOff x="0" y="0"/>
+          <a:chExt cx="0" cy="0"/>
+        </a:xfrm>
+      </p:grpSpPr>
+      <p:sp>
+        <p:nvSpPr>
+          <p:cNvPr id="2" name="1 Título"/>
+          <p:cNvSpPr>
+            <a:spLocks noGrp="1"/>
+          </p:cNvSpPr>
+          <p:nvPr>
+            <p:ph type="title"/>
+          </p:nvPr>
+        </p:nvSpPr>
+        <p:spPr/>
+        <p:txBody>
+          <a:bodyPr>
+            <a:normAutofit/>
+          </a:bodyPr>
+          <a:lstStyle/>
+          <a:p>
+            <a:pPr algn="ctr"/>
+            <a:r>
+              <a:rPr lang="es-ES" b="1" dirty="0" smtClean="0">
+                <a:solidFill>
+                  <a:schemeClr val="accent1">
+                    <a:lumMod val="50000"/>
+                  </a:schemeClr>
+                </a:solidFill>
+              </a:rPr>
+              <a:t>Resultados segundo ensayo</a:t>
+            </a:r>
+            <a:endParaRPr lang="es-ES" b="1" dirty="0">
+              <a:solidFill>
+                <a:schemeClr val="accent1">
+                  <a:lumMod val="50000"/>
+                </a:schemeClr>
+              </a:solidFill>
+            </a:endParaRPr>
+          </a:p>
+        </p:txBody>
+      </p:sp>
+      <p:pic>
+        <p:nvPicPr>
+          <p:cNvPr id="4" name="Picture 2" descr="Resultado de imagen de etsidi logo"/>
+          <p:cNvPicPr>
+            <a:picLocks noChangeAspect="1" noChangeArrowheads="1"/>
+          </p:cNvPicPr>
+          <p:nvPr/>
+        </p:nvPicPr>
+        <p:blipFill>
+          <a:blip r:embed="rId2" cstate="print">
+            <a:extLst>
+              <a:ext uri="{28A0092B-C50C-407E-A947-70E740481C1C}">
+                <a14:useLocalDpi xmlns:a14="http://schemas.microsoft.com/office/drawing/2010/main" val="0"/>
+              </a:ext>
+            </a:extLst>
+          </a:blip>
+          <a:srcRect/>
+          <a:stretch>
+            <a:fillRect/>
+          </a:stretch>
+        </p:blipFill>
+        <p:spPr bwMode="auto">
+          <a:xfrm>
+            <a:off x="10269415" y="286460"/>
+            <a:ext cx="1693789" cy="895227"/>
+          </a:xfrm>
+          <a:prstGeom prst="rect">
+            <a:avLst/>
+          </a:prstGeom>
+          <a:noFill/>
+          <a:extLst>
+            <a:ext uri="{909E8E84-426E-40DD-AFC4-6F175D3DCCD1}">
+              <a14:hiddenFill xmlns:a14="http://schemas.microsoft.com/office/drawing/2010/main">
+                <a:solidFill>
+                  <a:srgbClr val="FFFFFF"/>
+                </a:solidFill>
+              </a14:hiddenFill>
+            </a:ext>
+          </a:extLst>
+        </p:spPr>
+      </p:pic>
+      <p:pic>
+        <p:nvPicPr>
+          <p:cNvPr id="5" name="Picture 2" descr="Macintosh HD en Idril:Users:barrientos:DATOS:Modelos:Logos:UPM:EscUpmPolit.jpg"/>
+          <p:cNvPicPr/>
+          <p:nvPr/>
+        </p:nvPicPr>
+        <p:blipFill>
+          <a:blip r:embed="rId3">
+            <a:extLst>
+              <a:ext uri="{28A0092B-C50C-407E-A947-70E740481C1C}">
+                <a14:useLocalDpi xmlns:a14="http://schemas.microsoft.com/office/drawing/2010/main" val="0"/>
+              </a:ext>
+            </a:extLst>
+          </a:blip>
+          <a:srcRect/>
+          <a:stretch>
+            <a:fillRect/>
+          </a:stretch>
+        </p:blipFill>
+        <p:spPr bwMode="auto">
+          <a:xfrm>
+            <a:off x="143705" y="131712"/>
+            <a:ext cx="1417125" cy="1181686"/>
+          </a:xfrm>
+          <a:prstGeom prst="rect">
+            <a:avLst/>
+          </a:prstGeom>
+          <a:noFill/>
+          <a:ln>
+            <a:noFill/>
+          </a:ln>
+        </p:spPr>
+      </p:pic>
+      <p:pic>
+        <p:nvPicPr>
+          <p:cNvPr id="7" name="Image 6" descr="image011"/>
+          <p:cNvPicPr>
+            <a:picLocks noChangeAspect="1" noChangeArrowheads="1"/>
+          </p:cNvPicPr>
+          <p:nvPr/>
+        </p:nvPicPr>
+        <p:blipFill>
+          <a:blip r:embed="rId4">
+            <a:extLst>
+              <a:ext uri="{28A0092B-C50C-407E-A947-70E740481C1C}">
+                <a14:useLocalDpi xmlns:a14="http://schemas.microsoft.com/office/drawing/2010/main" val="0"/>
+              </a:ext>
+            </a:extLst>
+          </a:blip>
+          <a:srcRect/>
+          <a:stretch>
+            <a:fillRect/>
+          </a:stretch>
+        </p:blipFill>
+        <p:spPr bwMode="auto">
+          <a:xfrm>
+            <a:off x="9845799" y="6062662"/>
+            <a:ext cx="2117405" cy="452437"/>
+          </a:xfrm>
+          <a:prstGeom prst="rect">
+            <a:avLst/>
+          </a:prstGeom>
+          <a:noFill/>
+          <a:ln>
+            <a:noFill/>
+          </a:ln>
+          <a:extLst>
+            <a:ext uri="{909E8E84-426E-40DD-AFC4-6F175D3DCCD1}">
+              <a14:hiddenFill xmlns:a14="http://schemas.microsoft.com/office/drawing/2010/main">
+                <a:solidFill>
+                  <a:srgbClr val="FFFFFF"/>
+                </a:solidFill>
+              </a14:hiddenFill>
+            </a:ext>
+            <a:ext uri="{91240B29-F687-4F45-9708-019B960494DF}">
+              <a14:hiddenLine xmlns:a14="http://schemas.microsoft.com/office/drawing/2010/main" w="9525">
+                <a:solidFill>
+                  <a:srgbClr val="000000"/>
+                </a:solidFill>
+                <a:miter lim="800000"/>
+                <a:headEnd/>
+                <a:tailEnd/>
+              </a14:hiddenLine>
+            </a:ext>
+          </a:extLst>
+        </p:spPr>
+      </p:pic>
+    </p:spTree>
+    <p:extLst>
+      <p:ext uri="{BB962C8B-B14F-4D97-AF65-F5344CB8AC3E}">
+        <p14:creationId xmlns:p14="http://schemas.microsoft.com/office/powerpoint/2010/main" val="2533352451"/>
+      </p:ext>
+    </p:extLst>
+  </p:cSld>
+  <p:clrMapOvr>
+    <a:masterClrMapping/>
+  </p:clrMapOvr>
+  <p:timing>
+    <p:tnLst>
+      <p:par>
+        <p:cTn id="1" dur="indefinite" restart="never" nodeType="tmRoot"/>
+      </p:par>
+    </p:tnLst>
+  </p:timing>
+</p:sld>
+</file>
+
+<file path=ppt/slides/slide22.xml><?xml version="1.0" encoding="utf-8"?>
+<p:sld xmlns:a="http://schemas.openxmlformats.org/drawingml/2006/main" xmlns:r="http://schemas.openxmlformats.org/officeDocument/2006/relationships" xmlns:p="http://schemas.openxmlformats.org/presentationml/2006/main">
+  <p:cSld>
+    <p:spTree>
+      <p:nvGrpSpPr>
+        <p:cNvPr id="1" name=""/>
+        <p:cNvGrpSpPr/>
+        <p:nvPr/>
+      </p:nvGrpSpPr>
+      <p:grpSpPr>
+        <a:xfrm>
+          <a:off x="0" y="0"/>
+          <a:ext cx="0" cy="0"/>
+          <a:chOff x="0" y="0"/>
+          <a:chExt cx="0" cy="0"/>
+        </a:xfrm>
+      </p:grpSpPr>
+      <p:sp>
+        <p:nvSpPr>
           <p:cNvPr id="2" name="Título 1">
             <a:extLst>
               <a:ext uri="{FF2B5EF4-FFF2-40B4-BE49-F238E27FC236}">
-                <a16:creationId xmlns:a16="http://schemas.microsoft.com/office/drawing/2014/main" xmlns="" id="{7CE1135B-07BD-441E-96D7-85BD4835A7ED}"/>
+                <a16:creationId xmlns="" xmlns:a16="http://schemas.microsoft.com/office/drawing/2014/main" id="{7CE1135B-07BD-441E-96D7-85BD4835A7ED}"/>
               </a:ext>
             </a:extLst>
           </p:cNvPr>
@@ -9051,7 +11272,7 @@
                   </a:schemeClr>
                 </a:solidFill>
               </a:rPr>
-              <a:t>Estudios futuros</a:t>
+              <a:t>Conclusiones del primer ensayo</a:t>
             </a:r>
           </a:p>
         </p:txBody>
@@ -9061,7 +11282,810 @@
           <p:cNvPr id="3" name="Marcador de contenido 2">
             <a:extLst>
               <a:ext uri="{FF2B5EF4-FFF2-40B4-BE49-F238E27FC236}">
-                <a16:creationId xmlns:a16="http://schemas.microsoft.com/office/drawing/2014/main" xmlns="" id="{8494C532-DF3D-48DB-A603-9E1A5F3ADD2D}"/>
+                <a16:creationId xmlns="" xmlns:a16="http://schemas.microsoft.com/office/drawing/2014/main" id="{8494C532-DF3D-48DB-A603-9E1A5F3ADD2D}"/>
+              </a:ext>
+            </a:extLst>
+          </p:cNvPr>
+          <p:cNvSpPr>
+            <a:spLocks noGrp="1"/>
+          </p:cNvSpPr>
+          <p:nvPr>
+            <p:ph idx="1"/>
+          </p:nvPr>
+        </p:nvSpPr>
+        <p:spPr/>
+        <p:txBody>
+          <a:bodyPr/>
+          <a:lstStyle/>
+          <a:p>
+            <a:pPr marL="514350" indent="-514350">
+              <a:buFont typeface="+mj-lt"/>
+              <a:buAutoNum type="arabicPeriod"/>
+            </a:pPr>
+            <a:r>
+              <a:rPr lang="es-ES" dirty="0" smtClean="0"/>
+              <a:t>Es imposible seguir el código de red con entrega nula de potencia activa</a:t>
+            </a:r>
+          </a:p>
+          <a:p>
+            <a:pPr marL="514350" indent="-514350">
+              <a:buFont typeface="+mj-lt"/>
+              <a:buAutoNum type="arabicPeriod"/>
+            </a:pPr>
+            <a:r>
+              <a:rPr lang="es-ES" dirty="0" smtClean="0"/>
+              <a:t>A mayor potencia activa generada más fácil es seguir el código de red</a:t>
+            </a:r>
+            <a:endParaRPr lang="es-ES" dirty="0"/>
+          </a:p>
+        </p:txBody>
+      </p:sp>
+      <p:pic>
+        <p:nvPicPr>
+          <p:cNvPr id="5" name="Picture 2" descr="Resultado de imagen de etsidi logo"/>
+          <p:cNvPicPr>
+            <a:picLocks noChangeAspect="1" noChangeArrowheads="1"/>
+          </p:cNvPicPr>
+          <p:nvPr/>
+        </p:nvPicPr>
+        <p:blipFill>
+          <a:blip r:embed="rId2" cstate="print">
+            <a:extLst>
+              <a:ext uri="{28A0092B-C50C-407E-A947-70E740481C1C}">
+                <a14:useLocalDpi xmlns:a14="http://schemas.microsoft.com/office/drawing/2010/main" val="0"/>
+              </a:ext>
+            </a:extLst>
+          </a:blip>
+          <a:srcRect/>
+          <a:stretch>
+            <a:fillRect/>
+          </a:stretch>
+        </p:blipFill>
+        <p:spPr bwMode="auto">
+          <a:xfrm>
+            <a:off x="10269415" y="286460"/>
+            <a:ext cx="1693789" cy="895227"/>
+          </a:xfrm>
+          <a:prstGeom prst="rect">
+            <a:avLst/>
+          </a:prstGeom>
+          <a:noFill/>
+          <a:extLst>
+            <a:ext uri="{909E8E84-426E-40DD-AFC4-6F175D3DCCD1}">
+              <a14:hiddenFill xmlns:a14="http://schemas.microsoft.com/office/drawing/2010/main">
+                <a:solidFill>
+                  <a:srgbClr val="FFFFFF"/>
+                </a:solidFill>
+              </a14:hiddenFill>
+            </a:ext>
+          </a:extLst>
+        </p:spPr>
+      </p:pic>
+      <p:pic>
+        <p:nvPicPr>
+          <p:cNvPr id="6" name="Picture 2" descr="Macintosh HD en Idril:Users:barrientos:DATOS:Modelos:Logos:UPM:EscUpmPolit.jpg"/>
+          <p:cNvPicPr/>
+          <p:nvPr/>
+        </p:nvPicPr>
+        <p:blipFill>
+          <a:blip r:embed="rId3">
+            <a:extLst>
+              <a:ext uri="{28A0092B-C50C-407E-A947-70E740481C1C}">
+                <a14:useLocalDpi xmlns:a14="http://schemas.microsoft.com/office/drawing/2010/main" val="0"/>
+              </a:ext>
+            </a:extLst>
+          </a:blip>
+          <a:srcRect/>
+          <a:stretch>
+            <a:fillRect/>
+          </a:stretch>
+        </p:blipFill>
+        <p:spPr bwMode="auto">
+          <a:xfrm>
+            <a:off x="143705" y="131712"/>
+            <a:ext cx="1417125" cy="1181686"/>
+          </a:xfrm>
+          <a:prstGeom prst="rect">
+            <a:avLst/>
+          </a:prstGeom>
+          <a:noFill/>
+          <a:ln>
+            <a:noFill/>
+          </a:ln>
+        </p:spPr>
+      </p:pic>
+      <p:pic>
+        <p:nvPicPr>
+          <p:cNvPr id="8" name="Image 6" descr="image011"/>
+          <p:cNvPicPr>
+            <a:picLocks noChangeAspect="1" noChangeArrowheads="1"/>
+          </p:cNvPicPr>
+          <p:nvPr/>
+        </p:nvPicPr>
+        <p:blipFill>
+          <a:blip r:embed="rId4">
+            <a:extLst>
+              <a:ext uri="{28A0092B-C50C-407E-A947-70E740481C1C}">
+                <a14:useLocalDpi xmlns:a14="http://schemas.microsoft.com/office/drawing/2010/main" val="0"/>
+              </a:ext>
+            </a:extLst>
+          </a:blip>
+          <a:srcRect/>
+          <a:stretch>
+            <a:fillRect/>
+          </a:stretch>
+        </p:blipFill>
+        <p:spPr bwMode="auto">
+          <a:xfrm>
+            <a:off x="9845799" y="6062662"/>
+            <a:ext cx="2117405" cy="452437"/>
+          </a:xfrm>
+          <a:prstGeom prst="rect">
+            <a:avLst/>
+          </a:prstGeom>
+          <a:noFill/>
+          <a:ln>
+            <a:noFill/>
+          </a:ln>
+          <a:extLst>
+            <a:ext uri="{909E8E84-426E-40DD-AFC4-6F175D3DCCD1}">
+              <a14:hiddenFill xmlns:a14="http://schemas.microsoft.com/office/drawing/2010/main">
+                <a:solidFill>
+                  <a:srgbClr val="FFFFFF"/>
+                </a:solidFill>
+              </a14:hiddenFill>
+            </a:ext>
+            <a:ext uri="{91240B29-F687-4F45-9708-019B960494DF}">
+              <a14:hiddenLine xmlns:a14="http://schemas.microsoft.com/office/drawing/2010/main" w="9525">
+                <a:solidFill>
+                  <a:srgbClr val="000000"/>
+                </a:solidFill>
+                <a:miter lim="800000"/>
+                <a:headEnd/>
+                <a:tailEnd/>
+              </a14:hiddenLine>
+            </a:ext>
+          </a:extLst>
+        </p:spPr>
+      </p:pic>
+    </p:spTree>
+    <p:extLst>
+      <p:ext uri="{BB962C8B-B14F-4D97-AF65-F5344CB8AC3E}">
+        <p14:creationId xmlns:p14="http://schemas.microsoft.com/office/powerpoint/2010/main" val="2185818766"/>
+      </p:ext>
+    </p:extLst>
+  </p:cSld>
+  <p:clrMapOvr>
+    <a:masterClrMapping/>
+  </p:clrMapOvr>
+  <p:timing>
+    <p:tnLst>
+      <p:par>
+        <p:cTn id="1" dur="indefinite" restart="never" nodeType="tmRoot">
+          <p:childTnLst>
+            <p:seq concurrent="1" nextAc="seek">
+              <p:cTn id="2" dur="indefinite" nodeType="mainSeq">
+                <p:childTnLst>
+                  <p:par>
+                    <p:cTn id="3" fill="hold">
+                      <p:stCondLst>
+                        <p:cond delay="indefinite"/>
+                        <p:cond evt="onBegin" delay="0">
+                          <p:tn val="2"/>
+                        </p:cond>
+                      </p:stCondLst>
+                      <p:childTnLst>
+                        <p:par>
+                          <p:cTn id="4" fill="hold">
+                            <p:stCondLst>
+                              <p:cond delay="0"/>
+                            </p:stCondLst>
+                            <p:childTnLst>
+                              <p:par>
+                                <p:cTn id="5" presetID="1" presetClass="entr" presetSubtype="0" fill="hold" grpId="0" nodeType="withEffect">
+                                  <p:stCondLst>
+                                    <p:cond delay="0"/>
+                                  </p:stCondLst>
+                                  <p:childTnLst>
+                                    <p:set>
+                                      <p:cBhvr>
+                                        <p:cTn id="6" dur="1" fill="hold">
+                                          <p:stCondLst>
+                                            <p:cond delay="0"/>
+                                          </p:stCondLst>
+                                        </p:cTn>
+                                        <p:tgtEl>
+                                          <p:spTgt spid="3">
+                                            <p:txEl>
+                                              <p:pRg st="0" end="0"/>
+                                            </p:txEl>
+                                          </p:spTgt>
+                                        </p:tgtEl>
+                                        <p:attrNameLst>
+                                          <p:attrName>style.visibility</p:attrName>
+                                        </p:attrNameLst>
+                                      </p:cBhvr>
+                                      <p:to>
+                                        <p:strVal val="visible"/>
+                                      </p:to>
+                                    </p:set>
+                                  </p:childTnLst>
+                                </p:cTn>
+                              </p:par>
+                            </p:childTnLst>
+                          </p:cTn>
+                        </p:par>
+                      </p:childTnLst>
+                    </p:cTn>
+                  </p:par>
+                  <p:par>
+                    <p:cTn id="7" fill="hold">
+                      <p:stCondLst>
+                        <p:cond delay="indefinite"/>
+                      </p:stCondLst>
+                      <p:childTnLst>
+                        <p:par>
+                          <p:cTn id="8" fill="hold">
+                            <p:stCondLst>
+                              <p:cond delay="0"/>
+                            </p:stCondLst>
+                            <p:childTnLst>
+                              <p:par>
+                                <p:cTn id="9" presetID="1" presetClass="entr" presetSubtype="0" fill="hold" grpId="0" nodeType="clickEffect">
+                                  <p:stCondLst>
+                                    <p:cond delay="0"/>
+                                  </p:stCondLst>
+                                  <p:childTnLst>
+                                    <p:set>
+                                      <p:cBhvr>
+                                        <p:cTn id="10" dur="1" fill="hold">
+                                          <p:stCondLst>
+                                            <p:cond delay="0"/>
+                                          </p:stCondLst>
+                                        </p:cTn>
+                                        <p:tgtEl>
+                                          <p:spTgt spid="3">
+                                            <p:txEl>
+                                              <p:pRg st="1" end="1"/>
+                                            </p:txEl>
+                                          </p:spTgt>
+                                        </p:tgtEl>
+                                        <p:attrNameLst>
+                                          <p:attrName>style.visibility</p:attrName>
+                                        </p:attrNameLst>
+                                      </p:cBhvr>
+                                      <p:to>
+                                        <p:strVal val="visible"/>
+                                      </p:to>
+                                    </p:set>
+                                  </p:childTnLst>
+                                </p:cTn>
+                              </p:par>
+                            </p:childTnLst>
+                          </p:cTn>
+                        </p:par>
+                      </p:childTnLst>
+                    </p:cTn>
+                  </p:par>
+                </p:childTnLst>
+              </p:cTn>
+              <p:prevCondLst>
+                <p:cond evt="onPrev" delay="0">
+                  <p:tgtEl>
+                    <p:sldTgt/>
+                  </p:tgtEl>
+                </p:cond>
+              </p:prevCondLst>
+              <p:nextCondLst>
+                <p:cond evt="onNext" delay="0">
+                  <p:tgtEl>
+                    <p:sldTgt/>
+                  </p:tgtEl>
+                </p:cond>
+              </p:nextCondLst>
+            </p:seq>
+          </p:childTnLst>
+        </p:cTn>
+      </p:par>
+    </p:tnLst>
+    <p:bldLst>
+      <p:bldP spid="3" grpId="0" uiExpand="1" build="p"/>
+    </p:bldLst>
+  </p:timing>
+</p:sld>
+</file>
+
+<file path=ppt/slides/slide23.xml><?xml version="1.0" encoding="utf-8"?>
+<p:sld xmlns:a="http://schemas.openxmlformats.org/drawingml/2006/main" xmlns:r="http://schemas.openxmlformats.org/officeDocument/2006/relationships" xmlns:p="http://schemas.openxmlformats.org/presentationml/2006/main">
+  <p:cSld>
+    <p:spTree>
+      <p:nvGrpSpPr>
+        <p:cNvPr id="1" name=""/>
+        <p:cNvGrpSpPr/>
+        <p:nvPr/>
+      </p:nvGrpSpPr>
+      <p:grpSpPr>
+        <a:xfrm>
+          <a:off x="0" y="0"/>
+          <a:ext cx="0" cy="0"/>
+          <a:chOff x="0" y="0"/>
+          <a:chExt cx="0" cy="0"/>
+        </a:xfrm>
+      </p:grpSpPr>
+      <p:sp>
+        <p:nvSpPr>
+          <p:cNvPr id="2" name="Título 1">
+            <a:extLst>
+              <a:ext uri="{FF2B5EF4-FFF2-40B4-BE49-F238E27FC236}">
+                <a16:creationId xmlns="" xmlns:a16="http://schemas.microsoft.com/office/drawing/2014/main" id="{7CE1135B-07BD-441E-96D7-85BD4835A7ED}"/>
+              </a:ext>
+            </a:extLst>
+          </p:cNvPr>
+          <p:cNvSpPr>
+            <a:spLocks noGrp="1"/>
+          </p:cNvSpPr>
+          <p:nvPr>
+            <p:ph type="title"/>
+          </p:nvPr>
+        </p:nvSpPr>
+        <p:spPr/>
+        <p:txBody>
+          <a:bodyPr>
+            <a:normAutofit/>
+          </a:bodyPr>
+          <a:lstStyle/>
+          <a:p>
+            <a:pPr algn="ctr"/>
+            <a:r>
+              <a:rPr lang="es-ES" b="1" dirty="0">
+                <a:solidFill>
+                  <a:schemeClr val="accent1">
+                    <a:lumMod val="50000"/>
+                  </a:schemeClr>
+                </a:solidFill>
+              </a:rPr>
+              <a:t>Conclusiones del segundo ensayo</a:t>
+            </a:r>
+          </a:p>
+        </p:txBody>
+      </p:sp>
+      <p:sp>
+        <p:nvSpPr>
+          <p:cNvPr id="3" name="Marcador de contenido 2">
+            <a:extLst>
+              <a:ext uri="{FF2B5EF4-FFF2-40B4-BE49-F238E27FC236}">
+                <a16:creationId xmlns="" xmlns:a16="http://schemas.microsoft.com/office/drawing/2014/main" id="{8494C532-DF3D-48DB-A603-9E1A5F3ADD2D}"/>
+              </a:ext>
+            </a:extLst>
+          </p:cNvPr>
+          <p:cNvSpPr>
+            <a:spLocks noGrp="1"/>
+          </p:cNvSpPr>
+          <p:nvPr>
+            <p:ph idx="1"/>
+          </p:nvPr>
+        </p:nvSpPr>
+        <p:spPr/>
+        <p:txBody>
+          <a:bodyPr/>
+          <a:lstStyle/>
+          <a:p>
+            <a:pPr marL="514350" indent="-514350">
+              <a:buFont typeface="+mj-lt"/>
+              <a:buAutoNum type="arabicPeriod"/>
+            </a:pPr>
+            <a:r>
+              <a:rPr lang="es-ES" dirty="0" smtClean="0"/>
+              <a:t>Aplicar el código de red siempre es mejor que no aplicar compensación alguna</a:t>
+            </a:r>
+          </a:p>
+          <a:p>
+            <a:pPr marL="514350" indent="-514350">
+              <a:buFont typeface="+mj-lt"/>
+              <a:buAutoNum type="arabicPeriod"/>
+            </a:pPr>
+            <a:r>
+              <a:rPr lang="es-ES" dirty="0" smtClean="0"/>
+              <a:t>Permitir a la planta compensar con su reactancia natural empeora la calidad de la red cuando es de carácter inductivo</a:t>
+            </a:r>
+          </a:p>
+          <a:p>
+            <a:pPr marL="514350" indent="-514350">
+              <a:buFont typeface="+mj-lt"/>
+              <a:buAutoNum type="arabicPeriod"/>
+            </a:pPr>
+            <a:r>
+              <a:rPr lang="es-ES" dirty="0" smtClean="0"/>
+              <a:t>Permitir a una planta capacitiva compensar con su capacitancia natural ayuda solo para potencias altas</a:t>
+            </a:r>
+            <a:endParaRPr lang="es-ES" dirty="0"/>
+          </a:p>
+        </p:txBody>
+      </p:sp>
+      <p:pic>
+        <p:nvPicPr>
+          <p:cNvPr id="4" name="Picture 2" descr="Macintosh HD en Idril:Users:barrientos:DATOS:Modelos:Logos:UPM:EscUpmPolit.jpg"/>
+          <p:cNvPicPr/>
+          <p:nvPr/>
+        </p:nvPicPr>
+        <p:blipFill>
+          <a:blip r:embed="rId2">
+            <a:extLst>
+              <a:ext uri="{28A0092B-C50C-407E-A947-70E740481C1C}">
+                <a14:useLocalDpi xmlns:a14="http://schemas.microsoft.com/office/drawing/2010/main" val="0"/>
+              </a:ext>
+            </a:extLst>
+          </a:blip>
+          <a:srcRect/>
+          <a:stretch>
+            <a:fillRect/>
+          </a:stretch>
+        </p:blipFill>
+        <p:spPr bwMode="auto">
+          <a:xfrm>
+            <a:off x="143705" y="131712"/>
+            <a:ext cx="1417125" cy="1181686"/>
+          </a:xfrm>
+          <a:prstGeom prst="rect">
+            <a:avLst/>
+          </a:prstGeom>
+          <a:noFill/>
+          <a:ln>
+            <a:noFill/>
+          </a:ln>
+        </p:spPr>
+      </p:pic>
+      <p:pic>
+        <p:nvPicPr>
+          <p:cNvPr id="5" name="Picture 2" descr="Resultado de imagen de etsidi logo"/>
+          <p:cNvPicPr>
+            <a:picLocks noChangeAspect="1" noChangeArrowheads="1"/>
+          </p:cNvPicPr>
+          <p:nvPr/>
+        </p:nvPicPr>
+        <p:blipFill>
+          <a:blip r:embed="rId3" cstate="print">
+            <a:extLst>
+              <a:ext uri="{28A0092B-C50C-407E-A947-70E740481C1C}">
+                <a14:useLocalDpi xmlns:a14="http://schemas.microsoft.com/office/drawing/2010/main" val="0"/>
+              </a:ext>
+            </a:extLst>
+          </a:blip>
+          <a:srcRect/>
+          <a:stretch>
+            <a:fillRect/>
+          </a:stretch>
+        </p:blipFill>
+        <p:spPr bwMode="auto">
+          <a:xfrm>
+            <a:off x="10269415" y="286460"/>
+            <a:ext cx="1693789" cy="895227"/>
+          </a:xfrm>
+          <a:prstGeom prst="rect">
+            <a:avLst/>
+          </a:prstGeom>
+          <a:noFill/>
+          <a:extLst>
+            <a:ext uri="{909E8E84-426E-40DD-AFC4-6F175D3DCCD1}">
+              <a14:hiddenFill xmlns:a14="http://schemas.microsoft.com/office/drawing/2010/main">
+                <a:solidFill>
+                  <a:srgbClr val="FFFFFF"/>
+                </a:solidFill>
+              </a14:hiddenFill>
+            </a:ext>
+          </a:extLst>
+        </p:spPr>
+      </p:pic>
+      <p:pic>
+        <p:nvPicPr>
+          <p:cNvPr id="7" name="Image 6" descr="image011"/>
+          <p:cNvPicPr>
+            <a:picLocks noChangeAspect="1" noChangeArrowheads="1"/>
+          </p:cNvPicPr>
+          <p:nvPr/>
+        </p:nvPicPr>
+        <p:blipFill>
+          <a:blip r:embed="rId4">
+            <a:extLst>
+              <a:ext uri="{28A0092B-C50C-407E-A947-70E740481C1C}">
+                <a14:useLocalDpi xmlns:a14="http://schemas.microsoft.com/office/drawing/2010/main" val="0"/>
+              </a:ext>
+            </a:extLst>
+          </a:blip>
+          <a:srcRect/>
+          <a:stretch>
+            <a:fillRect/>
+          </a:stretch>
+        </p:blipFill>
+        <p:spPr bwMode="auto">
+          <a:xfrm>
+            <a:off x="9845799" y="6062662"/>
+            <a:ext cx="2117405" cy="452437"/>
+          </a:xfrm>
+          <a:prstGeom prst="rect">
+            <a:avLst/>
+          </a:prstGeom>
+          <a:noFill/>
+          <a:ln>
+            <a:noFill/>
+          </a:ln>
+          <a:extLst>
+            <a:ext uri="{909E8E84-426E-40DD-AFC4-6F175D3DCCD1}">
+              <a14:hiddenFill xmlns:a14="http://schemas.microsoft.com/office/drawing/2010/main">
+                <a:solidFill>
+                  <a:srgbClr val="FFFFFF"/>
+                </a:solidFill>
+              </a14:hiddenFill>
+            </a:ext>
+            <a:ext uri="{91240B29-F687-4F45-9708-019B960494DF}">
+              <a14:hiddenLine xmlns:a14="http://schemas.microsoft.com/office/drawing/2010/main" w="9525">
+                <a:solidFill>
+                  <a:srgbClr val="000000"/>
+                </a:solidFill>
+                <a:miter lim="800000"/>
+                <a:headEnd/>
+                <a:tailEnd/>
+              </a14:hiddenLine>
+            </a:ext>
+          </a:extLst>
+        </p:spPr>
+      </p:pic>
+    </p:spTree>
+    <p:extLst>
+      <p:ext uri="{BB962C8B-B14F-4D97-AF65-F5344CB8AC3E}">
+        <p14:creationId xmlns:p14="http://schemas.microsoft.com/office/powerpoint/2010/main" val="275576193"/>
+      </p:ext>
+    </p:extLst>
+  </p:cSld>
+  <p:clrMapOvr>
+    <a:masterClrMapping/>
+  </p:clrMapOvr>
+  <p:timing>
+    <p:tnLst>
+      <p:par>
+        <p:cTn id="1" dur="indefinite" restart="never" nodeType="tmRoot">
+          <p:childTnLst>
+            <p:seq concurrent="1" nextAc="seek">
+              <p:cTn id="2" dur="indefinite" nodeType="mainSeq">
+                <p:childTnLst>
+                  <p:par>
+                    <p:cTn id="3" fill="hold">
+                      <p:stCondLst>
+                        <p:cond delay="indefinite"/>
+                        <p:cond evt="onBegin" delay="0">
+                          <p:tn val="2"/>
+                        </p:cond>
+                      </p:stCondLst>
+                      <p:childTnLst>
+                        <p:par>
+                          <p:cTn id="4" fill="hold">
+                            <p:stCondLst>
+                              <p:cond delay="0"/>
+                            </p:stCondLst>
+                            <p:childTnLst>
+                              <p:par>
+                                <p:cTn id="5" presetID="1" presetClass="entr" presetSubtype="0" fill="hold" grpId="0" nodeType="withEffect">
+                                  <p:stCondLst>
+                                    <p:cond delay="0"/>
+                                  </p:stCondLst>
+                                  <p:childTnLst>
+                                    <p:set>
+                                      <p:cBhvr>
+                                        <p:cTn id="6" dur="1" fill="hold">
+                                          <p:stCondLst>
+                                            <p:cond delay="0"/>
+                                          </p:stCondLst>
+                                        </p:cTn>
+                                        <p:tgtEl>
+                                          <p:spTgt spid="3">
+                                            <p:txEl>
+                                              <p:pRg st="0" end="0"/>
+                                            </p:txEl>
+                                          </p:spTgt>
+                                        </p:tgtEl>
+                                        <p:attrNameLst>
+                                          <p:attrName>style.visibility</p:attrName>
+                                        </p:attrNameLst>
+                                      </p:cBhvr>
+                                      <p:to>
+                                        <p:strVal val="visible"/>
+                                      </p:to>
+                                    </p:set>
+                                  </p:childTnLst>
+                                </p:cTn>
+                              </p:par>
+                            </p:childTnLst>
+                          </p:cTn>
+                        </p:par>
+                      </p:childTnLst>
+                    </p:cTn>
+                  </p:par>
+                  <p:par>
+                    <p:cTn id="7" fill="hold">
+                      <p:stCondLst>
+                        <p:cond delay="indefinite"/>
+                      </p:stCondLst>
+                      <p:childTnLst>
+                        <p:par>
+                          <p:cTn id="8" fill="hold">
+                            <p:stCondLst>
+                              <p:cond delay="0"/>
+                            </p:stCondLst>
+                            <p:childTnLst>
+                              <p:par>
+                                <p:cTn id="9" presetID="1" presetClass="entr" presetSubtype="0" fill="hold" grpId="0" nodeType="clickEffect">
+                                  <p:stCondLst>
+                                    <p:cond delay="0"/>
+                                  </p:stCondLst>
+                                  <p:childTnLst>
+                                    <p:set>
+                                      <p:cBhvr>
+                                        <p:cTn id="10" dur="1" fill="hold">
+                                          <p:stCondLst>
+                                            <p:cond delay="0"/>
+                                          </p:stCondLst>
+                                        </p:cTn>
+                                        <p:tgtEl>
+                                          <p:spTgt spid="3">
+                                            <p:txEl>
+                                              <p:pRg st="1" end="1"/>
+                                            </p:txEl>
+                                          </p:spTgt>
+                                        </p:tgtEl>
+                                        <p:attrNameLst>
+                                          <p:attrName>style.visibility</p:attrName>
+                                        </p:attrNameLst>
+                                      </p:cBhvr>
+                                      <p:to>
+                                        <p:strVal val="visible"/>
+                                      </p:to>
+                                    </p:set>
+                                  </p:childTnLst>
+                                </p:cTn>
+                              </p:par>
+                            </p:childTnLst>
+                          </p:cTn>
+                        </p:par>
+                      </p:childTnLst>
+                    </p:cTn>
+                  </p:par>
+                  <p:par>
+                    <p:cTn id="11" fill="hold">
+                      <p:stCondLst>
+                        <p:cond delay="indefinite"/>
+                      </p:stCondLst>
+                      <p:childTnLst>
+                        <p:par>
+                          <p:cTn id="12" fill="hold">
+                            <p:stCondLst>
+                              <p:cond delay="0"/>
+                            </p:stCondLst>
+                            <p:childTnLst>
+                              <p:par>
+                                <p:cTn id="13" presetID="1" presetClass="entr" presetSubtype="0" fill="hold" grpId="0" nodeType="clickEffect">
+                                  <p:stCondLst>
+                                    <p:cond delay="0"/>
+                                  </p:stCondLst>
+                                  <p:childTnLst>
+                                    <p:set>
+                                      <p:cBhvr>
+                                        <p:cTn id="14" dur="1" fill="hold">
+                                          <p:stCondLst>
+                                            <p:cond delay="0"/>
+                                          </p:stCondLst>
+                                        </p:cTn>
+                                        <p:tgtEl>
+                                          <p:spTgt spid="3">
+                                            <p:txEl>
+                                              <p:pRg st="2" end="2"/>
+                                            </p:txEl>
+                                          </p:spTgt>
+                                        </p:tgtEl>
+                                        <p:attrNameLst>
+                                          <p:attrName>style.visibility</p:attrName>
+                                        </p:attrNameLst>
+                                      </p:cBhvr>
+                                      <p:to>
+                                        <p:strVal val="visible"/>
+                                      </p:to>
+                                    </p:set>
+                                  </p:childTnLst>
+                                </p:cTn>
+                              </p:par>
+                            </p:childTnLst>
+                          </p:cTn>
+                        </p:par>
+                      </p:childTnLst>
+                    </p:cTn>
+                  </p:par>
+                </p:childTnLst>
+              </p:cTn>
+              <p:prevCondLst>
+                <p:cond evt="onPrev" delay="0">
+                  <p:tgtEl>
+                    <p:sldTgt/>
+                  </p:tgtEl>
+                </p:cond>
+              </p:prevCondLst>
+              <p:nextCondLst>
+                <p:cond evt="onNext" delay="0">
+                  <p:tgtEl>
+                    <p:sldTgt/>
+                  </p:tgtEl>
+                </p:cond>
+              </p:nextCondLst>
+            </p:seq>
+          </p:childTnLst>
+        </p:cTn>
+      </p:par>
+    </p:tnLst>
+    <p:bldLst>
+      <p:bldP spid="3" grpId="0" uiExpand="1" build="p"/>
+    </p:bldLst>
+  </p:timing>
+</p:sld>
+</file>
+
+<file path=ppt/slides/slide24.xml><?xml version="1.0" encoding="utf-8"?>
+<p:sld xmlns:a="http://schemas.openxmlformats.org/drawingml/2006/main" xmlns:r="http://schemas.openxmlformats.org/officeDocument/2006/relationships" xmlns:p="http://schemas.openxmlformats.org/presentationml/2006/main">
+  <p:cSld>
+    <p:spTree>
+      <p:nvGrpSpPr>
+        <p:cNvPr id="1" name=""/>
+        <p:cNvGrpSpPr/>
+        <p:nvPr/>
+      </p:nvGrpSpPr>
+      <p:grpSpPr>
+        <a:xfrm>
+          <a:off x="0" y="0"/>
+          <a:ext cx="0" cy="0"/>
+          <a:chOff x="0" y="0"/>
+          <a:chExt cx="0" cy="0"/>
+        </a:xfrm>
+      </p:grpSpPr>
+      <p:sp>
+        <p:nvSpPr>
+          <p:cNvPr id="2" name="Título 1">
+            <a:extLst>
+              <a:ext uri="{FF2B5EF4-FFF2-40B4-BE49-F238E27FC236}">
+                <a16:creationId xmlns="" xmlns:a16="http://schemas.microsoft.com/office/drawing/2014/main" id="{7CE1135B-07BD-441E-96D7-85BD4835A7ED}"/>
+              </a:ext>
+            </a:extLst>
+          </p:cNvPr>
+          <p:cNvSpPr>
+            <a:spLocks noGrp="1"/>
+          </p:cNvSpPr>
+          <p:nvPr>
+            <p:ph type="title"/>
+          </p:nvPr>
+        </p:nvSpPr>
+        <p:spPr/>
+        <p:txBody>
+          <a:bodyPr>
+            <a:normAutofit/>
+          </a:bodyPr>
+          <a:lstStyle/>
+          <a:p>
+            <a:pPr algn="ctr"/>
+            <a:r>
+              <a:rPr lang="es-ES" b="1" dirty="0">
+                <a:solidFill>
+                  <a:schemeClr val="accent1">
+                    <a:lumMod val="50000"/>
+                  </a:schemeClr>
+                </a:solidFill>
+              </a:rPr>
+              <a:t>Estudios futuros</a:t>
+            </a:r>
+          </a:p>
+        </p:txBody>
+      </p:sp>
+      <p:sp>
+        <p:nvSpPr>
+          <p:cNvPr id="3" name="Marcador de contenido 2">
+            <a:extLst>
+              <a:ext uri="{FF2B5EF4-FFF2-40B4-BE49-F238E27FC236}">
+                <a16:creationId xmlns="" xmlns:a16="http://schemas.microsoft.com/office/drawing/2014/main" id="{8494C532-DF3D-48DB-A603-9E1A5F3ADD2D}"/>
               </a:ext>
             </a:extLst>
           </p:cNvPr>
@@ -9229,6 +12253,482 @@
     <p:extLst>
       <p:ext uri="{BB962C8B-B14F-4D97-AF65-F5344CB8AC3E}">
         <p14:creationId xmlns:p14="http://schemas.microsoft.com/office/powerpoint/2010/main" val="3096992739"/>
+      </p:ext>
+    </p:extLst>
+  </p:cSld>
+  <p:clrMapOvr>
+    <a:masterClrMapping/>
+  </p:clrMapOvr>
+  <p:timing>
+    <p:tnLst>
+      <p:par>
+        <p:cTn id="1" dur="indefinite" restart="never" nodeType="tmRoot">
+          <p:childTnLst>
+            <p:seq concurrent="1" nextAc="seek">
+              <p:cTn id="2" dur="indefinite" nodeType="mainSeq">
+                <p:childTnLst>
+                  <p:par>
+                    <p:cTn id="3" fill="hold">
+                      <p:stCondLst>
+                        <p:cond delay="indefinite"/>
+                        <p:cond evt="onBegin" delay="0">
+                          <p:tn val="2"/>
+                        </p:cond>
+                      </p:stCondLst>
+                      <p:childTnLst>
+                        <p:par>
+                          <p:cTn id="4" fill="hold">
+                            <p:stCondLst>
+                              <p:cond delay="0"/>
+                            </p:stCondLst>
+                            <p:childTnLst>
+                              <p:par>
+                                <p:cTn id="5" presetID="1" presetClass="entr" presetSubtype="0" fill="hold" grpId="0" nodeType="withEffect">
+                                  <p:stCondLst>
+                                    <p:cond delay="0"/>
+                                  </p:stCondLst>
+                                  <p:childTnLst>
+                                    <p:set>
+                                      <p:cBhvr>
+                                        <p:cTn id="6" dur="1" fill="hold">
+                                          <p:stCondLst>
+                                            <p:cond delay="0"/>
+                                          </p:stCondLst>
+                                        </p:cTn>
+                                        <p:tgtEl>
+                                          <p:spTgt spid="3">
+                                            <p:txEl>
+                                              <p:pRg st="0" end="0"/>
+                                            </p:txEl>
+                                          </p:spTgt>
+                                        </p:tgtEl>
+                                        <p:attrNameLst>
+                                          <p:attrName>style.visibility</p:attrName>
+                                        </p:attrNameLst>
+                                      </p:cBhvr>
+                                      <p:to>
+                                        <p:strVal val="visible"/>
+                                      </p:to>
+                                    </p:set>
+                                  </p:childTnLst>
+                                </p:cTn>
+                              </p:par>
+                            </p:childTnLst>
+                          </p:cTn>
+                        </p:par>
+                      </p:childTnLst>
+                    </p:cTn>
+                  </p:par>
+                  <p:par>
+                    <p:cTn id="7" fill="hold">
+                      <p:stCondLst>
+                        <p:cond delay="indefinite"/>
+                      </p:stCondLst>
+                      <p:childTnLst>
+                        <p:par>
+                          <p:cTn id="8" fill="hold">
+                            <p:stCondLst>
+                              <p:cond delay="0"/>
+                            </p:stCondLst>
+                            <p:childTnLst>
+                              <p:par>
+                                <p:cTn id="9" presetID="1" presetClass="entr" presetSubtype="0" fill="hold" grpId="0" nodeType="clickEffect">
+                                  <p:stCondLst>
+                                    <p:cond delay="0"/>
+                                  </p:stCondLst>
+                                  <p:childTnLst>
+                                    <p:set>
+                                      <p:cBhvr>
+                                        <p:cTn id="10" dur="1" fill="hold">
+                                          <p:stCondLst>
+                                            <p:cond delay="0"/>
+                                          </p:stCondLst>
+                                        </p:cTn>
+                                        <p:tgtEl>
+                                          <p:spTgt spid="3">
+                                            <p:txEl>
+                                              <p:pRg st="1" end="1"/>
+                                            </p:txEl>
+                                          </p:spTgt>
+                                        </p:tgtEl>
+                                        <p:attrNameLst>
+                                          <p:attrName>style.visibility</p:attrName>
+                                        </p:attrNameLst>
+                                      </p:cBhvr>
+                                      <p:to>
+                                        <p:strVal val="visible"/>
+                                      </p:to>
+                                    </p:set>
+                                  </p:childTnLst>
+                                </p:cTn>
+                              </p:par>
+                            </p:childTnLst>
+                          </p:cTn>
+                        </p:par>
+                      </p:childTnLst>
+                    </p:cTn>
+                  </p:par>
+                  <p:par>
+                    <p:cTn id="11" fill="hold">
+                      <p:stCondLst>
+                        <p:cond delay="indefinite"/>
+                      </p:stCondLst>
+                      <p:childTnLst>
+                        <p:par>
+                          <p:cTn id="12" fill="hold">
+                            <p:stCondLst>
+                              <p:cond delay="0"/>
+                            </p:stCondLst>
+                            <p:childTnLst>
+                              <p:par>
+                                <p:cTn id="13" presetID="1" presetClass="entr" presetSubtype="0" fill="hold" grpId="0" nodeType="clickEffect">
+                                  <p:stCondLst>
+                                    <p:cond delay="0"/>
+                                  </p:stCondLst>
+                                  <p:childTnLst>
+                                    <p:set>
+                                      <p:cBhvr>
+                                        <p:cTn id="14" dur="1" fill="hold">
+                                          <p:stCondLst>
+                                            <p:cond delay="0"/>
+                                          </p:stCondLst>
+                                        </p:cTn>
+                                        <p:tgtEl>
+                                          <p:spTgt spid="3">
+                                            <p:txEl>
+                                              <p:pRg st="2" end="2"/>
+                                            </p:txEl>
+                                          </p:spTgt>
+                                        </p:tgtEl>
+                                        <p:attrNameLst>
+                                          <p:attrName>style.visibility</p:attrName>
+                                        </p:attrNameLst>
+                                      </p:cBhvr>
+                                      <p:to>
+                                        <p:strVal val="visible"/>
+                                      </p:to>
+                                    </p:set>
+                                  </p:childTnLst>
+                                </p:cTn>
+                              </p:par>
+                            </p:childTnLst>
+                          </p:cTn>
+                        </p:par>
+                      </p:childTnLst>
+                    </p:cTn>
+                  </p:par>
+                </p:childTnLst>
+              </p:cTn>
+              <p:prevCondLst>
+                <p:cond evt="onPrev" delay="0">
+                  <p:tgtEl>
+                    <p:sldTgt/>
+                  </p:tgtEl>
+                </p:cond>
+              </p:prevCondLst>
+              <p:nextCondLst>
+                <p:cond evt="onNext" delay="0">
+                  <p:tgtEl>
+                    <p:sldTgt/>
+                  </p:tgtEl>
+                </p:cond>
+              </p:nextCondLst>
+            </p:seq>
+          </p:childTnLst>
+        </p:cTn>
+      </p:par>
+    </p:tnLst>
+    <p:bldLst>
+      <p:bldP spid="3" grpId="0" uiExpand="1" build="p"/>
+    </p:bldLst>
+  </p:timing>
+</p:sld>
+</file>
+
+<file path=ppt/slides/slide25.xml><?xml version="1.0" encoding="utf-8"?>
+<p:sld xmlns:a="http://schemas.openxmlformats.org/drawingml/2006/main" xmlns:r="http://schemas.openxmlformats.org/officeDocument/2006/relationships" xmlns:p="http://schemas.openxmlformats.org/presentationml/2006/main">
+  <p:cSld>
+    <p:spTree>
+      <p:nvGrpSpPr>
+        <p:cNvPr id="1" name=""/>
+        <p:cNvGrpSpPr/>
+        <p:nvPr/>
+      </p:nvGrpSpPr>
+      <p:grpSpPr>
+        <a:xfrm>
+          <a:off x="0" y="0"/>
+          <a:ext cx="0" cy="0"/>
+          <a:chOff x="0" y="0"/>
+          <a:chExt cx="0" cy="0"/>
+        </a:xfrm>
+      </p:grpSpPr>
+      <p:sp>
+        <p:nvSpPr>
+          <p:cNvPr id="2" name="Título 1">
+            <a:extLst>
+              <a:ext uri="{FF2B5EF4-FFF2-40B4-BE49-F238E27FC236}">
+                <a16:creationId xmlns="" xmlns:a16="http://schemas.microsoft.com/office/drawing/2014/main" id="{7CE1135B-07BD-441E-96D7-85BD4835A7ED}"/>
+              </a:ext>
+            </a:extLst>
+          </p:cNvPr>
+          <p:cNvSpPr>
+            <a:spLocks noGrp="1"/>
+          </p:cNvSpPr>
+          <p:nvPr>
+            <p:ph type="title"/>
+          </p:nvPr>
+        </p:nvSpPr>
+        <p:spPr/>
+        <p:txBody>
+          <a:bodyPr>
+            <a:normAutofit/>
+          </a:bodyPr>
+          <a:lstStyle/>
+          <a:p>
+            <a:pPr algn="ctr"/>
+            <a:r>
+              <a:rPr lang="es-ES" b="1" dirty="0" err="1" smtClean="0">
+                <a:solidFill>
+                  <a:schemeClr val="accent1">
+                    <a:lumMod val="50000"/>
+                  </a:schemeClr>
+                </a:solidFill>
+              </a:rPr>
+              <a:t>The</a:t>
+            </a:r>
+            <a:r>
+              <a:rPr lang="es-ES" b="1" dirty="0" smtClean="0">
+                <a:solidFill>
+                  <a:schemeClr val="accent1">
+                    <a:lumMod val="50000"/>
+                  </a:schemeClr>
+                </a:solidFill>
+              </a:rPr>
+              <a:t> </a:t>
+            </a:r>
+            <a:r>
+              <a:rPr lang="es-ES" b="1" dirty="0" err="1" smtClean="0">
+                <a:solidFill>
+                  <a:schemeClr val="accent1">
+                    <a:lumMod val="50000"/>
+                  </a:schemeClr>
+                </a:solidFill>
+              </a:rPr>
+              <a:t>end</a:t>
+            </a:r>
+            <a:endParaRPr lang="es-ES" b="1" dirty="0">
+              <a:solidFill>
+                <a:schemeClr val="accent1">
+                  <a:lumMod val="50000"/>
+                </a:schemeClr>
+              </a:solidFill>
+            </a:endParaRPr>
+          </a:p>
+        </p:txBody>
+      </p:sp>
+      <p:pic>
+        <p:nvPicPr>
+          <p:cNvPr id="6" name="Picture 2" descr="Resultado de imagen de etsidi logo"/>
+          <p:cNvPicPr>
+            <a:picLocks noChangeAspect="1" noChangeArrowheads="1"/>
+          </p:cNvPicPr>
+          <p:nvPr/>
+        </p:nvPicPr>
+        <p:blipFill>
+          <a:blip r:embed="rId2" cstate="print">
+            <a:extLst>
+              <a:ext uri="{28A0092B-C50C-407E-A947-70E740481C1C}">
+                <a14:useLocalDpi xmlns:a14="http://schemas.microsoft.com/office/drawing/2010/main" val="0"/>
+              </a:ext>
+            </a:extLst>
+          </a:blip>
+          <a:srcRect/>
+          <a:stretch>
+            <a:fillRect/>
+          </a:stretch>
+        </p:blipFill>
+        <p:spPr bwMode="auto">
+          <a:xfrm>
+            <a:off x="10269415" y="286460"/>
+            <a:ext cx="1693789" cy="895227"/>
+          </a:xfrm>
+          <a:prstGeom prst="rect">
+            <a:avLst/>
+          </a:prstGeom>
+          <a:noFill/>
+          <a:extLst>
+            <a:ext uri="{909E8E84-426E-40DD-AFC4-6F175D3DCCD1}">
+              <a14:hiddenFill xmlns:a14="http://schemas.microsoft.com/office/drawing/2010/main">
+                <a:solidFill>
+                  <a:srgbClr val="FFFFFF"/>
+                </a:solidFill>
+              </a14:hiddenFill>
+            </a:ext>
+          </a:extLst>
+        </p:spPr>
+      </p:pic>
+      <p:pic>
+        <p:nvPicPr>
+          <p:cNvPr id="7" name="Picture 2" descr="Macintosh HD en Idril:Users:barrientos:DATOS:Modelos:Logos:UPM:EscUpmPolit.jpg"/>
+          <p:cNvPicPr/>
+          <p:nvPr/>
+        </p:nvPicPr>
+        <p:blipFill>
+          <a:blip r:embed="rId3">
+            <a:extLst>
+              <a:ext uri="{28A0092B-C50C-407E-A947-70E740481C1C}">
+                <a14:useLocalDpi xmlns:a14="http://schemas.microsoft.com/office/drawing/2010/main" val="0"/>
+              </a:ext>
+            </a:extLst>
+          </a:blip>
+          <a:srcRect/>
+          <a:stretch>
+            <a:fillRect/>
+          </a:stretch>
+        </p:blipFill>
+        <p:spPr bwMode="auto">
+          <a:xfrm>
+            <a:off x="143705" y="131712"/>
+            <a:ext cx="1417125" cy="1181686"/>
+          </a:xfrm>
+          <a:prstGeom prst="rect">
+            <a:avLst/>
+          </a:prstGeom>
+          <a:noFill/>
+          <a:ln>
+            <a:noFill/>
+          </a:ln>
+        </p:spPr>
+      </p:pic>
+      <p:pic>
+        <p:nvPicPr>
+          <p:cNvPr id="9" name="Image 6" descr="image011"/>
+          <p:cNvPicPr>
+            <a:picLocks noChangeAspect="1" noChangeArrowheads="1"/>
+          </p:cNvPicPr>
+          <p:nvPr/>
+        </p:nvPicPr>
+        <p:blipFill>
+          <a:blip r:embed="rId4">
+            <a:extLst>
+              <a:ext uri="{28A0092B-C50C-407E-A947-70E740481C1C}">
+                <a14:useLocalDpi xmlns:a14="http://schemas.microsoft.com/office/drawing/2010/main" val="0"/>
+              </a:ext>
+            </a:extLst>
+          </a:blip>
+          <a:srcRect/>
+          <a:stretch>
+            <a:fillRect/>
+          </a:stretch>
+        </p:blipFill>
+        <p:spPr bwMode="auto">
+          <a:xfrm>
+            <a:off x="9845799" y="6062662"/>
+            <a:ext cx="2117405" cy="452437"/>
+          </a:xfrm>
+          <a:prstGeom prst="rect">
+            <a:avLst/>
+          </a:prstGeom>
+          <a:noFill/>
+          <a:ln>
+            <a:noFill/>
+          </a:ln>
+          <a:extLst>
+            <a:ext uri="{909E8E84-426E-40DD-AFC4-6F175D3DCCD1}">
+              <a14:hiddenFill xmlns:a14="http://schemas.microsoft.com/office/drawing/2010/main">
+                <a:solidFill>
+                  <a:srgbClr val="FFFFFF"/>
+                </a:solidFill>
+              </a14:hiddenFill>
+            </a:ext>
+            <a:ext uri="{91240B29-F687-4F45-9708-019B960494DF}">
+              <a14:hiddenLine xmlns:a14="http://schemas.microsoft.com/office/drawing/2010/main" w="9525">
+                <a:solidFill>
+                  <a:srgbClr val="000000"/>
+                </a:solidFill>
+                <a:miter lim="800000"/>
+                <a:headEnd/>
+                <a:tailEnd/>
+              </a14:hiddenLine>
+            </a:ext>
+          </a:extLst>
+        </p:spPr>
+      </p:pic>
+      <p:sp>
+        <p:nvSpPr>
+          <p:cNvPr id="4" name="CuadroTexto 3"/>
+          <p:cNvSpPr txBox="1"/>
+          <p:nvPr/>
+        </p:nvSpPr>
+        <p:spPr>
+          <a:xfrm>
+            <a:off x="3713841" y="2606722"/>
+            <a:ext cx="4764318" cy="523220"/>
+          </a:xfrm>
+          <a:prstGeom prst="rect">
+            <a:avLst/>
+          </a:prstGeom>
+          <a:noFill/>
+        </p:spPr>
+        <p:txBody>
+          <a:bodyPr wrap="none" rtlCol="0">
+            <a:spAutoFit/>
+          </a:bodyPr>
+          <a:lstStyle/>
+          <a:p>
+            <a:r>
+              <a:rPr lang="es-ES" sz="2800" dirty="0" smtClean="0"/>
+              <a:t>Muchas gracias por su atención</a:t>
+            </a:r>
+            <a:endParaRPr lang="es-ES" sz="2800" dirty="0"/>
+          </a:p>
+        </p:txBody>
+      </p:sp>
+      <p:pic>
+        <p:nvPicPr>
+          <p:cNvPr id="1026" name="Picture 2" descr="Resultado de imagen de parque eolico cartoon"/>
+          <p:cNvPicPr>
+            <a:picLocks noChangeAspect="1" noChangeArrowheads="1"/>
+          </p:cNvPicPr>
+          <p:nvPr/>
+        </p:nvPicPr>
+        <p:blipFill>
+          <a:blip r:embed="rId5" cstate="print">
+            <a:extLst>
+              <a:ext uri="{28A0092B-C50C-407E-A947-70E740481C1C}">
+                <a14:useLocalDpi xmlns:a14="http://schemas.microsoft.com/office/drawing/2010/main" val="0"/>
+              </a:ext>
+            </a:extLst>
+          </a:blip>
+          <a:srcRect/>
+          <a:stretch>
+            <a:fillRect/>
+          </a:stretch>
+        </p:blipFill>
+        <p:spPr bwMode="auto">
+          <a:xfrm>
+            <a:off x="838200" y="3129942"/>
+            <a:ext cx="2543933" cy="3165990"/>
+          </a:xfrm>
+          <a:prstGeom prst="rect">
+            <a:avLst/>
+          </a:prstGeom>
+          <a:noFill/>
+          <a:extLst>
+            <a:ext uri="{909E8E84-426E-40DD-AFC4-6F175D3DCCD1}">
+              <a14:hiddenFill xmlns:a14="http://schemas.microsoft.com/office/drawing/2010/main">
+                <a:solidFill>
+                  <a:srgbClr val="FFFFFF"/>
+                </a:solidFill>
+              </a14:hiddenFill>
+            </a:ext>
+          </a:extLst>
+        </p:spPr>
+      </p:pic>
+    </p:spTree>
+    <p:extLst>
+      <p:ext uri="{BB962C8B-B14F-4D97-AF65-F5344CB8AC3E}">
+        <p14:creationId xmlns:p14="http://schemas.microsoft.com/office/powerpoint/2010/main" val="4120854560"/>
       </p:ext>
     </p:extLst>
   </p:cSld>
@@ -9515,6 +13015,76 @@
               </a14:hiddenLine>
             </a:ext>
           </a:extLst>
+        </p:spPr>
+      </p:pic>
+      <p:sp>
+        <p:nvSpPr>
+          <p:cNvPr id="6" name="Rectángulo 5"/>
+          <p:cNvSpPr/>
+          <p:nvPr/>
+        </p:nvSpPr>
+        <p:spPr>
+          <a:xfrm>
+            <a:off x="9845799" y="2895600"/>
+            <a:ext cx="355476" cy="300038"/>
+          </a:xfrm>
+          <a:prstGeom prst="rect">
+            <a:avLst/>
+          </a:prstGeom>
+          <a:solidFill>
+            <a:schemeClr val="bg1"/>
+          </a:solidFill>
+          <a:ln>
+            <a:noFill/>
+          </a:ln>
+        </p:spPr>
+        <p:style>
+          <a:lnRef idx="2">
+            <a:schemeClr val="accent1">
+              <a:shade val="50000"/>
+            </a:schemeClr>
+          </a:lnRef>
+          <a:fillRef idx="1">
+            <a:schemeClr val="accent1"/>
+          </a:fillRef>
+          <a:effectRef idx="0">
+            <a:schemeClr val="accent1"/>
+          </a:effectRef>
+          <a:fontRef idx="minor">
+            <a:schemeClr val="lt1"/>
+          </a:fontRef>
+        </p:style>
+        <p:txBody>
+          <a:bodyPr rtlCol="0" anchor="ctr"/>
+          <a:lstStyle/>
+          <a:p>
+            <a:pPr algn="ctr"/>
+            <a:endParaRPr lang="es-ES"/>
+          </a:p>
+        </p:txBody>
+      </p:sp>
+      <p:pic>
+        <p:nvPicPr>
+          <p:cNvPr id="5" name="Imagen 4"/>
+          <p:cNvPicPr>
+            <a:picLocks noChangeAspect="1"/>
+          </p:cNvPicPr>
+          <p:nvPr/>
+        </p:nvPicPr>
+        <p:blipFill>
+          <a:blip r:embed="rId7"/>
+          <a:stretch>
+            <a:fillRect/>
+          </a:stretch>
+        </p:blipFill>
+        <p:spPr>
+          <a:xfrm>
+            <a:off x="9396413" y="2954130"/>
+            <a:ext cx="572293" cy="167186"/>
+          </a:xfrm>
+          <a:prstGeom prst="rect">
+            <a:avLst/>
+          </a:prstGeom>
         </p:spPr>
       </p:pic>
     </p:spTree>
@@ -9720,6 +13290,60 @@
                                   </p:childTnLst>
                                 </p:cTn>
                               </p:par>
+                              <p:par>
+                                <p:cTn id="19" presetID="1" presetClass="entr" presetSubtype="0" fill="hold" grpId="0" nodeType="withEffect">
+                                  <p:stCondLst>
+                                    <p:cond delay="0"/>
+                                  </p:stCondLst>
+                                  <p:childTnLst>
+                                    <p:set>
+                                      <p:cBhvr>
+                                        <p:cTn id="20" dur="1" fill="hold">
+                                          <p:stCondLst>
+                                            <p:cond delay="0"/>
+                                          </p:stCondLst>
+                                        </p:cTn>
+                                        <p:tgtEl>
+                                          <p:spTgt spid="6"/>
+                                        </p:tgtEl>
+                                        <p:attrNameLst>
+                                          <p:attrName>style.visibility</p:attrName>
+                                        </p:attrNameLst>
+                                      </p:cBhvr>
+                                      <p:to>
+                                        <p:strVal val="visible"/>
+                                      </p:to>
+                                    </p:set>
+                                  </p:childTnLst>
+                                </p:cTn>
+                              </p:par>
+                              <p:par>
+                                <p:cTn id="21" presetID="1" presetClass="entr" presetSubtype="0" fill="hold" nodeType="withEffect">
+                                  <p:stCondLst>
+                                    <p:cond delay="0"/>
+                                  </p:stCondLst>
+                                  <p:childTnLst>
+                                    <p:set>
+                                      <p:cBhvr>
+                                        <p:cTn id="22" dur="1" fill="hold">
+                                          <p:stCondLst>
+                                            <p:cond delay="0"/>
+                                          </p:stCondLst>
+                                        </p:cTn>
+                                        <p:tgtEl>
+                                          <p:spTgt spid="5"/>
+                                        </p:tgtEl>
+                                        <p:attrNameLst>
+                                          <p:attrName>style.visibility</p:attrName>
+                                        </p:attrNameLst>
+                                      </p:cBhvr>
+                                      <p:to>
+                                        <p:strVal val="visible"/>
+                                      </p:to>
+                                    </p:set>
+                                  </p:childTnLst>
+                                </p:cTn>
+                              </p:par>
                             </p:childTnLst>
                           </p:cTn>
                         </p:par>
@@ -9749,6 +13373,7 @@
     </p:tnLst>
     <p:bldLst>
       <p:bldP spid="3" grpId="0" uiExpand="1" build="p"/>
+      <p:bldP spid="6" grpId="0" animBg="1"/>
     </p:bldLst>
   </p:timing>
 </p:sld>
@@ -9844,7 +13469,11 @@
               <a:buAutoNum type="romanUcPeriod"/>
             </a:pPr>
             <a:r>
-              <a:rPr lang="es-ES" dirty="0"/>
+              <a:rPr lang="es-ES" dirty="0">
+                <a:solidFill>
+                  <a:srgbClr val="002060"/>
+                </a:solidFill>
+              </a:rPr>
               <a:t>Objetivos </a:t>
             </a:r>
           </a:p>
@@ -10186,8 +13815,25 @@
                   </a:schemeClr>
                 </a:solidFill>
               </a:rPr>
-              <a:t>objetivos</a:t>
-            </a:r>
+              <a:t>O</a:t>
+            </a:r>
+            <a:r>
+              <a:rPr lang="es-ES" b="1" dirty="0" smtClean="0">
+                <a:solidFill>
+                  <a:schemeClr val="accent1">
+                    <a:lumMod val="50000"/>
+                  </a:schemeClr>
+                </a:solidFill>
+              </a:rPr>
+              <a:t>bjetivos</a:t>
+            </a:r>
+            <a:endParaRPr lang="es-ES" b="1" dirty="0">
+              <a:solidFill>
+                <a:schemeClr val="accent1">
+                  <a:lumMod val="50000"/>
+                </a:schemeClr>
+              </a:solidFill>
+            </a:endParaRPr>
           </a:p>
         </p:txBody>
       </p:sp>
@@ -10668,7 +14314,11 @@
               <a:buAutoNum type="romanUcPeriod"/>
             </a:pPr>
             <a:r>
-              <a:rPr lang="es-ES" dirty="0"/>
+              <a:rPr lang="es-ES" dirty="0">
+                <a:solidFill>
+                  <a:srgbClr val="002060"/>
+                </a:solidFill>
+              </a:rPr>
               <a:t>Panorama actual</a:t>
             </a:r>
           </a:p>
@@ -10970,12 +14620,84 @@
           <a:chExt cx="0" cy="0"/>
         </a:xfrm>
       </p:grpSpPr>
+      <p:pic>
+        <p:nvPicPr>
+          <p:cNvPr id="7" name="Imagen 6"/>
+          <p:cNvPicPr>
+            <a:picLocks noChangeAspect="1"/>
+          </p:cNvPicPr>
+          <p:nvPr/>
+        </p:nvPicPr>
+        <p:blipFill>
+          <a:blip r:embed="rId3"/>
+          <a:stretch>
+            <a:fillRect/>
+          </a:stretch>
+        </p:blipFill>
+        <p:spPr>
+          <a:xfrm>
+            <a:off x="228795" y="3846286"/>
+            <a:ext cx="4348637" cy="2760965"/>
+          </a:xfrm>
+          <a:prstGeom prst="rect">
+            <a:avLst/>
+          </a:prstGeom>
+        </p:spPr>
+      </p:pic>
+      <p:pic>
+        <p:nvPicPr>
+          <p:cNvPr id="4" name="Imagen 3"/>
+          <p:cNvPicPr>
+            <a:picLocks noChangeAspect="1"/>
+          </p:cNvPicPr>
+          <p:nvPr/>
+        </p:nvPicPr>
+        <p:blipFill>
+          <a:blip r:embed="rId4"/>
+          <a:stretch>
+            <a:fillRect/>
+          </a:stretch>
+        </p:blipFill>
+        <p:spPr>
+          <a:xfrm>
+            <a:off x="4717144" y="2862284"/>
+            <a:ext cx="7179060" cy="3847601"/>
+          </a:xfrm>
+          <a:prstGeom prst="rect">
+            <a:avLst/>
+          </a:prstGeom>
+        </p:spPr>
+      </p:pic>
+      <p:pic>
+        <p:nvPicPr>
+          <p:cNvPr id="10" name="Imagen 9"/>
+          <p:cNvPicPr>
+            <a:picLocks noChangeAspect="1"/>
+          </p:cNvPicPr>
+          <p:nvPr/>
+        </p:nvPicPr>
+        <p:blipFill>
+          <a:blip r:embed="rId5"/>
+          <a:stretch>
+            <a:fillRect/>
+          </a:stretch>
+        </p:blipFill>
+        <p:spPr>
+          <a:xfrm>
+            <a:off x="2063592" y="4786085"/>
+            <a:ext cx="2092360" cy="668565"/>
+          </a:xfrm>
+          <a:prstGeom prst="rect">
+            <a:avLst/>
+          </a:prstGeom>
+        </p:spPr>
+      </p:pic>
       <p:sp>
         <p:nvSpPr>
           <p:cNvPr id="2" name="Título 1">
             <a:extLst>
               <a:ext uri="{FF2B5EF4-FFF2-40B4-BE49-F238E27FC236}">
-                <a16:creationId xmlns:a16="http://schemas.microsoft.com/office/drawing/2014/main" xmlns="" id="{E122A83D-3967-4BBC-B0B7-E31CB4FB61D5}"/>
+                <a16:creationId xmlns="" xmlns:a16="http://schemas.microsoft.com/office/drawing/2014/main" id="{E122A83D-3967-4BBC-B0B7-E31CB4FB61D5}"/>
               </a:ext>
             </a:extLst>
           </p:cNvPr>
@@ -11012,7 +14734,7 @@
           <p:cNvPr id="3" name="Marcador de contenido 2">
             <a:extLst>
               <a:ext uri="{FF2B5EF4-FFF2-40B4-BE49-F238E27FC236}">
-                <a16:creationId xmlns:a16="http://schemas.microsoft.com/office/drawing/2014/main" xmlns="" id="{A79EC906-CFDB-4506-8B2F-E22EC5418D18}"/>
+                <a16:creationId xmlns="" xmlns:a16="http://schemas.microsoft.com/office/drawing/2014/main" id="{A79EC906-CFDB-4506-8B2F-E22EC5418D18}"/>
               </a:ext>
             </a:extLst>
           </p:cNvPr>
@@ -11040,13 +14762,747 @@
           <a:p>
             <a:r>
               <a:rPr lang="es-ES" dirty="0" smtClean="0"/>
-              <a:t>Controladores PI</a:t>
-            </a:r>
-          </a:p>
-          <a:p>
+              <a:t>Controladores </a:t>
+            </a:r>
             <a:r>
               <a:rPr lang="es-ES" dirty="0" smtClean="0"/>
-              <a:t>Realimentación de potencia reactiva, tensión o factor de potencia</a:t>
+              <a:t>PI en la industria, investigación en controles avanzados</a:t>
+            </a:r>
+            <a:endParaRPr lang="es-ES" dirty="0"/>
+          </a:p>
+        </p:txBody>
+      </p:sp>
+      <p:pic>
+        <p:nvPicPr>
+          <p:cNvPr id="5" name="Picture 2" descr="Resultado de imagen de etsidi logo"/>
+          <p:cNvPicPr>
+            <a:picLocks noChangeAspect="1" noChangeArrowheads="1"/>
+          </p:cNvPicPr>
+          <p:nvPr/>
+        </p:nvPicPr>
+        <p:blipFill>
+          <a:blip r:embed="rId6" cstate="print">
+            <a:extLst>
+              <a:ext uri="{28A0092B-C50C-407E-A947-70E740481C1C}">
+                <a14:useLocalDpi xmlns:a14="http://schemas.microsoft.com/office/drawing/2010/main" val="0"/>
+              </a:ext>
+            </a:extLst>
+          </a:blip>
+          <a:srcRect/>
+          <a:stretch>
+            <a:fillRect/>
+          </a:stretch>
+        </p:blipFill>
+        <p:spPr bwMode="auto">
+          <a:xfrm>
+            <a:off x="10269415" y="286460"/>
+            <a:ext cx="1693789" cy="895227"/>
+          </a:xfrm>
+          <a:prstGeom prst="rect">
+            <a:avLst/>
+          </a:prstGeom>
+          <a:noFill/>
+          <a:extLst>
+            <a:ext uri="{909E8E84-426E-40DD-AFC4-6F175D3DCCD1}">
+              <a14:hiddenFill xmlns:a14="http://schemas.microsoft.com/office/drawing/2010/main">
+                <a:solidFill>
+                  <a:srgbClr val="FFFFFF"/>
+                </a:solidFill>
+              </a14:hiddenFill>
+            </a:ext>
+          </a:extLst>
+        </p:spPr>
+      </p:pic>
+      <p:pic>
+        <p:nvPicPr>
+          <p:cNvPr id="6" name="Picture 2" descr="Macintosh HD en Idril:Users:barrientos:DATOS:Modelos:Logos:UPM:EscUpmPolit.jpg"/>
+          <p:cNvPicPr/>
+          <p:nvPr/>
+        </p:nvPicPr>
+        <p:blipFill>
+          <a:blip r:embed="rId7">
+            <a:extLst>
+              <a:ext uri="{28A0092B-C50C-407E-A947-70E740481C1C}">
+                <a14:useLocalDpi xmlns:a14="http://schemas.microsoft.com/office/drawing/2010/main" val="0"/>
+              </a:ext>
+            </a:extLst>
+          </a:blip>
+          <a:srcRect/>
+          <a:stretch>
+            <a:fillRect/>
+          </a:stretch>
+        </p:blipFill>
+        <p:spPr bwMode="auto">
+          <a:xfrm>
+            <a:off x="143705" y="131712"/>
+            <a:ext cx="1417125" cy="1181686"/>
+          </a:xfrm>
+          <a:prstGeom prst="rect">
+            <a:avLst/>
+          </a:prstGeom>
+          <a:noFill/>
+          <a:ln>
+            <a:noFill/>
+          </a:ln>
+        </p:spPr>
+      </p:pic>
+      <p:pic>
+        <p:nvPicPr>
+          <p:cNvPr id="8" name="Image 6" descr="image011"/>
+          <p:cNvPicPr>
+            <a:picLocks noChangeAspect="1" noChangeArrowheads="1"/>
+          </p:cNvPicPr>
+          <p:nvPr/>
+        </p:nvPicPr>
+        <p:blipFill>
+          <a:blip r:embed="rId8">
+            <a:extLst>
+              <a:ext uri="{28A0092B-C50C-407E-A947-70E740481C1C}">
+                <a14:useLocalDpi xmlns:a14="http://schemas.microsoft.com/office/drawing/2010/main" val="0"/>
+              </a:ext>
+            </a:extLst>
+          </a:blip>
+          <a:srcRect/>
+          <a:stretch>
+            <a:fillRect/>
+          </a:stretch>
+        </p:blipFill>
+        <p:spPr bwMode="auto">
+          <a:xfrm>
+            <a:off x="9845799" y="6062662"/>
+            <a:ext cx="2117405" cy="452437"/>
+          </a:xfrm>
+          <a:prstGeom prst="rect">
+            <a:avLst/>
+          </a:prstGeom>
+          <a:noFill/>
+          <a:ln>
+            <a:noFill/>
+          </a:ln>
+          <a:extLst>
+            <a:ext uri="{909E8E84-426E-40DD-AFC4-6F175D3DCCD1}">
+              <a14:hiddenFill xmlns:a14="http://schemas.microsoft.com/office/drawing/2010/main">
+                <a:solidFill>
+                  <a:srgbClr val="FFFFFF"/>
+                </a:solidFill>
+              </a14:hiddenFill>
+            </a:ext>
+            <a:ext uri="{91240B29-F687-4F45-9708-019B960494DF}">
+              <a14:hiddenLine xmlns:a14="http://schemas.microsoft.com/office/drawing/2010/main" w="9525">
+                <a:solidFill>
+                  <a:srgbClr val="000000"/>
+                </a:solidFill>
+                <a:miter lim="800000"/>
+                <a:headEnd/>
+                <a:tailEnd/>
+              </a14:hiddenLine>
+            </a:ext>
+          </a:extLst>
+        </p:spPr>
+      </p:pic>
+      <p:pic>
+        <p:nvPicPr>
+          <p:cNvPr id="9" name="Imagen 8"/>
+          <p:cNvPicPr>
+            <a:picLocks noChangeAspect="1"/>
+          </p:cNvPicPr>
+          <p:nvPr/>
+        </p:nvPicPr>
+        <p:blipFill>
+          <a:blip r:embed="rId9"/>
+          <a:stretch>
+            <a:fillRect/>
+          </a:stretch>
+        </p:blipFill>
+        <p:spPr>
+          <a:xfrm>
+            <a:off x="1647056" y="4114532"/>
+            <a:ext cx="3070088" cy="325765"/>
+          </a:xfrm>
+          <a:prstGeom prst="rect">
+            <a:avLst/>
+          </a:prstGeom>
+        </p:spPr>
+      </p:pic>
+      <p:pic>
+        <p:nvPicPr>
+          <p:cNvPr id="11" name="Imagen 10"/>
+          <p:cNvPicPr>
+            <a:picLocks noChangeAspect="1"/>
+          </p:cNvPicPr>
+          <p:nvPr/>
+        </p:nvPicPr>
+        <p:blipFill>
+          <a:blip r:embed="rId10"/>
+          <a:stretch>
+            <a:fillRect/>
+          </a:stretch>
+        </p:blipFill>
+        <p:spPr>
+          <a:xfrm>
+            <a:off x="2403113" y="5844772"/>
+            <a:ext cx="1705825" cy="336953"/>
+          </a:xfrm>
+          <a:prstGeom prst="rect">
+            <a:avLst/>
+          </a:prstGeom>
+        </p:spPr>
+      </p:pic>
+      <p:sp>
+        <p:nvSpPr>
+          <p:cNvPr id="13" name="Rectángulo 12"/>
+          <p:cNvSpPr/>
+          <p:nvPr/>
+        </p:nvSpPr>
+        <p:spPr>
+          <a:xfrm>
+            <a:off x="4108938" y="5897517"/>
+            <a:ext cx="727381" cy="403271"/>
+          </a:xfrm>
+          <a:prstGeom prst="rect">
+            <a:avLst/>
+          </a:prstGeom>
+          <a:solidFill>
+            <a:schemeClr val="bg1"/>
+          </a:solidFill>
+          <a:ln>
+            <a:noFill/>
+          </a:ln>
+        </p:spPr>
+        <p:style>
+          <a:lnRef idx="2">
+            <a:schemeClr val="accent1">
+              <a:shade val="50000"/>
+            </a:schemeClr>
+          </a:lnRef>
+          <a:fillRef idx="1">
+            <a:schemeClr val="accent1"/>
+          </a:fillRef>
+          <a:effectRef idx="0">
+            <a:schemeClr val="accent1"/>
+          </a:effectRef>
+          <a:fontRef idx="minor">
+            <a:schemeClr val="lt1"/>
+          </a:fontRef>
+        </p:style>
+        <p:txBody>
+          <a:bodyPr rtlCol="0" anchor="ctr"/>
+          <a:lstStyle/>
+          <a:p>
+            <a:pPr algn="ctr"/>
+            <a:endParaRPr lang="es-ES"/>
+          </a:p>
+        </p:txBody>
+      </p:sp>
+      <p:pic>
+        <p:nvPicPr>
+          <p:cNvPr id="12" name="Imagen 11"/>
+          <p:cNvPicPr>
+            <a:picLocks noChangeAspect="1"/>
+          </p:cNvPicPr>
+          <p:nvPr/>
+        </p:nvPicPr>
+        <p:blipFill>
+          <a:blip r:embed="rId11"/>
+          <a:stretch>
+            <a:fillRect/>
+          </a:stretch>
+        </p:blipFill>
+        <p:spPr>
+          <a:xfrm>
+            <a:off x="4111501" y="5897517"/>
+            <a:ext cx="684336" cy="235024"/>
+          </a:xfrm>
+          <a:prstGeom prst="rect">
+            <a:avLst/>
+          </a:prstGeom>
+        </p:spPr>
+      </p:pic>
+    </p:spTree>
+    <p:extLst>
+      <p:ext uri="{BB962C8B-B14F-4D97-AF65-F5344CB8AC3E}">
+        <p14:creationId xmlns:p14="http://schemas.microsoft.com/office/powerpoint/2010/main" val="1157730380"/>
+      </p:ext>
+    </p:extLst>
+  </p:cSld>
+  <p:clrMapOvr>
+    <a:overrideClrMapping bg1="lt1" tx1="dk1" bg2="lt2" tx2="dk2" accent1="accent1" accent2="accent2" accent3="accent3" accent4="accent4" accent5="accent5" accent6="accent6" hlink="hlink" folHlink="folHlink"/>
+  </p:clrMapOvr>
+  <p:timing>
+    <p:tnLst>
+      <p:par>
+        <p:cTn id="1" dur="indefinite" restart="never" nodeType="tmRoot">
+          <p:childTnLst>
+            <p:seq concurrent="1" nextAc="seek">
+              <p:cTn id="2" dur="indefinite" nodeType="mainSeq">
+                <p:childTnLst>
+                  <p:par>
+                    <p:cTn id="3" fill="hold">
+                      <p:stCondLst>
+                        <p:cond delay="indefinite"/>
+                        <p:cond evt="onBegin" delay="0">
+                          <p:tn val="2"/>
+                        </p:cond>
+                      </p:stCondLst>
+                      <p:childTnLst>
+                        <p:par>
+                          <p:cTn id="4" fill="hold">
+                            <p:stCondLst>
+                              <p:cond delay="0"/>
+                            </p:stCondLst>
+                            <p:childTnLst>
+                              <p:par>
+                                <p:cTn id="5" presetID="1" presetClass="entr" presetSubtype="0" fill="hold" grpId="0" nodeType="withEffect">
+                                  <p:stCondLst>
+                                    <p:cond delay="0"/>
+                                  </p:stCondLst>
+                                  <p:childTnLst>
+                                    <p:set>
+                                      <p:cBhvr>
+                                        <p:cTn id="6" dur="1" fill="hold">
+                                          <p:stCondLst>
+                                            <p:cond delay="0"/>
+                                          </p:stCondLst>
+                                        </p:cTn>
+                                        <p:tgtEl>
+                                          <p:spTgt spid="3">
+                                            <p:txEl>
+                                              <p:pRg st="0" end="0"/>
+                                            </p:txEl>
+                                          </p:spTgt>
+                                        </p:tgtEl>
+                                        <p:attrNameLst>
+                                          <p:attrName>style.visibility</p:attrName>
+                                        </p:attrNameLst>
+                                      </p:cBhvr>
+                                      <p:to>
+                                        <p:strVal val="visible"/>
+                                      </p:to>
+                                    </p:set>
+                                  </p:childTnLst>
+                                </p:cTn>
+                              </p:par>
+                            </p:childTnLst>
+                          </p:cTn>
+                        </p:par>
+                      </p:childTnLst>
+                    </p:cTn>
+                  </p:par>
+                  <p:par>
+                    <p:cTn id="7" fill="hold">
+                      <p:stCondLst>
+                        <p:cond delay="indefinite"/>
+                      </p:stCondLst>
+                      <p:childTnLst>
+                        <p:par>
+                          <p:cTn id="8" fill="hold">
+                            <p:stCondLst>
+                              <p:cond delay="0"/>
+                            </p:stCondLst>
+                            <p:childTnLst>
+                              <p:par>
+                                <p:cTn id="9" presetID="1" presetClass="entr" presetSubtype="0" fill="hold" nodeType="clickEffect">
+                                  <p:stCondLst>
+                                    <p:cond delay="0"/>
+                                  </p:stCondLst>
+                                  <p:childTnLst>
+                                    <p:set>
+                                      <p:cBhvr>
+                                        <p:cTn id="10" dur="1" fill="hold">
+                                          <p:stCondLst>
+                                            <p:cond delay="0"/>
+                                          </p:stCondLst>
+                                        </p:cTn>
+                                        <p:tgtEl>
+                                          <p:spTgt spid="7"/>
+                                        </p:tgtEl>
+                                        <p:attrNameLst>
+                                          <p:attrName>style.visibility</p:attrName>
+                                        </p:attrNameLst>
+                                      </p:cBhvr>
+                                      <p:to>
+                                        <p:strVal val="visible"/>
+                                      </p:to>
+                                    </p:set>
+                                  </p:childTnLst>
+                                </p:cTn>
+                              </p:par>
+                              <p:par>
+                                <p:cTn id="11" presetID="1" presetClass="entr" presetSubtype="0" fill="hold" nodeType="withEffect">
+                                  <p:stCondLst>
+                                    <p:cond delay="0"/>
+                                  </p:stCondLst>
+                                  <p:childTnLst>
+                                    <p:set>
+                                      <p:cBhvr>
+                                        <p:cTn id="12" dur="1" fill="hold">
+                                          <p:stCondLst>
+                                            <p:cond delay="0"/>
+                                          </p:stCondLst>
+                                        </p:cTn>
+                                        <p:tgtEl>
+                                          <p:spTgt spid="10"/>
+                                        </p:tgtEl>
+                                        <p:attrNameLst>
+                                          <p:attrName>style.visibility</p:attrName>
+                                        </p:attrNameLst>
+                                      </p:cBhvr>
+                                      <p:to>
+                                        <p:strVal val="visible"/>
+                                      </p:to>
+                                    </p:set>
+                                  </p:childTnLst>
+                                </p:cTn>
+                              </p:par>
+                              <p:par>
+                                <p:cTn id="13" presetID="1" presetClass="entr" presetSubtype="0" fill="hold" nodeType="withEffect">
+                                  <p:stCondLst>
+                                    <p:cond delay="0"/>
+                                  </p:stCondLst>
+                                  <p:childTnLst>
+                                    <p:set>
+                                      <p:cBhvr>
+                                        <p:cTn id="14" dur="1" fill="hold">
+                                          <p:stCondLst>
+                                            <p:cond delay="0"/>
+                                          </p:stCondLst>
+                                        </p:cTn>
+                                        <p:tgtEl>
+                                          <p:spTgt spid="9"/>
+                                        </p:tgtEl>
+                                        <p:attrNameLst>
+                                          <p:attrName>style.visibility</p:attrName>
+                                        </p:attrNameLst>
+                                      </p:cBhvr>
+                                      <p:to>
+                                        <p:strVal val="visible"/>
+                                      </p:to>
+                                    </p:set>
+                                  </p:childTnLst>
+                                </p:cTn>
+                              </p:par>
+                              <p:par>
+                                <p:cTn id="15" presetID="1" presetClass="entr" presetSubtype="0" fill="hold" nodeType="withEffect">
+                                  <p:stCondLst>
+                                    <p:cond delay="0"/>
+                                  </p:stCondLst>
+                                  <p:childTnLst>
+                                    <p:set>
+                                      <p:cBhvr>
+                                        <p:cTn id="16" dur="1" fill="hold">
+                                          <p:stCondLst>
+                                            <p:cond delay="0"/>
+                                          </p:stCondLst>
+                                        </p:cTn>
+                                        <p:tgtEl>
+                                          <p:spTgt spid="11"/>
+                                        </p:tgtEl>
+                                        <p:attrNameLst>
+                                          <p:attrName>style.visibility</p:attrName>
+                                        </p:attrNameLst>
+                                      </p:cBhvr>
+                                      <p:to>
+                                        <p:strVal val="visible"/>
+                                      </p:to>
+                                    </p:set>
+                                  </p:childTnLst>
+                                </p:cTn>
+                              </p:par>
+                              <p:par>
+                                <p:cTn id="17" presetID="1" presetClass="entr" presetSubtype="0" fill="hold" nodeType="withEffect">
+                                  <p:stCondLst>
+                                    <p:cond delay="0"/>
+                                  </p:stCondLst>
+                                  <p:childTnLst>
+                                    <p:set>
+                                      <p:cBhvr>
+                                        <p:cTn id="18" dur="1" fill="hold">
+                                          <p:stCondLst>
+                                            <p:cond delay="0"/>
+                                          </p:stCondLst>
+                                        </p:cTn>
+                                        <p:tgtEl>
+                                          <p:spTgt spid="12"/>
+                                        </p:tgtEl>
+                                        <p:attrNameLst>
+                                          <p:attrName>style.visibility</p:attrName>
+                                        </p:attrNameLst>
+                                      </p:cBhvr>
+                                      <p:to>
+                                        <p:strVal val="visible"/>
+                                      </p:to>
+                                    </p:set>
+                                  </p:childTnLst>
+                                </p:cTn>
+                              </p:par>
+                            </p:childTnLst>
+                          </p:cTn>
+                        </p:par>
+                      </p:childTnLst>
+                    </p:cTn>
+                  </p:par>
+                  <p:par>
+                    <p:cTn id="19" fill="hold">
+                      <p:stCondLst>
+                        <p:cond delay="indefinite"/>
+                      </p:stCondLst>
+                      <p:childTnLst>
+                        <p:par>
+                          <p:cTn id="20" fill="hold">
+                            <p:stCondLst>
+                              <p:cond delay="0"/>
+                            </p:stCondLst>
+                            <p:childTnLst>
+                              <p:par>
+                                <p:cTn id="21" presetID="1" presetClass="entr" presetSubtype="0" fill="hold" grpId="0" nodeType="clickEffect">
+                                  <p:stCondLst>
+                                    <p:cond delay="0"/>
+                                  </p:stCondLst>
+                                  <p:childTnLst>
+                                    <p:set>
+                                      <p:cBhvr>
+                                        <p:cTn id="22" dur="1" fill="hold">
+                                          <p:stCondLst>
+                                            <p:cond delay="0"/>
+                                          </p:stCondLst>
+                                        </p:cTn>
+                                        <p:tgtEl>
+                                          <p:spTgt spid="3">
+                                            <p:txEl>
+                                              <p:pRg st="1" end="1"/>
+                                            </p:txEl>
+                                          </p:spTgt>
+                                        </p:tgtEl>
+                                        <p:attrNameLst>
+                                          <p:attrName>style.visibility</p:attrName>
+                                        </p:attrNameLst>
+                                      </p:cBhvr>
+                                      <p:to>
+                                        <p:strVal val="visible"/>
+                                      </p:to>
+                                    </p:set>
+                                  </p:childTnLst>
+                                </p:cTn>
+                              </p:par>
+                            </p:childTnLst>
+                          </p:cTn>
+                        </p:par>
+                      </p:childTnLst>
+                    </p:cTn>
+                  </p:par>
+                  <p:par>
+                    <p:cTn id="23" fill="hold">
+                      <p:stCondLst>
+                        <p:cond delay="indefinite"/>
+                      </p:stCondLst>
+                      <p:childTnLst>
+                        <p:par>
+                          <p:cTn id="24" fill="hold">
+                            <p:stCondLst>
+                              <p:cond delay="0"/>
+                            </p:stCondLst>
+                            <p:childTnLst>
+                              <p:par>
+                                <p:cTn id="25" presetID="1" presetClass="entr" presetSubtype="0" fill="hold" nodeType="clickEffect">
+                                  <p:stCondLst>
+                                    <p:cond delay="0"/>
+                                  </p:stCondLst>
+                                  <p:childTnLst>
+                                    <p:set>
+                                      <p:cBhvr>
+                                        <p:cTn id="26" dur="1" fill="hold">
+                                          <p:stCondLst>
+                                            <p:cond delay="0"/>
+                                          </p:stCondLst>
+                                        </p:cTn>
+                                        <p:tgtEl>
+                                          <p:spTgt spid="4"/>
+                                        </p:tgtEl>
+                                        <p:attrNameLst>
+                                          <p:attrName>style.visibility</p:attrName>
+                                        </p:attrNameLst>
+                                      </p:cBhvr>
+                                      <p:to>
+                                        <p:strVal val="visible"/>
+                                      </p:to>
+                                    </p:set>
+                                  </p:childTnLst>
+                                </p:cTn>
+                              </p:par>
+                            </p:childTnLst>
+                          </p:cTn>
+                        </p:par>
+                      </p:childTnLst>
+                    </p:cTn>
+                  </p:par>
+                </p:childTnLst>
+              </p:cTn>
+              <p:prevCondLst>
+                <p:cond evt="onPrev" delay="0">
+                  <p:tgtEl>
+                    <p:sldTgt/>
+                  </p:tgtEl>
+                </p:cond>
+              </p:prevCondLst>
+              <p:nextCondLst>
+                <p:cond evt="onNext" delay="0">
+                  <p:tgtEl>
+                    <p:sldTgt/>
+                  </p:tgtEl>
+                </p:cond>
+              </p:nextCondLst>
+            </p:seq>
+          </p:childTnLst>
+        </p:cTn>
+      </p:par>
+    </p:tnLst>
+    <p:bldLst>
+      <p:bldP spid="3" grpId="0" uiExpand="1" build="p"/>
+    </p:bldLst>
+  </p:timing>
+</p:sld>
+</file>
+
+<file path=ppt/slides/slide8.xml><?xml version="1.0" encoding="utf-8"?>
+<p:sld xmlns:a="http://schemas.openxmlformats.org/drawingml/2006/main" xmlns:r="http://schemas.openxmlformats.org/officeDocument/2006/relationships" xmlns:p="http://schemas.openxmlformats.org/presentationml/2006/main">
+  <p:cSld>
+    <p:bg>
+      <p:bgRef idx="1001">
+        <a:schemeClr val="bg1"/>
+      </p:bgRef>
+    </p:bg>
+    <p:spTree>
+      <p:nvGrpSpPr>
+        <p:cNvPr id="1" name=""/>
+        <p:cNvGrpSpPr/>
+        <p:nvPr/>
+      </p:nvGrpSpPr>
+      <p:grpSpPr>
+        <a:xfrm>
+          <a:off x="0" y="0"/>
+          <a:ext cx="0" cy="0"/>
+          <a:chOff x="0" y="0"/>
+          <a:chExt cx="0" cy="0"/>
+        </a:xfrm>
+      </p:grpSpPr>
+      <p:sp>
+        <p:nvSpPr>
+          <p:cNvPr id="2" name="Título 1">
+            <a:extLst>
+              <a:ext uri="{FF2B5EF4-FFF2-40B4-BE49-F238E27FC236}">
+                <a16:creationId xmlns="" xmlns:a16="http://schemas.microsoft.com/office/drawing/2014/main" id="{E122A83D-3967-4BBC-B0B7-E31CB4FB61D5}"/>
+              </a:ext>
+            </a:extLst>
+          </p:cNvPr>
+          <p:cNvSpPr>
+            <a:spLocks noGrp="1"/>
+          </p:cNvSpPr>
+          <p:nvPr>
+            <p:ph type="title"/>
+          </p:nvPr>
+        </p:nvSpPr>
+        <p:spPr/>
+        <p:txBody>
+          <a:bodyPr>
+            <a:normAutofit/>
+          </a:bodyPr>
+          <a:lstStyle/>
+          <a:p>
+            <a:pPr algn="ctr"/>
+            <a:r>
+              <a:rPr lang="es-ES" b="1" dirty="0">
+                <a:solidFill>
+                  <a:schemeClr val="accent1">
+                    <a:lumMod val="50000"/>
+                  </a:schemeClr>
+                </a:solidFill>
+              </a:rPr>
+              <a:t>Panorama actual</a:t>
+            </a:r>
+          </a:p>
+        </p:txBody>
+      </p:sp>
+      <p:sp>
+        <p:nvSpPr>
+          <p:cNvPr id="3" name="Marcador de contenido 2">
+            <a:extLst>
+              <a:ext uri="{FF2B5EF4-FFF2-40B4-BE49-F238E27FC236}">
+                <a16:creationId xmlns="" xmlns:a16="http://schemas.microsoft.com/office/drawing/2014/main" id="{A79EC906-CFDB-4506-8B2F-E22EC5418D18}"/>
+              </a:ext>
+            </a:extLst>
+          </p:cNvPr>
+          <p:cNvSpPr>
+            <a:spLocks noGrp="1"/>
+          </p:cNvSpPr>
+          <p:nvPr>
+            <p:ph idx="1"/>
+          </p:nvPr>
+        </p:nvSpPr>
+        <p:spPr/>
+        <p:txBody>
+          <a:bodyPr/>
+          <a:lstStyle/>
+          <a:p>
+            <a:pPr marL="0" indent="0">
+              <a:buNone/>
+            </a:pPr>
+            <a:r>
+              <a:rPr lang="es-ES" dirty="0" smtClean="0"/>
+              <a:t>Modos de control para activa y </a:t>
+            </a:r>
+            <a:r>
+              <a:rPr lang="es-ES" dirty="0" err="1" smtClean="0"/>
+              <a:t>reativa</a:t>
+            </a:r>
+            <a:r>
+              <a:rPr lang="es-ES" dirty="0" smtClean="0"/>
+              <a:t>:</a:t>
+            </a:r>
+            <a:endParaRPr lang="es-ES" dirty="0" smtClean="0"/>
+          </a:p>
+          <a:p>
+            <a:r>
+              <a:rPr lang="es-ES" dirty="0" err="1" smtClean="0"/>
+              <a:t>Limited</a:t>
+            </a:r>
+            <a:r>
+              <a:rPr lang="es-ES" dirty="0" smtClean="0"/>
+              <a:t>, Balance, </a:t>
+            </a:r>
+            <a:r>
+              <a:rPr lang="es-ES" dirty="0" err="1" smtClean="0"/>
+              <a:t>Rate</a:t>
+            </a:r>
+            <a:r>
+              <a:rPr lang="es-ES" dirty="0" smtClean="0"/>
+              <a:t> </a:t>
+            </a:r>
+            <a:r>
+              <a:rPr lang="es-ES" dirty="0" err="1" smtClean="0"/>
+              <a:t>Limited</a:t>
+            </a:r>
+            <a:r>
+              <a:rPr lang="es-ES" dirty="0" smtClean="0"/>
+              <a:t>, Delta</a:t>
+            </a:r>
+            <a:endParaRPr lang="es-ES" dirty="0" smtClean="0"/>
+          </a:p>
+          <a:p>
+            <a:r>
+              <a:rPr lang="es-ES" dirty="0" smtClean="0"/>
+              <a:t>Realimentación de </a:t>
+            </a:r>
+            <a:r>
+              <a:rPr lang="es-ES" dirty="0"/>
+              <a:t>Potencia </a:t>
+            </a:r>
+            <a:r>
+              <a:rPr lang="es-ES" dirty="0" smtClean="0"/>
+              <a:t>reactiva, </a:t>
+            </a:r>
+            <a:r>
+              <a:rPr lang="es-ES" dirty="0"/>
+              <a:t>tensión o factor de potencia</a:t>
             </a:r>
           </a:p>
           <a:p>
@@ -11130,6 +15586,36 @@
       </p:pic>
       <p:pic>
         <p:nvPicPr>
+          <p:cNvPr id="14" name="Imagen 13"/>
+          <p:cNvPicPr>
+            <a:picLocks noChangeAspect="1"/>
+          </p:cNvPicPr>
+          <p:nvPr/>
+        </p:nvPicPr>
+        <p:blipFill>
+          <a:blip r:embed="rId5">
+            <a:extLst>
+              <a:ext uri="{28A0092B-C50C-407E-A947-70E740481C1C}">
+                <a14:useLocalDpi xmlns:a14="http://schemas.microsoft.com/office/drawing/2010/main" val="0"/>
+              </a:ext>
+            </a:extLst>
+          </a:blip>
+          <a:stretch>
+            <a:fillRect/>
+          </a:stretch>
+        </p:blipFill>
+        <p:spPr>
+          <a:xfrm>
+            <a:off x="453516" y="3522980"/>
+            <a:ext cx="10793650" cy="2539682"/>
+          </a:xfrm>
+          <a:prstGeom prst="rect">
+            <a:avLst/>
+          </a:prstGeom>
+        </p:spPr>
+      </p:pic>
+      <p:pic>
+        <p:nvPicPr>
           <p:cNvPr id="8" name="Image 6" descr="image011"/>
           <p:cNvPicPr>
             <a:picLocks noChangeAspect="1" noChangeArrowheads="1"/>
@@ -11137,7 +15623,7 @@
           <p:nvPr/>
         </p:nvPicPr>
         <p:blipFill>
-          <a:blip r:embed="rId5">
+          <a:blip r:embed="rId6">
             <a:extLst>
               <a:ext uri="{28A0092B-C50C-407E-A947-70E740481C1C}">
                 <a14:useLocalDpi xmlns:a14="http://schemas.microsoft.com/office/drawing/2010/main" val="0"/>
@@ -11185,7 +15671,7 @@
     </p:spTree>
     <p:extLst>
       <p:ext uri="{BB962C8B-B14F-4D97-AF65-F5344CB8AC3E}">
-        <p14:creationId xmlns:p14="http://schemas.microsoft.com/office/powerpoint/2010/main" val="1157730380"/>
+        <p14:creationId xmlns:p14="http://schemas.microsoft.com/office/powerpoint/2010/main" val="76718626"/>
       </p:ext>
     </p:extLst>
   </p:cSld>
@@ -11295,6 +15781,33 @@
                                   </p:childTnLst>
                                 </p:cTn>
                               </p:par>
+                              <p:par>
+                                <p:cTn id="11" presetID="1" presetClass="entr" presetSubtype="0" fill="hold" nodeType="withEffect">
+                                  <p:stCondLst>
+                                    <p:cond delay="0"/>
+                                  </p:stCondLst>
+                                  <p:childTnLst>
+                                    <p:set>
+                                      <p:cBhvr>
+                                        <p:cTn id="12" dur="1" fill="hold">
+                                          <p:stCondLst>
+                                            <p:cond delay="0"/>
+                                          </p:stCondLst>
+                                        </p:cTn>
+                                        <p:tgtEl>
+                                          <p:spTgt spid="14"/>
+                                        </p:tgtEl>
+                                        <p:attrNameLst>
+                                          <p:attrName>style.visibility</p:attrName>
+                                        </p:attrNameLst>
+                                      </p:cBhvr>
+                                      <p:to>
+                                        <p:strVal val="visible"/>
+                                      </p:to>
+                                    </p:set>
+                                  </p:childTnLst>
+                                </p:cTn>
+                              </p:par>
                             </p:childTnLst>
                           </p:cTn>
                         </p:par>
@@ -11302,26 +15815,26 @@
                     </p:cTn>
                   </p:par>
                   <p:par>
-                    <p:cTn id="11" fill="hold">
+                    <p:cTn id="13" fill="hold">
                       <p:stCondLst>
                         <p:cond delay="indefinite"/>
                       </p:stCondLst>
                       <p:childTnLst>
                         <p:par>
-                          <p:cTn id="12" fill="hold">
+                          <p:cTn id="14" fill="hold">
                             <p:stCondLst>
                               <p:cond delay="0"/>
                             </p:stCondLst>
                             <p:childTnLst>
                               <p:par>
-                                <p:cTn id="13" presetID="1" presetClass="entr" presetSubtype="0" fill="hold" grpId="0" nodeType="clickEffect">
+                                <p:cTn id="15" presetID="1" presetClass="entr" presetSubtype="0" fill="hold" grpId="0" nodeType="clickEffect">
                                   <p:stCondLst>
                                     <p:cond delay="0"/>
                                   </p:stCondLst>
                                   <p:childTnLst>
                                     <p:set>
                                       <p:cBhvr>
-                                        <p:cTn id="14" dur="1" fill="hold">
+                                        <p:cTn id="16" dur="1" fill="hold">
                                           <p:stCondLst>
                                             <p:cond delay="0"/>
                                           </p:stCondLst>
@@ -11378,7 +15891,7 @@
 </p:sld>
 </file>
 
-<file path=ppt/slides/slide8.xml><?xml version="1.0" encoding="utf-8"?>
+<file path=ppt/slides/slide9.xml><?xml version="1.0" encoding="utf-8"?>
 <p:sld xmlns:a="http://schemas.openxmlformats.org/drawingml/2006/main" xmlns:r="http://schemas.openxmlformats.org/officeDocument/2006/relationships" xmlns:p="http://schemas.openxmlformats.org/presentationml/2006/main">
   <p:cSld>
     <p:spTree>
@@ -11525,7 +16038,11 @@
               <a:buAutoNum type="romanUcPeriod"/>
             </a:pPr>
             <a:r>
-              <a:rPr lang="es-ES" dirty="0"/>
+              <a:rPr lang="es-ES" dirty="0">
+                <a:solidFill>
+                  <a:srgbClr val="002060"/>
+                </a:solidFill>
+              </a:rPr>
               <a:t>Modelo de la Planta</a:t>
             </a:r>
           </a:p>
@@ -11763,1280 +16280,6 @@
         <p:cTn id="1" dur="indefinite" restart="never" nodeType="tmRoot"/>
       </p:par>
     </p:tnLst>
-  </p:timing>
-</p:sld>
-</file>
-
-<file path=ppt/slides/slide9.xml><?xml version="1.0" encoding="utf-8"?>
-<p:sld xmlns:a="http://schemas.openxmlformats.org/drawingml/2006/main" xmlns:r="http://schemas.openxmlformats.org/officeDocument/2006/relationships" xmlns:p="http://schemas.openxmlformats.org/presentationml/2006/main">
-  <p:cSld>
-    <p:spTree>
-      <p:nvGrpSpPr>
-        <p:cNvPr id="1" name=""/>
-        <p:cNvGrpSpPr/>
-        <p:nvPr/>
-      </p:nvGrpSpPr>
-      <p:grpSpPr>
-        <a:xfrm>
-          <a:off x="0" y="0"/>
-          <a:ext cx="0" cy="0"/>
-          <a:chOff x="0" y="0"/>
-          <a:chExt cx="0" cy="0"/>
-        </a:xfrm>
-      </p:grpSpPr>
-      <p:sp>
-        <p:nvSpPr>
-          <p:cNvPr id="2" name="Título 1">
-            <a:extLst>
-              <a:ext uri="{FF2B5EF4-FFF2-40B4-BE49-F238E27FC236}">
-                <a16:creationId xmlns:a16="http://schemas.microsoft.com/office/drawing/2014/main" xmlns="" id="{960643AA-8DEE-49EF-848B-2A646FDDAF27}"/>
-              </a:ext>
-            </a:extLst>
-          </p:cNvPr>
-          <p:cNvSpPr>
-            <a:spLocks noGrp="1"/>
-          </p:cNvSpPr>
-          <p:nvPr>
-            <p:ph type="title"/>
-          </p:nvPr>
-        </p:nvSpPr>
-        <p:spPr/>
-        <p:txBody>
-          <a:bodyPr/>
-          <a:lstStyle/>
-          <a:p>
-            <a:pPr algn="ctr"/>
-            <a:r>
-              <a:rPr lang="es-ES" b="1" dirty="0">
-                <a:solidFill>
-                  <a:schemeClr val="accent1">
-                    <a:lumMod val="50000"/>
-                  </a:schemeClr>
-                </a:solidFill>
-              </a:rPr>
-              <a:t>Modelo de la Planta</a:t>
-            </a:r>
-          </a:p>
-        </p:txBody>
-      </p:sp>
-      <p:sp>
-        <p:nvSpPr>
-          <p:cNvPr id="3" name="Marcador de contenido 2">
-            <a:extLst>
-              <a:ext uri="{FF2B5EF4-FFF2-40B4-BE49-F238E27FC236}">
-                <a16:creationId xmlns:a16="http://schemas.microsoft.com/office/drawing/2014/main" xmlns="" id="{80A64E0C-CB3C-4B33-9667-CAFFFFAD0B40}"/>
-              </a:ext>
-            </a:extLst>
-          </p:cNvPr>
-          <p:cNvSpPr>
-            <a:spLocks noGrp="1"/>
-          </p:cNvSpPr>
-          <p:nvPr>
-            <p:ph idx="1"/>
-          </p:nvPr>
-        </p:nvSpPr>
-        <p:spPr/>
-        <p:txBody>
-          <a:bodyPr/>
-          <a:lstStyle/>
-          <a:p>
-            <a:r>
-              <a:rPr lang="es-ES" dirty="0" smtClean="0"/>
-              <a:t>Modelo del conjunto</a:t>
-            </a:r>
-            <a:endParaRPr lang="es-ES" dirty="0"/>
-          </a:p>
-        </p:txBody>
-      </p:sp>
-      <p:pic>
-        <p:nvPicPr>
-          <p:cNvPr id="4" name="Imagen 3"/>
-          <p:cNvPicPr>
-            <a:picLocks noChangeAspect="1"/>
-          </p:cNvPicPr>
-          <p:nvPr/>
-        </p:nvPicPr>
-        <p:blipFill>
-          <a:blip r:embed="rId2"/>
-          <a:stretch>
-            <a:fillRect/>
-          </a:stretch>
-        </p:blipFill>
-        <p:spPr>
-          <a:xfrm>
-            <a:off x="0" y="3464146"/>
-            <a:ext cx="12209875" cy="3432412"/>
-          </a:xfrm>
-          <a:prstGeom prst="rect">
-            <a:avLst/>
-          </a:prstGeom>
-        </p:spPr>
-      </p:pic>
-      <p:sp>
-        <p:nvSpPr>
-          <p:cNvPr id="5" name="Elipse 4"/>
-          <p:cNvSpPr/>
-          <p:nvPr/>
-        </p:nvSpPr>
-        <p:spPr>
-          <a:xfrm>
-            <a:off x="3166281" y="3848669"/>
-            <a:ext cx="1419367" cy="1364776"/>
-          </a:xfrm>
-          <a:prstGeom prst="ellipse">
-            <a:avLst/>
-          </a:prstGeom>
-          <a:noFill/>
-          <a:ln w="38100">
-            <a:solidFill>
-              <a:srgbClr val="FF0000"/>
-            </a:solidFill>
-          </a:ln>
-        </p:spPr>
-        <p:style>
-          <a:lnRef idx="2">
-            <a:schemeClr val="accent1">
-              <a:shade val="50000"/>
-            </a:schemeClr>
-          </a:lnRef>
-          <a:fillRef idx="1">
-            <a:schemeClr val="accent1"/>
-          </a:fillRef>
-          <a:effectRef idx="0">
-            <a:schemeClr val="accent1"/>
-          </a:effectRef>
-          <a:fontRef idx="minor">
-            <a:schemeClr val="lt1"/>
-          </a:fontRef>
-        </p:style>
-        <p:txBody>
-          <a:bodyPr rtlCol="0" anchor="ctr"/>
-          <a:lstStyle/>
-          <a:p>
-            <a:pPr algn="ctr"/>
-            <a:endParaRPr lang="es-ES" dirty="0"/>
-          </a:p>
-        </p:txBody>
-      </p:sp>
-      <p:sp>
-        <p:nvSpPr>
-          <p:cNvPr id="6" name="Elipse 5"/>
-          <p:cNvSpPr/>
-          <p:nvPr/>
-        </p:nvSpPr>
-        <p:spPr>
-          <a:xfrm>
-            <a:off x="6087062" y="4001294"/>
-            <a:ext cx="1419367" cy="1364776"/>
-          </a:xfrm>
-          <a:prstGeom prst="ellipse">
-            <a:avLst/>
-          </a:prstGeom>
-          <a:noFill/>
-          <a:ln w="38100">
-            <a:solidFill>
-              <a:srgbClr val="FF0000"/>
-            </a:solidFill>
-          </a:ln>
-        </p:spPr>
-        <p:style>
-          <a:lnRef idx="2">
-            <a:schemeClr val="accent1">
-              <a:shade val="50000"/>
-            </a:schemeClr>
-          </a:lnRef>
-          <a:fillRef idx="1">
-            <a:schemeClr val="accent1"/>
-          </a:fillRef>
-          <a:effectRef idx="0">
-            <a:schemeClr val="accent1"/>
-          </a:effectRef>
-          <a:fontRef idx="minor">
-            <a:schemeClr val="lt1"/>
-          </a:fontRef>
-        </p:style>
-        <p:txBody>
-          <a:bodyPr rtlCol="0" anchor="ctr"/>
-          <a:lstStyle/>
-          <a:p>
-            <a:pPr algn="ctr"/>
-            <a:endParaRPr lang="es-ES" dirty="0"/>
-          </a:p>
-        </p:txBody>
-      </p:sp>
-      <p:cxnSp>
-        <p:nvCxnSpPr>
-          <p:cNvPr id="8" name="Conector recto 7"/>
-          <p:cNvCxnSpPr/>
-          <p:nvPr/>
-        </p:nvCxnSpPr>
-        <p:spPr>
-          <a:xfrm flipV="1">
-            <a:off x="4394579" y="3290651"/>
-            <a:ext cx="764275" cy="710643"/>
-          </a:xfrm>
-          <a:prstGeom prst="line">
-            <a:avLst/>
-          </a:prstGeom>
-          <a:ln w="38100">
-            <a:solidFill>
-              <a:srgbClr val="FF0000"/>
-            </a:solidFill>
-          </a:ln>
-        </p:spPr>
-        <p:style>
-          <a:lnRef idx="1">
-            <a:schemeClr val="accent1"/>
-          </a:lnRef>
-          <a:fillRef idx="0">
-            <a:schemeClr val="accent1"/>
-          </a:fillRef>
-          <a:effectRef idx="0">
-            <a:schemeClr val="accent1"/>
-          </a:effectRef>
-          <a:fontRef idx="minor">
-            <a:schemeClr val="tx1"/>
-          </a:fontRef>
-        </p:style>
-      </p:cxnSp>
-      <p:cxnSp>
-        <p:nvCxnSpPr>
-          <p:cNvPr id="9" name="Conector recto 8"/>
-          <p:cNvCxnSpPr/>
-          <p:nvPr/>
-        </p:nvCxnSpPr>
-        <p:spPr>
-          <a:xfrm flipH="1" flipV="1">
-            <a:off x="6014929" y="3290651"/>
-            <a:ext cx="372223" cy="695841"/>
-          </a:xfrm>
-          <a:prstGeom prst="line">
-            <a:avLst/>
-          </a:prstGeom>
-          <a:ln w="38100">
-            <a:solidFill>
-              <a:srgbClr val="FF0000"/>
-            </a:solidFill>
-          </a:ln>
-        </p:spPr>
-        <p:style>
-          <a:lnRef idx="1">
-            <a:schemeClr val="accent1"/>
-          </a:lnRef>
-          <a:fillRef idx="0">
-            <a:schemeClr val="accent1"/>
-          </a:fillRef>
-          <a:effectRef idx="0">
-            <a:schemeClr val="accent1"/>
-          </a:effectRef>
-          <a:fontRef idx="minor">
-            <a:schemeClr val="tx1"/>
-          </a:fontRef>
-        </p:style>
-      </p:cxnSp>
-      <p:sp>
-        <p:nvSpPr>
-          <p:cNvPr id="12" name="CuadroTexto 11"/>
-          <p:cNvSpPr txBox="1"/>
-          <p:nvPr/>
-        </p:nvSpPr>
-        <p:spPr>
-          <a:xfrm>
-            <a:off x="4517496" y="2795265"/>
-            <a:ext cx="2220544" cy="523220"/>
-          </a:xfrm>
-          <a:prstGeom prst="rect">
-            <a:avLst/>
-          </a:prstGeom>
-          <a:noFill/>
-        </p:spPr>
-        <p:txBody>
-          <a:bodyPr wrap="none" rtlCol="0">
-            <a:spAutoFit/>
-          </a:bodyPr>
-          <a:lstStyle/>
-          <a:p>
-            <a:r>
-              <a:rPr lang="es-ES" sz="2800" dirty="0" smtClean="0"/>
-              <a:t>Líneas aéreas </a:t>
-            </a:r>
-            <a:endParaRPr lang="es-ES" sz="2800" dirty="0"/>
-          </a:p>
-        </p:txBody>
-      </p:sp>
-      <p:sp>
-        <p:nvSpPr>
-          <p:cNvPr id="14" name="Elipse 13"/>
-          <p:cNvSpPr/>
-          <p:nvPr/>
-        </p:nvSpPr>
-        <p:spPr>
-          <a:xfrm>
-            <a:off x="4855545" y="3775456"/>
-            <a:ext cx="982959" cy="1665027"/>
-          </a:xfrm>
-          <a:prstGeom prst="ellipse">
-            <a:avLst/>
-          </a:prstGeom>
-          <a:noFill/>
-          <a:ln w="57150">
-            <a:solidFill>
-              <a:schemeClr val="accent1"/>
-            </a:solidFill>
-          </a:ln>
-        </p:spPr>
-        <p:style>
-          <a:lnRef idx="2">
-            <a:schemeClr val="accent1">
-              <a:shade val="50000"/>
-            </a:schemeClr>
-          </a:lnRef>
-          <a:fillRef idx="1">
-            <a:schemeClr val="accent1"/>
-          </a:fillRef>
-          <a:effectRef idx="0">
-            <a:schemeClr val="accent1"/>
-          </a:effectRef>
-          <a:fontRef idx="minor">
-            <a:schemeClr val="lt1"/>
-          </a:fontRef>
-        </p:style>
-        <p:txBody>
-          <a:bodyPr rtlCol="0" anchor="ctr"/>
-          <a:lstStyle/>
-          <a:p>
-            <a:pPr algn="ctr"/>
-            <a:endParaRPr lang="es-ES" dirty="0"/>
-          </a:p>
-        </p:txBody>
-      </p:sp>
-      <p:sp>
-        <p:nvSpPr>
-          <p:cNvPr id="15" name="Elipse 14"/>
-          <p:cNvSpPr/>
-          <p:nvPr/>
-        </p:nvSpPr>
-        <p:spPr>
-          <a:xfrm>
-            <a:off x="7969644" y="3962695"/>
-            <a:ext cx="982959" cy="1665027"/>
-          </a:xfrm>
-          <a:prstGeom prst="ellipse">
-            <a:avLst/>
-          </a:prstGeom>
-          <a:noFill/>
-          <a:ln w="57150">
-            <a:solidFill>
-              <a:schemeClr val="accent1"/>
-            </a:solidFill>
-          </a:ln>
-        </p:spPr>
-        <p:style>
-          <a:lnRef idx="2">
-            <a:schemeClr val="accent1">
-              <a:shade val="50000"/>
-            </a:schemeClr>
-          </a:lnRef>
-          <a:fillRef idx="1">
-            <a:schemeClr val="accent1"/>
-          </a:fillRef>
-          <a:effectRef idx="0">
-            <a:schemeClr val="accent1"/>
-          </a:effectRef>
-          <a:fontRef idx="minor">
-            <a:schemeClr val="lt1"/>
-          </a:fontRef>
-        </p:style>
-        <p:txBody>
-          <a:bodyPr rtlCol="0" anchor="ctr"/>
-          <a:lstStyle/>
-          <a:p>
-            <a:pPr algn="ctr"/>
-            <a:endParaRPr lang="es-ES" dirty="0"/>
-          </a:p>
-        </p:txBody>
-      </p:sp>
-      <p:cxnSp>
-        <p:nvCxnSpPr>
-          <p:cNvPr id="16" name="Conector recto 15"/>
-          <p:cNvCxnSpPr/>
-          <p:nvPr/>
-        </p:nvCxnSpPr>
-        <p:spPr>
-          <a:xfrm flipV="1">
-            <a:off x="7355899" y="5462805"/>
-            <a:ext cx="764275" cy="710643"/>
-          </a:xfrm>
-          <a:prstGeom prst="line">
-            <a:avLst/>
-          </a:prstGeom>
-          <a:ln w="38100">
-            <a:solidFill>
-              <a:schemeClr val="accent1"/>
-            </a:solidFill>
-          </a:ln>
-        </p:spPr>
-        <p:style>
-          <a:lnRef idx="1">
-            <a:schemeClr val="accent1"/>
-          </a:lnRef>
-          <a:fillRef idx="0">
-            <a:schemeClr val="accent1"/>
-          </a:fillRef>
-          <a:effectRef idx="0">
-            <a:schemeClr val="accent1"/>
-          </a:effectRef>
-          <a:fontRef idx="minor">
-            <a:schemeClr val="tx1"/>
-          </a:fontRef>
-        </p:style>
-      </p:cxnSp>
-      <p:cxnSp>
-        <p:nvCxnSpPr>
-          <p:cNvPr id="17" name="Conector recto 16"/>
-          <p:cNvCxnSpPr/>
-          <p:nvPr/>
-        </p:nvCxnSpPr>
-        <p:spPr>
-          <a:xfrm flipH="1" flipV="1">
-            <a:off x="5653984" y="5343258"/>
-            <a:ext cx="733168" cy="765220"/>
-          </a:xfrm>
-          <a:prstGeom prst="line">
-            <a:avLst/>
-          </a:prstGeom>
-          <a:ln w="38100">
-            <a:solidFill>
-              <a:schemeClr val="accent1"/>
-            </a:solidFill>
-          </a:ln>
-        </p:spPr>
-        <p:style>
-          <a:lnRef idx="1">
-            <a:schemeClr val="accent1"/>
-          </a:lnRef>
-          <a:fillRef idx="0">
-            <a:schemeClr val="accent1"/>
-          </a:fillRef>
-          <a:effectRef idx="0">
-            <a:schemeClr val="accent1"/>
-          </a:effectRef>
-          <a:fontRef idx="minor">
-            <a:schemeClr val="tx1"/>
-          </a:fontRef>
-        </p:style>
-      </p:cxnSp>
-      <p:sp>
-        <p:nvSpPr>
-          <p:cNvPr id="21" name="CuadroTexto 20"/>
-          <p:cNvSpPr txBox="1"/>
-          <p:nvPr/>
-        </p:nvSpPr>
-        <p:spPr>
-          <a:xfrm>
-            <a:off x="5749100" y="6057499"/>
-            <a:ext cx="1758879" cy="523220"/>
-          </a:xfrm>
-          <a:prstGeom prst="rect">
-            <a:avLst/>
-          </a:prstGeom>
-          <a:noFill/>
-        </p:spPr>
-        <p:txBody>
-          <a:bodyPr wrap="none" rtlCol="0">
-            <a:spAutoFit/>
-          </a:bodyPr>
-          <a:lstStyle/>
-          <a:p>
-            <a:r>
-              <a:rPr lang="es-ES" sz="2800" dirty="0" smtClean="0"/>
-              <a:t>Medidores</a:t>
-            </a:r>
-            <a:endParaRPr lang="es-ES" sz="2800" dirty="0"/>
-          </a:p>
-        </p:txBody>
-      </p:sp>
-      <p:sp>
-        <p:nvSpPr>
-          <p:cNvPr id="7" name="Elipse 6"/>
-          <p:cNvSpPr/>
-          <p:nvPr/>
-        </p:nvSpPr>
-        <p:spPr>
-          <a:xfrm>
-            <a:off x="0" y="3986492"/>
-            <a:ext cx="2486631" cy="1226953"/>
-          </a:xfrm>
-          <a:prstGeom prst="ellipse">
-            <a:avLst/>
-          </a:prstGeom>
-          <a:noFill/>
-          <a:ln w="38100">
-            <a:solidFill>
-              <a:srgbClr val="00B050"/>
-            </a:solidFill>
-          </a:ln>
-        </p:spPr>
-        <p:style>
-          <a:lnRef idx="2">
-            <a:schemeClr val="accent1">
-              <a:shade val="50000"/>
-            </a:schemeClr>
-          </a:lnRef>
-          <a:fillRef idx="1">
-            <a:schemeClr val="accent1"/>
-          </a:fillRef>
-          <a:effectRef idx="0">
-            <a:schemeClr val="accent1"/>
-          </a:effectRef>
-          <a:fontRef idx="minor">
-            <a:schemeClr val="lt1"/>
-          </a:fontRef>
-        </p:style>
-        <p:txBody>
-          <a:bodyPr rtlCol="0" anchor="ctr"/>
-          <a:lstStyle/>
-          <a:p>
-            <a:pPr algn="ctr"/>
-            <a:endParaRPr lang="es-ES" dirty="0"/>
-          </a:p>
-        </p:txBody>
-      </p:sp>
-      <p:sp>
-        <p:nvSpPr>
-          <p:cNvPr id="18" name="CuadroTexto 17"/>
-          <p:cNvSpPr txBox="1"/>
-          <p:nvPr/>
-        </p:nvSpPr>
-        <p:spPr>
-          <a:xfrm>
-            <a:off x="34520" y="5178873"/>
-            <a:ext cx="2900153" cy="523220"/>
-          </a:xfrm>
-          <a:prstGeom prst="rect">
-            <a:avLst/>
-          </a:prstGeom>
-          <a:noFill/>
-        </p:spPr>
-        <p:txBody>
-          <a:bodyPr wrap="none" rtlCol="0">
-            <a:spAutoFit/>
-          </a:bodyPr>
-          <a:lstStyle/>
-          <a:p>
-            <a:r>
-              <a:rPr lang="es-ES" sz="2800" dirty="0" smtClean="0"/>
-              <a:t>Equivalente de red</a:t>
-            </a:r>
-            <a:endParaRPr lang="es-ES" sz="2800" dirty="0"/>
-          </a:p>
-        </p:txBody>
-      </p:sp>
-      <p:sp>
-        <p:nvSpPr>
-          <p:cNvPr id="10" name="Elipse 9"/>
-          <p:cNvSpPr/>
-          <p:nvPr/>
-        </p:nvSpPr>
-        <p:spPr>
-          <a:xfrm>
-            <a:off x="9974637" y="3464146"/>
-            <a:ext cx="1992907" cy="2886312"/>
-          </a:xfrm>
-          <a:prstGeom prst="ellipse">
-            <a:avLst/>
-          </a:prstGeom>
-          <a:noFill/>
-          <a:ln w="38100">
-            <a:solidFill>
-              <a:srgbClr val="FFC000"/>
-            </a:solidFill>
-          </a:ln>
-        </p:spPr>
-        <p:style>
-          <a:lnRef idx="2">
-            <a:schemeClr val="accent1">
-              <a:shade val="50000"/>
-            </a:schemeClr>
-          </a:lnRef>
-          <a:fillRef idx="1">
-            <a:schemeClr val="accent1"/>
-          </a:fillRef>
-          <a:effectRef idx="0">
-            <a:schemeClr val="accent1"/>
-          </a:effectRef>
-          <a:fontRef idx="minor">
-            <a:schemeClr val="lt1"/>
-          </a:fontRef>
-        </p:style>
-        <p:txBody>
-          <a:bodyPr rtlCol="0" anchor="ctr"/>
-          <a:lstStyle/>
-          <a:p>
-            <a:pPr algn="ctr"/>
-            <a:endParaRPr lang="es-ES" dirty="0"/>
-          </a:p>
-        </p:txBody>
-      </p:sp>
-      <p:sp>
-        <p:nvSpPr>
-          <p:cNvPr id="19" name="CuadroTexto 18"/>
-          <p:cNvSpPr txBox="1"/>
-          <p:nvPr/>
-        </p:nvSpPr>
-        <p:spPr>
-          <a:xfrm>
-            <a:off x="10482844" y="2767431"/>
-            <a:ext cx="1210781" cy="523220"/>
-          </a:xfrm>
-          <a:prstGeom prst="rect">
-            <a:avLst/>
-          </a:prstGeom>
-          <a:noFill/>
-        </p:spPr>
-        <p:txBody>
-          <a:bodyPr wrap="none" rtlCol="0">
-            <a:spAutoFit/>
-          </a:bodyPr>
-          <a:lstStyle/>
-          <a:p>
-            <a:r>
-              <a:rPr lang="es-ES" sz="2800" dirty="0" smtClean="0"/>
-              <a:t>Parque</a:t>
-            </a:r>
-            <a:endParaRPr lang="es-ES" sz="2800" dirty="0"/>
-          </a:p>
-        </p:txBody>
-      </p:sp>
-      <p:pic>
-        <p:nvPicPr>
-          <p:cNvPr id="22" name="Picture 2" descr="Macintosh HD en Idril:Users:barrientos:DATOS:Modelos:Logos:UPM:EscUpmPolit.jpg"/>
-          <p:cNvPicPr/>
-          <p:nvPr/>
-        </p:nvPicPr>
-        <p:blipFill>
-          <a:blip r:embed="rId3">
-            <a:extLst>
-              <a:ext uri="{28A0092B-C50C-407E-A947-70E740481C1C}">
-                <a14:useLocalDpi xmlns:a14="http://schemas.microsoft.com/office/drawing/2010/main" val="0"/>
-              </a:ext>
-            </a:extLst>
-          </a:blip>
-          <a:srcRect/>
-          <a:stretch>
-            <a:fillRect/>
-          </a:stretch>
-        </p:blipFill>
-        <p:spPr bwMode="auto">
-          <a:xfrm>
-            <a:off x="143705" y="131712"/>
-            <a:ext cx="1417125" cy="1181686"/>
-          </a:xfrm>
-          <a:prstGeom prst="rect">
-            <a:avLst/>
-          </a:prstGeom>
-          <a:noFill/>
-          <a:ln>
-            <a:noFill/>
-          </a:ln>
-        </p:spPr>
-      </p:pic>
-      <p:pic>
-        <p:nvPicPr>
-          <p:cNvPr id="24" name="Picture 2" descr="Resultado de imagen de etsidi logo"/>
-          <p:cNvPicPr>
-            <a:picLocks noChangeAspect="1" noChangeArrowheads="1"/>
-          </p:cNvPicPr>
-          <p:nvPr/>
-        </p:nvPicPr>
-        <p:blipFill>
-          <a:blip r:embed="rId4" cstate="print">
-            <a:extLst>
-              <a:ext uri="{28A0092B-C50C-407E-A947-70E740481C1C}">
-                <a14:useLocalDpi xmlns:a14="http://schemas.microsoft.com/office/drawing/2010/main" val="0"/>
-              </a:ext>
-            </a:extLst>
-          </a:blip>
-          <a:srcRect/>
-          <a:stretch>
-            <a:fillRect/>
-          </a:stretch>
-        </p:blipFill>
-        <p:spPr bwMode="auto">
-          <a:xfrm>
-            <a:off x="10269415" y="286460"/>
-            <a:ext cx="1693789" cy="895227"/>
-          </a:xfrm>
-          <a:prstGeom prst="rect">
-            <a:avLst/>
-          </a:prstGeom>
-          <a:noFill/>
-          <a:extLst>
-            <a:ext uri="{909E8E84-426E-40DD-AFC4-6F175D3DCCD1}">
-              <a14:hiddenFill xmlns:a14="http://schemas.microsoft.com/office/drawing/2010/main">
-                <a:solidFill>
-                  <a:srgbClr val="FFFFFF"/>
-                </a:solidFill>
-              </a14:hiddenFill>
-            </a:ext>
-          </a:extLst>
-        </p:spPr>
-      </p:pic>
-      <p:pic>
-        <p:nvPicPr>
-          <p:cNvPr id="25" name="Image 6" descr="image011"/>
-          <p:cNvPicPr>
-            <a:picLocks noChangeAspect="1" noChangeArrowheads="1"/>
-          </p:cNvPicPr>
-          <p:nvPr/>
-        </p:nvPicPr>
-        <p:blipFill>
-          <a:blip r:embed="rId5">
-            <a:extLst>
-              <a:ext uri="{28A0092B-C50C-407E-A947-70E740481C1C}">
-                <a14:useLocalDpi xmlns:a14="http://schemas.microsoft.com/office/drawing/2010/main" val="0"/>
-              </a:ext>
-            </a:extLst>
-          </a:blip>
-          <a:srcRect/>
-          <a:stretch>
-            <a:fillRect/>
-          </a:stretch>
-        </p:blipFill>
-        <p:spPr bwMode="auto">
-          <a:xfrm>
-            <a:off x="184612" y="6115771"/>
-            <a:ext cx="2117405" cy="452437"/>
-          </a:xfrm>
-          <a:prstGeom prst="rect">
-            <a:avLst/>
-          </a:prstGeom>
-          <a:noFill/>
-          <a:ln>
-            <a:noFill/>
-          </a:ln>
-          <a:extLst>
-            <a:ext uri="{909E8E84-426E-40DD-AFC4-6F175D3DCCD1}">
-              <a14:hiddenFill xmlns:a14="http://schemas.microsoft.com/office/drawing/2010/main">
-                <a:solidFill>
-                  <a:srgbClr val="FFFFFF"/>
-                </a:solidFill>
-              </a14:hiddenFill>
-            </a:ext>
-            <a:ext uri="{91240B29-F687-4F45-9708-019B960494DF}">
-              <a14:hiddenLine xmlns:a14="http://schemas.microsoft.com/office/drawing/2010/main" w="9525">
-                <a:solidFill>
-                  <a:srgbClr val="000000"/>
-                </a:solidFill>
-                <a:miter lim="800000"/>
-                <a:headEnd/>
-                <a:tailEnd/>
-              </a14:hiddenLine>
-            </a:ext>
-          </a:extLst>
-        </p:spPr>
-      </p:pic>
-    </p:spTree>
-    <p:extLst>
-      <p:ext uri="{BB962C8B-B14F-4D97-AF65-F5344CB8AC3E}">
-        <p14:creationId xmlns:p14="http://schemas.microsoft.com/office/powerpoint/2010/main" val="2865274582"/>
-      </p:ext>
-    </p:extLst>
-  </p:cSld>
-  <p:clrMapOvr>
-    <a:masterClrMapping/>
-  </p:clrMapOvr>
-  <p:timing>
-    <p:tnLst>
-      <p:par>
-        <p:cTn id="1" dur="indefinite" restart="never" nodeType="tmRoot">
-          <p:childTnLst>
-            <p:seq concurrent="1" nextAc="seek">
-              <p:cTn id="2" dur="indefinite" nodeType="mainSeq">
-                <p:childTnLst>
-                  <p:par>
-                    <p:cTn id="3" fill="hold">
-                      <p:stCondLst>
-                        <p:cond delay="indefinite"/>
-                      </p:stCondLst>
-                      <p:childTnLst>
-                        <p:par>
-                          <p:cTn id="4" fill="hold">
-                            <p:stCondLst>
-                              <p:cond delay="0"/>
-                            </p:stCondLst>
-                            <p:childTnLst>
-                              <p:par>
-                                <p:cTn id="5" presetID="1" presetClass="entr" presetSubtype="0" fill="hold" grpId="0" nodeType="clickEffect">
-                                  <p:stCondLst>
-                                    <p:cond delay="0"/>
-                                  </p:stCondLst>
-                                  <p:childTnLst>
-                                    <p:set>
-                                      <p:cBhvr>
-                                        <p:cTn id="6" dur="1" fill="hold">
-                                          <p:stCondLst>
-                                            <p:cond delay="0"/>
-                                          </p:stCondLst>
-                                        </p:cTn>
-                                        <p:tgtEl>
-                                          <p:spTgt spid="5"/>
-                                        </p:tgtEl>
-                                        <p:attrNameLst>
-                                          <p:attrName>style.visibility</p:attrName>
-                                        </p:attrNameLst>
-                                      </p:cBhvr>
-                                      <p:to>
-                                        <p:strVal val="visible"/>
-                                      </p:to>
-                                    </p:set>
-                                  </p:childTnLst>
-                                </p:cTn>
-                              </p:par>
-                              <p:par>
-                                <p:cTn id="7" presetID="1" presetClass="entr" presetSubtype="0" fill="hold" nodeType="withEffect">
-                                  <p:stCondLst>
-                                    <p:cond delay="0"/>
-                                  </p:stCondLst>
-                                  <p:childTnLst>
-                                    <p:set>
-                                      <p:cBhvr>
-                                        <p:cTn id="8" dur="1" fill="hold">
-                                          <p:stCondLst>
-                                            <p:cond delay="0"/>
-                                          </p:stCondLst>
-                                        </p:cTn>
-                                        <p:tgtEl>
-                                          <p:spTgt spid="8"/>
-                                        </p:tgtEl>
-                                        <p:attrNameLst>
-                                          <p:attrName>style.visibility</p:attrName>
-                                        </p:attrNameLst>
-                                      </p:cBhvr>
-                                      <p:to>
-                                        <p:strVal val="visible"/>
-                                      </p:to>
-                                    </p:set>
-                                  </p:childTnLst>
-                                </p:cTn>
-                              </p:par>
-                              <p:par>
-                                <p:cTn id="9" presetID="1" presetClass="entr" presetSubtype="0" fill="hold" nodeType="withEffect">
-                                  <p:stCondLst>
-                                    <p:cond delay="0"/>
-                                  </p:stCondLst>
-                                  <p:childTnLst>
-                                    <p:set>
-                                      <p:cBhvr>
-                                        <p:cTn id="10" dur="1" fill="hold">
-                                          <p:stCondLst>
-                                            <p:cond delay="0"/>
-                                          </p:stCondLst>
-                                        </p:cTn>
-                                        <p:tgtEl>
-                                          <p:spTgt spid="9"/>
-                                        </p:tgtEl>
-                                        <p:attrNameLst>
-                                          <p:attrName>style.visibility</p:attrName>
-                                        </p:attrNameLst>
-                                      </p:cBhvr>
-                                      <p:to>
-                                        <p:strVal val="visible"/>
-                                      </p:to>
-                                    </p:set>
-                                  </p:childTnLst>
-                                </p:cTn>
-                              </p:par>
-                              <p:par>
-                                <p:cTn id="11" presetID="1" presetClass="entr" presetSubtype="0" fill="hold" grpId="0" nodeType="withEffect">
-                                  <p:stCondLst>
-                                    <p:cond delay="0"/>
-                                  </p:stCondLst>
-                                  <p:childTnLst>
-                                    <p:set>
-                                      <p:cBhvr>
-                                        <p:cTn id="12" dur="1" fill="hold">
-                                          <p:stCondLst>
-                                            <p:cond delay="0"/>
-                                          </p:stCondLst>
-                                        </p:cTn>
-                                        <p:tgtEl>
-                                          <p:spTgt spid="12"/>
-                                        </p:tgtEl>
-                                        <p:attrNameLst>
-                                          <p:attrName>style.visibility</p:attrName>
-                                        </p:attrNameLst>
-                                      </p:cBhvr>
-                                      <p:to>
-                                        <p:strVal val="visible"/>
-                                      </p:to>
-                                    </p:set>
-                                  </p:childTnLst>
-                                </p:cTn>
-                              </p:par>
-                              <p:par>
-                                <p:cTn id="13" presetID="1" presetClass="entr" presetSubtype="0" fill="hold" grpId="0" nodeType="withEffect">
-                                  <p:stCondLst>
-                                    <p:cond delay="0"/>
-                                  </p:stCondLst>
-                                  <p:childTnLst>
-                                    <p:set>
-                                      <p:cBhvr>
-                                        <p:cTn id="14" dur="1" fill="hold">
-                                          <p:stCondLst>
-                                            <p:cond delay="0"/>
-                                          </p:stCondLst>
-                                        </p:cTn>
-                                        <p:tgtEl>
-                                          <p:spTgt spid="6"/>
-                                        </p:tgtEl>
-                                        <p:attrNameLst>
-                                          <p:attrName>style.visibility</p:attrName>
-                                        </p:attrNameLst>
-                                      </p:cBhvr>
-                                      <p:to>
-                                        <p:strVal val="visible"/>
-                                      </p:to>
-                                    </p:set>
-                                  </p:childTnLst>
-                                </p:cTn>
-                              </p:par>
-                            </p:childTnLst>
-                          </p:cTn>
-                        </p:par>
-                      </p:childTnLst>
-                    </p:cTn>
-                  </p:par>
-                  <p:par>
-                    <p:cTn id="15" fill="hold">
-                      <p:stCondLst>
-                        <p:cond delay="indefinite"/>
-                      </p:stCondLst>
-                      <p:childTnLst>
-                        <p:par>
-                          <p:cTn id="16" fill="hold">
-                            <p:stCondLst>
-                              <p:cond delay="0"/>
-                            </p:stCondLst>
-                            <p:childTnLst>
-                              <p:par>
-                                <p:cTn id="17" presetID="1" presetClass="entr" presetSubtype="0" fill="hold" grpId="0" nodeType="clickEffect">
-                                  <p:stCondLst>
-                                    <p:cond delay="0"/>
-                                  </p:stCondLst>
-                                  <p:childTnLst>
-                                    <p:set>
-                                      <p:cBhvr>
-                                        <p:cTn id="18" dur="1" fill="hold">
-                                          <p:stCondLst>
-                                            <p:cond delay="0"/>
-                                          </p:stCondLst>
-                                        </p:cTn>
-                                        <p:tgtEl>
-                                          <p:spTgt spid="14"/>
-                                        </p:tgtEl>
-                                        <p:attrNameLst>
-                                          <p:attrName>style.visibility</p:attrName>
-                                        </p:attrNameLst>
-                                      </p:cBhvr>
-                                      <p:to>
-                                        <p:strVal val="visible"/>
-                                      </p:to>
-                                    </p:set>
-                                  </p:childTnLst>
-                                </p:cTn>
-                              </p:par>
-                              <p:par>
-                                <p:cTn id="19" presetID="1" presetClass="entr" presetSubtype="0" fill="hold" grpId="0" nodeType="withEffect">
-                                  <p:stCondLst>
-                                    <p:cond delay="0"/>
-                                  </p:stCondLst>
-                                  <p:childTnLst>
-                                    <p:set>
-                                      <p:cBhvr>
-                                        <p:cTn id="20" dur="1" fill="hold">
-                                          <p:stCondLst>
-                                            <p:cond delay="0"/>
-                                          </p:stCondLst>
-                                        </p:cTn>
-                                        <p:tgtEl>
-                                          <p:spTgt spid="15"/>
-                                        </p:tgtEl>
-                                        <p:attrNameLst>
-                                          <p:attrName>style.visibility</p:attrName>
-                                        </p:attrNameLst>
-                                      </p:cBhvr>
-                                      <p:to>
-                                        <p:strVal val="visible"/>
-                                      </p:to>
-                                    </p:set>
-                                  </p:childTnLst>
-                                </p:cTn>
-                              </p:par>
-                              <p:par>
-                                <p:cTn id="21" presetID="1" presetClass="entr" presetSubtype="0" fill="hold" nodeType="withEffect">
-                                  <p:stCondLst>
-                                    <p:cond delay="0"/>
-                                  </p:stCondLst>
-                                  <p:childTnLst>
-                                    <p:set>
-                                      <p:cBhvr>
-                                        <p:cTn id="22" dur="1" fill="hold">
-                                          <p:stCondLst>
-                                            <p:cond delay="0"/>
-                                          </p:stCondLst>
-                                        </p:cTn>
-                                        <p:tgtEl>
-                                          <p:spTgt spid="16"/>
-                                        </p:tgtEl>
-                                        <p:attrNameLst>
-                                          <p:attrName>style.visibility</p:attrName>
-                                        </p:attrNameLst>
-                                      </p:cBhvr>
-                                      <p:to>
-                                        <p:strVal val="visible"/>
-                                      </p:to>
-                                    </p:set>
-                                  </p:childTnLst>
-                                </p:cTn>
-                              </p:par>
-                              <p:par>
-                                <p:cTn id="23" presetID="1" presetClass="entr" presetSubtype="0" fill="hold" nodeType="withEffect">
-                                  <p:stCondLst>
-                                    <p:cond delay="0"/>
-                                  </p:stCondLst>
-                                  <p:childTnLst>
-                                    <p:set>
-                                      <p:cBhvr>
-                                        <p:cTn id="24" dur="1" fill="hold">
-                                          <p:stCondLst>
-                                            <p:cond delay="0"/>
-                                          </p:stCondLst>
-                                        </p:cTn>
-                                        <p:tgtEl>
-                                          <p:spTgt spid="17"/>
-                                        </p:tgtEl>
-                                        <p:attrNameLst>
-                                          <p:attrName>style.visibility</p:attrName>
-                                        </p:attrNameLst>
-                                      </p:cBhvr>
-                                      <p:to>
-                                        <p:strVal val="visible"/>
-                                      </p:to>
-                                    </p:set>
-                                  </p:childTnLst>
-                                </p:cTn>
-                              </p:par>
-                              <p:par>
-                                <p:cTn id="25" presetID="1" presetClass="entr" presetSubtype="0" fill="hold" grpId="0" nodeType="withEffect">
-                                  <p:stCondLst>
-                                    <p:cond delay="0"/>
-                                  </p:stCondLst>
-                                  <p:childTnLst>
-                                    <p:set>
-                                      <p:cBhvr>
-                                        <p:cTn id="26" dur="1" fill="hold">
-                                          <p:stCondLst>
-                                            <p:cond delay="0"/>
-                                          </p:stCondLst>
-                                        </p:cTn>
-                                        <p:tgtEl>
-                                          <p:spTgt spid="21"/>
-                                        </p:tgtEl>
-                                        <p:attrNameLst>
-                                          <p:attrName>style.visibility</p:attrName>
-                                        </p:attrNameLst>
-                                      </p:cBhvr>
-                                      <p:to>
-                                        <p:strVal val="visible"/>
-                                      </p:to>
-                                    </p:set>
-                                  </p:childTnLst>
-                                </p:cTn>
-                              </p:par>
-                            </p:childTnLst>
-                          </p:cTn>
-                        </p:par>
-                      </p:childTnLst>
-                    </p:cTn>
-                  </p:par>
-                  <p:par>
-                    <p:cTn id="27" fill="hold">
-                      <p:stCondLst>
-                        <p:cond delay="indefinite"/>
-                      </p:stCondLst>
-                      <p:childTnLst>
-                        <p:par>
-                          <p:cTn id="28" fill="hold">
-                            <p:stCondLst>
-                              <p:cond delay="0"/>
-                            </p:stCondLst>
-                            <p:childTnLst>
-                              <p:par>
-                                <p:cTn id="29" presetID="1" presetClass="entr" presetSubtype="0" fill="hold" grpId="0" nodeType="clickEffect">
-                                  <p:stCondLst>
-                                    <p:cond delay="0"/>
-                                  </p:stCondLst>
-                                  <p:childTnLst>
-                                    <p:set>
-                                      <p:cBhvr>
-                                        <p:cTn id="30" dur="1" fill="hold">
-                                          <p:stCondLst>
-                                            <p:cond delay="0"/>
-                                          </p:stCondLst>
-                                        </p:cTn>
-                                        <p:tgtEl>
-                                          <p:spTgt spid="7"/>
-                                        </p:tgtEl>
-                                        <p:attrNameLst>
-                                          <p:attrName>style.visibility</p:attrName>
-                                        </p:attrNameLst>
-                                      </p:cBhvr>
-                                      <p:to>
-                                        <p:strVal val="visible"/>
-                                      </p:to>
-                                    </p:set>
-                                  </p:childTnLst>
-                                </p:cTn>
-                              </p:par>
-                              <p:par>
-                                <p:cTn id="31" presetID="1" presetClass="entr" presetSubtype="0" fill="hold" grpId="0" nodeType="withEffect">
-                                  <p:stCondLst>
-                                    <p:cond delay="0"/>
-                                  </p:stCondLst>
-                                  <p:childTnLst>
-                                    <p:set>
-                                      <p:cBhvr>
-                                        <p:cTn id="32" dur="1" fill="hold">
-                                          <p:stCondLst>
-                                            <p:cond delay="0"/>
-                                          </p:stCondLst>
-                                        </p:cTn>
-                                        <p:tgtEl>
-                                          <p:spTgt spid="18"/>
-                                        </p:tgtEl>
-                                        <p:attrNameLst>
-                                          <p:attrName>style.visibility</p:attrName>
-                                        </p:attrNameLst>
-                                      </p:cBhvr>
-                                      <p:to>
-                                        <p:strVal val="visible"/>
-                                      </p:to>
-                                    </p:set>
-                                  </p:childTnLst>
-                                </p:cTn>
-                              </p:par>
-                            </p:childTnLst>
-                          </p:cTn>
-                        </p:par>
-                      </p:childTnLst>
-                    </p:cTn>
-                  </p:par>
-                  <p:par>
-                    <p:cTn id="33" fill="hold">
-                      <p:stCondLst>
-                        <p:cond delay="indefinite"/>
-                      </p:stCondLst>
-                      <p:childTnLst>
-                        <p:par>
-                          <p:cTn id="34" fill="hold">
-                            <p:stCondLst>
-                              <p:cond delay="0"/>
-                            </p:stCondLst>
-                            <p:childTnLst>
-                              <p:par>
-                                <p:cTn id="35" presetID="1" presetClass="entr" presetSubtype="0" fill="hold" grpId="0" nodeType="clickEffect">
-                                  <p:stCondLst>
-                                    <p:cond delay="0"/>
-                                  </p:stCondLst>
-                                  <p:childTnLst>
-                                    <p:set>
-                                      <p:cBhvr>
-                                        <p:cTn id="36" dur="1" fill="hold">
-                                          <p:stCondLst>
-                                            <p:cond delay="0"/>
-                                          </p:stCondLst>
-                                        </p:cTn>
-                                        <p:tgtEl>
-                                          <p:spTgt spid="10"/>
-                                        </p:tgtEl>
-                                        <p:attrNameLst>
-                                          <p:attrName>style.visibility</p:attrName>
-                                        </p:attrNameLst>
-                                      </p:cBhvr>
-                                      <p:to>
-                                        <p:strVal val="visible"/>
-                                      </p:to>
-                                    </p:set>
-                                  </p:childTnLst>
-                                </p:cTn>
-                              </p:par>
-                              <p:par>
-                                <p:cTn id="37" presetID="1" presetClass="entr" presetSubtype="0" fill="hold" grpId="0" nodeType="withEffect">
-                                  <p:stCondLst>
-                                    <p:cond delay="0"/>
-                                  </p:stCondLst>
-                                  <p:childTnLst>
-                                    <p:set>
-                                      <p:cBhvr>
-                                        <p:cTn id="38" dur="1" fill="hold">
-                                          <p:stCondLst>
-                                            <p:cond delay="0"/>
-                                          </p:stCondLst>
-                                        </p:cTn>
-                                        <p:tgtEl>
-                                          <p:spTgt spid="19"/>
-                                        </p:tgtEl>
-                                        <p:attrNameLst>
-                                          <p:attrName>style.visibility</p:attrName>
-                                        </p:attrNameLst>
-                                      </p:cBhvr>
-                                      <p:to>
-                                        <p:strVal val="visible"/>
-                                      </p:to>
-                                    </p:set>
-                                  </p:childTnLst>
-                                </p:cTn>
-                              </p:par>
-                            </p:childTnLst>
-                          </p:cTn>
-                        </p:par>
-                      </p:childTnLst>
-                    </p:cTn>
-                  </p:par>
-                </p:childTnLst>
-              </p:cTn>
-              <p:prevCondLst>
-                <p:cond evt="onPrev" delay="0">
-                  <p:tgtEl>
-                    <p:sldTgt/>
-                  </p:tgtEl>
-                </p:cond>
-              </p:prevCondLst>
-              <p:nextCondLst>
-                <p:cond evt="onNext" delay="0">
-                  <p:tgtEl>
-                    <p:sldTgt/>
-                  </p:tgtEl>
-                </p:cond>
-              </p:nextCondLst>
-            </p:seq>
-          </p:childTnLst>
-        </p:cTn>
-      </p:par>
-    </p:tnLst>
-    <p:bldLst>
-      <p:bldP spid="5" grpId="0" animBg="1"/>
-      <p:bldP spid="6" grpId="0" animBg="1"/>
-      <p:bldP spid="12" grpId="0"/>
-      <p:bldP spid="14" grpId="0" animBg="1"/>
-      <p:bldP spid="15" grpId="0" animBg="1"/>
-      <p:bldP spid="21" grpId="0"/>
-      <p:bldP spid="7" grpId="0" animBg="1"/>
-      <p:bldP spid="18" grpId="0"/>
-      <p:bldP spid="10" grpId="0" animBg="1"/>
-      <p:bldP spid="19" grpId="0"/>
-    </p:bldLst>
   </p:timing>
 </p:sld>
 </file>
@@ -13386,4 +16629,47 @@
     </a:folHlink>
   </a:clrScheme>
 </a:themeOverride>
+</file>
+
+<file path=ppt/theme/themeOverride3.xml><?xml version="1.0" encoding="utf-8"?>
+<a:themeOverride xmlns:a="http://schemas.openxmlformats.org/drawingml/2006/main">
+  <a:clrScheme name="Office">
+    <a:dk1>
+      <a:sysClr val="windowText" lastClr="000000"/>
+    </a:dk1>
+    <a:lt1>
+      <a:sysClr val="window" lastClr="FFFFFF"/>
+    </a:lt1>
+    <a:dk2>
+      <a:srgbClr val="44546A"/>
+    </a:dk2>
+    <a:lt2>
+      <a:srgbClr val="E7E6E6"/>
+    </a:lt2>
+    <a:accent1>
+      <a:srgbClr val="5B9BD5"/>
+    </a:accent1>
+    <a:accent2>
+      <a:srgbClr val="ED7D31"/>
+    </a:accent2>
+    <a:accent3>
+      <a:srgbClr val="A5A5A5"/>
+    </a:accent3>
+    <a:accent4>
+      <a:srgbClr val="FFC000"/>
+    </a:accent4>
+    <a:accent5>
+      <a:srgbClr val="4472C4"/>
+    </a:accent5>
+    <a:accent6>
+      <a:srgbClr val="70AD47"/>
+    </a:accent6>
+    <a:hlink>
+      <a:srgbClr val="0563C1"/>
+    </a:hlink>
+    <a:folHlink>
+      <a:srgbClr val="954F72"/>
+    </a:folHlink>
+  </a:clrScheme>
+</a:themeOverride>
 </file>
--- a/tfgPP.pptx
+++ b/tfgPP.pptx
@@ -24,12 +24,14 @@
     <p:sldId id="276" r:id="rId18"/>
     <p:sldId id="269" r:id="rId19"/>
     <p:sldId id="277" r:id="rId20"/>
-    <p:sldId id="279" r:id="rId21"/>
-    <p:sldId id="280" r:id="rId22"/>
-    <p:sldId id="263" r:id="rId23"/>
-    <p:sldId id="264" r:id="rId24"/>
-    <p:sldId id="265" r:id="rId25"/>
-    <p:sldId id="282" r:id="rId26"/>
+    <p:sldId id="283" r:id="rId21"/>
+    <p:sldId id="279" r:id="rId22"/>
+    <p:sldId id="284" r:id="rId23"/>
+    <p:sldId id="280" r:id="rId24"/>
+    <p:sldId id="263" r:id="rId25"/>
+    <p:sldId id="264" r:id="rId26"/>
+    <p:sldId id="265" r:id="rId27"/>
+    <p:sldId id="282" r:id="rId28"/>
   </p:sldIdLst>
   <p:sldSz cx="12192000" cy="6858000"/>
   <p:notesSz cx="6858000" cy="9144000"/>
@@ -284,7 +286,7 @@
           <a:p>
             <a:fld id="{8161FC19-448B-45B3-ABDC-99AC11CB222E}" type="datetimeFigureOut">
               <a:rPr lang="es-ES" smtClean="0"/>
-              <a:t>07/07/2018</a:t>
+              <a:t>08/07/2018</a:t>
             </a:fld>
             <a:endParaRPr lang="es-ES" dirty="0"/>
           </a:p>
@@ -452,7 +454,7 @@
           <a:p>
             <a:fld id="{8161FC19-448B-45B3-ABDC-99AC11CB222E}" type="datetimeFigureOut">
               <a:rPr lang="es-ES" smtClean="0"/>
-              <a:t>07/07/2018</a:t>
+              <a:t>08/07/2018</a:t>
             </a:fld>
             <a:endParaRPr lang="es-ES" dirty="0"/>
           </a:p>
@@ -630,7 +632,7 @@
           <a:p>
             <a:fld id="{8161FC19-448B-45B3-ABDC-99AC11CB222E}" type="datetimeFigureOut">
               <a:rPr lang="es-ES" smtClean="0"/>
-              <a:t>07/07/2018</a:t>
+              <a:t>08/07/2018</a:t>
             </a:fld>
             <a:endParaRPr lang="es-ES" dirty="0"/>
           </a:p>
@@ -798,7 +800,7 @@
           <a:p>
             <a:fld id="{8161FC19-448B-45B3-ABDC-99AC11CB222E}" type="datetimeFigureOut">
               <a:rPr lang="es-ES" smtClean="0"/>
-              <a:t>07/07/2018</a:t>
+              <a:t>08/07/2018</a:t>
             </a:fld>
             <a:endParaRPr lang="es-ES" dirty="0"/>
           </a:p>
@@ -1043,7 +1045,7 @@
           <a:p>
             <a:fld id="{8161FC19-448B-45B3-ABDC-99AC11CB222E}" type="datetimeFigureOut">
               <a:rPr lang="es-ES" smtClean="0"/>
-              <a:t>07/07/2018</a:t>
+              <a:t>08/07/2018</a:t>
             </a:fld>
             <a:endParaRPr lang="es-ES" dirty="0"/>
           </a:p>
@@ -1272,7 +1274,7 @@
           <a:p>
             <a:fld id="{8161FC19-448B-45B3-ABDC-99AC11CB222E}" type="datetimeFigureOut">
               <a:rPr lang="es-ES" smtClean="0"/>
-              <a:t>07/07/2018</a:t>
+              <a:t>08/07/2018</a:t>
             </a:fld>
             <a:endParaRPr lang="es-ES" dirty="0"/>
           </a:p>
@@ -1636,7 +1638,7 @@
           <a:p>
             <a:fld id="{8161FC19-448B-45B3-ABDC-99AC11CB222E}" type="datetimeFigureOut">
               <a:rPr lang="es-ES" smtClean="0"/>
-              <a:t>07/07/2018</a:t>
+              <a:t>08/07/2018</a:t>
             </a:fld>
             <a:endParaRPr lang="es-ES" dirty="0"/>
           </a:p>
@@ -1753,7 +1755,7 @@
           <a:p>
             <a:fld id="{8161FC19-448B-45B3-ABDC-99AC11CB222E}" type="datetimeFigureOut">
               <a:rPr lang="es-ES" smtClean="0"/>
-              <a:t>07/07/2018</a:t>
+              <a:t>08/07/2018</a:t>
             </a:fld>
             <a:endParaRPr lang="es-ES" dirty="0"/>
           </a:p>
@@ -1848,7 +1850,7 @@
           <a:p>
             <a:fld id="{8161FC19-448B-45B3-ABDC-99AC11CB222E}" type="datetimeFigureOut">
               <a:rPr lang="es-ES" smtClean="0"/>
-              <a:t>07/07/2018</a:t>
+              <a:t>08/07/2018</a:t>
             </a:fld>
             <a:endParaRPr lang="es-ES" dirty="0"/>
           </a:p>
@@ -2123,7 +2125,7 @@
           <a:p>
             <a:fld id="{8161FC19-448B-45B3-ABDC-99AC11CB222E}" type="datetimeFigureOut">
               <a:rPr lang="es-ES" smtClean="0"/>
-              <a:t>07/07/2018</a:t>
+              <a:t>08/07/2018</a:t>
             </a:fld>
             <a:endParaRPr lang="es-ES" dirty="0"/>
           </a:p>
@@ -2375,7 +2377,7 @@
           <a:p>
             <a:fld id="{8161FC19-448B-45B3-ABDC-99AC11CB222E}" type="datetimeFigureOut">
               <a:rPr lang="es-ES" smtClean="0"/>
-              <a:t>07/07/2018</a:t>
+              <a:t>08/07/2018</a:t>
             </a:fld>
             <a:endParaRPr lang="es-ES" dirty="0"/>
           </a:p>
@@ -2586,7 +2588,7 @@
           <a:p>
             <a:fld id="{8161FC19-448B-45B3-ABDC-99AC11CB222E}" type="datetimeFigureOut">
               <a:rPr lang="es-ES" smtClean="0"/>
-              <a:t>07/07/2018</a:t>
+              <a:t>08/07/2018</a:t>
             </a:fld>
             <a:endParaRPr lang="es-ES" dirty="0"/>
           </a:p>
@@ -8620,7 +8622,7 @@
           <p:nvPr>
             <p:extLst>
               <p:ext uri="{D42A27DB-BD31-4B8C-83A1-F6EECF244321}">
-                <p14:modId xmlns:p14="http://schemas.microsoft.com/office/powerpoint/2010/main" val="3565933156"/>
+                <p14:modId xmlns:p14="http://schemas.microsoft.com/office/powerpoint/2010/main" val="3081160649"/>
               </p:ext>
             </p:extLst>
           </p:nvPr>
@@ -8663,7 +8665,7 @@
                       <a:pPr algn="ctr"/>
                       <a:r>
                         <a:rPr lang="es-ES" sz="2800" dirty="0" smtClean="0"/>
-                        <a:t>C</a:t>
+                        <a:t>L</a:t>
                       </a:r>
                       <a:endParaRPr lang="es-ES" sz="2800" dirty="0"/>
                     </a:p>
@@ -8678,7 +8680,7 @@
                       <a:pPr algn="ctr"/>
                       <a:r>
                         <a:rPr lang="es-ES" sz="2800" dirty="0" smtClean="0"/>
-                        <a:t>L</a:t>
+                        <a:t>C</a:t>
                       </a:r>
                       <a:endParaRPr lang="es-ES" sz="2800" dirty="0"/>
                     </a:p>
@@ -9655,8 +9657,8 @@
         </p:nvSpPr>
         <p:spPr>
           <a:xfrm>
-            <a:off x="9103057" y="2631618"/>
-            <a:ext cx="372218" cy="369332"/>
+            <a:off x="9099851" y="2400578"/>
+            <a:ext cx="1260281" cy="369332"/>
           </a:xfrm>
           <a:prstGeom prst="rect">
             <a:avLst/>
@@ -9671,7 +9673,7 @@
           <a:p>
             <a:r>
               <a:rPr lang="es-ES" dirty="0" smtClean="0"/>
-              <a:t>1)</a:t>
+              <a:t>Escenario 1</a:t>
             </a:r>
             <a:endParaRPr lang="es-ES" dirty="0"/>
           </a:p>
@@ -9685,8 +9687,8 @@
         </p:nvSpPr>
         <p:spPr>
           <a:xfrm>
-            <a:off x="9103057" y="5294566"/>
-            <a:ext cx="372218" cy="369332"/>
+            <a:off x="9103057" y="5130591"/>
+            <a:ext cx="1257075" cy="369332"/>
           </a:xfrm>
           <a:prstGeom prst="rect">
             <a:avLst/>
@@ -9700,14 +9702,50 @@
           <a:lstStyle/>
           <a:p>
             <a:r>
-              <a:rPr lang="es-ES" dirty="0"/>
-              <a:t>2</a:t>
-            </a:r>
-            <a:r>
               <a:rPr lang="es-ES" dirty="0" smtClean="0"/>
-              <a:t>)</a:t>
+              <a:t>Escenario 2</a:t>
             </a:r>
             <a:endParaRPr lang="es-ES" dirty="0"/>
+          </a:p>
+        </p:txBody>
+      </p:sp>
+      <p:sp>
+        <p:nvSpPr>
+          <p:cNvPr id="18" name="Elipse 17"/>
+          <p:cNvSpPr/>
+          <p:nvPr/>
+        </p:nvSpPr>
+        <p:spPr>
+          <a:xfrm>
+            <a:off x="6369521" y="5159789"/>
+            <a:ext cx="2310021" cy="310936"/>
+          </a:xfrm>
+          <a:prstGeom prst="ellipse">
+            <a:avLst/>
+          </a:prstGeom>
+          <a:noFill/>
+          <a:ln w="38100"/>
+        </p:spPr>
+        <p:style>
+          <a:lnRef idx="2">
+            <a:schemeClr val="accent6"/>
+          </a:lnRef>
+          <a:fillRef idx="1">
+            <a:schemeClr val="lt1"/>
+          </a:fillRef>
+          <a:effectRef idx="0">
+            <a:schemeClr val="accent6"/>
+          </a:effectRef>
+          <a:fontRef idx="minor">
+            <a:schemeClr val="dk1"/>
+          </a:fontRef>
+        </p:style>
+        <p:txBody>
+          <a:bodyPr rtlCol="0" anchor="ctr"/>
+          <a:lstStyle/>
+          <a:p>
+            <a:pPr algn="ctr"/>
+            <a:endParaRPr lang="es-ES"/>
           </a:p>
         </p:txBody>
       </p:sp>
@@ -9726,26 +9764,20 @@
             <a:avLst/>
           </a:prstGeom>
           <a:noFill/>
-          <a:ln>
-            <a:solidFill>
-              <a:schemeClr val="accent6"/>
-            </a:solidFill>
-          </a:ln>
+          <a:ln w="38100"/>
         </p:spPr>
         <p:style>
           <a:lnRef idx="2">
-            <a:schemeClr val="accent1">
-              <a:shade val="50000"/>
-            </a:schemeClr>
+            <a:schemeClr val="accent6"/>
           </a:lnRef>
           <a:fillRef idx="1">
-            <a:schemeClr val="accent1"/>
+            <a:schemeClr val="lt1"/>
           </a:fillRef>
           <a:effectRef idx="0">
-            <a:schemeClr val="accent1"/>
+            <a:schemeClr val="accent6"/>
           </a:effectRef>
           <a:fontRef idx="minor">
-            <a:schemeClr val="lt1"/>
+            <a:schemeClr val="dk1"/>
           </a:fontRef>
         </p:style>
         <p:txBody>
@@ -9772,26 +9804,20 @@
             <a:avLst/>
           </a:prstGeom>
           <a:noFill/>
-          <a:ln>
-            <a:solidFill>
-              <a:schemeClr val="accent6"/>
-            </a:solidFill>
-          </a:ln>
+          <a:ln w="38100"/>
         </p:spPr>
         <p:style>
           <a:lnRef idx="2">
-            <a:schemeClr val="accent1">
-              <a:shade val="50000"/>
-            </a:schemeClr>
+            <a:schemeClr val="accent6"/>
           </a:lnRef>
           <a:fillRef idx="1">
-            <a:schemeClr val="accent1"/>
+            <a:schemeClr val="lt1"/>
           </a:fillRef>
           <a:effectRef idx="0">
-            <a:schemeClr val="accent1"/>
+            <a:schemeClr val="accent6"/>
           </a:effectRef>
           <a:fontRef idx="minor">
-            <a:schemeClr val="lt1"/>
+            <a:schemeClr val="dk1"/>
           </a:fontRef>
         </p:style>
         <p:txBody>
@@ -9818,72 +9844,20 @@
             <a:avLst/>
           </a:prstGeom>
           <a:noFill/>
-          <a:ln>
-            <a:solidFill>
-              <a:schemeClr val="accent6"/>
-            </a:solidFill>
-          </a:ln>
+          <a:ln w="38100"/>
         </p:spPr>
         <p:style>
           <a:lnRef idx="2">
-            <a:schemeClr val="accent1">
-              <a:shade val="50000"/>
-            </a:schemeClr>
+            <a:schemeClr val="accent6"/>
           </a:lnRef>
           <a:fillRef idx="1">
-            <a:schemeClr val="accent1"/>
+            <a:schemeClr val="lt1"/>
           </a:fillRef>
           <a:effectRef idx="0">
-            <a:schemeClr val="accent1"/>
+            <a:schemeClr val="accent6"/>
           </a:effectRef>
           <a:fontRef idx="minor">
-            <a:schemeClr val="lt1"/>
-          </a:fontRef>
-        </p:style>
-        <p:txBody>
-          <a:bodyPr rtlCol="0" anchor="ctr"/>
-          <a:lstStyle/>
-          <a:p>
-            <a:pPr algn="ctr"/>
-            <a:endParaRPr lang="es-ES"/>
-          </a:p>
-        </p:txBody>
-      </p:sp>
-      <p:sp>
-        <p:nvSpPr>
-          <p:cNvPr id="18" name="Elipse 17"/>
-          <p:cNvSpPr/>
-          <p:nvPr/>
-        </p:nvSpPr>
-        <p:spPr>
-          <a:xfrm>
-            <a:off x="6369521" y="5159789"/>
-            <a:ext cx="2310021" cy="310936"/>
-          </a:xfrm>
-          <a:prstGeom prst="ellipse">
-            <a:avLst/>
-          </a:prstGeom>
-          <a:noFill/>
-          <a:ln>
-            <a:solidFill>
-              <a:schemeClr val="accent6"/>
-            </a:solidFill>
-          </a:ln>
-        </p:spPr>
-        <p:style>
-          <a:lnRef idx="2">
-            <a:schemeClr val="accent1">
-              <a:shade val="50000"/>
-            </a:schemeClr>
-          </a:lnRef>
-          <a:fillRef idx="1">
-            <a:schemeClr val="accent1"/>
-          </a:fillRef>
-          <a:effectRef idx="0">
-            <a:schemeClr val="accent1"/>
-          </a:effectRef>
-          <a:fontRef idx="minor">
-            <a:schemeClr val="lt1"/>
+            <a:schemeClr val="dk1"/>
           </a:fontRef>
         </p:style>
         <p:txBody>
@@ -10061,10 +10035,10 @@
       </p:par>
     </p:tnLst>
     <p:bldLst>
+      <p:bldP spid="18" grpId="0" animBg="1"/>
       <p:bldP spid="15" grpId="0" animBg="1"/>
       <p:bldP spid="16" grpId="0" animBg="1"/>
       <p:bldP spid="17" grpId="0" animBg="1"/>
-      <p:bldP spid="18" grpId="0" animBg="1"/>
     </p:bldLst>
   </p:timing>
 </p:sld>
@@ -10305,7 +10279,7 @@
         </p:blipFill>
         <p:spPr>
           <a:xfrm>
-            <a:off x="140174" y="3836556"/>
+            <a:off x="158818" y="3836556"/>
             <a:ext cx="8577364" cy="2860649"/>
           </a:xfrm>
           <a:prstGeom prst="rect">
@@ -10313,66 +10287,36 @@
           </a:prstGeom>
         </p:spPr>
       </p:pic>
-      <p:pic>
-        <p:nvPicPr>
-          <p:cNvPr id="13" name="Imagen 12"/>
-          <p:cNvPicPr>
-            <a:picLocks noChangeAspect="1"/>
-          </p:cNvPicPr>
+      <p:sp>
+        <p:nvSpPr>
+          <p:cNvPr id="3" name="CuadroTexto 2"/>
+          <p:cNvSpPr txBox="1"/>
           <p:nvPr/>
-        </p:nvPicPr>
-        <p:blipFill>
-          <a:blip r:embed="rId7">
-            <a:extLst>
-              <a:ext uri="{28A0092B-C50C-407E-A947-70E740481C1C}">
-                <a14:useLocalDpi xmlns:a14="http://schemas.microsoft.com/office/drawing/2010/main" val="0"/>
-              </a:ext>
-            </a:extLst>
-          </a:blip>
-          <a:stretch>
-            <a:fillRect/>
-          </a:stretch>
-        </p:blipFill>
+        </p:nvSpPr>
         <p:spPr>
           <a:xfrm>
-            <a:off x="8736182" y="1344158"/>
-            <a:ext cx="3003507" cy="2761794"/>
+            <a:off x="9131300" y="3530600"/>
+            <a:ext cx="1257075" cy="369332"/>
           </a:xfrm>
           <a:prstGeom prst="rect">
             <a:avLst/>
           </a:prstGeom>
-        </p:spPr>
-      </p:pic>
-      <p:pic>
-        <p:nvPicPr>
-          <p:cNvPr id="12" name="Imagen 11"/>
-          <p:cNvPicPr>
-            <a:picLocks noChangeAspect="1"/>
-          </p:cNvPicPr>
-          <p:nvPr/>
-        </p:nvPicPr>
-        <p:blipFill>
-          <a:blip r:embed="rId8">
-            <a:extLst>
-              <a:ext uri="{28A0092B-C50C-407E-A947-70E740481C1C}">
-                <a14:useLocalDpi xmlns:a14="http://schemas.microsoft.com/office/drawing/2010/main" val="0"/>
-              </a:ext>
-            </a:extLst>
-          </a:blip>
-          <a:stretch>
-            <a:fillRect/>
-          </a:stretch>
-        </p:blipFill>
-        <p:spPr>
-          <a:xfrm>
-            <a:off x="8736183" y="3818865"/>
-            <a:ext cx="3003507" cy="2243797"/>
-          </a:xfrm>
-          <a:prstGeom prst="rect">
-            <a:avLst/>
-          </a:prstGeom>
-        </p:spPr>
-      </p:pic>
+          <a:noFill/>
+        </p:spPr>
+        <p:txBody>
+          <a:bodyPr wrap="none" rtlCol="0">
+            <a:spAutoFit/>
+          </a:bodyPr>
+          <a:lstStyle/>
+          <a:p>
+            <a:r>
+              <a:rPr lang="es-ES" dirty="0" smtClean="0"/>
+              <a:t>Escenario 3</a:t>
+            </a:r>
+            <a:endParaRPr lang="es-ES" dirty="0"/>
+          </a:p>
+        </p:txBody>
+      </p:sp>
     </p:spTree>
     <p:extLst>
       <p:ext uri="{BB962C8B-B14F-4D97-AF65-F5344CB8AC3E}">
@@ -10386,102 +10330,7 @@
   <p:timing>
     <p:tnLst>
       <p:par>
-        <p:cTn id="1" dur="indefinite" restart="never" nodeType="tmRoot">
-          <p:childTnLst>
-            <p:seq concurrent="1" nextAc="seek">
-              <p:cTn id="2" dur="indefinite" nodeType="mainSeq">
-                <p:childTnLst>
-                  <p:par>
-                    <p:cTn id="3" fill="hold">
-                      <p:stCondLst>
-                        <p:cond delay="indefinite"/>
-                      </p:stCondLst>
-                      <p:childTnLst>
-                        <p:par>
-                          <p:cTn id="4" fill="hold">
-                            <p:stCondLst>
-                              <p:cond delay="0"/>
-                            </p:stCondLst>
-                            <p:childTnLst>
-                              <p:par>
-                                <p:cTn id="5" presetID="1" presetClass="entr" presetSubtype="0" fill="hold" nodeType="clickEffect">
-                                  <p:stCondLst>
-                                    <p:cond delay="0"/>
-                                  </p:stCondLst>
-                                  <p:childTnLst>
-                                    <p:set>
-                                      <p:cBhvr>
-                                        <p:cTn id="6" dur="1" fill="hold">
-                                          <p:stCondLst>
-                                            <p:cond delay="0"/>
-                                          </p:stCondLst>
-                                        </p:cTn>
-                                        <p:tgtEl>
-                                          <p:spTgt spid="13"/>
-                                        </p:tgtEl>
-                                        <p:attrNameLst>
-                                          <p:attrName>style.visibility</p:attrName>
-                                        </p:attrNameLst>
-                                      </p:cBhvr>
-                                      <p:to>
-                                        <p:strVal val="visible"/>
-                                      </p:to>
-                                    </p:set>
-                                  </p:childTnLst>
-                                </p:cTn>
-                              </p:par>
-                              <p:par>
-                                <p:cTn id="7" presetID="1" presetClass="entr" presetSubtype="0" fill="hold" nodeType="withEffect">
-                                  <p:stCondLst>
-                                    <p:cond delay="0"/>
-                                  </p:stCondLst>
-                                  <p:childTnLst>
-                                    <p:set>
-                                      <p:cBhvr>
-                                        <p:cTn id="8" dur="1" fill="hold">
-                                          <p:stCondLst>
-                                            <p:cond delay="0"/>
-                                          </p:stCondLst>
-                                        </p:cTn>
-                                        <p:tgtEl>
-                                          <p:spTgt spid="12"/>
-                                        </p:tgtEl>
-                                        <p:attrNameLst>
-                                          <p:attrName>style.visibility</p:attrName>
-                                        </p:attrNameLst>
-                                      </p:cBhvr>
-                                      <p:to>
-                                        <p:strVal val="visible"/>
-                                      </p:to>
-                                    </p:set>
-                                  </p:childTnLst>
-                                </p:cTn>
-                              </p:par>
-                            </p:childTnLst>
-                          </p:cTn>
-                        </p:par>
-                      </p:childTnLst>
-                    </p:cTn>
-                  </p:par>
-                </p:childTnLst>
-              </p:cTn>
-              <p:prevCondLst>
-                <p:cond evt="onPrev" delay="0">
-                  <p:tgtEl>
-                    <p:sldTgt/>
-                  </p:tgtEl>
-                </p:cond>
-              </p:prevCondLst>
-              <p:nextCondLst>
-                <p:cond evt="onNext" delay="0">
-                  <p:tgtEl>
-                    <p:sldTgt/>
-                  </p:tgtEl>
-                </p:cond>
-              </p:nextCondLst>
-            </p:seq>
-          </p:childTnLst>
-        </p:cTn>
+        <p:cTn id="1" dur="indefinite" restart="never" nodeType="tmRoot"/>
       </p:par>
     </p:tnLst>
   </p:timing>
@@ -11000,10 +10849,161 @@
           </a:extLst>
         </p:spPr>
       </p:pic>
+      <p:pic>
+        <p:nvPicPr>
+          <p:cNvPr id="13" name="Imagen 12"/>
+          <p:cNvPicPr>
+            <a:picLocks noChangeAspect="1"/>
+          </p:cNvPicPr>
+          <p:nvPr/>
+        </p:nvPicPr>
+        <p:blipFill>
+          <a:blip r:embed="rId5">
+            <a:extLst>
+              <a:ext uri="{28A0092B-C50C-407E-A947-70E740481C1C}">
+                <a14:useLocalDpi xmlns:a14="http://schemas.microsoft.com/office/drawing/2010/main" val="0"/>
+              </a:ext>
+            </a:extLst>
+          </a:blip>
+          <a:stretch>
+            <a:fillRect/>
+          </a:stretch>
+        </p:blipFill>
+        <p:spPr>
+          <a:xfrm>
+            <a:off x="6373563" y="1372186"/>
+            <a:ext cx="3173883" cy="2918459"/>
+          </a:xfrm>
+          <a:prstGeom prst="rect">
+            <a:avLst/>
+          </a:prstGeom>
+        </p:spPr>
+      </p:pic>
+      <p:pic>
+        <p:nvPicPr>
+          <p:cNvPr id="12" name="Imagen 11"/>
+          <p:cNvPicPr>
+            <a:picLocks noChangeAspect="1"/>
+          </p:cNvPicPr>
+          <p:nvPr/>
+        </p:nvPicPr>
+        <p:blipFill>
+          <a:blip r:embed="rId6">
+            <a:extLst>
+              <a:ext uri="{28A0092B-C50C-407E-A947-70E740481C1C}">
+                <a14:useLocalDpi xmlns:a14="http://schemas.microsoft.com/office/drawing/2010/main" val="0"/>
+              </a:ext>
+            </a:extLst>
+          </a:blip>
+          <a:stretch>
+            <a:fillRect/>
+          </a:stretch>
+        </p:blipFill>
+        <p:spPr>
+          <a:xfrm>
+            <a:off x="6286049" y="4313963"/>
+            <a:ext cx="3348909" cy="2501833"/>
+          </a:xfrm>
+          <a:prstGeom prst="rect">
+            <a:avLst/>
+          </a:prstGeom>
+        </p:spPr>
+      </p:pic>
+      <p:sp>
+        <p:nvSpPr>
+          <p:cNvPr id="8" name="CuadroTexto 7"/>
+          <p:cNvSpPr txBox="1"/>
+          <p:nvPr/>
+        </p:nvSpPr>
+        <p:spPr>
+          <a:xfrm>
+            <a:off x="4251501" y="3475503"/>
+            <a:ext cx="1958348" cy="646331"/>
+          </a:xfrm>
+          <a:prstGeom prst="rect">
+            <a:avLst/>
+          </a:prstGeom>
+          <a:noFill/>
+        </p:spPr>
+        <p:txBody>
+          <a:bodyPr wrap="square" rtlCol="0">
+            <a:spAutoFit/>
+          </a:bodyPr>
+          <a:lstStyle/>
+          <a:p>
+            <a:pPr algn="ctr"/>
+            <a:r>
+              <a:rPr lang="es-ES" dirty="0" smtClean="0"/>
+              <a:t>Comparativa entre escenario 3 y 4 </a:t>
+            </a:r>
+            <a:endParaRPr lang="es-ES" dirty="0"/>
+          </a:p>
+        </p:txBody>
+      </p:sp>
+      <p:pic>
+        <p:nvPicPr>
+          <p:cNvPr id="9" name="Imagen 8"/>
+          <p:cNvPicPr>
+            <a:picLocks noChangeAspect="1"/>
+          </p:cNvPicPr>
+          <p:nvPr/>
+        </p:nvPicPr>
+        <p:blipFill>
+          <a:blip r:embed="rId7">
+            <a:extLst>
+              <a:ext uri="{28A0092B-C50C-407E-A947-70E740481C1C}">
+                <a14:useLocalDpi xmlns:a14="http://schemas.microsoft.com/office/drawing/2010/main" val="0"/>
+              </a:ext>
+            </a:extLst>
+          </a:blip>
+          <a:stretch>
+            <a:fillRect/>
+          </a:stretch>
+        </p:blipFill>
+        <p:spPr>
+          <a:xfrm>
+            <a:off x="751658" y="1372187"/>
+            <a:ext cx="3233744" cy="2958224"/>
+          </a:xfrm>
+          <a:prstGeom prst="rect">
+            <a:avLst/>
+          </a:prstGeom>
+        </p:spPr>
+      </p:pic>
+      <p:pic>
+        <p:nvPicPr>
+          <p:cNvPr id="15" name="Imagen 14"/>
+          <p:cNvPicPr>
+            <a:picLocks noChangeAspect="1"/>
+          </p:cNvPicPr>
+          <p:nvPr/>
+        </p:nvPicPr>
+        <p:blipFill>
+          <a:blip r:embed="rId8">
+            <a:extLst>
+              <a:ext uri="{28A0092B-C50C-407E-A947-70E740481C1C}">
+                <a14:useLocalDpi xmlns:a14="http://schemas.microsoft.com/office/drawing/2010/main" val="0"/>
+              </a:ext>
+            </a:extLst>
+          </a:blip>
+          <a:stretch>
+            <a:fillRect/>
+          </a:stretch>
+        </p:blipFill>
+        <p:spPr>
+          <a:xfrm>
+            <a:off x="751657" y="4353549"/>
+            <a:ext cx="3157545" cy="2462247"/>
+          </a:xfrm>
+          <a:prstGeom prst="rect">
+            <a:avLst/>
+          </a:prstGeom>
+        </p:spPr>
+      </p:pic>
     </p:spTree>
     <p:extLst>
       <p:ext uri="{BB962C8B-B14F-4D97-AF65-F5344CB8AC3E}">
-        <p14:creationId xmlns:p14="http://schemas.microsoft.com/office/powerpoint/2010/main" val="3525511416"/>
+        <p14:creationId xmlns:p14="http://schemas.microsoft.com/office/powerpoint/2010/main" val="573730534"/>
       </p:ext>
     </p:extLst>
   </p:cSld>
@@ -11063,7 +11063,7 @@
                   </a:schemeClr>
                 </a:solidFill>
               </a:rPr>
-              <a:t>Resultados segundo ensayo</a:t>
+              <a:t>Resultados primer ensayo</a:t>
             </a:r>
             <a:endParaRPr lang="es-ES" b="1" dirty="0">
               <a:solidFill>
@@ -11203,10 +11203,160 @@
           </a:extLst>
         </p:spPr>
       </p:pic>
+      <p:pic>
+        <p:nvPicPr>
+          <p:cNvPr id="3" name="Imagen 2"/>
+          <p:cNvPicPr>
+            <a:picLocks noChangeAspect="1"/>
+          </p:cNvPicPr>
+          <p:nvPr/>
+        </p:nvPicPr>
+        <p:blipFill>
+          <a:blip r:embed="rId5">
+            <a:extLst>
+              <a:ext uri="{28A0092B-C50C-407E-A947-70E740481C1C}">
+                <a14:useLocalDpi xmlns:a14="http://schemas.microsoft.com/office/drawing/2010/main" val="0"/>
+              </a:ext>
+            </a:extLst>
+          </a:blip>
+          <a:stretch>
+            <a:fillRect/>
+          </a:stretch>
+        </p:blipFill>
+        <p:spPr>
+          <a:xfrm>
+            <a:off x="145140" y="1284370"/>
+            <a:ext cx="8839203" cy="2947976"/>
+          </a:xfrm>
+          <a:prstGeom prst="rect">
+            <a:avLst/>
+          </a:prstGeom>
+        </p:spPr>
+      </p:pic>
+      <p:pic>
+        <p:nvPicPr>
+          <p:cNvPr id="8" name="Imagen 7"/>
+          <p:cNvPicPr>
+            <a:picLocks noChangeAspect="1"/>
+          </p:cNvPicPr>
+          <p:nvPr/>
+        </p:nvPicPr>
+        <p:blipFill>
+          <a:blip r:embed="rId6">
+            <a:extLst>
+              <a:ext uri="{28A0092B-C50C-407E-A947-70E740481C1C}">
+                <a14:useLocalDpi xmlns:a14="http://schemas.microsoft.com/office/drawing/2010/main" val="0"/>
+              </a:ext>
+            </a:extLst>
+          </a:blip>
+          <a:stretch>
+            <a:fillRect/>
+          </a:stretch>
+        </p:blipFill>
+        <p:spPr>
+          <a:xfrm>
+            <a:off x="3040616" y="3836556"/>
+            <a:ext cx="2997328" cy="2356352"/>
+          </a:xfrm>
+          <a:prstGeom prst="rect">
+            <a:avLst/>
+          </a:prstGeom>
+        </p:spPr>
+      </p:pic>
+      <p:pic>
+        <p:nvPicPr>
+          <p:cNvPr id="9" name="Imagen 8"/>
+          <p:cNvPicPr>
+            <a:picLocks noChangeAspect="1"/>
+          </p:cNvPicPr>
+          <p:nvPr/>
+        </p:nvPicPr>
+        <p:blipFill>
+          <a:blip r:embed="rId7">
+            <a:extLst>
+              <a:ext uri="{28A0092B-C50C-407E-A947-70E740481C1C}">
+                <a14:useLocalDpi xmlns:a14="http://schemas.microsoft.com/office/drawing/2010/main" val="0"/>
+              </a:ext>
+            </a:extLst>
+          </a:blip>
+          <a:stretch>
+            <a:fillRect/>
+          </a:stretch>
+        </p:blipFill>
+        <p:spPr>
+          <a:xfrm>
+            <a:off x="6037944" y="3836557"/>
+            <a:ext cx="2946399" cy="2355876"/>
+          </a:xfrm>
+          <a:prstGeom prst="rect">
+            <a:avLst/>
+          </a:prstGeom>
+        </p:spPr>
+      </p:pic>
+      <p:pic>
+        <p:nvPicPr>
+          <p:cNvPr id="10" name="Imagen 9"/>
+          <p:cNvPicPr>
+            <a:picLocks noChangeAspect="1"/>
+          </p:cNvPicPr>
+          <p:nvPr/>
+        </p:nvPicPr>
+        <p:blipFill>
+          <a:blip r:embed="rId8">
+            <a:extLst>
+              <a:ext uri="{28A0092B-C50C-407E-A947-70E740481C1C}">
+                <a14:useLocalDpi xmlns:a14="http://schemas.microsoft.com/office/drawing/2010/main" val="0"/>
+              </a:ext>
+            </a:extLst>
+          </a:blip>
+          <a:stretch>
+            <a:fillRect/>
+          </a:stretch>
+        </p:blipFill>
+        <p:spPr>
+          <a:xfrm>
+            <a:off x="140173" y="3836556"/>
+            <a:ext cx="2900442" cy="2354693"/>
+          </a:xfrm>
+          <a:prstGeom prst="rect">
+            <a:avLst/>
+          </a:prstGeom>
+        </p:spPr>
+      </p:pic>
+      <p:sp>
+        <p:nvSpPr>
+          <p:cNvPr id="14" name="CuadroTexto 13"/>
+          <p:cNvSpPr txBox="1"/>
+          <p:nvPr/>
+        </p:nvSpPr>
+        <p:spPr>
+          <a:xfrm>
+            <a:off x="9131300" y="3530600"/>
+            <a:ext cx="1257075" cy="369332"/>
+          </a:xfrm>
+          <a:prstGeom prst="rect">
+            <a:avLst/>
+          </a:prstGeom>
+          <a:noFill/>
+        </p:spPr>
+        <p:txBody>
+          <a:bodyPr wrap="none" rtlCol="0">
+            <a:spAutoFit/>
+          </a:bodyPr>
+          <a:lstStyle/>
+          <a:p>
+            <a:r>
+              <a:rPr lang="es-ES" dirty="0" smtClean="0"/>
+              <a:t>Escenario 6</a:t>
+            </a:r>
+            <a:endParaRPr lang="es-ES" dirty="0"/>
+          </a:p>
+        </p:txBody>
+      </p:sp>
     </p:spTree>
     <p:extLst>
       <p:ext uri="{BB962C8B-B14F-4D97-AF65-F5344CB8AC3E}">
-        <p14:creationId xmlns:p14="http://schemas.microsoft.com/office/powerpoint/2010/main" val="2533352451"/>
+        <p14:creationId xmlns:p14="http://schemas.microsoft.com/office/powerpoint/2010/main" val="3525511416"/>
       </p:ext>
     </p:extLst>
   </p:cSld>
@@ -11224,6 +11374,1408 @@
 </file>
 
 <file path=ppt/slides/slide22.xml><?xml version="1.0" encoding="utf-8"?>
+<p:sld xmlns:a="http://schemas.openxmlformats.org/drawingml/2006/main" xmlns:r="http://schemas.openxmlformats.org/officeDocument/2006/relationships" xmlns:p="http://schemas.openxmlformats.org/presentationml/2006/main">
+  <p:cSld>
+    <p:spTree>
+      <p:nvGrpSpPr>
+        <p:cNvPr id="1" name=""/>
+        <p:cNvGrpSpPr/>
+        <p:nvPr/>
+      </p:nvGrpSpPr>
+      <p:grpSpPr>
+        <a:xfrm>
+          <a:off x="0" y="0"/>
+          <a:ext cx="0" cy="0"/>
+          <a:chOff x="0" y="0"/>
+          <a:chExt cx="0" cy="0"/>
+        </a:xfrm>
+      </p:grpSpPr>
+      <p:sp>
+        <p:nvSpPr>
+          <p:cNvPr id="2" name="1 Título"/>
+          <p:cNvSpPr>
+            <a:spLocks noGrp="1"/>
+          </p:cNvSpPr>
+          <p:nvPr>
+            <p:ph type="title"/>
+          </p:nvPr>
+        </p:nvSpPr>
+        <p:spPr/>
+        <p:txBody>
+          <a:bodyPr>
+            <a:normAutofit/>
+          </a:bodyPr>
+          <a:lstStyle/>
+          <a:p>
+            <a:pPr algn="ctr"/>
+            <a:r>
+              <a:rPr lang="es-ES" b="1" dirty="0" smtClean="0">
+                <a:solidFill>
+                  <a:schemeClr val="accent1">
+                    <a:lumMod val="50000"/>
+                  </a:schemeClr>
+                </a:solidFill>
+              </a:rPr>
+              <a:t>Resultados primer ensayo</a:t>
+            </a:r>
+            <a:endParaRPr lang="es-ES" b="1" dirty="0">
+              <a:solidFill>
+                <a:schemeClr val="accent1">
+                  <a:lumMod val="50000"/>
+                </a:schemeClr>
+              </a:solidFill>
+            </a:endParaRPr>
+          </a:p>
+        </p:txBody>
+      </p:sp>
+      <p:pic>
+        <p:nvPicPr>
+          <p:cNvPr id="4" name="Picture 2" descr="Resultado de imagen de etsidi logo"/>
+          <p:cNvPicPr>
+            <a:picLocks noChangeAspect="1" noChangeArrowheads="1"/>
+          </p:cNvPicPr>
+          <p:nvPr/>
+        </p:nvPicPr>
+        <p:blipFill>
+          <a:blip r:embed="rId2" cstate="print">
+            <a:extLst>
+              <a:ext uri="{28A0092B-C50C-407E-A947-70E740481C1C}">
+                <a14:useLocalDpi xmlns:a14="http://schemas.microsoft.com/office/drawing/2010/main" val="0"/>
+              </a:ext>
+            </a:extLst>
+          </a:blip>
+          <a:srcRect/>
+          <a:stretch>
+            <a:fillRect/>
+          </a:stretch>
+        </p:blipFill>
+        <p:spPr bwMode="auto">
+          <a:xfrm>
+            <a:off x="10269415" y="286460"/>
+            <a:ext cx="1693789" cy="895227"/>
+          </a:xfrm>
+          <a:prstGeom prst="rect">
+            <a:avLst/>
+          </a:prstGeom>
+          <a:noFill/>
+          <a:extLst>
+            <a:ext uri="{909E8E84-426E-40DD-AFC4-6F175D3DCCD1}">
+              <a14:hiddenFill xmlns:a14="http://schemas.microsoft.com/office/drawing/2010/main">
+                <a:solidFill>
+                  <a:srgbClr val="FFFFFF"/>
+                </a:solidFill>
+              </a14:hiddenFill>
+            </a:ext>
+          </a:extLst>
+        </p:spPr>
+      </p:pic>
+      <p:pic>
+        <p:nvPicPr>
+          <p:cNvPr id="5" name="Picture 2" descr="Macintosh HD en Idril:Users:barrientos:DATOS:Modelos:Logos:UPM:EscUpmPolit.jpg"/>
+          <p:cNvPicPr/>
+          <p:nvPr/>
+        </p:nvPicPr>
+        <p:blipFill>
+          <a:blip r:embed="rId3">
+            <a:extLst>
+              <a:ext uri="{28A0092B-C50C-407E-A947-70E740481C1C}">
+                <a14:useLocalDpi xmlns:a14="http://schemas.microsoft.com/office/drawing/2010/main" val="0"/>
+              </a:ext>
+            </a:extLst>
+          </a:blip>
+          <a:srcRect/>
+          <a:stretch>
+            <a:fillRect/>
+          </a:stretch>
+        </p:blipFill>
+        <p:spPr bwMode="auto">
+          <a:xfrm>
+            <a:off x="143705" y="131712"/>
+            <a:ext cx="1417125" cy="1181686"/>
+          </a:xfrm>
+          <a:prstGeom prst="rect">
+            <a:avLst/>
+          </a:prstGeom>
+          <a:noFill/>
+          <a:ln>
+            <a:noFill/>
+          </a:ln>
+        </p:spPr>
+      </p:pic>
+      <p:pic>
+        <p:nvPicPr>
+          <p:cNvPr id="7" name="Image 6" descr="image011"/>
+          <p:cNvPicPr>
+            <a:picLocks noChangeAspect="1" noChangeArrowheads="1"/>
+          </p:cNvPicPr>
+          <p:nvPr/>
+        </p:nvPicPr>
+        <p:blipFill>
+          <a:blip r:embed="rId4">
+            <a:extLst>
+              <a:ext uri="{28A0092B-C50C-407E-A947-70E740481C1C}">
+                <a14:useLocalDpi xmlns:a14="http://schemas.microsoft.com/office/drawing/2010/main" val="0"/>
+              </a:ext>
+            </a:extLst>
+          </a:blip>
+          <a:srcRect/>
+          <a:stretch>
+            <a:fillRect/>
+          </a:stretch>
+        </p:blipFill>
+        <p:spPr bwMode="auto">
+          <a:xfrm>
+            <a:off x="9845799" y="6062662"/>
+            <a:ext cx="2117405" cy="452437"/>
+          </a:xfrm>
+          <a:prstGeom prst="rect">
+            <a:avLst/>
+          </a:prstGeom>
+          <a:noFill/>
+          <a:ln>
+            <a:noFill/>
+          </a:ln>
+          <a:extLst>
+            <a:ext uri="{909E8E84-426E-40DD-AFC4-6F175D3DCCD1}">
+              <a14:hiddenFill xmlns:a14="http://schemas.microsoft.com/office/drawing/2010/main">
+                <a:solidFill>
+                  <a:srgbClr val="FFFFFF"/>
+                </a:solidFill>
+              </a14:hiddenFill>
+            </a:ext>
+            <a:ext uri="{91240B29-F687-4F45-9708-019B960494DF}">
+              <a14:hiddenLine xmlns:a14="http://schemas.microsoft.com/office/drawing/2010/main" w="9525">
+                <a:solidFill>
+                  <a:srgbClr val="000000"/>
+                </a:solidFill>
+                <a:miter lim="800000"/>
+                <a:headEnd/>
+                <a:tailEnd/>
+              </a14:hiddenLine>
+            </a:ext>
+          </a:extLst>
+        </p:spPr>
+      </p:pic>
+      <p:pic>
+        <p:nvPicPr>
+          <p:cNvPr id="8" name="Imagen 7"/>
+          <p:cNvPicPr>
+            <a:picLocks noChangeAspect="1"/>
+          </p:cNvPicPr>
+          <p:nvPr/>
+        </p:nvPicPr>
+        <p:blipFill>
+          <a:blip r:embed="rId5">
+            <a:extLst>
+              <a:ext uri="{28A0092B-C50C-407E-A947-70E740481C1C}">
+                <a14:useLocalDpi xmlns:a14="http://schemas.microsoft.com/office/drawing/2010/main" val="0"/>
+              </a:ext>
+            </a:extLst>
+          </a:blip>
+          <a:stretch>
+            <a:fillRect/>
+          </a:stretch>
+        </p:blipFill>
+        <p:spPr>
+          <a:xfrm>
+            <a:off x="546100" y="4245072"/>
+            <a:ext cx="3323698" cy="2612928"/>
+          </a:xfrm>
+          <a:prstGeom prst="rect">
+            <a:avLst/>
+          </a:prstGeom>
+        </p:spPr>
+      </p:pic>
+      <p:pic>
+        <p:nvPicPr>
+          <p:cNvPr id="12" name="Imagen 11"/>
+          <p:cNvPicPr>
+            <a:picLocks noChangeAspect="1"/>
+          </p:cNvPicPr>
+          <p:nvPr/>
+        </p:nvPicPr>
+        <p:blipFill>
+          <a:blip r:embed="rId6">
+            <a:extLst>
+              <a:ext uri="{28A0092B-C50C-407E-A947-70E740481C1C}">
+                <a14:useLocalDpi xmlns:a14="http://schemas.microsoft.com/office/drawing/2010/main" val="0"/>
+              </a:ext>
+            </a:extLst>
+          </a:blip>
+          <a:stretch>
+            <a:fillRect/>
+          </a:stretch>
+        </p:blipFill>
+        <p:spPr>
+          <a:xfrm>
+            <a:off x="6701435" y="1319334"/>
+            <a:ext cx="3144364" cy="2894512"/>
+          </a:xfrm>
+          <a:prstGeom prst="rect">
+            <a:avLst/>
+          </a:prstGeom>
+        </p:spPr>
+      </p:pic>
+      <p:pic>
+        <p:nvPicPr>
+          <p:cNvPr id="13" name="Imagen 12"/>
+          <p:cNvPicPr>
+            <a:picLocks noChangeAspect="1"/>
+          </p:cNvPicPr>
+          <p:nvPr/>
+        </p:nvPicPr>
+        <p:blipFill>
+          <a:blip r:embed="rId5">
+            <a:extLst>
+              <a:ext uri="{28A0092B-C50C-407E-A947-70E740481C1C}">
+                <a14:useLocalDpi xmlns:a14="http://schemas.microsoft.com/office/drawing/2010/main" val="0"/>
+              </a:ext>
+            </a:extLst>
+          </a:blip>
+          <a:stretch>
+            <a:fillRect/>
+          </a:stretch>
+        </p:blipFill>
+        <p:spPr>
+          <a:xfrm>
+            <a:off x="6597991" y="4286594"/>
+            <a:ext cx="3247808" cy="2458292"/>
+          </a:xfrm>
+          <a:prstGeom prst="rect">
+            <a:avLst/>
+          </a:prstGeom>
+        </p:spPr>
+      </p:pic>
+      <p:pic>
+        <p:nvPicPr>
+          <p:cNvPr id="11" name="Imagen 10"/>
+          <p:cNvPicPr>
+            <a:picLocks noChangeAspect="1"/>
+          </p:cNvPicPr>
+          <p:nvPr/>
+        </p:nvPicPr>
+        <p:blipFill>
+          <a:blip r:embed="rId7">
+            <a:extLst>
+              <a:ext uri="{28A0092B-C50C-407E-A947-70E740481C1C}">
+                <a14:useLocalDpi xmlns:a14="http://schemas.microsoft.com/office/drawing/2010/main" val="0"/>
+              </a:ext>
+            </a:extLst>
+          </a:blip>
+          <a:stretch>
+            <a:fillRect/>
+          </a:stretch>
+        </p:blipFill>
+        <p:spPr>
+          <a:xfrm>
+            <a:off x="546100" y="1363360"/>
+            <a:ext cx="3340100" cy="2904434"/>
+          </a:xfrm>
+          <a:prstGeom prst="rect">
+            <a:avLst/>
+          </a:prstGeom>
+        </p:spPr>
+      </p:pic>
+      <p:sp>
+        <p:nvSpPr>
+          <p:cNvPr id="15" name="CuadroTexto 14"/>
+          <p:cNvSpPr txBox="1"/>
+          <p:nvPr/>
+        </p:nvSpPr>
+        <p:spPr>
+          <a:xfrm>
+            <a:off x="4251501" y="3475503"/>
+            <a:ext cx="1958348" cy="646331"/>
+          </a:xfrm>
+          <a:prstGeom prst="rect">
+            <a:avLst/>
+          </a:prstGeom>
+          <a:noFill/>
+        </p:spPr>
+        <p:txBody>
+          <a:bodyPr wrap="square" rtlCol="0">
+            <a:spAutoFit/>
+          </a:bodyPr>
+          <a:lstStyle/>
+          <a:p>
+            <a:pPr algn="ctr"/>
+            <a:r>
+              <a:rPr lang="es-ES" dirty="0" smtClean="0"/>
+              <a:t>Comparativa entre escenario 6 y 5 </a:t>
+            </a:r>
+            <a:endParaRPr lang="es-ES" dirty="0"/>
+          </a:p>
+        </p:txBody>
+      </p:sp>
+    </p:spTree>
+    <p:extLst>
+      <p:ext uri="{BB962C8B-B14F-4D97-AF65-F5344CB8AC3E}">
+        <p14:creationId xmlns:p14="http://schemas.microsoft.com/office/powerpoint/2010/main" val="3609041195"/>
+      </p:ext>
+    </p:extLst>
+  </p:cSld>
+  <p:clrMapOvr>
+    <a:masterClrMapping/>
+  </p:clrMapOvr>
+  <p:timing>
+    <p:tnLst>
+      <p:par>
+        <p:cTn id="1" dur="indefinite" restart="never" nodeType="tmRoot"/>
+      </p:par>
+    </p:tnLst>
+  </p:timing>
+</p:sld>
+</file>
+
+<file path=ppt/slides/slide23.xml><?xml version="1.0" encoding="utf-8"?>
+<p:sld xmlns:a="http://schemas.openxmlformats.org/drawingml/2006/main" xmlns:r="http://schemas.openxmlformats.org/officeDocument/2006/relationships" xmlns:p="http://schemas.openxmlformats.org/presentationml/2006/main">
+  <p:cSld>
+    <p:spTree>
+      <p:nvGrpSpPr>
+        <p:cNvPr id="1" name=""/>
+        <p:cNvGrpSpPr/>
+        <p:nvPr/>
+      </p:nvGrpSpPr>
+      <p:grpSpPr>
+        <a:xfrm>
+          <a:off x="0" y="0"/>
+          <a:ext cx="0" cy="0"/>
+          <a:chOff x="0" y="0"/>
+          <a:chExt cx="0" cy="0"/>
+        </a:xfrm>
+      </p:grpSpPr>
+      <p:sp>
+        <p:nvSpPr>
+          <p:cNvPr id="2" name="1 Título"/>
+          <p:cNvSpPr>
+            <a:spLocks noGrp="1"/>
+          </p:cNvSpPr>
+          <p:nvPr>
+            <p:ph type="title"/>
+          </p:nvPr>
+        </p:nvSpPr>
+        <p:spPr/>
+        <p:txBody>
+          <a:bodyPr>
+            <a:normAutofit/>
+          </a:bodyPr>
+          <a:lstStyle/>
+          <a:p>
+            <a:pPr algn="ctr"/>
+            <a:r>
+              <a:rPr lang="es-ES" b="1" dirty="0" smtClean="0">
+                <a:solidFill>
+                  <a:schemeClr val="accent1">
+                    <a:lumMod val="50000"/>
+                  </a:schemeClr>
+                </a:solidFill>
+              </a:rPr>
+              <a:t>Resultados segundo ensayo</a:t>
+            </a:r>
+            <a:endParaRPr lang="es-ES" b="1" dirty="0">
+              <a:solidFill>
+                <a:schemeClr val="accent1">
+                  <a:lumMod val="50000"/>
+                </a:schemeClr>
+              </a:solidFill>
+            </a:endParaRPr>
+          </a:p>
+        </p:txBody>
+      </p:sp>
+      <p:pic>
+        <p:nvPicPr>
+          <p:cNvPr id="4" name="Picture 2" descr="Resultado de imagen de etsidi logo"/>
+          <p:cNvPicPr>
+            <a:picLocks noChangeAspect="1" noChangeArrowheads="1"/>
+          </p:cNvPicPr>
+          <p:nvPr/>
+        </p:nvPicPr>
+        <p:blipFill>
+          <a:blip r:embed="rId2" cstate="print">
+            <a:extLst>
+              <a:ext uri="{28A0092B-C50C-407E-A947-70E740481C1C}">
+                <a14:useLocalDpi xmlns:a14="http://schemas.microsoft.com/office/drawing/2010/main" val="0"/>
+              </a:ext>
+            </a:extLst>
+          </a:blip>
+          <a:srcRect/>
+          <a:stretch>
+            <a:fillRect/>
+          </a:stretch>
+        </p:blipFill>
+        <p:spPr bwMode="auto">
+          <a:xfrm>
+            <a:off x="10269415" y="286460"/>
+            <a:ext cx="1693789" cy="895227"/>
+          </a:xfrm>
+          <a:prstGeom prst="rect">
+            <a:avLst/>
+          </a:prstGeom>
+          <a:noFill/>
+          <a:extLst>
+            <a:ext uri="{909E8E84-426E-40DD-AFC4-6F175D3DCCD1}">
+              <a14:hiddenFill xmlns:a14="http://schemas.microsoft.com/office/drawing/2010/main">
+                <a:solidFill>
+                  <a:srgbClr val="FFFFFF"/>
+                </a:solidFill>
+              </a14:hiddenFill>
+            </a:ext>
+          </a:extLst>
+        </p:spPr>
+      </p:pic>
+      <p:pic>
+        <p:nvPicPr>
+          <p:cNvPr id="5" name="Picture 2" descr="Macintosh HD en Idril:Users:barrientos:DATOS:Modelos:Logos:UPM:EscUpmPolit.jpg"/>
+          <p:cNvPicPr/>
+          <p:nvPr/>
+        </p:nvPicPr>
+        <p:blipFill>
+          <a:blip r:embed="rId3">
+            <a:extLst>
+              <a:ext uri="{28A0092B-C50C-407E-A947-70E740481C1C}">
+                <a14:useLocalDpi xmlns:a14="http://schemas.microsoft.com/office/drawing/2010/main" val="0"/>
+              </a:ext>
+            </a:extLst>
+          </a:blip>
+          <a:srcRect/>
+          <a:stretch>
+            <a:fillRect/>
+          </a:stretch>
+        </p:blipFill>
+        <p:spPr bwMode="auto">
+          <a:xfrm>
+            <a:off x="143705" y="131712"/>
+            <a:ext cx="1417125" cy="1181686"/>
+          </a:xfrm>
+          <a:prstGeom prst="rect">
+            <a:avLst/>
+          </a:prstGeom>
+          <a:noFill/>
+          <a:ln>
+            <a:noFill/>
+          </a:ln>
+        </p:spPr>
+      </p:pic>
+      <p:pic>
+        <p:nvPicPr>
+          <p:cNvPr id="7" name="Image 6" descr="image011"/>
+          <p:cNvPicPr>
+            <a:picLocks noChangeAspect="1" noChangeArrowheads="1"/>
+          </p:cNvPicPr>
+          <p:nvPr/>
+        </p:nvPicPr>
+        <p:blipFill>
+          <a:blip r:embed="rId4">
+            <a:extLst>
+              <a:ext uri="{28A0092B-C50C-407E-A947-70E740481C1C}">
+                <a14:useLocalDpi xmlns:a14="http://schemas.microsoft.com/office/drawing/2010/main" val="0"/>
+              </a:ext>
+            </a:extLst>
+          </a:blip>
+          <a:srcRect/>
+          <a:stretch>
+            <a:fillRect/>
+          </a:stretch>
+        </p:blipFill>
+        <p:spPr bwMode="auto">
+          <a:xfrm>
+            <a:off x="9845799" y="6062662"/>
+            <a:ext cx="2117405" cy="452437"/>
+          </a:xfrm>
+          <a:prstGeom prst="rect">
+            <a:avLst/>
+          </a:prstGeom>
+          <a:noFill/>
+          <a:ln>
+            <a:noFill/>
+          </a:ln>
+          <a:extLst>
+            <a:ext uri="{909E8E84-426E-40DD-AFC4-6F175D3DCCD1}">
+              <a14:hiddenFill xmlns:a14="http://schemas.microsoft.com/office/drawing/2010/main">
+                <a:solidFill>
+                  <a:srgbClr val="FFFFFF"/>
+                </a:solidFill>
+              </a14:hiddenFill>
+            </a:ext>
+            <a:ext uri="{91240B29-F687-4F45-9708-019B960494DF}">
+              <a14:hiddenLine xmlns:a14="http://schemas.microsoft.com/office/drawing/2010/main" w="9525">
+                <a:solidFill>
+                  <a:srgbClr val="000000"/>
+                </a:solidFill>
+                <a:miter lim="800000"/>
+                <a:headEnd/>
+                <a:tailEnd/>
+              </a14:hiddenLine>
+            </a:ext>
+          </a:extLst>
+        </p:spPr>
+      </p:pic>
+      <p:pic>
+        <p:nvPicPr>
+          <p:cNvPr id="3" name="Imagen 2"/>
+          <p:cNvPicPr>
+            <a:picLocks noChangeAspect="1"/>
+          </p:cNvPicPr>
+          <p:nvPr/>
+        </p:nvPicPr>
+        <p:blipFill>
+          <a:blip r:embed="rId5">
+            <a:extLst>
+              <a:ext uri="{28A0092B-C50C-407E-A947-70E740481C1C}">
+                <a14:useLocalDpi xmlns:a14="http://schemas.microsoft.com/office/drawing/2010/main" val="0"/>
+              </a:ext>
+            </a:extLst>
+          </a:blip>
+          <a:stretch>
+            <a:fillRect/>
+          </a:stretch>
+        </p:blipFill>
+        <p:spPr>
+          <a:xfrm>
+            <a:off x="143705" y="1712261"/>
+            <a:ext cx="5247161" cy="3459154"/>
+          </a:xfrm>
+          <a:prstGeom prst="rect">
+            <a:avLst/>
+          </a:prstGeom>
+        </p:spPr>
+      </p:pic>
+      <p:pic>
+        <p:nvPicPr>
+          <p:cNvPr id="6" name="Imagen 5"/>
+          <p:cNvPicPr>
+            <a:picLocks noChangeAspect="1"/>
+          </p:cNvPicPr>
+          <p:nvPr/>
+        </p:nvPicPr>
+        <p:blipFill>
+          <a:blip r:embed="rId6">
+            <a:extLst>
+              <a:ext uri="{28A0092B-C50C-407E-A947-70E740481C1C}">
+                <a14:useLocalDpi xmlns:a14="http://schemas.microsoft.com/office/drawing/2010/main" val="0"/>
+              </a:ext>
+            </a:extLst>
+          </a:blip>
+          <a:stretch>
+            <a:fillRect/>
+          </a:stretch>
+        </p:blipFill>
+        <p:spPr>
+          <a:xfrm>
+            <a:off x="5510987" y="1730020"/>
+            <a:ext cx="5257095" cy="3480726"/>
+          </a:xfrm>
+          <a:prstGeom prst="rect">
+            <a:avLst/>
+          </a:prstGeom>
+        </p:spPr>
+      </p:pic>
+      <p:sp>
+        <p:nvSpPr>
+          <p:cNvPr id="8" name="CuadroTexto 7"/>
+          <p:cNvSpPr txBox="1"/>
+          <p:nvPr/>
+        </p:nvSpPr>
+        <p:spPr>
+          <a:xfrm>
+            <a:off x="2388816" y="1584687"/>
+            <a:ext cx="1885453" cy="369332"/>
+          </a:xfrm>
+          <a:prstGeom prst="rect">
+            <a:avLst/>
+          </a:prstGeom>
+          <a:noFill/>
+        </p:spPr>
+        <p:txBody>
+          <a:bodyPr wrap="none" rtlCol="0">
+            <a:spAutoFit/>
+          </a:bodyPr>
+          <a:lstStyle/>
+          <a:p>
+            <a:r>
+              <a:rPr lang="es-ES" dirty="0" smtClean="0"/>
+              <a:t>1 MW escenario 4</a:t>
+            </a:r>
+            <a:endParaRPr lang="es-ES" dirty="0"/>
+          </a:p>
+        </p:txBody>
+      </p:sp>
+      <p:sp>
+        <p:nvSpPr>
+          <p:cNvPr id="9" name="CuadroTexto 8"/>
+          <p:cNvSpPr txBox="1"/>
+          <p:nvPr/>
+        </p:nvSpPr>
+        <p:spPr>
+          <a:xfrm>
+            <a:off x="7699862" y="1584687"/>
+            <a:ext cx="2007857" cy="369332"/>
+          </a:xfrm>
+          <a:prstGeom prst="rect">
+            <a:avLst/>
+          </a:prstGeom>
+          <a:noFill/>
+        </p:spPr>
+        <p:txBody>
+          <a:bodyPr wrap="none" rtlCol="0">
+            <a:spAutoFit/>
+          </a:bodyPr>
+          <a:lstStyle/>
+          <a:p>
+            <a:r>
+              <a:rPr lang="es-ES" dirty="0" smtClean="0"/>
+              <a:t>7,5 GW escenario 6</a:t>
+            </a:r>
+            <a:endParaRPr lang="es-ES" dirty="0"/>
+          </a:p>
+        </p:txBody>
+      </p:sp>
+      <p:graphicFrame>
+        <p:nvGraphicFramePr>
+          <p:cNvPr id="10" name="Tabla 9"/>
+          <p:cNvGraphicFramePr>
+            <a:graphicFrameLocks noGrp="1"/>
+          </p:cNvGraphicFramePr>
+          <p:nvPr>
+            <p:extLst>
+              <p:ext uri="{D42A27DB-BD31-4B8C-83A1-F6EECF244321}">
+                <p14:modId xmlns:p14="http://schemas.microsoft.com/office/powerpoint/2010/main" val="2205888931"/>
+              </p:ext>
+            </p:extLst>
+          </p:nvPr>
+        </p:nvGraphicFramePr>
+        <p:xfrm>
+          <a:off x="239107" y="5225986"/>
+          <a:ext cx="4299418" cy="1483360"/>
+        </p:xfrm>
+        <a:graphic>
+          <a:graphicData uri="http://schemas.openxmlformats.org/drawingml/2006/table">
+            <a:tbl>
+              <a:tblPr firstRow="1" bandRow="1">
+                <a:tableStyleId>{6E25E649-3F16-4E02-A733-19D2CDBF48F0}</a:tableStyleId>
+              </a:tblPr>
+              <a:tblGrid>
+                <a:gridCol w="2149709"/>
+                <a:gridCol w="2149709"/>
+              </a:tblGrid>
+              <a:tr h="370840">
+                <a:tc>
+                  <a:txBody>
+                    <a:bodyPr/>
+                    <a:lstStyle/>
+                    <a:p>
+                      <a:r>
+                        <a:rPr lang="es-ES" dirty="0" smtClean="0"/>
+                        <a:t>Compensación</a:t>
+                      </a:r>
+                      <a:endParaRPr lang="es-ES" dirty="0"/>
+                    </a:p>
+                  </a:txBody>
+                  <a:tcPr>
+                    <a:lnL w="12700" cap="flat" cmpd="sng" algn="ctr">
+                      <a:solidFill>
+                        <a:schemeClr val="tx1"/>
+                      </a:solidFill>
+                      <a:prstDash val="solid"/>
+                      <a:round/>
+                      <a:headEnd type="none" w="med" len="med"/>
+                      <a:tailEnd type="none" w="med" len="med"/>
+                    </a:lnL>
+                    <a:lnR w="12700" cap="flat" cmpd="sng" algn="ctr">
+                      <a:solidFill>
+                        <a:schemeClr val="tx1"/>
+                      </a:solidFill>
+                      <a:prstDash val="solid"/>
+                      <a:round/>
+                      <a:headEnd type="none" w="med" len="med"/>
+                      <a:tailEnd type="none" w="med" len="med"/>
+                    </a:lnR>
+                  </a:tcPr>
+                </a:tc>
+                <a:tc>
+                  <a:txBody>
+                    <a:bodyPr/>
+                    <a:lstStyle/>
+                    <a:p>
+                      <a:r>
+                        <a:rPr lang="es-ES" dirty="0" smtClean="0"/>
+                        <a:t>Error</a:t>
+                      </a:r>
+                      <a:endParaRPr lang="es-ES" dirty="0"/>
+                    </a:p>
+                  </a:txBody>
+                  <a:tcPr>
+                    <a:lnL w="12700" cap="flat" cmpd="sng" algn="ctr">
+                      <a:solidFill>
+                        <a:schemeClr val="tx1"/>
+                      </a:solidFill>
+                      <a:prstDash val="solid"/>
+                      <a:round/>
+                      <a:headEnd type="none" w="med" len="med"/>
+                      <a:tailEnd type="none" w="med" len="med"/>
+                    </a:lnL>
+                    <a:lnR w="12700" cap="flat" cmpd="sng" algn="ctr">
+                      <a:solidFill>
+                        <a:schemeClr val="tx1"/>
+                      </a:solidFill>
+                      <a:prstDash val="solid"/>
+                      <a:round/>
+                      <a:headEnd type="none" w="med" len="med"/>
+                      <a:tailEnd type="none" w="med" len="med"/>
+                    </a:lnR>
+                  </a:tcPr>
+                </a:tc>
+              </a:tr>
+              <a:tr h="370840">
+                <a:tc>
+                  <a:txBody>
+                    <a:bodyPr/>
+                    <a:lstStyle/>
+                    <a:p>
+                      <a:r>
+                        <a:rPr lang="es-ES" dirty="0" smtClean="0"/>
+                        <a:t>Ninguna</a:t>
+                      </a:r>
+                      <a:endParaRPr lang="es-ES" dirty="0"/>
+                    </a:p>
+                  </a:txBody>
+                  <a:tcPr>
+                    <a:lnR w="12700" cap="flat" cmpd="sng" algn="ctr">
+                      <a:solidFill>
+                        <a:schemeClr val="tx1"/>
+                      </a:solidFill>
+                      <a:prstDash val="solid"/>
+                      <a:round/>
+                      <a:headEnd type="none" w="med" len="med"/>
+                      <a:tailEnd type="none" w="med" len="med"/>
+                    </a:lnR>
+                  </a:tcPr>
+                </a:tc>
+                <a:tc>
+                  <a:txBody>
+                    <a:bodyPr/>
+                    <a:lstStyle/>
+                    <a:p>
+                      <a:r>
+                        <a:rPr lang="es-ES" dirty="0" smtClean="0"/>
+                        <a:t>3V</a:t>
+                      </a:r>
+                      <a:endParaRPr lang="es-ES" dirty="0"/>
+                    </a:p>
+                  </a:txBody>
+                  <a:tcPr>
+                    <a:lnL w="12700" cap="flat" cmpd="sng" algn="ctr">
+                      <a:solidFill>
+                        <a:schemeClr val="tx1"/>
+                      </a:solidFill>
+                      <a:prstDash val="solid"/>
+                      <a:round/>
+                      <a:headEnd type="none" w="med" len="med"/>
+                      <a:tailEnd type="none" w="med" len="med"/>
+                    </a:lnL>
+                  </a:tcPr>
+                </a:tc>
+              </a:tr>
+              <a:tr h="370840">
+                <a:tc>
+                  <a:txBody>
+                    <a:bodyPr/>
+                    <a:lstStyle/>
+                    <a:p>
+                      <a:r>
+                        <a:rPr lang="es-ES" dirty="0" smtClean="0"/>
+                        <a:t>Código de red</a:t>
+                      </a:r>
+                      <a:endParaRPr lang="es-ES" dirty="0"/>
+                    </a:p>
+                  </a:txBody>
+                  <a:tcPr>
+                    <a:lnR w="12700" cap="flat" cmpd="sng" algn="ctr">
+                      <a:solidFill>
+                        <a:schemeClr val="tx1"/>
+                      </a:solidFill>
+                      <a:prstDash val="solid"/>
+                      <a:round/>
+                      <a:headEnd type="none" w="med" len="med"/>
+                      <a:tailEnd type="none" w="med" len="med"/>
+                    </a:lnR>
+                  </a:tcPr>
+                </a:tc>
+                <a:tc>
+                  <a:txBody>
+                    <a:bodyPr/>
+                    <a:lstStyle/>
+                    <a:p>
+                      <a:r>
+                        <a:rPr lang="es-ES" dirty="0" smtClean="0"/>
+                        <a:t>3V</a:t>
+                      </a:r>
+                      <a:endParaRPr lang="es-ES" dirty="0"/>
+                    </a:p>
+                  </a:txBody>
+                  <a:tcPr>
+                    <a:lnL w="12700" cap="flat" cmpd="sng" algn="ctr">
+                      <a:solidFill>
+                        <a:schemeClr val="tx1"/>
+                      </a:solidFill>
+                      <a:prstDash val="solid"/>
+                      <a:round/>
+                      <a:headEnd type="none" w="med" len="med"/>
+                      <a:tailEnd type="none" w="med" len="med"/>
+                    </a:lnL>
+                  </a:tcPr>
+                </a:tc>
+              </a:tr>
+              <a:tr h="370840">
+                <a:tc>
+                  <a:txBody>
+                    <a:bodyPr/>
+                    <a:lstStyle/>
+                    <a:p>
+                      <a:r>
+                        <a:rPr lang="es-ES" dirty="0" smtClean="0"/>
+                        <a:t>Natural</a:t>
+                      </a:r>
+                      <a:endParaRPr lang="es-ES" dirty="0"/>
+                    </a:p>
+                  </a:txBody>
+                  <a:tcPr>
+                    <a:lnR w="12700" cap="flat" cmpd="sng" algn="ctr">
+                      <a:solidFill>
+                        <a:schemeClr val="tx1"/>
+                      </a:solidFill>
+                      <a:prstDash val="solid"/>
+                      <a:round/>
+                      <a:headEnd type="none" w="med" len="med"/>
+                      <a:tailEnd type="none" w="med" len="med"/>
+                    </a:lnR>
+                  </a:tcPr>
+                </a:tc>
+                <a:tc>
+                  <a:txBody>
+                    <a:bodyPr/>
+                    <a:lstStyle/>
+                    <a:p>
+                      <a:r>
+                        <a:rPr lang="es-ES" dirty="0" smtClean="0"/>
+                        <a:t>-27V</a:t>
+                      </a:r>
+                      <a:endParaRPr lang="es-ES" dirty="0"/>
+                    </a:p>
+                  </a:txBody>
+                  <a:tcPr>
+                    <a:lnL w="12700" cap="flat" cmpd="sng" algn="ctr">
+                      <a:solidFill>
+                        <a:schemeClr val="tx1"/>
+                      </a:solidFill>
+                      <a:prstDash val="solid"/>
+                      <a:round/>
+                      <a:headEnd type="none" w="med" len="med"/>
+                      <a:tailEnd type="none" w="med" len="med"/>
+                    </a:lnL>
+                  </a:tcPr>
+                </a:tc>
+              </a:tr>
+            </a:tbl>
+          </a:graphicData>
+        </a:graphic>
+      </p:graphicFrame>
+      <p:graphicFrame>
+        <p:nvGraphicFramePr>
+          <p:cNvPr id="11" name="Tabla 10"/>
+          <p:cNvGraphicFramePr>
+            <a:graphicFrameLocks noGrp="1"/>
+          </p:cNvGraphicFramePr>
+          <p:nvPr>
+            <p:extLst>
+              <p:ext uri="{D42A27DB-BD31-4B8C-83A1-F6EECF244321}">
+                <p14:modId xmlns:p14="http://schemas.microsoft.com/office/powerpoint/2010/main" val="4086063831"/>
+              </p:ext>
+            </p:extLst>
+          </p:nvPr>
+        </p:nvGraphicFramePr>
+        <p:xfrm>
+          <a:off x="5390866" y="5225986"/>
+          <a:ext cx="4299418" cy="1483360"/>
+        </p:xfrm>
+        <a:graphic>
+          <a:graphicData uri="http://schemas.openxmlformats.org/drawingml/2006/table">
+            <a:tbl>
+              <a:tblPr firstRow="1" bandRow="1">
+                <a:tableStyleId>{6E25E649-3F16-4E02-A733-19D2CDBF48F0}</a:tableStyleId>
+              </a:tblPr>
+              <a:tblGrid>
+                <a:gridCol w="2149709"/>
+                <a:gridCol w="2149709"/>
+              </a:tblGrid>
+              <a:tr h="370840">
+                <a:tc>
+                  <a:txBody>
+                    <a:bodyPr/>
+                    <a:lstStyle/>
+                    <a:p>
+                      <a:r>
+                        <a:rPr lang="es-ES" dirty="0" smtClean="0"/>
+                        <a:t>Compensación</a:t>
+                      </a:r>
+                      <a:endParaRPr lang="es-ES" dirty="0"/>
+                    </a:p>
+                  </a:txBody>
+                  <a:tcPr>
+                    <a:lnL w="12700" cap="flat" cmpd="sng" algn="ctr">
+                      <a:solidFill>
+                        <a:schemeClr val="tx1"/>
+                      </a:solidFill>
+                      <a:prstDash val="solid"/>
+                      <a:round/>
+                      <a:headEnd type="none" w="med" len="med"/>
+                      <a:tailEnd type="none" w="med" len="med"/>
+                    </a:lnL>
+                    <a:lnR w="12700" cap="flat" cmpd="sng" algn="ctr">
+                      <a:solidFill>
+                        <a:schemeClr val="tx1"/>
+                      </a:solidFill>
+                      <a:prstDash val="solid"/>
+                      <a:round/>
+                      <a:headEnd type="none" w="med" len="med"/>
+                      <a:tailEnd type="none" w="med" len="med"/>
+                    </a:lnR>
+                  </a:tcPr>
+                </a:tc>
+                <a:tc>
+                  <a:txBody>
+                    <a:bodyPr/>
+                    <a:lstStyle/>
+                    <a:p>
+                      <a:r>
+                        <a:rPr lang="es-ES" dirty="0" smtClean="0"/>
+                        <a:t>Error</a:t>
+                      </a:r>
+                      <a:endParaRPr lang="es-ES" dirty="0"/>
+                    </a:p>
+                  </a:txBody>
+                  <a:tcPr>
+                    <a:lnL w="12700" cap="flat" cmpd="sng" algn="ctr">
+                      <a:solidFill>
+                        <a:schemeClr val="tx1"/>
+                      </a:solidFill>
+                      <a:prstDash val="solid"/>
+                      <a:round/>
+                      <a:headEnd type="none" w="med" len="med"/>
+                      <a:tailEnd type="none" w="med" len="med"/>
+                    </a:lnL>
+                    <a:lnR w="12700" cap="flat" cmpd="sng" algn="ctr">
+                      <a:solidFill>
+                        <a:schemeClr val="tx1"/>
+                      </a:solidFill>
+                      <a:prstDash val="solid"/>
+                      <a:round/>
+                      <a:headEnd type="none" w="med" len="med"/>
+                      <a:tailEnd type="none" w="med" len="med"/>
+                    </a:lnR>
+                  </a:tcPr>
+                </a:tc>
+              </a:tr>
+              <a:tr h="370840">
+                <a:tc>
+                  <a:txBody>
+                    <a:bodyPr/>
+                    <a:lstStyle/>
+                    <a:p>
+                      <a:r>
+                        <a:rPr lang="es-ES" dirty="0" smtClean="0"/>
+                        <a:t>Ninguna</a:t>
+                      </a:r>
+                      <a:endParaRPr lang="es-ES" dirty="0"/>
+                    </a:p>
+                  </a:txBody>
+                  <a:tcPr>
+                    <a:lnR w="12700" cap="flat" cmpd="sng" algn="ctr">
+                      <a:solidFill>
+                        <a:schemeClr val="tx1"/>
+                      </a:solidFill>
+                      <a:prstDash val="solid"/>
+                      <a:round/>
+                      <a:headEnd type="none" w="med" len="med"/>
+                      <a:tailEnd type="none" w="med" len="med"/>
+                    </a:lnR>
+                  </a:tcPr>
+                </a:tc>
+                <a:tc>
+                  <a:txBody>
+                    <a:bodyPr/>
+                    <a:lstStyle/>
+                    <a:p>
+                      <a:r>
+                        <a:rPr lang="es-ES" dirty="0" smtClean="0"/>
+                        <a:t>7.75kV</a:t>
+                      </a:r>
+                      <a:endParaRPr lang="es-ES" dirty="0"/>
+                    </a:p>
+                  </a:txBody>
+                  <a:tcPr>
+                    <a:lnL w="12700" cap="flat" cmpd="sng" algn="ctr">
+                      <a:solidFill>
+                        <a:schemeClr val="tx1"/>
+                      </a:solidFill>
+                      <a:prstDash val="solid"/>
+                      <a:round/>
+                      <a:headEnd type="none" w="med" len="med"/>
+                      <a:tailEnd type="none" w="med" len="med"/>
+                    </a:lnL>
+                  </a:tcPr>
+                </a:tc>
+              </a:tr>
+              <a:tr h="370840">
+                <a:tc>
+                  <a:txBody>
+                    <a:bodyPr/>
+                    <a:lstStyle/>
+                    <a:p>
+                      <a:r>
+                        <a:rPr lang="es-ES" dirty="0" smtClean="0"/>
+                        <a:t>Código de red</a:t>
+                      </a:r>
+                      <a:endParaRPr lang="es-ES" dirty="0"/>
+                    </a:p>
+                  </a:txBody>
+                  <a:tcPr>
+                    <a:lnR w="12700" cap="flat" cmpd="sng" algn="ctr">
+                      <a:solidFill>
+                        <a:schemeClr val="tx1"/>
+                      </a:solidFill>
+                      <a:prstDash val="solid"/>
+                      <a:round/>
+                      <a:headEnd type="none" w="med" len="med"/>
+                      <a:tailEnd type="none" w="med" len="med"/>
+                    </a:lnR>
+                  </a:tcPr>
+                </a:tc>
+                <a:tc>
+                  <a:txBody>
+                    <a:bodyPr/>
+                    <a:lstStyle/>
+                    <a:p>
+                      <a:r>
+                        <a:rPr lang="es-ES" dirty="0" smtClean="0"/>
+                        <a:t>5.1kV</a:t>
+                      </a:r>
+                      <a:endParaRPr lang="es-ES" dirty="0"/>
+                    </a:p>
+                  </a:txBody>
+                  <a:tcPr>
+                    <a:lnL w="12700" cap="flat" cmpd="sng" algn="ctr">
+                      <a:solidFill>
+                        <a:schemeClr val="tx1"/>
+                      </a:solidFill>
+                      <a:prstDash val="solid"/>
+                      <a:round/>
+                      <a:headEnd type="none" w="med" len="med"/>
+                      <a:tailEnd type="none" w="med" len="med"/>
+                    </a:lnL>
+                  </a:tcPr>
+                </a:tc>
+              </a:tr>
+              <a:tr h="370840">
+                <a:tc>
+                  <a:txBody>
+                    <a:bodyPr/>
+                    <a:lstStyle/>
+                    <a:p>
+                      <a:r>
+                        <a:rPr lang="es-ES" dirty="0" smtClean="0"/>
+                        <a:t>Natural</a:t>
+                      </a:r>
+                      <a:endParaRPr lang="es-ES" dirty="0"/>
+                    </a:p>
+                  </a:txBody>
+                  <a:tcPr>
+                    <a:lnR w="12700" cap="flat" cmpd="sng" algn="ctr">
+                      <a:solidFill>
+                        <a:schemeClr val="tx1"/>
+                      </a:solidFill>
+                      <a:prstDash val="solid"/>
+                      <a:round/>
+                      <a:headEnd type="none" w="med" len="med"/>
+                      <a:tailEnd type="none" w="med" len="med"/>
+                    </a:lnR>
+                  </a:tcPr>
+                </a:tc>
+                <a:tc>
+                  <a:txBody>
+                    <a:bodyPr/>
+                    <a:lstStyle/>
+                    <a:p>
+                      <a:r>
+                        <a:rPr lang="es-ES" dirty="0" smtClean="0"/>
+                        <a:t>3.1kV</a:t>
+                      </a:r>
+                      <a:endParaRPr lang="es-ES" dirty="0"/>
+                    </a:p>
+                  </a:txBody>
+                  <a:tcPr>
+                    <a:lnL w="12700" cap="flat" cmpd="sng" algn="ctr">
+                      <a:solidFill>
+                        <a:schemeClr val="tx1"/>
+                      </a:solidFill>
+                      <a:prstDash val="solid"/>
+                      <a:round/>
+                      <a:headEnd type="none" w="med" len="med"/>
+                      <a:tailEnd type="none" w="med" len="med"/>
+                    </a:lnL>
+                  </a:tcPr>
+                </a:tc>
+              </a:tr>
+            </a:tbl>
+          </a:graphicData>
+        </a:graphic>
+      </p:graphicFrame>
+    </p:spTree>
+    <p:extLst>
+      <p:ext uri="{BB962C8B-B14F-4D97-AF65-F5344CB8AC3E}">
+        <p14:creationId xmlns:p14="http://schemas.microsoft.com/office/powerpoint/2010/main" val="2533352451"/>
+      </p:ext>
+    </p:extLst>
+  </p:cSld>
+  <p:clrMapOvr>
+    <a:masterClrMapping/>
+  </p:clrMapOvr>
+  <p:timing>
+    <p:tnLst>
+      <p:par>
+        <p:cTn id="1" dur="indefinite" restart="never" nodeType="tmRoot">
+          <p:childTnLst>
+            <p:seq concurrent="1" nextAc="seek">
+              <p:cTn id="2" dur="indefinite" nodeType="mainSeq">
+                <p:childTnLst>
+                  <p:par>
+                    <p:cTn id="3" fill="hold">
+                      <p:stCondLst>
+                        <p:cond delay="indefinite"/>
+                      </p:stCondLst>
+                      <p:childTnLst>
+                        <p:par>
+                          <p:cTn id="4" fill="hold">
+                            <p:stCondLst>
+                              <p:cond delay="0"/>
+                            </p:stCondLst>
+                            <p:childTnLst>
+                              <p:par>
+                                <p:cTn id="5" presetID="1" presetClass="entr" presetSubtype="0" fill="hold" nodeType="clickEffect">
+                                  <p:stCondLst>
+                                    <p:cond delay="0"/>
+                                  </p:stCondLst>
+                                  <p:childTnLst>
+                                    <p:set>
+                                      <p:cBhvr>
+                                        <p:cTn id="6" dur="1" fill="hold">
+                                          <p:stCondLst>
+                                            <p:cond delay="0"/>
+                                          </p:stCondLst>
+                                        </p:cTn>
+                                        <p:tgtEl>
+                                          <p:spTgt spid="3"/>
+                                        </p:tgtEl>
+                                        <p:attrNameLst>
+                                          <p:attrName>style.visibility</p:attrName>
+                                        </p:attrNameLst>
+                                      </p:cBhvr>
+                                      <p:to>
+                                        <p:strVal val="visible"/>
+                                      </p:to>
+                                    </p:set>
+                                  </p:childTnLst>
+                                </p:cTn>
+                              </p:par>
+                              <p:par>
+                                <p:cTn id="7" presetID="1" presetClass="entr" presetSubtype="0" fill="hold" grpId="0" nodeType="withEffect">
+                                  <p:stCondLst>
+                                    <p:cond delay="0"/>
+                                  </p:stCondLst>
+                                  <p:childTnLst>
+                                    <p:set>
+                                      <p:cBhvr>
+                                        <p:cTn id="8" dur="1" fill="hold">
+                                          <p:stCondLst>
+                                            <p:cond delay="0"/>
+                                          </p:stCondLst>
+                                        </p:cTn>
+                                        <p:tgtEl>
+                                          <p:spTgt spid="8"/>
+                                        </p:tgtEl>
+                                        <p:attrNameLst>
+                                          <p:attrName>style.visibility</p:attrName>
+                                        </p:attrNameLst>
+                                      </p:cBhvr>
+                                      <p:to>
+                                        <p:strVal val="visible"/>
+                                      </p:to>
+                                    </p:set>
+                                  </p:childTnLst>
+                                </p:cTn>
+                              </p:par>
+                              <p:par>
+                                <p:cTn id="9" presetID="1" presetClass="entr" presetSubtype="0" fill="hold" nodeType="withEffect">
+                                  <p:stCondLst>
+                                    <p:cond delay="0"/>
+                                  </p:stCondLst>
+                                  <p:childTnLst>
+                                    <p:set>
+                                      <p:cBhvr>
+                                        <p:cTn id="10" dur="1" fill="hold">
+                                          <p:stCondLst>
+                                            <p:cond delay="0"/>
+                                          </p:stCondLst>
+                                        </p:cTn>
+                                        <p:tgtEl>
+                                          <p:spTgt spid="10"/>
+                                        </p:tgtEl>
+                                        <p:attrNameLst>
+                                          <p:attrName>style.visibility</p:attrName>
+                                        </p:attrNameLst>
+                                      </p:cBhvr>
+                                      <p:to>
+                                        <p:strVal val="visible"/>
+                                      </p:to>
+                                    </p:set>
+                                  </p:childTnLst>
+                                </p:cTn>
+                              </p:par>
+                            </p:childTnLst>
+                          </p:cTn>
+                        </p:par>
+                      </p:childTnLst>
+                    </p:cTn>
+                  </p:par>
+                  <p:par>
+                    <p:cTn id="11" fill="hold">
+                      <p:stCondLst>
+                        <p:cond delay="indefinite"/>
+                      </p:stCondLst>
+                      <p:childTnLst>
+                        <p:par>
+                          <p:cTn id="12" fill="hold">
+                            <p:stCondLst>
+                              <p:cond delay="0"/>
+                            </p:stCondLst>
+                            <p:childTnLst>
+                              <p:par>
+                                <p:cTn id="13" presetID="1" presetClass="entr" presetSubtype="0" fill="hold" nodeType="clickEffect">
+                                  <p:stCondLst>
+                                    <p:cond delay="0"/>
+                                  </p:stCondLst>
+                                  <p:childTnLst>
+                                    <p:set>
+                                      <p:cBhvr>
+                                        <p:cTn id="14" dur="1" fill="hold">
+                                          <p:stCondLst>
+                                            <p:cond delay="0"/>
+                                          </p:stCondLst>
+                                        </p:cTn>
+                                        <p:tgtEl>
+                                          <p:spTgt spid="6"/>
+                                        </p:tgtEl>
+                                        <p:attrNameLst>
+                                          <p:attrName>style.visibility</p:attrName>
+                                        </p:attrNameLst>
+                                      </p:cBhvr>
+                                      <p:to>
+                                        <p:strVal val="visible"/>
+                                      </p:to>
+                                    </p:set>
+                                  </p:childTnLst>
+                                </p:cTn>
+                              </p:par>
+                              <p:par>
+                                <p:cTn id="15" presetID="1" presetClass="entr" presetSubtype="0" fill="hold" grpId="0" nodeType="withEffect">
+                                  <p:stCondLst>
+                                    <p:cond delay="0"/>
+                                  </p:stCondLst>
+                                  <p:childTnLst>
+                                    <p:set>
+                                      <p:cBhvr>
+                                        <p:cTn id="16" dur="1" fill="hold">
+                                          <p:stCondLst>
+                                            <p:cond delay="0"/>
+                                          </p:stCondLst>
+                                        </p:cTn>
+                                        <p:tgtEl>
+                                          <p:spTgt spid="9"/>
+                                        </p:tgtEl>
+                                        <p:attrNameLst>
+                                          <p:attrName>style.visibility</p:attrName>
+                                        </p:attrNameLst>
+                                      </p:cBhvr>
+                                      <p:to>
+                                        <p:strVal val="visible"/>
+                                      </p:to>
+                                    </p:set>
+                                  </p:childTnLst>
+                                </p:cTn>
+                              </p:par>
+                              <p:par>
+                                <p:cTn id="17" presetID="1" presetClass="entr" presetSubtype="0" fill="hold" nodeType="withEffect">
+                                  <p:stCondLst>
+                                    <p:cond delay="0"/>
+                                  </p:stCondLst>
+                                  <p:childTnLst>
+                                    <p:set>
+                                      <p:cBhvr>
+                                        <p:cTn id="18" dur="1" fill="hold">
+                                          <p:stCondLst>
+                                            <p:cond delay="0"/>
+                                          </p:stCondLst>
+                                        </p:cTn>
+                                        <p:tgtEl>
+                                          <p:spTgt spid="11"/>
+                                        </p:tgtEl>
+                                        <p:attrNameLst>
+                                          <p:attrName>style.visibility</p:attrName>
+                                        </p:attrNameLst>
+                                      </p:cBhvr>
+                                      <p:to>
+                                        <p:strVal val="visible"/>
+                                      </p:to>
+                                    </p:set>
+                                  </p:childTnLst>
+                                </p:cTn>
+                              </p:par>
+                            </p:childTnLst>
+                          </p:cTn>
+                        </p:par>
+                      </p:childTnLst>
+                    </p:cTn>
+                  </p:par>
+                </p:childTnLst>
+              </p:cTn>
+              <p:prevCondLst>
+                <p:cond evt="onPrev" delay="0">
+                  <p:tgtEl>
+                    <p:sldTgt/>
+                  </p:tgtEl>
+                </p:cond>
+              </p:prevCondLst>
+              <p:nextCondLst>
+                <p:cond evt="onNext" delay="0">
+                  <p:tgtEl>
+                    <p:sldTgt/>
+                  </p:tgtEl>
+                </p:cond>
+              </p:nextCondLst>
+            </p:seq>
+          </p:childTnLst>
+        </p:cTn>
+      </p:par>
+    </p:tnLst>
+    <p:bldLst>
+      <p:bldP spid="8" grpId="0"/>
+      <p:bldP spid="9" grpId="0"/>
+    </p:bldLst>
+  </p:timing>
+</p:sld>
+</file>
+
+<file path=ppt/slides/slide24.xml><?xml version="1.0" encoding="utf-8"?>
 <p:sld xmlns:a="http://schemas.openxmlformats.org/drawingml/2006/main" xmlns:r="http://schemas.openxmlformats.org/officeDocument/2006/relationships" xmlns:p="http://schemas.openxmlformats.org/presentationml/2006/main">
   <p:cSld>
     <p:spTree>
@@ -11595,7 +13147,7 @@
 </p:sld>
 </file>
 
-<file path=ppt/slides/slide23.xml><?xml version="1.0" encoding="utf-8"?>
+<file path=ppt/slides/slide25.xml><?xml version="1.0" encoding="utf-8"?>
 <p:sld xmlns:a="http://schemas.openxmlformats.org/drawingml/2006/main" xmlns:r="http://schemas.openxmlformats.org/officeDocument/2006/relationships" xmlns:p="http://schemas.openxmlformats.org/presentationml/2006/main">
   <p:cSld>
     <p:spTree>
@@ -12026,7 +13578,7 @@
 </p:sld>
 </file>
 
-<file path=ppt/slides/slide24.xml><?xml version="1.0" encoding="utf-8"?>
+<file path=ppt/slides/slide26.xml><?xml version="1.0" encoding="utf-8"?>
 <p:sld xmlns:a="http://schemas.openxmlformats.org/drawingml/2006/main" xmlns:r="http://schemas.openxmlformats.org/officeDocument/2006/relationships" xmlns:p="http://schemas.openxmlformats.org/presentationml/2006/main">
   <p:cSld>
     <p:spTree>
@@ -12445,7 +13997,7 @@
 </p:sld>
 </file>
 
-<file path=ppt/slides/slide25.xml><?xml version="1.0" encoding="utf-8"?>
+<file path=ppt/slides/slide27.xml><?xml version="1.0" encoding="utf-8"?>
 <p:sld xmlns:a="http://schemas.openxmlformats.org/drawingml/2006/main" xmlns:r="http://schemas.openxmlformats.org/officeDocument/2006/relationships" xmlns:p="http://schemas.openxmlformats.org/presentationml/2006/main">
   <p:cSld>
     <p:spTree>
@@ -13847,24 +15399,33 @@
             <p:ph idx="1"/>
           </p:nvPr>
         </p:nvSpPr>
-        <p:spPr/>
+        <p:spPr>
+          <a:xfrm>
+            <a:off x="838200" y="1690688"/>
+            <a:ext cx="10515600" cy="4351338"/>
+          </a:xfrm>
+        </p:spPr>
         <p:txBody>
           <a:bodyPr/>
           <a:lstStyle/>
           <a:p>
             <a:r>
               <a:rPr lang="es-ES" dirty="0" smtClean="0"/>
-              <a:t>Modelar el circuito de conexión a red en Simulink</a:t>
-            </a:r>
-          </a:p>
-          <a:p>
+              <a:t>Mode</a:t>
+            </a:r>
+            <a:r>
+              <a:rPr lang="es-ES" dirty="0"/>
+              <a:t>lar </a:t>
+            </a:r>
             <a:r>
               <a:rPr lang="es-ES" dirty="0" smtClean="0"/>
-              <a:t>Desarrollo </a:t>
-            </a:r>
-            <a:r>
-              <a:rPr lang="es-ES" dirty="0"/>
-              <a:t>del control de tensión–reactiva según del P.O. 7.4</a:t>
+              <a:t>el circuito de conexión a red en Simulink</a:t>
+            </a:r>
+          </a:p>
+          <a:p>
+            <a:r>
+              <a:rPr lang="es-ES" dirty="0" smtClean="0"/>
+              <a:t>Desarrollo del control de tensión–reactiva según del P.O. 7.4</a:t>
             </a:r>
           </a:p>
           <a:p>
@@ -14762,11 +16323,7 @@
           <a:p>
             <a:r>
               <a:rPr lang="es-ES" dirty="0" smtClean="0"/>
-              <a:t>Controladores </a:t>
-            </a:r>
-            <a:r>
-              <a:rPr lang="es-ES" dirty="0" smtClean="0"/>
-              <a:t>PI en la industria, investigación en controles avanzados</a:t>
+              <a:t>Controladores PI en la industria, investigación en controles avanzados</a:t>
             </a:r>
             <a:endParaRPr lang="es-ES" dirty="0"/>
           </a:p>
@@ -15451,14 +17008,13 @@
               <a:t>Modos de control para activa y </a:t>
             </a:r>
             <a:r>
-              <a:rPr lang="es-ES" dirty="0" err="1" smtClean="0"/>
-              <a:t>reativa</a:t>
+              <a:rPr lang="es-ES" dirty="0" smtClean="0"/>
+              <a:t>reactiva</a:t>
             </a:r>
             <a:r>
               <a:rPr lang="es-ES" dirty="0" smtClean="0"/>
               <a:t>:</a:t>
             </a:r>
-            <a:endParaRPr lang="es-ES" dirty="0" smtClean="0"/>
           </a:p>
           <a:p>
             <a:r>
@@ -15485,7 +17041,6 @@
               <a:rPr lang="es-ES" dirty="0" smtClean="0"/>
               <a:t>, Delta</a:t>
             </a:r>
-            <a:endParaRPr lang="es-ES" dirty="0" smtClean="0"/>
           </a:p>
           <a:p>
             <a:r>
